--- a/2018/Git-github-fundamentals/gitgithubfundamentals.pptx
+++ b/2018/Git-github-fundamentals/gitgithubfundamentals.pptx
@@ -7,9 +7,10 @@
   <p:sldIdLst>
     <p:sldId id="256" r:id="rId2"/>
     <p:sldId id="257" r:id="rId3"/>
-    <p:sldId id="258" r:id="rId4"/>
-    <p:sldId id="259" r:id="rId5"/>
-    <p:sldId id="260" r:id="rId6"/>
+    <p:sldId id="261" r:id="rId4"/>
+    <p:sldId id="262" r:id="rId5"/>
+    <p:sldId id="259" r:id="rId6"/>
+    <p:sldId id="260" r:id="rId7"/>
   </p:sldIdLst>
   <p:sldSz cx="12192000" cy="6858000"/>
   <p:notesSz cx="6858000" cy="9144000"/>
@@ -108,6 +109,11 @@
       </a:defRPr>
     </a:lvl9pPr>
   </p:defaultTextStyle>
+  <p:extLst>
+    <p:ext uri="{EFAFB233-063F-42B5-8137-9DF3F51BA10A}">
+      <p15:sldGuideLst xmlns:p15="http://schemas.microsoft.com/office/powerpoint/2012/main"/>
+    </p:ext>
+  </p:extLst>
 </p:presentation>
 </file>
 
@@ -3308,38 +3314,64 @@
             <p:ph type="title"/>
           </p:nvPr>
         </p:nvSpPr>
-        <p:spPr/>
-        <p:txBody>
-          <a:bodyPr/>
-          <a:lstStyle/>
-          <a:p>
-            <a:endParaRPr lang="es-MX"/>
-          </a:p>
-        </p:txBody>
-      </p:sp>
-      <p:sp>
-        <p:nvSpPr>
-          <p:cNvPr id="3" name="Marcador de contenido 2"/>
-          <p:cNvSpPr>
-            <a:spLocks noGrp="1"/>
-          </p:cNvSpPr>
-          <p:nvPr>
-            <p:ph idx="1"/>
-          </p:nvPr>
-        </p:nvSpPr>
-        <p:spPr/>
-        <p:txBody>
-          <a:bodyPr/>
-          <a:lstStyle/>
-          <a:p>
-            <a:endParaRPr lang="es-MX"/>
+        <p:spPr>
+          <a:xfrm>
+            <a:off x="2999603" y="2320282"/>
+            <a:ext cx="6192795" cy="2217437"/>
+          </a:xfrm>
+        </p:spPr>
+        <p:txBody>
+          <a:bodyPr>
+            <a:noAutofit/>
+          </a:bodyPr>
+          <a:lstStyle/>
+          <a:p>
+            <a:pPr algn="ctr"/>
+            <a:r>
+              <a:rPr lang="es-MX" sz="8000" dirty="0" smtClean="0">
+                <a:solidFill>
+                  <a:srgbClr val="C00000"/>
+                </a:solidFill>
+                <a:latin typeface="Roboto" panose="02000000000000000000" pitchFamily="2" charset="0"/>
+                <a:ea typeface="Roboto" panose="02000000000000000000" pitchFamily="2" charset="0"/>
+              </a:rPr>
+              <a:t>Instalación </a:t>
+            </a:r>
+            <a:br>
+              <a:rPr lang="es-MX" sz="8000" dirty="0" smtClean="0">
+                <a:solidFill>
+                  <a:srgbClr val="C00000"/>
+                </a:solidFill>
+                <a:latin typeface="Roboto" panose="02000000000000000000" pitchFamily="2" charset="0"/>
+                <a:ea typeface="Roboto" panose="02000000000000000000" pitchFamily="2" charset="0"/>
+              </a:rPr>
+            </a:br>
+            <a:r>
+              <a:rPr lang="es-MX" sz="4000" dirty="0" smtClean="0">
+                <a:solidFill>
+                  <a:schemeClr val="bg1">
+                    <a:lumMod val="50000"/>
+                  </a:schemeClr>
+                </a:solidFill>
+                <a:latin typeface="Roboto" panose="02000000000000000000" pitchFamily="2" charset="0"/>
+                <a:ea typeface="Roboto" panose="02000000000000000000" pitchFamily="2" charset="0"/>
+              </a:rPr>
+              <a:t>git-scm.com</a:t>
+            </a:r>
+            <a:endParaRPr lang="es-MX" sz="4000" dirty="0">
+              <a:solidFill>
+                <a:schemeClr val="bg1">
+                  <a:lumMod val="50000"/>
+                </a:schemeClr>
+              </a:solidFill>
+            </a:endParaRPr>
           </a:p>
         </p:txBody>
       </p:sp>
     </p:spTree>
     <p:extLst>
       <p:ext uri="{BB962C8B-B14F-4D97-AF65-F5344CB8AC3E}">
-        <p14:creationId xmlns:p14="http://schemas.microsoft.com/office/powerpoint/2010/main" val="3293038282"/>
+        <p14:creationId xmlns:p14="http://schemas.microsoft.com/office/powerpoint/2010/main" val="3342677879"/>
       </p:ext>
     </p:extLst>
   </p:cSld>
@@ -3357,6 +3389,426 @@
 </file>
 
 <file path=ppt/slides/slide4.xml><?xml version="1.0" encoding="utf-8"?>
+<p:sld xmlns:a="http://schemas.openxmlformats.org/drawingml/2006/main" xmlns:r="http://schemas.openxmlformats.org/officeDocument/2006/relationships" xmlns:p="http://schemas.openxmlformats.org/presentationml/2006/main">
+  <p:cSld>
+    <p:spTree>
+      <p:nvGrpSpPr>
+        <p:cNvPr id="1" name=""/>
+        <p:cNvGrpSpPr/>
+        <p:nvPr/>
+      </p:nvGrpSpPr>
+      <p:grpSpPr>
+        <a:xfrm>
+          <a:off x="0" y="0"/>
+          <a:ext cx="0" cy="0"/>
+          <a:chOff x="0" y="0"/>
+          <a:chExt cx="0" cy="0"/>
+        </a:xfrm>
+      </p:grpSpPr>
+      <p:sp>
+        <p:nvSpPr>
+          <p:cNvPr id="2" name="Título 1"/>
+          <p:cNvSpPr>
+            <a:spLocks noGrp="1"/>
+          </p:cNvSpPr>
+          <p:nvPr>
+            <p:ph type="title"/>
+          </p:nvPr>
+        </p:nvSpPr>
+        <p:spPr/>
+        <p:txBody>
+          <a:bodyPr/>
+          <a:lstStyle/>
+          <a:p>
+            <a:r>
+              <a:rPr lang="es-MX" sz="5000" dirty="0" err="1">
+                <a:solidFill>
+                  <a:srgbClr val="C00000"/>
+                </a:solidFill>
+                <a:latin typeface="Roboto Black" panose="02000000000000000000" pitchFamily="2" charset="0"/>
+                <a:ea typeface="Roboto Black" panose="02000000000000000000" pitchFamily="2" charset="0"/>
+              </a:rPr>
+              <a:t>Config</a:t>
+            </a:r>
+            <a:r>
+              <a:rPr lang="es-MX" sz="5000" dirty="0" smtClean="0">
+                <a:solidFill>
+                  <a:srgbClr val="6A3093"/>
+                </a:solidFill>
+                <a:latin typeface="Roboto" panose="02000000000000000000" pitchFamily="2" charset="0"/>
+                <a:ea typeface="Roboto" panose="02000000000000000000" pitchFamily="2" charset="0"/>
+              </a:rPr>
+              <a:t> </a:t>
+            </a:r>
+            <a:r>
+              <a:rPr lang="es-MX" sz="2000" dirty="0" smtClean="0">
+                <a:solidFill>
+                  <a:schemeClr val="bg1">
+                    <a:lumMod val="50000"/>
+                  </a:schemeClr>
+                </a:solidFill>
+                <a:latin typeface="Roboto" panose="02000000000000000000" pitchFamily="2" charset="0"/>
+                <a:ea typeface="Roboto" panose="02000000000000000000" pitchFamily="2" charset="0"/>
+              </a:rPr>
+              <a:t>[</a:t>
+            </a:r>
+            <a:r>
+              <a:rPr lang="es-MX" sz="2000" dirty="0" err="1" smtClean="0">
+                <a:solidFill>
+                  <a:schemeClr val="bg1">
+                    <a:lumMod val="50000"/>
+                  </a:schemeClr>
+                </a:solidFill>
+                <a:latin typeface="Roboto" panose="02000000000000000000" pitchFamily="2" charset="0"/>
+                <a:ea typeface="Roboto" panose="02000000000000000000" pitchFamily="2" charset="0"/>
+              </a:rPr>
+              <a:t>git</a:t>
+            </a:r>
+            <a:r>
+              <a:rPr lang="es-MX" sz="2000" dirty="0" smtClean="0">
+                <a:solidFill>
+                  <a:schemeClr val="bg1">
+                    <a:lumMod val="50000"/>
+                  </a:schemeClr>
+                </a:solidFill>
+                <a:latin typeface="Roboto" panose="02000000000000000000" pitchFamily="2" charset="0"/>
+                <a:ea typeface="Roboto" panose="02000000000000000000" pitchFamily="2" charset="0"/>
+              </a:rPr>
+              <a:t>] </a:t>
+            </a:r>
+            <a:endParaRPr lang="es-MX" sz="2000" dirty="0">
+              <a:solidFill>
+                <a:schemeClr val="bg1">
+                  <a:lumMod val="50000"/>
+                </a:schemeClr>
+              </a:solidFill>
+              <a:latin typeface="Roboto" panose="02000000000000000000" pitchFamily="2" charset="0"/>
+              <a:ea typeface="Roboto" panose="02000000000000000000" pitchFamily="2" charset="0"/>
+            </a:endParaRPr>
+          </a:p>
+        </p:txBody>
+      </p:sp>
+      <p:sp>
+        <p:nvSpPr>
+          <p:cNvPr id="3" name="Marcador de contenido 2"/>
+          <p:cNvSpPr>
+            <a:spLocks noGrp="1"/>
+          </p:cNvSpPr>
+          <p:nvPr>
+            <p:ph idx="1"/>
+          </p:nvPr>
+        </p:nvSpPr>
+        <p:spPr>
+          <a:xfrm>
+            <a:off x="838200" y="2333840"/>
+            <a:ext cx="10515600" cy="2190321"/>
+          </a:xfrm>
+        </p:spPr>
+        <p:txBody>
+          <a:bodyPr>
+            <a:noAutofit/>
+          </a:bodyPr>
+          <a:lstStyle/>
+          <a:p>
+            <a:pPr marL="0" indent="0">
+              <a:buNone/>
+            </a:pPr>
+            <a:r>
+              <a:rPr lang="es-MX" sz="2200" dirty="0" smtClean="0">
+                <a:solidFill>
+                  <a:schemeClr val="bg1">
+                    <a:lumMod val="75000"/>
+                  </a:schemeClr>
+                </a:solidFill>
+                <a:latin typeface="Roboto" panose="02000000000000000000" pitchFamily="2" charset="0"/>
+                <a:ea typeface="Roboto" panose="02000000000000000000" pitchFamily="2" charset="0"/>
+              </a:rPr>
+              <a:t>Configuración de nombre</a:t>
+            </a:r>
+          </a:p>
+          <a:p>
+            <a:pPr marL="0" indent="0">
+              <a:buNone/>
+            </a:pPr>
+            <a:r>
+              <a:rPr lang="es-MX" sz="2400" dirty="0" err="1" smtClean="0">
+                <a:solidFill>
+                  <a:srgbClr val="4B6584"/>
+                </a:solidFill>
+                <a:latin typeface="Roboto" panose="02000000000000000000" pitchFamily="2" charset="0"/>
+                <a:ea typeface="Roboto" panose="02000000000000000000" pitchFamily="2" charset="0"/>
+              </a:rPr>
+              <a:t>git</a:t>
+            </a:r>
+            <a:r>
+              <a:rPr lang="es-MX" sz="2400" dirty="0" smtClean="0">
+                <a:solidFill>
+                  <a:srgbClr val="4B6584"/>
+                </a:solidFill>
+                <a:latin typeface="Roboto" panose="02000000000000000000" pitchFamily="2" charset="0"/>
+                <a:ea typeface="Roboto" panose="02000000000000000000" pitchFamily="2" charset="0"/>
+              </a:rPr>
+              <a:t> </a:t>
+            </a:r>
+            <a:r>
+              <a:rPr lang="es-MX" sz="2400" dirty="0" err="1">
+                <a:solidFill>
+                  <a:srgbClr val="4B6584"/>
+                </a:solidFill>
+                <a:latin typeface="Roboto" panose="02000000000000000000" pitchFamily="2" charset="0"/>
+                <a:ea typeface="Roboto" panose="02000000000000000000" pitchFamily="2" charset="0"/>
+              </a:rPr>
+              <a:t>config</a:t>
+            </a:r>
+            <a:r>
+              <a:rPr lang="es-MX" sz="2400" dirty="0">
+                <a:solidFill>
+                  <a:srgbClr val="4B6584"/>
+                </a:solidFill>
+                <a:latin typeface="Roboto" panose="02000000000000000000" pitchFamily="2" charset="0"/>
+                <a:ea typeface="Roboto" panose="02000000000000000000" pitchFamily="2" charset="0"/>
+              </a:rPr>
+              <a:t> </a:t>
+            </a:r>
+            <a:r>
+              <a:rPr lang="es-MX" sz="2400" dirty="0" smtClean="0">
+                <a:solidFill>
+                  <a:srgbClr val="4B6584"/>
+                </a:solidFill>
+                <a:latin typeface="Roboto" panose="02000000000000000000" pitchFamily="2" charset="0"/>
+                <a:ea typeface="Roboto" panose="02000000000000000000" pitchFamily="2" charset="0"/>
+              </a:rPr>
+              <a:t>--global </a:t>
+            </a:r>
+            <a:r>
+              <a:rPr lang="es-MX" sz="2400" dirty="0">
+                <a:solidFill>
+                  <a:srgbClr val="4B6584"/>
+                </a:solidFill>
+                <a:latin typeface="Roboto" panose="02000000000000000000" pitchFamily="2" charset="0"/>
+                <a:ea typeface="Roboto" panose="02000000000000000000" pitchFamily="2" charset="0"/>
+              </a:rPr>
+              <a:t>user.name “</a:t>
+            </a:r>
+            <a:r>
+              <a:rPr lang="es-MX" sz="2000" dirty="0">
+                <a:solidFill>
+                  <a:srgbClr val="4B6584"/>
+                </a:solidFill>
+                <a:latin typeface="Roboto" panose="02000000000000000000" pitchFamily="2" charset="0"/>
+                <a:ea typeface="Roboto" panose="02000000000000000000" pitchFamily="2" charset="0"/>
+              </a:rPr>
+              <a:t>[</a:t>
+            </a:r>
+            <a:r>
+              <a:rPr lang="es-MX" sz="2400" dirty="0">
+                <a:solidFill>
+                  <a:srgbClr val="4B6584"/>
+                </a:solidFill>
+                <a:latin typeface="Roboto" panose="02000000000000000000" pitchFamily="2" charset="0"/>
+                <a:ea typeface="Roboto" panose="02000000000000000000" pitchFamily="2" charset="0"/>
+              </a:rPr>
+              <a:t>nombre</a:t>
+            </a:r>
+            <a:r>
+              <a:rPr lang="es-MX" sz="2000" dirty="0" smtClean="0">
+                <a:solidFill>
+                  <a:srgbClr val="4B6584"/>
+                </a:solidFill>
+                <a:latin typeface="Roboto" panose="02000000000000000000" pitchFamily="2" charset="0"/>
+                <a:ea typeface="Roboto" panose="02000000000000000000" pitchFamily="2" charset="0"/>
+              </a:rPr>
+              <a:t>]</a:t>
+            </a:r>
+            <a:r>
+              <a:rPr lang="es-MX" sz="2400" dirty="0" smtClean="0">
+                <a:solidFill>
+                  <a:srgbClr val="4B6584"/>
+                </a:solidFill>
+                <a:latin typeface="Roboto" panose="02000000000000000000" pitchFamily="2" charset="0"/>
+                <a:ea typeface="Roboto" panose="02000000000000000000" pitchFamily="2" charset="0"/>
+              </a:rPr>
+              <a:t>”</a:t>
+            </a:r>
+          </a:p>
+          <a:p>
+            <a:pPr marL="0" indent="0">
+              <a:buNone/>
+            </a:pPr>
+            <a:r>
+              <a:rPr lang="es-MX" dirty="0">
+                <a:solidFill>
+                  <a:schemeClr val="bg1">
+                    <a:lumMod val="50000"/>
+                  </a:schemeClr>
+                </a:solidFill>
+                <a:latin typeface="Roboto" panose="02000000000000000000" pitchFamily="2" charset="0"/>
+                <a:ea typeface="Roboto" panose="02000000000000000000" pitchFamily="2" charset="0"/>
+              </a:rPr>
+              <a:t/>
+            </a:r>
+            <a:br>
+              <a:rPr lang="es-MX" dirty="0">
+                <a:solidFill>
+                  <a:schemeClr val="bg1">
+                    <a:lumMod val="50000"/>
+                  </a:schemeClr>
+                </a:solidFill>
+                <a:latin typeface="Roboto" panose="02000000000000000000" pitchFamily="2" charset="0"/>
+                <a:ea typeface="Roboto" panose="02000000000000000000" pitchFamily="2" charset="0"/>
+              </a:rPr>
+            </a:br>
+            <a:r>
+              <a:rPr lang="es-MX" sz="2200" dirty="0">
+                <a:solidFill>
+                  <a:schemeClr val="bg1">
+                    <a:lumMod val="75000"/>
+                  </a:schemeClr>
+                </a:solidFill>
+                <a:latin typeface="Roboto" panose="02000000000000000000" pitchFamily="2" charset="0"/>
+                <a:ea typeface="Roboto" panose="02000000000000000000" pitchFamily="2" charset="0"/>
+              </a:rPr>
+              <a:t>Configuración de correo</a:t>
+            </a:r>
+          </a:p>
+          <a:p>
+            <a:pPr marL="0" indent="0">
+              <a:buNone/>
+            </a:pPr>
+            <a:r>
+              <a:rPr lang="es-MX" sz="2400" dirty="0" err="1">
+                <a:solidFill>
+                  <a:srgbClr val="4B6584"/>
+                </a:solidFill>
+                <a:latin typeface="Roboto" panose="02000000000000000000" pitchFamily="2" charset="0"/>
+                <a:ea typeface="Roboto" panose="02000000000000000000" pitchFamily="2" charset="0"/>
+              </a:rPr>
+              <a:t>git</a:t>
+            </a:r>
+            <a:r>
+              <a:rPr lang="es-MX" sz="2400" dirty="0">
+                <a:solidFill>
+                  <a:srgbClr val="4B6584"/>
+                </a:solidFill>
+                <a:latin typeface="Roboto" panose="02000000000000000000" pitchFamily="2" charset="0"/>
+                <a:ea typeface="Roboto" panose="02000000000000000000" pitchFamily="2" charset="0"/>
+              </a:rPr>
+              <a:t> </a:t>
+            </a:r>
+            <a:r>
+              <a:rPr lang="es-MX" sz="2400" dirty="0" err="1">
+                <a:solidFill>
+                  <a:srgbClr val="4B6584"/>
+                </a:solidFill>
+                <a:latin typeface="Roboto" panose="02000000000000000000" pitchFamily="2" charset="0"/>
+                <a:ea typeface="Roboto" panose="02000000000000000000" pitchFamily="2" charset="0"/>
+              </a:rPr>
+              <a:t>config</a:t>
+            </a:r>
+            <a:r>
+              <a:rPr lang="es-MX" sz="2400" dirty="0">
+                <a:solidFill>
+                  <a:srgbClr val="4B6584"/>
+                </a:solidFill>
+                <a:latin typeface="Roboto" panose="02000000000000000000" pitchFamily="2" charset="0"/>
+                <a:ea typeface="Roboto" panose="02000000000000000000" pitchFamily="2" charset="0"/>
+              </a:rPr>
+              <a:t> </a:t>
+            </a:r>
+            <a:r>
+              <a:rPr lang="es-MX" sz="2400" dirty="0" smtClean="0">
+                <a:solidFill>
+                  <a:srgbClr val="4B6584"/>
+                </a:solidFill>
+                <a:latin typeface="Roboto" panose="02000000000000000000" pitchFamily="2" charset="0"/>
+                <a:ea typeface="Roboto" panose="02000000000000000000" pitchFamily="2" charset="0"/>
+              </a:rPr>
+              <a:t>--global </a:t>
+            </a:r>
+            <a:r>
+              <a:rPr lang="es-MX" sz="2400" dirty="0" err="1">
+                <a:solidFill>
+                  <a:srgbClr val="4B6584"/>
+                </a:solidFill>
+                <a:latin typeface="Roboto" panose="02000000000000000000" pitchFamily="2" charset="0"/>
+                <a:ea typeface="Roboto" panose="02000000000000000000" pitchFamily="2" charset="0"/>
+              </a:rPr>
+              <a:t>user.email</a:t>
+            </a:r>
+            <a:r>
+              <a:rPr lang="es-MX" sz="2400" dirty="0">
+                <a:solidFill>
+                  <a:srgbClr val="4B6584"/>
+                </a:solidFill>
+                <a:latin typeface="Roboto" panose="02000000000000000000" pitchFamily="2" charset="0"/>
+                <a:ea typeface="Roboto" panose="02000000000000000000" pitchFamily="2" charset="0"/>
+              </a:rPr>
+              <a:t> “</a:t>
+            </a:r>
+            <a:r>
+              <a:rPr lang="es-MX" sz="2000" dirty="0">
+                <a:solidFill>
+                  <a:srgbClr val="4B6584"/>
+                </a:solidFill>
+                <a:latin typeface="Roboto" panose="02000000000000000000" pitchFamily="2" charset="0"/>
+                <a:ea typeface="Roboto" panose="02000000000000000000" pitchFamily="2" charset="0"/>
+              </a:rPr>
+              <a:t>[</a:t>
+            </a:r>
+            <a:r>
+              <a:rPr lang="es-MX" sz="2400" dirty="0">
+                <a:solidFill>
+                  <a:srgbClr val="4B6584"/>
+                </a:solidFill>
+                <a:latin typeface="Roboto" panose="02000000000000000000" pitchFamily="2" charset="0"/>
+                <a:ea typeface="Roboto" panose="02000000000000000000" pitchFamily="2" charset="0"/>
+              </a:rPr>
+              <a:t>email</a:t>
+            </a:r>
+            <a:r>
+              <a:rPr lang="es-MX" sz="2000" dirty="0">
+                <a:solidFill>
+                  <a:srgbClr val="4B6584"/>
+                </a:solidFill>
+                <a:latin typeface="Roboto" panose="02000000000000000000" pitchFamily="2" charset="0"/>
+                <a:ea typeface="Roboto" panose="02000000000000000000" pitchFamily="2" charset="0"/>
+              </a:rPr>
+              <a:t>]</a:t>
+            </a:r>
+            <a:r>
+              <a:rPr lang="es-MX" sz="2400" dirty="0">
+                <a:solidFill>
+                  <a:srgbClr val="4B6584"/>
+                </a:solidFill>
+                <a:latin typeface="Roboto" panose="02000000000000000000" pitchFamily="2" charset="0"/>
+                <a:ea typeface="Roboto" panose="02000000000000000000" pitchFamily="2" charset="0"/>
+              </a:rPr>
+              <a:t>”</a:t>
+            </a:r>
+          </a:p>
+        </p:txBody>
+      </p:sp>
+    </p:spTree>
+    <p:extLst>
+      <p:ext uri="{BB962C8B-B14F-4D97-AF65-F5344CB8AC3E}">
+        <p14:creationId xmlns:p14="http://schemas.microsoft.com/office/powerpoint/2010/main" val="1790058337"/>
+      </p:ext>
+    </p:extLst>
+  </p:cSld>
+  <p:clrMapOvr>
+    <a:masterClrMapping/>
+  </p:clrMapOvr>
+  <p:timing>
+    <p:tnLst>
+      <p:par>
+        <p:cTn id="1" dur="indefinite" restart="never" nodeType="tmRoot"/>
+      </p:par>
+    </p:tnLst>
+  </p:timing>
+</p:sld>
+</file>
+
+<file path=ppt/slides/slide5.xml><?xml version="1.0" encoding="utf-8"?>
 <p:sld xmlns:a="http://schemas.openxmlformats.org/drawingml/2006/main" xmlns:r="http://schemas.openxmlformats.org/officeDocument/2006/relationships" xmlns:p="http://schemas.openxmlformats.org/presentationml/2006/main">
   <p:cSld>
     <p:spTree>
@@ -4023,7 +4475,7 @@
 </p:sld>
 </file>
 
-<file path=ppt/slides/slide5.xml><?xml version="1.0" encoding="utf-8"?>
+<file path=ppt/slides/slide6.xml><?xml version="1.0" encoding="utf-8"?>
 <p:sld xmlns:a="http://schemas.openxmlformats.org/drawingml/2006/main" xmlns:r="http://schemas.openxmlformats.org/officeDocument/2006/relationships" xmlns:p="http://schemas.openxmlformats.org/presentationml/2006/main">
   <p:cSld>
     <p:spTree>

--- a/2018/Git-github-fundamentals/gitgithubfundamentals.pptx
+++ b/2018/Git-github-fundamentals/gitgithubfundamentals.pptx
@@ -4,13 +4,31 @@
   <p:sldMasterIdLst>
     <p:sldMasterId id="2147483648" r:id="rId1"/>
   </p:sldMasterIdLst>
+  <p:notesMasterIdLst>
+    <p:notesMasterId r:id="rId23"/>
+  </p:notesMasterIdLst>
   <p:sldIdLst>
     <p:sldId id="256" r:id="rId2"/>
     <p:sldId id="257" r:id="rId3"/>
     <p:sldId id="261" r:id="rId4"/>
     <p:sldId id="262" r:id="rId5"/>
-    <p:sldId id="259" r:id="rId6"/>
-    <p:sldId id="260" r:id="rId7"/>
+    <p:sldId id="263" r:id="rId6"/>
+    <p:sldId id="264" r:id="rId7"/>
+    <p:sldId id="265" r:id="rId8"/>
+    <p:sldId id="266" r:id="rId9"/>
+    <p:sldId id="267" r:id="rId10"/>
+    <p:sldId id="268" r:id="rId11"/>
+    <p:sldId id="269" r:id="rId12"/>
+    <p:sldId id="270" r:id="rId13"/>
+    <p:sldId id="271" r:id="rId14"/>
+    <p:sldId id="272" r:id="rId15"/>
+    <p:sldId id="273" r:id="rId16"/>
+    <p:sldId id="274" r:id="rId17"/>
+    <p:sldId id="275" r:id="rId18"/>
+    <p:sldId id="276" r:id="rId19"/>
+    <p:sldId id="277" r:id="rId20"/>
+    <p:sldId id="278" r:id="rId21"/>
+    <p:sldId id="259" r:id="rId22"/>
   </p:sldIdLst>
   <p:sldSz cx="12192000" cy="6858000"/>
   <p:notesSz cx="6858000" cy="9144000"/>
@@ -115,6 +133,759 @@
     </p:ext>
   </p:extLst>
 </p:presentation>
+</file>
+
+<file path=ppt/commentAuthors.xml><?xml version="1.0" encoding="utf-8"?>
+<p:cmAuthorLst xmlns:a="http://schemas.openxmlformats.org/drawingml/2006/main" xmlns:r="http://schemas.openxmlformats.org/officeDocument/2006/relationships" xmlns:p="http://schemas.openxmlformats.org/presentationml/2006/main">
+  <p:cmAuthor id="1" name="Luis Eduardo Jimenez Robles" initials="LEJR" lastIdx="1" clrIdx="0">
+    <p:extLst>
+      <p:ext uri="{19B8F6BF-5375-455C-9EA6-DF929625EA0E}">
+        <p15:presenceInfo xmlns:p15="http://schemas.microsoft.com/office/powerpoint/2012/main" userId="e7195be39a7cff94" providerId="Windows Live"/>
+      </p:ext>
+    </p:extLst>
+  </p:cmAuthor>
+</p:cmAuthorLst>
+</file>
+
+<file path=ppt/comments/comment1.xml><?xml version="1.0" encoding="utf-8"?>
+<p:cmLst xmlns:a="http://schemas.openxmlformats.org/drawingml/2006/main" xmlns:r="http://schemas.openxmlformats.org/officeDocument/2006/relationships" xmlns:p="http://schemas.openxmlformats.org/presentationml/2006/main">
+  <p:cm authorId="1" dt="2017-12-06T19:53:26.256" idx="1">
+    <p:pos x="10" y="10"/>
+    <p:text/>
+    <p:extLst>
+      <p:ext uri="{C676402C-5697-4E1C-873F-D02D1690AC5C}">
+        <p15:threadingInfo xmlns:p15="http://schemas.microsoft.com/office/powerpoint/2012/main" timeZoneBias="360"/>
+      </p:ext>
+    </p:extLst>
+  </p:cm>
+</p:cmLst>
+</file>
+
+<file path=ppt/notesMasters/notesMaster1.xml><?xml version="1.0" encoding="utf-8"?>
+<p:notesMaster xmlns:a="http://schemas.openxmlformats.org/drawingml/2006/main" xmlns:r="http://schemas.openxmlformats.org/officeDocument/2006/relationships" xmlns:p="http://schemas.openxmlformats.org/presentationml/2006/main">
+  <p:cSld>
+    <p:bg>
+      <p:bgRef idx="1001">
+        <a:schemeClr val="bg1"/>
+      </p:bgRef>
+    </p:bg>
+    <p:spTree>
+      <p:nvGrpSpPr>
+        <p:cNvPr id="1" name=""/>
+        <p:cNvGrpSpPr/>
+        <p:nvPr/>
+      </p:nvGrpSpPr>
+      <p:grpSpPr>
+        <a:xfrm>
+          <a:off x="0" y="0"/>
+          <a:ext cx="0" cy="0"/>
+          <a:chOff x="0" y="0"/>
+          <a:chExt cx="0" cy="0"/>
+        </a:xfrm>
+      </p:grpSpPr>
+      <p:sp>
+        <p:nvSpPr>
+          <p:cNvPr id="2" name="Marcador de encabezado 1"/>
+          <p:cNvSpPr>
+            <a:spLocks noGrp="1"/>
+          </p:cNvSpPr>
+          <p:nvPr>
+            <p:ph type="hdr" sz="quarter"/>
+          </p:nvPr>
+        </p:nvSpPr>
+        <p:spPr>
+          <a:xfrm>
+            <a:off x="0" y="0"/>
+            <a:ext cx="2971800" cy="458788"/>
+          </a:xfrm>
+          <a:prstGeom prst="rect">
+            <a:avLst/>
+          </a:prstGeom>
+        </p:spPr>
+        <p:txBody>
+          <a:bodyPr vert="horz" lIns="91440" tIns="45720" rIns="91440" bIns="45720" rtlCol="0"/>
+          <a:lstStyle>
+            <a:lvl1pPr algn="l">
+              <a:defRPr sz="1200"/>
+            </a:lvl1pPr>
+          </a:lstStyle>
+          <a:p>
+            <a:endParaRPr lang="es-MX"/>
+          </a:p>
+        </p:txBody>
+      </p:sp>
+      <p:sp>
+        <p:nvSpPr>
+          <p:cNvPr id="3" name="Marcador de fecha 2"/>
+          <p:cNvSpPr>
+            <a:spLocks noGrp="1"/>
+          </p:cNvSpPr>
+          <p:nvPr>
+            <p:ph type="dt" idx="1"/>
+          </p:nvPr>
+        </p:nvSpPr>
+        <p:spPr>
+          <a:xfrm>
+            <a:off x="3884613" y="0"/>
+            <a:ext cx="2971800" cy="458788"/>
+          </a:xfrm>
+          <a:prstGeom prst="rect">
+            <a:avLst/>
+          </a:prstGeom>
+        </p:spPr>
+        <p:txBody>
+          <a:bodyPr vert="horz" lIns="91440" tIns="45720" rIns="91440" bIns="45720" rtlCol="0"/>
+          <a:lstStyle>
+            <a:lvl1pPr algn="r">
+              <a:defRPr sz="1200"/>
+            </a:lvl1pPr>
+          </a:lstStyle>
+          <a:p>
+            <a:fld id="{649D720D-DDB5-44A4-BBBF-4CA335314AF3}" type="datetimeFigureOut">
+              <a:rPr lang="es-MX" smtClean="0"/>
+              <a:t>24/04/2018</a:t>
+            </a:fld>
+            <a:endParaRPr lang="es-MX"/>
+          </a:p>
+        </p:txBody>
+      </p:sp>
+      <p:sp>
+        <p:nvSpPr>
+          <p:cNvPr id="4" name="Marcador de imagen de diapositiva 3"/>
+          <p:cNvSpPr>
+            <a:spLocks noGrp="1" noRot="1" noChangeAspect="1"/>
+          </p:cNvSpPr>
+          <p:nvPr>
+            <p:ph type="sldImg" idx="2"/>
+          </p:nvPr>
+        </p:nvSpPr>
+        <p:spPr>
+          <a:xfrm>
+            <a:off x="685800" y="1143000"/>
+            <a:ext cx="5486400" cy="3086100"/>
+          </a:xfrm>
+          <a:prstGeom prst="rect">
+            <a:avLst/>
+          </a:prstGeom>
+          <a:noFill/>
+          <a:ln w="12700">
+            <a:solidFill>
+              <a:prstClr val="black"/>
+            </a:solidFill>
+          </a:ln>
+        </p:spPr>
+        <p:txBody>
+          <a:bodyPr vert="horz" lIns="91440" tIns="45720" rIns="91440" bIns="45720" rtlCol="0" anchor="ctr"/>
+          <a:lstStyle/>
+          <a:p>
+            <a:endParaRPr lang="es-MX"/>
+          </a:p>
+        </p:txBody>
+      </p:sp>
+      <p:sp>
+        <p:nvSpPr>
+          <p:cNvPr id="5" name="Marcador de notas 4"/>
+          <p:cNvSpPr>
+            <a:spLocks noGrp="1"/>
+          </p:cNvSpPr>
+          <p:nvPr>
+            <p:ph type="body" sz="quarter" idx="3"/>
+          </p:nvPr>
+        </p:nvSpPr>
+        <p:spPr>
+          <a:xfrm>
+            <a:off x="685800" y="4400550"/>
+            <a:ext cx="5486400" cy="3600450"/>
+          </a:xfrm>
+          <a:prstGeom prst="rect">
+            <a:avLst/>
+          </a:prstGeom>
+        </p:spPr>
+        <p:txBody>
+          <a:bodyPr vert="horz" lIns="91440" tIns="45720" rIns="91440" bIns="45720" rtlCol="0"/>
+          <a:lstStyle/>
+          <a:p>
+            <a:pPr lvl="0"/>
+            <a:r>
+              <a:rPr lang="es-ES" smtClean="0"/>
+              <a:t>Editar el estilo de texto del patrón</a:t>
+            </a:r>
+          </a:p>
+          <a:p>
+            <a:pPr lvl="1"/>
+            <a:r>
+              <a:rPr lang="es-ES" smtClean="0"/>
+              <a:t>Segundo nivel</a:t>
+            </a:r>
+          </a:p>
+          <a:p>
+            <a:pPr lvl="2"/>
+            <a:r>
+              <a:rPr lang="es-ES" smtClean="0"/>
+              <a:t>Tercer nivel</a:t>
+            </a:r>
+          </a:p>
+          <a:p>
+            <a:pPr lvl="3"/>
+            <a:r>
+              <a:rPr lang="es-ES" smtClean="0"/>
+              <a:t>Cuarto nivel</a:t>
+            </a:r>
+          </a:p>
+          <a:p>
+            <a:pPr lvl="4"/>
+            <a:r>
+              <a:rPr lang="es-ES" smtClean="0"/>
+              <a:t>Quinto nivel</a:t>
+            </a:r>
+            <a:endParaRPr lang="es-MX"/>
+          </a:p>
+        </p:txBody>
+      </p:sp>
+      <p:sp>
+        <p:nvSpPr>
+          <p:cNvPr id="6" name="Marcador de pie de página 5"/>
+          <p:cNvSpPr>
+            <a:spLocks noGrp="1"/>
+          </p:cNvSpPr>
+          <p:nvPr>
+            <p:ph type="ftr" sz="quarter" idx="4"/>
+          </p:nvPr>
+        </p:nvSpPr>
+        <p:spPr>
+          <a:xfrm>
+            <a:off x="0" y="8685213"/>
+            <a:ext cx="2971800" cy="458787"/>
+          </a:xfrm>
+          <a:prstGeom prst="rect">
+            <a:avLst/>
+          </a:prstGeom>
+        </p:spPr>
+        <p:txBody>
+          <a:bodyPr vert="horz" lIns="91440" tIns="45720" rIns="91440" bIns="45720" rtlCol="0" anchor="b"/>
+          <a:lstStyle>
+            <a:lvl1pPr algn="l">
+              <a:defRPr sz="1200"/>
+            </a:lvl1pPr>
+          </a:lstStyle>
+          <a:p>
+            <a:endParaRPr lang="es-MX"/>
+          </a:p>
+        </p:txBody>
+      </p:sp>
+      <p:sp>
+        <p:nvSpPr>
+          <p:cNvPr id="7" name="Marcador de número de diapositiva 6"/>
+          <p:cNvSpPr>
+            <a:spLocks noGrp="1"/>
+          </p:cNvSpPr>
+          <p:nvPr>
+            <p:ph type="sldNum" sz="quarter" idx="5"/>
+          </p:nvPr>
+        </p:nvSpPr>
+        <p:spPr>
+          <a:xfrm>
+            <a:off x="3884613" y="8685213"/>
+            <a:ext cx="2971800" cy="458787"/>
+          </a:xfrm>
+          <a:prstGeom prst="rect">
+            <a:avLst/>
+          </a:prstGeom>
+        </p:spPr>
+        <p:txBody>
+          <a:bodyPr vert="horz" lIns="91440" tIns="45720" rIns="91440" bIns="45720" rtlCol="0" anchor="b"/>
+          <a:lstStyle>
+            <a:lvl1pPr algn="r">
+              <a:defRPr sz="1200"/>
+            </a:lvl1pPr>
+          </a:lstStyle>
+          <a:p>
+            <a:fld id="{4B001FF0-1199-4D47-B6FA-FA89019C6B6A}" type="slidenum">
+              <a:rPr lang="es-MX" smtClean="0"/>
+              <a:t>‹Nº›</a:t>
+            </a:fld>
+            <a:endParaRPr lang="es-MX"/>
+          </a:p>
+        </p:txBody>
+      </p:sp>
+    </p:spTree>
+    <p:extLst>
+      <p:ext uri="{BB962C8B-B14F-4D97-AF65-F5344CB8AC3E}">
+        <p14:creationId xmlns:p14="http://schemas.microsoft.com/office/powerpoint/2010/main" val="2813456710"/>
+      </p:ext>
+    </p:extLst>
+  </p:cSld>
+  <p:clrMap bg1="lt1" tx1="dk1" bg2="lt2" tx2="dk2" accent1="accent1" accent2="accent2" accent3="accent3" accent4="accent4" accent5="accent5" accent6="accent6" hlink="hlink" folHlink="folHlink"/>
+  <p:notesStyle>
+    <a:lvl1pPr marL="0" algn="l" defTabSz="914400" rtl="0" eaLnBrk="1" latinLnBrk="0" hangingPunct="1">
+      <a:defRPr sz="1200" kern="1200">
+        <a:solidFill>
+          <a:schemeClr val="tx1"/>
+        </a:solidFill>
+        <a:latin typeface="+mn-lt"/>
+        <a:ea typeface="+mn-ea"/>
+        <a:cs typeface="+mn-cs"/>
+      </a:defRPr>
+    </a:lvl1pPr>
+    <a:lvl2pPr marL="457200" algn="l" defTabSz="914400" rtl="0" eaLnBrk="1" latinLnBrk="0" hangingPunct="1">
+      <a:defRPr sz="1200" kern="1200">
+        <a:solidFill>
+          <a:schemeClr val="tx1"/>
+        </a:solidFill>
+        <a:latin typeface="+mn-lt"/>
+        <a:ea typeface="+mn-ea"/>
+        <a:cs typeface="+mn-cs"/>
+      </a:defRPr>
+    </a:lvl2pPr>
+    <a:lvl3pPr marL="914400" algn="l" defTabSz="914400" rtl="0" eaLnBrk="1" latinLnBrk="0" hangingPunct="1">
+      <a:defRPr sz="1200" kern="1200">
+        <a:solidFill>
+          <a:schemeClr val="tx1"/>
+        </a:solidFill>
+        <a:latin typeface="+mn-lt"/>
+        <a:ea typeface="+mn-ea"/>
+        <a:cs typeface="+mn-cs"/>
+      </a:defRPr>
+    </a:lvl3pPr>
+    <a:lvl4pPr marL="1371600" algn="l" defTabSz="914400" rtl="0" eaLnBrk="1" latinLnBrk="0" hangingPunct="1">
+      <a:defRPr sz="1200" kern="1200">
+        <a:solidFill>
+          <a:schemeClr val="tx1"/>
+        </a:solidFill>
+        <a:latin typeface="+mn-lt"/>
+        <a:ea typeface="+mn-ea"/>
+        <a:cs typeface="+mn-cs"/>
+      </a:defRPr>
+    </a:lvl4pPr>
+    <a:lvl5pPr marL="1828800" algn="l" defTabSz="914400" rtl="0" eaLnBrk="1" latinLnBrk="0" hangingPunct="1">
+      <a:defRPr sz="1200" kern="1200">
+        <a:solidFill>
+          <a:schemeClr val="tx1"/>
+        </a:solidFill>
+        <a:latin typeface="+mn-lt"/>
+        <a:ea typeface="+mn-ea"/>
+        <a:cs typeface="+mn-cs"/>
+      </a:defRPr>
+    </a:lvl5pPr>
+    <a:lvl6pPr marL="2286000" algn="l" defTabSz="914400" rtl="0" eaLnBrk="1" latinLnBrk="0" hangingPunct="1">
+      <a:defRPr sz="1200" kern="1200">
+        <a:solidFill>
+          <a:schemeClr val="tx1"/>
+        </a:solidFill>
+        <a:latin typeface="+mn-lt"/>
+        <a:ea typeface="+mn-ea"/>
+        <a:cs typeface="+mn-cs"/>
+      </a:defRPr>
+    </a:lvl6pPr>
+    <a:lvl7pPr marL="2743200" algn="l" defTabSz="914400" rtl="0" eaLnBrk="1" latinLnBrk="0" hangingPunct="1">
+      <a:defRPr sz="1200" kern="1200">
+        <a:solidFill>
+          <a:schemeClr val="tx1"/>
+        </a:solidFill>
+        <a:latin typeface="+mn-lt"/>
+        <a:ea typeface="+mn-ea"/>
+        <a:cs typeface="+mn-cs"/>
+      </a:defRPr>
+    </a:lvl7pPr>
+    <a:lvl8pPr marL="3200400" algn="l" defTabSz="914400" rtl="0" eaLnBrk="1" latinLnBrk="0" hangingPunct="1">
+      <a:defRPr sz="1200" kern="1200">
+        <a:solidFill>
+          <a:schemeClr val="tx1"/>
+        </a:solidFill>
+        <a:latin typeface="+mn-lt"/>
+        <a:ea typeface="+mn-ea"/>
+        <a:cs typeface="+mn-cs"/>
+      </a:defRPr>
+    </a:lvl8pPr>
+    <a:lvl9pPr marL="3657600" algn="l" defTabSz="914400" rtl="0" eaLnBrk="1" latinLnBrk="0" hangingPunct="1">
+      <a:defRPr sz="1200" kern="1200">
+        <a:solidFill>
+          <a:schemeClr val="tx1"/>
+        </a:solidFill>
+        <a:latin typeface="+mn-lt"/>
+        <a:ea typeface="+mn-ea"/>
+        <a:cs typeface="+mn-cs"/>
+      </a:defRPr>
+    </a:lvl9pPr>
+  </p:notesStyle>
+</p:notesMaster>
+</file>
+
+<file path=ppt/notesSlides/notesSlide1.xml><?xml version="1.0" encoding="utf-8"?>
+<p:notes xmlns:a="http://schemas.openxmlformats.org/drawingml/2006/main" xmlns:r="http://schemas.openxmlformats.org/officeDocument/2006/relationships" xmlns:p="http://schemas.openxmlformats.org/presentationml/2006/main">
+  <p:cSld>
+    <p:spTree>
+      <p:nvGrpSpPr>
+        <p:cNvPr id="1" name=""/>
+        <p:cNvGrpSpPr/>
+        <p:nvPr/>
+      </p:nvGrpSpPr>
+      <p:grpSpPr>
+        <a:xfrm>
+          <a:off x="0" y="0"/>
+          <a:ext cx="0" cy="0"/>
+          <a:chOff x="0" y="0"/>
+          <a:chExt cx="0" cy="0"/>
+        </a:xfrm>
+      </p:grpSpPr>
+      <p:sp>
+        <p:nvSpPr>
+          <p:cNvPr id="2" name="Marcador de imagen de diapositiva 1"/>
+          <p:cNvSpPr>
+            <a:spLocks noGrp="1" noRot="1" noChangeAspect="1"/>
+          </p:cNvSpPr>
+          <p:nvPr>
+            <p:ph type="sldImg"/>
+          </p:nvPr>
+        </p:nvSpPr>
+        <p:spPr/>
+      </p:sp>
+      <p:sp>
+        <p:nvSpPr>
+          <p:cNvPr id="3" name="Marcador de notas 2"/>
+          <p:cNvSpPr>
+            <a:spLocks noGrp="1"/>
+          </p:cNvSpPr>
+          <p:nvPr>
+            <p:ph type="body" idx="1"/>
+          </p:nvPr>
+        </p:nvSpPr>
+        <p:spPr/>
+        <p:txBody>
+          <a:bodyPr/>
+          <a:lstStyle/>
+          <a:p>
+            <a:r>
+              <a:rPr lang="es-MX" dirty="0" smtClean="0"/>
+              <a:t>Primero crear un folder antes de inicializar</a:t>
+            </a:r>
+            <a:r>
+              <a:rPr lang="es-MX" baseline="0" dirty="0" smtClean="0"/>
+              <a:t> </a:t>
+            </a:r>
+            <a:r>
+              <a:rPr lang="es-MX" baseline="0" dirty="0" err="1" smtClean="0"/>
+              <a:t>git</a:t>
+            </a:r>
+            <a:r>
+              <a:rPr lang="es-MX" baseline="0" dirty="0" smtClean="0"/>
+              <a:t>  </a:t>
+            </a:r>
+            <a:br>
+              <a:rPr lang="es-MX" baseline="0" dirty="0" smtClean="0"/>
+            </a:br>
+            <a:r>
+              <a:rPr lang="es-MX" baseline="0" dirty="0" smtClean="0"/>
+              <a:t>ES EN EL QUE TRABAJARAN SIEMPRE</a:t>
+            </a:r>
+          </a:p>
+          <a:p>
+            <a:endParaRPr lang="es-MX" dirty="0"/>
+          </a:p>
+        </p:txBody>
+      </p:sp>
+      <p:sp>
+        <p:nvSpPr>
+          <p:cNvPr id="4" name="Marcador de número de diapositiva 3"/>
+          <p:cNvSpPr>
+            <a:spLocks noGrp="1"/>
+          </p:cNvSpPr>
+          <p:nvPr>
+            <p:ph type="sldNum" sz="quarter" idx="10"/>
+          </p:nvPr>
+        </p:nvSpPr>
+        <p:spPr/>
+        <p:txBody>
+          <a:bodyPr/>
+          <a:lstStyle/>
+          <a:p>
+            <a:fld id="{46156E59-E055-4CB3-9140-1A026D5ECC98}" type="slidenum">
+              <a:rPr lang="es-MX" smtClean="0"/>
+              <a:t>8</a:t>
+            </a:fld>
+            <a:endParaRPr lang="es-MX"/>
+          </a:p>
+        </p:txBody>
+      </p:sp>
+    </p:spTree>
+    <p:extLst>
+      <p:ext uri="{BB962C8B-B14F-4D97-AF65-F5344CB8AC3E}">
+        <p14:creationId xmlns:p14="http://schemas.microsoft.com/office/powerpoint/2010/main" val="3766829083"/>
+      </p:ext>
+    </p:extLst>
+  </p:cSld>
+  <p:clrMapOvr>
+    <a:masterClrMapping/>
+  </p:clrMapOvr>
+</p:notes>
+</file>
+
+<file path=ppt/notesSlides/notesSlide2.xml><?xml version="1.0" encoding="utf-8"?>
+<p:notes xmlns:a="http://schemas.openxmlformats.org/drawingml/2006/main" xmlns:r="http://schemas.openxmlformats.org/officeDocument/2006/relationships" xmlns:p="http://schemas.openxmlformats.org/presentationml/2006/main">
+  <p:cSld>
+    <p:spTree>
+      <p:nvGrpSpPr>
+        <p:cNvPr id="1" name=""/>
+        <p:cNvGrpSpPr/>
+        <p:nvPr/>
+      </p:nvGrpSpPr>
+      <p:grpSpPr>
+        <a:xfrm>
+          <a:off x="0" y="0"/>
+          <a:ext cx="0" cy="0"/>
+          <a:chOff x="0" y="0"/>
+          <a:chExt cx="0" cy="0"/>
+        </a:xfrm>
+      </p:grpSpPr>
+      <p:sp>
+        <p:nvSpPr>
+          <p:cNvPr id="2" name="Marcador de imagen de diapositiva 1"/>
+          <p:cNvSpPr>
+            <a:spLocks noGrp="1" noRot="1" noChangeAspect="1"/>
+          </p:cNvSpPr>
+          <p:nvPr>
+            <p:ph type="sldImg"/>
+          </p:nvPr>
+        </p:nvSpPr>
+        <p:spPr/>
+      </p:sp>
+      <p:sp>
+        <p:nvSpPr>
+          <p:cNvPr id="3" name="Marcador de notas 2"/>
+          <p:cNvSpPr>
+            <a:spLocks noGrp="1"/>
+          </p:cNvSpPr>
+          <p:nvPr>
+            <p:ph type="body" idx="1"/>
+          </p:nvPr>
+        </p:nvSpPr>
+        <p:spPr/>
+        <p:txBody>
+          <a:bodyPr/>
+          <a:lstStyle/>
+          <a:p>
+            <a:endParaRPr lang="es-MX" dirty="0"/>
+          </a:p>
+        </p:txBody>
+      </p:sp>
+      <p:sp>
+        <p:nvSpPr>
+          <p:cNvPr id="4" name="Marcador de número de diapositiva 3"/>
+          <p:cNvSpPr>
+            <a:spLocks noGrp="1"/>
+          </p:cNvSpPr>
+          <p:nvPr>
+            <p:ph type="sldNum" sz="quarter" idx="10"/>
+          </p:nvPr>
+        </p:nvSpPr>
+        <p:spPr/>
+        <p:txBody>
+          <a:bodyPr/>
+          <a:lstStyle/>
+          <a:p>
+            <a:fld id="{46156E59-E055-4CB3-9140-1A026D5ECC98}" type="slidenum">
+              <a:rPr lang="es-MX" smtClean="0"/>
+              <a:t>11</a:t>
+            </a:fld>
+            <a:endParaRPr lang="es-MX"/>
+          </a:p>
+        </p:txBody>
+      </p:sp>
+    </p:spTree>
+    <p:extLst>
+      <p:ext uri="{BB962C8B-B14F-4D97-AF65-F5344CB8AC3E}">
+        <p14:creationId xmlns:p14="http://schemas.microsoft.com/office/powerpoint/2010/main" val="3704390415"/>
+      </p:ext>
+    </p:extLst>
+  </p:cSld>
+  <p:clrMapOvr>
+    <a:masterClrMapping/>
+  </p:clrMapOvr>
+</p:notes>
+</file>
+
+<file path=ppt/notesSlides/notesSlide3.xml><?xml version="1.0" encoding="utf-8"?>
+<p:notes xmlns:a="http://schemas.openxmlformats.org/drawingml/2006/main" xmlns:r="http://schemas.openxmlformats.org/officeDocument/2006/relationships" xmlns:p="http://schemas.openxmlformats.org/presentationml/2006/main">
+  <p:cSld>
+    <p:spTree>
+      <p:nvGrpSpPr>
+        <p:cNvPr id="1" name=""/>
+        <p:cNvGrpSpPr/>
+        <p:nvPr/>
+      </p:nvGrpSpPr>
+      <p:grpSpPr>
+        <a:xfrm>
+          <a:off x="0" y="0"/>
+          <a:ext cx="0" cy="0"/>
+          <a:chOff x="0" y="0"/>
+          <a:chExt cx="0" cy="0"/>
+        </a:xfrm>
+      </p:grpSpPr>
+      <p:sp>
+        <p:nvSpPr>
+          <p:cNvPr id="2" name="Marcador de imagen de diapositiva 1"/>
+          <p:cNvSpPr>
+            <a:spLocks noGrp="1" noRot="1" noChangeAspect="1"/>
+          </p:cNvSpPr>
+          <p:nvPr>
+            <p:ph type="sldImg"/>
+          </p:nvPr>
+        </p:nvSpPr>
+        <p:spPr/>
+      </p:sp>
+      <p:sp>
+        <p:nvSpPr>
+          <p:cNvPr id="3" name="Marcador de notas 2"/>
+          <p:cNvSpPr>
+            <a:spLocks noGrp="1"/>
+          </p:cNvSpPr>
+          <p:nvPr>
+            <p:ph type="body" idx="1"/>
+          </p:nvPr>
+        </p:nvSpPr>
+        <p:spPr/>
+        <p:txBody>
+          <a:bodyPr/>
+          <a:lstStyle/>
+          <a:p>
+            <a:r>
+              <a:rPr lang="es-MX" dirty="0" smtClean="0"/>
+              <a:t>Tour por </a:t>
+            </a:r>
+            <a:r>
+              <a:rPr lang="es-MX" dirty="0" err="1" smtClean="0"/>
+              <a:t>github</a:t>
+            </a:r>
+            <a:endParaRPr lang="es-MX" dirty="0"/>
+          </a:p>
+        </p:txBody>
+      </p:sp>
+      <p:sp>
+        <p:nvSpPr>
+          <p:cNvPr id="4" name="Marcador de número de diapositiva 3"/>
+          <p:cNvSpPr>
+            <a:spLocks noGrp="1"/>
+          </p:cNvSpPr>
+          <p:nvPr>
+            <p:ph type="sldNum" sz="quarter" idx="10"/>
+          </p:nvPr>
+        </p:nvSpPr>
+        <p:spPr/>
+        <p:txBody>
+          <a:bodyPr/>
+          <a:lstStyle/>
+          <a:p>
+            <a:fld id="{46156E59-E055-4CB3-9140-1A026D5ECC98}" type="slidenum">
+              <a:rPr lang="es-MX" smtClean="0"/>
+              <a:t>12</a:t>
+            </a:fld>
+            <a:endParaRPr lang="es-MX"/>
+          </a:p>
+        </p:txBody>
+      </p:sp>
+    </p:spTree>
+    <p:extLst>
+      <p:ext uri="{BB962C8B-B14F-4D97-AF65-F5344CB8AC3E}">
+        <p14:creationId xmlns:p14="http://schemas.microsoft.com/office/powerpoint/2010/main" val="2041128271"/>
+      </p:ext>
+    </p:extLst>
+  </p:cSld>
+  <p:clrMapOvr>
+    <a:masterClrMapping/>
+  </p:clrMapOvr>
+</p:notes>
+</file>
+
+<file path=ppt/notesSlides/notesSlide4.xml><?xml version="1.0" encoding="utf-8"?>
+<p:notes xmlns:a="http://schemas.openxmlformats.org/drawingml/2006/main" xmlns:r="http://schemas.openxmlformats.org/officeDocument/2006/relationships" xmlns:p="http://schemas.openxmlformats.org/presentationml/2006/main">
+  <p:cSld>
+    <p:spTree>
+      <p:nvGrpSpPr>
+        <p:cNvPr id="1" name=""/>
+        <p:cNvGrpSpPr/>
+        <p:nvPr/>
+      </p:nvGrpSpPr>
+      <p:grpSpPr>
+        <a:xfrm>
+          <a:off x="0" y="0"/>
+          <a:ext cx="0" cy="0"/>
+          <a:chOff x="0" y="0"/>
+          <a:chExt cx="0" cy="0"/>
+        </a:xfrm>
+      </p:grpSpPr>
+      <p:sp>
+        <p:nvSpPr>
+          <p:cNvPr id="2" name="Marcador de imagen de diapositiva 1"/>
+          <p:cNvSpPr>
+            <a:spLocks noGrp="1" noRot="1" noChangeAspect="1"/>
+          </p:cNvSpPr>
+          <p:nvPr>
+            <p:ph type="sldImg"/>
+          </p:nvPr>
+        </p:nvSpPr>
+        <p:spPr/>
+      </p:sp>
+      <p:sp>
+        <p:nvSpPr>
+          <p:cNvPr id="3" name="Marcador de notas 2"/>
+          <p:cNvSpPr>
+            <a:spLocks noGrp="1"/>
+          </p:cNvSpPr>
+          <p:nvPr>
+            <p:ph type="body" idx="1"/>
+          </p:nvPr>
+        </p:nvSpPr>
+        <p:spPr/>
+        <p:txBody>
+          <a:bodyPr/>
+          <a:lstStyle/>
+          <a:p>
+            <a:r>
+              <a:rPr lang="es-MX" dirty="0" smtClean="0"/>
+              <a:t>Explicar rama</a:t>
+            </a:r>
+            <a:r>
+              <a:rPr lang="es-MX" baseline="0" dirty="0" smtClean="0"/>
+              <a:t> master y como funcionan las ramas</a:t>
+            </a:r>
+            <a:endParaRPr lang="es-MX" dirty="0"/>
+          </a:p>
+        </p:txBody>
+      </p:sp>
+      <p:sp>
+        <p:nvSpPr>
+          <p:cNvPr id="4" name="Marcador de número de diapositiva 3"/>
+          <p:cNvSpPr>
+            <a:spLocks noGrp="1"/>
+          </p:cNvSpPr>
+          <p:nvPr>
+            <p:ph type="sldNum" sz="quarter" idx="10"/>
+          </p:nvPr>
+        </p:nvSpPr>
+        <p:spPr/>
+        <p:txBody>
+          <a:bodyPr/>
+          <a:lstStyle/>
+          <a:p>
+            <a:fld id="{46156E59-E055-4CB3-9140-1A026D5ECC98}" type="slidenum">
+              <a:rPr lang="es-MX" smtClean="0"/>
+              <a:t>14</a:t>
+            </a:fld>
+            <a:endParaRPr lang="es-MX"/>
+          </a:p>
+        </p:txBody>
+      </p:sp>
+    </p:spTree>
+    <p:extLst>
+      <p:ext uri="{BB962C8B-B14F-4D97-AF65-F5344CB8AC3E}">
+        <p14:creationId xmlns:p14="http://schemas.microsoft.com/office/powerpoint/2010/main" val="542694888"/>
+      </p:ext>
+    </p:extLst>
+  </p:cSld>
+  <p:clrMapOvr>
+    <a:masterClrMapping/>
+  </p:clrMapOvr>
+</p:notes>
 </file>
 
 <file path=ppt/slideLayouts/slideLayout1.xml><?xml version="1.0" encoding="utf-8"?>
@@ -3093,6 +3864,4899 @@
 </p:sld>
 </file>
 
+<file path=ppt/slides/slide10.xml><?xml version="1.0" encoding="utf-8"?>
+<p:sld xmlns:a="http://schemas.openxmlformats.org/drawingml/2006/main" xmlns:r="http://schemas.openxmlformats.org/officeDocument/2006/relationships" xmlns:p="http://schemas.openxmlformats.org/presentationml/2006/main">
+  <p:cSld>
+    <p:spTree>
+      <p:nvGrpSpPr>
+        <p:cNvPr id="1" name=""/>
+        <p:cNvGrpSpPr/>
+        <p:nvPr/>
+      </p:nvGrpSpPr>
+      <p:grpSpPr>
+        <a:xfrm>
+          <a:off x="0" y="0"/>
+          <a:ext cx="0" cy="0"/>
+          <a:chOff x="0" y="0"/>
+          <a:chExt cx="0" cy="0"/>
+        </a:xfrm>
+      </p:grpSpPr>
+      <p:sp>
+        <p:nvSpPr>
+          <p:cNvPr id="4" name="Título 1"/>
+          <p:cNvSpPr txBox="1">
+            <a:spLocks/>
+          </p:cNvSpPr>
+          <p:nvPr/>
+        </p:nvSpPr>
+        <p:spPr>
+          <a:xfrm>
+            <a:off x="862913" y="393956"/>
+            <a:ext cx="8639433" cy="1325563"/>
+          </a:xfrm>
+          <a:prstGeom prst="rect">
+            <a:avLst/>
+          </a:prstGeom>
+        </p:spPr>
+        <p:txBody>
+          <a:bodyPr vert="horz" lIns="91440" tIns="45720" rIns="91440" bIns="45720" rtlCol="0" anchor="ctr">
+            <a:normAutofit/>
+          </a:bodyPr>
+          <a:lstStyle>
+            <a:lvl1pPr algn="l" defTabSz="914400" rtl="0" eaLnBrk="1" latinLnBrk="0" hangingPunct="1">
+              <a:lnSpc>
+                <a:spcPct val="90000"/>
+              </a:lnSpc>
+              <a:spcBef>
+                <a:spcPct val="0"/>
+              </a:spcBef>
+              <a:buNone/>
+              <a:defRPr sz="4400" kern="1200">
+                <a:solidFill>
+                  <a:schemeClr val="tx1"/>
+                </a:solidFill>
+                <a:latin typeface="+mj-lt"/>
+                <a:ea typeface="+mj-ea"/>
+                <a:cs typeface="+mj-cs"/>
+              </a:defRPr>
+            </a:lvl1pPr>
+          </a:lstStyle>
+          <a:p>
+            <a:r>
+              <a:rPr lang="es-MX" sz="5000" dirty="0" smtClean="0">
+                <a:solidFill>
+                  <a:srgbClr val="C00000"/>
+                </a:solidFill>
+                <a:latin typeface="Roboto Black" panose="02000000000000000000" pitchFamily="2" charset="0"/>
+                <a:ea typeface="Roboto Black" panose="02000000000000000000" pitchFamily="2" charset="0"/>
+              </a:rPr>
+              <a:t>GitHub Repo</a:t>
+            </a:r>
+            <a:endParaRPr lang="es-MX" sz="3000" dirty="0">
+              <a:solidFill>
+                <a:srgbClr val="C00000"/>
+              </a:solidFill>
+              <a:latin typeface="Roboto" panose="02000000000000000000" pitchFamily="2" charset="0"/>
+              <a:ea typeface="Roboto" panose="02000000000000000000" pitchFamily="2" charset="0"/>
+            </a:endParaRPr>
+          </a:p>
+        </p:txBody>
+      </p:sp>
+      <p:sp>
+        <p:nvSpPr>
+          <p:cNvPr id="2" name="Marcador de contenido 1"/>
+          <p:cNvSpPr>
+            <a:spLocks noGrp="1"/>
+          </p:cNvSpPr>
+          <p:nvPr>
+            <p:ph idx="1"/>
+          </p:nvPr>
+        </p:nvSpPr>
+        <p:spPr/>
+        <p:txBody>
+          <a:bodyPr>
+            <a:normAutofit lnSpcReduction="10000"/>
+          </a:bodyPr>
+          <a:lstStyle/>
+          <a:p>
+            <a:pPr marL="0" indent="0">
+              <a:buNone/>
+            </a:pPr>
+            <a:r>
+              <a:rPr lang="es-MX" sz="2200" dirty="0" smtClean="0">
+                <a:solidFill>
+                  <a:schemeClr val="bg1">
+                    <a:lumMod val="75000"/>
+                  </a:schemeClr>
+                </a:solidFill>
+                <a:latin typeface="Roboto" panose="02000000000000000000" pitchFamily="2" charset="0"/>
+                <a:ea typeface="Roboto" panose="02000000000000000000" pitchFamily="2" charset="0"/>
+              </a:rPr>
+              <a:t>Crear repo en GitHub</a:t>
+            </a:r>
+          </a:p>
+          <a:p>
+            <a:pPr marL="0" indent="0">
+              <a:buNone/>
+            </a:pPr>
+            <a:endParaRPr lang="es-MX" sz="2200" dirty="0">
+              <a:solidFill>
+                <a:schemeClr val="bg1">
+                  <a:lumMod val="75000"/>
+                </a:schemeClr>
+              </a:solidFill>
+              <a:latin typeface="Roboto" panose="02000000000000000000" pitchFamily="2" charset="0"/>
+              <a:ea typeface="Roboto" panose="02000000000000000000" pitchFamily="2" charset="0"/>
+            </a:endParaRPr>
+          </a:p>
+          <a:p>
+            <a:pPr marL="0" indent="0">
+              <a:buNone/>
+            </a:pPr>
+            <a:r>
+              <a:rPr lang="es-MX" sz="2200" dirty="0" smtClean="0">
+                <a:solidFill>
+                  <a:schemeClr val="bg1">
+                    <a:lumMod val="75000"/>
+                  </a:schemeClr>
+                </a:solidFill>
+                <a:latin typeface="Roboto" panose="02000000000000000000" pitchFamily="2" charset="0"/>
+                <a:ea typeface="Roboto" panose="02000000000000000000" pitchFamily="2" charset="0"/>
+              </a:rPr>
+              <a:t>Agregando </a:t>
+            </a:r>
+            <a:r>
+              <a:rPr lang="es-MX" sz="2200" dirty="0">
+                <a:solidFill>
+                  <a:schemeClr val="bg1">
+                    <a:lumMod val="75000"/>
+                  </a:schemeClr>
+                </a:solidFill>
+                <a:latin typeface="Roboto" panose="02000000000000000000" pitchFamily="2" charset="0"/>
+                <a:ea typeface="Roboto" panose="02000000000000000000" pitchFamily="2" charset="0"/>
+              </a:rPr>
+              <a:t>el acceso al repo remoto</a:t>
+            </a:r>
+          </a:p>
+          <a:p>
+            <a:pPr marL="0" indent="0">
+              <a:buNone/>
+            </a:pPr>
+            <a:r>
+              <a:rPr lang="es-MX" sz="2400" dirty="0" err="1" smtClean="0">
+                <a:solidFill>
+                  <a:srgbClr val="4B6584"/>
+                </a:solidFill>
+                <a:latin typeface="Roboto" panose="02000000000000000000" pitchFamily="2" charset="0"/>
+                <a:ea typeface="Roboto" panose="02000000000000000000" pitchFamily="2" charset="0"/>
+              </a:rPr>
+              <a:t>git</a:t>
+            </a:r>
+            <a:r>
+              <a:rPr lang="es-MX" sz="2400" dirty="0" smtClean="0">
+                <a:solidFill>
+                  <a:srgbClr val="4B6584"/>
+                </a:solidFill>
+                <a:latin typeface="Roboto" panose="02000000000000000000" pitchFamily="2" charset="0"/>
+                <a:ea typeface="Roboto" panose="02000000000000000000" pitchFamily="2" charset="0"/>
+              </a:rPr>
+              <a:t> </a:t>
+            </a:r>
+            <a:r>
+              <a:rPr lang="es-MX" sz="2400" dirty="0" err="1">
+                <a:solidFill>
+                  <a:srgbClr val="4B6584"/>
+                </a:solidFill>
+                <a:latin typeface="Roboto" panose="02000000000000000000" pitchFamily="2" charset="0"/>
+                <a:ea typeface="Roboto" panose="02000000000000000000" pitchFamily="2" charset="0"/>
+              </a:rPr>
+              <a:t>remote</a:t>
+            </a:r>
+            <a:r>
+              <a:rPr lang="es-MX" sz="2400" dirty="0">
+                <a:solidFill>
+                  <a:srgbClr val="4B6584"/>
+                </a:solidFill>
+                <a:latin typeface="Roboto" panose="02000000000000000000" pitchFamily="2" charset="0"/>
+                <a:ea typeface="Roboto" panose="02000000000000000000" pitchFamily="2" charset="0"/>
+              </a:rPr>
+              <a:t> </a:t>
+            </a:r>
+            <a:r>
+              <a:rPr lang="es-MX" sz="2400" dirty="0" err="1">
+                <a:solidFill>
+                  <a:srgbClr val="4B6584"/>
+                </a:solidFill>
+                <a:latin typeface="Roboto" panose="02000000000000000000" pitchFamily="2" charset="0"/>
+                <a:ea typeface="Roboto" panose="02000000000000000000" pitchFamily="2" charset="0"/>
+              </a:rPr>
+              <a:t>add</a:t>
+            </a:r>
+            <a:r>
+              <a:rPr lang="es-MX" sz="2400" dirty="0">
+                <a:solidFill>
+                  <a:srgbClr val="4B6584"/>
+                </a:solidFill>
+                <a:latin typeface="Roboto" panose="02000000000000000000" pitchFamily="2" charset="0"/>
+                <a:ea typeface="Roboto" panose="02000000000000000000" pitchFamily="2" charset="0"/>
+              </a:rPr>
+              <a:t> </a:t>
+            </a:r>
+            <a:r>
+              <a:rPr lang="es-MX" sz="2400" dirty="0" err="1">
+                <a:solidFill>
+                  <a:srgbClr val="4B6584"/>
+                </a:solidFill>
+                <a:latin typeface="Roboto" panose="02000000000000000000" pitchFamily="2" charset="0"/>
+                <a:ea typeface="Roboto" panose="02000000000000000000" pitchFamily="2" charset="0"/>
+              </a:rPr>
+              <a:t>origin</a:t>
+            </a:r>
+            <a:r>
+              <a:rPr lang="es-MX" sz="2400" dirty="0">
+                <a:solidFill>
+                  <a:srgbClr val="4B6584"/>
+                </a:solidFill>
+                <a:latin typeface="Roboto" panose="02000000000000000000" pitchFamily="2" charset="0"/>
+                <a:ea typeface="Roboto" panose="02000000000000000000" pitchFamily="2" charset="0"/>
+              </a:rPr>
+              <a:t> </a:t>
+            </a:r>
+            <a:r>
+              <a:rPr lang="es-MX" sz="2400" dirty="0" smtClean="0">
+                <a:solidFill>
+                  <a:srgbClr val="4B6584"/>
+                </a:solidFill>
+                <a:latin typeface="Roboto" panose="02000000000000000000" pitchFamily="2" charset="0"/>
+                <a:ea typeface="Roboto" panose="02000000000000000000" pitchFamily="2" charset="0"/>
+              </a:rPr>
+              <a:t>[</a:t>
+            </a:r>
+            <a:r>
+              <a:rPr lang="es-MX" sz="2400" dirty="0" err="1" smtClean="0">
+                <a:solidFill>
+                  <a:srgbClr val="4B6584"/>
+                </a:solidFill>
+                <a:latin typeface="Roboto" panose="02000000000000000000" pitchFamily="2" charset="0"/>
+                <a:ea typeface="Roboto" panose="02000000000000000000" pitchFamily="2" charset="0"/>
+              </a:rPr>
+              <a:t>url</a:t>
+            </a:r>
+            <a:r>
+              <a:rPr lang="es-MX" sz="2400" dirty="0" smtClean="0">
+                <a:solidFill>
+                  <a:srgbClr val="4B6584"/>
+                </a:solidFill>
+                <a:latin typeface="Roboto" panose="02000000000000000000" pitchFamily="2" charset="0"/>
+                <a:ea typeface="Roboto" panose="02000000000000000000" pitchFamily="2" charset="0"/>
+              </a:rPr>
+              <a:t>]</a:t>
+            </a:r>
+            <a:endParaRPr lang="es-MX" sz="2400" dirty="0" smtClean="0">
+              <a:solidFill>
+                <a:srgbClr val="4B6584"/>
+              </a:solidFill>
+              <a:latin typeface="Roboto" panose="02000000000000000000" pitchFamily="2" charset="0"/>
+              <a:ea typeface="Roboto" panose="02000000000000000000" pitchFamily="2" charset="0"/>
+            </a:endParaRPr>
+          </a:p>
+          <a:p>
+            <a:pPr marL="0" indent="0">
+              <a:buNone/>
+            </a:pPr>
+            <a:endParaRPr lang="es-MX" sz="2400" dirty="0">
+              <a:solidFill>
+                <a:schemeClr val="bg1">
+                  <a:lumMod val="50000"/>
+                </a:schemeClr>
+              </a:solidFill>
+              <a:latin typeface="Roboto" panose="02000000000000000000" pitchFamily="2" charset="0"/>
+              <a:ea typeface="Roboto" panose="02000000000000000000" pitchFamily="2" charset="0"/>
+            </a:endParaRPr>
+          </a:p>
+          <a:p>
+            <a:pPr marL="0" indent="0">
+              <a:buNone/>
+            </a:pPr>
+            <a:r>
+              <a:rPr lang="es-MX" sz="2200" dirty="0">
+                <a:solidFill>
+                  <a:schemeClr val="bg1">
+                    <a:lumMod val="75000"/>
+                  </a:schemeClr>
+                </a:solidFill>
+                <a:latin typeface="Roboto" panose="02000000000000000000" pitchFamily="2" charset="0"/>
+                <a:ea typeface="Roboto" panose="02000000000000000000" pitchFamily="2" charset="0"/>
+              </a:rPr>
+              <a:t>Ver todas las conexiones a remoto</a:t>
+            </a:r>
+          </a:p>
+          <a:p>
+            <a:pPr marL="0" indent="0">
+              <a:buNone/>
+            </a:pPr>
+            <a:r>
+              <a:rPr lang="es-MX" sz="2400" dirty="0" err="1" smtClean="0">
+                <a:solidFill>
+                  <a:srgbClr val="4B6584"/>
+                </a:solidFill>
+                <a:latin typeface="Roboto" panose="02000000000000000000" pitchFamily="2" charset="0"/>
+                <a:ea typeface="Roboto" panose="02000000000000000000" pitchFamily="2" charset="0"/>
+              </a:rPr>
+              <a:t>git</a:t>
+            </a:r>
+            <a:r>
+              <a:rPr lang="es-MX" sz="2400" dirty="0" smtClean="0">
+                <a:solidFill>
+                  <a:srgbClr val="4B6584"/>
+                </a:solidFill>
+                <a:latin typeface="Roboto" panose="02000000000000000000" pitchFamily="2" charset="0"/>
+                <a:ea typeface="Roboto" panose="02000000000000000000" pitchFamily="2" charset="0"/>
+              </a:rPr>
+              <a:t> </a:t>
+            </a:r>
+            <a:r>
+              <a:rPr lang="es-MX" sz="2400" dirty="0" err="1" smtClean="0">
+                <a:solidFill>
+                  <a:srgbClr val="4B6584"/>
+                </a:solidFill>
+                <a:latin typeface="Roboto" panose="02000000000000000000" pitchFamily="2" charset="0"/>
+                <a:ea typeface="Roboto" panose="02000000000000000000" pitchFamily="2" charset="0"/>
+              </a:rPr>
+              <a:t>remote</a:t>
+            </a:r>
+            <a:r>
+              <a:rPr lang="es-MX" sz="2400" dirty="0" smtClean="0">
+                <a:solidFill>
+                  <a:srgbClr val="4B6584"/>
+                </a:solidFill>
+                <a:latin typeface="Roboto" panose="02000000000000000000" pitchFamily="2" charset="0"/>
+                <a:ea typeface="Roboto" panose="02000000000000000000" pitchFamily="2" charset="0"/>
+              </a:rPr>
+              <a:t> –v</a:t>
+            </a:r>
+          </a:p>
+          <a:p>
+            <a:pPr marL="0" indent="0">
+              <a:buNone/>
+            </a:pPr>
+            <a:endParaRPr lang="es-MX" sz="2400" dirty="0">
+              <a:solidFill>
+                <a:schemeClr val="bg1">
+                  <a:lumMod val="50000"/>
+                </a:schemeClr>
+              </a:solidFill>
+              <a:latin typeface="Roboto" panose="02000000000000000000" pitchFamily="2" charset="0"/>
+              <a:ea typeface="Roboto" panose="02000000000000000000" pitchFamily="2" charset="0"/>
+            </a:endParaRPr>
+          </a:p>
+          <a:p>
+            <a:pPr marL="0" indent="0">
+              <a:buNone/>
+            </a:pPr>
+            <a:r>
+              <a:rPr lang="es-MX" sz="2200" dirty="0">
+                <a:solidFill>
+                  <a:schemeClr val="bg1">
+                    <a:lumMod val="75000"/>
+                  </a:schemeClr>
+                </a:solidFill>
+                <a:latin typeface="Roboto" panose="02000000000000000000" pitchFamily="2" charset="0"/>
+                <a:ea typeface="Roboto" panose="02000000000000000000" pitchFamily="2" charset="0"/>
+              </a:rPr>
+              <a:t>Publicar cambios</a:t>
+            </a:r>
+          </a:p>
+          <a:p>
+            <a:pPr marL="0" indent="0">
+              <a:buNone/>
+            </a:pPr>
+            <a:r>
+              <a:rPr lang="es-MX" sz="2400" dirty="0" err="1">
+                <a:solidFill>
+                  <a:srgbClr val="4B6584"/>
+                </a:solidFill>
+                <a:latin typeface="Roboto" panose="02000000000000000000" pitchFamily="2" charset="0"/>
+                <a:ea typeface="Roboto" panose="02000000000000000000" pitchFamily="2" charset="0"/>
+              </a:rPr>
+              <a:t>g</a:t>
+            </a:r>
+            <a:r>
+              <a:rPr lang="es-MX" sz="2400" dirty="0" err="1" smtClean="0">
+                <a:solidFill>
+                  <a:srgbClr val="4B6584"/>
+                </a:solidFill>
+                <a:latin typeface="Roboto" panose="02000000000000000000" pitchFamily="2" charset="0"/>
+                <a:ea typeface="Roboto" panose="02000000000000000000" pitchFamily="2" charset="0"/>
+              </a:rPr>
+              <a:t>it</a:t>
+            </a:r>
+            <a:r>
+              <a:rPr lang="es-MX" sz="2400" dirty="0" smtClean="0">
+                <a:solidFill>
+                  <a:srgbClr val="4B6584"/>
+                </a:solidFill>
+                <a:latin typeface="Roboto" panose="02000000000000000000" pitchFamily="2" charset="0"/>
+                <a:ea typeface="Roboto" panose="02000000000000000000" pitchFamily="2" charset="0"/>
+              </a:rPr>
+              <a:t> </a:t>
+            </a:r>
+            <a:r>
+              <a:rPr lang="es-MX" sz="2400" dirty="0" err="1" smtClean="0">
+                <a:solidFill>
+                  <a:srgbClr val="4B6584"/>
+                </a:solidFill>
+                <a:latin typeface="Roboto" panose="02000000000000000000" pitchFamily="2" charset="0"/>
+                <a:ea typeface="Roboto" panose="02000000000000000000" pitchFamily="2" charset="0"/>
+              </a:rPr>
+              <a:t>push</a:t>
+            </a:r>
+            <a:r>
+              <a:rPr lang="es-MX" sz="2400" dirty="0" smtClean="0">
+                <a:solidFill>
+                  <a:srgbClr val="4B6584"/>
+                </a:solidFill>
+                <a:latin typeface="Roboto" panose="02000000000000000000" pitchFamily="2" charset="0"/>
+                <a:ea typeface="Roboto" panose="02000000000000000000" pitchFamily="2" charset="0"/>
+              </a:rPr>
+              <a:t> </a:t>
+            </a:r>
+            <a:r>
+              <a:rPr lang="es-MX" sz="2400" dirty="0" err="1" smtClean="0">
+                <a:solidFill>
+                  <a:srgbClr val="4B6584"/>
+                </a:solidFill>
+                <a:latin typeface="Roboto" panose="02000000000000000000" pitchFamily="2" charset="0"/>
+                <a:ea typeface="Roboto" panose="02000000000000000000" pitchFamily="2" charset="0"/>
+              </a:rPr>
+              <a:t>origin</a:t>
+            </a:r>
+            <a:r>
+              <a:rPr lang="es-MX" sz="2400" dirty="0" smtClean="0">
+                <a:solidFill>
+                  <a:srgbClr val="4B6584"/>
+                </a:solidFill>
+                <a:latin typeface="Roboto" panose="02000000000000000000" pitchFamily="2" charset="0"/>
+                <a:ea typeface="Roboto" panose="02000000000000000000" pitchFamily="2" charset="0"/>
+              </a:rPr>
+              <a:t> master</a:t>
+            </a:r>
+            <a:endParaRPr lang="es-MX" sz="2400" dirty="0">
+              <a:solidFill>
+                <a:srgbClr val="4B6584"/>
+              </a:solidFill>
+              <a:latin typeface="Roboto" panose="02000000000000000000" pitchFamily="2" charset="0"/>
+              <a:ea typeface="Roboto" panose="02000000000000000000" pitchFamily="2" charset="0"/>
+            </a:endParaRPr>
+          </a:p>
+        </p:txBody>
+      </p:sp>
+    </p:spTree>
+    <p:extLst>
+      <p:ext uri="{BB962C8B-B14F-4D97-AF65-F5344CB8AC3E}">
+        <p14:creationId xmlns:p14="http://schemas.microsoft.com/office/powerpoint/2010/main" val="1973857269"/>
+      </p:ext>
+    </p:extLst>
+  </p:cSld>
+  <p:clrMapOvr>
+    <a:masterClrMapping/>
+  </p:clrMapOvr>
+  <p:timing>
+    <p:tnLst>
+      <p:par>
+        <p:cTn id="1" dur="indefinite" restart="never" nodeType="tmRoot"/>
+      </p:par>
+    </p:tnLst>
+  </p:timing>
+</p:sld>
+</file>
+
+<file path=ppt/slides/slide11.xml><?xml version="1.0" encoding="utf-8"?>
+<p:sld xmlns:a="http://schemas.openxmlformats.org/drawingml/2006/main" xmlns:r="http://schemas.openxmlformats.org/officeDocument/2006/relationships" xmlns:p="http://schemas.openxmlformats.org/presentationml/2006/main">
+  <p:cSld>
+    <p:spTree>
+      <p:nvGrpSpPr>
+        <p:cNvPr id="1" name=""/>
+        <p:cNvGrpSpPr/>
+        <p:nvPr/>
+      </p:nvGrpSpPr>
+      <p:grpSpPr>
+        <a:xfrm>
+          <a:off x="0" y="0"/>
+          <a:ext cx="0" cy="0"/>
+          <a:chOff x="0" y="0"/>
+          <a:chExt cx="0" cy="0"/>
+        </a:xfrm>
+      </p:grpSpPr>
+      <p:sp>
+        <p:nvSpPr>
+          <p:cNvPr id="4" name="Título 1"/>
+          <p:cNvSpPr txBox="1">
+            <a:spLocks/>
+          </p:cNvSpPr>
+          <p:nvPr/>
+        </p:nvSpPr>
+        <p:spPr>
+          <a:xfrm>
+            <a:off x="862913" y="393956"/>
+            <a:ext cx="8639433" cy="1325563"/>
+          </a:xfrm>
+          <a:prstGeom prst="rect">
+            <a:avLst/>
+          </a:prstGeom>
+        </p:spPr>
+        <p:txBody>
+          <a:bodyPr vert="horz" lIns="91440" tIns="45720" rIns="91440" bIns="45720" rtlCol="0" anchor="ctr">
+            <a:normAutofit/>
+          </a:bodyPr>
+          <a:lstStyle>
+            <a:lvl1pPr algn="l" defTabSz="914400" rtl="0" eaLnBrk="1" latinLnBrk="0" hangingPunct="1">
+              <a:lnSpc>
+                <a:spcPct val="90000"/>
+              </a:lnSpc>
+              <a:spcBef>
+                <a:spcPct val="0"/>
+              </a:spcBef>
+              <a:buNone/>
+              <a:defRPr sz="4400" kern="1200">
+                <a:solidFill>
+                  <a:schemeClr val="tx1"/>
+                </a:solidFill>
+                <a:latin typeface="+mj-lt"/>
+                <a:ea typeface="+mj-ea"/>
+                <a:cs typeface="+mj-cs"/>
+              </a:defRPr>
+            </a:lvl1pPr>
+          </a:lstStyle>
+          <a:p>
+            <a:r>
+              <a:rPr lang="es-MX" sz="5000" dirty="0" smtClean="0">
+                <a:solidFill>
+                  <a:srgbClr val="B71540"/>
+                </a:solidFill>
+                <a:latin typeface="Roboto Black" panose="02000000000000000000" pitchFamily="2" charset="0"/>
+                <a:ea typeface="Roboto Black" panose="02000000000000000000" pitchFamily="2" charset="0"/>
+              </a:rPr>
+              <a:t>Esenciales</a:t>
+            </a:r>
+            <a:endParaRPr lang="es-MX" sz="2000" dirty="0">
+              <a:solidFill>
+                <a:schemeClr val="bg1">
+                  <a:lumMod val="50000"/>
+                </a:schemeClr>
+              </a:solidFill>
+              <a:latin typeface="Roboto" panose="02000000000000000000" pitchFamily="2" charset="0"/>
+              <a:ea typeface="Roboto" panose="02000000000000000000" pitchFamily="2" charset="0"/>
+            </a:endParaRPr>
+          </a:p>
+        </p:txBody>
+      </p:sp>
+      <p:sp>
+        <p:nvSpPr>
+          <p:cNvPr id="2" name="Marcador de contenido 1"/>
+          <p:cNvSpPr>
+            <a:spLocks noGrp="1"/>
+          </p:cNvSpPr>
+          <p:nvPr>
+            <p:ph idx="1"/>
+          </p:nvPr>
+        </p:nvSpPr>
+        <p:spPr>
+          <a:xfrm>
+            <a:off x="838200" y="1505585"/>
+            <a:ext cx="10515600" cy="4351338"/>
+          </a:xfrm>
+        </p:spPr>
+        <p:txBody>
+          <a:bodyPr>
+            <a:noAutofit/>
+          </a:bodyPr>
+          <a:lstStyle/>
+          <a:p>
+            <a:pPr marL="0" indent="0">
+              <a:lnSpc>
+                <a:spcPct val="100000"/>
+              </a:lnSpc>
+              <a:buNone/>
+            </a:pPr>
+            <a:r>
+              <a:rPr lang="es-MX" sz="2000" dirty="0" smtClean="0">
+                <a:solidFill>
+                  <a:schemeClr val="bg1">
+                    <a:lumMod val="50000"/>
+                  </a:schemeClr>
+                </a:solidFill>
+                <a:latin typeface="Roboto Light" panose="02000000000000000000" pitchFamily="2" charset="0"/>
+                <a:ea typeface="Roboto Light" panose="02000000000000000000" pitchFamily="2" charset="0"/>
+              </a:rPr>
+              <a:t>Agregar todos los cambios de todos los archivos</a:t>
+            </a:r>
+            <a:endParaRPr lang="es-MX" sz="2000" dirty="0">
+              <a:solidFill>
+                <a:schemeClr val="bg1">
+                  <a:lumMod val="50000"/>
+                </a:schemeClr>
+              </a:solidFill>
+              <a:latin typeface="Roboto Light" panose="02000000000000000000" pitchFamily="2" charset="0"/>
+              <a:ea typeface="Roboto Light" panose="02000000000000000000" pitchFamily="2" charset="0"/>
+            </a:endParaRPr>
+          </a:p>
+          <a:p>
+            <a:pPr marL="0" indent="0">
+              <a:lnSpc>
+                <a:spcPct val="100000"/>
+              </a:lnSpc>
+              <a:buNone/>
+            </a:pPr>
+            <a:r>
+              <a:rPr lang="es-MX" sz="2000" dirty="0" err="1" smtClean="0">
+                <a:solidFill>
+                  <a:srgbClr val="4B6584"/>
+                </a:solidFill>
+                <a:latin typeface="Roboto" panose="02000000000000000000" pitchFamily="2" charset="0"/>
+                <a:ea typeface="Roboto" panose="02000000000000000000" pitchFamily="2" charset="0"/>
+              </a:rPr>
+              <a:t>git</a:t>
+            </a:r>
+            <a:r>
+              <a:rPr lang="es-MX" sz="2000" dirty="0" smtClean="0">
+                <a:solidFill>
+                  <a:srgbClr val="4B6584"/>
+                </a:solidFill>
+                <a:latin typeface="Roboto" panose="02000000000000000000" pitchFamily="2" charset="0"/>
+                <a:ea typeface="Roboto" panose="02000000000000000000" pitchFamily="2" charset="0"/>
+              </a:rPr>
+              <a:t> </a:t>
+            </a:r>
+            <a:r>
+              <a:rPr lang="es-MX" sz="2000" dirty="0" err="1" smtClean="0">
+                <a:solidFill>
+                  <a:srgbClr val="4B6584"/>
+                </a:solidFill>
+                <a:latin typeface="Roboto" panose="02000000000000000000" pitchFamily="2" charset="0"/>
+                <a:ea typeface="Roboto" panose="02000000000000000000" pitchFamily="2" charset="0"/>
+              </a:rPr>
+              <a:t>add</a:t>
+            </a:r>
+            <a:r>
+              <a:rPr lang="es-MX" sz="2000" dirty="0" smtClean="0">
+                <a:solidFill>
+                  <a:srgbClr val="4B6584"/>
+                </a:solidFill>
+                <a:latin typeface="Roboto" panose="02000000000000000000" pitchFamily="2" charset="0"/>
+                <a:ea typeface="Roboto" panose="02000000000000000000" pitchFamily="2" charset="0"/>
+              </a:rPr>
+              <a:t> –</a:t>
+            </a:r>
+            <a:r>
+              <a:rPr lang="es-MX" sz="2000" dirty="0" err="1" smtClean="0">
+                <a:solidFill>
+                  <a:srgbClr val="4B6584"/>
+                </a:solidFill>
+                <a:latin typeface="Roboto" panose="02000000000000000000" pitchFamily="2" charset="0"/>
+                <a:ea typeface="Roboto" panose="02000000000000000000" pitchFamily="2" charset="0"/>
+              </a:rPr>
+              <a:t>all</a:t>
+            </a:r>
+            <a:r>
+              <a:rPr lang="es-MX" sz="2000" dirty="0" smtClean="0">
+                <a:solidFill>
+                  <a:srgbClr val="4B6584"/>
+                </a:solidFill>
+                <a:latin typeface="Roboto" panose="02000000000000000000" pitchFamily="2" charset="0"/>
+                <a:ea typeface="Roboto" panose="02000000000000000000" pitchFamily="2" charset="0"/>
+              </a:rPr>
+              <a:t>	</a:t>
+            </a:r>
+            <a:r>
+              <a:rPr lang="es-MX" sz="2000" dirty="0" err="1" smtClean="0">
+                <a:solidFill>
+                  <a:srgbClr val="4B6584"/>
+                </a:solidFill>
+                <a:latin typeface="Roboto" panose="02000000000000000000" pitchFamily="2" charset="0"/>
+                <a:ea typeface="Roboto" panose="02000000000000000000" pitchFamily="2" charset="0"/>
+              </a:rPr>
+              <a:t>git</a:t>
+            </a:r>
+            <a:r>
+              <a:rPr lang="es-MX" sz="2000" dirty="0" smtClean="0">
+                <a:solidFill>
+                  <a:srgbClr val="4B6584"/>
+                </a:solidFill>
+                <a:latin typeface="Roboto" panose="02000000000000000000" pitchFamily="2" charset="0"/>
+                <a:ea typeface="Roboto" panose="02000000000000000000" pitchFamily="2" charset="0"/>
+              </a:rPr>
+              <a:t> </a:t>
+            </a:r>
+            <a:r>
+              <a:rPr lang="es-MX" sz="2000" dirty="0" err="1" smtClean="0">
+                <a:solidFill>
+                  <a:srgbClr val="4B6584"/>
+                </a:solidFill>
+                <a:latin typeface="Roboto" panose="02000000000000000000" pitchFamily="2" charset="0"/>
+                <a:ea typeface="Roboto" panose="02000000000000000000" pitchFamily="2" charset="0"/>
+              </a:rPr>
+              <a:t>add</a:t>
+            </a:r>
+            <a:r>
+              <a:rPr lang="es-MX" sz="2000" dirty="0" smtClean="0">
+                <a:solidFill>
+                  <a:srgbClr val="4B6584"/>
+                </a:solidFill>
+                <a:latin typeface="Roboto" panose="02000000000000000000" pitchFamily="2" charset="0"/>
+                <a:ea typeface="Roboto" panose="02000000000000000000" pitchFamily="2" charset="0"/>
+              </a:rPr>
+              <a:t> [archivo] 	</a:t>
+            </a:r>
+            <a:r>
+              <a:rPr lang="es-MX" sz="2000" dirty="0" err="1" smtClean="0">
+                <a:solidFill>
+                  <a:srgbClr val="4B6584"/>
+                </a:solidFill>
+                <a:latin typeface="Roboto" panose="02000000000000000000" pitchFamily="2" charset="0"/>
+                <a:ea typeface="Roboto" panose="02000000000000000000" pitchFamily="2" charset="0"/>
+              </a:rPr>
+              <a:t>git</a:t>
+            </a:r>
+            <a:r>
+              <a:rPr lang="es-MX" sz="2000" dirty="0" smtClean="0">
+                <a:solidFill>
+                  <a:srgbClr val="4B6584"/>
+                </a:solidFill>
+                <a:latin typeface="Roboto" panose="02000000000000000000" pitchFamily="2" charset="0"/>
+                <a:ea typeface="Roboto" panose="02000000000000000000" pitchFamily="2" charset="0"/>
+              </a:rPr>
+              <a:t> </a:t>
+            </a:r>
+            <a:r>
+              <a:rPr lang="es-MX" sz="2000" dirty="0" err="1" smtClean="0">
+                <a:solidFill>
+                  <a:srgbClr val="4B6584"/>
+                </a:solidFill>
+                <a:latin typeface="Roboto" panose="02000000000000000000" pitchFamily="2" charset="0"/>
+                <a:ea typeface="Roboto" panose="02000000000000000000" pitchFamily="2" charset="0"/>
+              </a:rPr>
+              <a:t>add</a:t>
+            </a:r>
+            <a:r>
+              <a:rPr lang="es-MX" sz="2000" dirty="0" smtClean="0">
+                <a:solidFill>
+                  <a:srgbClr val="4B6584"/>
+                </a:solidFill>
+                <a:latin typeface="Roboto" panose="02000000000000000000" pitchFamily="2" charset="0"/>
+                <a:ea typeface="Roboto" panose="02000000000000000000" pitchFamily="2" charset="0"/>
+              </a:rPr>
+              <a:t> . </a:t>
+            </a:r>
+          </a:p>
+          <a:p>
+            <a:pPr marL="0" indent="0">
+              <a:lnSpc>
+                <a:spcPct val="100000"/>
+              </a:lnSpc>
+              <a:buNone/>
+            </a:pPr>
+            <a:endParaRPr lang="es-MX" sz="2000" dirty="0" smtClean="0">
+              <a:solidFill>
+                <a:schemeClr val="bg1">
+                  <a:lumMod val="50000"/>
+                </a:schemeClr>
+              </a:solidFill>
+              <a:latin typeface="Roboto" panose="02000000000000000000" pitchFamily="2" charset="0"/>
+              <a:ea typeface="Roboto" panose="02000000000000000000" pitchFamily="2" charset="0"/>
+            </a:endParaRPr>
+          </a:p>
+          <a:p>
+            <a:pPr marL="0" indent="0">
+              <a:lnSpc>
+                <a:spcPct val="100000"/>
+              </a:lnSpc>
+              <a:buNone/>
+            </a:pPr>
+            <a:r>
+              <a:rPr lang="es-MX" sz="2000" dirty="0">
+                <a:solidFill>
+                  <a:schemeClr val="bg1">
+                    <a:lumMod val="50000"/>
+                  </a:schemeClr>
+                </a:solidFill>
+                <a:latin typeface="Roboto Light" panose="02000000000000000000" pitchFamily="2" charset="0"/>
+                <a:ea typeface="Roboto Light" panose="02000000000000000000" pitchFamily="2" charset="0"/>
+              </a:rPr>
+              <a:t>Confirmar cambios realizados presentándolos con un mensaje</a:t>
+            </a:r>
+          </a:p>
+          <a:p>
+            <a:pPr marL="0" indent="0">
+              <a:lnSpc>
+                <a:spcPct val="100000"/>
+              </a:lnSpc>
+              <a:buNone/>
+            </a:pPr>
+            <a:r>
+              <a:rPr lang="es-MX" sz="2000" dirty="0" err="1">
+                <a:solidFill>
+                  <a:srgbClr val="4B6584"/>
+                </a:solidFill>
+                <a:latin typeface="Roboto" panose="02000000000000000000" pitchFamily="2" charset="0"/>
+                <a:ea typeface="Roboto" panose="02000000000000000000" pitchFamily="2" charset="0"/>
+              </a:rPr>
+              <a:t>g</a:t>
+            </a:r>
+            <a:r>
+              <a:rPr lang="es-MX" sz="2000" dirty="0" err="1" smtClean="0">
+                <a:solidFill>
+                  <a:srgbClr val="4B6584"/>
+                </a:solidFill>
+                <a:latin typeface="Roboto" panose="02000000000000000000" pitchFamily="2" charset="0"/>
+                <a:ea typeface="Roboto" panose="02000000000000000000" pitchFamily="2" charset="0"/>
+              </a:rPr>
+              <a:t>it</a:t>
+            </a:r>
+            <a:r>
+              <a:rPr lang="es-MX" sz="2000" dirty="0" smtClean="0">
+                <a:solidFill>
+                  <a:srgbClr val="4B6584"/>
+                </a:solidFill>
+                <a:latin typeface="Roboto" panose="02000000000000000000" pitchFamily="2" charset="0"/>
+                <a:ea typeface="Roboto" panose="02000000000000000000" pitchFamily="2" charset="0"/>
+              </a:rPr>
+              <a:t> </a:t>
+            </a:r>
+            <a:r>
+              <a:rPr lang="es-MX" sz="2000" dirty="0" err="1" smtClean="0">
+                <a:solidFill>
+                  <a:srgbClr val="4B6584"/>
+                </a:solidFill>
+                <a:latin typeface="Roboto" panose="02000000000000000000" pitchFamily="2" charset="0"/>
+                <a:ea typeface="Roboto" panose="02000000000000000000" pitchFamily="2" charset="0"/>
+              </a:rPr>
+              <a:t>commit</a:t>
+            </a:r>
+            <a:r>
+              <a:rPr lang="es-MX" sz="2000" dirty="0" smtClean="0">
+                <a:solidFill>
+                  <a:srgbClr val="4B6584"/>
+                </a:solidFill>
+                <a:latin typeface="Roboto" panose="02000000000000000000" pitchFamily="2" charset="0"/>
+                <a:ea typeface="Roboto" panose="02000000000000000000" pitchFamily="2" charset="0"/>
+              </a:rPr>
+              <a:t> –m “mensaje”</a:t>
+            </a:r>
+          </a:p>
+          <a:p>
+            <a:pPr marL="0" indent="0">
+              <a:lnSpc>
+                <a:spcPct val="100000"/>
+              </a:lnSpc>
+              <a:buNone/>
+            </a:pPr>
+            <a:endParaRPr lang="es-MX" sz="2000" dirty="0" smtClean="0">
+              <a:solidFill>
+                <a:schemeClr val="bg1">
+                  <a:lumMod val="50000"/>
+                </a:schemeClr>
+              </a:solidFill>
+              <a:latin typeface="Roboto" panose="02000000000000000000" pitchFamily="2" charset="0"/>
+              <a:ea typeface="Roboto" panose="02000000000000000000" pitchFamily="2" charset="0"/>
+            </a:endParaRPr>
+          </a:p>
+          <a:p>
+            <a:pPr marL="0" indent="0">
+              <a:lnSpc>
+                <a:spcPct val="100000"/>
+              </a:lnSpc>
+              <a:buNone/>
+            </a:pPr>
+            <a:r>
+              <a:rPr lang="es-MX" sz="2000" dirty="0">
+                <a:solidFill>
+                  <a:schemeClr val="bg1">
+                    <a:lumMod val="50000"/>
+                  </a:schemeClr>
+                </a:solidFill>
+                <a:latin typeface="Roboto Light" panose="02000000000000000000" pitchFamily="2" charset="0"/>
+                <a:ea typeface="Roboto Light" panose="02000000000000000000" pitchFamily="2" charset="0"/>
+              </a:rPr>
+              <a:t>Traer cambios </a:t>
+            </a:r>
+            <a:r>
+              <a:rPr lang="es-MX" sz="2000" dirty="0" smtClean="0">
+                <a:solidFill>
+                  <a:schemeClr val="bg1">
+                    <a:lumMod val="50000"/>
+                  </a:schemeClr>
+                </a:solidFill>
+                <a:latin typeface="Roboto Light" panose="02000000000000000000" pitchFamily="2" charset="0"/>
+                <a:ea typeface="Roboto Light" panose="02000000000000000000" pitchFamily="2" charset="0"/>
+              </a:rPr>
+              <a:t>que hay en rama remota</a:t>
+            </a:r>
+            <a:endParaRPr lang="es-MX" sz="2000" dirty="0">
+              <a:solidFill>
+                <a:schemeClr val="bg1">
+                  <a:lumMod val="50000"/>
+                </a:schemeClr>
+              </a:solidFill>
+              <a:latin typeface="Roboto Light" panose="02000000000000000000" pitchFamily="2" charset="0"/>
+              <a:ea typeface="Roboto Light" panose="02000000000000000000" pitchFamily="2" charset="0"/>
+            </a:endParaRPr>
+          </a:p>
+          <a:p>
+            <a:pPr marL="0" indent="0">
+              <a:lnSpc>
+                <a:spcPct val="100000"/>
+              </a:lnSpc>
+              <a:buNone/>
+            </a:pPr>
+            <a:r>
+              <a:rPr lang="es-MX" sz="2000" dirty="0" err="1">
+                <a:solidFill>
+                  <a:srgbClr val="4B6584"/>
+                </a:solidFill>
+                <a:latin typeface="Roboto" panose="02000000000000000000" pitchFamily="2" charset="0"/>
+                <a:ea typeface="Roboto" panose="02000000000000000000" pitchFamily="2" charset="0"/>
+              </a:rPr>
+              <a:t>g</a:t>
+            </a:r>
+            <a:r>
+              <a:rPr lang="es-MX" sz="2000" dirty="0" err="1" smtClean="0">
+                <a:solidFill>
+                  <a:srgbClr val="4B6584"/>
+                </a:solidFill>
+                <a:latin typeface="Roboto" panose="02000000000000000000" pitchFamily="2" charset="0"/>
+                <a:ea typeface="Roboto" panose="02000000000000000000" pitchFamily="2" charset="0"/>
+              </a:rPr>
+              <a:t>it</a:t>
+            </a:r>
+            <a:r>
+              <a:rPr lang="es-MX" sz="2000" dirty="0" smtClean="0">
+                <a:solidFill>
+                  <a:srgbClr val="4B6584"/>
+                </a:solidFill>
+                <a:latin typeface="Roboto" panose="02000000000000000000" pitchFamily="2" charset="0"/>
+                <a:ea typeface="Roboto" panose="02000000000000000000" pitchFamily="2" charset="0"/>
+              </a:rPr>
+              <a:t> </a:t>
+            </a:r>
+            <a:r>
+              <a:rPr lang="es-MX" sz="2000" dirty="0" err="1" smtClean="0">
+                <a:solidFill>
+                  <a:srgbClr val="4B6584"/>
+                </a:solidFill>
+                <a:latin typeface="Roboto" panose="02000000000000000000" pitchFamily="2" charset="0"/>
+                <a:ea typeface="Roboto" panose="02000000000000000000" pitchFamily="2" charset="0"/>
+              </a:rPr>
+              <a:t>pull</a:t>
+            </a:r>
+            <a:r>
+              <a:rPr lang="es-MX" sz="2000" dirty="0" smtClean="0">
+                <a:solidFill>
+                  <a:srgbClr val="4B6584"/>
+                </a:solidFill>
+                <a:latin typeface="Roboto" panose="02000000000000000000" pitchFamily="2" charset="0"/>
+                <a:ea typeface="Roboto" panose="02000000000000000000" pitchFamily="2" charset="0"/>
+              </a:rPr>
+              <a:t> [remoto] [rama]</a:t>
+            </a:r>
+          </a:p>
+          <a:p>
+            <a:pPr marL="0" indent="0">
+              <a:lnSpc>
+                <a:spcPct val="100000"/>
+              </a:lnSpc>
+              <a:buNone/>
+            </a:pPr>
+            <a:endParaRPr lang="es-MX" sz="2000" dirty="0">
+              <a:solidFill>
+                <a:schemeClr val="bg1">
+                  <a:lumMod val="50000"/>
+                </a:schemeClr>
+              </a:solidFill>
+              <a:latin typeface="Roboto" panose="02000000000000000000" pitchFamily="2" charset="0"/>
+              <a:ea typeface="Roboto" panose="02000000000000000000" pitchFamily="2" charset="0"/>
+            </a:endParaRPr>
+          </a:p>
+          <a:p>
+            <a:pPr marL="0" indent="0">
+              <a:lnSpc>
+                <a:spcPct val="120000"/>
+              </a:lnSpc>
+              <a:buNone/>
+            </a:pPr>
+            <a:r>
+              <a:rPr lang="es-MX" sz="2100" dirty="0">
+                <a:solidFill>
+                  <a:schemeClr val="bg1">
+                    <a:lumMod val="50000"/>
+                  </a:schemeClr>
+                </a:solidFill>
+                <a:latin typeface="Roboto Light" panose="02000000000000000000" pitchFamily="2" charset="0"/>
+                <a:ea typeface="Roboto Light" panose="02000000000000000000" pitchFamily="2" charset="0"/>
+              </a:rPr>
+              <a:t>Publicar cambios de local a rama remota</a:t>
+            </a:r>
+          </a:p>
+          <a:p>
+            <a:pPr marL="0" indent="0">
+              <a:lnSpc>
+                <a:spcPct val="120000"/>
+              </a:lnSpc>
+              <a:buNone/>
+            </a:pPr>
+            <a:r>
+              <a:rPr lang="es-MX" sz="2000" dirty="0" err="1">
+                <a:solidFill>
+                  <a:srgbClr val="4B6584"/>
+                </a:solidFill>
+                <a:latin typeface="Roboto" panose="02000000000000000000" pitchFamily="2" charset="0"/>
+                <a:ea typeface="Roboto" panose="02000000000000000000" pitchFamily="2" charset="0"/>
+              </a:rPr>
+              <a:t>g</a:t>
+            </a:r>
+            <a:r>
+              <a:rPr lang="es-MX" sz="2000" dirty="0" err="1" smtClean="0">
+                <a:solidFill>
+                  <a:srgbClr val="4B6584"/>
+                </a:solidFill>
+                <a:latin typeface="Roboto" panose="02000000000000000000" pitchFamily="2" charset="0"/>
+                <a:ea typeface="Roboto" panose="02000000000000000000" pitchFamily="2" charset="0"/>
+              </a:rPr>
+              <a:t>it</a:t>
+            </a:r>
+            <a:r>
+              <a:rPr lang="es-MX" sz="2000" dirty="0" smtClean="0">
+                <a:solidFill>
+                  <a:srgbClr val="4B6584"/>
+                </a:solidFill>
+                <a:latin typeface="Roboto" panose="02000000000000000000" pitchFamily="2" charset="0"/>
+                <a:ea typeface="Roboto" panose="02000000000000000000" pitchFamily="2" charset="0"/>
+              </a:rPr>
+              <a:t> </a:t>
+            </a:r>
+            <a:r>
+              <a:rPr lang="es-MX" sz="2000" dirty="0" err="1" smtClean="0">
+                <a:solidFill>
+                  <a:srgbClr val="4B6584"/>
+                </a:solidFill>
+                <a:latin typeface="Roboto" panose="02000000000000000000" pitchFamily="2" charset="0"/>
+                <a:ea typeface="Roboto" panose="02000000000000000000" pitchFamily="2" charset="0"/>
+              </a:rPr>
+              <a:t>push</a:t>
+            </a:r>
+            <a:r>
+              <a:rPr lang="es-MX" sz="2000" dirty="0" smtClean="0">
+                <a:solidFill>
+                  <a:srgbClr val="4B6584"/>
+                </a:solidFill>
+                <a:latin typeface="Roboto" panose="02000000000000000000" pitchFamily="2" charset="0"/>
+                <a:ea typeface="Roboto" panose="02000000000000000000" pitchFamily="2" charset="0"/>
+              </a:rPr>
+              <a:t> [remoto] [rama]</a:t>
+            </a:r>
+            <a:endParaRPr lang="es-MX" sz="2000" dirty="0">
+              <a:solidFill>
+                <a:srgbClr val="4B6584"/>
+              </a:solidFill>
+              <a:latin typeface="Roboto" panose="02000000000000000000" pitchFamily="2" charset="0"/>
+              <a:ea typeface="Roboto" panose="02000000000000000000" pitchFamily="2" charset="0"/>
+            </a:endParaRPr>
+          </a:p>
+        </p:txBody>
+      </p:sp>
+    </p:spTree>
+    <p:extLst>
+      <p:ext uri="{BB962C8B-B14F-4D97-AF65-F5344CB8AC3E}">
+        <p14:creationId xmlns:p14="http://schemas.microsoft.com/office/powerpoint/2010/main" val="3712731149"/>
+      </p:ext>
+    </p:extLst>
+  </p:cSld>
+  <p:clrMapOvr>
+    <a:masterClrMapping/>
+  </p:clrMapOvr>
+  <p:timing>
+    <p:tnLst>
+      <p:par>
+        <p:cTn id="1" dur="indefinite" restart="never" nodeType="tmRoot"/>
+      </p:par>
+    </p:tnLst>
+  </p:timing>
+</p:sld>
+</file>
+
+<file path=ppt/slides/slide12.xml><?xml version="1.0" encoding="utf-8"?>
+<p:sld xmlns:a="http://schemas.openxmlformats.org/drawingml/2006/main" xmlns:r="http://schemas.openxmlformats.org/officeDocument/2006/relationships" xmlns:p="http://schemas.openxmlformats.org/presentationml/2006/main">
+  <p:cSld>
+    <p:spTree>
+      <p:nvGrpSpPr>
+        <p:cNvPr id="1" name=""/>
+        <p:cNvGrpSpPr/>
+        <p:nvPr/>
+      </p:nvGrpSpPr>
+      <p:grpSpPr>
+        <a:xfrm>
+          <a:off x="0" y="0"/>
+          <a:ext cx="0" cy="0"/>
+          <a:chOff x="0" y="0"/>
+          <a:chExt cx="0" cy="0"/>
+        </a:xfrm>
+      </p:grpSpPr>
+      <p:pic>
+        <p:nvPicPr>
+          <p:cNvPr id="7" name="Picture 4" descr="Working tree, staging area, and Git directory."/>
+          <p:cNvPicPr>
+            <a:picLocks noChangeAspect="1" noChangeArrowheads="1"/>
+          </p:cNvPicPr>
+          <p:nvPr/>
+        </p:nvPicPr>
+        <p:blipFill>
+          <a:blip r:embed="rId3">
+            <a:extLst>
+              <a:ext uri="{28A0092B-C50C-407E-A947-70E740481C1C}">
+                <a14:useLocalDpi xmlns:a14="http://schemas.microsoft.com/office/drawing/2010/main" val="0"/>
+              </a:ext>
+            </a:extLst>
+          </a:blip>
+          <a:srcRect/>
+          <a:stretch>
+            <a:fillRect/>
+          </a:stretch>
+        </p:blipFill>
+        <p:spPr bwMode="auto">
+          <a:xfrm>
+            <a:off x="2543647" y="1470766"/>
+            <a:ext cx="7104706" cy="3916469"/>
+          </a:xfrm>
+          <a:prstGeom prst="rect">
+            <a:avLst/>
+          </a:prstGeom>
+          <a:noFill/>
+          <a:extLst>
+            <a:ext uri="{909E8E84-426E-40DD-AFC4-6F175D3DCCD1}">
+              <a14:hiddenFill xmlns:a14="http://schemas.microsoft.com/office/drawing/2010/main">
+                <a:solidFill>
+                  <a:srgbClr val="FFFFFF"/>
+                </a:solidFill>
+              </a14:hiddenFill>
+            </a:ext>
+          </a:extLst>
+        </p:spPr>
+      </p:pic>
+    </p:spTree>
+    <p:extLst>
+      <p:ext uri="{BB962C8B-B14F-4D97-AF65-F5344CB8AC3E}">
+        <p14:creationId xmlns:p14="http://schemas.microsoft.com/office/powerpoint/2010/main" val="538971875"/>
+      </p:ext>
+    </p:extLst>
+  </p:cSld>
+  <p:clrMapOvr>
+    <a:masterClrMapping/>
+  </p:clrMapOvr>
+  <p:timing>
+    <p:tnLst>
+      <p:par>
+        <p:cTn id="1" dur="indefinite" restart="never" nodeType="tmRoot"/>
+      </p:par>
+    </p:tnLst>
+  </p:timing>
+</p:sld>
+</file>
+
+<file path=ppt/slides/slide13.xml><?xml version="1.0" encoding="utf-8"?>
+<p:sld xmlns:a="http://schemas.openxmlformats.org/drawingml/2006/main" xmlns:r="http://schemas.openxmlformats.org/officeDocument/2006/relationships" xmlns:p="http://schemas.openxmlformats.org/presentationml/2006/main">
+  <p:cSld>
+    <p:bg>
+      <p:bgPr>
+        <a:solidFill>
+          <a:srgbClr val="B71540"/>
+        </a:solidFill>
+        <a:effectLst/>
+      </p:bgPr>
+    </p:bg>
+    <p:spTree>
+      <p:nvGrpSpPr>
+        <p:cNvPr id="1" name=""/>
+        <p:cNvGrpSpPr/>
+        <p:nvPr/>
+      </p:nvGrpSpPr>
+      <p:grpSpPr>
+        <a:xfrm>
+          <a:off x="0" y="0"/>
+          <a:ext cx="0" cy="0"/>
+          <a:chOff x="0" y="0"/>
+          <a:chExt cx="0" cy="0"/>
+        </a:xfrm>
+      </p:grpSpPr>
+      <p:sp>
+        <p:nvSpPr>
+          <p:cNvPr id="4" name="CuadroTexto 3"/>
+          <p:cNvSpPr txBox="1"/>
+          <p:nvPr/>
+        </p:nvSpPr>
+        <p:spPr>
+          <a:xfrm>
+            <a:off x="137124" y="1873419"/>
+            <a:ext cx="4475905" cy="1015663"/>
+          </a:xfrm>
+          <a:prstGeom prst="rect">
+            <a:avLst/>
+          </a:prstGeom>
+          <a:noFill/>
+        </p:spPr>
+        <p:txBody>
+          <a:bodyPr wrap="none" rtlCol="0">
+            <a:spAutoFit/>
+          </a:bodyPr>
+          <a:lstStyle/>
+          <a:p>
+            <a:r>
+              <a:rPr lang="es-MX" sz="6000" dirty="0" err="1" smtClean="0">
+                <a:solidFill>
+                  <a:schemeClr val="bg1"/>
+                </a:solidFill>
+                <a:latin typeface="Roboto Black" panose="02000000000000000000" pitchFamily="2" charset="0"/>
+                <a:ea typeface="Roboto Black" panose="02000000000000000000" pitchFamily="2" charset="0"/>
+              </a:rPr>
+              <a:t>downstream</a:t>
+            </a:r>
+            <a:endParaRPr lang="es-MX" sz="6000" dirty="0">
+              <a:solidFill>
+                <a:schemeClr val="bg1"/>
+              </a:solidFill>
+              <a:latin typeface="Roboto Black" panose="02000000000000000000" pitchFamily="2" charset="0"/>
+              <a:ea typeface="Roboto Black" panose="02000000000000000000" pitchFamily="2" charset="0"/>
+            </a:endParaRPr>
+          </a:p>
+        </p:txBody>
+      </p:sp>
+      <p:sp>
+        <p:nvSpPr>
+          <p:cNvPr id="5" name="CuadroTexto 4"/>
+          <p:cNvSpPr txBox="1"/>
+          <p:nvPr/>
+        </p:nvSpPr>
+        <p:spPr>
+          <a:xfrm>
+            <a:off x="137124" y="4029878"/>
+            <a:ext cx="3485249" cy="1015663"/>
+          </a:xfrm>
+          <a:prstGeom prst="rect">
+            <a:avLst/>
+          </a:prstGeom>
+          <a:noFill/>
+        </p:spPr>
+        <p:txBody>
+          <a:bodyPr wrap="none" rtlCol="0">
+            <a:spAutoFit/>
+          </a:bodyPr>
+          <a:lstStyle/>
+          <a:p>
+            <a:r>
+              <a:rPr lang="es-MX" sz="6000" dirty="0" err="1" smtClean="0">
+                <a:solidFill>
+                  <a:schemeClr val="bg1"/>
+                </a:solidFill>
+                <a:latin typeface="Roboto Black" panose="02000000000000000000" pitchFamily="2" charset="0"/>
+                <a:ea typeface="Roboto Black" panose="02000000000000000000" pitchFamily="2" charset="0"/>
+              </a:rPr>
+              <a:t>upstream</a:t>
+            </a:r>
+            <a:endParaRPr lang="es-MX" sz="6000" dirty="0">
+              <a:solidFill>
+                <a:schemeClr val="bg1"/>
+              </a:solidFill>
+              <a:latin typeface="Roboto Black" panose="02000000000000000000" pitchFamily="2" charset="0"/>
+              <a:ea typeface="Roboto Black" panose="02000000000000000000" pitchFamily="2" charset="0"/>
+            </a:endParaRPr>
+          </a:p>
+        </p:txBody>
+      </p:sp>
+      <p:grpSp>
+        <p:nvGrpSpPr>
+          <p:cNvPr id="11" name="Grupo 10"/>
+          <p:cNvGrpSpPr/>
+          <p:nvPr/>
+        </p:nvGrpSpPr>
+        <p:grpSpPr>
+          <a:xfrm>
+            <a:off x="8117628" y="2142723"/>
+            <a:ext cx="3565925" cy="477054"/>
+            <a:chOff x="7111788" y="2139353"/>
+            <a:chExt cx="3565925" cy="477054"/>
+          </a:xfrm>
+        </p:grpSpPr>
+        <p:sp>
+          <p:nvSpPr>
+            <p:cNvPr id="6" name="CuadroTexto 5"/>
+            <p:cNvSpPr txBox="1"/>
+            <p:nvPr/>
+          </p:nvSpPr>
+          <p:spPr>
+            <a:xfrm>
+              <a:off x="7815730" y="2139353"/>
+              <a:ext cx="2334766" cy="477054"/>
+            </a:xfrm>
+            <a:prstGeom prst="rect">
+              <a:avLst/>
+            </a:prstGeom>
+            <a:noFill/>
+          </p:spPr>
+          <p:txBody>
+            <a:bodyPr wrap="square" rtlCol="0">
+              <a:spAutoFit/>
+            </a:bodyPr>
+            <a:lstStyle/>
+            <a:p>
+              <a:r>
+                <a:rPr lang="es-MX" sz="2500" b="1" dirty="0">
+                  <a:solidFill>
+                    <a:schemeClr val="bg1">
+                      <a:lumMod val="95000"/>
+                    </a:schemeClr>
+                  </a:solidFill>
+                  <a:latin typeface="Roboto Light" panose="02000000000000000000" pitchFamily="2" charset="0"/>
+                  <a:ea typeface="Roboto Light" panose="02000000000000000000" pitchFamily="2" charset="0"/>
+                </a:rPr>
+                <a:t>local </a:t>
+              </a:r>
+              <a:r>
+                <a:rPr lang="es-MX" sz="2500" b="1" dirty="0">
+                  <a:solidFill>
+                    <a:srgbClr val="FFC000"/>
+                  </a:solidFill>
+                  <a:latin typeface="Roboto Black" panose="02000000000000000000" pitchFamily="2" charset="0"/>
+                  <a:ea typeface="Roboto Black" panose="02000000000000000000" pitchFamily="2" charset="0"/>
+                </a:rPr>
+                <a:t>&lt;-</a:t>
+              </a:r>
+              <a:r>
+                <a:rPr lang="es-MX" sz="2500" b="1" dirty="0">
+                  <a:solidFill>
+                    <a:schemeClr val="bg1">
+                      <a:lumMod val="95000"/>
+                    </a:schemeClr>
+                  </a:solidFill>
+                  <a:latin typeface="Roboto Light" panose="02000000000000000000" pitchFamily="2" charset="0"/>
+                  <a:ea typeface="Roboto Light" panose="02000000000000000000" pitchFamily="2" charset="0"/>
+                </a:rPr>
+                <a:t> remoto</a:t>
+              </a:r>
+            </a:p>
+          </p:txBody>
+        </p:sp>
+        <p:pic>
+          <p:nvPicPr>
+            <p:cNvPr id="9" name="Imagen 8"/>
+            <p:cNvPicPr>
+              <a:picLocks noChangeAspect="1"/>
+            </p:cNvPicPr>
+            <p:nvPr/>
+          </p:nvPicPr>
+          <p:blipFill>
+            <a:blip r:embed="rId2" cstate="print">
+              <a:extLst>
+                <a:ext uri="{28A0092B-C50C-407E-A947-70E740481C1C}">
+                  <a14:useLocalDpi xmlns:a14="http://schemas.microsoft.com/office/drawing/2010/main" val="0"/>
+                </a:ext>
+              </a:extLst>
+            </a:blip>
+            <a:stretch>
+              <a:fillRect/>
+            </a:stretch>
+          </p:blipFill>
+          <p:spPr>
+            <a:xfrm>
+              <a:off x="7111788" y="2234626"/>
+              <a:ext cx="508330" cy="336448"/>
+            </a:xfrm>
+            <a:prstGeom prst="rect">
+              <a:avLst/>
+            </a:prstGeom>
+          </p:spPr>
+        </p:pic>
+        <p:pic>
+          <p:nvPicPr>
+            <p:cNvPr id="10" name="Imagen 9"/>
+            <p:cNvPicPr>
+              <a:picLocks noChangeAspect="1"/>
+            </p:cNvPicPr>
+            <p:nvPr/>
+          </p:nvPicPr>
+          <p:blipFill>
+            <a:blip r:embed="rId3" cstate="print">
+              <a:extLst>
+                <a:ext uri="{28A0092B-C50C-407E-A947-70E740481C1C}">
+                  <a14:useLocalDpi xmlns:a14="http://schemas.microsoft.com/office/drawing/2010/main" val="0"/>
+                </a:ext>
+              </a:extLst>
+            </a:blip>
+            <a:stretch>
+              <a:fillRect/>
+            </a:stretch>
+          </p:blipFill>
+          <p:spPr>
+            <a:xfrm>
+              <a:off x="10346108" y="2234626"/>
+              <a:ext cx="331605" cy="336448"/>
+            </a:xfrm>
+            <a:prstGeom prst="rect">
+              <a:avLst/>
+            </a:prstGeom>
+          </p:spPr>
+        </p:pic>
+      </p:grpSp>
+      <p:grpSp>
+        <p:nvGrpSpPr>
+          <p:cNvPr id="14" name="Grupo 13"/>
+          <p:cNvGrpSpPr/>
+          <p:nvPr/>
+        </p:nvGrpSpPr>
+        <p:grpSpPr>
+          <a:xfrm>
+            <a:off x="8117628" y="4299182"/>
+            <a:ext cx="3565925" cy="477054"/>
+            <a:chOff x="8117628" y="4299183"/>
+            <a:chExt cx="3565925" cy="477054"/>
+          </a:xfrm>
+        </p:grpSpPr>
+        <p:sp>
+          <p:nvSpPr>
+            <p:cNvPr id="7" name="CuadroTexto 6"/>
+            <p:cNvSpPr txBox="1"/>
+            <p:nvPr/>
+          </p:nvSpPr>
+          <p:spPr>
+            <a:xfrm>
+              <a:off x="8847026" y="4299183"/>
+              <a:ext cx="2386829" cy="477054"/>
+            </a:xfrm>
+            <a:prstGeom prst="rect">
+              <a:avLst/>
+            </a:prstGeom>
+            <a:noFill/>
+          </p:spPr>
+          <p:txBody>
+            <a:bodyPr wrap="square" rtlCol="0">
+              <a:spAutoFit/>
+            </a:bodyPr>
+            <a:lstStyle/>
+            <a:p>
+              <a:r>
+                <a:rPr lang="es-MX" sz="2500" b="1" dirty="0" smtClean="0">
+                  <a:solidFill>
+                    <a:schemeClr val="bg1">
+                      <a:lumMod val="95000"/>
+                    </a:schemeClr>
+                  </a:solidFill>
+                  <a:latin typeface="Roboto Light" panose="02000000000000000000" pitchFamily="2" charset="0"/>
+                  <a:ea typeface="Roboto Light" panose="02000000000000000000" pitchFamily="2" charset="0"/>
+                </a:rPr>
+                <a:t>local </a:t>
+              </a:r>
+              <a:r>
+                <a:rPr lang="es-MX" sz="2500" b="1" dirty="0" smtClean="0">
+                  <a:solidFill>
+                    <a:srgbClr val="FFC000"/>
+                  </a:solidFill>
+                  <a:latin typeface="Roboto Black" panose="02000000000000000000" pitchFamily="2" charset="0"/>
+                  <a:ea typeface="Roboto Black" panose="02000000000000000000" pitchFamily="2" charset="0"/>
+                </a:rPr>
+                <a:t>-&gt;</a:t>
+              </a:r>
+              <a:r>
+                <a:rPr lang="es-MX" sz="2500" b="1" dirty="0" smtClean="0">
+                  <a:solidFill>
+                    <a:schemeClr val="bg1">
+                      <a:lumMod val="95000"/>
+                    </a:schemeClr>
+                  </a:solidFill>
+                  <a:latin typeface="Roboto Light" panose="02000000000000000000" pitchFamily="2" charset="0"/>
+                  <a:ea typeface="Roboto Light" panose="02000000000000000000" pitchFamily="2" charset="0"/>
+                </a:rPr>
+                <a:t> remoto</a:t>
+              </a:r>
+              <a:endParaRPr lang="es-MX" sz="2500" b="1" dirty="0">
+                <a:solidFill>
+                  <a:schemeClr val="bg1">
+                    <a:lumMod val="95000"/>
+                  </a:schemeClr>
+                </a:solidFill>
+                <a:latin typeface="Roboto Light" panose="02000000000000000000" pitchFamily="2" charset="0"/>
+                <a:ea typeface="Roboto Light" panose="02000000000000000000" pitchFamily="2" charset="0"/>
+              </a:endParaRPr>
+            </a:p>
+          </p:txBody>
+        </p:sp>
+        <p:pic>
+          <p:nvPicPr>
+            <p:cNvPr id="12" name="Imagen 11"/>
+            <p:cNvPicPr>
+              <a:picLocks noChangeAspect="1"/>
+            </p:cNvPicPr>
+            <p:nvPr/>
+          </p:nvPicPr>
+          <p:blipFill>
+            <a:blip r:embed="rId2" cstate="print">
+              <a:extLst>
+                <a:ext uri="{28A0092B-C50C-407E-A947-70E740481C1C}">
+                  <a14:useLocalDpi xmlns:a14="http://schemas.microsoft.com/office/drawing/2010/main" val="0"/>
+                </a:ext>
+              </a:extLst>
+            </a:blip>
+            <a:stretch>
+              <a:fillRect/>
+            </a:stretch>
+          </p:blipFill>
+          <p:spPr>
+            <a:xfrm>
+              <a:off x="8117628" y="4371596"/>
+              <a:ext cx="508330" cy="336448"/>
+            </a:xfrm>
+            <a:prstGeom prst="rect">
+              <a:avLst/>
+            </a:prstGeom>
+          </p:spPr>
+        </p:pic>
+        <p:pic>
+          <p:nvPicPr>
+            <p:cNvPr id="13" name="Imagen 12"/>
+            <p:cNvPicPr>
+              <a:picLocks noChangeAspect="1"/>
+            </p:cNvPicPr>
+            <p:nvPr/>
+          </p:nvPicPr>
+          <p:blipFill>
+            <a:blip r:embed="rId3" cstate="print">
+              <a:extLst>
+                <a:ext uri="{28A0092B-C50C-407E-A947-70E740481C1C}">
+                  <a14:useLocalDpi xmlns:a14="http://schemas.microsoft.com/office/drawing/2010/main" val="0"/>
+                </a:ext>
+              </a:extLst>
+            </a:blip>
+            <a:stretch>
+              <a:fillRect/>
+            </a:stretch>
+          </p:blipFill>
+          <p:spPr>
+            <a:xfrm>
+              <a:off x="11351948" y="4371596"/>
+              <a:ext cx="331605" cy="336448"/>
+            </a:xfrm>
+            <a:prstGeom prst="rect">
+              <a:avLst/>
+            </a:prstGeom>
+          </p:spPr>
+        </p:pic>
+      </p:grpSp>
+    </p:spTree>
+    <p:extLst>
+      <p:ext uri="{BB962C8B-B14F-4D97-AF65-F5344CB8AC3E}">
+        <p14:creationId xmlns:p14="http://schemas.microsoft.com/office/powerpoint/2010/main" val="3108108286"/>
+      </p:ext>
+    </p:extLst>
+  </p:cSld>
+  <p:clrMapOvr>
+    <a:masterClrMapping/>
+  </p:clrMapOvr>
+  <p:timing>
+    <p:tnLst>
+      <p:par>
+        <p:cTn id="1" dur="indefinite" restart="never" nodeType="tmRoot"/>
+      </p:par>
+    </p:tnLst>
+  </p:timing>
+</p:sld>
+</file>
+
+<file path=ppt/slides/slide14.xml><?xml version="1.0" encoding="utf-8"?>
+<p:sld xmlns:a="http://schemas.openxmlformats.org/drawingml/2006/main" xmlns:r="http://schemas.openxmlformats.org/officeDocument/2006/relationships" xmlns:p="http://schemas.openxmlformats.org/presentationml/2006/main">
+  <p:cSld>
+    <p:spTree>
+      <p:nvGrpSpPr>
+        <p:cNvPr id="1" name=""/>
+        <p:cNvGrpSpPr/>
+        <p:nvPr/>
+      </p:nvGrpSpPr>
+      <p:grpSpPr>
+        <a:xfrm>
+          <a:off x="0" y="0"/>
+          <a:ext cx="0" cy="0"/>
+          <a:chOff x="0" y="0"/>
+          <a:chExt cx="0" cy="0"/>
+        </a:xfrm>
+      </p:grpSpPr>
+      <p:sp>
+        <p:nvSpPr>
+          <p:cNvPr id="4" name="Título 1"/>
+          <p:cNvSpPr txBox="1">
+            <a:spLocks/>
+          </p:cNvSpPr>
+          <p:nvPr/>
+        </p:nvSpPr>
+        <p:spPr>
+          <a:xfrm>
+            <a:off x="838200" y="370187"/>
+            <a:ext cx="8639433" cy="1325563"/>
+          </a:xfrm>
+          <a:prstGeom prst="rect">
+            <a:avLst/>
+          </a:prstGeom>
+        </p:spPr>
+        <p:txBody>
+          <a:bodyPr vert="horz" lIns="91440" tIns="45720" rIns="91440" bIns="45720" rtlCol="0" anchor="ctr">
+            <a:normAutofit/>
+          </a:bodyPr>
+          <a:lstStyle>
+            <a:lvl1pPr algn="l" defTabSz="914400" rtl="0" eaLnBrk="1" latinLnBrk="0" hangingPunct="1">
+              <a:lnSpc>
+                <a:spcPct val="90000"/>
+              </a:lnSpc>
+              <a:spcBef>
+                <a:spcPct val="0"/>
+              </a:spcBef>
+              <a:buNone/>
+              <a:defRPr sz="4400" kern="1200">
+                <a:solidFill>
+                  <a:schemeClr val="tx1"/>
+                </a:solidFill>
+                <a:latin typeface="+mj-lt"/>
+                <a:ea typeface="+mj-ea"/>
+                <a:cs typeface="+mj-cs"/>
+              </a:defRPr>
+            </a:lvl1pPr>
+          </a:lstStyle>
+          <a:p>
+            <a:r>
+              <a:rPr lang="es-MX" sz="5000" dirty="0" err="1" smtClean="0">
+                <a:solidFill>
+                  <a:srgbClr val="B71540"/>
+                </a:solidFill>
+                <a:latin typeface="Roboto Black" panose="02000000000000000000" pitchFamily="2" charset="0"/>
+                <a:ea typeface="Roboto Black" panose="02000000000000000000" pitchFamily="2" charset="0"/>
+              </a:rPr>
+              <a:t>Branches</a:t>
+            </a:r>
+            <a:r>
+              <a:rPr lang="es-MX" sz="5000" dirty="0" smtClean="0">
+                <a:solidFill>
+                  <a:srgbClr val="D50F2E"/>
+                </a:solidFill>
+                <a:latin typeface="Roboto Black" panose="02000000000000000000" pitchFamily="2" charset="0"/>
+                <a:ea typeface="Roboto Black" panose="02000000000000000000" pitchFamily="2" charset="0"/>
+              </a:rPr>
+              <a:t> </a:t>
+            </a:r>
+            <a:r>
+              <a:rPr lang="es-MX" sz="2500" dirty="0" smtClean="0">
+                <a:solidFill>
+                  <a:schemeClr val="bg1">
+                    <a:lumMod val="85000"/>
+                  </a:schemeClr>
+                </a:solidFill>
+                <a:latin typeface="Roboto" panose="02000000000000000000" pitchFamily="2" charset="0"/>
+                <a:ea typeface="Roboto" panose="02000000000000000000" pitchFamily="2" charset="0"/>
+              </a:rPr>
+              <a:t>[</a:t>
+            </a:r>
+            <a:r>
+              <a:rPr lang="es-MX" sz="3000" dirty="0" smtClean="0">
+                <a:solidFill>
+                  <a:schemeClr val="bg1">
+                    <a:lumMod val="85000"/>
+                  </a:schemeClr>
+                </a:solidFill>
+                <a:latin typeface="Roboto" panose="02000000000000000000" pitchFamily="2" charset="0"/>
+                <a:ea typeface="Roboto" panose="02000000000000000000" pitchFamily="2" charset="0"/>
+              </a:rPr>
+              <a:t> </a:t>
+            </a:r>
+            <a:r>
+              <a:rPr lang="es-MX" sz="3000" dirty="0" err="1" smtClean="0">
+                <a:solidFill>
+                  <a:schemeClr val="bg1">
+                    <a:lumMod val="85000"/>
+                  </a:schemeClr>
+                </a:solidFill>
+                <a:latin typeface="Roboto" panose="02000000000000000000" pitchFamily="2" charset="0"/>
+                <a:ea typeface="Roboto" panose="02000000000000000000" pitchFamily="2" charset="0"/>
+              </a:rPr>
+              <a:t>git</a:t>
+            </a:r>
+            <a:r>
+              <a:rPr lang="es-MX" sz="3000" dirty="0" smtClean="0">
+                <a:solidFill>
+                  <a:schemeClr val="bg1">
+                    <a:lumMod val="85000"/>
+                  </a:schemeClr>
+                </a:solidFill>
+                <a:latin typeface="Roboto" panose="02000000000000000000" pitchFamily="2" charset="0"/>
+                <a:ea typeface="Roboto" panose="02000000000000000000" pitchFamily="2" charset="0"/>
+              </a:rPr>
+              <a:t> </a:t>
+            </a:r>
+            <a:r>
+              <a:rPr lang="es-MX" sz="2500" dirty="0" smtClean="0">
+                <a:solidFill>
+                  <a:schemeClr val="bg1">
+                    <a:lumMod val="85000"/>
+                  </a:schemeClr>
+                </a:solidFill>
+                <a:latin typeface="Roboto" panose="02000000000000000000" pitchFamily="2" charset="0"/>
+                <a:ea typeface="Roboto" panose="02000000000000000000" pitchFamily="2" charset="0"/>
+              </a:rPr>
+              <a:t>]</a:t>
+            </a:r>
+            <a:r>
+              <a:rPr lang="es-MX" sz="3000" dirty="0" smtClean="0">
+                <a:solidFill>
+                  <a:schemeClr val="bg1">
+                    <a:lumMod val="85000"/>
+                  </a:schemeClr>
+                </a:solidFill>
+                <a:latin typeface="Roboto" panose="02000000000000000000" pitchFamily="2" charset="0"/>
+                <a:ea typeface="Roboto" panose="02000000000000000000" pitchFamily="2" charset="0"/>
+              </a:rPr>
+              <a:t> </a:t>
+            </a:r>
+            <a:endParaRPr lang="es-MX" sz="3000" dirty="0">
+              <a:solidFill>
+                <a:schemeClr val="bg1">
+                  <a:lumMod val="85000"/>
+                </a:schemeClr>
+              </a:solidFill>
+              <a:latin typeface="Roboto" panose="02000000000000000000" pitchFamily="2" charset="0"/>
+              <a:ea typeface="Roboto" panose="02000000000000000000" pitchFamily="2" charset="0"/>
+            </a:endParaRPr>
+          </a:p>
+        </p:txBody>
+      </p:sp>
+      <p:sp>
+        <p:nvSpPr>
+          <p:cNvPr id="2" name="Marcador de contenido 1"/>
+          <p:cNvSpPr>
+            <a:spLocks noGrp="1"/>
+          </p:cNvSpPr>
+          <p:nvPr>
+            <p:ph idx="1"/>
+          </p:nvPr>
+        </p:nvSpPr>
+        <p:spPr>
+          <a:xfrm>
+            <a:off x="838200" y="1825625"/>
+            <a:ext cx="4984630" cy="4351338"/>
+          </a:xfrm>
+        </p:spPr>
+        <p:txBody>
+          <a:bodyPr>
+            <a:normAutofit/>
+          </a:bodyPr>
+          <a:lstStyle/>
+          <a:p>
+            <a:pPr marL="0" indent="0">
+              <a:buNone/>
+            </a:pPr>
+            <a:r>
+              <a:rPr lang="es-MX" sz="2200" dirty="0" smtClean="0">
+                <a:solidFill>
+                  <a:schemeClr val="bg1">
+                    <a:lumMod val="75000"/>
+                  </a:schemeClr>
+                </a:solidFill>
+                <a:latin typeface="Roboto" panose="02000000000000000000" pitchFamily="2" charset="0"/>
+                <a:ea typeface="Roboto" panose="02000000000000000000" pitchFamily="2" charset="0"/>
+              </a:rPr>
+              <a:t>Listar </a:t>
+            </a:r>
+            <a:r>
+              <a:rPr lang="es-MX" sz="2200" dirty="0" err="1" smtClean="0">
+                <a:solidFill>
+                  <a:schemeClr val="bg1">
+                    <a:lumMod val="75000"/>
+                  </a:schemeClr>
+                </a:solidFill>
+                <a:latin typeface="Roboto" panose="02000000000000000000" pitchFamily="2" charset="0"/>
+                <a:ea typeface="Roboto" panose="02000000000000000000" pitchFamily="2" charset="0"/>
+              </a:rPr>
+              <a:t>branches</a:t>
+            </a:r>
+            <a:r>
+              <a:rPr lang="es-MX" sz="2200" dirty="0" smtClean="0">
+                <a:solidFill>
+                  <a:schemeClr val="bg1">
+                    <a:lumMod val="75000"/>
+                  </a:schemeClr>
+                </a:solidFill>
+                <a:latin typeface="Roboto" panose="02000000000000000000" pitchFamily="2" charset="0"/>
+                <a:ea typeface="Roboto" panose="02000000000000000000" pitchFamily="2" charset="0"/>
+              </a:rPr>
+              <a:t> disponibles en el repo</a:t>
+            </a:r>
+            <a:endParaRPr lang="es-MX" sz="2200" dirty="0">
+              <a:solidFill>
+                <a:schemeClr val="bg1">
+                  <a:lumMod val="75000"/>
+                </a:schemeClr>
+              </a:solidFill>
+              <a:latin typeface="Roboto" panose="02000000000000000000" pitchFamily="2" charset="0"/>
+              <a:ea typeface="Roboto" panose="02000000000000000000" pitchFamily="2" charset="0"/>
+            </a:endParaRPr>
+          </a:p>
+          <a:p>
+            <a:pPr marL="0" indent="0">
+              <a:buNone/>
+            </a:pPr>
+            <a:r>
+              <a:rPr lang="es-MX" sz="2400" dirty="0" err="1" smtClean="0">
+                <a:solidFill>
+                  <a:srgbClr val="4B6584"/>
+                </a:solidFill>
+                <a:latin typeface="Roboto" panose="02000000000000000000" pitchFamily="2" charset="0"/>
+                <a:ea typeface="Roboto" panose="02000000000000000000" pitchFamily="2" charset="0"/>
+              </a:rPr>
+              <a:t>git</a:t>
+            </a:r>
+            <a:r>
+              <a:rPr lang="es-MX" sz="2400" dirty="0" smtClean="0">
+                <a:solidFill>
+                  <a:srgbClr val="4B6584"/>
+                </a:solidFill>
+                <a:latin typeface="Roboto" panose="02000000000000000000" pitchFamily="2" charset="0"/>
+                <a:ea typeface="Roboto" panose="02000000000000000000" pitchFamily="2" charset="0"/>
+              </a:rPr>
+              <a:t> </a:t>
+            </a:r>
+            <a:r>
+              <a:rPr lang="es-MX" sz="2400" dirty="0" err="1" smtClean="0">
+                <a:solidFill>
+                  <a:srgbClr val="4B6584"/>
+                </a:solidFill>
+                <a:latin typeface="Roboto" panose="02000000000000000000" pitchFamily="2" charset="0"/>
+                <a:ea typeface="Roboto" panose="02000000000000000000" pitchFamily="2" charset="0"/>
+              </a:rPr>
+              <a:t>branch</a:t>
+            </a:r>
+            <a:endParaRPr lang="es-MX" sz="2400" dirty="0" smtClean="0">
+              <a:solidFill>
+                <a:srgbClr val="4B6584"/>
+              </a:solidFill>
+              <a:latin typeface="Roboto" panose="02000000000000000000" pitchFamily="2" charset="0"/>
+              <a:ea typeface="Roboto" panose="02000000000000000000" pitchFamily="2" charset="0"/>
+            </a:endParaRPr>
+          </a:p>
+          <a:p>
+            <a:pPr marL="0" indent="0">
+              <a:buNone/>
+            </a:pPr>
+            <a:endParaRPr lang="es-MX" sz="2400" dirty="0">
+              <a:solidFill>
+                <a:schemeClr val="bg1">
+                  <a:lumMod val="50000"/>
+                </a:schemeClr>
+              </a:solidFill>
+              <a:latin typeface="Roboto" panose="02000000000000000000" pitchFamily="2" charset="0"/>
+              <a:ea typeface="Roboto" panose="02000000000000000000" pitchFamily="2" charset="0"/>
+            </a:endParaRPr>
+          </a:p>
+          <a:p>
+            <a:pPr marL="0" indent="0">
+              <a:buNone/>
+            </a:pPr>
+            <a:r>
+              <a:rPr lang="es-MX" sz="2200" dirty="0" smtClean="0">
+                <a:solidFill>
+                  <a:schemeClr val="bg1">
+                    <a:lumMod val="75000"/>
+                  </a:schemeClr>
+                </a:solidFill>
+                <a:latin typeface="Roboto" panose="02000000000000000000" pitchFamily="2" charset="0"/>
+                <a:ea typeface="Roboto" panose="02000000000000000000" pitchFamily="2" charset="0"/>
+              </a:rPr>
+              <a:t>Crear nueva </a:t>
+            </a:r>
+            <a:r>
+              <a:rPr lang="es-MX" sz="2200" dirty="0" err="1" smtClean="0">
+                <a:solidFill>
+                  <a:schemeClr val="bg1">
+                    <a:lumMod val="75000"/>
+                  </a:schemeClr>
+                </a:solidFill>
+                <a:latin typeface="Roboto" panose="02000000000000000000" pitchFamily="2" charset="0"/>
+                <a:ea typeface="Roboto" panose="02000000000000000000" pitchFamily="2" charset="0"/>
+              </a:rPr>
+              <a:t>branch</a:t>
+            </a:r>
+            <a:endParaRPr lang="es-MX" sz="2200" dirty="0">
+              <a:solidFill>
+                <a:schemeClr val="bg1">
+                  <a:lumMod val="75000"/>
+                </a:schemeClr>
+              </a:solidFill>
+              <a:latin typeface="Roboto" panose="02000000000000000000" pitchFamily="2" charset="0"/>
+              <a:ea typeface="Roboto" panose="02000000000000000000" pitchFamily="2" charset="0"/>
+            </a:endParaRPr>
+          </a:p>
+          <a:p>
+            <a:pPr marL="0" indent="0">
+              <a:buNone/>
+            </a:pPr>
+            <a:r>
+              <a:rPr lang="es-MX" sz="2400" dirty="0" err="1" smtClean="0">
+                <a:solidFill>
+                  <a:srgbClr val="4B6584"/>
+                </a:solidFill>
+                <a:latin typeface="Roboto" panose="02000000000000000000" pitchFamily="2" charset="0"/>
+                <a:ea typeface="Roboto" panose="02000000000000000000" pitchFamily="2" charset="0"/>
+              </a:rPr>
+              <a:t>git</a:t>
+            </a:r>
+            <a:r>
+              <a:rPr lang="es-MX" sz="2400" dirty="0" smtClean="0">
+                <a:solidFill>
+                  <a:srgbClr val="4B6584"/>
+                </a:solidFill>
+                <a:latin typeface="Roboto" panose="02000000000000000000" pitchFamily="2" charset="0"/>
+                <a:ea typeface="Roboto" panose="02000000000000000000" pitchFamily="2" charset="0"/>
+              </a:rPr>
+              <a:t> [nombre rama]</a:t>
+            </a:r>
+          </a:p>
+          <a:p>
+            <a:pPr marL="0" indent="0">
+              <a:buNone/>
+            </a:pPr>
+            <a:endParaRPr lang="es-MX" sz="2400" dirty="0">
+              <a:solidFill>
+                <a:schemeClr val="bg1">
+                  <a:lumMod val="50000"/>
+                </a:schemeClr>
+              </a:solidFill>
+              <a:latin typeface="Roboto" panose="02000000000000000000" pitchFamily="2" charset="0"/>
+              <a:ea typeface="Roboto" panose="02000000000000000000" pitchFamily="2" charset="0"/>
+            </a:endParaRPr>
+          </a:p>
+          <a:p>
+            <a:pPr marL="0" indent="0">
+              <a:buNone/>
+            </a:pPr>
+            <a:r>
+              <a:rPr lang="es-MX" sz="2200" dirty="0" smtClean="0">
+                <a:solidFill>
+                  <a:schemeClr val="bg1">
+                    <a:lumMod val="75000"/>
+                  </a:schemeClr>
+                </a:solidFill>
+                <a:latin typeface="Roboto" panose="02000000000000000000" pitchFamily="2" charset="0"/>
+                <a:ea typeface="Roboto" panose="02000000000000000000" pitchFamily="2" charset="0"/>
+              </a:rPr>
+              <a:t>Cambiarse a otra rama</a:t>
+            </a:r>
+            <a:endParaRPr lang="es-MX" sz="2200" dirty="0">
+              <a:solidFill>
+                <a:schemeClr val="bg1">
+                  <a:lumMod val="75000"/>
+                </a:schemeClr>
+              </a:solidFill>
+              <a:latin typeface="Roboto" panose="02000000000000000000" pitchFamily="2" charset="0"/>
+              <a:ea typeface="Roboto" panose="02000000000000000000" pitchFamily="2" charset="0"/>
+            </a:endParaRPr>
+          </a:p>
+          <a:p>
+            <a:pPr marL="0" indent="0">
+              <a:buNone/>
+            </a:pPr>
+            <a:r>
+              <a:rPr lang="es-MX" sz="2400" dirty="0" err="1">
+                <a:solidFill>
+                  <a:srgbClr val="4B6584"/>
+                </a:solidFill>
+                <a:latin typeface="Roboto" panose="02000000000000000000" pitchFamily="2" charset="0"/>
+                <a:ea typeface="Roboto" panose="02000000000000000000" pitchFamily="2" charset="0"/>
+              </a:rPr>
+              <a:t>g</a:t>
+            </a:r>
+            <a:r>
+              <a:rPr lang="es-MX" sz="2400" dirty="0" err="1" smtClean="0">
+                <a:solidFill>
+                  <a:srgbClr val="4B6584"/>
+                </a:solidFill>
+                <a:latin typeface="Roboto" panose="02000000000000000000" pitchFamily="2" charset="0"/>
+                <a:ea typeface="Roboto" panose="02000000000000000000" pitchFamily="2" charset="0"/>
+              </a:rPr>
+              <a:t>it</a:t>
+            </a:r>
+            <a:r>
+              <a:rPr lang="es-MX" sz="2400" dirty="0" smtClean="0">
+                <a:solidFill>
+                  <a:srgbClr val="4B6584"/>
+                </a:solidFill>
+                <a:latin typeface="Roboto" panose="02000000000000000000" pitchFamily="2" charset="0"/>
+                <a:ea typeface="Roboto" panose="02000000000000000000" pitchFamily="2" charset="0"/>
+              </a:rPr>
+              <a:t> </a:t>
+            </a:r>
+            <a:r>
+              <a:rPr lang="es-MX" sz="2400" dirty="0" err="1" smtClean="0">
+                <a:solidFill>
+                  <a:srgbClr val="4B6584"/>
+                </a:solidFill>
+                <a:latin typeface="Roboto" panose="02000000000000000000" pitchFamily="2" charset="0"/>
+                <a:ea typeface="Roboto" panose="02000000000000000000" pitchFamily="2" charset="0"/>
+              </a:rPr>
+              <a:t>checkout</a:t>
+            </a:r>
+            <a:r>
+              <a:rPr lang="es-MX" sz="2400" dirty="0" smtClean="0">
+                <a:solidFill>
+                  <a:srgbClr val="4B6584"/>
+                </a:solidFill>
+                <a:latin typeface="Roboto" panose="02000000000000000000" pitchFamily="2" charset="0"/>
+                <a:ea typeface="Roboto" panose="02000000000000000000" pitchFamily="2" charset="0"/>
+              </a:rPr>
+              <a:t> [nombre rama]</a:t>
+            </a:r>
+            <a:endParaRPr lang="es-MX" sz="2400" dirty="0">
+              <a:solidFill>
+                <a:srgbClr val="4B6584"/>
+              </a:solidFill>
+              <a:latin typeface="Roboto" panose="02000000000000000000" pitchFamily="2" charset="0"/>
+              <a:ea typeface="Roboto" panose="02000000000000000000" pitchFamily="2" charset="0"/>
+            </a:endParaRPr>
+          </a:p>
+        </p:txBody>
+      </p:sp>
+      <p:pic>
+        <p:nvPicPr>
+          <p:cNvPr id="3" name="Imagen 2"/>
+          <p:cNvPicPr>
+            <a:picLocks noChangeAspect="1"/>
+          </p:cNvPicPr>
+          <p:nvPr/>
+        </p:nvPicPr>
+        <p:blipFill>
+          <a:blip r:embed="rId3" cstate="print">
+            <a:extLst>
+              <a:ext uri="{28A0092B-C50C-407E-A947-70E740481C1C}">
+                <a14:useLocalDpi xmlns:a14="http://schemas.microsoft.com/office/drawing/2010/main" val="0"/>
+              </a:ext>
+            </a:extLst>
+          </a:blip>
+          <a:stretch>
+            <a:fillRect/>
+          </a:stretch>
+        </p:blipFill>
+        <p:spPr>
+          <a:xfrm>
+            <a:off x="193575" y="767217"/>
+            <a:ext cx="376939" cy="531501"/>
+          </a:xfrm>
+          <a:prstGeom prst="rect">
+            <a:avLst/>
+          </a:prstGeom>
+        </p:spPr>
+      </p:pic>
+      <p:grpSp>
+        <p:nvGrpSpPr>
+          <p:cNvPr id="9" name="Grupo 8"/>
+          <p:cNvGrpSpPr/>
+          <p:nvPr/>
+        </p:nvGrpSpPr>
+        <p:grpSpPr>
+          <a:xfrm>
+            <a:off x="6228271" y="3198168"/>
+            <a:ext cx="5293190" cy="461665"/>
+            <a:chOff x="6228271" y="3405202"/>
+            <a:chExt cx="5293190" cy="461665"/>
+          </a:xfrm>
+        </p:grpSpPr>
+        <p:sp>
+          <p:nvSpPr>
+            <p:cNvPr id="5" name="CuadroTexto 4"/>
+            <p:cNvSpPr txBox="1"/>
+            <p:nvPr/>
+          </p:nvSpPr>
+          <p:spPr>
+            <a:xfrm>
+              <a:off x="6228271" y="3405202"/>
+              <a:ext cx="4459875" cy="461665"/>
+            </a:xfrm>
+            <a:prstGeom prst="rect">
+              <a:avLst/>
+            </a:prstGeom>
+            <a:noFill/>
+          </p:spPr>
+          <p:txBody>
+            <a:bodyPr wrap="none" rtlCol="0">
+              <a:spAutoFit/>
+            </a:bodyPr>
+            <a:lstStyle/>
+            <a:p>
+              <a:r>
+                <a:rPr lang="es-MX" sz="2400" dirty="0" err="1">
+                  <a:solidFill>
+                    <a:srgbClr val="4B6584"/>
+                  </a:solidFill>
+                  <a:latin typeface="Roboto" panose="02000000000000000000" pitchFamily="2" charset="0"/>
+                  <a:ea typeface="Roboto" panose="02000000000000000000" pitchFamily="2" charset="0"/>
+                </a:rPr>
+                <a:t>g</a:t>
+              </a:r>
+              <a:r>
+                <a:rPr lang="es-MX" sz="2400" dirty="0" err="1" smtClean="0">
+                  <a:solidFill>
+                    <a:srgbClr val="4B6584"/>
+                  </a:solidFill>
+                  <a:latin typeface="Roboto" panose="02000000000000000000" pitchFamily="2" charset="0"/>
+                  <a:ea typeface="Roboto" panose="02000000000000000000" pitchFamily="2" charset="0"/>
+                </a:rPr>
+                <a:t>it</a:t>
+              </a:r>
+              <a:r>
+                <a:rPr lang="es-MX" sz="2400" dirty="0" smtClean="0">
+                  <a:solidFill>
+                    <a:srgbClr val="4B6584"/>
+                  </a:solidFill>
+                  <a:latin typeface="Roboto" panose="02000000000000000000" pitchFamily="2" charset="0"/>
+                  <a:ea typeface="Roboto" panose="02000000000000000000" pitchFamily="2" charset="0"/>
+                </a:rPr>
+                <a:t> </a:t>
+              </a:r>
+              <a:r>
+                <a:rPr lang="es-MX" sz="2400" dirty="0" err="1">
+                  <a:solidFill>
+                    <a:srgbClr val="4B6584"/>
+                  </a:solidFill>
+                  <a:latin typeface="Roboto" panose="02000000000000000000" pitchFamily="2" charset="0"/>
+                  <a:ea typeface="Roboto" panose="02000000000000000000" pitchFamily="2" charset="0"/>
+                </a:rPr>
+                <a:t>checkout</a:t>
+              </a:r>
+              <a:r>
+                <a:rPr lang="es-MX" sz="2400" dirty="0">
+                  <a:solidFill>
+                    <a:srgbClr val="4B6584"/>
+                  </a:solidFill>
+                  <a:latin typeface="Roboto" panose="02000000000000000000" pitchFamily="2" charset="0"/>
+                  <a:ea typeface="Roboto" panose="02000000000000000000" pitchFamily="2" charset="0"/>
+                </a:rPr>
+                <a:t> –b [nombre rama]</a:t>
+              </a:r>
+            </a:p>
+          </p:txBody>
+        </p:sp>
+        <p:pic>
+          <p:nvPicPr>
+            <p:cNvPr id="7" name="Imagen 6"/>
+            <p:cNvPicPr>
+              <a:picLocks noChangeAspect="1"/>
+            </p:cNvPicPr>
+            <p:nvPr/>
+          </p:nvPicPr>
+          <p:blipFill>
+            <a:blip r:embed="rId4" cstate="print">
+              <a:extLst>
+                <a:ext uri="{28A0092B-C50C-407E-A947-70E740481C1C}">
+                  <a14:useLocalDpi xmlns:a14="http://schemas.microsoft.com/office/drawing/2010/main" val="0"/>
+                </a:ext>
+              </a:extLst>
+            </a:blip>
+            <a:stretch>
+              <a:fillRect/>
+            </a:stretch>
+          </p:blipFill>
+          <p:spPr>
+            <a:xfrm>
+              <a:off x="10688146" y="3570778"/>
+              <a:ext cx="833315" cy="130512"/>
+            </a:xfrm>
+            <a:prstGeom prst="rect">
+              <a:avLst/>
+            </a:prstGeom>
+          </p:spPr>
+        </p:pic>
+      </p:grpSp>
+    </p:spTree>
+    <p:extLst>
+      <p:ext uri="{BB962C8B-B14F-4D97-AF65-F5344CB8AC3E}">
+        <p14:creationId xmlns:p14="http://schemas.microsoft.com/office/powerpoint/2010/main" val="816502701"/>
+      </p:ext>
+    </p:extLst>
+  </p:cSld>
+  <p:clrMapOvr>
+    <a:masterClrMapping/>
+  </p:clrMapOvr>
+  <p:timing>
+    <p:tnLst>
+      <p:par>
+        <p:cTn id="1" dur="indefinite" restart="never" nodeType="tmRoot">
+          <p:childTnLst>
+            <p:seq concurrent="1" nextAc="seek">
+              <p:cTn id="2" dur="indefinite" nodeType="mainSeq">
+                <p:childTnLst>
+                  <p:par>
+                    <p:cTn id="3" fill="hold">
+                      <p:stCondLst>
+                        <p:cond delay="indefinite"/>
+                      </p:stCondLst>
+                      <p:childTnLst>
+                        <p:par>
+                          <p:cTn id="4" fill="hold">
+                            <p:stCondLst>
+                              <p:cond delay="0"/>
+                            </p:stCondLst>
+                            <p:childTnLst>
+                              <p:par>
+                                <p:cTn id="5" presetID="1" presetClass="entr" presetSubtype="0" fill="hold" nodeType="clickEffect">
+                                  <p:stCondLst>
+                                    <p:cond delay="0"/>
+                                  </p:stCondLst>
+                                  <p:childTnLst>
+                                    <p:set>
+                                      <p:cBhvr>
+                                        <p:cTn id="6" dur="1" fill="hold">
+                                          <p:stCondLst>
+                                            <p:cond delay="0"/>
+                                          </p:stCondLst>
+                                        </p:cTn>
+                                        <p:tgtEl>
+                                          <p:spTgt spid="9"/>
+                                        </p:tgtEl>
+                                        <p:attrNameLst>
+                                          <p:attrName>style.visibility</p:attrName>
+                                        </p:attrNameLst>
+                                      </p:cBhvr>
+                                      <p:to>
+                                        <p:strVal val="visible"/>
+                                      </p:to>
+                                    </p:set>
+                                  </p:childTnLst>
+                                </p:cTn>
+                              </p:par>
+                            </p:childTnLst>
+                          </p:cTn>
+                        </p:par>
+                      </p:childTnLst>
+                    </p:cTn>
+                  </p:par>
+                </p:childTnLst>
+              </p:cTn>
+              <p:prevCondLst>
+                <p:cond evt="onPrev" delay="0">
+                  <p:tgtEl>
+                    <p:sldTgt/>
+                  </p:tgtEl>
+                </p:cond>
+              </p:prevCondLst>
+              <p:nextCondLst>
+                <p:cond evt="onNext" delay="0">
+                  <p:tgtEl>
+                    <p:sldTgt/>
+                  </p:tgtEl>
+                </p:cond>
+              </p:nextCondLst>
+            </p:seq>
+          </p:childTnLst>
+        </p:cTn>
+      </p:par>
+    </p:tnLst>
+  </p:timing>
+</p:sld>
+</file>
+
+<file path=ppt/slides/slide15.xml><?xml version="1.0" encoding="utf-8"?>
+<p:sld xmlns:a="http://schemas.openxmlformats.org/drawingml/2006/main" xmlns:r="http://schemas.openxmlformats.org/officeDocument/2006/relationships" xmlns:p="http://schemas.openxmlformats.org/presentationml/2006/main">
+  <p:cSld>
+    <p:bg>
+      <p:bgPr>
+        <a:solidFill>
+          <a:srgbClr val="1ABC9C"/>
+        </a:solidFill>
+        <a:effectLst/>
+      </p:bgPr>
+    </p:bg>
+    <p:spTree>
+      <p:nvGrpSpPr>
+        <p:cNvPr id="1" name=""/>
+        <p:cNvGrpSpPr/>
+        <p:nvPr/>
+      </p:nvGrpSpPr>
+      <p:grpSpPr>
+        <a:xfrm>
+          <a:off x="0" y="0"/>
+          <a:ext cx="0" cy="0"/>
+          <a:chOff x="0" y="0"/>
+          <a:chExt cx="0" cy="0"/>
+        </a:xfrm>
+      </p:grpSpPr>
+      <p:sp>
+        <p:nvSpPr>
+          <p:cNvPr id="2" name="CuadroTexto 1"/>
+          <p:cNvSpPr txBox="1"/>
+          <p:nvPr/>
+        </p:nvSpPr>
+        <p:spPr>
+          <a:xfrm>
+            <a:off x="3891435" y="2433906"/>
+            <a:ext cx="4566765" cy="1323439"/>
+          </a:xfrm>
+          <a:prstGeom prst="rect">
+            <a:avLst/>
+          </a:prstGeom>
+          <a:noFill/>
+        </p:spPr>
+        <p:txBody>
+          <a:bodyPr wrap="square" rtlCol="0">
+            <a:spAutoFit/>
+          </a:bodyPr>
+          <a:lstStyle/>
+          <a:p>
+            <a:pPr algn="ctr"/>
+            <a:r>
+              <a:rPr lang="es-MX" sz="6000" dirty="0" smtClean="0">
+                <a:solidFill>
+                  <a:schemeClr val="bg1"/>
+                </a:solidFill>
+                <a:latin typeface="Roboto Black" panose="02000000000000000000" pitchFamily="2" charset="0"/>
+                <a:ea typeface="Roboto Black" panose="02000000000000000000" pitchFamily="2" charset="0"/>
+              </a:rPr>
+              <a:t>MARKDOWN</a:t>
+            </a:r>
+          </a:p>
+          <a:p>
+            <a:pPr algn="ctr"/>
+            <a:r>
+              <a:rPr lang="es-MX" sz="2000" dirty="0" err="1">
+                <a:solidFill>
+                  <a:schemeClr val="bg1">
+                    <a:lumMod val="85000"/>
+                  </a:schemeClr>
+                </a:solidFill>
+                <a:latin typeface="Roboto" panose="02000000000000000000" pitchFamily="2" charset="0"/>
+                <a:ea typeface="Roboto" panose="02000000000000000000" pitchFamily="2" charset="0"/>
+              </a:rPr>
+              <a:t>text</a:t>
+            </a:r>
+            <a:r>
+              <a:rPr lang="es-MX" sz="2000" dirty="0">
+                <a:solidFill>
+                  <a:schemeClr val="bg1">
+                    <a:lumMod val="85000"/>
+                  </a:schemeClr>
+                </a:solidFill>
+                <a:latin typeface="Roboto" panose="02000000000000000000" pitchFamily="2" charset="0"/>
+                <a:ea typeface="Roboto" panose="02000000000000000000" pitchFamily="2" charset="0"/>
+              </a:rPr>
+              <a:t> </a:t>
+            </a:r>
+            <a:r>
+              <a:rPr lang="es-MX" sz="2000" dirty="0" err="1" smtClean="0">
+                <a:solidFill>
+                  <a:schemeClr val="bg1">
+                    <a:lumMod val="85000"/>
+                  </a:schemeClr>
+                </a:solidFill>
+                <a:latin typeface="Roboto" panose="02000000000000000000" pitchFamily="2" charset="0"/>
+                <a:ea typeface="Roboto" panose="02000000000000000000" pitchFamily="2" charset="0"/>
+              </a:rPr>
+              <a:t>formatting</a:t>
+            </a:r>
+            <a:r>
+              <a:rPr lang="es-MX" sz="2000" dirty="0" smtClean="0">
+                <a:solidFill>
+                  <a:schemeClr val="bg1">
+                    <a:lumMod val="85000"/>
+                  </a:schemeClr>
+                </a:solidFill>
+                <a:latin typeface="Roboto" panose="02000000000000000000" pitchFamily="2" charset="0"/>
+                <a:ea typeface="Roboto" panose="02000000000000000000" pitchFamily="2" charset="0"/>
+              </a:rPr>
+              <a:t> </a:t>
+            </a:r>
+            <a:r>
+              <a:rPr lang="es-MX" sz="2000" dirty="0" err="1">
+                <a:solidFill>
+                  <a:schemeClr val="bg1">
+                    <a:lumMod val="85000"/>
+                  </a:schemeClr>
+                </a:solidFill>
+                <a:latin typeface="Roboto" panose="02000000000000000000" pitchFamily="2" charset="0"/>
+                <a:ea typeface="Roboto" panose="02000000000000000000" pitchFamily="2" charset="0"/>
+              </a:rPr>
+              <a:t>syntax</a:t>
+            </a:r>
+            <a:endParaRPr lang="es-MX" sz="2000" dirty="0">
+              <a:solidFill>
+                <a:schemeClr val="bg1">
+                  <a:lumMod val="85000"/>
+                </a:schemeClr>
+              </a:solidFill>
+              <a:latin typeface="Roboto" panose="02000000000000000000" pitchFamily="2" charset="0"/>
+              <a:ea typeface="Roboto" panose="02000000000000000000" pitchFamily="2" charset="0"/>
+            </a:endParaRPr>
+          </a:p>
+        </p:txBody>
+      </p:sp>
+    </p:spTree>
+    <p:extLst>
+      <p:ext uri="{BB962C8B-B14F-4D97-AF65-F5344CB8AC3E}">
+        <p14:creationId xmlns:p14="http://schemas.microsoft.com/office/powerpoint/2010/main" val="62754460"/>
+      </p:ext>
+    </p:extLst>
+  </p:cSld>
+  <p:clrMapOvr>
+    <a:masterClrMapping/>
+  </p:clrMapOvr>
+  <p:timing>
+    <p:tnLst>
+      <p:par>
+        <p:cTn id="1" dur="indefinite" restart="never" nodeType="tmRoot"/>
+      </p:par>
+    </p:tnLst>
+  </p:timing>
+</p:sld>
+</file>
+
+<file path=ppt/slides/slide16.xml><?xml version="1.0" encoding="utf-8"?>
+<p:sld xmlns:a="http://schemas.openxmlformats.org/drawingml/2006/main" xmlns:r="http://schemas.openxmlformats.org/officeDocument/2006/relationships" xmlns:p="http://schemas.openxmlformats.org/presentationml/2006/main">
+  <p:cSld>
+    <p:bg>
+      <p:bgPr>
+        <a:solidFill>
+          <a:srgbClr val="1ABC9C"/>
+        </a:solidFill>
+        <a:effectLst/>
+      </p:bgPr>
+    </p:bg>
+    <p:spTree>
+      <p:nvGrpSpPr>
+        <p:cNvPr id="1" name=""/>
+        <p:cNvGrpSpPr/>
+        <p:nvPr/>
+      </p:nvGrpSpPr>
+      <p:grpSpPr>
+        <a:xfrm>
+          <a:off x="0" y="0"/>
+          <a:ext cx="0" cy="0"/>
+          <a:chOff x="0" y="0"/>
+          <a:chExt cx="0" cy="0"/>
+        </a:xfrm>
+      </p:grpSpPr>
+      <p:sp>
+        <p:nvSpPr>
+          <p:cNvPr id="2" name="CuadroTexto 1"/>
+          <p:cNvSpPr txBox="1"/>
+          <p:nvPr/>
+        </p:nvSpPr>
+        <p:spPr>
+          <a:xfrm>
+            <a:off x="481485" y="538431"/>
+            <a:ext cx="5366865" cy="707886"/>
+          </a:xfrm>
+          <a:prstGeom prst="rect">
+            <a:avLst/>
+          </a:prstGeom>
+          <a:noFill/>
+        </p:spPr>
+        <p:txBody>
+          <a:bodyPr wrap="square" rtlCol="0">
+            <a:spAutoFit/>
+          </a:bodyPr>
+          <a:lstStyle/>
+          <a:p>
+            <a:pPr algn="ctr"/>
+            <a:r>
+              <a:rPr lang="es-MX" sz="4000" dirty="0">
+                <a:solidFill>
+                  <a:schemeClr val="bg1"/>
+                </a:solidFill>
+                <a:latin typeface="Roboto Black" panose="02000000000000000000" pitchFamily="2" charset="0"/>
+                <a:ea typeface="Roboto Black" panose="02000000000000000000" pitchFamily="2" charset="0"/>
+              </a:rPr>
+              <a:t>Elementos principales</a:t>
+            </a:r>
+          </a:p>
+        </p:txBody>
+      </p:sp>
+      <p:sp>
+        <p:nvSpPr>
+          <p:cNvPr id="3" name="CuadroTexto 2"/>
+          <p:cNvSpPr txBox="1"/>
+          <p:nvPr/>
+        </p:nvSpPr>
+        <p:spPr>
+          <a:xfrm flipH="1">
+            <a:off x="1064891" y="1543050"/>
+            <a:ext cx="8898258" cy="4801314"/>
+          </a:xfrm>
+          <a:prstGeom prst="rect">
+            <a:avLst/>
+          </a:prstGeom>
+          <a:noFill/>
+        </p:spPr>
+        <p:txBody>
+          <a:bodyPr wrap="square" rtlCol="0">
+            <a:spAutoFit/>
+          </a:bodyPr>
+          <a:lstStyle/>
+          <a:p>
+            <a:r>
+              <a:rPr lang="es-MX" sz="3000" dirty="0" err="1" smtClean="0">
+                <a:solidFill>
+                  <a:schemeClr val="accent4">
+                    <a:lumMod val="60000"/>
+                    <a:lumOff val="40000"/>
+                  </a:schemeClr>
+                </a:solidFill>
+                <a:latin typeface="Roboto Medium" panose="02000000000000000000" pitchFamily="2" charset="0"/>
+                <a:ea typeface="Roboto Medium" panose="02000000000000000000" pitchFamily="2" charset="0"/>
+              </a:rPr>
+              <a:t>Headers</a:t>
+            </a:r>
+            <a:r>
+              <a:rPr lang="es-MX" sz="3000" dirty="0" smtClean="0">
+                <a:solidFill>
+                  <a:schemeClr val="accent4">
+                    <a:lumMod val="60000"/>
+                    <a:lumOff val="40000"/>
+                  </a:schemeClr>
+                </a:solidFill>
+                <a:latin typeface="Roboto Medium" panose="02000000000000000000" pitchFamily="2" charset="0"/>
+                <a:ea typeface="Roboto Medium" panose="02000000000000000000" pitchFamily="2" charset="0"/>
+              </a:rPr>
+              <a:t> </a:t>
+            </a:r>
+          </a:p>
+          <a:p>
+            <a:r>
+              <a:rPr lang="es-MX" dirty="0"/>
+              <a:t>	</a:t>
+            </a:r>
+            <a:r>
+              <a:rPr lang="es-MX" sz="2400" dirty="0">
+                <a:solidFill>
+                  <a:schemeClr val="bg1">
+                    <a:lumMod val="95000"/>
+                  </a:schemeClr>
+                </a:solidFill>
+                <a:latin typeface="Roboto" panose="02000000000000000000" pitchFamily="2" charset="0"/>
+                <a:ea typeface="Roboto" panose="02000000000000000000" pitchFamily="2" charset="0"/>
+              </a:rPr>
+              <a:t># </a:t>
+            </a:r>
+            <a:r>
+              <a:rPr lang="es-MX" sz="2400" dirty="0" smtClean="0">
+                <a:solidFill>
+                  <a:schemeClr val="bg1">
+                    <a:lumMod val="95000"/>
+                  </a:schemeClr>
+                </a:solidFill>
+                <a:latin typeface="Roboto" panose="02000000000000000000" pitchFamily="2" charset="0"/>
+                <a:ea typeface="Roboto" panose="02000000000000000000" pitchFamily="2" charset="0"/>
+              </a:rPr>
+              <a:t>					</a:t>
+            </a:r>
+            <a:r>
+              <a:rPr lang="es-MX" sz="2200" b="1" dirty="0" smtClean="0">
+                <a:solidFill>
+                  <a:srgbClr val="F7B731"/>
+                </a:solidFill>
+                <a:latin typeface="Roboto" panose="02000000000000000000" pitchFamily="2" charset="0"/>
+                <a:ea typeface="Roboto" panose="02000000000000000000" pitchFamily="2" charset="0"/>
+              </a:rPr>
+              <a:t>=	h1</a:t>
+            </a:r>
+            <a:endParaRPr lang="es-MX" sz="2200" b="1" dirty="0">
+              <a:solidFill>
+                <a:srgbClr val="F7B731"/>
+              </a:solidFill>
+              <a:latin typeface="Roboto" panose="02000000000000000000" pitchFamily="2" charset="0"/>
+              <a:ea typeface="Roboto" panose="02000000000000000000" pitchFamily="2" charset="0"/>
+            </a:endParaRPr>
+          </a:p>
+          <a:p>
+            <a:r>
+              <a:rPr lang="es-MX" sz="2400" dirty="0">
+                <a:solidFill>
+                  <a:schemeClr val="bg1">
+                    <a:lumMod val="95000"/>
+                  </a:schemeClr>
+                </a:solidFill>
+                <a:latin typeface="Roboto" panose="02000000000000000000" pitchFamily="2" charset="0"/>
+                <a:ea typeface="Roboto" panose="02000000000000000000" pitchFamily="2" charset="0"/>
+              </a:rPr>
+              <a:t>	## </a:t>
+            </a:r>
+            <a:r>
+              <a:rPr lang="es-MX" sz="2400" dirty="0" smtClean="0">
+                <a:solidFill>
+                  <a:schemeClr val="bg1">
+                    <a:lumMod val="95000"/>
+                  </a:schemeClr>
+                </a:solidFill>
+                <a:latin typeface="Roboto" panose="02000000000000000000" pitchFamily="2" charset="0"/>
+                <a:ea typeface="Roboto" panose="02000000000000000000" pitchFamily="2" charset="0"/>
+              </a:rPr>
+              <a:t>					</a:t>
+            </a:r>
+            <a:r>
+              <a:rPr lang="es-MX" sz="2200" b="1" dirty="0">
+                <a:solidFill>
+                  <a:srgbClr val="F7B731"/>
+                </a:solidFill>
+                <a:latin typeface="Roboto" panose="02000000000000000000" pitchFamily="2" charset="0"/>
+                <a:ea typeface="Roboto" panose="02000000000000000000" pitchFamily="2" charset="0"/>
+              </a:rPr>
+              <a:t>= 	h2</a:t>
+            </a:r>
+          </a:p>
+          <a:p>
+            <a:r>
+              <a:rPr lang="es-MX" sz="2400" dirty="0">
+                <a:solidFill>
+                  <a:schemeClr val="bg1">
+                    <a:lumMod val="95000"/>
+                  </a:schemeClr>
+                </a:solidFill>
+                <a:latin typeface="Roboto" panose="02000000000000000000" pitchFamily="2" charset="0"/>
+                <a:ea typeface="Roboto" panose="02000000000000000000" pitchFamily="2" charset="0"/>
+              </a:rPr>
+              <a:t>	### </a:t>
+            </a:r>
+            <a:r>
+              <a:rPr lang="es-MX" sz="2400" dirty="0" smtClean="0">
+                <a:solidFill>
+                  <a:schemeClr val="bg1">
+                    <a:lumMod val="95000"/>
+                  </a:schemeClr>
+                </a:solidFill>
+                <a:latin typeface="Roboto" panose="02000000000000000000" pitchFamily="2" charset="0"/>
+                <a:ea typeface="Roboto" panose="02000000000000000000" pitchFamily="2" charset="0"/>
+              </a:rPr>
+              <a:t>					</a:t>
+            </a:r>
+            <a:r>
+              <a:rPr lang="es-MX" sz="2200" b="1" dirty="0">
+                <a:solidFill>
+                  <a:srgbClr val="F7B731"/>
+                </a:solidFill>
+                <a:latin typeface="Roboto" panose="02000000000000000000" pitchFamily="2" charset="0"/>
+                <a:ea typeface="Roboto" panose="02000000000000000000" pitchFamily="2" charset="0"/>
+              </a:rPr>
+              <a:t>= 	h3</a:t>
+            </a:r>
+          </a:p>
+          <a:p>
+            <a:r>
+              <a:rPr lang="es-MX" sz="2400" dirty="0">
+                <a:solidFill>
+                  <a:schemeClr val="bg1">
+                    <a:lumMod val="95000"/>
+                  </a:schemeClr>
+                </a:solidFill>
+                <a:latin typeface="Roboto" panose="02000000000000000000" pitchFamily="2" charset="0"/>
+                <a:ea typeface="Roboto" panose="02000000000000000000" pitchFamily="2" charset="0"/>
+              </a:rPr>
+              <a:t>	#### </a:t>
+            </a:r>
+            <a:r>
+              <a:rPr lang="es-MX" sz="2400" dirty="0" smtClean="0">
+                <a:solidFill>
+                  <a:schemeClr val="bg1">
+                    <a:lumMod val="95000"/>
+                  </a:schemeClr>
+                </a:solidFill>
+                <a:latin typeface="Roboto" panose="02000000000000000000" pitchFamily="2" charset="0"/>
+                <a:ea typeface="Roboto" panose="02000000000000000000" pitchFamily="2" charset="0"/>
+              </a:rPr>
+              <a:t>					</a:t>
+            </a:r>
+            <a:r>
+              <a:rPr lang="es-MX" sz="2200" b="1" dirty="0">
+                <a:solidFill>
+                  <a:srgbClr val="F7B731"/>
+                </a:solidFill>
+                <a:latin typeface="Roboto" panose="02000000000000000000" pitchFamily="2" charset="0"/>
+                <a:ea typeface="Roboto" panose="02000000000000000000" pitchFamily="2" charset="0"/>
+              </a:rPr>
+              <a:t>= 	h4</a:t>
+            </a:r>
+          </a:p>
+          <a:p>
+            <a:r>
+              <a:rPr lang="es-MX" sz="2400" dirty="0">
+                <a:solidFill>
+                  <a:schemeClr val="bg1">
+                    <a:lumMod val="95000"/>
+                  </a:schemeClr>
+                </a:solidFill>
+                <a:latin typeface="Roboto" panose="02000000000000000000" pitchFamily="2" charset="0"/>
+                <a:ea typeface="Roboto" panose="02000000000000000000" pitchFamily="2" charset="0"/>
+              </a:rPr>
+              <a:t>	##### </a:t>
+            </a:r>
+            <a:r>
+              <a:rPr lang="es-MX" sz="2400" dirty="0" smtClean="0">
+                <a:solidFill>
+                  <a:schemeClr val="bg1">
+                    <a:lumMod val="95000"/>
+                  </a:schemeClr>
+                </a:solidFill>
+                <a:latin typeface="Roboto" panose="02000000000000000000" pitchFamily="2" charset="0"/>
+                <a:ea typeface="Roboto" panose="02000000000000000000" pitchFamily="2" charset="0"/>
+              </a:rPr>
+              <a:t>				</a:t>
+            </a:r>
+            <a:r>
+              <a:rPr lang="es-MX" sz="2200" b="1" dirty="0">
+                <a:solidFill>
+                  <a:srgbClr val="F7B731"/>
+                </a:solidFill>
+                <a:latin typeface="Roboto" panose="02000000000000000000" pitchFamily="2" charset="0"/>
+                <a:ea typeface="Roboto" panose="02000000000000000000" pitchFamily="2" charset="0"/>
+              </a:rPr>
+              <a:t>= 	h5</a:t>
+            </a:r>
+          </a:p>
+          <a:p>
+            <a:r>
+              <a:rPr lang="es-MX" sz="2400" dirty="0">
+                <a:solidFill>
+                  <a:schemeClr val="bg1">
+                    <a:lumMod val="95000"/>
+                  </a:schemeClr>
+                </a:solidFill>
+                <a:latin typeface="Roboto" panose="02000000000000000000" pitchFamily="2" charset="0"/>
+                <a:ea typeface="Roboto" panose="02000000000000000000" pitchFamily="2" charset="0"/>
+              </a:rPr>
+              <a:t>	###### </a:t>
+            </a:r>
+            <a:r>
+              <a:rPr lang="es-MX" sz="2400" dirty="0" smtClean="0">
+                <a:solidFill>
+                  <a:schemeClr val="bg1">
+                    <a:lumMod val="95000"/>
+                  </a:schemeClr>
+                </a:solidFill>
+                <a:latin typeface="Roboto" panose="02000000000000000000" pitchFamily="2" charset="0"/>
+                <a:ea typeface="Roboto" panose="02000000000000000000" pitchFamily="2" charset="0"/>
+              </a:rPr>
+              <a:t>				</a:t>
+            </a:r>
+            <a:r>
+              <a:rPr lang="es-MX" sz="2200" b="1" dirty="0">
+                <a:solidFill>
+                  <a:srgbClr val="F7B731"/>
+                </a:solidFill>
+                <a:latin typeface="Roboto" panose="02000000000000000000" pitchFamily="2" charset="0"/>
+                <a:ea typeface="Roboto" panose="02000000000000000000" pitchFamily="2" charset="0"/>
+              </a:rPr>
+              <a:t>= 	h6</a:t>
+            </a:r>
+          </a:p>
+          <a:p>
+            <a:endParaRPr lang="es-MX" sz="2400" dirty="0">
+              <a:solidFill>
+                <a:schemeClr val="bg1">
+                  <a:lumMod val="95000"/>
+                </a:schemeClr>
+              </a:solidFill>
+              <a:latin typeface="Roboto" panose="02000000000000000000" pitchFamily="2" charset="0"/>
+              <a:ea typeface="Roboto" panose="02000000000000000000" pitchFamily="2" charset="0"/>
+            </a:endParaRPr>
+          </a:p>
+          <a:p>
+            <a:r>
+              <a:rPr lang="es-MX" sz="3000" dirty="0" smtClean="0">
+                <a:solidFill>
+                  <a:schemeClr val="accent4">
+                    <a:lumMod val="60000"/>
+                    <a:lumOff val="40000"/>
+                  </a:schemeClr>
+                </a:solidFill>
+                <a:latin typeface="Roboto Medium" panose="02000000000000000000" pitchFamily="2" charset="0"/>
+                <a:ea typeface="Roboto Medium" panose="02000000000000000000" pitchFamily="2" charset="0"/>
+              </a:rPr>
+              <a:t>Formato de texto</a:t>
+            </a:r>
+          </a:p>
+          <a:p>
+            <a:r>
+              <a:rPr lang="es-MX" sz="3000" dirty="0">
+                <a:solidFill>
+                  <a:schemeClr val="accent4">
+                    <a:lumMod val="60000"/>
+                    <a:lumOff val="40000"/>
+                  </a:schemeClr>
+                </a:solidFill>
+                <a:latin typeface="Roboto Medium" panose="02000000000000000000" pitchFamily="2" charset="0"/>
+                <a:ea typeface="Roboto Medium" panose="02000000000000000000" pitchFamily="2" charset="0"/>
+              </a:rPr>
+              <a:t>	</a:t>
+            </a:r>
+            <a:r>
+              <a:rPr lang="es-MX" sz="2400" dirty="0" smtClean="0">
+                <a:solidFill>
+                  <a:schemeClr val="bg1">
+                    <a:lumMod val="95000"/>
+                  </a:schemeClr>
+                </a:solidFill>
+                <a:latin typeface="Roboto" panose="02000000000000000000" pitchFamily="2" charset="0"/>
+                <a:ea typeface="Roboto" panose="02000000000000000000" pitchFamily="2" charset="0"/>
+              </a:rPr>
+              <a:t>*texto* 				</a:t>
+            </a:r>
+            <a:r>
+              <a:rPr lang="es-MX" sz="2200" b="1" dirty="0" err="1">
+                <a:solidFill>
+                  <a:srgbClr val="F7B731"/>
+                </a:solidFill>
+                <a:latin typeface="Roboto" panose="02000000000000000000" pitchFamily="2" charset="0"/>
+                <a:ea typeface="Roboto" panose="02000000000000000000" pitchFamily="2" charset="0"/>
+              </a:rPr>
+              <a:t>italic</a:t>
+            </a:r>
+            <a:endParaRPr lang="es-MX" sz="2200" b="1" dirty="0">
+              <a:solidFill>
+                <a:srgbClr val="F7B731"/>
+              </a:solidFill>
+              <a:latin typeface="Roboto" panose="02000000000000000000" pitchFamily="2" charset="0"/>
+              <a:ea typeface="Roboto" panose="02000000000000000000" pitchFamily="2" charset="0"/>
+            </a:endParaRPr>
+          </a:p>
+          <a:p>
+            <a:r>
+              <a:rPr lang="es-MX" sz="2400" dirty="0">
+                <a:solidFill>
+                  <a:schemeClr val="bg1">
+                    <a:lumMod val="95000"/>
+                  </a:schemeClr>
+                </a:solidFill>
+                <a:latin typeface="Roboto" panose="02000000000000000000" pitchFamily="2" charset="0"/>
+                <a:ea typeface="Roboto" panose="02000000000000000000" pitchFamily="2" charset="0"/>
+              </a:rPr>
+              <a:t>	</a:t>
+            </a:r>
+            <a:r>
+              <a:rPr lang="es-MX" sz="2400" dirty="0" smtClean="0">
+                <a:solidFill>
+                  <a:schemeClr val="bg1">
+                    <a:lumMod val="95000"/>
+                  </a:schemeClr>
+                </a:solidFill>
+                <a:latin typeface="Roboto" panose="02000000000000000000" pitchFamily="2" charset="0"/>
+                <a:ea typeface="Roboto" panose="02000000000000000000" pitchFamily="2" charset="0"/>
+              </a:rPr>
+              <a:t>**texto**				</a:t>
+            </a:r>
+            <a:r>
+              <a:rPr lang="es-MX" sz="2200" b="1" dirty="0" err="1">
+                <a:solidFill>
+                  <a:srgbClr val="F7B731"/>
+                </a:solidFill>
+                <a:latin typeface="Roboto" panose="02000000000000000000" pitchFamily="2" charset="0"/>
+                <a:ea typeface="Roboto" panose="02000000000000000000" pitchFamily="2" charset="0"/>
+              </a:rPr>
+              <a:t>bold</a:t>
+            </a:r>
+            <a:endParaRPr lang="es-MX" sz="2200" b="1" dirty="0">
+              <a:solidFill>
+                <a:srgbClr val="F7B731"/>
+              </a:solidFill>
+              <a:latin typeface="Roboto" panose="02000000000000000000" pitchFamily="2" charset="0"/>
+              <a:ea typeface="Roboto" panose="02000000000000000000" pitchFamily="2" charset="0"/>
+            </a:endParaRPr>
+          </a:p>
+          <a:p>
+            <a:r>
+              <a:rPr lang="es-MX" sz="2400" dirty="0">
+                <a:solidFill>
+                  <a:schemeClr val="bg1">
+                    <a:lumMod val="95000"/>
+                  </a:schemeClr>
+                </a:solidFill>
+                <a:latin typeface="Roboto" panose="02000000000000000000" pitchFamily="2" charset="0"/>
+                <a:ea typeface="Roboto" panose="02000000000000000000" pitchFamily="2" charset="0"/>
+              </a:rPr>
+              <a:t>	</a:t>
+            </a:r>
+            <a:r>
+              <a:rPr lang="es-MX" sz="2400" dirty="0" smtClean="0">
+                <a:solidFill>
+                  <a:schemeClr val="bg1">
+                    <a:lumMod val="95000"/>
+                  </a:schemeClr>
+                </a:solidFill>
+                <a:latin typeface="Roboto" panose="02000000000000000000" pitchFamily="2" charset="0"/>
+                <a:ea typeface="Roboto" panose="02000000000000000000" pitchFamily="2" charset="0"/>
+              </a:rPr>
+              <a:t>~~texto~~			</a:t>
+            </a:r>
+            <a:r>
+              <a:rPr lang="es-MX" sz="2200" b="1" dirty="0" err="1">
+                <a:solidFill>
+                  <a:srgbClr val="F7B731"/>
+                </a:solidFill>
+                <a:latin typeface="Roboto" panose="02000000000000000000" pitchFamily="2" charset="0"/>
+                <a:ea typeface="Roboto" panose="02000000000000000000" pitchFamily="2" charset="0"/>
+              </a:rPr>
+              <a:t>strikethrough</a:t>
+            </a:r>
+            <a:endParaRPr lang="es-MX" sz="2200" b="1" dirty="0">
+              <a:solidFill>
+                <a:srgbClr val="F7B731"/>
+              </a:solidFill>
+              <a:latin typeface="Roboto" panose="02000000000000000000" pitchFamily="2" charset="0"/>
+              <a:ea typeface="Roboto" panose="02000000000000000000" pitchFamily="2" charset="0"/>
+            </a:endParaRPr>
+          </a:p>
+        </p:txBody>
+      </p:sp>
+      <p:sp>
+        <p:nvSpPr>
+          <p:cNvPr id="7" name="CuadroTexto 6"/>
+          <p:cNvSpPr txBox="1"/>
+          <p:nvPr/>
+        </p:nvSpPr>
+        <p:spPr>
+          <a:xfrm flipH="1">
+            <a:off x="9832916" y="5902510"/>
+            <a:ext cx="2359084" cy="553998"/>
+          </a:xfrm>
+          <a:prstGeom prst="rect">
+            <a:avLst/>
+          </a:prstGeom>
+          <a:noFill/>
+        </p:spPr>
+        <p:txBody>
+          <a:bodyPr wrap="square" rtlCol="0">
+            <a:spAutoFit/>
+          </a:bodyPr>
+          <a:lstStyle/>
+          <a:p>
+            <a:r>
+              <a:rPr lang="es-MX" sz="2400" dirty="0">
+                <a:solidFill>
+                  <a:schemeClr val="bg1">
+                    <a:lumMod val="95000"/>
+                  </a:schemeClr>
+                </a:solidFill>
+                <a:latin typeface="Roboto" panose="02000000000000000000" pitchFamily="2" charset="0"/>
+                <a:ea typeface="Roboto" panose="02000000000000000000" pitchFamily="2" charset="0"/>
+              </a:rPr>
+              <a:t>Extensión</a:t>
+            </a:r>
+            <a:r>
+              <a:rPr lang="es-MX" sz="3000" dirty="0" smtClean="0">
+                <a:solidFill>
+                  <a:schemeClr val="accent4">
+                    <a:lumMod val="60000"/>
+                    <a:lumOff val="40000"/>
+                  </a:schemeClr>
+                </a:solidFill>
+                <a:latin typeface="Roboto Medium" panose="02000000000000000000" pitchFamily="2" charset="0"/>
+                <a:ea typeface="Roboto Medium" panose="02000000000000000000" pitchFamily="2" charset="0"/>
+              </a:rPr>
+              <a:t> .md</a:t>
+            </a:r>
+            <a:endParaRPr lang="es-MX" sz="3000" dirty="0">
+              <a:solidFill>
+                <a:schemeClr val="accent4">
+                  <a:lumMod val="60000"/>
+                  <a:lumOff val="40000"/>
+                </a:schemeClr>
+              </a:solidFill>
+              <a:latin typeface="Roboto Medium" panose="02000000000000000000" pitchFamily="2" charset="0"/>
+              <a:ea typeface="Roboto Medium" panose="02000000000000000000" pitchFamily="2" charset="0"/>
+            </a:endParaRPr>
+          </a:p>
+        </p:txBody>
+      </p:sp>
+      <p:sp>
+        <p:nvSpPr>
+          <p:cNvPr id="8" name="Rectángulo 7"/>
+          <p:cNvSpPr/>
+          <p:nvPr/>
+        </p:nvSpPr>
+        <p:spPr>
+          <a:xfrm>
+            <a:off x="9176657" y="6304227"/>
+            <a:ext cx="2951449" cy="369332"/>
+          </a:xfrm>
+          <a:prstGeom prst="rect">
+            <a:avLst/>
+          </a:prstGeom>
+        </p:spPr>
+        <p:txBody>
+          <a:bodyPr wrap="none">
+            <a:spAutoFit/>
+          </a:bodyPr>
+          <a:lstStyle/>
+          <a:p>
+            <a:r>
+              <a:rPr lang="es-MX" dirty="0">
+                <a:solidFill>
+                  <a:schemeClr val="bg1">
+                    <a:lumMod val="95000"/>
+                  </a:schemeClr>
+                </a:solidFill>
+                <a:latin typeface="Roboto" panose="02000000000000000000" pitchFamily="2" charset="0"/>
+                <a:ea typeface="Roboto" panose="02000000000000000000" pitchFamily="2" charset="0"/>
+              </a:rPr>
+              <a:t>markdownlivepreview.com</a:t>
+            </a:r>
+          </a:p>
+        </p:txBody>
+      </p:sp>
+    </p:spTree>
+    <p:extLst>
+      <p:ext uri="{BB962C8B-B14F-4D97-AF65-F5344CB8AC3E}">
+        <p14:creationId xmlns:p14="http://schemas.microsoft.com/office/powerpoint/2010/main" val="2991582922"/>
+      </p:ext>
+    </p:extLst>
+  </p:cSld>
+  <p:clrMapOvr>
+    <a:masterClrMapping/>
+  </p:clrMapOvr>
+  <p:timing>
+    <p:tnLst>
+      <p:par>
+        <p:cTn id="1" dur="indefinite" restart="never" nodeType="tmRoot"/>
+      </p:par>
+    </p:tnLst>
+  </p:timing>
+</p:sld>
+</file>
+
+<file path=ppt/slides/slide17.xml><?xml version="1.0" encoding="utf-8"?>
+<p:sld xmlns:a="http://schemas.openxmlformats.org/drawingml/2006/main" xmlns:r="http://schemas.openxmlformats.org/officeDocument/2006/relationships" xmlns:p="http://schemas.openxmlformats.org/presentationml/2006/main">
+  <p:cSld>
+    <p:bg>
+      <p:bgPr>
+        <a:solidFill>
+          <a:srgbClr val="1ABC9C"/>
+        </a:solidFill>
+        <a:effectLst/>
+      </p:bgPr>
+    </p:bg>
+    <p:spTree>
+      <p:nvGrpSpPr>
+        <p:cNvPr id="1" name=""/>
+        <p:cNvGrpSpPr/>
+        <p:nvPr/>
+      </p:nvGrpSpPr>
+      <p:grpSpPr>
+        <a:xfrm>
+          <a:off x="0" y="0"/>
+          <a:ext cx="0" cy="0"/>
+          <a:chOff x="0" y="0"/>
+          <a:chExt cx="0" cy="0"/>
+        </a:xfrm>
+      </p:grpSpPr>
+      <p:sp>
+        <p:nvSpPr>
+          <p:cNvPr id="2" name="CuadroTexto 1"/>
+          <p:cNvSpPr txBox="1"/>
+          <p:nvPr/>
+        </p:nvSpPr>
+        <p:spPr>
+          <a:xfrm>
+            <a:off x="481485" y="538431"/>
+            <a:ext cx="5366865" cy="707886"/>
+          </a:xfrm>
+          <a:prstGeom prst="rect">
+            <a:avLst/>
+          </a:prstGeom>
+          <a:noFill/>
+        </p:spPr>
+        <p:txBody>
+          <a:bodyPr wrap="square" rtlCol="0">
+            <a:spAutoFit/>
+          </a:bodyPr>
+          <a:lstStyle/>
+          <a:p>
+            <a:pPr algn="ctr"/>
+            <a:r>
+              <a:rPr lang="es-MX" sz="4000" dirty="0">
+                <a:solidFill>
+                  <a:schemeClr val="bg1"/>
+                </a:solidFill>
+                <a:latin typeface="Roboto Black" panose="02000000000000000000" pitchFamily="2" charset="0"/>
+                <a:ea typeface="Roboto Black" panose="02000000000000000000" pitchFamily="2" charset="0"/>
+              </a:rPr>
+              <a:t>Elementos principales</a:t>
+            </a:r>
+          </a:p>
+        </p:txBody>
+      </p:sp>
+      <p:sp>
+        <p:nvSpPr>
+          <p:cNvPr id="3" name="CuadroTexto 2"/>
+          <p:cNvSpPr txBox="1"/>
+          <p:nvPr/>
+        </p:nvSpPr>
+        <p:spPr>
+          <a:xfrm flipH="1">
+            <a:off x="1064888" y="1543050"/>
+            <a:ext cx="8929343" cy="5038725"/>
+          </a:xfrm>
+          <a:prstGeom prst="rect">
+            <a:avLst/>
+          </a:prstGeom>
+          <a:noFill/>
+        </p:spPr>
+        <p:txBody>
+          <a:bodyPr wrap="square" rtlCol="0">
+            <a:noAutofit/>
+          </a:bodyPr>
+          <a:lstStyle/>
+          <a:p>
+            <a:r>
+              <a:rPr lang="es-MX" sz="3000" dirty="0">
+                <a:solidFill>
+                  <a:schemeClr val="accent4">
+                    <a:lumMod val="60000"/>
+                    <a:lumOff val="40000"/>
+                  </a:schemeClr>
+                </a:solidFill>
+                <a:latin typeface="Roboto Medium" panose="02000000000000000000" pitchFamily="2" charset="0"/>
+                <a:ea typeface="Roboto Medium" panose="02000000000000000000" pitchFamily="2" charset="0"/>
+              </a:rPr>
+              <a:t>Lista ordenada</a:t>
+            </a:r>
+          </a:p>
+          <a:p>
+            <a:r>
+              <a:rPr lang="es-MX" sz="4000" dirty="0">
+                <a:solidFill>
+                  <a:schemeClr val="accent4">
+                    <a:lumMod val="60000"/>
+                    <a:lumOff val="40000"/>
+                  </a:schemeClr>
+                </a:solidFill>
+                <a:latin typeface="Roboto Medium" panose="02000000000000000000" pitchFamily="2" charset="0"/>
+                <a:ea typeface="Roboto Medium" panose="02000000000000000000" pitchFamily="2" charset="0"/>
+              </a:rPr>
+              <a:t>	</a:t>
+            </a:r>
+            <a:r>
+              <a:rPr lang="es-MX" sz="2400" dirty="0">
+                <a:solidFill>
+                  <a:schemeClr val="bg1">
+                    <a:lumMod val="95000"/>
+                  </a:schemeClr>
+                </a:solidFill>
+                <a:latin typeface="Roboto" panose="02000000000000000000" pitchFamily="2" charset="0"/>
+                <a:ea typeface="Roboto" panose="02000000000000000000" pitchFamily="2" charset="0"/>
+              </a:rPr>
+              <a:t>[numero]. texto</a:t>
+            </a:r>
+            <a:r>
+              <a:rPr lang="es-MX" sz="3200" dirty="0">
+                <a:solidFill>
+                  <a:schemeClr val="bg1">
+                    <a:lumMod val="95000"/>
+                  </a:schemeClr>
+                </a:solidFill>
+                <a:latin typeface="Roboto" panose="02000000000000000000" pitchFamily="2" charset="0"/>
+                <a:ea typeface="Roboto" panose="02000000000000000000" pitchFamily="2" charset="0"/>
+              </a:rPr>
+              <a:t> </a:t>
+            </a:r>
+          </a:p>
+          <a:p>
+            <a:r>
+              <a:rPr lang="es-MX" sz="3200" dirty="0">
+                <a:solidFill>
+                  <a:schemeClr val="bg1">
+                    <a:lumMod val="95000"/>
+                  </a:schemeClr>
+                </a:solidFill>
+                <a:latin typeface="Roboto" panose="02000000000000000000" pitchFamily="2" charset="0"/>
+                <a:ea typeface="Roboto" panose="02000000000000000000" pitchFamily="2" charset="0"/>
+              </a:rPr>
+              <a:t>		</a:t>
+            </a:r>
+            <a:r>
+              <a:rPr lang="es-MX" sz="2400" dirty="0">
+                <a:solidFill>
+                  <a:schemeClr val="bg1">
+                    <a:lumMod val="95000"/>
+                  </a:schemeClr>
+                </a:solidFill>
+                <a:latin typeface="Roboto" panose="02000000000000000000" pitchFamily="2" charset="0"/>
+                <a:ea typeface="Roboto" panose="02000000000000000000" pitchFamily="2" charset="0"/>
+              </a:rPr>
+              <a:t>1. texto </a:t>
+            </a:r>
+            <a:r>
+              <a:rPr lang="es-MX" sz="3200" dirty="0">
+                <a:solidFill>
+                  <a:schemeClr val="bg1">
+                    <a:lumMod val="95000"/>
+                  </a:schemeClr>
+                </a:solidFill>
+                <a:latin typeface="Roboto" panose="02000000000000000000" pitchFamily="2" charset="0"/>
+                <a:ea typeface="Roboto" panose="02000000000000000000" pitchFamily="2" charset="0"/>
+              </a:rPr>
+              <a:t>			</a:t>
+            </a:r>
+            <a:r>
+              <a:rPr lang="es-MX" sz="2200" b="1" dirty="0" err="1">
+                <a:solidFill>
+                  <a:srgbClr val="F7B731"/>
+                </a:solidFill>
+                <a:latin typeface="Roboto" panose="02000000000000000000" pitchFamily="2" charset="0"/>
+                <a:ea typeface="Roboto" panose="02000000000000000000" pitchFamily="2" charset="0"/>
+              </a:rPr>
+              <a:t>sublista</a:t>
+            </a:r>
+            <a:endParaRPr lang="es-MX" sz="2200" b="1" dirty="0">
+              <a:solidFill>
+                <a:srgbClr val="F7B731"/>
+              </a:solidFill>
+              <a:latin typeface="Roboto" panose="02000000000000000000" pitchFamily="2" charset="0"/>
+              <a:ea typeface="Roboto" panose="02000000000000000000" pitchFamily="2" charset="0"/>
+            </a:endParaRPr>
+          </a:p>
+          <a:p>
+            <a:r>
+              <a:rPr lang="es-MX" sz="3200" dirty="0">
+                <a:solidFill>
+                  <a:schemeClr val="bg1">
+                    <a:lumMod val="95000"/>
+                  </a:schemeClr>
+                </a:solidFill>
+                <a:latin typeface="Roboto" panose="02000000000000000000" pitchFamily="2" charset="0"/>
+                <a:ea typeface="Roboto" panose="02000000000000000000" pitchFamily="2" charset="0"/>
+              </a:rPr>
+              <a:t>		</a:t>
+            </a:r>
+            <a:r>
+              <a:rPr lang="es-MX" sz="2400" dirty="0">
+                <a:solidFill>
+                  <a:schemeClr val="bg1">
+                    <a:lumMod val="95000"/>
+                  </a:schemeClr>
+                </a:solidFill>
+                <a:latin typeface="Roboto" panose="02000000000000000000" pitchFamily="2" charset="0"/>
+                <a:ea typeface="Roboto" panose="02000000000000000000" pitchFamily="2" charset="0"/>
+              </a:rPr>
+              <a:t>* texto</a:t>
+            </a:r>
+            <a:r>
+              <a:rPr lang="es-MX" sz="3200" dirty="0">
+                <a:solidFill>
+                  <a:schemeClr val="bg1">
+                    <a:lumMod val="95000"/>
+                  </a:schemeClr>
+                </a:solidFill>
+                <a:latin typeface="Roboto" panose="02000000000000000000" pitchFamily="2" charset="0"/>
+                <a:ea typeface="Roboto" panose="02000000000000000000" pitchFamily="2" charset="0"/>
+              </a:rPr>
+              <a:t>				</a:t>
+            </a:r>
+            <a:r>
+              <a:rPr lang="es-MX" sz="2200" b="1" dirty="0">
+                <a:solidFill>
+                  <a:srgbClr val="F7B731"/>
+                </a:solidFill>
+                <a:latin typeface="Roboto" panose="02000000000000000000" pitchFamily="2" charset="0"/>
+                <a:ea typeface="Roboto" panose="02000000000000000000" pitchFamily="2" charset="0"/>
+              </a:rPr>
+              <a:t>numero consecutivo</a:t>
+            </a:r>
+          </a:p>
+          <a:p>
+            <a:endParaRPr lang="es-MX" sz="3000" dirty="0" smtClean="0">
+              <a:solidFill>
+                <a:schemeClr val="accent4">
+                  <a:lumMod val="60000"/>
+                  <a:lumOff val="40000"/>
+                </a:schemeClr>
+              </a:solidFill>
+              <a:latin typeface="Roboto Medium" panose="02000000000000000000" pitchFamily="2" charset="0"/>
+              <a:ea typeface="Roboto Medium" panose="02000000000000000000" pitchFamily="2" charset="0"/>
+            </a:endParaRPr>
+          </a:p>
+          <a:p>
+            <a:r>
+              <a:rPr lang="es-MX" sz="3000" dirty="0" smtClean="0">
+                <a:solidFill>
+                  <a:schemeClr val="accent4">
+                    <a:lumMod val="60000"/>
+                    <a:lumOff val="40000"/>
+                  </a:schemeClr>
+                </a:solidFill>
+                <a:latin typeface="Roboto Medium" panose="02000000000000000000" pitchFamily="2" charset="0"/>
+                <a:ea typeface="Roboto Medium" panose="02000000000000000000" pitchFamily="2" charset="0"/>
+              </a:rPr>
+              <a:t>Lista no ordenada</a:t>
+            </a:r>
+          </a:p>
+          <a:p>
+            <a:r>
+              <a:rPr lang="es-MX" sz="3000" dirty="0">
+                <a:solidFill>
+                  <a:schemeClr val="accent4">
+                    <a:lumMod val="60000"/>
+                    <a:lumOff val="40000"/>
+                  </a:schemeClr>
+                </a:solidFill>
+                <a:latin typeface="Roboto Medium" panose="02000000000000000000" pitchFamily="2" charset="0"/>
+                <a:ea typeface="Roboto Medium" panose="02000000000000000000" pitchFamily="2" charset="0"/>
+              </a:rPr>
+              <a:t>	</a:t>
+            </a:r>
+            <a:r>
+              <a:rPr lang="es-MX" sz="2400" dirty="0">
+                <a:solidFill>
+                  <a:schemeClr val="bg1">
+                    <a:lumMod val="95000"/>
+                  </a:schemeClr>
+                </a:solidFill>
+                <a:latin typeface="Roboto" panose="02000000000000000000" pitchFamily="2" charset="0"/>
+                <a:ea typeface="Roboto" panose="02000000000000000000" pitchFamily="2" charset="0"/>
+              </a:rPr>
+              <a:t>* </a:t>
+            </a:r>
+            <a:r>
+              <a:rPr lang="es-MX" sz="2400" dirty="0" smtClean="0">
+                <a:solidFill>
+                  <a:schemeClr val="bg1">
+                    <a:lumMod val="95000"/>
+                  </a:schemeClr>
+                </a:solidFill>
+                <a:latin typeface="Roboto" panose="02000000000000000000" pitchFamily="2" charset="0"/>
+                <a:ea typeface="Roboto" panose="02000000000000000000" pitchFamily="2" charset="0"/>
+              </a:rPr>
+              <a:t>texto					</a:t>
+            </a:r>
+            <a:r>
+              <a:rPr lang="es-MX" sz="2200" b="1" dirty="0">
+                <a:solidFill>
+                  <a:srgbClr val="F7B731"/>
+                </a:solidFill>
+                <a:latin typeface="Roboto" panose="02000000000000000000" pitchFamily="2" charset="0"/>
+                <a:ea typeface="Roboto" panose="02000000000000000000" pitchFamily="2" charset="0"/>
+              </a:rPr>
+              <a:t>lista no ordenada</a:t>
+            </a:r>
+          </a:p>
+          <a:p>
+            <a:r>
+              <a:rPr lang="es-MX" sz="2400" dirty="0">
+                <a:solidFill>
+                  <a:schemeClr val="bg1">
+                    <a:lumMod val="95000"/>
+                  </a:schemeClr>
+                </a:solidFill>
+                <a:latin typeface="Roboto" panose="02000000000000000000" pitchFamily="2" charset="0"/>
+                <a:ea typeface="Roboto" panose="02000000000000000000" pitchFamily="2" charset="0"/>
+              </a:rPr>
+              <a:t>		* texto	</a:t>
+            </a:r>
+            <a:r>
+              <a:rPr lang="es-MX" sz="3000" dirty="0" smtClean="0">
+                <a:solidFill>
+                  <a:schemeClr val="accent4">
+                    <a:lumMod val="60000"/>
+                    <a:lumOff val="40000"/>
+                  </a:schemeClr>
+                </a:solidFill>
+                <a:latin typeface="Roboto Medium" panose="02000000000000000000" pitchFamily="2" charset="0"/>
+                <a:ea typeface="Roboto Medium" panose="02000000000000000000" pitchFamily="2" charset="0"/>
+              </a:rPr>
+              <a:t>			</a:t>
+            </a:r>
+            <a:r>
+              <a:rPr lang="es-MX" sz="2200" b="1" dirty="0" err="1">
+                <a:solidFill>
+                  <a:srgbClr val="F7B731"/>
+                </a:solidFill>
+                <a:latin typeface="Roboto" panose="02000000000000000000" pitchFamily="2" charset="0"/>
+                <a:ea typeface="Roboto" panose="02000000000000000000" pitchFamily="2" charset="0"/>
+              </a:rPr>
+              <a:t>sublista</a:t>
+            </a:r>
+            <a:r>
+              <a:rPr lang="es-MX" sz="2200" b="1" dirty="0">
+                <a:solidFill>
+                  <a:srgbClr val="F7B731"/>
+                </a:solidFill>
+                <a:latin typeface="Roboto" panose="02000000000000000000" pitchFamily="2" charset="0"/>
+                <a:ea typeface="Roboto" panose="02000000000000000000" pitchFamily="2" charset="0"/>
+              </a:rPr>
+              <a:t> no ordenada</a:t>
+            </a:r>
+          </a:p>
+          <a:p>
+            <a:r>
+              <a:rPr lang="es-MX" sz="2200" dirty="0">
+                <a:solidFill>
+                  <a:schemeClr val="accent6">
+                    <a:lumMod val="40000"/>
+                    <a:lumOff val="60000"/>
+                  </a:schemeClr>
+                </a:solidFill>
+                <a:latin typeface="Roboto" panose="02000000000000000000" pitchFamily="2" charset="0"/>
+                <a:ea typeface="Roboto" panose="02000000000000000000" pitchFamily="2" charset="0"/>
+              </a:rPr>
+              <a:t>	</a:t>
+            </a:r>
+            <a:r>
+              <a:rPr lang="es-MX" sz="2200" dirty="0" smtClean="0">
+                <a:solidFill>
+                  <a:schemeClr val="accent6">
+                    <a:lumMod val="40000"/>
+                    <a:lumOff val="60000"/>
+                  </a:schemeClr>
+                </a:solidFill>
+                <a:latin typeface="Roboto" panose="02000000000000000000" pitchFamily="2" charset="0"/>
+                <a:ea typeface="Roboto" panose="02000000000000000000" pitchFamily="2" charset="0"/>
+              </a:rPr>
+              <a:t>	</a:t>
+            </a:r>
+            <a:r>
+              <a:rPr lang="es-MX" sz="2400" dirty="0">
+                <a:solidFill>
+                  <a:schemeClr val="bg1">
+                    <a:lumMod val="95000"/>
+                  </a:schemeClr>
+                </a:solidFill>
+                <a:latin typeface="Roboto" panose="02000000000000000000" pitchFamily="2" charset="0"/>
+                <a:ea typeface="Roboto" panose="02000000000000000000" pitchFamily="2" charset="0"/>
+              </a:rPr>
+              <a:t>+ texto </a:t>
+            </a:r>
+            <a:r>
+              <a:rPr lang="es-MX" sz="2200" dirty="0" smtClean="0">
+                <a:solidFill>
+                  <a:schemeClr val="accent6">
+                    <a:lumMod val="40000"/>
+                    <a:lumOff val="60000"/>
+                  </a:schemeClr>
+                </a:solidFill>
+                <a:latin typeface="Roboto" panose="02000000000000000000" pitchFamily="2" charset="0"/>
+                <a:ea typeface="Roboto" panose="02000000000000000000" pitchFamily="2" charset="0"/>
+              </a:rPr>
+              <a:t>			</a:t>
+            </a:r>
+            <a:r>
+              <a:rPr lang="es-MX" sz="2200" b="1" dirty="0" err="1">
+                <a:solidFill>
+                  <a:srgbClr val="F7B731"/>
+                </a:solidFill>
+                <a:latin typeface="Roboto" panose="02000000000000000000" pitchFamily="2" charset="0"/>
+                <a:ea typeface="Roboto" panose="02000000000000000000" pitchFamily="2" charset="0"/>
+              </a:rPr>
+              <a:t>sublista</a:t>
+            </a:r>
+            <a:r>
+              <a:rPr lang="es-MX" sz="2200" b="1" dirty="0">
+                <a:solidFill>
+                  <a:srgbClr val="F7B731"/>
+                </a:solidFill>
+                <a:latin typeface="Roboto" panose="02000000000000000000" pitchFamily="2" charset="0"/>
+                <a:ea typeface="Roboto" panose="02000000000000000000" pitchFamily="2" charset="0"/>
+              </a:rPr>
+              <a:t> no ordenada</a:t>
+            </a:r>
+          </a:p>
+          <a:p>
+            <a:r>
+              <a:rPr lang="es-MX" sz="2200" dirty="0">
+                <a:solidFill>
+                  <a:schemeClr val="accent6">
+                    <a:lumMod val="40000"/>
+                    <a:lumOff val="60000"/>
+                  </a:schemeClr>
+                </a:solidFill>
+                <a:latin typeface="Roboto" panose="02000000000000000000" pitchFamily="2" charset="0"/>
+                <a:ea typeface="Roboto" panose="02000000000000000000" pitchFamily="2" charset="0"/>
+              </a:rPr>
+              <a:t>	</a:t>
+            </a:r>
+            <a:r>
+              <a:rPr lang="es-MX" sz="2200" dirty="0" smtClean="0">
+                <a:solidFill>
+                  <a:schemeClr val="accent6">
+                    <a:lumMod val="40000"/>
+                    <a:lumOff val="60000"/>
+                  </a:schemeClr>
+                </a:solidFill>
+                <a:latin typeface="Roboto" panose="02000000000000000000" pitchFamily="2" charset="0"/>
+                <a:ea typeface="Roboto" panose="02000000000000000000" pitchFamily="2" charset="0"/>
+              </a:rPr>
+              <a:t>		</a:t>
+            </a:r>
+            <a:r>
+              <a:rPr lang="es-MX" sz="2400" dirty="0">
+                <a:solidFill>
+                  <a:schemeClr val="bg1">
+                    <a:lumMod val="95000"/>
+                  </a:schemeClr>
+                </a:solidFill>
+                <a:latin typeface="Roboto" panose="02000000000000000000" pitchFamily="2" charset="0"/>
+                <a:ea typeface="Roboto" panose="02000000000000000000" pitchFamily="2" charset="0"/>
+              </a:rPr>
+              <a:t>1. texto</a:t>
+            </a:r>
+            <a:r>
+              <a:rPr lang="es-MX" sz="2200" dirty="0" smtClean="0">
+                <a:solidFill>
+                  <a:schemeClr val="accent6">
+                    <a:lumMod val="40000"/>
+                    <a:lumOff val="60000"/>
+                  </a:schemeClr>
+                </a:solidFill>
+                <a:latin typeface="Roboto" panose="02000000000000000000" pitchFamily="2" charset="0"/>
+                <a:ea typeface="Roboto" panose="02000000000000000000" pitchFamily="2" charset="0"/>
+              </a:rPr>
+              <a:t>		</a:t>
+            </a:r>
+            <a:r>
+              <a:rPr lang="es-MX" sz="2200" b="1" dirty="0">
+                <a:solidFill>
+                  <a:srgbClr val="F7B731"/>
+                </a:solidFill>
+                <a:latin typeface="Roboto" panose="02000000000000000000" pitchFamily="2" charset="0"/>
+                <a:ea typeface="Roboto" panose="02000000000000000000" pitchFamily="2" charset="0"/>
+              </a:rPr>
+              <a:t>sub </a:t>
+            </a:r>
+            <a:r>
+              <a:rPr lang="es-MX" sz="2200" b="1" dirty="0" err="1">
+                <a:solidFill>
+                  <a:srgbClr val="F7B731"/>
+                </a:solidFill>
+                <a:latin typeface="Roboto" panose="02000000000000000000" pitchFamily="2" charset="0"/>
+                <a:ea typeface="Roboto" panose="02000000000000000000" pitchFamily="2" charset="0"/>
+              </a:rPr>
+              <a:t>sublista</a:t>
+            </a:r>
+            <a:r>
+              <a:rPr lang="es-MX" sz="2200" b="1" dirty="0">
+                <a:solidFill>
+                  <a:srgbClr val="F7B731"/>
+                </a:solidFill>
+                <a:latin typeface="Roboto" panose="02000000000000000000" pitchFamily="2" charset="0"/>
+                <a:ea typeface="Roboto" panose="02000000000000000000" pitchFamily="2" charset="0"/>
+              </a:rPr>
+              <a:t> ordenada</a:t>
+            </a:r>
+          </a:p>
+          <a:p>
+            <a:endParaRPr lang="es-MX" sz="2200" dirty="0">
+              <a:solidFill>
+                <a:schemeClr val="accent6">
+                  <a:lumMod val="40000"/>
+                  <a:lumOff val="60000"/>
+                </a:schemeClr>
+              </a:solidFill>
+              <a:latin typeface="Roboto" panose="02000000000000000000" pitchFamily="2" charset="0"/>
+              <a:ea typeface="Roboto" panose="02000000000000000000" pitchFamily="2" charset="0"/>
+            </a:endParaRPr>
+          </a:p>
+        </p:txBody>
+      </p:sp>
+      <p:sp>
+        <p:nvSpPr>
+          <p:cNvPr id="4" name="CuadroTexto 3"/>
+          <p:cNvSpPr txBox="1"/>
+          <p:nvPr/>
+        </p:nvSpPr>
+        <p:spPr>
+          <a:xfrm flipH="1">
+            <a:off x="9832916" y="5902510"/>
+            <a:ext cx="2359084" cy="553998"/>
+          </a:xfrm>
+          <a:prstGeom prst="rect">
+            <a:avLst/>
+          </a:prstGeom>
+          <a:noFill/>
+        </p:spPr>
+        <p:txBody>
+          <a:bodyPr wrap="square" rtlCol="0">
+            <a:spAutoFit/>
+          </a:bodyPr>
+          <a:lstStyle/>
+          <a:p>
+            <a:r>
+              <a:rPr lang="es-MX" sz="2400" dirty="0">
+                <a:solidFill>
+                  <a:schemeClr val="bg1">
+                    <a:lumMod val="95000"/>
+                  </a:schemeClr>
+                </a:solidFill>
+                <a:latin typeface="Roboto" panose="02000000000000000000" pitchFamily="2" charset="0"/>
+                <a:ea typeface="Roboto" panose="02000000000000000000" pitchFamily="2" charset="0"/>
+              </a:rPr>
+              <a:t>Extensión</a:t>
+            </a:r>
+            <a:r>
+              <a:rPr lang="es-MX" sz="3000" dirty="0" smtClean="0">
+                <a:solidFill>
+                  <a:schemeClr val="accent4">
+                    <a:lumMod val="60000"/>
+                    <a:lumOff val="40000"/>
+                  </a:schemeClr>
+                </a:solidFill>
+                <a:latin typeface="Roboto Medium" panose="02000000000000000000" pitchFamily="2" charset="0"/>
+                <a:ea typeface="Roboto Medium" panose="02000000000000000000" pitchFamily="2" charset="0"/>
+              </a:rPr>
+              <a:t> .md</a:t>
+            </a:r>
+            <a:endParaRPr lang="es-MX" sz="3000" dirty="0">
+              <a:solidFill>
+                <a:schemeClr val="accent4">
+                  <a:lumMod val="60000"/>
+                  <a:lumOff val="40000"/>
+                </a:schemeClr>
+              </a:solidFill>
+              <a:latin typeface="Roboto Medium" panose="02000000000000000000" pitchFamily="2" charset="0"/>
+              <a:ea typeface="Roboto Medium" panose="02000000000000000000" pitchFamily="2" charset="0"/>
+            </a:endParaRPr>
+          </a:p>
+        </p:txBody>
+      </p:sp>
+      <p:sp>
+        <p:nvSpPr>
+          <p:cNvPr id="5" name="Rectángulo 4"/>
+          <p:cNvSpPr/>
+          <p:nvPr/>
+        </p:nvSpPr>
+        <p:spPr>
+          <a:xfrm>
+            <a:off x="9176657" y="6304227"/>
+            <a:ext cx="2951449" cy="369332"/>
+          </a:xfrm>
+          <a:prstGeom prst="rect">
+            <a:avLst/>
+          </a:prstGeom>
+        </p:spPr>
+        <p:txBody>
+          <a:bodyPr wrap="none">
+            <a:spAutoFit/>
+          </a:bodyPr>
+          <a:lstStyle/>
+          <a:p>
+            <a:r>
+              <a:rPr lang="es-MX" dirty="0">
+                <a:solidFill>
+                  <a:schemeClr val="bg1">
+                    <a:lumMod val="95000"/>
+                  </a:schemeClr>
+                </a:solidFill>
+                <a:latin typeface="Roboto" panose="02000000000000000000" pitchFamily="2" charset="0"/>
+                <a:ea typeface="Roboto" panose="02000000000000000000" pitchFamily="2" charset="0"/>
+              </a:rPr>
+              <a:t>markdownlivepreview.com</a:t>
+            </a:r>
+          </a:p>
+        </p:txBody>
+      </p:sp>
+    </p:spTree>
+    <p:extLst>
+      <p:ext uri="{BB962C8B-B14F-4D97-AF65-F5344CB8AC3E}">
+        <p14:creationId xmlns:p14="http://schemas.microsoft.com/office/powerpoint/2010/main" val="528506740"/>
+      </p:ext>
+    </p:extLst>
+  </p:cSld>
+  <p:clrMapOvr>
+    <a:masterClrMapping/>
+  </p:clrMapOvr>
+  <p:timing>
+    <p:tnLst>
+      <p:par>
+        <p:cTn id="1" dur="indefinite" restart="never" nodeType="tmRoot"/>
+      </p:par>
+    </p:tnLst>
+  </p:timing>
+</p:sld>
+</file>
+
+<file path=ppt/slides/slide18.xml><?xml version="1.0" encoding="utf-8"?>
+<p:sld xmlns:a="http://schemas.openxmlformats.org/drawingml/2006/main" xmlns:r="http://schemas.openxmlformats.org/officeDocument/2006/relationships" xmlns:p="http://schemas.openxmlformats.org/presentationml/2006/main">
+  <p:cSld>
+    <p:bg>
+      <p:bgPr>
+        <a:solidFill>
+          <a:srgbClr val="1ABC9C"/>
+        </a:solidFill>
+        <a:effectLst/>
+      </p:bgPr>
+    </p:bg>
+    <p:spTree>
+      <p:nvGrpSpPr>
+        <p:cNvPr id="1" name=""/>
+        <p:cNvGrpSpPr/>
+        <p:nvPr/>
+      </p:nvGrpSpPr>
+      <p:grpSpPr>
+        <a:xfrm>
+          <a:off x="0" y="0"/>
+          <a:ext cx="0" cy="0"/>
+          <a:chOff x="0" y="0"/>
+          <a:chExt cx="0" cy="0"/>
+        </a:xfrm>
+      </p:grpSpPr>
+      <p:sp>
+        <p:nvSpPr>
+          <p:cNvPr id="2" name="CuadroTexto 1"/>
+          <p:cNvSpPr txBox="1"/>
+          <p:nvPr/>
+        </p:nvSpPr>
+        <p:spPr>
+          <a:xfrm>
+            <a:off x="481485" y="538431"/>
+            <a:ext cx="5366865" cy="707886"/>
+          </a:xfrm>
+          <a:prstGeom prst="rect">
+            <a:avLst/>
+          </a:prstGeom>
+          <a:noFill/>
+        </p:spPr>
+        <p:txBody>
+          <a:bodyPr wrap="square" rtlCol="0">
+            <a:spAutoFit/>
+          </a:bodyPr>
+          <a:lstStyle/>
+          <a:p>
+            <a:pPr algn="ctr"/>
+            <a:r>
+              <a:rPr lang="es-MX" sz="4000" dirty="0">
+                <a:solidFill>
+                  <a:schemeClr val="bg1"/>
+                </a:solidFill>
+                <a:latin typeface="Roboto Black" panose="02000000000000000000" pitchFamily="2" charset="0"/>
+                <a:ea typeface="Roboto Black" panose="02000000000000000000" pitchFamily="2" charset="0"/>
+              </a:rPr>
+              <a:t>Elementos principales</a:t>
+            </a:r>
+          </a:p>
+        </p:txBody>
+      </p:sp>
+      <p:sp>
+        <p:nvSpPr>
+          <p:cNvPr id="3" name="CuadroTexto 2"/>
+          <p:cNvSpPr txBox="1"/>
+          <p:nvPr/>
+        </p:nvSpPr>
+        <p:spPr>
+          <a:xfrm flipH="1">
+            <a:off x="1064886" y="1543050"/>
+            <a:ext cx="11063219" cy="5038725"/>
+          </a:xfrm>
+          <a:prstGeom prst="rect">
+            <a:avLst/>
+          </a:prstGeom>
+          <a:noFill/>
+        </p:spPr>
+        <p:txBody>
+          <a:bodyPr wrap="square" rtlCol="0">
+            <a:noAutofit/>
+          </a:bodyPr>
+          <a:lstStyle/>
+          <a:p>
+            <a:r>
+              <a:rPr lang="es-MX" sz="3000" dirty="0" smtClean="0">
+                <a:solidFill>
+                  <a:schemeClr val="accent4">
+                    <a:lumMod val="60000"/>
+                    <a:lumOff val="40000"/>
+                  </a:schemeClr>
+                </a:solidFill>
+                <a:latin typeface="Roboto Medium" panose="02000000000000000000" pitchFamily="2" charset="0"/>
+                <a:ea typeface="Roboto Medium" panose="02000000000000000000" pitchFamily="2" charset="0"/>
+              </a:rPr>
+              <a:t>Links</a:t>
+            </a:r>
+            <a:endParaRPr lang="es-MX" sz="3000" dirty="0">
+              <a:solidFill>
+                <a:schemeClr val="accent4">
+                  <a:lumMod val="60000"/>
+                  <a:lumOff val="40000"/>
+                </a:schemeClr>
+              </a:solidFill>
+              <a:latin typeface="Roboto Medium" panose="02000000000000000000" pitchFamily="2" charset="0"/>
+              <a:ea typeface="Roboto Medium" panose="02000000000000000000" pitchFamily="2" charset="0"/>
+            </a:endParaRPr>
+          </a:p>
+          <a:p>
+            <a:r>
+              <a:rPr lang="es-MX" sz="4000" dirty="0">
+                <a:solidFill>
+                  <a:schemeClr val="accent4">
+                    <a:lumMod val="60000"/>
+                    <a:lumOff val="40000"/>
+                  </a:schemeClr>
+                </a:solidFill>
+                <a:latin typeface="Roboto Medium" panose="02000000000000000000" pitchFamily="2" charset="0"/>
+                <a:ea typeface="Roboto Medium" panose="02000000000000000000" pitchFamily="2" charset="0"/>
+              </a:rPr>
+              <a:t>	</a:t>
+            </a:r>
+            <a:r>
+              <a:rPr lang="es-MX" sz="2400" dirty="0">
+                <a:solidFill>
+                  <a:schemeClr val="bg1">
+                    <a:lumMod val="95000"/>
+                  </a:schemeClr>
+                </a:solidFill>
+                <a:latin typeface="Roboto" panose="02000000000000000000" pitchFamily="2" charset="0"/>
+                <a:ea typeface="Roboto" panose="02000000000000000000" pitchFamily="2" charset="0"/>
+              </a:rPr>
+              <a:t>[</a:t>
+            </a:r>
+            <a:r>
+              <a:rPr lang="es-MX" sz="2400" dirty="0" smtClean="0">
+                <a:solidFill>
+                  <a:schemeClr val="bg1">
+                    <a:lumMod val="95000"/>
+                  </a:schemeClr>
+                </a:solidFill>
+                <a:latin typeface="Roboto" panose="02000000000000000000" pitchFamily="2" charset="0"/>
+                <a:ea typeface="Roboto" panose="02000000000000000000" pitchFamily="2" charset="0"/>
+              </a:rPr>
+              <a:t>texto](</a:t>
+            </a:r>
+            <a:r>
+              <a:rPr lang="es-MX" sz="2400" dirty="0" err="1" smtClean="0">
+                <a:solidFill>
+                  <a:schemeClr val="bg1">
+                    <a:lumMod val="95000"/>
+                  </a:schemeClr>
+                </a:solidFill>
+                <a:latin typeface="Roboto" panose="02000000000000000000" pitchFamily="2" charset="0"/>
+                <a:ea typeface="Roboto" panose="02000000000000000000" pitchFamily="2" charset="0"/>
+              </a:rPr>
+              <a:t>url</a:t>
+            </a:r>
+            <a:r>
+              <a:rPr lang="es-MX" sz="2400" dirty="0" smtClean="0">
+                <a:solidFill>
+                  <a:schemeClr val="bg1">
+                    <a:lumMod val="95000"/>
+                  </a:schemeClr>
+                </a:solidFill>
+                <a:latin typeface="Roboto" panose="02000000000000000000" pitchFamily="2" charset="0"/>
+                <a:ea typeface="Roboto" panose="02000000000000000000" pitchFamily="2" charset="0"/>
+              </a:rPr>
+              <a:t>)						</a:t>
+            </a:r>
+            <a:r>
+              <a:rPr lang="es-MX" sz="2400" b="1" dirty="0" smtClean="0">
+                <a:solidFill>
+                  <a:srgbClr val="F7B731"/>
+                </a:solidFill>
+                <a:latin typeface="Roboto" panose="02000000000000000000" pitchFamily="2" charset="0"/>
+                <a:ea typeface="Roboto" panose="02000000000000000000" pitchFamily="2" charset="0"/>
+              </a:rPr>
+              <a:t>link sencillo</a:t>
+            </a:r>
+          </a:p>
+          <a:p>
+            <a:r>
+              <a:rPr lang="es-MX" sz="2400" dirty="0">
+                <a:solidFill>
+                  <a:schemeClr val="bg1">
+                    <a:lumMod val="95000"/>
+                  </a:schemeClr>
+                </a:solidFill>
+                <a:latin typeface="Roboto" panose="02000000000000000000" pitchFamily="2" charset="0"/>
+                <a:ea typeface="Roboto" panose="02000000000000000000" pitchFamily="2" charset="0"/>
+              </a:rPr>
+              <a:t>	[</a:t>
+            </a:r>
+            <a:r>
+              <a:rPr lang="es-MX" sz="2400" dirty="0" smtClean="0">
+                <a:solidFill>
+                  <a:schemeClr val="bg1">
+                    <a:lumMod val="95000"/>
+                  </a:schemeClr>
+                </a:solidFill>
+                <a:latin typeface="Roboto" panose="02000000000000000000" pitchFamily="2" charset="0"/>
+                <a:ea typeface="Roboto" panose="02000000000000000000" pitchFamily="2" charset="0"/>
+              </a:rPr>
+              <a:t>texto] (</a:t>
+            </a:r>
+            <a:r>
+              <a:rPr lang="es-MX" sz="2400" dirty="0" err="1" smtClean="0">
+                <a:solidFill>
+                  <a:schemeClr val="bg1">
+                    <a:lumMod val="95000"/>
+                  </a:schemeClr>
+                </a:solidFill>
+                <a:latin typeface="Roboto" panose="02000000000000000000" pitchFamily="2" charset="0"/>
+                <a:ea typeface="Roboto" panose="02000000000000000000" pitchFamily="2" charset="0"/>
+              </a:rPr>
+              <a:t>url</a:t>
+            </a:r>
+            <a:r>
+              <a:rPr lang="es-MX" sz="2400" dirty="0" smtClean="0">
+                <a:solidFill>
+                  <a:schemeClr val="bg1">
+                    <a:lumMod val="95000"/>
+                  </a:schemeClr>
+                </a:solidFill>
+                <a:latin typeface="Roboto" panose="02000000000000000000" pitchFamily="2" charset="0"/>
+                <a:ea typeface="Roboto" panose="02000000000000000000" pitchFamily="2" charset="0"/>
+              </a:rPr>
+              <a:t> “Texto a mostrar”)			</a:t>
+            </a:r>
+            <a:r>
+              <a:rPr lang="es-MX" sz="2400" b="1" dirty="0">
+                <a:solidFill>
+                  <a:srgbClr val="F7B731"/>
+                </a:solidFill>
+                <a:latin typeface="Roboto" panose="02000000000000000000" pitchFamily="2" charset="0"/>
+                <a:ea typeface="Roboto" panose="02000000000000000000" pitchFamily="2" charset="0"/>
+              </a:rPr>
+              <a:t>link con título</a:t>
+            </a:r>
+          </a:p>
+          <a:p>
+            <a:endParaRPr lang="es-MX" sz="2400" dirty="0" smtClean="0">
+              <a:solidFill>
+                <a:schemeClr val="bg1">
+                  <a:lumMod val="95000"/>
+                </a:schemeClr>
+              </a:solidFill>
+              <a:latin typeface="Roboto" panose="02000000000000000000" pitchFamily="2" charset="0"/>
+              <a:ea typeface="Roboto" panose="02000000000000000000" pitchFamily="2" charset="0"/>
+            </a:endParaRPr>
+          </a:p>
+          <a:p>
+            <a:r>
+              <a:rPr lang="es-MX" sz="3000" dirty="0" smtClean="0">
+                <a:solidFill>
+                  <a:schemeClr val="accent4">
+                    <a:lumMod val="60000"/>
+                    <a:lumOff val="40000"/>
+                  </a:schemeClr>
+                </a:solidFill>
+                <a:latin typeface="Roboto Medium" panose="02000000000000000000" pitchFamily="2" charset="0"/>
+                <a:ea typeface="Roboto Medium" panose="02000000000000000000" pitchFamily="2" charset="0"/>
+              </a:rPr>
+              <a:t>Imágenes</a:t>
+            </a:r>
+          </a:p>
+          <a:p>
+            <a:r>
+              <a:rPr lang="es-MX" sz="3000" dirty="0">
+                <a:solidFill>
+                  <a:schemeClr val="accent4">
+                    <a:lumMod val="60000"/>
+                    <a:lumOff val="40000"/>
+                  </a:schemeClr>
+                </a:solidFill>
+                <a:latin typeface="Roboto Medium" panose="02000000000000000000" pitchFamily="2" charset="0"/>
+                <a:ea typeface="Roboto Medium" panose="02000000000000000000" pitchFamily="2" charset="0"/>
+              </a:rPr>
+              <a:t>	</a:t>
+            </a:r>
+            <a:r>
+              <a:rPr lang="es-MX" sz="2400" dirty="0" smtClean="0">
+                <a:solidFill>
+                  <a:schemeClr val="bg1">
+                    <a:lumMod val="95000"/>
+                  </a:schemeClr>
+                </a:solidFill>
+                <a:latin typeface="Roboto" panose="02000000000000000000" pitchFamily="2" charset="0"/>
+                <a:ea typeface="Roboto" panose="02000000000000000000" pitchFamily="2" charset="0"/>
+              </a:rPr>
+              <a:t>![</a:t>
+            </a:r>
+            <a:r>
+              <a:rPr lang="es-MX" sz="2400" dirty="0" err="1" smtClean="0">
+                <a:solidFill>
+                  <a:schemeClr val="bg1">
+                    <a:lumMod val="95000"/>
+                  </a:schemeClr>
+                </a:solidFill>
+                <a:latin typeface="Roboto" panose="02000000000000000000" pitchFamily="2" charset="0"/>
+                <a:ea typeface="Roboto" panose="02000000000000000000" pitchFamily="2" charset="0"/>
+              </a:rPr>
+              <a:t>alt</a:t>
+            </a:r>
+            <a:r>
+              <a:rPr lang="es-MX" sz="2400" dirty="0" smtClean="0">
+                <a:solidFill>
+                  <a:schemeClr val="bg1">
+                    <a:lumMod val="95000"/>
+                  </a:schemeClr>
+                </a:solidFill>
+                <a:latin typeface="Roboto" panose="02000000000000000000" pitchFamily="2" charset="0"/>
+                <a:ea typeface="Roboto" panose="02000000000000000000" pitchFamily="2" charset="0"/>
+              </a:rPr>
+              <a:t> </a:t>
+            </a:r>
+            <a:r>
+              <a:rPr lang="es-MX" sz="2400" dirty="0" err="1" smtClean="0">
+                <a:solidFill>
+                  <a:schemeClr val="bg1">
+                    <a:lumMod val="95000"/>
+                  </a:schemeClr>
+                </a:solidFill>
+                <a:latin typeface="Roboto" panose="02000000000000000000" pitchFamily="2" charset="0"/>
+                <a:ea typeface="Roboto" panose="02000000000000000000" pitchFamily="2" charset="0"/>
+              </a:rPr>
+              <a:t>text</a:t>
+            </a:r>
+            <a:r>
+              <a:rPr lang="es-MX" sz="2400" dirty="0" smtClean="0">
+                <a:solidFill>
+                  <a:schemeClr val="bg1">
+                    <a:lumMod val="95000"/>
+                  </a:schemeClr>
+                </a:solidFill>
+                <a:latin typeface="Roboto" panose="02000000000000000000" pitchFamily="2" charset="0"/>
+                <a:ea typeface="Roboto" panose="02000000000000000000" pitchFamily="2" charset="0"/>
+              </a:rPr>
+              <a:t>](</a:t>
+            </a:r>
+            <a:r>
+              <a:rPr lang="es-MX" sz="2400" dirty="0" err="1" smtClean="0">
+                <a:solidFill>
+                  <a:schemeClr val="bg1">
+                    <a:lumMod val="95000"/>
+                  </a:schemeClr>
+                </a:solidFill>
+                <a:latin typeface="Roboto" panose="02000000000000000000" pitchFamily="2" charset="0"/>
+                <a:ea typeface="Roboto" panose="02000000000000000000" pitchFamily="2" charset="0"/>
+              </a:rPr>
+              <a:t>url</a:t>
+            </a:r>
+            <a:r>
+              <a:rPr lang="es-MX" sz="2400" dirty="0" smtClean="0">
+                <a:solidFill>
+                  <a:schemeClr val="bg1">
+                    <a:lumMod val="95000"/>
+                  </a:schemeClr>
+                </a:solidFill>
+                <a:latin typeface="Roboto" panose="02000000000000000000" pitchFamily="2" charset="0"/>
+                <a:ea typeface="Roboto" panose="02000000000000000000" pitchFamily="2" charset="0"/>
+              </a:rPr>
+              <a:t> imagen “</a:t>
+            </a:r>
+            <a:r>
+              <a:rPr lang="es-MX" sz="2400" dirty="0" err="1" smtClean="0">
+                <a:solidFill>
+                  <a:schemeClr val="bg1">
+                    <a:lumMod val="95000"/>
+                  </a:schemeClr>
+                </a:solidFill>
+                <a:latin typeface="Roboto" panose="02000000000000000000" pitchFamily="2" charset="0"/>
+                <a:ea typeface="Roboto" panose="02000000000000000000" pitchFamily="2" charset="0"/>
+              </a:rPr>
+              <a:t>alt</a:t>
+            </a:r>
+            <a:r>
+              <a:rPr lang="es-MX" sz="2400" dirty="0" smtClean="0">
+                <a:solidFill>
+                  <a:schemeClr val="bg1">
+                    <a:lumMod val="95000"/>
+                  </a:schemeClr>
+                </a:solidFill>
+                <a:latin typeface="Roboto" panose="02000000000000000000" pitchFamily="2" charset="0"/>
+                <a:ea typeface="Roboto" panose="02000000000000000000" pitchFamily="2" charset="0"/>
+              </a:rPr>
+              <a:t> </a:t>
+            </a:r>
+            <a:r>
+              <a:rPr lang="es-MX" sz="2400" dirty="0" err="1" smtClean="0">
+                <a:solidFill>
+                  <a:schemeClr val="bg1">
+                    <a:lumMod val="95000"/>
+                  </a:schemeClr>
+                </a:solidFill>
+                <a:latin typeface="Roboto" panose="02000000000000000000" pitchFamily="2" charset="0"/>
+                <a:ea typeface="Roboto" panose="02000000000000000000" pitchFamily="2" charset="0"/>
+              </a:rPr>
+              <a:t>text</a:t>
+            </a:r>
+            <a:r>
+              <a:rPr lang="es-MX" sz="2400" dirty="0" smtClean="0">
+                <a:solidFill>
+                  <a:schemeClr val="bg1">
+                    <a:lumMod val="95000"/>
+                  </a:schemeClr>
+                </a:solidFill>
+                <a:latin typeface="Roboto" panose="02000000000000000000" pitchFamily="2" charset="0"/>
+                <a:ea typeface="Roboto" panose="02000000000000000000" pitchFamily="2" charset="0"/>
+              </a:rPr>
+              <a:t>”)			</a:t>
+            </a:r>
+            <a:r>
+              <a:rPr lang="es-MX" sz="2400" b="1" dirty="0">
+                <a:solidFill>
+                  <a:srgbClr val="F7B731"/>
+                </a:solidFill>
+                <a:latin typeface="Roboto" panose="02000000000000000000" pitchFamily="2" charset="0"/>
+                <a:ea typeface="Roboto" panose="02000000000000000000" pitchFamily="2" charset="0"/>
+              </a:rPr>
+              <a:t>imagen</a:t>
+            </a:r>
+          </a:p>
+          <a:p>
+            <a:r>
+              <a:rPr lang="es-MX" sz="2200" dirty="0" smtClean="0">
+                <a:solidFill>
+                  <a:schemeClr val="accent6">
+                    <a:lumMod val="40000"/>
+                    <a:lumOff val="60000"/>
+                  </a:schemeClr>
+                </a:solidFill>
+                <a:latin typeface="Roboto" panose="02000000000000000000" pitchFamily="2" charset="0"/>
+                <a:ea typeface="Roboto" panose="02000000000000000000" pitchFamily="2" charset="0"/>
+              </a:rPr>
+              <a:t>	</a:t>
+            </a:r>
+          </a:p>
+          <a:p>
+            <a:r>
+              <a:rPr lang="es-MX" sz="2200" dirty="0">
+                <a:solidFill>
+                  <a:schemeClr val="accent6">
+                    <a:lumMod val="40000"/>
+                    <a:lumOff val="60000"/>
+                  </a:schemeClr>
+                </a:solidFill>
+                <a:latin typeface="Roboto" panose="02000000000000000000" pitchFamily="2" charset="0"/>
+                <a:ea typeface="Roboto" panose="02000000000000000000" pitchFamily="2" charset="0"/>
+              </a:rPr>
+              <a:t>	</a:t>
+            </a:r>
+            <a:r>
+              <a:rPr lang="es-MX" sz="2400" dirty="0" smtClean="0">
+                <a:solidFill>
+                  <a:schemeClr val="bg1">
+                    <a:lumMod val="95000"/>
+                  </a:schemeClr>
+                </a:solidFill>
+                <a:latin typeface="Roboto" panose="02000000000000000000" pitchFamily="2" charset="0"/>
+                <a:ea typeface="Roboto" panose="02000000000000000000" pitchFamily="2" charset="0"/>
+              </a:rPr>
+              <a:t>![</a:t>
+            </a:r>
+            <a:r>
+              <a:rPr lang="es-MX" sz="2400" dirty="0" err="1">
+                <a:solidFill>
+                  <a:schemeClr val="bg1">
+                    <a:lumMod val="95000"/>
+                  </a:schemeClr>
+                </a:solidFill>
+                <a:latin typeface="Roboto" panose="02000000000000000000" pitchFamily="2" charset="0"/>
+                <a:ea typeface="Roboto" panose="02000000000000000000" pitchFamily="2" charset="0"/>
+              </a:rPr>
+              <a:t>alt</a:t>
+            </a:r>
+            <a:r>
+              <a:rPr lang="es-MX" sz="2400" dirty="0">
+                <a:solidFill>
+                  <a:schemeClr val="bg1">
+                    <a:lumMod val="95000"/>
+                  </a:schemeClr>
+                </a:solidFill>
+                <a:latin typeface="Roboto" panose="02000000000000000000" pitchFamily="2" charset="0"/>
+                <a:ea typeface="Roboto" panose="02000000000000000000" pitchFamily="2" charset="0"/>
+              </a:rPr>
+              <a:t> </a:t>
+            </a:r>
+            <a:r>
+              <a:rPr lang="es-MX" sz="2400" dirty="0" err="1">
+                <a:solidFill>
+                  <a:schemeClr val="bg1">
+                    <a:lumMod val="95000"/>
+                  </a:schemeClr>
+                </a:solidFill>
+                <a:latin typeface="Roboto" panose="02000000000000000000" pitchFamily="2" charset="0"/>
+                <a:ea typeface="Roboto" panose="02000000000000000000" pitchFamily="2" charset="0"/>
+              </a:rPr>
+              <a:t>text</a:t>
+            </a:r>
+            <a:r>
+              <a:rPr lang="es-MX" sz="2400" dirty="0">
+                <a:solidFill>
+                  <a:schemeClr val="bg1">
+                    <a:lumMod val="95000"/>
+                  </a:schemeClr>
+                </a:solidFill>
+                <a:latin typeface="Roboto" panose="02000000000000000000" pitchFamily="2" charset="0"/>
+                <a:ea typeface="Roboto" panose="02000000000000000000" pitchFamily="2" charset="0"/>
+              </a:rPr>
+              <a:t>][logo</a:t>
+            </a:r>
+            <a:r>
+              <a:rPr lang="es-MX" sz="2400" dirty="0" smtClean="0">
+                <a:solidFill>
+                  <a:schemeClr val="bg1">
+                    <a:lumMod val="95000"/>
+                  </a:schemeClr>
+                </a:solidFill>
+                <a:latin typeface="Roboto" panose="02000000000000000000" pitchFamily="2" charset="0"/>
+                <a:ea typeface="Roboto" panose="02000000000000000000" pitchFamily="2" charset="0"/>
+              </a:rPr>
+              <a:t>]</a:t>
+            </a:r>
+          </a:p>
+          <a:p>
+            <a:endParaRPr lang="es-MX" sz="2400" dirty="0" smtClean="0">
+              <a:solidFill>
+                <a:schemeClr val="bg1">
+                  <a:lumMod val="95000"/>
+                </a:schemeClr>
+              </a:solidFill>
+              <a:latin typeface="Roboto" panose="02000000000000000000" pitchFamily="2" charset="0"/>
+              <a:ea typeface="Roboto" panose="02000000000000000000" pitchFamily="2" charset="0"/>
+            </a:endParaRPr>
+          </a:p>
+          <a:p>
+            <a:r>
+              <a:rPr lang="es-MX" sz="2400" dirty="0">
+                <a:solidFill>
+                  <a:schemeClr val="bg1">
+                    <a:lumMod val="95000"/>
+                  </a:schemeClr>
+                </a:solidFill>
+                <a:latin typeface="Roboto" panose="02000000000000000000" pitchFamily="2" charset="0"/>
+                <a:ea typeface="Roboto" panose="02000000000000000000" pitchFamily="2" charset="0"/>
+              </a:rPr>
+              <a:t>	</a:t>
+            </a:r>
+            <a:r>
+              <a:rPr lang="es-MX" sz="2400" dirty="0" smtClean="0">
+                <a:solidFill>
+                  <a:schemeClr val="bg1">
+                    <a:lumMod val="95000"/>
+                  </a:schemeClr>
+                </a:solidFill>
+                <a:latin typeface="Roboto" panose="02000000000000000000" pitchFamily="2" charset="0"/>
+                <a:ea typeface="Roboto" panose="02000000000000000000" pitchFamily="2" charset="0"/>
+              </a:rPr>
+              <a:t>[logo]:  </a:t>
+            </a:r>
+            <a:r>
+              <a:rPr lang="es-MX" sz="2400" dirty="0" err="1" smtClean="0">
+                <a:solidFill>
+                  <a:schemeClr val="bg1">
+                    <a:lumMod val="95000"/>
+                  </a:schemeClr>
+                </a:solidFill>
+                <a:latin typeface="Roboto" panose="02000000000000000000" pitchFamily="2" charset="0"/>
+                <a:ea typeface="Roboto" panose="02000000000000000000" pitchFamily="2" charset="0"/>
+              </a:rPr>
+              <a:t>url</a:t>
+            </a:r>
+            <a:r>
+              <a:rPr lang="es-MX" sz="2400" dirty="0" smtClean="0">
+                <a:solidFill>
+                  <a:schemeClr val="bg1">
+                    <a:lumMod val="95000"/>
+                  </a:schemeClr>
+                </a:solidFill>
+                <a:latin typeface="Roboto" panose="02000000000000000000" pitchFamily="2" charset="0"/>
+                <a:ea typeface="Roboto" panose="02000000000000000000" pitchFamily="2" charset="0"/>
+              </a:rPr>
+              <a:t> “</a:t>
+            </a:r>
+            <a:r>
+              <a:rPr lang="es-MX" sz="2400" dirty="0" err="1" smtClean="0">
+                <a:solidFill>
+                  <a:schemeClr val="bg1">
+                    <a:lumMod val="95000"/>
+                  </a:schemeClr>
+                </a:solidFill>
+                <a:latin typeface="Roboto" panose="02000000000000000000" pitchFamily="2" charset="0"/>
+                <a:ea typeface="Roboto" panose="02000000000000000000" pitchFamily="2" charset="0"/>
+              </a:rPr>
+              <a:t>alt</a:t>
+            </a:r>
+            <a:r>
+              <a:rPr lang="es-MX" sz="2400" dirty="0" smtClean="0">
+                <a:solidFill>
+                  <a:schemeClr val="bg1">
+                    <a:lumMod val="95000"/>
+                  </a:schemeClr>
+                </a:solidFill>
+                <a:latin typeface="Roboto" panose="02000000000000000000" pitchFamily="2" charset="0"/>
+                <a:ea typeface="Roboto" panose="02000000000000000000" pitchFamily="2" charset="0"/>
+              </a:rPr>
+              <a:t> </a:t>
+            </a:r>
+            <a:r>
+              <a:rPr lang="es-MX" sz="2400" dirty="0" err="1" smtClean="0">
+                <a:solidFill>
+                  <a:schemeClr val="bg1">
+                    <a:lumMod val="95000"/>
+                  </a:schemeClr>
+                </a:solidFill>
+                <a:latin typeface="Roboto" panose="02000000000000000000" pitchFamily="2" charset="0"/>
+                <a:ea typeface="Roboto" panose="02000000000000000000" pitchFamily="2" charset="0"/>
+              </a:rPr>
+              <a:t>text</a:t>
+            </a:r>
+            <a:r>
+              <a:rPr lang="es-MX" sz="2400" dirty="0" smtClean="0">
+                <a:solidFill>
+                  <a:schemeClr val="bg1">
+                    <a:lumMod val="95000"/>
+                  </a:schemeClr>
+                </a:solidFill>
+                <a:latin typeface="Roboto" panose="02000000000000000000" pitchFamily="2" charset="0"/>
+                <a:ea typeface="Roboto" panose="02000000000000000000" pitchFamily="2" charset="0"/>
+              </a:rPr>
+              <a:t>”					</a:t>
+            </a:r>
+            <a:r>
+              <a:rPr lang="es-MX" sz="2400" b="1" dirty="0">
+                <a:solidFill>
+                  <a:srgbClr val="F7B731"/>
+                </a:solidFill>
+                <a:latin typeface="Roboto" panose="02000000000000000000" pitchFamily="2" charset="0"/>
+                <a:ea typeface="Roboto" panose="02000000000000000000" pitchFamily="2" charset="0"/>
+              </a:rPr>
+              <a:t>imagen por referencia</a:t>
+            </a:r>
+          </a:p>
+        </p:txBody>
+      </p:sp>
+      <p:sp>
+        <p:nvSpPr>
+          <p:cNvPr id="4" name="CuadroTexto 3"/>
+          <p:cNvSpPr txBox="1"/>
+          <p:nvPr/>
+        </p:nvSpPr>
+        <p:spPr>
+          <a:xfrm flipH="1">
+            <a:off x="9832916" y="5902510"/>
+            <a:ext cx="2359084" cy="553998"/>
+          </a:xfrm>
+          <a:prstGeom prst="rect">
+            <a:avLst/>
+          </a:prstGeom>
+          <a:noFill/>
+        </p:spPr>
+        <p:txBody>
+          <a:bodyPr wrap="square" rtlCol="0">
+            <a:spAutoFit/>
+          </a:bodyPr>
+          <a:lstStyle/>
+          <a:p>
+            <a:r>
+              <a:rPr lang="es-MX" sz="2400" dirty="0">
+                <a:solidFill>
+                  <a:schemeClr val="bg1">
+                    <a:lumMod val="95000"/>
+                  </a:schemeClr>
+                </a:solidFill>
+                <a:latin typeface="Roboto" panose="02000000000000000000" pitchFamily="2" charset="0"/>
+                <a:ea typeface="Roboto" panose="02000000000000000000" pitchFamily="2" charset="0"/>
+              </a:rPr>
+              <a:t>Extensión</a:t>
+            </a:r>
+            <a:r>
+              <a:rPr lang="es-MX" sz="3000" dirty="0" smtClean="0">
+                <a:solidFill>
+                  <a:schemeClr val="accent4">
+                    <a:lumMod val="60000"/>
+                    <a:lumOff val="40000"/>
+                  </a:schemeClr>
+                </a:solidFill>
+                <a:latin typeface="Roboto Medium" panose="02000000000000000000" pitchFamily="2" charset="0"/>
+                <a:ea typeface="Roboto Medium" panose="02000000000000000000" pitchFamily="2" charset="0"/>
+              </a:rPr>
+              <a:t> .md</a:t>
+            </a:r>
+            <a:endParaRPr lang="es-MX" sz="3000" dirty="0">
+              <a:solidFill>
+                <a:schemeClr val="accent4">
+                  <a:lumMod val="60000"/>
+                  <a:lumOff val="40000"/>
+                </a:schemeClr>
+              </a:solidFill>
+              <a:latin typeface="Roboto Medium" panose="02000000000000000000" pitchFamily="2" charset="0"/>
+              <a:ea typeface="Roboto Medium" panose="02000000000000000000" pitchFamily="2" charset="0"/>
+            </a:endParaRPr>
+          </a:p>
+        </p:txBody>
+      </p:sp>
+      <p:sp>
+        <p:nvSpPr>
+          <p:cNvPr id="5" name="Rectángulo 4"/>
+          <p:cNvSpPr/>
+          <p:nvPr/>
+        </p:nvSpPr>
+        <p:spPr>
+          <a:xfrm>
+            <a:off x="9176657" y="6304227"/>
+            <a:ext cx="2951449" cy="369332"/>
+          </a:xfrm>
+          <a:prstGeom prst="rect">
+            <a:avLst/>
+          </a:prstGeom>
+        </p:spPr>
+        <p:txBody>
+          <a:bodyPr wrap="none">
+            <a:spAutoFit/>
+          </a:bodyPr>
+          <a:lstStyle/>
+          <a:p>
+            <a:r>
+              <a:rPr lang="es-MX" dirty="0">
+                <a:solidFill>
+                  <a:schemeClr val="bg1">
+                    <a:lumMod val="95000"/>
+                  </a:schemeClr>
+                </a:solidFill>
+                <a:latin typeface="Roboto" panose="02000000000000000000" pitchFamily="2" charset="0"/>
+                <a:ea typeface="Roboto" panose="02000000000000000000" pitchFamily="2" charset="0"/>
+              </a:rPr>
+              <a:t>markdownlivepreview.com</a:t>
+            </a:r>
+          </a:p>
+        </p:txBody>
+      </p:sp>
+    </p:spTree>
+    <p:extLst>
+      <p:ext uri="{BB962C8B-B14F-4D97-AF65-F5344CB8AC3E}">
+        <p14:creationId xmlns:p14="http://schemas.microsoft.com/office/powerpoint/2010/main" val="1571279858"/>
+      </p:ext>
+    </p:extLst>
+  </p:cSld>
+  <p:clrMapOvr>
+    <a:masterClrMapping/>
+  </p:clrMapOvr>
+  <p:timing>
+    <p:tnLst>
+      <p:par>
+        <p:cTn id="1" dur="indefinite" restart="never" nodeType="tmRoot"/>
+      </p:par>
+    </p:tnLst>
+  </p:timing>
+</p:sld>
+</file>
+
+<file path=ppt/slides/slide19.xml><?xml version="1.0" encoding="utf-8"?>
+<p:sld xmlns:a="http://schemas.openxmlformats.org/drawingml/2006/main" xmlns:r="http://schemas.openxmlformats.org/officeDocument/2006/relationships" xmlns:p="http://schemas.openxmlformats.org/presentationml/2006/main">
+  <p:cSld>
+    <p:bg>
+      <p:bgPr>
+        <a:solidFill>
+          <a:srgbClr val="1ABC9C"/>
+        </a:solidFill>
+        <a:effectLst/>
+      </p:bgPr>
+    </p:bg>
+    <p:spTree>
+      <p:nvGrpSpPr>
+        <p:cNvPr id="1" name=""/>
+        <p:cNvGrpSpPr/>
+        <p:nvPr/>
+      </p:nvGrpSpPr>
+      <p:grpSpPr>
+        <a:xfrm>
+          <a:off x="0" y="0"/>
+          <a:ext cx="0" cy="0"/>
+          <a:chOff x="0" y="0"/>
+          <a:chExt cx="0" cy="0"/>
+        </a:xfrm>
+      </p:grpSpPr>
+      <p:sp>
+        <p:nvSpPr>
+          <p:cNvPr id="2" name="CuadroTexto 1"/>
+          <p:cNvSpPr txBox="1"/>
+          <p:nvPr/>
+        </p:nvSpPr>
+        <p:spPr>
+          <a:xfrm>
+            <a:off x="481485" y="538431"/>
+            <a:ext cx="5366865" cy="707886"/>
+          </a:xfrm>
+          <a:prstGeom prst="rect">
+            <a:avLst/>
+          </a:prstGeom>
+          <a:noFill/>
+        </p:spPr>
+        <p:txBody>
+          <a:bodyPr wrap="square" rtlCol="0">
+            <a:spAutoFit/>
+          </a:bodyPr>
+          <a:lstStyle/>
+          <a:p>
+            <a:pPr algn="ctr"/>
+            <a:r>
+              <a:rPr lang="es-MX" sz="4000" dirty="0">
+                <a:solidFill>
+                  <a:schemeClr val="bg1"/>
+                </a:solidFill>
+                <a:latin typeface="Roboto Black" panose="02000000000000000000" pitchFamily="2" charset="0"/>
+                <a:ea typeface="Roboto Black" panose="02000000000000000000" pitchFamily="2" charset="0"/>
+              </a:rPr>
+              <a:t>Elementos principales</a:t>
+            </a:r>
+          </a:p>
+        </p:txBody>
+      </p:sp>
+      <p:sp>
+        <p:nvSpPr>
+          <p:cNvPr id="3" name="CuadroTexto 2"/>
+          <p:cNvSpPr txBox="1"/>
+          <p:nvPr/>
+        </p:nvSpPr>
+        <p:spPr>
+          <a:xfrm flipH="1">
+            <a:off x="1064887" y="1543050"/>
+            <a:ext cx="9662252" cy="5038725"/>
+          </a:xfrm>
+          <a:prstGeom prst="rect">
+            <a:avLst/>
+          </a:prstGeom>
+          <a:noFill/>
+        </p:spPr>
+        <p:txBody>
+          <a:bodyPr wrap="square" rtlCol="0">
+            <a:noAutofit/>
+          </a:bodyPr>
+          <a:lstStyle/>
+          <a:p>
+            <a:r>
+              <a:rPr lang="es-MX" sz="3000" dirty="0" err="1" smtClean="0">
+                <a:solidFill>
+                  <a:schemeClr val="accent4">
+                    <a:lumMod val="60000"/>
+                    <a:lumOff val="40000"/>
+                  </a:schemeClr>
+                </a:solidFill>
+                <a:latin typeface="Roboto Medium" panose="02000000000000000000" pitchFamily="2" charset="0"/>
+                <a:ea typeface="Roboto Medium" panose="02000000000000000000" pitchFamily="2" charset="0"/>
+              </a:rPr>
+              <a:t>Blockquotes</a:t>
+            </a:r>
+            <a:endParaRPr lang="es-MX" sz="3000" dirty="0">
+              <a:solidFill>
+                <a:schemeClr val="accent4">
+                  <a:lumMod val="60000"/>
+                  <a:lumOff val="40000"/>
+                </a:schemeClr>
+              </a:solidFill>
+              <a:latin typeface="Roboto Medium" panose="02000000000000000000" pitchFamily="2" charset="0"/>
+              <a:ea typeface="Roboto Medium" panose="02000000000000000000" pitchFamily="2" charset="0"/>
+            </a:endParaRPr>
+          </a:p>
+          <a:p>
+            <a:r>
+              <a:rPr lang="es-MX" sz="2400" dirty="0">
+                <a:solidFill>
+                  <a:schemeClr val="bg1">
+                    <a:lumMod val="95000"/>
+                  </a:schemeClr>
+                </a:solidFill>
+                <a:latin typeface="Roboto" panose="02000000000000000000" pitchFamily="2" charset="0"/>
+                <a:ea typeface="Roboto" panose="02000000000000000000" pitchFamily="2" charset="0"/>
+              </a:rPr>
+              <a:t>	</a:t>
+            </a:r>
+            <a:r>
+              <a:rPr lang="es-MX" sz="2400" dirty="0" smtClean="0">
+                <a:solidFill>
+                  <a:schemeClr val="bg1">
+                    <a:lumMod val="95000"/>
+                  </a:schemeClr>
+                </a:solidFill>
+                <a:latin typeface="Roboto" panose="02000000000000000000" pitchFamily="2" charset="0"/>
+                <a:ea typeface="Roboto" panose="02000000000000000000" pitchFamily="2" charset="0"/>
+              </a:rPr>
+              <a:t>&gt; Texto</a:t>
+            </a:r>
+          </a:p>
+          <a:p>
+            <a:endParaRPr lang="es-MX" sz="2400" dirty="0">
+              <a:solidFill>
+                <a:schemeClr val="bg1">
+                  <a:lumMod val="95000"/>
+                </a:schemeClr>
+              </a:solidFill>
+              <a:latin typeface="Roboto" panose="02000000000000000000" pitchFamily="2" charset="0"/>
+              <a:ea typeface="Roboto" panose="02000000000000000000" pitchFamily="2" charset="0"/>
+            </a:endParaRPr>
+          </a:p>
+          <a:p>
+            <a:r>
+              <a:rPr lang="es-MX" sz="3000" dirty="0">
+                <a:solidFill>
+                  <a:schemeClr val="accent4">
+                    <a:lumMod val="60000"/>
+                    <a:lumOff val="40000"/>
+                  </a:schemeClr>
+                </a:solidFill>
+                <a:latin typeface="Roboto Medium" panose="02000000000000000000" pitchFamily="2" charset="0"/>
+                <a:ea typeface="Roboto Medium" panose="02000000000000000000" pitchFamily="2" charset="0"/>
+              </a:rPr>
+              <a:t>Línea de </a:t>
+            </a:r>
+            <a:r>
+              <a:rPr lang="es-MX" sz="3000" dirty="0" smtClean="0">
+                <a:solidFill>
+                  <a:schemeClr val="accent4">
+                    <a:lumMod val="60000"/>
+                    <a:lumOff val="40000"/>
+                  </a:schemeClr>
+                </a:solidFill>
+                <a:latin typeface="Roboto Medium" panose="02000000000000000000" pitchFamily="2" charset="0"/>
+                <a:ea typeface="Roboto Medium" panose="02000000000000000000" pitchFamily="2" charset="0"/>
+              </a:rPr>
+              <a:t>división</a:t>
+            </a:r>
+          </a:p>
+          <a:p>
+            <a:r>
+              <a:rPr lang="es-MX" sz="3000" dirty="0">
+                <a:solidFill>
+                  <a:schemeClr val="accent4">
+                    <a:lumMod val="60000"/>
+                    <a:lumOff val="40000"/>
+                  </a:schemeClr>
+                </a:solidFill>
+                <a:latin typeface="Roboto Medium" panose="02000000000000000000" pitchFamily="2" charset="0"/>
+                <a:ea typeface="Roboto Medium" panose="02000000000000000000" pitchFamily="2" charset="0"/>
+              </a:rPr>
+              <a:t>	</a:t>
+            </a:r>
+            <a:r>
+              <a:rPr lang="es-MX" sz="2400" dirty="0">
+                <a:solidFill>
+                  <a:schemeClr val="bg1">
+                    <a:lumMod val="95000"/>
+                  </a:schemeClr>
+                </a:solidFill>
+                <a:latin typeface="Roboto" panose="02000000000000000000" pitchFamily="2" charset="0"/>
+                <a:ea typeface="Roboto" panose="02000000000000000000" pitchFamily="2" charset="0"/>
+              </a:rPr>
+              <a:t>---	ó *** ó </a:t>
+            </a:r>
+            <a:r>
+              <a:rPr lang="es-MX" sz="2400" dirty="0" smtClean="0">
+                <a:solidFill>
+                  <a:schemeClr val="bg1">
+                    <a:lumMod val="95000"/>
+                  </a:schemeClr>
+                </a:solidFill>
+                <a:latin typeface="Roboto" panose="02000000000000000000" pitchFamily="2" charset="0"/>
+                <a:ea typeface="Roboto" panose="02000000000000000000" pitchFamily="2" charset="0"/>
+              </a:rPr>
+              <a:t>___					</a:t>
+            </a:r>
+            <a:r>
+              <a:rPr lang="es-MX" sz="2400" b="1" dirty="0" smtClean="0">
+                <a:solidFill>
+                  <a:srgbClr val="F7B731"/>
+                </a:solidFill>
+                <a:latin typeface="Roboto" panose="02000000000000000000" pitchFamily="2" charset="0"/>
+                <a:ea typeface="Roboto" panose="02000000000000000000" pitchFamily="2" charset="0"/>
+              </a:rPr>
+              <a:t>tres </a:t>
+            </a:r>
+            <a:r>
+              <a:rPr lang="es-MX" sz="2400" b="1" dirty="0">
+                <a:solidFill>
+                  <a:srgbClr val="F7B731"/>
+                </a:solidFill>
+                <a:latin typeface="Roboto" panose="02000000000000000000" pitchFamily="2" charset="0"/>
+                <a:ea typeface="Roboto" panose="02000000000000000000" pitchFamily="2" charset="0"/>
+              </a:rPr>
+              <a:t>o </a:t>
+            </a:r>
+            <a:r>
+              <a:rPr lang="es-MX" sz="2400" b="1" dirty="0" smtClean="0">
+                <a:solidFill>
+                  <a:srgbClr val="F7B731"/>
+                </a:solidFill>
+                <a:latin typeface="Roboto" panose="02000000000000000000" pitchFamily="2" charset="0"/>
+                <a:ea typeface="Roboto" panose="02000000000000000000" pitchFamily="2" charset="0"/>
+              </a:rPr>
+              <a:t>más</a:t>
+            </a:r>
+          </a:p>
+          <a:p>
+            <a:endParaRPr lang="es-MX" sz="2400" dirty="0">
+              <a:solidFill>
+                <a:schemeClr val="accent6">
+                  <a:lumMod val="40000"/>
+                  <a:lumOff val="60000"/>
+                </a:schemeClr>
+              </a:solidFill>
+              <a:latin typeface="Roboto" panose="02000000000000000000" pitchFamily="2" charset="0"/>
+              <a:ea typeface="Roboto" panose="02000000000000000000" pitchFamily="2" charset="0"/>
+            </a:endParaRPr>
+          </a:p>
+          <a:p>
+            <a:r>
+              <a:rPr lang="es-MX" sz="2400" dirty="0" smtClean="0">
+                <a:solidFill>
+                  <a:schemeClr val="accent4">
+                    <a:lumMod val="60000"/>
+                    <a:lumOff val="40000"/>
+                  </a:schemeClr>
+                </a:solidFill>
+                <a:latin typeface="Roboto Medium" panose="02000000000000000000" pitchFamily="2" charset="0"/>
+                <a:ea typeface="Roboto Medium" panose="02000000000000000000" pitchFamily="2" charset="0"/>
+              </a:rPr>
+              <a:t>Tabla</a:t>
+            </a:r>
+          </a:p>
+          <a:p>
+            <a:r>
+              <a:rPr lang="es-MX" sz="2400" dirty="0">
+                <a:solidFill>
+                  <a:schemeClr val="accent6">
+                    <a:lumMod val="40000"/>
+                    <a:lumOff val="60000"/>
+                  </a:schemeClr>
+                </a:solidFill>
+                <a:latin typeface="Roboto" panose="02000000000000000000" pitchFamily="2" charset="0"/>
+                <a:ea typeface="Roboto" panose="02000000000000000000" pitchFamily="2" charset="0"/>
+              </a:rPr>
+              <a:t>	</a:t>
+            </a:r>
+            <a:r>
+              <a:rPr lang="es-MX" sz="2400" dirty="0">
+                <a:solidFill>
+                  <a:schemeClr val="bg1">
+                    <a:lumMod val="95000"/>
+                  </a:schemeClr>
+                </a:solidFill>
+                <a:latin typeface="Roboto" panose="02000000000000000000" pitchFamily="2" charset="0"/>
+                <a:ea typeface="Roboto" panose="02000000000000000000" pitchFamily="2" charset="0"/>
+              </a:rPr>
+              <a:t>Primer columna | Segunda columna</a:t>
+            </a:r>
+          </a:p>
+          <a:p>
+            <a:r>
+              <a:rPr lang="es-MX" sz="2400" dirty="0">
+                <a:solidFill>
+                  <a:schemeClr val="bg1">
+                    <a:lumMod val="95000"/>
+                  </a:schemeClr>
+                </a:solidFill>
+                <a:latin typeface="Roboto" panose="02000000000000000000" pitchFamily="2" charset="0"/>
+                <a:ea typeface="Roboto" panose="02000000000000000000" pitchFamily="2" charset="0"/>
+              </a:rPr>
+              <a:t>	--- | ---</a:t>
+            </a:r>
+          </a:p>
+          <a:p>
+            <a:r>
+              <a:rPr lang="es-MX" sz="2400" dirty="0">
+                <a:solidFill>
+                  <a:schemeClr val="bg1">
+                    <a:lumMod val="95000"/>
+                  </a:schemeClr>
+                </a:solidFill>
+                <a:latin typeface="Roboto" panose="02000000000000000000" pitchFamily="2" charset="0"/>
+                <a:ea typeface="Roboto" panose="02000000000000000000" pitchFamily="2" charset="0"/>
+              </a:rPr>
+              <a:t>	fila1 | fila</a:t>
+            </a:r>
+          </a:p>
+        </p:txBody>
+      </p:sp>
+      <p:sp>
+        <p:nvSpPr>
+          <p:cNvPr id="5" name="CuadroTexto 4"/>
+          <p:cNvSpPr txBox="1"/>
+          <p:nvPr/>
+        </p:nvSpPr>
+        <p:spPr>
+          <a:xfrm flipH="1">
+            <a:off x="9832916" y="5902510"/>
+            <a:ext cx="2359084" cy="553998"/>
+          </a:xfrm>
+          <a:prstGeom prst="rect">
+            <a:avLst/>
+          </a:prstGeom>
+          <a:noFill/>
+        </p:spPr>
+        <p:txBody>
+          <a:bodyPr wrap="square" rtlCol="0">
+            <a:spAutoFit/>
+          </a:bodyPr>
+          <a:lstStyle/>
+          <a:p>
+            <a:r>
+              <a:rPr lang="es-MX" sz="2400" dirty="0">
+                <a:solidFill>
+                  <a:schemeClr val="bg1">
+                    <a:lumMod val="95000"/>
+                  </a:schemeClr>
+                </a:solidFill>
+                <a:latin typeface="Roboto" panose="02000000000000000000" pitchFamily="2" charset="0"/>
+                <a:ea typeface="Roboto" panose="02000000000000000000" pitchFamily="2" charset="0"/>
+              </a:rPr>
+              <a:t>Extensión</a:t>
+            </a:r>
+            <a:r>
+              <a:rPr lang="es-MX" sz="3000" dirty="0" smtClean="0">
+                <a:solidFill>
+                  <a:schemeClr val="accent4">
+                    <a:lumMod val="60000"/>
+                    <a:lumOff val="40000"/>
+                  </a:schemeClr>
+                </a:solidFill>
+                <a:latin typeface="Roboto Medium" panose="02000000000000000000" pitchFamily="2" charset="0"/>
+                <a:ea typeface="Roboto Medium" panose="02000000000000000000" pitchFamily="2" charset="0"/>
+              </a:rPr>
+              <a:t> .md</a:t>
+            </a:r>
+            <a:endParaRPr lang="es-MX" sz="3000" dirty="0">
+              <a:solidFill>
+                <a:schemeClr val="accent4">
+                  <a:lumMod val="60000"/>
+                  <a:lumOff val="40000"/>
+                </a:schemeClr>
+              </a:solidFill>
+              <a:latin typeface="Roboto Medium" panose="02000000000000000000" pitchFamily="2" charset="0"/>
+              <a:ea typeface="Roboto Medium" panose="02000000000000000000" pitchFamily="2" charset="0"/>
+            </a:endParaRPr>
+          </a:p>
+        </p:txBody>
+      </p:sp>
+      <p:sp>
+        <p:nvSpPr>
+          <p:cNvPr id="6" name="Rectángulo 5"/>
+          <p:cNvSpPr/>
+          <p:nvPr/>
+        </p:nvSpPr>
+        <p:spPr>
+          <a:xfrm>
+            <a:off x="9176657" y="6304227"/>
+            <a:ext cx="2951449" cy="369332"/>
+          </a:xfrm>
+          <a:prstGeom prst="rect">
+            <a:avLst/>
+          </a:prstGeom>
+        </p:spPr>
+        <p:txBody>
+          <a:bodyPr wrap="none">
+            <a:spAutoFit/>
+          </a:bodyPr>
+          <a:lstStyle/>
+          <a:p>
+            <a:r>
+              <a:rPr lang="es-MX" dirty="0">
+                <a:solidFill>
+                  <a:schemeClr val="bg1">
+                    <a:lumMod val="95000"/>
+                  </a:schemeClr>
+                </a:solidFill>
+                <a:latin typeface="Roboto" panose="02000000000000000000" pitchFamily="2" charset="0"/>
+                <a:ea typeface="Roboto" panose="02000000000000000000" pitchFamily="2" charset="0"/>
+              </a:rPr>
+              <a:t>markdownlivepreview.com</a:t>
+            </a:r>
+          </a:p>
+        </p:txBody>
+      </p:sp>
+    </p:spTree>
+    <p:extLst>
+      <p:ext uri="{BB962C8B-B14F-4D97-AF65-F5344CB8AC3E}">
+        <p14:creationId xmlns:p14="http://schemas.microsoft.com/office/powerpoint/2010/main" val="3464498596"/>
+      </p:ext>
+    </p:extLst>
+  </p:cSld>
+  <p:clrMapOvr>
+    <a:masterClrMapping/>
+  </p:clrMapOvr>
+  <p:timing>
+    <p:tnLst>
+      <p:par>
+        <p:cTn id="1" dur="indefinite" restart="never" nodeType="tmRoot"/>
+      </p:par>
+    </p:tnLst>
+  </p:timing>
+</p:sld>
+</file>
+
 <file path=ppt/slides/slide2.xml><?xml version="1.0" encoding="utf-8"?>
 <p:sld xmlns:a="http://schemas.openxmlformats.org/drawingml/2006/main" xmlns:r="http://schemas.openxmlformats.org/officeDocument/2006/relationships" xmlns:p="http://schemas.openxmlformats.org/presentationml/2006/main">
   <p:cSld>
@@ -3287,7 +8951,7 @@
 </p:sld>
 </file>
 
-<file path=ppt/slides/slide3.xml><?xml version="1.0" encoding="utf-8"?>
+<file path=ppt/slides/slide20.xml><?xml version="1.0" encoding="utf-8"?>
 <p:sld xmlns:a="http://schemas.openxmlformats.org/drawingml/2006/main" xmlns:r="http://schemas.openxmlformats.org/officeDocument/2006/relationships" xmlns:p="http://schemas.openxmlformats.org/presentationml/2006/main">
   <p:cSld>
     <p:spTree>
@@ -3304,66 +8968,95 @@
           <a:chExt cx="0" cy="0"/>
         </a:xfrm>
       </p:grpSpPr>
+      <p:pic>
+        <p:nvPicPr>
+          <p:cNvPr id="3074" name="Picture 2" descr="Resultado de imagen para github student pack"/>
+          <p:cNvPicPr>
+            <a:picLocks noChangeAspect="1" noChangeArrowheads="1"/>
+          </p:cNvPicPr>
+          <p:nvPr/>
+        </p:nvPicPr>
+        <p:blipFill>
+          <a:blip r:embed="rId2">
+            <a:extLst>
+              <a:ext uri="{28A0092B-C50C-407E-A947-70E740481C1C}">
+                <a14:useLocalDpi xmlns:a14="http://schemas.microsoft.com/office/drawing/2010/main" val="0"/>
+              </a:ext>
+            </a:extLst>
+          </a:blip>
+          <a:srcRect/>
+          <a:stretch>
+            <a:fillRect/>
+          </a:stretch>
+        </p:blipFill>
+        <p:spPr bwMode="auto">
+          <a:xfrm>
+            <a:off x="4607768" y="1714229"/>
+            <a:ext cx="2976465" cy="3429543"/>
+          </a:xfrm>
+          <a:prstGeom prst="rect">
+            <a:avLst/>
+          </a:prstGeom>
+          <a:noFill/>
+          <a:extLst>
+            <a:ext uri="{909E8E84-426E-40DD-AFC4-6F175D3DCCD1}">
+              <a14:hiddenFill xmlns:a14="http://schemas.microsoft.com/office/drawing/2010/main">
+                <a:solidFill>
+                  <a:srgbClr val="FFFFFF"/>
+                </a:solidFill>
+              </a14:hiddenFill>
+            </a:ext>
+          </a:extLst>
+        </p:spPr>
+      </p:pic>
       <p:sp>
         <p:nvSpPr>
-          <p:cNvPr id="2" name="Título 1"/>
-          <p:cNvSpPr>
-            <a:spLocks noGrp="1"/>
-          </p:cNvSpPr>
-          <p:nvPr>
-            <p:ph type="title"/>
-          </p:nvPr>
+          <p:cNvPr id="2" name="CuadroTexto 1"/>
+          <p:cNvSpPr txBox="1"/>
+          <p:nvPr/>
         </p:nvSpPr>
         <p:spPr>
           <a:xfrm>
-            <a:off x="2999603" y="2320282"/>
-            <a:ext cx="6192795" cy="2217437"/>
+            <a:off x="4408679" y="5143772"/>
+            <a:ext cx="3374642" cy="400110"/>
           </a:xfrm>
+          <a:prstGeom prst="rect">
+            <a:avLst/>
+          </a:prstGeom>
+          <a:noFill/>
         </p:spPr>
         <p:txBody>
-          <a:bodyPr>
-            <a:noAutofit/>
+          <a:bodyPr wrap="none" rtlCol="0">
+            <a:spAutoFit/>
           </a:bodyPr>
           <a:lstStyle/>
           <a:p>
-            <a:pPr algn="ctr"/>
-            <a:r>
-              <a:rPr lang="es-MX" sz="8000" dirty="0" smtClean="0">
-                <a:solidFill>
-                  <a:srgbClr val="C00000"/>
-                </a:solidFill>
-                <a:latin typeface="Roboto" panose="02000000000000000000" pitchFamily="2" charset="0"/>
-                <a:ea typeface="Roboto" panose="02000000000000000000" pitchFamily="2" charset="0"/>
-              </a:rPr>
-              <a:t>Instalación </a:t>
-            </a:r>
-            <a:br>
-              <a:rPr lang="es-MX" sz="8000" dirty="0" smtClean="0">
-                <a:solidFill>
-                  <a:srgbClr val="C00000"/>
-                </a:solidFill>
-                <a:latin typeface="Roboto" panose="02000000000000000000" pitchFamily="2" charset="0"/>
-                <a:ea typeface="Roboto" panose="02000000000000000000" pitchFamily="2" charset="0"/>
-              </a:rPr>
-            </a:br>
-            <a:r>
-              <a:rPr lang="es-MX" sz="4000" dirty="0" smtClean="0">
-                <a:solidFill>
-                  <a:schemeClr val="bg1">
-                    <a:lumMod val="50000"/>
-                  </a:schemeClr>
-                </a:solidFill>
-                <a:latin typeface="Roboto" panose="02000000000000000000" pitchFamily="2" charset="0"/>
-                <a:ea typeface="Roboto" panose="02000000000000000000" pitchFamily="2" charset="0"/>
-              </a:rPr>
-              <a:t>git-scm.com</a:t>
-            </a:r>
-            <a:endParaRPr lang="es-MX" sz="4000" dirty="0">
+            <a:r>
+              <a:rPr lang="es-MX" sz="2000" dirty="0">
+                <a:solidFill>
+                  <a:srgbClr val="FDB02F"/>
+                </a:solidFill>
+                <a:latin typeface="Roboto" panose="02000000000000000000" pitchFamily="2" charset="0"/>
+                <a:ea typeface="Roboto" panose="02000000000000000000" pitchFamily="2" charset="0"/>
+              </a:rPr>
+              <a:t>e</a:t>
+            </a:r>
+            <a:r>
+              <a:rPr lang="es-MX" sz="2000" dirty="0" smtClean="0">
+                <a:solidFill>
+                  <a:srgbClr val="FDB02F"/>
+                </a:solidFill>
+                <a:latin typeface="Roboto" panose="02000000000000000000" pitchFamily="2" charset="0"/>
+                <a:ea typeface="Roboto" panose="02000000000000000000" pitchFamily="2" charset="0"/>
+              </a:rPr>
+              <a:t>ducation.github.com/pack</a:t>
+            </a:r>
+            <a:endParaRPr lang="es-MX" sz="2000" dirty="0">
               <a:solidFill>
-                <a:schemeClr val="bg1">
-                  <a:lumMod val="50000"/>
-                </a:schemeClr>
+                <a:srgbClr val="FDB02F"/>
               </a:solidFill>
+              <a:latin typeface="Roboto" panose="02000000000000000000" pitchFamily="2" charset="0"/>
+              <a:ea typeface="Roboto" panose="02000000000000000000" pitchFamily="2" charset="0"/>
             </a:endParaRPr>
           </a:p>
         </p:txBody>
@@ -3371,7 +9064,7 @@
     </p:spTree>
     <p:extLst>
       <p:ext uri="{BB962C8B-B14F-4D97-AF65-F5344CB8AC3E}">
-        <p14:creationId xmlns:p14="http://schemas.microsoft.com/office/powerpoint/2010/main" val="3342677879"/>
+        <p14:creationId xmlns:p14="http://schemas.microsoft.com/office/powerpoint/2010/main" val="769136422"/>
       </p:ext>
     </p:extLst>
   </p:cSld>
@@ -3388,427 +9081,7 @@
 </p:sld>
 </file>
 
-<file path=ppt/slides/slide4.xml><?xml version="1.0" encoding="utf-8"?>
-<p:sld xmlns:a="http://schemas.openxmlformats.org/drawingml/2006/main" xmlns:r="http://schemas.openxmlformats.org/officeDocument/2006/relationships" xmlns:p="http://schemas.openxmlformats.org/presentationml/2006/main">
-  <p:cSld>
-    <p:spTree>
-      <p:nvGrpSpPr>
-        <p:cNvPr id="1" name=""/>
-        <p:cNvGrpSpPr/>
-        <p:nvPr/>
-      </p:nvGrpSpPr>
-      <p:grpSpPr>
-        <a:xfrm>
-          <a:off x="0" y="0"/>
-          <a:ext cx="0" cy="0"/>
-          <a:chOff x="0" y="0"/>
-          <a:chExt cx="0" cy="0"/>
-        </a:xfrm>
-      </p:grpSpPr>
-      <p:sp>
-        <p:nvSpPr>
-          <p:cNvPr id="2" name="Título 1"/>
-          <p:cNvSpPr>
-            <a:spLocks noGrp="1"/>
-          </p:cNvSpPr>
-          <p:nvPr>
-            <p:ph type="title"/>
-          </p:nvPr>
-        </p:nvSpPr>
-        <p:spPr/>
-        <p:txBody>
-          <a:bodyPr/>
-          <a:lstStyle/>
-          <a:p>
-            <a:r>
-              <a:rPr lang="es-MX" sz="5000" dirty="0" err="1">
-                <a:solidFill>
-                  <a:srgbClr val="C00000"/>
-                </a:solidFill>
-                <a:latin typeface="Roboto Black" panose="02000000000000000000" pitchFamily="2" charset="0"/>
-                <a:ea typeface="Roboto Black" panose="02000000000000000000" pitchFamily="2" charset="0"/>
-              </a:rPr>
-              <a:t>Config</a:t>
-            </a:r>
-            <a:r>
-              <a:rPr lang="es-MX" sz="5000" dirty="0" smtClean="0">
-                <a:solidFill>
-                  <a:srgbClr val="6A3093"/>
-                </a:solidFill>
-                <a:latin typeface="Roboto" panose="02000000000000000000" pitchFamily="2" charset="0"/>
-                <a:ea typeface="Roboto" panose="02000000000000000000" pitchFamily="2" charset="0"/>
-              </a:rPr>
-              <a:t> </a:t>
-            </a:r>
-            <a:r>
-              <a:rPr lang="es-MX" sz="2000" dirty="0" smtClean="0">
-                <a:solidFill>
-                  <a:schemeClr val="bg1">
-                    <a:lumMod val="50000"/>
-                  </a:schemeClr>
-                </a:solidFill>
-                <a:latin typeface="Roboto" panose="02000000000000000000" pitchFamily="2" charset="0"/>
-                <a:ea typeface="Roboto" panose="02000000000000000000" pitchFamily="2" charset="0"/>
-              </a:rPr>
-              <a:t>[</a:t>
-            </a:r>
-            <a:r>
-              <a:rPr lang="es-MX" sz="2000" dirty="0" err="1" smtClean="0">
-                <a:solidFill>
-                  <a:schemeClr val="bg1">
-                    <a:lumMod val="50000"/>
-                  </a:schemeClr>
-                </a:solidFill>
-                <a:latin typeface="Roboto" panose="02000000000000000000" pitchFamily="2" charset="0"/>
-                <a:ea typeface="Roboto" panose="02000000000000000000" pitchFamily="2" charset="0"/>
-              </a:rPr>
-              <a:t>git</a:t>
-            </a:r>
-            <a:r>
-              <a:rPr lang="es-MX" sz="2000" dirty="0" smtClean="0">
-                <a:solidFill>
-                  <a:schemeClr val="bg1">
-                    <a:lumMod val="50000"/>
-                  </a:schemeClr>
-                </a:solidFill>
-                <a:latin typeface="Roboto" panose="02000000000000000000" pitchFamily="2" charset="0"/>
-                <a:ea typeface="Roboto" panose="02000000000000000000" pitchFamily="2" charset="0"/>
-              </a:rPr>
-              <a:t>] </a:t>
-            </a:r>
-            <a:endParaRPr lang="es-MX" sz="2000" dirty="0">
-              <a:solidFill>
-                <a:schemeClr val="bg1">
-                  <a:lumMod val="50000"/>
-                </a:schemeClr>
-              </a:solidFill>
-              <a:latin typeface="Roboto" panose="02000000000000000000" pitchFamily="2" charset="0"/>
-              <a:ea typeface="Roboto" panose="02000000000000000000" pitchFamily="2" charset="0"/>
-            </a:endParaRPr>
-          </a:p>
-        </p:txBody>
-      </p:sp>
-      <p:sp>
-        <p:nvSpPr>
-          <p:cNvPr id="3" name="Marcador de contenido 2"/>
-          <p:cNvSpPr>
-            <a:spLocks noGrp="1"/>
-          </p:cNvSpPr>
-          <p:nvPr>
-            <p:ph idx="1"/>
-          </p:nvPr>
-        </p:nvSpPr>
-        <p:spPr>
-          <a:xfrm>
-            <a:off x="838200" y="2333840"/>
-            <a:ext cx="10515600" cy="2190321"/>
-          </a:xfrm>
-        </p:spPr>
-        <p:txBody>
-          <a:bodyPr>
-            <a:noAutofit/>
-          </a:bodyPr>
-          <a:lstStyle/>
-          <a:p>
-            <a:pPr marL="0" indent="0">
-              <a:buNone/>
-            </a:pPr>
-            <a:r>
-              <a:rPr lang="es-MX" sz="2200" dirty="0" smtClean="0">
-                <a:solidFill>
-                  <a:schemeClr val="bg1">
-                    <a:lumMod val="75000"/>
-                  </a:schemeClr>
-                </a:solidFill>
-                <a:latin typeface="Roboto" panose="02000000000000000000" pitchFamily="2" charset="0"/>
-                <a:ea typeface="Roboto" panose="02000000000000000000" pitchFamily="2" charset="0"/>
-              </a:rPr>
-              <a:t>Configuración de nombre</a:t>
-            </a:r>
-          </a:p>
-          <a:p>
-            <a:pPr marL="0" indent="0">
-              <a:buNone/>
-            </a:pPr>
-            <a:r>
-              <a:rPr lang="es-MX" sz="2400" dirty="0" err="1" smtClean="0">
-                <a:solidFill>
-                  <a:srgbClr val="4B6584"/>
-                </a:solidFill>
-                <a:latin typeface="Roboto" panose="02000000000000000000" pitchFamily="2" charset="0"/>
-                <a:ea typeface="Roboto" panose="02000000000000000000" pitchFamily="2" charset="0"/>
-              </a:rPr>
-              <a:t>git</a:t>
-            </a:r>
-            <a:r>
-              <a:rPr lang="es-MX" sz="2400" dirty="0" smtClean="0">
-                <a:solidFill>
-                  <a:srgbClr val="4B6584"/>
-                </a:solidFill>
-                <a:latin typeface="Roboto" panose="02000000000000000000" pitchFamily="2" charset="0"/>
-                <a:ea typeface="Roboto" panose="02000000000000000000" pitchFamily="2" charset="0"/>
-              </a:rPr>
-              <a:t> </a:t>
-            </a:r>
-            <a:r>
-              <a:rPr lang="es-MX" sz="2400" dirty="0" err="1">
-                <a:solidFill>
-                  <a:srgbClr val="4B6584"/>
-                </a:solidFill>
-                <a:latin typeface="Roboto" panose="02000000000000000000" pitchFamily="2" charset="0"/>
-                <a:ea typeface="Roboto" panose="02000000000000000000" pitchFamily="2" charset="0"/>
-              </a:rPr>
-              <a:t>config</a:t>
-            </a:r>
-            <a:r>
-              <a:rPr lang="es-MX" sz="2400" dirty="0">
-                <a:solidFill>
-                  <a:srgbClr val="4B6584"/>
-                </a:solidFill>
-                <a:latin typeface="Roboto" panose="02000000000000000000" pitchFamily="2" charset="0"/>
-                <a:ea typeface="Roboto" panose="02000000000000000000" pitchFamily="2" charset="0"/>
-              </a:rPr>
-              <a:t> </a:t>
-            </a:r>
-            <a:r>
-              <a:rPr lang="es-MX" sz="2400" dirty="0" smtClean="0">
-                <a:solidFill>
-                  <a:srgbClr val="4B6584"/>
-                </a:solidFill>
-                <a:latin typeface="Roboto" panose="02000000000000000000" pitchFamily="2" charset="0"/>
-                <a:ea typeface="Roboto" panose="02000000000000000000" pitchFamily="2" charset="0"/>
-              </a:rPr>
-              <a:t>--global </a:t>
-            </a:r>
-            <a:r>
-              <a:rPr lang="es-MX" sz="2400" dirty="0">
-                <a:solidFill>
-                  <a:srgbClr val="4B6584"/>
-                </a:solidFill>
-                <a:latin typeface="Roboto" panose="02000000000000000000" pitchFamily="2" charset="0"/>
-                <a:ea typeface="Roboto" panose="02000000000000000000" pitchFamily="2" charset="0"/>
-              </a:rPr>
-              <a:t>user.name “</a:t>
-            </a:r>
-            <a:r>
-              <a:rPr lang="es-MX" sz="2000" dirty="0">
-                <a:solidFill>
-                  <a:srgbClr val="4B6584"/>
-                </a:solidFill>
-                <a:latin typeface="Roboto" panose="02000000000000000000" pitchFamily="2" charset="0"/>
-                <a:ea typeface="Roboto" panose="02000000000000000000" pitchFamily="2" charset="0"/>
-              </a:rPr>
-              <a:t>[</a:t>
-            </a:r>
-            <a:r>
-              <a:rPr lang="es-MX" sz="2400" dirty="0">
-                <a:solidFill>
-                  <a:srgbClr val="4B6584"/>
-                </a:solidFill>
-                <a:latin typeface="Roboto" panose="02000000000000000000" pitchFamily="2" charset="0"/>
-                <a:ea typeface="Roboto" panose="02000000000000000000" pitchFamily="2" charset="0"/>
-              </a:rPr>
-              <a:t>nombre</a:t>
-            </a:r>
-            <a:r>
-              <a:rPr lang="es-MX" sz="2000" dirty="0" smtClean="0">
-                <a:solidFill>
-                  <a:srgbClr val="4B6584"/>
-                </a:solidFill>
-                <a:latin typeface="Roboto" panose="02000000000000000000" pitchFamily="2" charset="0"/>
-                <a:ea typeface="Roboto" panose="02000000000000000000" pitchFamily="2" charset="0"/>
-              </a:rPr>
-              <a:t>]</a:t>
-            </a:r>
-            <a:r>
-              <a:rPr lang="es-MX" sz="2400" dirty="0" smtClean="0">
-                <a:solidFill>
-                  <a:srgbClr val="4B6584"/>
-                </a:solidFill>
-                <a:latin typeface="Roboto" panose="02000000000000000000" pitchFamily="2" charset="0"/>
-                <a:ea typeface="Roboto" panose="02000000000000000000" pitchFamily="2" charset="0"/>
-              </a:rPr>
-              <a:t>”</a:t>
-            </a:r>
-          </a:p>
-          <a:p>
-            <a:pPr marL="0" indent="0">
-              <a:buNone/>
-            </a:pPr>
-            <a:r>
-              <a:rPr lang="es-MX" dirty="0">
-                <a:solidFill>
-                  <a:schemeClr val="bg1">
-                    <a:lumMod val="50000"/>
-                  </a:schemeClr>
-                </a:solidFill>
-                <a:latin typeface="Roboto" panose="02000000000000000000" pitchFamily="2" charset="0"/>
-                <a:ea typeface="Roboto" panose="02000000000000000000" pitchFamily="2" charset="0"/>
-              </a:rPr>
-              <a:t/>
-            </a:r>
-            <a:br>
-              <a:rPr lang="es-MX" dirty="0">
-                <a:solidFill>
-                  <a:schemeClr val="bg1">
-                    <a:lumMod val="50000"/>
-                  </a:schemeClr>
-                </a:solidFill>
-                <a:latin typeface="Roboto" panose="02000000000000000000" pitchFamily="2" charset="0"/>
-                <a:ea typeface="Roboto" panose="02000000000000000000" pitchFamily="2" charset="0"/>
-              </a:rPr>
-            </a:br>
-            <a:r>
-              <a:rPr lang="es-MX" sz="2200" dirty="0">
-                <a:solidFill>
-                  <a:schemeClr val="bg1">
-                    <a:lumMod val="75000"/>
-                  </a:schemeClr>
-                </a:solidFill>
-                <a:latin typeface="Roboto" panose="02000000000000000000" pitchFamily="2" charset="0"/>
-                <a:ea typeface="Roboto" panose="02000000000000000000" pitchFamily="2" charset="0"/>
-              </a:rPr>
-              <a:t>Configuración de correo</a:t>
-            </a:r>
-          </a:p>
-          <a:p>
-            <a:pPr marL="0" indent="0">
-              <a:buNone/>
-            </a:pPr>
-            <a:r>
-              <a:rPr lang="es-MX" sz="2400" dirty="0" err="1">
-                <a:solidFill>
-                  <a:srgbClr val="4B6584"/>
-                </a:solidFill>
-                <a:latin typeface="Roboto" panose="02000000000000000000" pitchFamily="2" charset="0"/>
-                <a:ea typeface="Roboto" panose="02000000000000000000" pitchFamily="2" charset="0"/>
-              </a:rPr>
-              <a:t>git</a:t>
-            </a:r>
-            <a:r>
-              <a:rPr lang="es-MX" sz="2400" dirty="0">
-                <a:solidFill>
-                  <a:srgbClr val="4B6584"/>
-                </a:solidFill>
-                <a:latin typeface="Roboto" panose="02000000000000000000" pitchFamily="2" charset="0"/>
-                <a:ea typeface="Roboto" panose="02000000000000000000" pitchFamily="2" charset="0"/>
-              </a:rPr>
-              <a:t> </a:t>
-            </a:r>
-            <a:r>
-              <a:rPr lang="es-MX" sz="2400" dirty="0" err="1">
-                <a:solidFill>
-                  <a:srgbClr val="4B6584"/>
-                </a:solidFill>
-                <a:latin typeface="Roboto" panose="02000000000000000000" pitchFamily="2" charset="0"/>
-                <a:ea typeface="Roboto" panose="02000000000000000000" pitchFamily="2" charset="0"/>
-              </a:rPr>
-              <a:t>config</a:t>
-            </a:r>
-            <a:r>
-              <a:rPr lang="es-MX" sz="2400" dirty="0">
-                <a:solidFill>
-                  <a:srgbClr val="4B6584"/>
-                </a:solidFill>
-                <a:latin typeface="Roboto" panose="02000000000000000000" pitchFamily="2" charset="0"/>
-                <a:ea typeface="Roboto" panose="02000000000000000000" pitchFamily="2" charset="0"/>
-              </a:rPr>
-              <a:t> </a:t>
-            </a:r>
-            <a:r>
-              <a:rPr lang="es-MX" sz="2400" dirty="0" smtClean="0">
-                <a:solidFill>
-                  <a:srgbClr val="4B6584"/>
-                </a:solidFill>
-                <a:latin typeface="Roboto" panose="02000000000000000000" pitchFamily="2" charset="0"/>
-                <a:ea typeface="Roboto" panose="02000000000000000000" pitchFamily="2" charset="0"/>
-              </a:rPr>
-              <a:t>--global </a:t>
-            </a:r>
-            <a:r>
-              <a:rPr lang="es-MX" sz="2400" dirty="0" err="1">
-                <a:solidFill>
-                  <a:srgbClr val="4B6584"/>
-                </a:solidFill>
-                <a:latin typeface="Roboto" panose="02000000000000000000" pitchFamily="2" charset="0"/>
-                <a:ea typeface="Roboto" panose="02000000000000000000" pitchFamily="2" charset="0"/>
-              </a:rPr>
-              <a:t>user.email</a:t>
-            </a:r>
-            <a:r>
-              <a:rPr lang="es-MX" sz="2400" dirty="0">
-                <a:solidFill>
-                  <a:srgbClr val="4B6584"/>
-                </a:solidFill>
-                <a:latin typeface="Roboto" panose="02000000000000000000" pitchFamily="2" charset="0"/>
-                <a:ea typeface="Roboto" panose="02000000000000000000" pitchFamily="2" charset="0"/>
-              </a:rPr>
-              <a:t> “</a:t>
-            </a:r>
-            <a:r>
-              <a:rPr lang="es-MX" sz="2000" dirty="0">
-                <a:solidFill>
-                  <a:srgbClr val="4B6584"/>
-                </a:solidFill>
-                <a:latin typeface="Roboto" panose="02000000000000000000" pitchFamily="2" charset="0"/>
-                <a:ea typeface="Roboto" panose="02000000000000000000" pitchFamily="2" charset="0"/>
-              </a:rPr>
-              <a:t>[</a:t>
-            </a:r>
-            <a:r>
-              <a:rPr lang="es-MX" sz="2400" dirty="0">
-                <a:solidFill>
-                  <a:srgbClr val="4B6584"/>
-                </a:solidFill>
-                <a:latin typeface="Roboto" panose="02000000000000000000" pitchFamily="2" charset="0"/>
-                <a:ea typeface="Roboto" panose="02000000000000000000" pitchFamily="2" charset="0"/>
-              </a:rPr>
-              <a:t>email</a:t>
-            </a:r>
-            <a:r>
-              <a:rPr lang="es-MX" sz="2000" dirty="0">
-                <a:solidFill>
-                  <a:srgbClr val="4B6584"/>
-                </a:solidFill>
-                <a:latin typeface="Roboto" panose="02000000000000000000" pitchFamily="2" charset="0"/>
-                <a:ea typeface="Roboto" panose="02000000000000000000" pitchFamily="2" charset="0"/>
-              </a:rPr>
-              <a:t>]</a:t>
-            </a:r>
-            <a:r>
-              <a:rPr lang="es-MX" sz="2400" dirty="0">
-                <a:solidFill>
-                  <a:srgbClr val="4B6584"/>
-                </a:solidFill>
-                <a:latin typeface="Roboto" panose="02000000000000000000" pitchFamily="2" charset="0"/>
-                <a:ea typeface="Roboto" panose="02000000000000000000" pitchFamily="2" charset="0"/>
-              </a:rPr>
-              <a:t>”</a:t>
-            </a:r>
-          </a:p>
-        </p:txBody>
-      </p:sp>
-    </p:spTree>
-    <p:extLst>
-      <p:ext uri="{BB962C8B-B14F-4D97-AF65-F5344CB8AC3E}">
-        <p14:creationId xmlns:p14="http://schemas.microsoft.com/office/powerpoint/2010/main" val="1790058337"/>
-      </p:ext>
-    </p:extLst>
-  </p:cSld>
-  <p:clrMapOvr>
-    <a:masterClrMapping/>
-  </p:clrMapOvr>
-  <p:timing>
-    <p:tnLst>
-      <p:par>
-        <p:cTn id="1" dur="indefinite" restart="never" nodeType="tmRoot"/>
-      </p:par>
-    </p:tnLst>
-  </p:timing>
-</p:sld>
-</file>
-
-<file path=ppt/slides/slide5.xml><?xml version="1.0" encoding="utf-8"?>
+<file path=ppt/slides/slide21.xml><?xml version="1.0" encoding="utf-8"?>
 <p:sld xmlns:a="http://schemas.openxmlformats.org/drawingml/2006/main" xmlns:r="http://schemas.openxmlformats.org/officeDocument/2006/relationships" xmlns:p="http://schemas.openxmlformats.org/presentationml/2006/main">
   <p:cSld>
     <p:spTree>
@@ -3917,10 +9190,10 @@
         </p:nvGrpSpPr>
         <p:grpSpPr>
           <a:xfrm>
-            <a:off x="1090391" y="1605596"/>
-            <a:ext cx="10303827" cy="3723752"/>
+            <a:off x="1250323" y="1605596"/>
+            <a:ext cx="9691355" cy="3723752"/>
             <a:chOff x="1090391" y="1751618"/>
-            <a:chExt cx="10303827" cy="3723752"/>
+            <a:chExt cx="9691355" cy="3723752"/>
           </a:xfrm>
         </p:grpSpPr>
         <p:grpSp>
@@ -3932,9 +9205,9 @@
           <p:grpSpPr>
             <a:xfrm>
               <a:off x="1090391" y="1751618"/>
-              <a:ext cx="10303827" cy="3322761"/>
+              <a:ext cx="9691355" cy="3322761"/>
               <a:chOff x="644589" y="1751618"/>
-              <a:chExt cx="10303827" cy="3322761"/>
+              <a:chExt cx="9691355" cy="3322761"/>
             </a:xfrm>
           </p:grpSpPr>
           <p:grpSp>
@@ -4140,9 +9413,9 @@
             </p:nvGrpSpPr>
             <p:grpSpPr>
               <a:xfrm>
-                <a:off x="3715512" y="1751618"/>
+                <a:off x="3103040" y="1751618"/>
                 <a:ext cx="7232904" cy="3322761"/>
-                <a:chOff x="4959096" y="1966929"/>
+                <a:chOff x="4346624" y="1966929"/>
                 <a:chExt cx="7232904" cy="3322761"/>
               </a:xfrm>
             </p:grpSpPr>
@@ -4154,7 +9427,7 @@
               </p:nvSpPr>
               <p:spPr>
                 <a:xfrm>
-                  <a:off x="4959096" y="1966929"/>
+                  <a:off x="4346624" y="1966929"/>
                   <a:ext cx="7232904" cy="2877711"/>
                 </a:xfrm>
                 <a:prstGeom prst="rect">
@@ -4293,9 +9566,9 @@
               </p:nvGrpSpPr>
               <p:grpSpPr>
                 <a:xfrm>
-                  <a:off x="4959096" y="4789776"/>
+                  <a:off x="4346624" y="4789776"/>
                   <a:ext cx="3479202" cy="499914"/>
-                  <a:chOff x="4521708" y="3344055"/>
+                  <a:chOff x="3909236" y="3344055"/>
                   <a:chExt cx="3479202" cy="499914"/>
                 </a:xfrm>
               </p:grpSpPr>
@@ -4307,7 +9580,7 @@
                 </p:nvSpPr>
                 <p:spPr>
                   <a:xfrm>
-                    <a:off x="4521708" y="3366915"/>
+                    <a:off x="3909236" y="3366915"/>
                     <a:ext cx="1681871" cy="477054"/>
                   </a:xfrm>
                   <a:prstGeom prst="rect">
@@ -4324,7 +9597,7 @@
                       <a:rPr lang="es-MX" sz="2500" dirty="0">
                         <a:solidFill>
                           <a:schemeClr val="bg1">
-                            <a:lumMod val="65000"/>
+                            <a:lumMod val="75000"/>
                           </a:schemeClr>
                         </a:solidFill>
                         <a:latin typeface="Font Awesome 5 Brands Regular" panose="02000503000000000000" pitchFamily="50" charset="0"/>
@@ -4333,7 +9606,9 @@
                     </a:r>
                     <a:endParaRPr lang="es-MX" sz="2500" dirty="0">
                       <a:solidFill>
-                        <a:srgbClr val="ED4C67"/>
+                        <a:schemeClr val="bg1">
+                          <a:lumMod val="75000"/>
+                        </a:schemeClr>
                       </a:solidFill>
                     </a:endParaRPr>
                   </a:p>
@@ -4347,7 +9622,7 @@
                 </p:nvSpPr>
                 <p:spPr>
                   <a:xfrm>
-                    <a:off x="6154635" y="3344055"/>
+                    <a:off x="5542163" y="3344055"/>
                     <a:ext cx="1846275" cy="477054"/>
                   </a:xfrm>
                   <a:prstGeom prst="rect">
@@ -4395,7 +9670,7 @@
           </p:nvSpPr>
           <p:spPr>
             <a:xfrm>
-              <a:off x="4130434" y="4980028"/>
+              <a:off x="3517962" y="4980028"/>
               <a:ext cx="843902" cy="477054"/>
             </a:xfrm>
             <a:prstGeom prst="rect">
@@ -4412,7 +9687,7 @@
                 <a:rPr lang="es-MX" sz="2500" dirty="0">
                   <a:solidFill>
                     <a:schemeClr val="bg1">
-                      <a:lumMod val="65000"/>
+                      <a:lumMod val="75000"/>
                     </a:schemeClr>
                   </a:solidFill>
                   <a:latin typeface="Font Awesome 5 Free Solid" panose="02000503000000000000" pitchFamily="50" charset="0"/>
@@ -4430,7 +9705,7 @@
           </p:nvSpPr>
           <p:spPr>
             <a:xfrm>
-              <a:off x="4524642" y="4998316"/>
+              <a:off x="3912170" y="4998316"/>
               <a:ext cx="4337469" cy="477054"/>
             </a:xfrm>
             <a:prstGeom prst="rect">
@@ -4475,6 +9750,907 @@
 </p:sld>
 </file>
 
+<file path=ppt/slides/slide3.xml><?xml version="1.0" encoding="utf-8"?>
+<p:sld xmlns:a="http://schemas.openxmlformats.org/drawingml/2006/main" xmlns:r="http://schemas.openxmlformats.org/officeDocument/2006/relationships" xmlns:p="http://schemas.openxmlformats.org/presentationml/2006/main">
+  <p:cSld>
+    <p:spTree>
+      <p:nvGrpSpPr>
+        <p:cNvPr id="1" name=""/>
+        <p:cNvGrpSpPr/>
+        <p:nvPr/>
+      </p:nvGrpSpPr>
+      <p:grpSpPr>
+        <a:xfrm>
+          <a:off x="0" y="0"/>
+          <a:ext cx="0" cy="0"/>
+          <a:chOff x="0" y="0"/>
+          <a:chExt cx="0" cy="0"/>
+        </a:xfrm>
+      </p:grpSpPr>
+      <p:sp>
+        <p:nvSpPr>
+          <p:cNvPr id="2" name="Título 1"/>
+          <p:cNvSpPr>
+            <a:spLocks noGrp="1"/>
+          </p:cNvSpPr>
+          <p:nvPr>
+            <p:ph type="title"/>
+          </p:nvPr>
+        </p:nvSpPr>
+        <p:spPr>
+          <a:xfrm>
+            <a:off x="2999603" y="2320282"/>
+            <a:ext cx="6192795" cy="2217437"/>
+          </a:xfrm>
+        </p:spPr>
+        <p:txBody>
+          <a:bodyPr>
+            <a:noAutofit/>
+          </a:bodyPr>
+          <a:lstStyle/>
+          <a:p>
+            <a:pPr algn="ctr"/>
+            <a:r>
+              <a:rPr lang="es-MX" sz="8000" dirty="0" smtClean="0">
+                <a:solidFill>
+                  <a:srgbClr val="C00000"/>
+                </a:solidFill>
+                <a:latin typeface="Roboto" panose="02000000000000000000" pitchFamily="2" charset="0"/>
+                <a:ea typeface="Roboto" panose="02000000000000000000" pitchFamily="2" charset="0"/>
+              </a:rPr>
+              <a:t>Instalación </a:t>
+            </a:r>
+            <a:br>
+              <a:rPr lang="es-MX" sz="8000" dirty="0" smtClean="0">
+                <a:solidFill>
+                  <a:srgbClr val="C00000"/>
+                </a:solidFill>
+                <a:latin typeface="Roboto" panose="02000000000000000000" pitchFamily="2" charset="0"/>
+                <a:ea typeface="Roboto" panose="02000000000000000000" pitchFamily="2" charset="0"/>
+              </a:rPr>
+            </a:br>
+            <a:r>
+              <a:rPr lang="es-MX" sz="4000" dirty="0" smtClean="0">
+                <a:solidFill>
+                  <a:schemeClr val="bg1">
+                    <a:lumMod val="50000"/>
+                  </a:schemeClr>
+                </a:solidFill>
+                <a:latin typeface="Roboto" panose="02000000000000000000" pitchFamily="2" charset="0"/>
+                <a:ea typeface="Roboto" panose="02000000000000000000" pitchFamily="2" charset="0"/>
+              </a:rPr>
+              <a:t>git-scm.com</a:t>
+            </a:r>
+            <a:endParaRPr lang="es-MX" sz="4000" dirty="0">
+              <a:solidFill>
+                <a:schemeClr val="bg1">
+                  <a:lumMod val="50000"/>
+                </a:schemeClr>
+              </a:solidFill>
+            </a:endParaRPr>
+          </a:p>
+        </p:txBody>
+      </p:sp>
+    </p:spTree>
+    <p:extLst>
+      <p:ext uri="{BB962C8B-B14F-4D97-AF65-F5344CB8AC3E}">
+        <p14:creationId xmlns:p14="http://schemas.microsoft.com/office/powerpoint/2010/main" val="3342677879"/>
+      </p:ext>
+    </p:extLst>
+  </p:cSld>
+  <p:clrMapOvr>
+    <a:masterClrMapping/>
+  </p:clrMapOvr>
+  <p:timing>
+    <p:tnLst>
+      <p:par>
+        <p:cTn id="1" dur="indefinite" restart="never" nodeType="tmRoot"/>
+      </p:par>
+    </p:tnLst>
+  </p:timing>
+</p:sld>
+</file>
+
+<file path=ppt/slides/slide4.xml><?xml version="1.0" encoding="utf-8"?>
+<p:sld xmlns:a="http://schemas.openxmlformats.org/drawingml/2006/main" xmlns:r="http://schemas.openxmlformats.org/officeDocument/2006/relationships" xmlns:p="http://schemas.openxmlformats.org/presentationml/2006/main">
+  <p:cSld>
+    <p:spTree>
+      <p:nvGrpSpPr>
+        <p:cNvPr id="1" name=""/>
+        <p:cNvGrpSpPr/>
+        <p:nvPr/>
+      </p:nvGrpSpPr>
+      <p:grpSpPr>
+        <a:xfrm>
+          <a:off x="0" y="0"/>
+          <a:ext cx="0" cy="0"/>
+          <a:chOff x="0" y="0"/>
+          <a:chExt cx="0" cy="0"/>
+        </a:xfrm>
+      </p:grpSpPr>
+      <p:sp>
+        <p:nvSpPr>
+          <p:cNvPr id="2" name="Título 1"/>
+          <p:cNvSpPr>
+            <a:spLocks noGrp="1"/>
+          </p:cNvSpPr>
+          <p:nvPr>
+            <p:ph type="title"/>
+          </p:nvPr>
+        </p:nvSpPr>
+        <p:spPr/>
+        <p:txBody>
+          <a:bodyPr/>
+          <a:lstStyle/>
+          <a:p>
+            <a:r>
+              <a:rPr lang="es-MX" sz="5000" dirty="0" err="1" smtClean="0">
+                <a:solidFill>
+                  <a:srgbClr val="C00000"/>
+                </a:solidFill>
+                <a:latin typeface="Roboto Black" panose="02000000000000000000" pitchFamily="2" charset="0"/>
+                <a:ea typeface="Roboto Black" panose="02000000000000000000" pitchFamily="2" charset="0"/>
+              </a:rPr>
+              <a:t>Config</a:t>
+            </a:r>
+            <a:endParaRPr lang="es-MX" sz="2000" dirty="0">
+              <a:solidFill>
+                <a:schemeClr val="bg1">
+                  <a:lumMod val="50000"/>
+                </a:schemeClr>
+              </a:solidFill>
+              <a:latin typeface="Roboto" panose="02000000000000000000" pitchFamily="2" charset="0"/>
+              <a:ea typeface="Roboto" panose="02000000000000000000" pitchFamily="2" charset="0"/>
+            </a:endParaRPr>
+          </a:p>
+        </p:txBody>
+      </p:sp>
+      <p:sp>
+        <p:nvSpPr>
+          <p:cNvPr id="3" name="Marcador de contenido 2"/>
+          <p:cNvSpPr>
+            <a:spLocks noGrp="1"/>
+          </p:cNvSpPr>
+          <p:nvPr>
+            <p:ph idx="1"/>
+          </p:nvPr>
+        </p:nvSpPr>
+        <p:spPr>
+          <a:xfrm>
+            <a:off x="838200" y="2333840"/>
+            <a:ext cx="10515600" cy="2190321"/>
+          </a:xfrm>
+        </p:spPr>
+        <p:txBody>
+          <a:bodyPr>
+            <a:noAutofit/>
+          </a:bodyPr>
+          <a:lstStyle/>
+          <a:p>
+            <a:pPr marL="0" indent="0">
+              <a:buNone/>
+            </a:pPr>
+            <a:r>
+              <a:rPr lang="es-MX" sz="2200" dirty="0" smtClean="0">
+                <a:solidFill>
+                  <a:schemeClr val="bg1">
+                    <a:lumMod val="75000"/>
+                  </a:schemeClr>
+                </a:solidFill>
+                <a:latin typeface="Roboto" panose="02000000000000000000" pitchFamily="2" charset="0"/>
+                <a:ea typeface="Roboto" panose="02000000000000000000" pitchFamily="2" charset="0"/>
+              </a:rPr>
+              <a:t>Configuración de nombre</a:t>
+            </a:r>
+          </a:p>
+          <a:p>
+            <a:pPr marL="0" indent="0">
+              <a:buNone/>
+            </a:pPr>
+            <a:r>
+              <a:rPr lang="es-MX" sz="2400" dirty="0" err="1" smtClean="0">
+                <a:solidFill>
+                  <a:srgbClr val="4B6584"/>
+                </a:solidFill>
+                <a:latin typeface="Roboto" panose="02000000000000000000" pitchFamily="2" charset="0"/>
+                <a:ea typeface="Roboto" panose="02000000000000000000" pitchFamily="2" charset="0"/>
+              </a:rPr>
+              <a:t>git</a:t>
+            </a:r>
+            <a:r>
+              <a:rPr lang="es-MX" sz="2400" dirty="0" smtClean="0">
+                <a:solidFill>
+                  <a:srgbClr val="4B6584"/>
+                </a:solidFill>
+                <a:latin typeface="Roboto" panose="02000000000000000000" pitchFamily="2" charset="0"/>
+                <a:ea typeface="Roboto" panose="02000000000000000000" pitchFamily="2" charset="0"/>
+              </a:rPr>
+              <a:t> </a:t>
+            </a:r>
+            <a:r>
+              <a:rPr lang="es-MX" sz="2400" dirty="0" err="1">
+                <a:solidFill>
+                  <a:srgbClr val="4B6584"/>
+                </a:solidFill>
+                <a:latin typeface="Roboto" panose="02000000000000000000" pitchFamily="2" charset="0"/>
+                <a:ea typeface="Roboto" panose="02000000000000000000" pitchFamily="2" charset="0"/>
+              </a:rPr>
+              <a:t>config</a:t>
+            </a:r>
+            <a:r>
+              <a:rPr lang="es-MX" sz="2400" dirty="0">
+                <a:solidFill>
+                  <a:srgbClr val="4B6584"/>
+                </a:solidFill>
+                <a:latin typeface="Roboto" panose="02000000000000000000" pitchFamily="2" charset="0"/>
+                <a:ea typeface="Roboto" panose="02000000000000000000" pitchFamily="2" charset="0"/>
+              </a:rPr>
+              <a:t> </a:t>
+            </a:r>
+            <a:r>
+              <a:rPr lang="es-MX" sz="2400" dirty="0" smtClean="0">
+                <a:solidFill>
+                  <a:srgbClr val="4B6584"/>
+                </a:solidFill>
+                <a:latin typeface="Roboto" panose="02000000000000000000" pitchFamily="2" charset="0"/>
+                <a:ea typeface="Roboto" panose="02000000000000000000" pitchFamily="2" charset="0"/>
+              </a:rPr>
+              <a:t>--global </a:t>
+            </a:r>
+            <a:r>
+              <a:rPr lang="es-MX" sz="2400" dirty="0">
+                <a:solidFill>
+                  <a:srgbClr val="4B6584"/>
+                </a:solidFill>
+                <a:latin typeface="Roboto" panose="02000000000000000000" pitchFamily="2" charset="0"/>
+                <a:ea typeface="Roboto" panose="02000000000000000000" pitchFamily="2" charset="0"/>
+              </a:rPr>
+              <a:t>user.name “</a:t>
+            </a:r>
+            <a:r>
+              <a:rPr lang="es-MX" sz="2000" dirty="0">
+                <a:solidFill>
+                  <a:srgbClr val="4B6584"/>
+                </a:solidFill>
+                <a:latin typeface="Roboto" panose="02000000000000000000" pitchFamily="2" charset="0"/>
+                <a:ea typeface="Roboto" panose="02000000000000000000" pitchFamily="2" charset="0"/>
+              </a:rPr>
+              <a:t>[</a:t>
+            </a:r>
+            <a:r>
+              <a:rPr lang="es-MX" sz="2400" dirty="0">
+                <a:solidFill>
+                  <a:srgbClr val="4B6584"/>
+                </a:solidFill>
+                <a:latin typeface="Roboto" panose="02000000000000000000" pitchFamily="2" charset="0"/>
+                <a:ea typeface="Roboto" panose="02000000000000000000" pitchFamily="2" charset="0"/>
+              </a:rPr>
+              <a:t>nombre</a:t>
+            </a:r>
+            <a:r>
+              <a:rPr lang="es-MX" sz="2000" dirty="0" smtClean="0">
+                <a:solidFill>
+                  <a:srgbClr val="4B6584"/>
+                </a:solidFill>
+                <a:latin typeface="Roboto" panose="02000000000000000000" pitchFamily="2" charset="0"/>
+                <a:ea typeface="Roboto" panose="02000000000000000000" pitchFamily="2" charset="0"/>
+              </a:rPr>
+              <a:t>]</a:t>
+            </a:r>
+            <a:r>
+              <a:rPr lang="es-MX" sz="2400" dirty="0" smtClean="0">
+                <a:solidFill>
+                  <a:srgbClr val="4B6584"/>
+                </a:solidFill>
+                <a:latin typeface="Roboto" panose="02000000000000000000" pitchFamily="2" charset="0"/>
+                <a:ea typeface="Roboto" panose="02000000000000000000" pitchFamily="2" charset="0"/>
+              </a:rPr>
+              <a:t>”</a:t>
+            </a:r>
+          </a:p>
+          <a:p>
+            <a:pPr marL="0" indent="0">
+              <a:buNone/>
+            </a:pPr>
+            <a:r>
+              <a:rPr lang="es-MX" dirty="0">
+                <a:solidFill>
+                  <a:schemeClr val="bg1">
+                    <a:lumMod val="50000"/>
+                  </a:schemeClr>
+                </a:solidFill>
+                <a:latin typeface="Roboto" panose="02000000000000000000" pitchFamily="2" charset="0"/>
+                <a:ea typeface="Roboto" panose="02000000000000000000" pitchFamily="2" charset="0"/>
+              </a:rPr>
+              <a:t/>
+            </a:r>
+            <a:br>
+              <a:rPr lang="es-MX" dirty="0">
+                <a:solidFill>
+                  <a:schemeClr val="bg1">
+                    <a:lumMod val="50000"/>
+                  </a:schemeClr>
+                </a:solidFill>
+                <a:latin typeface="Roboto" panose="02000000000000000000" pitchFamily="2" charset="0"/>
+                <a:ea typeface="Roboto" panose="02000000000000000000" pitchFamily="2" charset="0"/>
+              </a:rPr>
+            </a:br>
+            <a:r>
+              <a:rPr lang="es-MX" sz="2200" dirty="0">
+                <a:solidFill>
+                  <a:schemeClr val="bg1">
+                    <a:lumMod val="75000"/>
+                  </a:schemeClr>
+                </a:solidFill>
+                <a:latin typeface="Roboto" panose="02000000000000000000" pitchFamily="2" charset="0"/>
+                <a:ea typeface="Roboto" panose="02000000000000000000" pitchFamily="2" charset="0"/>
+              </a:rPr>
+              <a:t>Configuración de correo</a:t>
+            </a:r>
+          </a:p>
+          <a:p>
+            <a:pPr marL="0" indent="0">
+              <a:buNone/>
+            </a:pPr>
+            <a:r>
+              <a:rPr lang="es-MX" sz="2400" dirty="0" err="1">
+                <a:solidFill>
+                  <a:srgbClr val="4B6584"/>
+                </a:solidFill>
+                <a:latin typeface="Roboto" panose="02000000000000000000" pitchFamily="2" charset="0"/>
+                <a:ea typeface="Roboto" panose="02000000000000000000" pitchFamily="2" charset="0"/>
+              </a:rPr>
+              <a:t>git</a:t>
+            </a:r>
+            <a:r>
+              <a:rPr lang="es-MX" sz="2400" dirty="0">
+                <a:solidFill>
+                  <a:srgbClr val="4B6584"/>
+                </a:solidFill>
+                <a:latin typeface="Roboto" panose="02000000000000000000" pitchFamily="2" charset="0"/>
+                <a:ea typeface="Roboto" panose="02000000000000000000" pitchFamily="2" charset="0"/>
+              </a:rPr>
+              <a:t> </a:t>
+            </a:r>
+            <a:r>
+              <a:rPr lang="es-MX" sz="2400" dirty="0" err="1">
+                <a:solidFill>
+                  <a:srgbClr val="4B6584"/>
+                </a:solidFill>
+                <a:latin typeface="Roboto" panose="02000000000000000000" pitchFamily="2" charset="0"/>
+                <a:ea typeface="Roboto" panose="02000000000000000000" pitchFamily="2" charset="0"/>
+              </a:rPr>
+              <a:t>config</a:t>
+            </a:r>
+            <a:r>
+              <a:rPr lang="es-MX" sz="2400" dirty="0">
+                <a:solidFill>
+                  <a:srgbClr val="4B6584"/>
+                </a:solidFill>
+                <a:latin typeface="Roboto" panose="02000000000000000000" pitchFamily="2" charset="0"/>
+                <a:ea typeface="Roboto" panose="02000000000000000000" pitchFamily="2" charset="0"/>
+              </a:rPr>
+              <a:t> </a:t>
+            </a:r>
+            <a:r>
+              <a:rPr lang="es-MX" sz="2400" dirty="0" smtClean="0">
+                <a:solidFill>
+                  <a:srgbClr val="4B6584"/>
+                </a:solidFill>
+                <a:latin typeface="Roboto" panose="02000000000000000000" pitchFamily="2" charset="0"/>
+                <a:ea typeface="Roboto" panose="02000000000000000000" pitchFamily="2" charset="0"/>
+              </a:rPr>
+              <a:t>--global </a:t>
+            </a:r>
+            <a:r>
+              <a:rPr lang="es-MX" sz="2400" dirty="0" err="1">
+                <a:solidFill>
+                  <a:srgbClr val="4B6584"/>
+                </a:solidFill>
+                <a:latin typeface="Roboto" panose="02000000000000000000" pitchFamily="2" charset="0"/>
+                <a:ea typeface="Roboto" panose="02000000000000000000" pitchFamily="2" charset="0"/>
+              </a:rPr>
+              <a:t>user.email</a:t>
+            </a:r>
+            <a:r>
+              <a:rPr lang="es-MX" sz="2400" dirty="0">
+                <a:solidFill>
+                  <a:srgbClr val="4B6584"/>
+                </a:solidFill>
+                <a:latin typeface="Roboto" panose="02000000000000000000" pitchFamily="2" charset="0"/>
+                <a:ea typeface="Roboto" panose="02000000000000000000" pitchFamily="2" charset="0"/>
+              </a:rPr>
+              <a:t> “</a:t>
+            </a:r>
+            <a:r>
+              <a:rPr lang="es-MX" sz="2000" dirty="0">
+                <a:solidFill>
+                  <a:srgbClr val="4B6584"/>
+                </a:solidFill>
+                <a:latin typeface="Roboto" panose="02000000000000000000" pitchFamily="2" charset="0"/>
+                <a:ea typeface="Roboto" panose="02000000000000000000" pitchFamily="2" charset="0"/>
+              </a:rPr>
+              <a:t>[</a:t>
+            </a:r>
+            <a:r>
+              <a:rPr lang="es-MX" sz="2400" dirty="0">
+                <a:solidFill>
+                  <a:srgbClr val="4B6584"/>
+                </a:solidFill>
+                <a:latin typeface="Roboto" panose="02000000000000000000" pitchFamily="2" charset="0"/>
+                <a:ea typeface="Roboto" panose="02000000000000000000" pitchFamily="2" charset="0"/>
+              </a:rPr>
+              <a:t>email</a:t>
+            </a:r>
+            <a:r>
+              <a:rPr lang="es-MX" sz="2000" dirty="0">
+                <a:solidFill>
+                  <a:srgbClr val="4B6584"/>
+                </a:solidFill>
+                <a:latin typeface="Roboto" panose="02000000000000000000" pitchFamily="2" charset="0"/>
+                <a:ea typeface="Roboto" panose="02000000000000000000" pitchFamily="2" charset="0"/>
+              </a:rPr>
+              <a:t>]</a:t>
+            </a:r>
+            <a:r>
+              <a:rPr lang="es-MX" sz="2400" dirty="0">
+                <a:solidFill>
+                  <a:srgbClr val="4B6584"/>
+                </a:solidFill>
+                <a:latin typeface="Roboto" panose="02000000000000000000" pitchFamily="2" charset="0"/>
+                <a:ea typeface="Roboto" panose="02000000000000000000" pitchFamily="2" charset="0"/>
+              </a:rPr>
+              <a:t>”</a:t>
+            </a:r>
+          </a:p>
+        </p:txBody>
+      </p:sp>
+    </p:spTree>
+    <p:extLst>
+      <p:ext uri="{BB962C8B-B14F-4D97-AF65-F5344CB8AC3E}">
+        <p14:creationId xmlns:p14="http://schemas.microsoft.com/office/powerpoint/2010/main" val="1790058337"/>
+      </p:ext>
+    </p:extLst>
+  </p:cSld>
+  <p:clrMapOvr>
+    <a:masterClrMapping/>
+  </p:clrMapOvr>
+  <p:timing>
+    <p:tnLst>
+      <p:par>
+        <p:cTn id="1" dur="indefinite" restart="never" nodeType="tmRoot"/>
+      </p:par>
+    </p:tnLst>
+  </p:timing>
+</p:sld>
+</file>
+
+<file path=ppt/slides/slide5.xml><?xml version="1.0" encoding="utf-8"?>
+<p:sld xmlns:a="http://schemas.openxmlformats.org/drawingml/2006/main" xmlns:r="http://schemas.openxmlformats.org/officeDocument/2006/relationships" xmlns:p="http://schemas.openxmlformats.org/presentationml/2006/main">
+  <p:cSld>
+    <p:spTree>
+      <p:nvGrpSpPr>
+        <p:cNvPr id="1" name=""/>
+        <p:cNvGrpSpPr/>
+        <p:nvPr/>
+      </p:nvGrpSpPr>
+      <p:grpSpPr>
+        <a:xfrm>
+          <a:off x="0" y="0"/>
+          <a:ext cx="0" cy="0"/>
+          <a:chOff x="0" y="0"/>
+          <a:chExt cx="0" cy="0"/>
+        </a:xfrm>
+      </p:grpSpPr>
+      <p:sp>
+        <p:nvSpPr>
+          <p:cNvPr id="2" name="Título 1"/>
+          <p:cNvSpPr>
+            <a:spLocks noGrp="1"/>
+          </p:cNvSpPr>
+          <p:nvPr>
+            <p:ph type="title"/>
+          </p:nvPr>
+        </p:nvSpPr>
+        <p:spPr/>
+        <p:txBody>
+          <a:bodyPr/>
+          <a:lstStyle/>
+          <a:p>
+            <a:r>
+              <a:rPr lang="es-MX" sz="5000" dirty="0" smtClean="0">
+                <a:solidFill>
+                  <a:srgbClr val="B71540"/>
+                </a:solidFill>
+                <a:latin typeface="Roboto Black" panose="02000000000000000000" pitchFamily="2" charset="0"/>
+                <a:ea typeface="Roboto Black" panose="02000000000000000000" pitchFamily="2" charset="0"/>
+              </a:rPr>
+              <a:t>SSH</a:t>
+            </a:r>
+            <a:endParaRPr lang="es-MX" sz="2000" dirty="0">
+              <a:solidFill>
+                <a:schemeClr val="bg1">
+                  <a:lumMod val="50000"/>
+                </a:schemeClr>
+              </a:solidFill>
+              <a:latin typeface="Roboto" panose="02000000000000000000" pitchFamily="2" charset="0"/>
+              <a:ea typeface="Roboto" panose="02000000000000000000" pitchFamily="2" charset="0"/>
+            </a:endParaRPr>
+          </a:p>
+        </p:txBody>
+      </p:sp>
+      <p:sp>
+        <p:nvSpPr>
+          <p:cNvPr id="3" name="Marcador de contenido 2"/>
+          <p:cNvSpPr>
+            <a:spLocks noGrp="1"/>
+          </p:cNvSpPr>
+          <p:nvPr>
+            <p:ph idx="1"/>
+          </p:nvPr>
+        </p:nvSpPr>
+        <p:spPr>
+          <a:xfrm>
+            <a:off x="838200" y="1895690"/>
+            <a:ext cx="10515600" cy="2190321"/>
+          </a:xfrm>
+        </p:spPr>
+        <p:txBody>
+          <a:bodyPr>
+            <a:noAutofit/>
+          </a:bodyPr>
+          <a:lstStyle/>
+          <a:p>
+            <a:pPr marL="0" indent="0">
+              <a:buNone/>
+            </a:pPr>
+            <a:r>
+              <a:rPr lang="es-MX" sz="2200" dirty="0" smtClean="0">
+                <a:solidFill>
+                  <a:schemeClr val="bg1">
+                    <a:lumMod val="75000"/>
+                  </a:schemeClr>
+                </a:solidFill>
+                <a:latin typeface="Roboto" panose="02000000000000000000" pitchFamily="2" charset="0"/>
+                <a:ea typeface="Roboto" panose="02000000000000000000" pitchFamily="2" charset="0"/>
+              </a:rPr>
+              <a:t>Comando para generar clave SSH</a:t>
+            </a:r>
+          </a:p>
+          <a:p>
+            <a:pPr marL="0" indent="0">
+              <a:buNone/>
+            </a:pPr>
+            <a:r>
+              <a:rPr lang="es-MX" sz="2400" dirty="0" err="1" smtClean="0">
+                <a:solidFill>
+                  <a:srgbClr val="4B6584"/>
+                </a:solidFill>
+                <a:latin typeface="Roboto" panose="02000000000000000000" pitchFamily="2" charset="0"/>
+                <a:ea typeface="Roboto" panose="02000000000000000000" pitchFamily="2" charset="0"/>
+              </a:rPr>
+              <a:t>ssh-keygen</a:t>
+            </a:r>
+            <a:r>
+              <a:rPr lang="es-MX" sz="2400" dirty="0" smtClean="0">
+                <a:solidFill>
+                  <a:srgbClr val="4B6584"/>
+                </a:solidFill>
+                <a:latin typeface="Roboto" panose="02000000000000000000" pitchFamily="2" charset="0"/>
+                <a:ea typeface="Roboto" panose="02000000000000000000" pitchFamily="2" charset="0"/>
+              </a:rPr>
+              <a:t> –t </a:t>
+            </a:r>
+            <a:r>
+              <a:rPr lang="es-MX" sz="2400" dirty="0" err="1" smtClean="0">
+                <a:solidFill>
+                  <a:srgbClr val="4B6584"/>
+                </a:solidFill>
+                <a:latin typeface="Roboto" panose="02000000000000000000" pitchFamily="2" charset="0"/>
+                <a:ea typeface="Roboto" panose="02000000000000000000" pitchFamily="2" charset="0"/>
+              </a:rPr>
+              <a:t>rsa</a:t>
+            </a:r>
+            <a:r>
+              <a:rPr lang="es-MX" sz="2400" dirty="0" smtClean="0">
+                <a:solidFill>
+                  <a:srgbClr val="4B6584"/>
+                </a:solidFill>
+                <a:latin typeface="Roboto" panose="02000000000000000000" pitchFamily="2" charset="0"/>
+                <a:ea typeface="Roboto" panose="02000000000000000000" pitchFamily="2" charset="0"/>
+              </a:rPr>
+              <a:t> –b 4096 –C “GitHub email”</a:t>
+            </a:r>
+          </a:p>
+          <a:p>
+            <a:pPr marL="0" indent="0">
+              <a:buNone/>
+            </a:pPr>
+            <a:endParaRPr lang="es-MX" sz="2400" dirty="0">
+              <a:solidFill>
+                <a:schemeClr val="bg1">
+                  <a:lumMod val="50000"/>
+                </a:schemeClr>
+              </a:solidFill>
+              <a:latin typeface="Roboto" panose="02000000000000000000" pitchFamily="2" charset="0"/>
+              <a:ea typeface="Roboto" panose="02000000000000000000" pitchFamily="2" charset="0"/>
+            </a:endParaRPr>
+          </a:p>
+          <a:p>
+            <a:pPr marL="0" indent="0">
+              <a:buNone/>
+            </a:pPr>
+            <a:r>
+              <a:rPr lang="es-MX" sz="2200" dirty="0">
+                <a:solidFill>
+                  <a:schemeClr val="bg1">
+                    <a:lumMod val="75000"/>
+                  </a:schemeClr>
+                </a:solidFill>
+                <a:latin typeface="Roboto" panose="02000000000000000000" pitchFamily="2" charset="0"/>
+                <a:ea typeface="Roboto" panose="02000000000000000000" pitchFamily="2" charset="0"/>
+              </a:rPr>
+              <a:t>[</a:t>
+            </a:r>
+            <a:r>
+              <a:rPr lang="es-MX" sz="2200" dirty="0" err="1">
+                <a:solidFill>
+                  <a:schemeClr val="bg1">
+                    <a:lumMod val="75000"/>
+                  </a:schemeClr>
+                </a:solidFill>
+                <a:latin typeface="Roboto" panose="02000000000000000000" pitchFamily="2" charset="0"/>
+                <a:ea typeface="Roboto" panose="02000000000000000000" pitchFamily="2" charset="0"/>
+              </a:rPr>
+              <a:t>enter</a:t>
+            </a:r>
+            <a:r>
+              <a:rPr lang="es-MX" sz="2200" dirty="0">
+                <a:solidFill>
+                  <a:schemeClr val="bg1">
+                    <a:lumMod val="75000"/>
+                  </a:schemeClr>
+                </a:solidFill>
+                <a:latin typeface="Roboto" panose="02000000000000000000" pitchFamily="2" charset="0"/>
+                <a:ea typeface="Roboto" panose="02000000000000000000" pitchFamily="2" charset="0"/>
+              </a:rPr>
+              <a:t>] para generar clave con valores predeterminados</a:t>
+            </a:r>
+            <a:r>
+              <a:rPr lang="es-MX" sz="2200" dirty="0" smtClean="0">
+                <a:solidFill>
+                  <a:schemeClr val="bg1">
+                    <a:lumMod val="75000"/>
+                  </a:schemeClr>
+                </a:solidFill>
+                <a:latin typeface="Roboto" panose="02000000000000000000" pitchFamily="2" charset="0"/>
+                <a:ea typeface="Roboto" panose="02000000000000000000" pitchFamily="2" charset="0"/>
+              </a:rPr>
+              <a:t>.</a:t>
+            </a:r>
+          </a:p>
+          <a:p>
+            <a:pPr marL="0" indent="0">
+              <a:buNone/>
+            </a:pPr>
+            <a:endParaRPr lang="es-MX" sz="2200" dirty="0">
+              <a:solidFill>
+                <a:schemeClr val="bg1">
+                  <a:lumMod val="75000"/>
+                </a:schemeClr>
+              </a:solidFill>
+              <a:latin typeface="Roboto" panose="02000000000000000000" pitchFamily="2" charset="0"/>
+              <a:ea typeface="Roboto" panose="02000000000000000000" pitchFamily="2" charset="0"/>
+            </a:endParaRPr>
+          </a:p>
+          <a:p>
+            <a:pPr marL="0" indent="0">
+              <a:buNone/>
+            </a:pPr>
+            <a:r>
+              <a:rPr lang="es-MX" sz="2200" dirty="0" smtClean="0">
+                <a:solidFill>
+                  <a:schemeClr val="bg1">
+                    <a:lumMod val="75000"/>
+                  </a:schemeClr>
+                </a:solidFill>
+                <a:latin typeface="Roboto" panose="02000000000000000000" pitchFamily="2" charset="0"/>
+                <a:ea typeface="Roboto" panose="02000000000000000000" pitchFamily="2" charset="0"/>
+              </a:rPr>
+              <a:t>Iniciar agente SSH</a:t>
+            </a:r>
+          </a:p>
+          <a:p>
+            <a:pPr marL="0" indent="0">
+              <a:buNone/>
+            </a:pPr>
+            <a:r>
+              <a:rPr lang="es-MX" sz="2400" dirty="0" err="1">
+                <a:solidFill>
+                  <a:srgbClr val="4B6584"/>
+                </a:solidFill>
+                <a:latin typeface="Roboto" panose="02000000000000000000" pitchFamily="2" charset="0"/>
+                <a:ea typeface="Roboto" panose="02000000000000000000" pitchFamily="2" charset="0"/>
+              </a:rPr>
+              <a:t>eval</a:t>
+            </a:r>
+            <a:r>
+              <a:rPr lang="es-MX" sz="2400" dirty="0">
+                <a:solidFill>
+                  <a:srgbClr val="4B6584"/>
+                </a:solidFill>
+                <a:latin typeface="Roboto" panose="02000000000000000000" pitchFamily="2" charset="0"/>
+                <a:ea typeface="Roboto" panose="02000000000000000000" pitchFamily="2" charset="0"/>
+              </a:rPr>
+              <a:t> $(</a:t>
+            </a:r>
+            <a:r>
+              <a:rPr lang="es-MX" sz="2400" dirty="0" err="1">
+                <a:solidFill>
+                  <a:srgbClr val="4B6584"/>
+                </a:solidFill>
+                <a:latin typeface="Roboto" panose="02000000000000000000" pitchFamily="2" charset="0"/>
+                <a:ea typeface="Roboto" panose="02000000000000000000" pitchFamily="2" charset="0"/>
+              </a:rPr>
+              <a:t>ssh-agent</a:t>
+            </a:r>
+            <a:r>
+              <a:rPr lang="es-MX" sz="2400" dirty="0">
+                <a:solidFill>
+                  <a:srgbClr val="4B6584"/>
+                </a:solidFill>
+                <a:latin typeface="Roboto" panose="02000000000000000000" pitchFamily="2" charset="0"/>
+                <a:ea typeface="Roboto" panose="02000000000000000000" pitchFamily="2" charset="0"/>
+              </a:rPr>
+              <a:t> –s)</a:t>
+            </a:r>
+          </a:p>
+          <a:p>
+            <a:pPr marL="0" indent="0">
+              <a:buNone/>
+            </a:pPr>
+            <a:endParaRPr lang="es-MX" sz="2500" dirty="0">
+              <a:solidFill>
+                <a:schemeClr val="bg1">
+                  <a:lumMod val="50000"/>
+                </a:schemeClr>
+              </a:solidFill>
+              <a:latin typeface="Roboto" panose="02000000000000000000" pitchFamily="2" charset="0"/>
+              <a:ea typeface="Roboto" panose="02000000000000000000" pitchFamily="2" charset="0"/>
+            </a:endParaRPr>
+          </a:p>
+          <a:p>
+            <a:pPr marL="0" indent="0">
+              <a:buNone/>
+            </a:pPr>
+            <a:r>
+              <a:rPr lang="es-MX" sz="2200" dirty="0">
+                <a:solidFill>
+                  <a:schemeClr val="bg1">
+                    <a:lumMod val="75000"/>
+                  </a:schemeClr>
+                </a:solidFill>
+                <a:latin typeface="Roboto" panose="02000000000000000000" pitchFamily="2" charset="0"/>
+                <a:ea typeface="Roboto" panose="02000000000000000000" pitchFamily="2" charset="0"/>
+              </a:rPr>
+              <a:t>Agregar clave SSH a agente</a:t>
+            </a:r>
+          </a:p>
+          <a:p>
+            <a:pPr marL="0" indent="0">
+              <a:buNone/>
+            </a:pPr>
+            <a:r>
+              <a:rPr lang="es-MX" sz="2400" dirty="0" err="1">
+                <a:solidFill>
+                  <a:srgbClr val="4B6584"/>
+                </a:solidFill>
+                <a:latin typeface="Roboto" panose="02000000000000000000" pitchFamily="2" charset="0"/>
+                <a:ea typeface="Roboto" panose="02000000000000000000" pitchFamily="2" charset="0"/>
+              </a:rPr>
+              <a:t>ssh-add</a:t>
+            </a:r>
+            <a:r>
+              <a:rPr lang="es-MX" sz="2400" dirty="0">
+                <a:solidFill>
+                  <a:srgbClr val="4B6584"/>
+                </a:solidFill>
+                <a:latin typeface="Roboto" panose="02000000000000000000" pitchFamily="2" charset="0"/>
+                <a:ea typeface="Roboto" panose="02000000000000000000" pitchFamily="2" charset="0"/>
+              </a:rPr>
+              <a:t> ~/.</a:t>
+            </a:r>
+            <a:r>
+              <a:rPr lang="es-MX" sz="2400" dirty="0" err="1">
+                <a:solidFill>
+                  <a:srgbClr val="4B6584"/>
+                </a:solidFill>
+                <a:latin typeface="Roboto" panose="02000000000000000000" pitchFamily="2" charset="0"/>
+                <a:ea typeface="Roboto" panose="02000000000000000000" pitchFamily="2" charset="0"/>
+              </a:rPr>
+              <a:t>ssh</a:t>
+            </a:r>
+            <a:r>
+              <a:rPr lang="es-MX" sz="2400" dirty="0">
+                <a:solidFill>
+                  <a:srgbClr val="4B6584"/>
+                </a:solidFill>
+                <a:latin typeface="Roboto" panose="02000000000000000000" pitchFamily="2" charset="0"/>
+                <a:ea typeface="Roboto" panose="02000000000000000000" pitchFamily="2" charset="0"/>
+              </a:rPr>
+              <a:t>/&lt;clave </a:t>
+            </a:r>
+            <a:r>
+              <a:rPr lang="es-MX" sz="2400" dirty="0" err="1">
+                <a:solidFill>
+                  <a:srgbClr val="4B6584"/>
+                </a:solidFill>
+                <a:latin typeface="Roboto" panose="02000000000000000000" pitchFamily="2" charset="0"/>
+                <a:ea typeface="Roboto" panose="02000000000000000000" pitchFamily="2" charset="0"/>
+              </a:rPr>
+              <a:t>ssh</a:t>
+            </a:r>
+            <a:r>
+              <a:rPr lang="es-MX" sz="2400" dirty="0">
+                <a:solidFill>
+                  <a:srgbClr val="4B6584"/>
+                </a:solidFill>
+                <a:latin typeface="Roboto" panose="02000000000000000000" pitchFamily="2" charset="0"/>
+                <a:ea typeface="Roboto" panose="02000000000000000000" pitchFamily="2" charset="0"/>
+              </a:rPr>
+              <a:t>&gt;</a:t>
+            </a:r>
+          </a:p>
+          <a:p>
+            <a:pPr marL="0" indent="0">
+              <a:buNone/>
+            </a:pPr>
+            <a:endParaRPr lang="es-MX" sz="2500" dirty="0">
+              <a:solidFill>
+                <a:schemeClr val="bg1">
+                  <a:lumMod val="50000"/>
+                </a:schemeClr>
+              </a:solidFill>
+              <a:latin typeface="Roboto" panose="02000000000000000000" pitchFamily="2" charset="0"/>
+              <a:ea typeface="Roboto" panose="02000000000000000000" pitchFamily="2" charset="0"/>
+            </a:endParaRPr>
+          </a:p>
+          <a:p>
+            <a:pPr marL="0" indent="0">
+              <a:buNone/>
+            </a:pPr>
+            <a:endParaRPr lang="es-MX" sz="2500" dirty="0">
+              <a:solidFill>
+                <a:schemeClr val="bg1">
+                  <a:lumMod val="50000"/>
+                </a:schemeClr>
+              </a:solidFill>
+              <a:latin typeface="Roboto" panose="02000000000000000000" pitchFamily="2" charset="0"/>
+              <a:ea typeface="Roboto" panose="02000000000000000000" pitchFamily="2" charset="0"/>
+            </a:endParaRPr>
+          </a:p>
+        </p:txBody>
+      </p:sp>
+    </p:spTree>
+    <p:extLst>
+      <p:ext uri="{BB962C8B-B14F-4D97-AF65-F5344CB8AC3E}">
+        <p14:creationId xmlns:p14="http://schemas.microsoft.com/office/powerpoint/2010/main" val="2178642743"/>
+      </p:ext>
+    </p:extLst>
+  </p:cSld>
+  <p:clrMapOvr>
+    <a:masterClrMapping/>
+  </p:clrMapOvr>
+  <p:timing>
+    <p:tnLst>
+      <p:par>
+        <p:cTn id="1" dur="indefinite" restart="never" nodeType="tmRoot"/>
+      </p:par>
+    </p:tnLst>
+  </p:timing>
+</p:sld>
+</file>
+
 <file path=ppt/slides/slide6.xml><?xml version="1.0" encoding="utf-8"?>
 <p:sld xmlns:a="http://schemas.openxmlformats.org/drawingml/2006/main" xmlns:r="http://schemas.openxmlformats.org/officeDocument/2006/relationships" xmlns:p="http://schemas.openxmlformats.org/presentationml/2006/main">
   <p:cSld>
@@ -4494,39 +10670,826 @@
       </p:grpSpPr>
       <p:sp>
         <p:nvSpPr>
-          <p:cNvPr id="4" name="Rectángulo 3"/>
-          <p:cNvSpPr/>
+          <p:cNvPr id="2" name="Título 1"/>
+          <p:cNvSpPr>
+            <a:spLocks noGrp="1"/>
+          </p:cNvSpPr>
+          <p:nvPr>
+            <p:ph type="title"/>
+          </p:nvPr>
+        </p:nvSpPr>
+        <p:spPr/>
+        <p:txBody>
+          <a:bodyPr/>
+          <a:lstStyle/>
+          <a:p>
+            <a:r>
+              <a:rPr lang="es-MX" sz="5000" dirty="0" smtClean="0">
+                <a:solidFill>
+                  <a:srgbClr val="B71540"/>
+                </a:solidFill>
+                <a:latin typeface="Roboto Black" panose="02000000000000000000" pitchFamily="2" charset="0"/>
+                <a:ea typeface="Roboto Black" panose="02000000000000000000" pitchFamily="2" charset="0"/>
+              </a:rPr>
+              <a:t>SSH to GitHub</a:t>
+            </a:r>
+            <a:endParaRPr lang="es-MX" sz="2000" dirty="0">
+              <a:solidFill>
+                <a:schemeClr val="bg1">
+                  <a:lumMod val="50000"/>
+                </a:schemeClr>
+              </a:solidFill>
+              <a:latin typeface="Roboto" panose="02000000000000000000" pitchFamily="2" charset="0"/>
+              <a:ea typeface="Roboto" panose="02000000000000000000" pitchFamily="2" charset="0"/>
+            </a:endParaRPr>
+          </a:p>
+        </p:txBody>
+      </p:sp>
+      <p:sp>
+        <p:nvSpPr>
+          <p:cNvPr id="3" name="Marcador de contenido 2"/>
+          <p:cNvSpPr>
+            <a:spLocks noGrp="1"/>
+          </p:cNvSpPr>
+          <p:nvPr>
+            <p:ph idx="1"/>
+          </p:nvPr>
+        </p:nvSpPr>
+        <p:spPr>
+          <a:xfrm>
+            <a:off x="838200" y="1895690"/>
+            <a:ext cx="10515600" cy="2190321"/>
+          </a:xfrm>
+        </p:spPr>
+        <p:txBody>
+          <a:bodyPr>
+            <a:noAutofit/>
+          </a:bodyPr>
+          <a:lstStyle/>
+          <a:p>
+            <a:pPr marL="0" indent="0">
+              <a:buNone/>
+            </a:pPr>
+            <a:r>
+              <a:rPr lang="es-MX" sz="2200" dirty="0" smtClean="0">
+                <a:solidFill>
+                  <a:schemeClr val="bg1">
+                    <a:lumMod val="75000"/>
+                  </a:schemeClr>
+                </a:solidFill>
+                <a:latin typeface="Roboto" panose="02000000000000000000" pitchFamily="2" charset="0"/>
+                <a:ea typeface="Roboto" panose="02000000000000000000" pitchFamily="2" charset="0"/>
+              </a:rPr>
+              <a:t>Copiar llave</a:t>
+            </a:r>
+          </a:p>
+          <a:p>
+            <a:pPr marL="0" indent="0">
+              <a:buNone/>
+            </a:pPr>
+            <a:r>
+              <a:rPr lang="es-MX" sz="2400" u="sng" dirty="0">
+                <a:solidFill>
+                  <a:srgbClr val="4B6584"/>
+                </a:solidFill>
+                <a:latin typeface="Roboto" panose="02000000000000000000" pitchFamily="2" charset="0"/>
+                <a:ea typeface="Roboto" panose="02000000000000000000" pitchFamily="2" charset="0"/>
+              </a:rPr>
+              <a:t>c</a:t>
+            </a:r>
+            <a:r>
+              <a:rPr lang="es-MX" sz="2400" u="sng" dirty="0" smtClean="0">
+                <a:solidFill>
+                  <a:srgbClr val="4B6584"/>
+                </a:solidFill>
+                <a:latin typeface="Roboto" panose="02000000000000000000" pitchFamily="2" charset="0"/>
+                <a:ea typeface="Roboto" panose="02000000000000000000" pitchFamily="2" charset="0"/>
+              </a:rPr>
+              <a:t>lip</a:t>
+            </a:r>
+            <a:r>
+              <a:rPr lang="es-MX" sz="2400" dirty="0" smtClean="0">
+                <a:solidFill>
+                  <a:srgbClr val="4B6584"/>
+                </a:solidFill>
+                <a:latin typeface="Roboto" panose="02000000000000000000" pitchFamily="2" charset="0"/>
+                <a:ea typeface="Roboto" panose="02000000000000000000" pitchFamily="2" charset="0"/>
+              </a:rPr>
+              <a:t> &lt; ~/.</a:t>
+            </a:r>
+            <a:r>
+              <a:rPr lang="es-MX" sz="2400" dirty="0" err="1" smtClean="0">
+                <a:solidFill>
+                  <a:srgbClr val="4B6584"/>
+                </a:solidFill>
+                <a:latin typeface="Roboto" panose="02000000000000000000" pitchFamily="2" charset="0"/>
+                <a:ea typeface="Roboto" panose="02000000000000000000" pitchFamily="2" charset="0"/>
+              </a:rPr>
+              <a:t>ssh</a:t>
+            </a:r>
+            <a:r>
+              <a:rPr lang="es-MX" sz="2400" dirty="0" smtClean="0">
+                <a:solidFill>
+                  <a:srgbClr val="4B6584"/>
+                </a:solidFill>
+                <a:latin typeface="Roboto" panose="02000000000000000000" pitchFamily="2" charset="0"/>
+                <a:ea typeface="Roboto" panose="02000000000000000000" pitchFamily="2" charset="0"/>
+              </a:rPr>
+              <a:t>/&lt;nombreLlave.pub&gt;</a:t>
+            </a:r>
+          </a:p>
+          <a:p>
+            <a:pPr marL="0" indent="0">
+              <a:buNone/>
+            </a:pPr>
+            <a:endParaRPr lang="es-MX" sz="2400" dirty="0">
+              <a:solidFill>
+                <a:schemeClr val="bg1">
+                  <a:lumMod val="50000"/>
+                </a:schemeClr>
+              </a:solidFill>
+              <a:latin typeface="Roboto" panose="02000000000000000000" pitchFamily="2" charset="0"/>
+              <a:ea typeface="Roboto" panose="02000000000000000000" pitchFamily="2" charset="0"/>
+            </a:endParaRPr>
+          </a:p>
+          <a:p>
+            <a:pPr marL="0" indent="0">
+              <a:buNone/>
+            </a:pPr>
+            <a:endParaRPr lang="es-MX" sz="2500" dirty="0">
+              <a:solidFill>
+                <a:schemeClr val="bg1">
+                  <a:lumMod val="50000"/>
+                </a:schemeClr>
+              </a:solidFill>
+              <a:latin typeface="Roboto" panose="02000000000000000000" pitchFamily="2" charset="0"/>
+              <a:ea typeface="Roboto" panose="02000000000000000000" pitchFamily="2" charset="0"/>
+            </a:endParaRPr>
+          </a:p>
+        </p:txBody>
+      </p:sp>
+      <p:pic>
+        <p:nvPicPr>
+          <p:cNvPr id="6" name="Imagen 5"/>
+          <p:cNvPicPr>
+            <a:picLocks noChangeAspect="1"/>
+          </p:cNvPicPr>
+          <p:nvPr/>
+        </p:nvPicPr>
+        <p:blipFill>
+          <a:blip r:embed="rId2"/>
+          <a:stretch>
+            <a:fillRect/>
+          </a:stretch>
+        </p:blipFill>
+        <p:spPr>
+          <a:xfrm>
+            <a:off x="838200" y="3208895"/>
+            <a:ext cx="10553700" cy="3257550"/>
+          </a:xfrm>
+          <a:prstGeom prst="rect">
+            <a:avLst/>
+          </a:prstGeom>
+        </p:spPr>
+      </p:pic>
+    </p:spTree>
+    <p:extLst>
+      <p:ext uri="{BB962C8B-B14F-4D97-AF65-F5344CB8AC3E}">
+        <p14:creationId xmlns:p14="http://schemas.microsoft.com/office/powerpoint/2010/main" val="3388700603"/>
+      </p:ext>
+    </p:extLst>
+  </p:cSld>
+  <p:clrMapOvr>
+    <a:masterClrMapping/>
+  </p:clrMapOvr>
+  <p:timing>
+    <p:tnLst>
+      <p:par>
+        <p:cTn id="1" dur="indefinite" restart="never" nodeType="tmRoot"/>
+      </p:par>
+    </p:tnLst>
+  </p:timing>
+</p:sld>
+</file>
+
+<file path=ppt/slides/slide7.xml><?xml version="1.0" encoding="utf-8"?>
+<p:sld xmlns:a="http://schemas.openxmlformats.org/drawingml/2006/main" xmlns:r="http://schemas.openxmlformats.org/officeDocument/2006/relationships" xmlns:p="http://schemas.openxmlformats.org/presentationml/2006/main">
+  <p:cSld>
+    <p:spTree>
+      <p:nvGrpSpPr>
+        <p:cNvPr id="1" name=""/>
+        <p:cNvGrpSpPr/>
+        <p:nvPr/>
+      </p:nvGrpSpPr>
+      <p:grpSpPr>
+        <a:xfrm>
+          <a:off x="0" y="0"/>
+          <a:ext cx="0" cy="0"/>
+          <a:chOff x="0" y="0"/>
+          <a:chExt cx="0" cy="0"/>
+        </a:xfrm>
+      </p:grpSpPr>
+      <p:sp>
+        <p:nvSpPr>
+          <p:cNvPr id="2" name="Título 1"/>
+          <p:cNvSpPr>
+            <a:spLocks noGrp="1"/>
+          </p:cNvSpPr>
+          <p:nvPr>
+            <p:ph type="title"/>
+          </p:nvPr>
+        </p:nvSpPr>
+        <p:spPr/>
+        <p:txBody>
+          <a:bodyPr/>
+          <a:lstStyle/>
+          <a:p>
+            <a:r>
+              <a:rPr lang="es-MX" sz="5000" dirty="0" err="1" smtClean="0">
+                <a:solidFill>
+                  <a:srgbClr val="B71540"/>
+                </a:solidFill>
+                <a:latin typeface="Roboto Black" panose="02000000000000000000" pitchFamily="2" charset="0"/>
+                <a:ea typeface="Roboto Black" panose="02000000000000000000" pitchFamily="2" charset="0"/>
+              </a:rPr>
+              <a:t>Testing</a:t>
+            </a:r>
+            <a:endParaRPr lang="es-MX" sz="2000" dirty="0">
+              <a:solidFill>
+                <a:schemeClr val="bg1">
+                  <a:lumMod val="50000"/>
+                </a:schemeClr>
+              </a:solidFill>
+              <a:latin typeface="Roboto" panose="02000000000000000000" pitchFamily="2" charset="0"/>
+              <a:ea typeface="Roboto" panose="02000000000000000000" pitchFamily="2" charset="0"/>
+            </a:endParaRPr>
+          </a:p>
+        </p:txBody>
+      </p:sp>
+      <p:sp>
+        <p:nvSpPr>
+          <p:cNvPr id="3" name="Marcador de contenido 2"/>
+          <p:cNvSpPr>
+            <a:spLocks noGrp="1"/>
+          </p:cNvSpPr>
+          <p:nvPr>
+            <p:ph idx="1"/>
+          </p:nvPr>
+        </p:nvSpPr>
+        <p:spPr>
+          <a:xfrm>
+            <a:off x="838200" y="1930196"/>
+            <a:ext cx="10515600" cy="2190321"/>
+          </a:xfrm>
+        </p:spPr>
+        <p:txBody>
+          <a:bodyPr>
+            <a:noAutofit/>
+          </a:bodyPr>
+          <a:lstStyle/>
+          <a:p>
+            <a:pPr marL="0" indent="0">
+              <a:buNone/>
+            </a:pPr>
+            <a:r>
+              <a:rPr lang="es-MX" sz="2200" dirty="0" smtClean="0">
+                <a:solidFill>
+                  <a:schemeClr val="bg1">
+                    <a:lumMod val="75000"/>
+                  </a:schemeClr>
+                </a:solidFill>
+                <a:latin typeface="Roboto" panose="02000000000000000000" pitchFamily="2" charset="0"/>
+                <a:ea typeface="Roboto" panose="02000000000000000000" pitchFamily="2" charset="0"/>
+              </a:rPr>
+              <a:t>Probando conexión</a:t>
+            </a:r>
+          </a:p>
+          <a:p>
+            <a:pPr marL="0" indent="0">
+              <a:buNone/>
+            </a:pPr>
+            <a:r>
+              <a:rPr lang="es-MX" sz="2400" u="sng" dirty="0" err="1">
+                <a:solidFill>
+                  <a:srgbClr val="4B6584"/>
+                </a:solidFill>
+                <a:latin typeface="Roboto" panose="02000000000000000000" pitchFamily="2" charset="0"/>
+                <a:ea typeface="Roboto" panose="02000000000000000000" pitchFamily="2" charset="0"/>
+              </a:rPr>
+              <a:t>s</a:t>
+            </a:r>
+            <a:r>
+              <a:rPr lang="es-MX" sz="2400" u="sng" dirty="0" err="1" smtClean="0">
+                <a:solidFill>
+                  <a:srgbClr val="4B6584"/>
+                </a:solidFill>
+                <a:latin typeface="Roboto" panose="02000000000000000000" pitchFamily="2" charset="0"/>
+                <a:ea typeface="Roboto" panose="02000000000000000000" pitchFamily="2" charset="0"/>
+              </a:rPr>
+              <a:t>sh</a:t>
+            </a:r>
+            <a:r>
+              <a:rPr lang="es-MX" sz="2400" u="sng" dirty="0" smtClean="0">
+                <a:solidFill>
+                  <a:srgbClr val="4B6584"/>
+                </a:solidFill>
+                <a:latin typeface="Roboto" panose="02000000000000000000" pitchFamily="2" charset="0"/>
+                <a:ea typeface="Roboto" panose="02000000000000000000" pitchFamily="2" charset="0"/>
+              </a:rPr>
+              <a:t> –T git@github.com</a:t>
+            </a:r>
+            <a:endParaRPr lang="es-MX" sz="2400" dirty="0" smtClean="0">
+              <a:solidFill>
+                <a:srgbClr val="4B6584"/>
+              </a:solidFill>
+              <a:latin typeface="Roboto" panose="02000000000000000000" pitchFamily="2" charset="0"/>
+              <a:ea typeface="Roboto" panose="02000000000000000000" pitchFamily="2" charset="0"/>
+            </a:endParaRPr>
+          </a:p>
+          <a:p>
+            <a:pPr marL="0" indent="0">
+              <a:buNone/>
+            </a:pPr>
+            <a:endParaRPr lang="es-MX" sz="2400" dirty="0" smtClean="0">
+              <a:solidFill>
+                <a:schemeClr val="bg1">
+                  <a:lumMod val="50000"/>
+                </a:schemeClr>
+              </a:solidFill>
+              <a:latin typeface="Roboto" panose="02000000000000000000" pitchFamily="2" charset="0"/>
+              <a:ea typeface="Roboto" panose="02000000000000000000" pitchFamily="2" charset="0"/>
+            </a:endParaRPr>
+          </a:p>
+          <a:p>
+            <a:pPr marL="0" indent="0">
+              <a:buNone/>
+            </a:pPr>
+            <a:endParaRPr lang="es-MX" sz="2500" dirty="0">
+              <a:solidFill>
+                <a:schemeClr val="bg1">
+                  <a:lumMod val="50000"/>
+                </a:schemeClr>
+              </a:solidFill>
+              <a:latin typeface="Roboto" panose="02000000000000000000" pitchFamily="2" charset="0"/>
+              <a:ea typeface="Roboto" panose="02000000000000000000" pitchFamily="2" charset="0"/>
+            </a:endParaRPr>
+          </a:p>
+        </p:txBody>
+      </p:sp>
+      <p:pic>
+        <p:nvPicPr>
+          <p:cNvPr id="4" name="Imagen 3"/>
+          <p:cNvPicPr>
+            <a:picLocks noChangeAspect="1"/>
+          </p:cNvPicPr>
+          <p:nvPr/>
+        </p:nvPicPr>
+        <p:blipFill>
+          <a:blip r:embed="rId2">
+            <a:extLst>
+              <a:ext uri="{28A0092B-C50C-407E-A947-70E740481C1C}">
+                <a14:useLocalDpi xmlns:a14="http://schemas.microsoft.com/office/drawing/2010/main" val="0"/>
+              </a:ext>
+            </a:extLst>
+          </a:blip>
+          <a:stretch>
+            <a:fillRect/>
+          </a:stretch>
+        </p:blipFill>
+        <p:spPr>
+          <a:xfrm>
+            <a:off x="4000500" y="3235926"/>
+            <a:ext cx="4191000" cy="2857500"/>
+          </a:xfrm>
+          <a:prstGeom prst="rect">
+            <a:avLst/>
+          </a:prstGeom>
+        </p:spPr>
+      </p:pic>
+    </p:spTree>
+    <p:extLst>
+      <p:ext uri="{BB962C8B-B14F-4D97-AF65-F5344CB8AC3E}">
+        <p14:creationId xmlns:p14="http://schemas.microsoft.com/office/powerpoint/2010/main" val="1040076232"/>
+      </p:ext>
+    </p:extLst>
+  </p:cSld>
+  <p:clrMapOvr>
+    <a:masterClrMapping/>
+  </p:clrMapOvr>
+  <p:timing>
+    <p:tnLst>
+      <p:par>
+        <p:cTn id="1" dur="indefinite" restart="never" nodeType="tmRoot"/>
+      </p:par>
+    </p:tnLst>
+  </p:timing>
+</p:sld>
+</file>
+
+<file path=ppt/slides/slide8.xml><?xml version="1.0" encoding="utf-8"?>
+<p:sld xmlns:a="http://schemas.openxmlformats.org/drawingml/2006/main" xmlns:r="http://schemas.openxmlformats.org/officeDocument/2006/relationships" xmlns:p="http://schemas.openxmlformats.org/presentationml/2006/main">
+  <p:cSld>
+    <p:spTree>
+      <p:nvGrpSpPr>
+        <p:cNvPr id="1" name=""/>
+        <p:cNvGrpSpPr/>
+        <p:nvPr/>
+      </p:nvGrpSpPr>
+      <p:grpSpPr>
+        <a:xfrm>
+          <a:off x="0" y="0"/>
+          <a:ext cx="0" cy="0"/>
+          <a:chOff x="0" y="0"/>
+          <a:chExt cx="0" cy="0"/>
+        </a:xfrm>
+      </p:grpSpPr>
+      <p:sp>
+        <p:nvSpPr>
+          <p:cNvPr id="3" name="Marcador de contenido 2"/>
+          <p:cNvSpPr>
+            <a:spLocks noGrp="1"/>
+          </p:cNvSpPr>
+          <p:nvPr>
+            <p:ph idx="1"/>
+          </p:nvPr>
+        </p:nvSpPr>
+        <p:spPr>
+          <a:xfrm>
+            <a:off x="862913" y="2333840"/>
+            <a:ext cx="10515600" cy="2190321"/>
+          </a:xfrm>
+        </p:spPr>
+        <p:txBody>
+          <a:bodyPr>
+            <a:noAutofit/>
+          </a:bodyPr>
+          <a:lstStyle/>
+          <a:p>
+            <a:pPr marL="0" indent="0">
+              <a:buNone/>
+            </a:pPr>
+            <a:r>
+              <a:rPr lang="es-MX" sz="2200" dirty="0">
+                <a:solidFill>
+                  <a:schemeClr val="bg1">
+                    <a:lumMod val="75000"/>
+                  </a:schemeClr>
+                </a:solidFill>
+                <a:latin typeface="Roboto" panose="02000000000000000000" pitchFamily="2" charset="0"/>
+                <a:ea typeface="Roboto" panose="02000000000000000000" pitchFamily="2" charset="0"/>
+              </a:rPr>
+              <a:t>Iniciar </a:t>
+            </a:r>
+            <a:r>
+              <a:rPr lang="es-MX" sz="2200" dirty="0" err="1">
+                <a:solidFill>
+                  <a:schemeClr val="bg1">
+                    <a:lumMod val="75000"/>
+                  </a:schemeClr>
+                </a:solidFill>
+                <a:latin typeface="Roboto" panose="02000000000000000000" pitchFamily="2" charset="0"/>
+                <a:ea typeface="Roboto" panose="02000000000000000000" pitchFamily="2" charset="0"/>
+              </a:rPr>
+              <a:t>git</a:t>
+            </a:r>
+            <a:r>
+              <a:rPr lang="es-MX" sz="2200" dirty="0">
+                <a:solidFill>
+                  <a:schemeClr val="bg1">
+                    <a:lumMod val="75000"/>
+                  </a:schemeClr>
+                </a:solidFill>
+                <a:latin typeface="Roboto" panose="02000000000000000000" pitchFamily="2" charset="0"/>
+                <a:ea typeface="Roboto" panose="02000000000000000000" pitchFamily="2" charset="0"/>
+              </a:rPr>
+              <a:t> en folder</a:t>
+            </a:r>
+          </a:p>
+          <a:p>
+            <a:pPr marL="0" indent="0">
+              <a:buNone/>
+            </a:pPr>
+            <a:r>
+              <a:rPr lang="es-MX" sz="2400" dirty="0" err="1">
+                <a:solidFill>
+                  <a:srgbClr val="4B6584"/>
+                </a:solidFill>
+                <a:latin typeface="Roboto" panose="02000000000000000000" pitchFamily="2" charset="0"/>
+                <a:ea typeface="Roboto" panose="02000000000000000000" pitchFamily="2" charset="0"/>
+              </a:rPr>
+              <a:t>git</a:t>
+            </a:r>
+            <a:r>
+              <a:rPr lang="es-MX" sz="2400" dirty="0">
+                <a:solidFill>
+                  <a:srgbClr val="4B6584"/>
+                </a:solidFill>
+                <a:latin typeface="Roboto" panose="02000000000000000000" pitchFamily="2" charset="0"/>
+                <a:ea typeface="Roboto" panose="02000000000000000000" pitchFamily="2" charset="0"/>
+              </a:rPr>
+              <a:t> </a:t>
+            </a:r>
+            <a:r>
+              <a:rPr lang="es-MX" sz="2400" dirty="0" err="1" smtClean="0">
+                <a:solidFill>
+                  <a:srgbClr val="4B6584"/>
+                </a:solidFill>
+                <a:latin typeface="Roboto" panose="02000000000000000000" pitchFamily="2" charset="0"/>
+                <a:ea typeface="Roboto" panose="02000000000000000000" pitchFamily="2" charset="0"/>
+              </a:rPr>
+              <a:t>init</a:t>
+            </a:r>
+            <a:endParaRPr lang="es-MX" sz="2000" dirty="0">
+              <a:solidFill>
+                <a:srgbClr val="4B6584"/>
+              </a:solidFill>
+              <a:latin typeface="Roboto" panose="02000000000000000000" pitchFamily="2" charset="0"/>
+              <a:ea typeface="Roboto" panose="02000000000000000000" pitchFamily="2" charset="0"/>
+            </a:endParaRPr>
+          </a:p>
+          <a:p>
+            <a:pPr marL="0" indent="0">
+              <a:buNone/>
+            </a:pPr>
+            <a:r>
+              <a:rPr lang="es-MX" sz="2200" dirty="0">
+                <a:solidFill>
+                  <a:schemeClr val="bg1">
+                    <a:lumMod val="75000"/>
+                  </a:schemeClr>
+                </a:solidFill>
+                <a:latin typeface="Roboto" panose="02000000000000000000" pitchFamily="2" charset="0"/>
+                <a:ea typeface="Roboto" panose="02000000000000000000" pitchFamily="2" charset="0"/>
+              </a:rPr>
+              <a:t>Agregar los archivos existentes</a:t>
+            </a:r>
+          </a:p>
+          <a:p>
+            <a:pPr marL="0" indent="0">
+              <a:buNone/>
+            </a:pPr>
+            <a:r>
+              <a:rPr lang="es-MX" sz="2400" dirty="0" err="1" smtClean="0">
+                <a:solidFill>
+                  <a:srgbClr val="4B6584"/>
+                </a:solidFill>
+                <a:latin typeface="Roboto" panose="02000000000000000000" pitchFamily="2" charset="0"/>
+                <a:ea typeface="Roboto" panose="02000000000000000000" pitchFamily="2" charset="0"/>
+              </a:rPr>
+              <a:t>git</a:t>
+            </a:r>
+            <a:r>
+              <a:rPr lang="es-MX" sz="2400" dirty="0" smtClean="0">
+                <a:solidFill>
+                  <a:srgbClr val="4B6584"/>
+                </a:solidFill>
+                <a:latin typeface="Roboto" panose="02000000000000000000" pitchFamily="2" charset="0"/>
+                <a:ea typeface="Roboto" panose="02000000000000000000" pitchFamily="2" charset="0"/>
+              </a:rPr>
+              <a:t> </a:t>
+            </a:r>
+            <a:r>
+              <a:rPr lang="es-MX" sz="2400" dirty="0" err="1">
+                <a:solidFill>
+                  <a:srgbClr val="4B6584"/>
+                </a:solidFill>
+                <a:latin typeface="Roboto" panose="02000000000000000000" pitchFamily="2" charset="0"/>
+                <a:ea typeface="Roboto" panose="02000000000000000000" pitchFamily="2" charset="0"/>
+              </a:rPr>
+              <a:t>add</a:t>
+            </a:r>
+            <a:r>
+              <a:rPr lang="es-MX" sz="2400" dirty="0">
+                <a:solidFill>
+                  <a:srgbClr val="4B6584"/>
+                </a:solidFill>
+                <a:latin typeface="Roboto" panose="02000000000000000000" pitchFamily="2" charset="0"/>
+                <a:ea typeface="Roboto" panose="02000000000000000000" pitchFamily="2" charset="0"/>
+              </a:rPr>
+              <a:t> </a:t>
+            </a:r>
+            <a:r>
+              <a:rPr lang="es-MX" sz="2400" dirty="0" smtClean="0">
+                <a:solidFill>
+                  <a:srgbClr val="4B6584"/>
+                </a:solidFill>
+                <a:latin typeface="Roboto" panose="02000000000000000000" pitchFamily="2" charset="0"/>
+                <a:ea typeface="Roboto" panose="02000000000000000000" pitchFamily="2" charset="0"/>
+              </a:rPr>
+              <a:t>. </a:t>
+            </a:r>
+            <a:r>
+              <a:rPr lang="es-MX" sz="2400" dirty="0">
+                <a:solidFill>
+                  <a:srgbClr val="4B6584"/>
+                </a:solidFill>
+                <a:latin typeface="Roboto" panose="02000000000000000000" pitchFamily="2" charset="0"/>
+                <a:ea typeface="Roboto" panose="02000000000000000000" pitchFamily="2" charset="0"/>
+              </a:rPr>
+              <a:t>	</a:t>
+            </a:r>
+            <a:r>
+              <a:rPr lang="es-MX" sz="2400" dirty="0" smtClean="0">
+                <a:solidFill>
+                  <a:srgbClr val="4B6584"/>
+                </a:solidFill>
+                <a:latin typeface="Roboto" panose="02000000000000000000" pitchFamily="2" charset="0"/>
+                <a:ea typeface="Roboto" panose="02000000000000000000" pitchFamily="2" charset="0"/>
+              </a:rPr>
+              <a:t>	</a:t>
+            </a:r>
+            <a:r>
+              <a:rPr lang="es-MX" sz="2400" dirty="0" err="1" smtClean="0">
+                <a:solidFill>
+                  <a:srgbClr val="4B6584"/>
+                </a:solidFill>
+                <a:latin typeface="Roboto" panose="02000000000000000000" pitchFamily="2" charset="0"/>
+                <a:ea typeface="Roboto" panose="02000000000000000000" pitchFamily="2" charset="0"/>
+              </a:rPr>
+              <a:t>git</a:t>
+            </a:r>
+            <a:r>
+              <a:rPr lang="es-MX" sz="2400" dirty="0" smtClean="0">
+                <a:solidFill>
+                  <a:srgbClr val="4B6584"/>
+                </a:solidFill>
+                <a:latin typeface="Roboto" panose="02000000000000000000" pitchFamily="2" charset="0"/>
+                <a:ea typeface="Roboto" panose="02000000000000000000" pitchFamily="2" charset="0"/>
+              </a:rPr>
+              <a:t> </a:t>
+            </a:r>
+            <a:r>
+              <a:rPr lang="es-MX" sz="2400" dirty="0" err="1" smtClean="0">
+                <a:solidFill>
+                  <a:srgbClr val="4B6584"/>
+                </a:solidFill>
+                <a:latin typeface="Roboto" panose="02000000000000000000" pitchFamily="2" charset="0"/>
+                <a:ea typeface="Roboto" panose="02000000000000000000" pitchFamily="2" charset="0"/>
+              </a:rPr>
+              <a:t>add</a:t>
+            </a:r>
+            <a:r>
+              <a:rPr lang="es-MX" sz="2400" dirty="0" smtClean="0">
+                <a:solidFill>
+                  <a:srgbClr val="4B6584"/>
+                </a:solidFill>
+                <a:latin typeface="Roboto" panose="02000000000000000000" pitchFamily="2" charset="0"/>
+                <a:ea typeface="Roboto" panose="02000000000000000000" pitchFamily="2" charset="0"/>
+              </a:rPr>
+              <a:t> –</a:t>
+            </a:r>
+            <a:r>
+              <a:rPr lang="es-MX" sz="2400" dirty="0" err="1" smtClean="0">
+                <a:solidFill>
+                  <a:srgbClr val="4B6584"/>
+                </a:solidFill>
+                <a:latin typeface="Roboto" panose="02000000000000000000" pitchFamily="2" charset="0"/>
+                <a:ea typeface="Roboto" panose="02000000000000000000" pitchFamily="2" charset="0"/>
+              </a:rPr>
+              <a:t>all</a:t>
+            </a:r>
+            <a:r>
+              <a:rPr lang="es-MX" sz="2400" dirty="0" smtClean="0">
+                <a:solidFill>
+                  <a:schemeClr val="bg1">
+                    <a:lumMod val="50000"/>
+                  </a:schemeClr>
+                </a:solidFill>
+                <a:latin typeface="Roboto" panose="02000000000000000000" pitchFamily="2" charset="0"/>
+                <a:ea typeface="Roboto" panose="02000000000000000000" pitchFamily="2" charset="0"/>
+              </a:rPr>
+              <a:t>	</a:t>
+            </a:r>
+            <a:r>
+              <a:rPr lang="es-MX" sz="2400" dirty="0">
+                <a:solidFill>
+                  <a:schemeClr val="bg1">
+                    <a:lumMod val="50000"/>
+                  </a:schemeClr>
+                </a:solidFill>
+                <a:latin typeface="Roboto" panose="02000000000000000000" pitchFamily="2" charset="0"/>
+                <a:ea typeface="Roboto" panose="02000000000000000000" pitchFamily="2" charset="0"/>
+              </a:rPr>
+              <a:t>	</a:t>
+            </a:r>
+            <a:r>
+              <a:rPr lang="es-MX" sz="2400" dirty="0" smtClean="0">
+                <a:solidFill>
+                  <a:schemeClr val="bg1">
+                    <a:lumMod val="50000"/>
+                  </a:schemeClr>
+                </a:solidFill>
+                <a:latin typeface="Roboto" panose="02000000000000000000" pitchFamily="2" charset="0"/>
+                <a:ea typeface="Roboto" panose="02000000000000000000" pitchFamily="2" charset="0"/>
+              </a:rPr>
+              <a:t>	</a:t>
+            </a:r>
+          </a:p>
+          <a:p>
+            <a:pPr marL="0" indent="0">
+              <a:buNone/>
+            </a:pPr>
+            <a:endParaRPr lang="es-MX" sz="2400" dirty="0">
+              <a:solidFill>
+                <a:schemeClr val="bg1">
+                  <a:lumMod val="50000"/>
+                </a:schemeClr>
+              </a:solidFill>
+              <a:latin typeface="Roboto" panose="02000000000000000000" pitchFamily="2" charset="0"/>
+              <a:ea typeface="Roboto" panose="02000000000000000000" pitchFamily="2" charset="0"/>
+            </a:endParaRPr>
+          </a:p>
+          <a:p>
+            <a:pPr marL="0" indent="0">
+              <a:buNone/>
+            </a:pPr>
+            <a:endParaRPr lang="es-MX" dirty="0">
+              <a:solidFill>
+                <a:schemeClr val="bg1">
+                  <a:lumMod val="75000"/>
+                </a:schemeClr>
+              </a:solidFill>
+              <a:latin typeface="Roboto" panose="02000000000000000000" pitchFamily="2" charset="0"/>
+              <a:ea typeface="Roboto" panose="02000000000000000000" pitchFamily="2" charset="0"/>
+            </a:endParaRPr>
+          </a:p>
+          <a:p>
+            <a:pPr marL="0" indent="0">
+              <a:buNone/>
+            </a:pPr>
+            <a:endParaRPr lang="es-MX" dirty="0"/>
+          </a:p>
+        </p:txBody>
+      </p:sp>
+      <p:sp>
+        <p:nvSpPr>
+          <p:cNvPr id="4" name="Título 1"/>
+          <p:cNvSpPr txBox="1">
+            <a:spLocks/>
+          </p:cNvSpPr>
           <p:nvPr/>
         </p:nvSpPr>
         <p:spPr>
           <a:xfrm>
-            <a:off x="4761340" y="1843951"/>
-            <a:ext cx="2669320" cy="3170099"/>
+            <a:off x="862913" y="393956"/>
+            <a:ext cx="10515600" cy="1325563"/>
           </a:xfrm>
           <a:prstGeom prst="rect">
             <a:avLst/>
           </a:prstGeom>
         </p:spPr>
         <p:txBody>
-          <a:bodyPr wrap="none">
-            <a:spAutoFit/>
+          <a:bodyPr vert="horz" lIns="91440" tIns="45720" rIns="91440" bIns="45720" rtlCol="0" anchor="ctr">
+            <a:normAutofit/>
           </a:bodyPr>
-          <a:lstStyle/>
-          <a:p>
-            <a:r>
-              <a:rPr lang="es-MX" sz="20000" dirty="0" smtClean="0">
+          <a:lstStyle>
+            <a:lvl1pPr algn="l" defTabSz="914400" rtl="0" eaLnBrk="1" latinLnBrk="0" hangingPunct="1">
+              <a:lnSpc>
+                <a:spcPct val="90000"/>
+              </a:lnSpc>
+              <a:spcBef>
+                <a:spcPct val="0"/>
+              </a:spcBef>
+              <a:buNone/>
+              <a:defRPr sz="4400" kern="1200">
+                <a:solidFill>
+                  <a:schemeClr val="tx1"/>
+                </a:solidFill>
+                <a:latin typeface="+mj-lt"/>
+                <a:ea typeface="+mj-ea"/>
+                <a:cs typeface="+mj-cs"/>
+              </a:defRPr>
+            </a:lvl1pPr>
+          </a:lstStyle>
+          <a:p>
+            <a:r>
+              <a:rPr lang="es-MX" sz="5000" dirty="0">
                 <a:solidFill>
                   <a:srgbClr val="B71540"/>
                 </a:solidFill>
-                <a:latin typeface="Font Awesome 5 Brands Regular" panose="02000503000000000000" pitchFamily="50" charset="0"/>
-              </a:rPr>
-              <a:t></a:t>
-            </a:r>
-            <a:endParaRPr lang="es-MX" sz="20000" dirty="0">
+                <a:latin typeface="Roboto Black" panose="02000000000000000000" pitchFamily="2" charset="0"/>
+                <a:ea typeface="Roboto Black" panose="02000000000000000000" pitchFamily="2" charset="0"/>
+              </a:rPr>
+              <a:t>Crear </a:t>
+            </a:r>
+            <a:r>
+              <a:rPr lang="es-MX" sz="5000" dirty="0" smtClean="0">
+                <a:solidFill>
+                  <a:srgbClr val="B71540"/>
+                </a:solidFill>
+                <a:latin typeface="Roboto Black" panose="02000000000000000000" pitchFamily="2" charset="0"/>
+                <a:ea typeface="Roboto Black" panose="02000000000000000000" pitchFamily="2" charset="0"/>
+              </a:rPr>
+              <a:t>repositorio</a:t>
+            </a:r>
+            <a:endParaRPr lang="es-MX" sz="2000" dirty="0">
               <a:solidFill>
-                <a:srgbClr val="B71540"/>
+                <a:schemeClr val="bg1">
+                  <a:lumMod val="50000"/>
+                </a:schemeClr>
               </a:solidFill>
-              <a:latin typeface="Font Awesome 5 Brands Regular" panose="02000503000000000000" pitchFamily="50" charset="0"/>
+              <a:latin typeface="Roboto" panose="02000000000000000000" pitchFamily="2" charset="0"/>
+              <a:ea typeface="Roboto" panose="02000000000000000000" pitchFamily="2" charset="0"/>
             </a:endParaRPr>
           </a:p>
         </p:txBody>
@@ -4534,7 +11497,408 @@
     </p:spTree>
     <p:extLst>
       <p:ext uri="{BB962C8B-B14F-4D97-AF65-F5344CB8AC3E}">
-        <p14:creationId xmlns:p14="http://schemas.microsoft.com/office/powerpoint/2010/main" val="2374927118"/>
+        <p14:creationId xmlns:p14="http://schemas.microsoft.com/office/powerpoint/2010/main" val="1988062582"/>
+      </p:ext>
+    </p:extLst>
+  </p:cSld>
+  <p:clrMapOvr>
+    <a:masterClrMapping/>
+  </p:clrMapOvr>
+  <p:timing>
+    <p:tnLst>
+      <p:par>
+        <p:cTn id="1" dur="indefinite" restart="never" nodeType="tmRoot"/>
+      </p:par>
+    </p:tnLst>
+  </p:timing>
+</p:sld>
+</file>
+
+<file path=ppt/slides/slide9.xml><?xml version="1.0" encoding="utf-8"?>
+<p:sld xmlns:a="http://schemas.openxmlformats.org/drawingml/2006/main" xmlns:r="http://schemas.openxmlformats.org/officeDocument/2006/relationships" xmlns:p="http://schemas.openxmlformats.org/presentationml/2006/main">
+  <p:cSld>
+    <p:spTree>
+      <p:nvGrpSpPr>
+        <p:cNvPr id="1" name=""/>
+        <p:cNvGrpSpPr/>
+        <p:nvPr/>
+      </p:nvGrpSpPr>
+      <p:grpSpPr>
+        <a:xfrm>
+          <a:off x="0" y="0"/>
+          <a:ext cx="0" cy="0"/>
+          <a:chOff x="0" y="0"/>
+          <a:chExt cx="0" cy="0"/>
+        </a:xfrm>
+      </p:grpSpPr>
+      <p:sp>
+        <p:nvSpPr>
+          <p:cNvPr id="4" name="Título 1"/>
+          <p:cNvSpPr txBox="1">
+            <a:spLocks/>
+          </p:cNvSpPr>
+          <p:nvPr/>
+        </p:nvSpPr>
+        <p:spPr>
+          <a:xfrm>
+            <a:off x="862913" y="393956"/>
+            <a:ext cx="8639433" cy="1325563"/>
+          </a:xfrm>
+          <a:prstGeom prst="rect">
+            <a:avLst/>
+          </a:prstGeom>
+        </p:spPr>
+        <p:txBody>
+          <a:bodyPr vert="horz" lIns="91440" tIns="45720" rIns="91440" bIns="45720" rtlCol="0" anchor="ctr">
+            <a:normAutofit/>
+          </a:bodyPr>
+          <a:lstStyle>
+            <a:lvl1pPr algn="l" defTabSz="914400" rtl="0" eaLnBrk="1" latinLnBrk="0" hangingPunct="1">
+              <a:lnSpc>
+                <a:spcPct val="90000"/>
+              </a:lnSpc>
+              <a:spcBef>
+                <a:spcPct val="0"/>
+              </a:spcBef>
+              <a:buNone/>
+              <a:defRPr sz="4400" kern="1200">
+                <a:solidFill>
+                  <a:schemeClr val="tx1"/>
+                </a:solidFill>
+                <a:latin typeface="+mj-lt"/>
+                <a:ea typeface="+mj-ea"/>
+                <a:cs typeface="+mj-cs"/>
+              </a:defRPr>
+            </a:lvl1pPr>
+          </a:lstStyle>
+          <a:p>
+            <a:r>
+              <a:rPr lang="es-MX" sz="5000" dirty="0">
+                <a:solidFill>
+                  <a:srgbClr val="C00000"/>
+                </a:solidFill>
+                <a:latin typeface="Roboto Black" panose="02000000000000000000" pitchFamily="2" charset="0"/>
+                <a:ea typeface="Roboto Black" panose="02000000000000000000" pitchFamily="2" charset="0"/>
+              </a:rPr>
+              <a:t>Hacer </a:t>
+            </a:r>
+            <a:r>
+              <a:rPr lang="es-MX" sz="5000" dirty="0" smtClean="0">
+                <a:solidFill>
+                  <a:srgbClr val="C00000"/>
+                </a:solidFill>
+                <a:latin typeface="Roboto Black" panose="02000000000000000000" pitchFamily="2" charset="0"/>
+                <a:ea typeface="Roboto Black" panose="02000000000000000000" pitchFamily="2" charset="0"/>
+              </a:rPr>
+              <a:t>cambios</a:t>
+            </a:r>
+            <a:endParaRPr lang="es-MX" sz="2000" dirty="0">
+              <a:solidFill>
+                <a:schemeClr val="bg1">
+                  <a:lumMod val="50000"/>
+                </a:schemeClr>
+              </a:solidFill>
+              <a:latin typeface="Roboto" panose="02000000000000000000" pitchFamily="2" charset="0"/>
+              <a:ea typeface="Roboto" panose="02000000000000000000" pitchFamily="2" charset="0"/>
+            </a:endParaRPr>
+          </a:p>
+        </p:txBody>
+      </p:sp>
+      <p:sp>
+        <p:nvSpPr>
+          <p:cNvPr id="5" name="Marcador de contenido 2"/>
+          <p:cNvSpPr>
+            <a:spLocks noGrp="1"/>
+          </p:cNvSpPr>
+          <p:nvPr>
+            <p:ph idx="1"/>
+          </p:nvPr>
+        </p:nvSpPr>
+        <p:spPr>
+          <a:xfrm>
+            <a:off x="862913" y="2333840"/>
+            <a:ext cx="10515600" cy="4524160"/>
+          </a:xfrm>
+        </p:spPr>
+        <p:txBody>
+          <a:bodyPr>
+            <a:normAutofit/>
+          </a:bodyPr>
+          <a:lstStyle/>
+          <a:p>
+            <a:pPr marL="0" indent="0">
+              <a:buNone/>
+            </a:pPr>
+            <a:r>
+              <a:rPr lang="es-MX" sz="2200" dirty="0" smtClean="0">
+                <a:solidFill>
+                  <a:schemeClr val="bg1">
+                    <a:lumMod val="65000"/>
+                  </a:schemeClr>
+                </a:solidFill>
+                <a:latin typeface="Roboto" panose="02000000000000000000" pitchFamily="2" charset="0"/>
+                <a:ea typeface="Roboto" panose="02000000000000000000" pitchFamily="2" charset="0"/>
+              </a:rPr>
+              <a:t>Registrar </a:t>
+            </a:r>
+            <a:r>
+              <a:rPr lang="es-MX" sz="2200" dirty="0">
+                <a:solidFill>
+                  <a:schemeClr val="bg1">
+                    <a:lumMod val="65000"/>
+                  </a:schemeClr>
+                </a:solidFill>
+                <a:latin typeface="Roboto" panose="02000000000000000000" pitchFamily="2" charset="0"/>
+                <a:ea typeface="Roboto" panose="02000000000000000000" pitchFamily="2" charset="0"/>
+              </a:rPr>
+              <a:t>cambios</a:t>
+            </a:r>
+          </a:p>
+          <a:p>
+            <a:pPr marL="0" indent="0">
+              <a:buNone/>
+            </a:pPr>
+            <a:r>
+              <a:rPr lang="es-MX" sz="2400" dirty="0" err="1" smtClean="0">
+                <a:solidFill>
+                  <a:srgbClr val="4B6584"/>
+                </a:solidFill>
+                <a:latin typeface="Roboto" panose="02000000000000000000" pitchFamily="2" charset="0"/>
+                <a:ea typeface="Roboto" panose="02000000000000000000" pitchFamily="2" charset="0"/>
+              </a:rPr>
+              <a:t>git</a:t>
+            </a:r>
+            <a:r>
+              <a:rPr lang="es-MX" sz="2400" dirty="0" smtClean="0">
+                <a:solidFill>
+                  <a:srgbClr val="4B6584"/>
+                </a:solidFill>
+                <a:latin typeface="Roboto" panose="02000000000000000000" pitchFamily="2" charset="0"/>
+                <a:ea typeface="Roboto" panose="02000000000000000000" pitchFamily="2" charset="0"/>
+              </a:rPr>
+              <a:t> </a:t>
+            </a:r>
+            <a:r>
+              <a:rPr lang="es-MX" sz="2400" dirty="0" err="1" smtClean="0">
+                <a:solidFill>
+                  <a:srgbClr val="4B6584"/>
+                </a:solidFill>
+                <a:latin typeface="Roboto" panose="02000000000000000000" pitchFamily="2" charset="0"/>
+                <a:ea typeface="Roboto" panose="02000000000000000000" pitchFamily="2" charset="0"/>
+              </a:rPr>
+              <a:t>commit</a:t>
+            </a:r>
+            <a:r>
+              <a:rPr lang="es-MX" sz="2400" dirty="0">
+                <a:solidFill>
+                  <a:srgbClr val="4B6584"/>
+                </a:solidFill>
+                <a:latin typeface="Roboto" panose="02000000000000000000" pitchFamily="2" charset="0"/>
+                <a:ea typeface="Roboto" panose="02000000000000000000" pitchFamily="2" charset="0"/>
+              </a:rPr>
+              <a:t>	</a:t>
+            </a:r>
+            <a:r>
+              <a:rPr lang="es-MX" sz="2400" dirty="0" smtClean="0">
+                <a:solidFill>
+                  <a:srgbClr val="4B6584"/>
+                </a:solidFill>
+                <a:latin typeface="Roboto" panose="02000000000000000000" pitchFamily="2" charset="0"/>
+                <a:ea typeface="Roboto" panose="02000000000000000000" pitchFamily="2" charset="0"/>
+              </a:rPr>
+              <a:t>		</a:t>
+            </a:r>
+            <a:r>
+              <a:rPr lang="es-MX" sz="2400" dirty="0" err="1" smtClean="0">
+                <a:solidFill>
+                  <a:srgbClr val="4B6584"/>
+                </a:solidFill>
+                <a:latin typeface="Roboto" panose="02000000000000000000" pitchFamily="2" charset="0"/>
+                <a:ea typeface="Roboto" panose="02000000000000000000" pitchFamily="2" charset="0"/>
+              </a:rPr>
+              <a:t>git</a:t>
+            </a:r>
+            <a:r>
+              <a:rPr lang="es-MX" sz="2400" dirty="0" smtClean="0">
+                <a:solidFill>
+                  <a:srgbClr val="4B6584"/>
+                </a:solidFill>
+                <a:latin typeface="Roboto" panose="02000000000000000000" pitchFamily="2" charset="0"/>
+                <a:ea typeface="Roboto" panose="02000000000000000000" pitchFamily="2" charset="0"/>
+              </a:rPr>
+              <a:t> </a:t>
+            </a:r>
+            <a:r>
+              <a:rPr lang="es-MX" sz="2400" dirty="0" err="1" smtClean="0">
+                <a:solidFill>
+                  <a:srgbClr val="4B6584"/>
+                </a:solidFill>
+                <a:latin typeface="Roboto" panose="02000000000000000000" pitchFamily="2" charset="0"/>
+                <a:ea typeface="Roboto" panose="02000000000000000000" pitchFamily="2" charset="0"/>
+              </a:rPr>
+              <a:t>commit</a:t>
+            </a:r>
+            <a:r>
+              <a:rPr lang="es-MX" sz="2400" dirty="0" smtClean="0">
+                <a:solidFill>
+                  <a:srgbClr val="4B6584"/>
+                </a:solidFill>
+                <a:latin typeface="Roboto" panose="02000000000000000000" pitchFamily="2" charset="0"/>
+                <a:ea typeface="Roboto" panose="02000000000000000000" pitchFamily="2" charset="0"/>
+              </a:rPr>
+              <a:t> -m “</a:t>
+            </a:r>
+            <a:r>
+              <a:rPr lang="es-MX" sz="2000" dirty="0" smtClean="0">
+                <a:solidFill>
+                  <a:srgbClr val="4B6584"/>
+                </a:solidFill>
+                <a:latin typeface="Roboto" panose="02000000000000000000" pitchFamily="2" charset="0"/>
+                <a:ea typeface="Roboto" panose="02000000000000000000" pitchFamily="2" charset="0"/>
+              </a:rPr>
+              <a:t>[</a:t>
+            </a:r>
+            <a:r>
+              <a:rPr lang="es-MX" sz="2400" dirty="0" smtClean="0">
+                <a:solidFill>
+                  <a:srgbClr val="4B6584"/>
+                </a:solidFill>
+                <a:latin typeface="Roboto" panose="02000000000000000000" pitchFamily="2" charset="0"/>
+                <a:ea typeface="Roboto" panose="02000000000000000000" pitchFamily="2" charset="0"/>
+              </a:rPr>
+              <a:t>descripción</a:t>
+            </a:r>
+            <a:r>
+              <a:rPr lang="es-MX" sz="2000" dirty="0" smtClean="0">
+                <a:solidFill>
+                  <a:srgbClr val="4B6584"/>
+                </a:solidFill>
+                <a:latin typeface="Roboto" panose="02000000000000000000" pitchFamily="2" charset="0"/>
+                <a:ea typeface="Roboto" panose="02000000000000000000" pitchFamily="2" charset="0"/>
+              </a:rPr>
+              <a:t>]</a:t>
+            </a:r>
+            <a:r>
+              <a:rPr lang="es-MX" sz="2400" dirty="0" smtClean="0">
+                <a:solidFill>
+                  <a:srgbClr val="4B6584"/>
+                </a:solidFill>
+                <a:latin typeface="Roboto" panose="02000000000000000000" pitchFamily="2" charset="0"/>
+                <a:ea typeface="Roboto" panose="02000000000000000000" pitchFamily="2" charset="0"/>
+              </a:rPr>
+              <a:t>”</a:t>
+            </a:r>
+          </a:p>
+          <a:p>
+            <a:pPr marL="0" indent="0">
+              <a:buNone/>
+            </a:pPr>
+            <a:endParaRPr lang="es-MX" sz="2400" dirty="0">
+              <a:solidFill>
+                <a:schemeClr val="bg1">
+                  <a:lumMod val="50000"/>
+                </a:schemeClr>
+              </a:solidFill>
+              <a:latin typeface="Roboto" panose="02000000000000000000" pitchFamily="2" charset="0"/>
+              <a:ea typeface="Roboto" panose="02000000000000000000" pitchFamily="2" charset="0"/>
+            </a:endParaRPr>
+          </a:p>
+          <a:p>
+            <a:pPr marL="0" indent="0">
+              <a:buNone/>
+            </a:pPr>
+            <a:endParaRPr lang="es-MX" sz="2400" dirty="0" smtClean="0">
+              <a:solidFill>
+                <a:schemeClr val="bg1">
+                  <a:lumMod val="50000"/>
+                </a:schemeClr>
+              </a:solidFill>
+              <a:latin typeface="Roboto" panose="02000000000000000000" pitchFamily="2" charset="0"/>
+              <a:ea typeface="Roboto" panose="02000000000000000000" pitchFamily="2" charset="0"/>
+            </a:endParaRPr>
+          </a:p>
+          <a:p>
+            <a:pPr marL="0" indent="0">
+              <a:buNone/>
+            </a:pPr>
+            <a:endParaRPr lang="es-MX" sz="2400" dirty="0">
+              <a:solidFill>
+                <a:schemeClr val="bg1">
+                  <a:lumMod val="50000"/>
+                </a:schemeClr>
+              </a:solidFill>
+              <a:latin typeface="Roboto" panose="02000000000000000000" pitchFamily="2" charset="0"/>
+              <a:ea typeface="Roboto" panose="02000000000000000000" pitchFamily="2" charset="0"/>
+            </a:endParaRPr>
+          </a:p>
+          <a:p>
+            <a:pPr marL="0" indent="0">
+              <a:buNone/>
+            </a:pPr>
+            <a:endParaRPr lang="es-MX" sz="2400" b="1" dirty="0" smtClean="0">
+              <a:solidFill>
+                <a:schemeClr val="bg1">
+                  <a:lumMod val="50000"/>
+                </a:schemeClr>
+              </a:solidFill>
+              <a:latin typeface="Roboto" panose="02000000000000000000" pitchFamily="2" charset="0"/>
+              <a:ea typeface="Roboto" panose="02000000000000000000" pitchFamily="2" charset="0"/>
+            </a:endParaRPr>
+          </a:p>
+          <a:p>
+            <a:pPr marL="0" indent="0">
+              <a:buNone/>
+            </a:pPr>
+            <a:endParaRPr lang="es-MX" sz="2400" dirty="0" smtClean="0">
+              <a:solidFill>
+                <a:schemeClr val="bg1">
+                  <a:lumMod val="50000"/>
+                </a:schemeClr>
+              </a:solidFill>
+              <a:latin typeface="Roboto" panose="02000000000000000000" pitchFamily="2" charset="0"/>
+              <a:ea typeface="Roboto" panose="02000000000000000000" pitchFamily="2" charset="0"/>
+            </a:endParaRPr>
+          </a:p>
+          <a:p>
+            <a:pPr marL="0" indent="0">
+              <a:buNone/>
+            </a:pPr>
+            <a:endParaRPr lang="es-MX" sz="2400" dirty="0">
+              <a:solidFill>
+                <a:schemeClr val="bg1">
+                  <a:lumMod val="50000"/>
+                </a:schemeClr>
+              </a:solidFill>
+              <a:latin typeface="Roboto" panose="02000000000000000000" pitchFamily="2" charset="0"/>
+              <a:ea typeface="Roboto" panose="02000000000000000000" pitchFamily="2" charset="0"/>
+            </a:endParaRPr>
+          </a:p>
+          <a:p>
+            <a:pPr marL="0" indent="0">
+              <a:buNone/>
+            </a:pPr>
+            <a:endParaRPr lang="es-MX" dirty="0">
+              <a:solidFill>
+                <a:schemeClr val="bg1">
+                  <a:lumMod val="75000"/>
+                </a:schemeClr>
+              </a:solidFill>
+              <a:latin typeface="Roboto" panose="02000000000000000000" pitchFamily="2" charset="0"/>
+              <a:ea typeface="Roboto" panose="02000000000000000000" pitchFamily="2" charset="0"/>
+            </a:endParaRPr>
+          </a:p>
+          <a:p>
+            <a:pPr marL="0" indent="0">
+              <a:buNone/>
+            </a:pPr>
+            <a:endParaRPr lang="es-MX" dirty="0"/>
+          </a:p>
+        </p:txBody>
+      </p:sp>
+    </p:spTree>
+    <p:extLst>
+      <p:ext uri="{BB962C8B-B14F-4D97-AF65-F5344CB8AC3E}">
+        <p14:creationId xmlns:p14="http://schemas.microsoft.com/office/powerpoint/2010/main" val="1393399866"/>
       </p:ext>
     </p:extLst>
   </p:cSld>
@@ -4810,4 +12174,265 @@
     </a:ext>
   </a:extLst>
 </a:theme>
+</file>
+
+<file path=ppt/theme/theme2.xml><?xml version="1.0" encoding="utf-8"?>
+<a:theme xmlns:a="http://schemas.openxmlformats.org/drawingml/2006/main" name="Tema de Office">
+  <a:themeElements>
+    <a:clrScheme name="Office">
+      <a:dk1>
+        <a:sysClr val="windowText" lastClr="000000"/>
+      </a:dk1>
+      <a:lt1>
+        <a:sysClr val="window" lastClr="FFFFFF"/>
+      </a:lt1>
+      <a:dk2>
+        <a:srgbClr val="44546A"/>
+      </a:dk2>
+      <a:lt2>
+        <a:srgbClr val="E7E6E6"/>
+      </a:lt2>
+      <a:accent1>
+        <a:srgbClr val="5B9BD5"/>
+      </a:accent1>
+      <a:accent2>
+        <a:srgbClr val="ED7D31"/>
+      </a:accent2>
+      <a:accent3>
+        <a:srgbClr val="A5A5A5"/>
+      </a:accent3>
+      <a:accent4>
+        <a:srgbClr val="FFC000"/>
+      </a:accent4>
+      <a:accent5>
+        <a:srgbClr val="4472C4"/>
+      </a:accent5>
+      <a:accent6>
+        <a:srgbClr val="70AD47"/>
+      </a:accent6>
+      <a:hlink>
+        <a:srgbClr val="0563C1"/>
+      </a:hlink>
+      <a:folHlink>
+        <a:srgbClr val="954F72"/>
+      </a:folHlink>
+    </a:clrScheme>
+    <a:fontScheme name="Office">
+      <a:majorFont>
+        <a:latin typeface="Calibri Light" panose="020F0302020204030204"/>
+        <a:ea typeface=""/>
+        <a:cs typeface=""/>
+        <a:font script="Jpan" typeface="游ゴシック Light"/>
+        <a:font script="Hang" typeface="맑은 고딕"/>
+        <a:font script="Hans" typeface="等线 Light"/>
+        <a:font script="Hant" typeface="新細明體"/>
+        <a:font script="Arab" typeface="Times New Roman"/>
+        <a:font script="Hebr" typeface="Times New Roman"/>
+        <a:font script="Thai" typeface="Angsana New"/>
+        <a:font script="Ethi" typeface="Nyala"/>
+        <a:font script="Beng" typeface="Vrinda"/>
+        <a:font script="Gujr" typeface="Shruti"/>
+        <a:font script="Khmr" typeface="MoolBoran"/>
+        <a:font script="Knda" typeface="Tunga"/>
+        <a:font script="Guru" typeface="Raavi"/>
+        <a:font script="Cans" typeface="Euphemia"/>
+        <a:font script="Cher" typeface="Plantagenet Cherokee"/>
+        <a:font script="Yiii" typeface="Microsoft Yi Baiti"/>
+        <a:font script="Tibt" typeface="Microsoft Himalaya"/>
+        <a:font script="Thaa" typeface="MV Boli"/>
+        <a:font script="Deva" typeface="Mangal"/>
+        <a:font script="Telu" typeface="Gautami"/>
+        <a:font script="Taml" typeface="Latha"/>
+        <a:font script="Syrc" typeface="Estrangelo Edessa"/>
+        <a:font script="Orya" typeface="Kalinga"/>
+        <a:font script="Mlym" typeface="Kartika"/>
+        <a:font script="Laoo" typeface="DokChampa"/>
+        <a:font script="Sinh" typeface="Iskoola Pota"/>
+        <a:font script="Mong" typeface="Mongolian Baiti"/>
+        <a:font script="Viet" typeface="Times New Roman"/>
+        <a:font script="Uigh" typeface="Microsoft Uighur"/>
+        <a:font script="Geor" typeface="Sylfaen"/>
+      </a:majorFont>
+      <a:minorFont>
+        <a:latin typeface="Calibri" panose="020F0502020204030204"/>
+        <a:ea typeface=""/>
+        <a:cs typeface=""/>
+        <a:font script="Jpan" typeface="游ゴシック"/>
+        <a:font script="Hang" typeface="맑은 고딕"/>
+        <a:font script="Hans" typeface="等线"/>
+        <a:font script="Hant" typeface="新細明體"/>
+        <a:font script="Arab" typeface="Arial"/>
+        <a:font script="Hebr" typeface="Arial"/>
+        <a:font script="Thai" typeface="Cordia New"/>
+        <a:font script="Ethi" typeface="Nyala"/>
+        <a:font script="Beng" typeface="Vrinda"/>
+        <a:font script="Gujr" typeface="Shruti"/>
+        <a:font script="Khmr" typeface="DaunPenh"/>
+        <a:font script="Knda" typeface="Tunga"/>
+        <a:font script="Guru" typeface="Raavi"/>
+        <a:font script="Cans" typeface="Euphemia"/>
+        <a:font script="Cher" typeface="Plantagenet Cherokee"/>
+        <a:font script="Yiii" typeface="Microsoft Yi Baiti"/>
+        <a:font script="Tibt" typeface="Microsoft Himalaya"/>
+        <a:font script="Thaa" typeface="MV Boli"/>
+        <a:font script="Deva" typeface="Mangal"/>
+        <a:font script="Telu" typeface="Gautami"/>
+        <a:font script="Taml" typeface="Latha"/>
+        <a:font script="Syrc" typeface="Estrangelo Edessa"/>
+        <a:font script="Orya" typeface="Kalinga"/>
+        <a:font script="Mlym" typeface="Kartika"/>
+        <a:font script="Laoo" typeface="DokChampa"/>
+        <a:font script="Sinh" typeface="Iskoola Pota"/>
+        <a:font script="Mong" typeface="Mongolian Baiti"/>
+        <a:font script="Viet" typeface="Arial"/>
+        <a:font script="Uigh" typeface="Microsoft Uighur"/>
+        <a:font script="Geor" typeface="Sylfaen"/>
+      </a:minorFont>
+    </a:fontScheme>
+    <a:fmtScheme name="Office">
+      <a:fillStyleLst>
+        <a:solidFill>
+          <a:schemeClr val="phClr"/>
+        </a:solidFill>
+        <a:gradFill rotWithShape="1">
+          <a:gsLst>
+            <a:gs pos="0">
+              <a:schemeClr val="phClr">
+                <a:lumMod val="110000"/>
+                <a:satMod val="105000"/>
+                <a:tint val="67000"/>
+              </a:schemeClr>
+            </a:gs>
+            <a:gs pos="50000">
+              <a:schemeClr val="phClr">
+                <a:lumMod val="105000"/>
+                <a:satMod val="103000"/>
+                <a:tint val="73000"/>
+              </a:schemeClr>
+            </a:gs>
+            <a:gs pos="100000">
+              <a:schemeClr val="phClr">
+                <a:lumMod val="105000"/>
+                <a:satMod val="109000"/>
+                <a:tint val="81000"/>
+              </a:schemeClr>
+            </a:gs>
+          </a:gsLst>
+          <a:lin ang="5400000" scaled="0"/>
+        </a:gradFill>
+        <a:gradFill rotWithShape="1">
+          <a:gsLst>
+            <a:gs pos="0">
+              <a:schemeClr val="phClr">
+                <a:satMod val="103000"/>
+                <a:lumMod val="102000"/>
+                <a:tint val="94000"/>
+              </a:schemeClr>
+            </a:gs>
+            <a:gs pos="50000">
+              <a:schemeClr val="phClr">
+                <a:satMod val="110000"/>
+                <a:lumMod val="100000"/>
+                <a:shade val="100000"/>
+              </a:schemeClr>
+            </a:gs>
+            <a:gs pos="100000">
+              <a:schemeClr val="phClr">
+                <a:lumMod val="99000"/>
+                <a:satMod val="120000"/>
+                <a:shade val="78000"/>
+              </a:schemeClr>
+            </a:gs>
+          </a:gsLst>
+          <a:lin ang="5400000" scaled="0"/>
+        </a:gradFill>
+      </a:fillStyleLst>
+      <a:lnStyleLst>
+        <a:ln w="6350" cap="flat" cmpd="sng" algn="ctr">
+          <a:solidFill>
+            <a:schemeClr val="phClr"/>
+          </a:solidFill>
+          <a:prstDash val="solid"/>
+          <a:miter lim="800000"/>
+        </a:ln>
+        <a:ln w="12700" cap="flat" cmpd="sng" algn="ctr">
+          <a:solidFill>
+            <a:schemeClr val="phClr"/>
+          </a:solidFill>
+          <a:prstDash val="solid"/>
+          <a:miter lim="800000"/>
+        </a:ln>
+        <a:ln w="19050" cap="flat" cmpd="sng" algn="ctr">
+          <a:solidFill>
+            <a:schemeClr val="phClr"/>
+          </a:solidFill>
+          <a:prstDash val="solid"/>
+          <a:miter lim="800000"/>
+        </a:ln>
+      </a:lnStyleLst>
+      <a:effectStyleLst>
+        <a:effectStyle>
+          <a:effectLst/>
+        </a:effectStyle>
+        <a:effectStyle>
+          <a:effectLst/>
+        </a:effectStyle>
+        <a:effectStyle>
+          <a:effectLst>
+            <a:outerShdw blurRad="57150" dist="19050" dir="5400000" algn="ctr" rotWithShape="0">
+              <a:srgbClr val="000000">
+                <a:alpha val="63000"/>
+              </a:srgbClr>
+            </a:outerShdw>
+          </a:effectLst>
+        </a:effectStyle>
+      </a:effectStyleLst>
+      <a:bgFillStyleLst>
+        <a:solidFill>
+          <a:schemeClr val="phClr"/>
+        </a:solidFill>
+        <a:solidFill>
+          <a:schemeClr val="phClr">
+            <a:tint val="95000"/>
+            <a:satMod val="170000"/>
+          </a:schemeClr>
+        </a:solidFill>
+        <a:gradFill rotWithShape="1">
+          <a:gsLst>
+            <a:gs pos="0">
+              <a:schemeClr val="phClr">
+                <a:tint val="93000"/>
+                <a:satMod val="150000"/>
+                <a:shade val="98000"/>
+                <a:lumMod val="102000"/>
+              </a:schemeClr>
+            </a:gs>
+            <a:gs pos="50000">
+              <a:schemeClr val="phClr">
+                <a:tint val="98000"/>
+                <a:satMod val="130000"/>
+                <a:shade val="90000"/>
+                <a:lumMod val="103000"/>
+              </a:schemeClr>
+            </a:gs>
+            <a:gs pos="100000">
+              <a:schemeClr val="phClr">
+                <a:shade val="63000"/>
+                <a:satMod val="120000"/>
+              </a:schemeClr>
+            </a:gs>
+          </a:gsLst>
+          <a:lin ang="5400000" scaled="0"/>
+        </a:gradFill>
+      </a:bgFillStyleLst>
+    </a:fmtScheme>
+  </a:themeElements>
+  <a:objectDefaults/>
+  <a:extraClrSchemeLst/>
+  <a:extLst>
+    <a:ext uri="{05A4C25C-085E-4340-85A3-A5531E510DB2}">
+      <thm15:themeFamily xmlns:thm15="http://schemas.microsoft.com/office/thememl/2012/main" name="Office Theme" id="{62F939B6-93AF-4DB8-9C6B-D6C7DFDC589F}" vid="{4A3C46E8-61CC-4603-A589-7422A47A8E4A}"/>
+    </a:ext>
+  </a:extLst>
+</a:theme>
 </file>
--- a/2018/Git-github-fundamentals/gitgithubfundamentals.pptx
+++ b/2018/Git-github-fundamentals/gitgithubfundamentals.pptx
@@ -243,7 +243,7 @@
           <a:p>
             <a:fld id="{649D720D-DDB5-44A4-BBBF-4CA335314AF3}" type="datetimeFigureOut">
               <a:rPr lang="es-MX" smtClean="0"/>
-              <a:t>24/04/2018</a:t>
+              <a:t>25/04/2018</a:t>
             </a:fld>
             <a:endParaRPr lang="es-MX"/>
           </a:p>
@@ -1019,7 +1019,7 @@
           <a:p>
             <a:fld id="{A81717EF-3C14-4F00-8C8A-E97CFC318462}" type="datetimeFigureOut">
               <a:rPr lang="es-MX" smtClean="0"/>
-              <a:t>24/04/2018</a:t>
+              <a:t>25/04/2018</a:t>
             </a:fld>
             <a:endParaRPr lang="es-MX"/>
           </a:p>
@@ -1189,7 +1189,7 @@
           <a:p>
             <a:fld id="{A81717EF-3C14-4F00-8C8A-E97CFC318462}" type="datetimeFigureOut">
               <a:rPr lang="es-MX" smtClean="0"/>
-              <a:t>24/04/2018</a:t>
+              <a:t>25/04/2018</a:t>
             </a:fld>
             <a:endParaRPr lang="es-MX"/>
           </a:p>
@@ -1369,7 +1369,7 @@
           <a:p>
             <a:fld id="{A81717EF-3C14-4F00-8C8A-E97CFC318462}" type="datetimeFigureOut">
               <a:rPr lang="es-MX" smtClean="0"/>
-              <a:t>24/04/2018</a:t>
+              <a:t>25/04/2018</a:t>
             </a:fld>
             <a:endParaRPr lang="es-MX"/>
           </a:p>
@@ -1539,7 +1539,7 @@
           <a:p>
             <a:fld id="{A81717EF-3C14-4F00-8C8A-E97CFC318462}" type="datetimeFigureOut">
               <a:rPr lang="es-MX" smtClean="0"/>
-              <a:t>24/04/2018</a:t>
+              <a:t>25/04/2018</a:t>
             </a:fld>
             <a:endParaRPr lang="es-MX"/>
           </a:p>
@@ -1785,7 +1785,7 @@
           <a:p>
             <a:fld id="{A81717EF-3C14-4F00-8C8A-E97CFC318462}" type="datetimeFigureOut">
               <a:rPr lang="es-MX" smtClean="0"/>
-              <a:t>24/04/2018</a:t>
+              <a:t>25/04/2018</a:t>
             </a:fld>
             <a:endParaRPr lang="es-MX"/>
           </a:p>
@@ -2017,7 +2017,7 @@
           <a:p>
             <a:fld id="{A81717EF-3C14-4F00-8C8A-E97CFC318462}" type="datetimeFigureOut">
               <a:rPr lang="es-MX" smtClean="0"/>
-              <a:t>24/04/2018</a:t>
+              <a:t>25/04/2018</a:t>
             </a:fld>
             <a:endParaRPr lang="es-MX"/>
           </a:p>
@@ -2384,7 +2384,7 @@
           <a:p>
             <a:fld id="{A81717EF-3C14-4F00-8C8A-E97CFC318462}" type="datetimeFigureOut">
               <a:rPr lang="es-MX" smtClean="0"/>
-              <a:t>24/04/2018</a:t>
+              <a:t>25/04/2018</a:t>
             </a:fld>
             <a:endParaRPr lang="es-MX"/>
           </a:p>
@@ -2502,7 +2502,7 @@
           <a:p>
             <a:fld id="{A81717EF-3C14-4F00-8C8A-E97CFC318462}" type="datetimeFigureOut">
               <a:rPr lang="es-MX" smtClean="0"/>
-              <a:t>24/04/2018</a:t>
+              <a:t>25/04/2018</a:t>
             </a:fld>
             <a:endParaRPr lang="es-MX"/>
           </a:p>
@@ -2597,7 +2597,7 @@
           <a:p>
             <a:fld id="{A81717EF-3C14-4F00-8C8A-E97CFC318462}" type="datetimeFigureOut">
               <a:rPr lang="es-MX" smtClean="0"/>
-              <a:t>24/04/2018</a:t>
+              <a:t>25/04/2018</a:t>
             </a:fld>
             <a:endParaRPr lang="es-MX"/>
           </a:p>
@@ -2874,7 +2874,7 @@
           <a:p>
             <a:fld id="{A81717EF-3C14-4F00-8C8A-E97CFC318462}" type="datetimeFigureOut">
               <a:rPr lang="es-MX" smtClean="0"/>
-              <a:t>24/04/2018</a:t>
+              <a:t>25/04/2018</a:t>
             </a:fld>
             <a:endParaRPr lang="es-MX"/>
           </a:p>
@@ -3127,7 +3127,7 @@
           <a:p>
             <a:fld id="{A81717EF-3C14-4F00-8C8A-E97CFC318462}" type="datetimeFigureOut">
               <a:rPr lang="es-MX" smtClean="0"/>
-              <a:t>24/04/2018</a:t>
+              <a:t>25/04/2018</a:t>
             </a:fld>
             <a:endParaRPr lang="es-MX"/>
           </a:p>
@@ -3340,7 +3340,7 @@
           <a:p>
             <a:fld id="{A81717EF-3C14-4F00-8C8A-E97CFC318462}" type="datetimeFigureOut">
               <a:rPr lang="es-MX" smtClean="0"/>
-              <a:t>24/04/2018</a:t>
+              <a:t>25/04/2018</a:t>
             </a:fld>
             <a:endParaRPr lang="es-MX"/>
           </a:p>
@@ -4132,13 +4132,6 @@
               </a:rPr>
               <a:t>]</a:t>
             </a:r>
-            <a:endParaRPr lang="es-MX" sz="2400" dirty="0" smtClean="0">
-              <a:solidFill>
-                <a:srgbClr val="4B6584"/>
-              </a:solidFill>
-              <a:latin typeface="Roboto" panose="02000000000000000000" pitchFamily="2" charset="0"/>
-              <a:ea typeface="Roboto" panose="02000000000000000000" pitchFamily="2" charset="0"/>
-            </a:endParaRPr>
           </a:p>
           <a:p>
             <a:pPr marL="0" indent="0">
@@ -8820,7 +8813,7 @@
               <a:t> &amp; GitHub</a:t>
             </a:r>
             <a:r>
-              <a:rPr lang="es-MX" sz="8000" dirty="0" smtClean="0">
+              <a:rPr lang="es-MX" sz="8000" dirty="0">
                 <a:solidFill>
                   <a:srgbClr val="B71540"/>
                 </a:solidFill>
@@ -8831,7 +8824,7 @@
               <a:t/>
             </a:r>
             <a:br>
-              <a:rPr lang="es-MX" sz="8000" dirty="0" smtClean="0">
+              <a:rPr lang="es-MX" sz="8000" dirty="0">
                 <a:solidFill>
                   <a:srgbClr val="B71540"/>
                 </a:solidFill>

--- a/2018/Git-github-fundamentals/gitgithubfundamentals.pptx
+++ b/2018/Git-github-fundamentals/gitgithubfundamentals.pptx
@@ -243,7 +243,7 @@
           <a:p>
             <a:fld id="{649D720D-DDB5-44A4-BBBF-4CA335314AF3}" type="datetimeFigureOut">
               <a:rPr lang="es-MX" smtClean="0"/>
-              <a:t>25/04/2018</a:t>
+              <a:t>26/04/2018</a:t>
             </a:fld>
             <a:endParaRPr lang="es-MX"/>
           </a:p>
@@ -1019,7 +1019,7 @@
           <a:p>
             <a:fld id="{A81717EF-3C14-4F00-8C8A-E97CFC318462}" type="datetimeFigureOut">
               <a:rPr lang="es-MX" smtClean="0"/>
-              <a:t>25/04/2018</a:t>
+              <a:t>26/04/2018</a:t>
             </a:fld>
             <a:endParaRPr lang="es-MX"/>
           </a:p>
@@ -1189,7 +1189,7 @@
           <a:p>
             <a:fld id="{A81717EF-3C14-4F00-8C8A-E97CFC318462}" type="datetimeFigureOut">
               <a:rPr lang="es-MX" smtClean="0"/>
-              <a:t>25/04/2018</a:t>
+              <a:t>26/04/2018</a:t>
             </a:fld>
             <a:endParaRPr lang="es-MX"/>
           </a:p>
@@ -1369,7 +1369,7 @@
           <a:p>
             <a:fld id="{A81717EF-3C14-4F00-8C8A-E97CFC318462}" type="datetimeFigureOut">
               <a:rPr lang="es-MX" smtClean="0"/>
-              <a:t>25/04/2018</a:t>
+              <a:t>26/04/2018</a:t>
             </a:fld>
             <a:endParaRPr lang="es-MX"/>
           </a:p>
@@ -1539,7 +1539,7 @@
           <a:p>
             <a:fld id="{A81717EF-3C14-4F00-8C8A-E97CFC318462}" type="datetimeFigureOut">
               <a:rPr lang="es-MX" smtClean="0"/>
-              <a:t>25/04/2018</a:t>
+              <a:t>26/04/2018</a:t>
             </a:fld>
             <a:endParaRPr lang="es-MX"/>
           </a:p>
@@ -1785,7 +1785,7 @@
           <a:p>
             <a:fld id="{A81717EF-3C14-4F00-8C8A-E97CFC318462}" type="datetimeFigureOut">
               <a:rPr lang="es-MX" smtClean="0"/>
-              <a:t>25/04/2018</a:t>
+              <a:t>26/04/2018</a:t>
             </a:fld>
             <a:endParaRPr lang="es-MX"/>
           </a:p>
@@ -2017,7 +2017,7 @@
           <a:p>
             <a:fld id="{A81717EF-3C14-4F00-8C8A-E97CFC318462}" type="datetimeFigureOut">
               <a:rPr lang="es-MX" smtClean="0"/>
-              <a:t>25/04/2018</a:t>
+              <a:t>26/04/2018</a:t>
             </a:fld>
             <a:endParaRPr lang="es-MX"/>
           </a:p>
@@ -2384,7 +2384,7 @@
           <a:p>
             <a:fld id="{A81717EF-3C14-4F00-8C8A-E97CFC318462}" type="datetimeFigureOut">
               <a:rPr lang="es-MX" smtClean="0"/>
-              <a:t>25/04/2018</a:t>
+              <a:t>26/04/2018</a:t>
             </a:fld>
             <a:endParaRPr lang="es-MX"/>
           </a:p>
@@ -2502,7 +2502,7 @@
           <a:p>
             <a:fld id="{A81717EF-3C14-4F00-8C8A-E97CFC318462}" type="datetimeFigureOut">
               <a:rPr lang="es-MX" smtClean="0"/>
-              <a:t>25/04/2018</a:t>
+              <a:t>26/04/2018</a:t>
             </a:fld>
             <a:endParaRPr lang="es-MX"/>
           </a:p>
@@ -2597,7 +2597,7 @@
           <a:p>
             <a:fld id="{A81717EF-3C14-4F00-8C8A-E97CFC318462}" type="datetimeFigureOut">
               <a:rPr lang="es-MX" smtClean="0"/>
-              <a:t>25/04/2018</a:t>
+              <a:t>26/04/2018</a:t>
             </a:fld>
             <a:endParaRPr lang="es-MX"/>
           </a:p>
@@ -2874,7 +2874,7 @@
           <a:p>
             <a:fld id="{A81717EF-3C14-4F00-8C8A-E97CFC318462}" type="datetimeFigureOut">
               <a:rPr lang="es-MX" smtClean="0"/>
-              <a:t>25/04/2018</a:t>
+              <a:t>26/04/2018</a:t>
             </a:fld>
             <a:endParaRPr lang="es-MX"/>
           </a:p>
@@ -3127,7 +3127,7 @@
           <a:p>
             <a:fld id="{A81717EF-3C14-4F00-8C8A-E97CFC318462}" type="datetimeFigureOut">
               <a:rPr lang="es-MX" smtClean="0"/>
-              <a:t>25/04/2018</a:t>
+              <a:t>26/04/2018</a:t>
             </a:fld>
             <a:endParaRPr lang="es-MX"/>
           </a:p>
@@ -3340,7 +3340,7 @@
           <a:p>
             <a:fld id="{A81717EF-3C14-4F00-8C8A-E97CFC318462}" type="datetimeFigureOut">
               <a:rPr lang="es-MX" smtClean="0"/>
-              <a:t>25/04/2018</a:t>
+              <a:t>26/04/2018</a:t>
             </a:fld>
             <a:endParaRPr lang="es-MX"/>
           </a:p>
@@ -3766,7 +3766,7 @@
         </p:blipFill>
         <p:spPr bwMode="auto">
           <a:xfrm>
-            <a:off x="910938" y="6286500"/>
+            <a:off x="195322" y="6286500"/>
             <a:ext cx="861060" cy="450175"/>
           </a:xfrm>
           <a:prstGeom prst="rect">
@@ -3808,36 +3808,6 @@
           <a:xfrm>
             <a:off x="2667000" y="0"/>
             <a:ext cx="6858000" cy="6858000"/>
-          </a:xfrm>
-          <a:prstGeom prst="rect">
-            <a:avLst/>
-          </a:prstGeom>
-        </p:spPr>
-      </p:pic>
-      <p:pic>
-        <p:nvPicPr>
-          <p:cNvPr id="6" name="Imagen 5"/>
-          <p:cNvPicPr>
-            <a:picLocks noChangeAspect="1"/>
-          </p:cNvPicPr>
-          <p:nvPr/>
-        </p:nvPicPr>
-        <p:blipFill>
-          <a:blip r:embed="rId4" cstate="print">
-            <a:extLst>
-              <a:ext uri="{28A0092B-C50C-407E-A947-70E740481C1C}">
-                <a14:useLocalDpi xmlns:a14="http://schemas.microsoft.com/office/drawing/2010/main" val="0"/>
-              </a:ext>
-            </a:extLst>
-          </a:blip>
-          <a:stretch>
-            <a:fillRect/>
-          </a:stretch>
-        </p:blipFill>
-        <p:spPr>
-          <a:xfrm>
-            <a:off x="320593" y="6286500"/>
-            <a:ext cx="461154" cy="450175"/>
           </a:xfrm>
           <a:prstGeom prst="rect">
             <a:avLst/>

--- a/2018/Git-github-fundamentals/gitgithubfundamentals.pptx
+++ b/2018/Git-github-fundamentals/gitgithubfundamentals.pptx
@@ -5,7 +5,7 @@
     <p:sldMasterId id="2147483648" r:id="rId1"/>
   </p:sldMasterIdLst>
   <p:notesMasterIdLst>
-    <p:notesMasterId r:id="rId23"/>
+    <p:notesMasterId r:id="rId24"/>
   </p:notesMasterIdLst>
   <p:sldIdLst>
     <p:sldId id="256" r:id="rId2"/>
@@ -28,7 +28,8 @@
     <p:sldId id="276" r:id="rId19"/>
     <p:sldId id="277" r:id="rId20"/>
     <p:sldId id="278" r:id="rId21"/>
-    <p:sldId id="259" r:id="rId22"/>
+    <p:sldId id="279" r:id="rId22"/>
+    <p:sldId id="259" r:id="rId23"/>
   </p:sldIdLst>
   <p:sldSz cx="12192000" cy="6858000"/>
   <p:notesSz cx="6858000" cy="9144000"/>
@@ -243,7 +244,7 @@
           <a:p>
             <a:fld id="{649D720D-DDB5-44A4-BBBF-4CA335314AF3}" type="datetimeFigureOut">
               <a:rPr lang="es-MX" smtClean="0"/>
-              <a:t>26/04/2018</a:t>
+              <a:t>08/06/2018</a:t>
             </a:fld>
             <a:endParaRPr lang="es-MX"/>
           </a:p>
@@ -307,35 +308,35 @@
           <a:p>
             <a:pPr lvl="0"/>
             <a:r>
-              <a:rPr lang="es-ES" smtClean="0"/>
+              <a:rPr lang="es-ES"/>
               <a:t>Editar el estilo de texto del patrón</a:t>
             </a:r>
           </a:p>
           <a:p>
             <a:pPr lvl="1"/>
             <a:r>
-              <a:rPr lang="es-ES" smtClean="0"/>
+              <a:rPr lang="es-ES"/>
               <a:t>Segundo nivel</a:t>
             </a:r>
           </a:p>
           <a:p>
             <a:pPr lvl="2"/>
             <a:r>
-              <a:rPr lang="es-ES" smtClean="0"/>
+              <a:rPr lang="es-ES"/>
               <a:t>Tercer nivel</a:t>
             </a:r>
           </a:p>
           <a:p>
             <a:pPr lvl="3"/>
             <a:r>
-              <a:rPr lang="es-ES" smtClean="0"/>
+              <a:rPr lang="es-ES"/>
               <a:t>Cuarto nivel</a:t>
             </a:r>
           </a:p>
           <a:p>
             <a:pPr lvl="4"/>
             <a:r>
-              <a:rPr lang="es-ES" smtClean="0"/>
+              <a:rPr lang="es-ES"/>
               <a:t>Quinto nivel</a:t>
             </a:r>
             <a:endParaRPr lang="es-MX"/>
@@ -556,26 +557,26 @@
           <a:lstStyle/>
           <a:p>
             <a:r>
-              <a:rPr lang="es-MX" dirty="0" smtClean="0"/>
+              <a:rPr lang="es-MX" dirty="0"/>
               <a:t>Primero crear un folder antes de inicializar</a:t>
             </a:r>
             <a:r>
-              <a:rPr lang="es-MX" baseline="0" dirty="0" smtClean="0"/>
+              <a:rPr lang="es-MX" baseline="0" dirty="0"/>
               <a:t> </a:t>
             </a:r>
             <a:r>
-              <a:rPr lang="es-MX" baseline="0" dirty="0" err="1" smtClean="0"/>
+              <a:rPr lang="es-MX" baseline="0" dirty="0" err="1"/>
               <a:t>git</a:t>
             </a:r>
             <a:r>
-              <a:rPr lang="es-MX" baseline="0" dirty="0" smtClean="0"/>
+              <a:rPr lang="es-MX" baseline="0" dirty="0"/>
               <a:t>  </a:t>
             </a:r>
             <a:br>
-              <a:rPr lang="es-MX" baseline="0" dirty="0" smtClean="0"/>
+              <a:rPr lang="es-MX" baseline="0" dirty="0"/>
             </a:br>
             <a:r>
-              <a:rPr lang="es-MX" baseline="0" dirty="0" smtClean="0"/>
+              <a:rPr lang="es-MX" baseline="0" dirty="0"/>
               <a:t>ES EN EL QUE TRABAJARAN SIEMPRE</a:t>
             </a:r>
           </a:p>
@@ -749,11 +750,11 @@
           <a:lstStyle/>
           <a:p>
             <a:r>
-              <a:rPr lang="es-MX" dirty="0" smtClean="0"/>
+              <a:rPr lang="es-MX" dirty="0"/>
               <a:t>Tour por </a:t>
             </a:r>
             <a:r>
-              <a:rPr lang="es-MX" dirty="0" err="1" smtClean="0"/>
+              <a:rPr lang="es-MX" dirty="0" err="1"/>
               <a:t>github</a:t>
             </a:r>
             <a:endParaRPr lang="es-MX" dirty="0"/>
@@ -841,11 +842,11 @@
           <a:lstStyle/>
           <a:p>
             <a:r>
-              <a:rPr lang="es-MX" dirty="0" smtClean="0"/>
+              <a:rPr lang="es-MX" dirty="0"/>
               <a:t>Explicar rama</a:t>
             </a:r>
             <a:r>
-              <a:rPr lang="es-MX" baseline="0" dirty="0" smtClean="0"/>
+              <a:rPr lang="es-MX" baseline="0" dirty="0"/>
               <a:t> master y como funcionan las ramas</a:t>
             </a:r>
             <a:endParaRPr lang="es-MX" dirty="0"/>
@@ -930,7 +931,7 @@
           </a:lstStyle>
           <a:p>
             <a:r>
-              <a:rPr lang="es-ES" smtClean="0"/>
+              <a:rPr lang="es-ES"/>
               <a:t>Haga clic para modificar el estilo de título del patrón</a:t>
             </a:r>
             <a:endParaRPr lang="es-MX"/>
@@ -995,7 +996,7 @@
           </a:lstStyle>
           <a:p>
             <a:r>
-              <a:rPr lang="es-ES" smtClean="0"/>
+              <a:rPr lang="es-ES"/>
               <a:t>Haga clic para editar el estilo de subtítulo del patrón</a:t>
             </a:r>
             <a:endParaRPr lang="es-MX"/>
@@ -1019,7 +1020,7 @@
           <a:p>
             <a:fld id="{A81717EF-3C14-4F00-8C8A-E97CFC318462}" type="datetimeFigureOut">
               <a:rPr lang="es-MX" smtClean="0"/>
-              <a:t>26/04/2018</a:t>
+              <a:t>08/06/2018</a:t>
             </a:fld>
             <a:endParaRPr lang="es-MX"/>
           </a:p>
@@ -1113,7 +1114,7 @@
           <a:lstStyle/>
           <a:p>
             <a:r>
-              <a:rPr lang="es-ES" smtClean="0"/>
+              <a:rPr lang="es-ES"/>
               <a:t>Haga clic para modificar el estilo de título del patrón</a:t>
             </a:r>
             <a:endParaRPr lang="es-MX"/>
@@ -1137,35 +1138,35 @@
           <a:p>
             <a:pPr lvl="0"/>
             <a:r>
-              <a:rPr lang="es-ES" smtClean="0"/>
+              <a:rPr lang="es-ES"/>
               <a:t>Editar el estilo de texto del patrón</a:t>
             </a:r>
           </a:p>
           <a:p>
             <a:pPr lvl="1"/>
             <a:r>
-              <a:rPr lang="es-ES" smtClean="0"/>
+              <a:rPr lang="es-ES"/>
               <a:t>Segundo nivel</a:t>
             </a:r>
           </a:p>
           <a:p>
             <a:pPr lvl="2"/>
             <a:r>
-              <a:rPr lang="es-ES" smtClean="0"/>
+              <a:rPr lang="es-ES"/>
               <a:t>Tercer nivel</a:t>
             </a:r>
           </a:p>
           <a:p>
             <a:pPr lvl="3"/>
             <a:r>
-              <a:rPr lang="es-ES" smtClean="0"/>
+              <a:rPr lang="es-ES"/>
               <a:t>Cuarto nivel</a:t>
             </a:r>
           </a:p>
           <a:p>
             <a:pPr lvl="4"/>
             <a:r>
-              <a:rPr lang="es-ES" smtClean="0"/>
+              <a:rPr lang="es-ES"/>
               <a:t>Quinto nivel</a:t>
             </a:r>
             <a:endParaRPr lang="es-MX"/>
@@ -1189,7 +1190,7 @@
           <a:p>
             <a:fld id="{A81717EF-3C14-4F00-8C8A-E97CFC318462}" type="datetimeFigureOut">
               <a:rPr lang="es-MX" smtClean="0"/>
-              <a:t>26/04/2018</a:t>
+              <a:t>08/06/2018</a:t>
             </a:fld>
             <a:endParaRPr lang="es-MX"/>
           </a:p>
@@ -1288,7 +1289,7 @@
           <a:lstStyle/>
           <a:p>
             <a:r>
-              <a:rPr lang="es-ES" smtClean="0"/>
+              <a:rPr lang="es-ES"/>
               <a:t>Haga clic para modificar el estilo de título del patrón</a:t>
             </a:r>
             <a:endParaRPr lang="es-MX"/>
@@ -1317,35 +1318,35 @@
           <a:p>
             <a:pPr lvl="0"/>
             <a:r>
-              <a:rPr lang="es-ES" smtClean="0"/>
+              <a:rPr lang="es-ES"/>
               <a:t>Editar el estilo de texto del patrón</a:t>
             </a:r>
           </a:p>
           <a:p>
             <a:pPr lvl="1"/>
             <a:r>
-              <a:rPr lang="es-ES" smtClean="0"/>
+              <a:rPr lang="es-ES"/>
               <a:t>Segundo nivel</a:t>
             </a:r>
           </a:p>
           <a:p>
             <a:pPr lvl="2"/>
             <a:r>
-              <a:rPr lang="es-ES" smtClean="0"/>
+              <a:rPr lang="es-ES"/>
               <a:t>Tercer nivel</a:t>
             </a:r>
           </a:p>
           <a:p>
             <a:pPr lvl="3"/>
             <a:r>
-              <a:rPr lang="es-ES" smtClean="0"/>
+              <a:rPr lang="es-ES"/>
               <a:t>Cuarto nivel</a:t>
             </a:r>
           </a:p>
           <a:p>
             <a:pPr lvl="4"/>
             <a:r>
-              <a:rPr lang="es-ES" smtClean="0"/>
+              <a:rPr lang="es-ES"/>
               <a:t>Quinto nivel</a:t>
             </a:r>
             <a:endParaRPr lang="es-MX"/>
@@ -1369,7 +1370,7 @@
           <a:p>
             <a:fld id="{A81717EF-3C14-4F00-8C8A-E97CFC318462}" type="datetimeFigureOut">
               <a:rPr lang="es-MX" smtClean="0"/>
-              <a:t>26/04/2018</a:t>
+              <a:t>08/06/2018</a:t>
             </a:fld>
             <a:endParaRPr lang="es-MX"/>
           </a:p>
@@ -1463,7 +1464,7 @@
           <a:lstStyle/>
           <a:p>
             <a:r>
-              <a:rPr lang="es-ES" smtClean="0"/>
+              <a:rPr lang="es-ES"/>
               <a:t>Haga clic para modificar el estilo de título del patrón</a:t>
             </a:r>
             <a:endParaRPr lang="es-MX"/>
@@ -1487,35 +1488,35 @@
           <a:p>
             <a:pPr lvl="0"/>
             <a:r>
-              <a:rPr lang="es-ES" smtClean="0"/>
+              <a:rPr lang="es-ES"/>
               <a:t>Editar el estilo de texto del patrón</a:t>
             </a:r>
           </a:p>
           <a:p>
             <a:pPr lvl="1"/>
             <a:r>
-              <a:rPr lang="es-ES" smtClean="0"/>
+              <a:rPr lang="es-ES"/>
               <a:t>Segundo nivel</a:t>
             </a:r>
           </a:p>
           <a:p>
             <a:pPr lvl="2"/>
             <a:r>
-              <a:rPr lang="es-ES" smtClean="0"/>
+              <a:rPr lang="es-ES"/>
               <a:t>Tercer nivel</a:t>
             </a:r>
           </a:p>
           <a:p>
             <a:pPr lvl="3"/>
             <a:r>
-              <a:rPr lang="es-ES" smtClean="0"/>
+              <a:rPr lang="es-ES"/>
               <a:t>Cuarto nivel</a:t>
             </a:r>
           </a:p>
           <a:p>
             <a:pPr lvl="4"/>
             <a:r>
-              <a:rPr lang="es-ES" smtClean="0"/>
+              <a:rPr lang="es-ES"/>
               <a:t>Quinto nivel</a:t>
             </a:r>
             <a:endParaRPr lang="es-MX"/>
@@ -1539,7 +1540,7 @@
           <a:p>
             <a:fld id="{A81717EF-3C14-4F00-8C8A-E97CFC318462}" type="datetimeFigureOut">
               <a:rPr lang="es-MX" smtClean="0"/>
-              <a:t>26/04/2018</a:t>
+              <a:t>08/06/2018</a:t>
             </a:fld>
             <a:endParaRPr lang="es-MX"/>
           </a:p>
@@ -1642,7 +1643,7 @@
           </a:lstStyle>
           <a:p>
             <a:r>
-              <a:rPr lang="es-ES" smtClean="0"/>
+              <a:rPr lang="es-ES"/>
               <a:t>Haga clic para modificar el estilo de título del patrón</a:t>
             </a:r>
             <a:endParaRPr lang="es-MX"/>
@@ -1762,7 +1763,7 @@
           <a:p>
             <a:pPr lvl="0"/>
             <a:r>
-              <a:rPr lang="es-ES" smtClean="0"/>
+              <a:rPr lang="es-ES"/>
               <a:t>Editar el estilo de texto del patrón</a:t>
             </a:r>
           </a:p>
@@ -1785,7 +1786,7 @@
           <a:p>
             <a:fld id="{A81717EF-3C14-4F00-8C8A-E97CFC318462}" type="datetimeFigureOut">
               <a:rPr lang="es-MX" smtClean="0"/>
-              <a:t>26/04/2018</a:t>
+              <a:t>08/06/2018</a:t>
             </a:fld>
             <a:endParaRPr lang="es-MX"/>
           </a:p>
@@ -1879,7 +1880,7 @@
           <a:lstStyle/>
           <a:p>
             <a:r>
-              <a:rPr lang="es-ES" smtClean="0"/>
+              <a:rPr lang="es-ES"/>
               <a:t>Haga clic para modificar el estilo de título del patrón</a:t>
             </a:r>
             <a:endParaRPr lang="es-MX"/>
@@ -1908,35 +1909,35 @@
           <a:p>
             <a:pPr lvl="0"/>
             <a:r>
-              <a:rPr lang="es-ES" smtClean="0"/>
+              <a:rPr lang="es-ES"/>
               <a:t>Editar el estilo de texto del patrón</a:t>
             </a:r>
           </a:p>
           <a:p>
             <a:pPr lvl="1"/>
             <a:r>
-              <a:rPr lang="es-ES" smtClean="0"/>
+              <a:rPr lang="es-ES"/>
               <a:t>Segundo nivel</a:t>
             </a:r>
           </a:p>
           <a:p>
             <a:pPr lvl="2"/>
             <a:r>
-              <a:rPr lang="es-ES" smtClean="0"/>
+              <a:rPr lang="es-ES"/>
               <a:t>Tercer nivel</a:t>
             </a:r>
           </a:p>
           <a:p>
             <a:pPr lvl="3"/>
             <a:r>
-              <a:rPr lang="es-ES" smtClean="0"/>
+              <a:rPr lang="es-ES"/>
               <a:t>Cuarto nivel</a:t>
             </a:r>
           </a:p>
           <a:p>
             <a:pPr lvl="4"/>
             <a:r>
-              <a:rPr lang="es-ES" smtClean="0"/>
+              <a:rPr lang="es-ES"/>
               <a:t>Quinto nivel</a:t>
             </a:r>
             <a:endParaRPr lang="es-MX"/>
@@ -1965,35 +1966,35 @@
           <a:p>
             <a:pPr lvl="0"/>
             <a:r>
-              <a:rPr lang="es-ES" smtClean="0"/>
+              <a:rPr lang="es-ES"/>
               <a:t>Editar el estilo de texto del patrón</a:t>
             </a:r>
           </a:p>
           <a:p>
             <a:pPr lvl="1"/>
             <a:r>
-              <a:rPr lang="es-ES" smtClean="0"/>
+              <a:rPr lang="es-ES"/>
               <a:t>Segundo nivel</a:t>
             </a:r>
           </a:p>
           <a:p>
             <a:pPr lvl="2"/>
             <a:r>
-              <a:rPr lang="es-ES" smtClean="0"/>
+              <a:rPr lang="es-ES"/>
               <a:t>Tercer nivel</a:t>
             </a:r>
           </a:p>
           <a:p>
             <a:pPr lvl="3"/>
             <a:r>
-              <a:rPr lang="es-ES" smtClean="0"/>
+              <a:rPr lang="es-ES"/>
               <a:t>Cuarto nivel</a:t>
             </a:r>
           </a:p>
           <a:p>
             <a:pPr lvl="4"/>
             <a:r>
-              <a:rPr lang="es-ES" smtClean="0"/>
+              <a:rPr lang="es-ES"/>
               <a:t>Quinto nivel</a:t>
             </a:r>
             <a:endParaRPr lang="es-MX"/>
@@ -2017,7 +2018,7 @@
           <a:p>
             <a:fld id="{A81717EF-3C14-4F00-8C8A-E97CFC318462}" type="datetimeFigureOut">
               <a:rPr lang="es-MX" smtClean="0"/>
-              <a:t>26/04/2018</a:t>
+              <a:t>08/06/2018</a:t>
             </a:fld>
             <a:endParaRPr lang="es-MX"/>
           </a:p>
@@ -2116,7 +2117,7 @@
           <a:lstStyle/>
           <a:p>
             <a:r>
-              <a:rPr lang="es-ES" smtClean="0"/>
+              <a:rPr lang="es-ES"/>
               <a:t>Haga clic para modificar el estilo de título del patrón</a:t>
             </a:r>
             <a:endParaRPr lang="es-MX"/>
@@ -2182,7 +2183,7 @@
           <a:p>
             <a:pPr lvl="0"/>
             <a:r>
-              <a:rPr lang="es-ES" smtClean="0"/>
+              <a:rPr lang="es-ES"/>
               <a:t>Editar el estilo de texto del patrón</a:t>
             </a:r>
           </a:p>
@@ -2210,35 +2211,35 @@
           <a:p>
             <a:pPr lvl="0"/>
             <a:r>
-              <a:rPr lang="es-ES" smtClean="0"/>
+              <a:rPr lang="es-ES"/>
               <a:t>Editar el estilo de texto del patrón</a:t>
             </a:r>
           </a:p>
           <a:p>
             <a:pPr lvl="1"/>
             <a:r>
-              <a:rPr lang="es-ES" smtClean="0"/>
+              <a:rPr lang="es-ES"/>
               <a:t>Segundo nivel</a:t>
             </a:r>
           </a:p>
           <a:p>
             <a:pPr lvl="2"/>
             <a:r>
-              <a:rPr lang="es-ES" smtClean="0"/>
+              <a:rPr lang="es-ES"/>
               <a:t>Tercer nivel</a:t>
             </a:r>
           </a:p>
           <a:p>
             <a:pPr lvl="3"/>
             <a:r>
-              <a:rPr lang="es-ES" smtClean="0"/>
+              <a:rPr lang="es-ES"/>
               <a:t>Cuarto nivel</a:t>
             </a:r>
           </a:p>
           <a:p>
             <a:pPr lvl="4"/>
             <a:r>
-              <a:rPr lang="es-ES" smtClean="0"/>
+              <a:rPr lang="es-ES"/>
               <a:t>Quinto nivel</a:t>
             </a:r>
             <a:endParaRPr lang="es-MX"/>
@@ -2304,7 +2305,7 @@
           <a:p>
             <a:pPr lvl="0"/>
             <a:r>
-              <a:rPr lang="es-ES" smtClean="0"/>
+              <a:rPr lang="es-ES"/>
               <a:t>Editar el estilo de texto del patrón</a:t>
             </a:r>
           </a:p>
@@ -2332,35 +2333,35 @@
           <a:p>
             <a:pPr lvl="0"/>
             <a:r>
-              <a:rPr lang="es-ES" smtClean="0"/>
+              <a:rPr lang="es-ES"/>
               <a:t>Editar el estilo de texto del patrón</a:t>
             </a:r>
           </a:p>
           <a:p>
             <a:pPr lvl="1"/>
             <a:r>
-              <a:rPr lang="es-ES" smtClean="0"/>
+              <a:rPr lang="es-ES"/>
               <a:t>Segundo nivel</a:t>
             </a:r>
           </a:p>
           <a:p>
             <a:pPr lvl="2"/>
             <a:r>
-              <a:rPr lang="es-ES" smtClean="0"/>
+              <a:rPr lang="es-ES"/>
               <a:t>Tercer nivel</a:t>
             </a:r>
           </a:p>
           <a:p>
             <a:pPr lvl="3"/>
             <a:r>
-              <a:rPr lang="es-ES" smtClean="0"/>
+              <a:rPr lang="es-ES"/>
               <a:t>Cuarto nivel</a:t>
             </a:r>
           </a:p>
           <a:p>
             <a:pPr lvl="4"/>
             <a:r>
-              <a:rPr lang="es-ES" smtClean="0"/>
+              <a:rPr lang="es-ES"/>
               <a:t>Quinto nivel</a:t>
             </a:r>
             <a:endParaRPr lang="es-MX"/>
@@ -2384,7 +2385,7 @@
           <a:p>
             <a:fld id="{A81717EF-3C14-4F00-8C8A-E97CFC318462}" type="datetimeFigureOut">
               <a:rPr lang="es-MX" smtClean="0"/>
-              <a:t>26/04/2018</a:t>
+              <a:t>08/06/2018</a:t>
             </a:fld>
             <a:endParaRPr lang="es-MX"/>
           </a:p>
@@ -2478,7 +2479,7 @@
           <a:lstStyle/>
           <a:p>
             <a:r>
-              <a:rPr lang="es-ES" smtClean="0"/>
+              <a:rPr lang="es-ES"/>
               <a:t>Haga clic para modificar el estilo de título del patrón</a:t>
             </a:r>
             <a:endParaRPr lang="es-MX"/>
@@ -2502,7 +2503,7 @@
           <a:p>
             <a:fld id="{A81717EF-3C14-4F00-8C8A-E97CFC318462}" type="datetimeFigureOut">
               <a:rPr lang="es-MX" smtClean="0"/>
-              <a:t>26/04/2018</a:t>
+              <a:t>08/06/2018</a:t>
             </a:fld>
             <a:endParaRPr lang="es-MX"/>
           </a:p>
@@ -2597,7 +2598,7 @@
           <a:p>
             <a:fld id="{A81717EF-3C14-4F00-8C8A-E97CFC318462}" type="datetimeFigureOut">
               <a:rPr lang="es-MX" smtClean="0"/>
-              <a:t>26/04/2018</a:t>
+              <a:t>08/06/2018</a:t>
             </a:fld>
             <a:endParaRPr lang="es-MX"/>
           </a:p>
@@ -2700,7 +2701,7 @@
           </a:lstStyle>
           <a:p>
             <a:r>
-              <a:rPr lang="es-ES" smtClean="0"/>
+              <a:rPr lang="es-ES"/>
               <a:t>Haga clic para modificar el estilo de título del patrón</a:t>
             </a:r>
             <a:endParaRPr lang="es-MX"/>
@@ -2757,35 +2758,35 @@
           <a:p>
             <a:pPr lvl="0"/>
             <a:r>
-              <a:rPr lang="es-ES" smtClean="0"/>
+              <a:rPr lang="es-ES"/>
               <a:t>Editar el estilo de texto del patrón</a:t>
             </a:r>
           </a:p>
           <a:p>
             <a:pPr lvl="1"/>
             <a:r>
-              <a:rPr lang="es-ES" smtClean="0"/>
+              <a:rPr lang="es-ES"/>
               <a:t>Segundo nivel</a:t>
             </a:r>
           </a:p>
           <a:p>
             <a:pPr lvl="2"/>
             <a:r>
-              <a:rPr lang="es-ES" smtClean="0"/>
+              <a:rPr lang="es-ES"/>
               <a:t>Tercer nivel</a:t>
             </a:r>
           </a:p>
           <a:p>
             <a:pPr lvl="3"/>
             <a:r>
-              <a:rPr lang="es-ES" smtClean="0"/>
+              <a:rPr lang="es-ES"/>
               <a:t>Cuarto nivel</a:t>
             </a:r>
           </a:p>
           <a:p>
             <a:pPr lvl="4"/>
             <a:r>
-              <a:rPr lang="es-ES" smtClean="0"/>
+              <a:rPr lang="es-ES"/>
               <a:t>Quinto nivel</a:t>
             </a:r>
             <a:endParaRPr lang="es-MX"/>
@@ -2851,7 +2852,7 @@
           <a:p>
             <a:pPr lvl="0"/>
             <a:r>
-              <a:rPr lang="es-ES" smtClean="0"/>
+              <a:rPr lang="es-ES"/>
               <a:t>Editar el estilo de texto del patrón</a:t>
             </a:r>
           </a:p>
@@ -2874,7 +2875,7 @@
           <a:p>
             <a:fld id="{A81717EF-3C14-4F00-8C8A-E97CFC318462}" type="datetimeFigureOut">
               <a:rPr lang="es-MX" smtClean="0"/>
-              <a:t>26/04/2018</a:t>
+              <a:t>08/06/2018</a:t>
             </a:fld>
             <a:endParaRPr lang="es-MX"/>
           </a:p>
@@ -2977,7 +2978,7 @@
           </a:lstStyle>
           <a:p>
             <a:r>
-              <a:rPr lang="es-ES" smtClean="0"/>
+              <a:rPr lang="es-ES"/>
               <a:t>Haga clic para modificar el estilo de título del patrón</a:t>
             </a:r>
             <a:endParaRPr lang="es-MX"/>
@@ -3104,7 +3105,7 @@
           <a:p>
             <a:pPr lvl="0"/>
             <a:r>
-              <a:rPr lang="es-ES" smtClean="0"/>
+              <a:rPr lang="es-ES"/>
               <a:t>Editar el estilo de texto del patrón</a:t>
             </a:r>
           </a:p>
@@ -3127,7 +3128,7 @@
           <a:p>
             <a:fld id="{A81717EF-3C14-4F00-8C8A-E97CFC318462}" type="datetimeFigureOut">
               <a:rPr lang="es-MX" smtClean="0"/>
-              <a:t>26/04/2018</a:t>
+              <a:t>08/06/2018</a:t>
             </a:fld>
             <a:endParaRPr lang="es-MX"/>
           </a:p>
@@ -3236,7 +3237,7 @@
           <a:lstStyle/>
           <a:p>
             <a:r>
-              <a:rPr lang="es-ES" smtClean="0"/>
+              <a:rPr lang="es-ES"/>
               <a:t>Haga clic para modificar el estilo de título del patrón</a:t>
             </a:r>
             <a:endParaRPr lang="es-MX"/>
@@ -3270,35 +3271,35 @@
           <a:p>
             <a:pPr lvl="0"/>
             <a:r>
-              <a:rPr lang="es-ES" smtClean="0"/>
+              <a:rPr lang="es-ES"/>
               <a:t>Editar el estilo de texto del patrón</a:t>
             </a:r>
           </a:p>
           <a:p>
             <a:pPr lvl="1"/>
             <a:r>
-              <a:rPr lang="es-ES" smtClean="0"/>
+              <a:rPr lang="es-ES"/>
               <a:t>Segundo nivel</a:t>
             </a:r>
           </a:p>
           <a:p>
             <a:pPr lvl="2"/>
             <a:r>
-              <a:rPr lang="es-ES" smtClean="0"/>
+              <a:rPr lang="es-ES"/>
               <a:t>Tercer nivel</a:t>
             </a:r>
           </a:p>
           <a:p>
             <a:pPr lvl="3"/>
             <a:r>
-              <a:rPr lang="es-ES" smtClean="0"/>
+              <a:rPr lang="es-ES"/>
               <a:t>Cuarto nivel</a:t>
             </a:r>
           </a:p>
           <a:p>
             <a:pPr lvl="4"/>
             <a:r>
-              <a:rPr lang="es-ES" smtClean="0"/>
+              <a:rPr lang="es-ES"/>
               <a:t>Quinto nivel</a:t>
             </a:r>
             <a:endParaRPr lang="es-MX"/>
@@ -3340,7 +3341,7 @@
           <a:p>
             <a:fld id="{A81717EF-3C14-4F00-8C8A-E97CFC318462}" type="datetimeFigureOut">
               <a:rPr lang="es-MX" smtClean="0"/>
-              <a:t>26/04/2018</a:t>
+              <a:t>08/06/2018</a:t>
             </a:fld>
             <a:endParaRPr lang="es-MX"/>
           </a:p>
@@ -3824,13 +3825,6 @@
   <p:clrMapOvr>
     <a:masterClrMapping/>
   </p:clrMapOvr>
-  <p:timing>
-    <p:tnLst>
-      <p:par>
-        <p:cTn id="1" dur="indefinite" restart="never" nodeType="tmRoot"/>
-      </p:par>
-    </p:tnLst>
-  </p:timing>
 </p:sld>
 </file>
 
@@ -3893,22 +3887,15 @@
           </a:lstStyle>
           <a:p>
             <a:r>
-              <a:rPr lang="es-MX" sz="5000" dirty="0" smtClean="0">
-                <a:solidFill>
-                  <a:srgbClr val="C00000"/>
-                </a:solidFill>
-                <a:latin typeface="Roboto Black" panose="02000000000000000000" pitchFamily="2" charset="0"/>
+              <a:rPr lang="es-MX" sz="5000" b="1" dirty="0">
+                <a:solidFill>
+                  <a:srgbClr val="D61E3C"/>
+                </a:solidFill>
+                <a:latin typeface="Gotham Rounded Book" pitchFamily="50" charset="0"/>
                 <a:ea typeface="Roboto Black" panose="02000000000000000000" pitchFamily="2" charset="0"/>
               </a:rPr>
               <a:t>GitHub Repo</a:t>
             </a:r>
-            <a:endParaRPr lang="es-MX" sz="3000" dirty="0">
-              <a:solidFill>
-                <a:srgbClr val="C00000"/>
-              </a:solidFill>
-              <a:latin typeface="Roboto" panose="02000000000000000000" pitchFamily="2" charset="0"/>
-              <a:ea typeface="Roboto" panose="02000000000000000000" pitchFamily="2" charset="0"/>
-            </a:endParaRPr>
           </a:p>
         </p:txBody>
       </p:sp>
@@ -3925,7 +3912,7 @@
         <p:spPr/>
         <p:txBody>
           <a:bodyPr>
-            <a:normAutofit lnSpcReduction="10000"/>
+            <a:normAutofit/>
           </a:bodyPr>
           <a:lstStyle/>
           <a:p>
@@ -3933,13 +3920,13 @@
               <a:buNone/>
             </a:pPr>
             <a:r>
-              <a:rPr lang="es-MX" sz="2200" dirty="0" smtClean="0">
+              <a:rPr lang="es-MX" sz="2000" dirty="0">
                 <a:solidFill>
                   <a:schemeClr val="bg1">
                     <a:lumMod val="75000"/>
                   </a:schemeClr>
                 </a:solidFill>
-                <a:latin typeface="Roboto" panose="02000000000000000000" pitchFamily="2" charset="0"/>
+                <a:latin typeface="Gotham Rounded Medium" panose="02000000000000000000" pitchFamily="50" charset="0"/>
                 <a:ea typeface="Roboto" panose="02000000000000000000" pitchFamily="2" charset="0"/>
               </a:rPr>
               <a:t>Crear repo en GitHub</a:t>
@@ -3949,13 +3936,13 @@
             <a:pPr marL="0" indent="0">
               <a:buNone/>
             </a:pPr>
-            <a:endParaRPr lang="es-MX" sz="2200" dirty="0">
+            <a:endParaRPr lang="es-MX" sz="2000" dirty="0">
               <a:solidFill>
                 <a:schemeClr val="bg1">
                   <a:lumMod val="75000"/>
                 </a:schemeClr>
               </a:solidFill>
-              <a:latin typeface="Roboto" panose="02000000000000000000" pitchFamily="2" charset="0"/>
+              <a:latin typeface="Gotham Rounded Medium" panose="02000000000000000000" pitchFamily="50" charset="0"/>
               <a:ea typeface="Roboto" panose="02000000000000000000" pitchFamily="2" charset="0"/>
             </a:endParaRPr>
           </a:p>
@@ -3964,140 +3951,118 @@
               <a:buNone/>
             </a:pPr>
             <a:r>
-              <a:rPr lang="es-MX" sz="2200" dirty="0" smtClean="0">
+              <a:rPr lang="es-MX" sz="2000" dirty="0">
                 <a:solidFill>
                   <a:schemeClr val="bg1">
                     <a:lumMod val="75000"/>
                   </a:schemeClr>
                 </a:solidFill>
-                <a:latin typeface="Roboto" panose="02000000000000000000" pitchFamily="2" charset="0"/>
-                <a:ea typeface="Roboto" panose="02000000000000000000" pitchFamily="2" charset="0"/>
-              </a:rPr>
-              <a:t>Agregando </a:t>
+                <a:latin typeface="Gotham Rounded Medium" panose="02000000000000000000" pitchFamily="50" charset="0"/>
+                <a:ea typeface="Roboto" panose="02000000000000000000" pitchFamily="2" charset="0"/>
+              </a:rPr>
+              <a:t>Agregando el acceso al repo remoto</a:t>
+            </a:r>
+          </a:p>
+          <a:p>
+            <a:pPr marL="0" indent="0">
+              <a:buNone/>
+            </a:pPr>
+            <a:r>
+              <a:rPr lang="es-MX" sz="2200" dirty="0" err="1">
+                <a:solidFill>
+                  <a:srgbClr val="4B6584"/>
+                </a:solidFill>
+                <a:latin typeface="Gotham Rounded Bold" pitchFamily="50" charset="0"/>
+                <a:ea typeface="Roboto" panose="02000000000000000000" pitchFamily="2" charset="0"/>
+              </a:rPr>
+              <a:t>git</a:t>
             </a:r>
             <a:r>
               <a:rPr lang="es-MX" sz="2200" dirty="0">
                 <a:solidFill>
-                  <a:schemeClr val="bg1">
-                    <a:lumMod val="75000"/>
-                  </a:schemeClr>
-                </a:solidFill>
-                <a:latin typeface="Roboto" panose="02000000000000000000" pitchFamily="2" charset="0"/>
-                <a:ea typeface="Roboto" panose="02000000000000000000" pitchFamily="2" charset="0"/>
-              </a:rPr>
-              <a:t>el acceso al repo remoto</a:t>
-            </a:r>
-          </a:p>
-          <a:p>
-            <a:pPr marL="0" indent="0">
-              <a:buNone/>
-            </a:pPr>
-            <a:r>
-              <a:rPr lang="es-MX" sz="2400" dirty="0" err="1" smtClean="0">
-                <a:solidFill>
                   <a:srgbClr val="4B6584"/>
                 </a:solidFill>
-                <a:latin typeface="Roboto" panose="02000000000000000000" pitchFamily="2" charset="0"/>
-                <a:ea typeface="Roboto" panose="02000000000000000000" pitchFamily="2" charset="0"/>
-              </a:rPr>
-              <a:t>git</a:t>
-            </a:r>
-            <a:r>
-              <a:rPr lang="es-MX" sz="2400" dirty="0" smtClean="0">
+                <a:latin typeface="Gotham Rounded Bold" pitchFamily="50" charset="0"/>
+                <a:ea typeface="Roboto" panose="02000000000000000000" pitchFamily="2" charset="0"/>
+              </a:rPr>
+              <a:t> </a:t>
+            </a:r>
+            <a:r>
+              <a:rPr lang="es-MX" sz="2200" dirty="0" err="1">
                 <a:solidFill>
                   <a:srgbClr val="4B6584"/>
                 </a:solidFill>
-                <a:latin typeface="Roboto" panose="02000000000000000000" pitchFamily="2" charset="0"/>
+                <a:latin typeface="Gotham Rounded Bold" pitchFamily="50" charset="0"/>
+                <a:ea typeface="Roboto" panose="02000000000000000000" pitchFamily="2" charset="0"/>
+              </a:rPr>
+              <a:t>remote</a:t>
+            </a:r>
+            <a:r>
+              <a:rPr lang="es-MX" sz="2200" dirty="0">
+                <a:solidFill>
+                  <a:srgbClr val="4B6584"/>
+                </a:solidFill>
+                <a:latin typeface="Gotham Rounded Bold" pitchFamily="50" charset="0"/>
                 <a:ea typeface="Roboto" panose="02000000000000000000" pitchFamily="2" charset="0"/>
               </a:rPr>
               <a:t> </a:t>
             </a:r>
             <a:r>
-              <a:rPr lang="es-MX" sz="2400" dirty="0" err="1">
+              <a:rPr lang="es-MX" sz="2200" dirty="0" err="1">
                 <a:solidFill>
                   <a:srgbClr val="4B6584"/>
                 </a:solidFill>
-                <a:latin typeface="Roboto" panose="02000000000000000000" pitchFamily="2" charset="0"/>
-                <a:ea typeface="Roboto" panose="02000000000000000000" pitchFamily="2" charset="0"/>
-              </a:rPr>
-              <a:t>remote</a:t>
-            </a:r>
-            <a:r>
-              <a:rPr lang="es-MX" sz="2400" dirty="0">
+                <a:latin typeface="Gotham Rounded Bold" pitchFamily="50" charset="0"/>
+                <a:ea typeface="Roboto" panose="02000000000000000000" pitchFamily="2" charset="0"/>
+              </a:rPr>
+              <a:t>add</a:t>
+            </a:r>
+            <a:r>
+              <a:rPr lang="es-MX" sz="2200" dirty="0">
                 <a:solidFill>
                   <a:srgbClr val="4B6584"/>
                 </a:solidFill>
-                <a:latin typeface="Roboto" panose="02000000000000000000" pitchFamily="2" charset="0"/>
+                <a:latin typeface="Gotham Rounded Bold" pitchFamily="50" charset="0"/>
                 <a:ea typeface="Roboto" panose="02000000000000000000" pitchFamily="2" charset="0"/>
               </a:rPr>
               <a:t> </a:t>
             </a:r>
             <a:r>
-              <a:rPr lang="es-MX" sz="2400" dirty="0" err="1">
+              <a:rPr lang="es-MX" sz="2200" dirty="0" err="1">
                 <a:solidFill>
                   <a:srgbClr val="4B6584"/>
                 </a:solidFill>
-                <a:latin typeface="Roboto" panose="02000000000000000000" pitchFamily="2" charset="0"/>
-                <a:ea typeface="Roboto" panose="02000000000000000000" pitchFamily="2" charset="0"/>
-              </a:rPr>
-              <a:t>add</a:t>
-            </a:r>
-            <a:r>
-              <a:rPr lang="es-MX" sz="2400" dirty="0">
+                <a:latin typeface="Gotham Rounded Bold" pitchFamily="50" charset="0"/>
+                <a:ea typeface="Roboto" panose="02000000000000000000" pitchFamily="2" charset="0"/>
+              </a:rPr>
+              <a:t>origin</a:t>
+            </a:r>
+            <a:r>
+              <a:rPr lang="es-MX" sz="2200" dirty="0">
                 <a:solidFill>
                   <a:srgbClr val="4B6584"/>
                 </a:solidFill>
-                <a:latin typeface="Roboto" panose="02000000000000000000" pitchFamily="2" charset="0"/>
-                <a:ea typeface="Roboto" panose="02000000000000000000" pitchFamily="2" charset="0"/>
-              </a:rPr>
-              <a:t> </a:t>
-            </a:r>
-            <a:r>
-              <a:rPr lang="es-MX" sz="2400" dirty="0" err="1">
+                <a:latin typeface="Gotham Rounded Bold" pitchFamily="50" charset="0"/>
+                <a:ea typeface="Roboto" panose="02000000000000000000" pitchFamily="2" charset="0"/>
+              </a:rPr>
+              <a:t> [</a:t>
+            </a:r>
+            <a:r>
+              <a:rPr lang="es-MX" sz="2200" dirty="0" err="1">
                 <a:solidFill>
                   <a:srgbClr val="4B6584"/>
                 </a:solidFill>
-                <a:latin typeface="Roboto" panose="02000000000000000000" pitchFamily="2" charset="0"/>
-                <a:ea typeface="Roboto" panose="02000000000000000000" pitchFamily="2" charset="0"/>
-              </a:rPr>
-              <a:t>origin</a:t>
-            </a:r>
-            <a:r>
-              <a:rPr lang="es-MX" sz="2400" dirty="0">
+                <a:latin typeface="Gotham Rounded Bold" pitchFamily="50" charset="0"/>
+                <a:ea typeface="Roboto" panose="02000000000000000000" pitchFamily="2" charset="0"/>
+              </a:rPr>
+              <a:t>url</a:t>
+            </a:r>
+            <a:r>
+              <a:rPr lang="es-MX" sz="2200" dirty="0">
                 <a:solidFill>
                   <a:srgbClr val="4B6584"/>
                 </a:solidFill>
-                <a:latin typeface="Roboto" panose="02000000000000000000" pitchFamily="2" charset="0"/>
-                <a:ea typeface="Roboto" panose="02000000000000000000" pitchFamily="2" charset="0"/>
-              </a:rPr>
-              <a:t> </a:t>
-            </a:r>
-            <a:r>
-              <a:rPr lang="es-MX" sz="2400" dirty="0" smtClean="0">
-                <a:solidFill>
-                  <a:srgbClr val="4B6584"/>
-                </a:solidFill>
-                <a:latin typeface="Roboto" panose="02000000000000000000" pitchFamily="2" charset="0"/>
-                <a:ea typeface="Roboto" panose="02000000000000000000" pitchFamily="2" charset="0"/>
-              </a:rPr>
-              <a:t>[</a:t>
-            </a:r>
-            <a:r>
-              <a:rPr lang="es-MX" sz="2400" dirty="0" err="1" smtClean="0">
-                <a:solidFill>
-                  <a:srgbClr val="4B6584"/>
-                </a:solidFill>
-                <a:latin typeface="Roboto" panose="02000000000000000000" pitchFamily="2" charset="0"/>
-                <a:ea typeface="Roboto" panose="02000000000000000000" pitchFamily="2" charset="0"/>
-              </a:rPr>
-              <a:t>url</a:t>
-            </a:r>
-            <a:r>
-              <a:rPr lang="es-MX" sz="2400" dirty="0" smtClean="0">
-                <a:solidFill>
-                  <a:srgbClr val="4B6584"/>
-                </a:solidFill>
-                <a:latin typeface="Roboto" panose="02000000000000000000" pitchFamily="2" charset="0"/>
+                <a:latin typeface="Gotham Rounded Bold" pitchFamily="50" charset="0"/>
                 <a:ea typeface="Roboto" panose="02000000000000000000" pitchFamily="2" charset="0"/>
               </a:rPr>
               <a:t>]</a:t>
@@ -4122,58 +4087,58 @@
               <a:buNone/>
             </a:pPr>
             <a:r>
+              <a:rPr lang="es-MX" sz="2000" dirty="0">
+                <a:solidFill>
+                  <a:schemeClr val="bg1">
+                    <a:lumMod val="75000"/>
+                  </a:schemeClr>
+                </a:solidFill>
+                <a:latin typeface="Gotham Rounded Medium" panose="02000000000000000000" pitchFamily="50" charset="0"/>
+                <a:ea typeface="Roboto" panose="02000000000000000000" pitchFamily="2" charset="0"/>
+              </a:rPr>
+              <a:t>Ver todas las conexiones a remoto</a:t>
+            </a:r>
+          </a:p>
+          <a:p>
+            <a:pPr marL="0" indent="0">
+              <a:buNone/>
+            </a:pPr>
+            <a:r>
+              <a:rPr lang="es-MX" sz="2200" dirty="0" err="1">
+                <a:solidFill>
+                  <a:srgbClr val="4B6584"/>
+                </a:solidFill>
+                <a:latin typeface="Gotham Rounded Bold" pitchFamily="50" charset="0"/>
+                <a:ea typeface="Roboto" panose="02000000000000000000" pitchFamily="2" charset="0"/>
+              </a:rPr>
+              <a:t>git</a:t>
+            </a:r>
+            <a:r>
               <a:rPr lang="es-MX" sz="2200" dirty="0">
                 <a:solidFill>
-                  <a:schemeClr val="bg1">
-                    <a:lumMod val="75000"/>
-                  </a:schemeClr>
-                </a:solidFill>
-                <a:latin typeface="Roboto" panose="02000000000000000000" pitchFamily="2" charset="0"/>
-                <a:ea typeface="Roboto" panose="02000000000000000000" pitchFamily="2" charset="0"/>
-              </a:rPr>
-              <a:t>Ver todas las conexiones a remoto</a:t>
-            </a:r>
-          </a:p>
-          <a:p>
-            <a:pPr marL="0" indent="0">
-              <a:buNone/>
-            </a:pPr>
-            <a:r>
-              <a:rPr lang="es-MX" sz="2400" dirty="0" err="1" smtClean="0">
-                <a:solidFill>
                   <a:srgbClr val="4B6584"/>
                 </a:solidFill>
-                <a:latin typeface="Roboto" panose="02000000000000000000" pitchFamily="2" charset="0"/>
-                <a:ea typeface="Roboto" panose="02000000000000000000" pitchFamily="2" charset="0"/>
-              </a:rPr>
-              <a:t>git</a:t>
-            </a:r>
-            <a:r>
-              <a:rPr lang="es-MX" sz="2400" dirty="0" smtClean="0">
+                <a:latin typeface="Gotham Rounded Bold" pitchFamily="50" charset="0"/>
+                <a:ea typeface="Roboto" panose="02000000000000000000" pitchFamily="2" charset="0"/>
+              </a:rPr>
+              <a:t> </a:t>
+            </a:r>
+            <a:r>
+              <a:rPr lang="es-MX" sz="2200" dirty="0" err="1">
                 <a:solidFill>
                   <a:srgbClr val="4B6584"/>
                 </a:solidFill>
-                <a:latin typeface="Roboto" panose="02000000000000000000" pitchFamily="2" charset="0"/>
-                <a:ea typeface="Roboto" panose="02000000000000000000" pitchFamily="2" charset="0"/>
-              </a:rPr>
-              <a:t> </a:t>
-            </a:r>
-            <a:r>
-              <a:rPr lang="es-MX" sz="2400" dirty="0" err="1" smtClean="0">
+                <a:latin typeface="Gotham Rounded Bold" pitchFamily="50" charset="0"/>
+                <a:ea typeface="Roboto" panose="02000000000000000000" pitchFamily="2" charset="0"/>
+              </a:rPr>
+              <a:t>remote</a:t>
+            </a:r>
+            <a:r>
+              <a:rPr lang="es-MX" sz="2200" dirty="0">
                 <a:solidFill>
                   <a:srgbClr val="4B6584"/>
                 </a:solidFill>
-                <a:latin typeface="Roboto" panose="02000000000000000000" pitchFamily="2" charset="0"/>
-                <a:ea typeface="Roboto" panose="02000000000000000000" pitchFamily="2" charset="0"/>
-              </a:rPr>
-              <a:t>remote</a:t>
-            </a:r>
-            <a:r>
-              <a:rPr lang="es-MX" sz="2400" dirty="0" smtClean="0">
-                <a:solidFill>
-                  <a:srgbClr val="4B6584"/>
-                </a:solidFill>
-                <a:latin typeface="Roboto" panose="02000000000000000000" pitchFamily="2" charset="0"/>
+                <a:latin typeface="Gotham Rounded Bold" pitchFamily="50" charset="0"/>
                 <a:ea typeface="Roboto" panose="02000000000000000000" pitchFamily="2" charset="0"/>
               </a:rPr>
               <a:t> –v</a:t>
@@ -4198,98 +4163,151 @@
               <a:buNone/>
             </a:pPr>
             <a:r>
+              <a:rPr lang="es-MX" sz="2000" dirty="0">
+                <a:solidFill>
+                  <a:schemeClr val="bg1">
+                    <a:lumMod val="75000"/>
+                  </a:schemeClr>
+                </a:solidFill>
+                <a:latin typeface="Gotham Rounded Medium" panose="02000000000000000000" pitchFamily="50" charset="0"/>
+                <a:ea typeface="Roboto" panose="02000000000000000000" pitchFamily="2" charset="0"/>
+              </a:rPr>
+              <a:t>Publicar cambios</a:t>
+            </a:r>
+          </a:p>
+          <a:p>
+            <a:pPr marL="0" indent="0">
+              <a:buNone/>
+            </a:pPr>
+            <a:r>
+              <a:rPr lang="es-MX" sz="2200" dirty="0" err="1">
+                <a:solidFill>
+                  <a:srgbClr val="4B6584"/>
+                </a:solidFill>
+                <a:latin typeface="Gotham Rounded Bold" pitchFamily="50" charset="0"/>
+                <a:ea typeface="Roboto" panose="02000000000000000000" pitchFamily="2" charset="0"/>
+              </a:rPr>
+              <a:t>git</a:t>
+            </a:r>
+            <a:r>
               <a:rPr lang="es-MX" sz="2200" dirty="0">
                 <a:solidFill>
+                  <a:srgbClr val="4B6584"/>
+                </a:solidFill>
+                <a:latin typeface="Gotham Rounded Bold" pitchFamily="50" charset="0"/>
+                <a:ea typeface="Roboto" panose="02000000000000000000" pitchFamily="2" charset="0"/>
+              </a:rPr>
+              <a:t> </a:t>
+            </a:r>
+            <a:r>
+              <a:rPr lang="es-MX" sz="2200" dirty="0" err="1">
+                <a:solidFill>
+                  <a:srgbClr val="4B6584"/>
+                </a:solidFill>
+                <a:latin typeface="Gotham Rounded Bold" pitchFamily="50" charset="0"/>
+                <a:ea typeface="Roboto" panose="02000000000000000000" pitchFamily="2" charset="0"/>
+              </a:rPr>
+              <a:t>push</a:t>
+            </a:r>
+            <a:r>
+              <a:rPr lang="es-MX" sz="2200" dirty="0">
+                <a:solidFill>
+                  <a:srgbClr val="4B6584"/>
+                </a:solidFill>
+                <a:latin typeface="Gotham Rounded Bold" pitchFamily="50" charset="0"/>
+                <a:ea typeface="Roboto" panose="02000000000000000000" pitchFamily="2" charset="0"/>
+              </a:rPr>
+              <a:t> </a:t>
+            </a:r>
+            <a:r>
+              <a:rPr lang="es-MX" sz="2200" dirty="0" err="1">
+                <a:solidFill>
+                  <a:srgbClr val="4B6584"/>
+                </a:solidFill>
+                <a:latin typeface="Gotham Rounded Bold" pitchFamily="50" charset="0"/>
+                <a:ea typeface="Roboto" panose="02000000000000000000" pitchFamily="2" charset="0"/>
+              </a:rPr>
+              <a:t>origin</a:t>
+            </a:r>
+            <a:r>
+              <a:rPr lang="es-MX" sz="2200" dirty="0">
+                <a:solidFill>
+                  <a:srgbClr val="4B6584"/>
+                </a:solidFill>
+                <a:latin typeface="Gotham Rounded Bold" pitchFamily="50" charset="0"/>
+                <a:ea typeface="Roboto" panose="02000000000000000000" pitchFamily="2" charset="0"/>
+              </a:rPr>
+              <a:t> master</a:t>
+            </a:r>
+          </a:p>
+        </p:txBody>
+      </p:sp>
+      <p:sp>
+        <p:nvSpPr>
+          <p:cNvPr id="5" name="CuadroTexto 4">
+            <a:extLst>
+              <a:ext uri="{FF2B5EF4-FFF2-40B4-BE49-F238E27FC236}">
+                <a16:creationId xmlns:a16="http://schemas.microsoft.com/office/drawing/2014/main" id="{E2DF42F2-6677-4129-A48F-C56EFD13A0F2}"/>
+              </a:ext>
+            </a:extLst>
+          </p:cNvPr>
+          <p:cNvSpPr txBox="1"/>
+          <p:nvPr/>
+        </p:nvSpPr>
+        <p:spPr>
+          <a:xfrm>
+            <a:off x="10519955" y="6534835"/>
+            <a:ext cx="1672045" cy="323165"/>
+          </a:xfrm>
+          <a:prstGeom prst="rect">
+            <a:avLst/>
+          </a:prstGeom>
+          <a:noFill/>
+        </p:spPr>
+        <p:txBody>
+          <a:bodyPr wrap="square" rtlCol="0">
+            <a:spAutoFit/>
+          </a:bodyPr>
+          <a:lstStyle/>
+          <a:p>
+            <a:r>
+              <a:rPr lang="en-US" sz="1500" dirty="0">
+                <a:solidFill>
+                  <a:srgbClr val="FFC000"/>
+                </a:solidFill>
+                <a:latin typeface="Gotham Rounded Medium" panose="02000000000000000000" pitchFamily="50" charset="0"/>
+              </a:rPr>
+              <a:t>[ ] NO </a:t>
+            </a:r>
+            <a:r>
+              <a:rPr lang="en-US" sz="1200" dirty="0">
+                <a:solidFill>
                   <a:schemeClr val="bg1">
                     <a:lumMod val="75000"/>
                   </a:schemeClr>
                 </a:solidFill>
-                <a:latin typeface="Roboto" panose="02000000000000000000" pitchFamily="2" charset="0"/>
-                <a:ea typeface="Roboto" panose="02000000000000000000" pitchFamily="2" charset="0"/>
-              </a:rPr>
-              <a:t>Publicar cambios</a:t>
-            </a:r>
-          </a:p>
-          <a:p>
-            <a:pPr marL="0" indent="0">
-              <a:buNone/>
-            </a:pPr>
-            <a:r>
-              <a:rPr lang="es-MX" sz="2400" dirty="0" err="1">
-                <a:solidFill>
-                  <a:srgbClr val="4B6584"/>
-                </a:solidFill>
-                <a:latin typeface="Roboto" panose="02000000000000000000" pitchFamily="2" charset="0"/>
-                <a:ea typeface="Roboto" panose="02000000000000000000" pitchFamily="2" charset="0"/>
-              </a:rPr>
-              <a:t>g</a:t>
-            </a:r>
-            <a:r>
-              <a:rPr lang="es-MX" sz="2400" dirty="0" err="1" smtClean="0">
-                <a:solidFill>
-                  <a:srgbClr val="4B6584"/>
-                </a:solidFill>
-                <a:latin typeface="Roboto" panose="02000000000000000000" pitchFamily="2" charset="0"/>
-                <a:ea typeface="Roboto" panose="02000000000000000000" pitchFamily="2" charset="0"/>
-              </a:rPr>
-              <a:t>it</a:t>
-            </a:r>
-            <a:r>
-              <a:rPr lang="es-MX" sz="2400" dirty="0" smtClean="0">
-                <a:solidFill>
-                  <a:srgbClr val="4B6584"/>
-                </a:solidFill>
-                <a:latin typeface="Roboto" panose="02000000000000000000" pitchFamily="2" charset="0"/>
-                <a:ea typeface="Roboto" panose="02000000000000000000" pitchFamily="2" charset="0"/>
-              </a:rPr>
-              <a:t> </a:t>
-            </a:r>
-            <a:r>
-              <a:rPr lang="es-MX" sz="2400" dirty="0" err="1" smtClean="0">
-                <a:solidFill>
-                  <a:srgbClr val="4B6584"/>
-                </a:solidFill>
-                <a:latin typeface="Roboto" panose="02000000000000000000" pitchFamily="2" charset="0"/>
-                <a:ea typeface="Roboto" panose="02000000000000000000" pitchFamily="2" charset="0"/>
-              </a:rPr>
-              <a:t>push</a:t>
-            </a:r>
-            <a:r>
-              <a:rPr lang="es-MX" sz="2400" dirty="0" smtClean="0">
-                <a:solidFill>
-                  <a:srgbClr val="4B6584"/>
-                </a:solidFill>
-                <a:latin typeface="Roboto" panose="02000000000000000000" pitchFamily="2" charset="0"/>
-                <a:ea typeface="Roboto" panose="02000000000000000000" pitchFamily="2" charset="0"/>
-              </a:rPr>
-              <a:t> </a:t>
-            </a:r>
-            <a:r>
-              <a:rPr lang="es-MX" sz="2400" dirty="0" err="1" smtClean="0">
-                <a:solidFill>
-                  <a:srgbClr val="4B6584"/>
-                </a:solidFill>
-                <a:latin typeface="Roboto" panose="02000000000000000000" pitchFamily="2" charset="0"/>
-                <a:ea typeface="Roboto" panose="02000000000000000000" pitchFamily="2" charset="0"/>
-              </a:rPr>
-              <a:t>origin</a:t>
-            </a:r>
-            <a:r>
-              <a:rPr lang="es-MX" sz="2400" dirty="0" smtClean="0">
-                <a:solidFill>
-                  <a:srgbClr val="4B6584"/>
-                </a:solidFill>
-                <a:latin typeface="Roboto" panose="02000000000000000000" pitchFamily="2" charset="0"/>
-                <a:ea typeface="Roboto" panose="02000000000000000000" pitchFamily="2" charset="0"/>
-              </a:rPr>
-              <a:t> master</a:t>
-            </a:r>
-            <a:endParaRPr lang="es-MX" sz="2400" dirty="0">
+                <a:latin typeface="Gotham Rounded Medium" panose="02000000000000000000" pitchFamily="50" charset="0"/>
+              </a:rPr>
+              <a:t>se </a:t>
+            </a:r>
+            <a:r>
+              <a:rPr lang="en-US" sz="1200" dirty="0" err="1">
+                <a:solidFill>
+                  <a:schemeClr val="bg1">
+                    <a:lumMod val="75000"/>
+                  </a:schemeClr>
+                </a:solidFill>
+                <a:latin typeface="Gotham Rounded Medium" panose="02000000000000000000" pitchFamily="50" charset="0"/>
+              </a:rPr>
+              <a:t>teclean</a:t>
+            </a:r>
+            <a:endParaRPr lang="es-MX" sz="1200" dirty="0">
               <a:solidFill>
-                <a:srgbClr val="4B6584"/>
+                <a:schemeClr val="bg1">
+                  <a:lumMod val="75000"/>
+                </a:schemeClr>
               </a:solidFill>
-              <a:latin typeface="Roboto" panose="02000000000000000000" pitchFamily="2" charset="0"/>
-              <a:ea typeface="Roboto" panose="02000000000000000000" pitchFamily="2" charset="0"/>
+              <a:latin typeface="Gotham Rounded Medium" panose="02000000000000000000" pitchFamily="50" charset="0"/>
             </a:endParaRPr>
           </a:p>
         </p:txBody>
@@ -4304,13 +4322,6 @@
   <p:clrMapOvr>
     <a:masterClrMapping/>
   </p:clrMapOvr>
-  <p:timing>
-    <p:tnLst>
-      <p:par>
-        <p:cTn id="1" dur="indefinite" restart="never" nodeType="tmRoot"/>
-      </p:par>
-    </p:tnLst>
-  </p:timing>
 </p:sld>
 </file>
 
@@ -4373,24 +4384,15 @@
           </a:lstStyle>
           <a:p>
             <a:r>
-              <a:rPr lang="es-MX" sz="5000" dirty="0" smtClean="0">
-                <a:solidFill>
-                  <a:srgbClr val="B71540"/>
-                </a:solidFill>
-                <a:latin typeface="Roboto Black" panose="02000000000000000000" pitchFamily="2" charset="0"/>
+              <a:rPr lang="es-MX" sz="5000" b="1" dirty="0">
+                <a:solidFill>
+                  <a:srgbClr val="D61E3C"/>
+                </a:solidFill>
+                <a:latin typeface="Gotham Rounded Book" pitchFamily="50" charset="0"/>
                 <a:ea typeface="Roboto Black" panose="02000000000000000000" pitchFamily="2" charset="0"/>
               </a:rPr>
               <a:t>Esenciales</a:t>
             </a:r>
-            <a:endParaRPr lang="es-MX" sz="2000" dirty="0">
-              <a:solidFill>
-                <a:schemeClr val="bg1">
-                  <a:lumMod val="50000"/>
-                </a:schemeClr>
-              </a:solidFill>
-              <a:latin typeface="Roboto" panose="02000000000000000000" pitchFamily="2" charset="0"/>
-              <a:ea typeface="Roboto" panose="02000000000000000000" pitchFamily="2" charset="0"/>
-            </a:endParaRPr>
           </a:p>
         </p:txBody>
       </p:sp>
@@ -4423,26 +4425,17 @@
               <a:buNone/>
             </a:pPr>
             <a:r>
-              <a:rPr lang="es-MX" sz="2000" dirty="0" smtClean="0">
-                <a:solidFill>
-                  <a:schemeClr val="bg1">
-                    <a:lumMod val="50000"/>
-                  </a:schemeClr>
-                </a:solidFill>
-                <a:latin typeface="Roboto Light" panose="02000000000000000000" pitchFamily="2" charset="0"/>
-                <a:ea typeface="Roboto Light" panose="02000000000000000000" pitchFamily="2" charset="0"/>
+              <a:rPr lang="es-MX" sz="2000" dirty="0">
+                <a:solidFill>
+                  <a:schemeClr val="bg1">
+                    <a:lumMod val="75000"/>
+                  </a:schemeClr>
+                </a:solidFill>
+                <a:latin typeface="Gotham Rounded Medium" panose="02000000000000000000" pitchFamily="50" charset="0"/>
+                <a:ea typeface="Roboto" panose="02000000000000000000" pitchFamily="2" charset="0"/>
               </a:rPr>
               <a:t>Agregar todos los cambios de todos los archivos</a:t>
             </a:r>
-            <a:endParaRPr lang="es-MX" sz="2000" dirty="0">
-              <a:solidFill>
-                <a:schemeClr val="bg1">
-                  <a:lumMod val="50000"/>
-                </a:schemeClr>
-              </a:solidFill>
-              <a:latin typeface="Roboto Light" panose="02000000000000000000" pitchFamily="2" charset="0"/>
-              <a:ea typeface="Roboto Light" panose="02000000000000000000" pitchFamily="2" charset="0"/>
-            </a:endParaRPr>
           </a:p>
           <a:p>
             <a:pPr marL="0" indent="0">
@@ -4452,141 +4445,141 @@
               <a:buNone/>
             </a:pPr>
             <a:r>
-              <a:rPr lang="es-MX" sz="2000" dirty="0" err="1" smtClean="0">
+              <a:rPr lang="es-MX" sz="2200" dirty="0" err="1">
                 <a:solidFill>
                   <a:srgbClr val="4B6584"/>
                 </a:solidFill>
-                <a:latin typeface="Roboto" panose="02000000000000000000" pitchFamily="2" charset="0"/>
+                <a:latin typeface="Gotham Rounded Bold" pitchFamily="50" charset="0"/>
                 <a:ea typeface="Roboto" panose="02000000000000000000" pitchFamily="2" charset="0"/>
               </a:rPr>
               <a:t>git</a:t>
             </a:r>
             <a:r>
-              <a:rPr lang="es-MX" sz="2000" dirty="0" smtClean="0">
+              <a:rPr lang="es-MX" sz="2200" dirty="0">
                 <a:solidFill>
                   <a:srgbClr val="4B6584"/>
                 </a:solidFill>
-                <a:latin typeface="Roboto" panose="02000000000000000000" pitchFamily="2" charset="0"/>
+                <a:latin typeface="Gotham Rounded Bold" pitchFamily="50" charset="0"/>
                 <a:ea typeface="Roboto" panose="02000000000000000000" pitchFamily="2" charset="0"/>
               </a:rPr>
               <a:t> </a:t>
             </a:r>
             <a:r>
-              <a:rPr lang="es-MX" sz="2000" dirty="0" err="1" smtClean="0">
+              <a:rPr lang="es-MX" sz="2200" dirty="0" err="1">
                 <a:solidFill>
                   <a:srgbClr val="4B6584"/>
                 </a:solidFill>
-                <a:latin typeface="Roboto" panose="02000000000000000000" pitchFamily="2" charset="0"/>
+                <a:latin typeface="Gotham Rounded Bold" pitchFamily="50" charset="0"/>
                 <a:ea typeface="Roboto" panose="02000000000000000000" pitchFamily="2" charset="0"/>
               </a:rPr>
               <a:t>add</a:t>
             </a:r>
             <a:r>
-              <a:rPr lang="es-MX" sz="2000" dirty="0" smtClean="0">
+              <a:rPr lang="es-MX" sz="2200" dirty="0">
                 <a:solidFill>
                   <a:srgbClr val="4B6584"/>
                 </a:solidFill>
-                <a:latin typeface="Roboto" panose="02000000000000000000" pitchFamily="2" charset="0"/>
+                <a:latin typeface="Gotham Rounded Bold" pitchFamily="50" charset="0"/>
                 <a:ea typeface="Roboto" panose="02000000000000000000" pitchFamily="2" charset="0"/>
               </a:rPr>
               <a:t> –</a:t>
             </a:r>
             <a:r>
-              <a:rPr lang="es-MX" sz="2000" dirty="0" err="1" smtClean="0">
+              <a:rPr lang="es-MX" sz="2200" dirty="0" err="1">
                 <a:solidFill>
                   <a:srgbClr val="4B6584"/>
                 </a:solidFill>
-                <a:latin typeface="Roboto" panose="02000000000000000000" pitchFamily="2" charset="0"/>
+                <a:latin typeface="Gotham Rounded Bold" pitchFamily="50" charset="0"/>
                 <a:ea typeface="Roboto" panose="02000000000000000000" pitchFamily="2" charset="0"/>
               </a:rPr>
               <a:t>all</a:t>
             </a:r>
             <a:r>
-              <a:rPr lang="es-MX" sz="2000" dirty="0" smtClean="0">
+              <a:rPr lang="es-MX" sz="2200" dirty="0">
                 <a:solidFill>
                   <a:srgbClr val="4B6584"/>
                 </a:solidFill>
-                <a:latin typeface="Roboto" panose="02000000000000000000" pitchFamily="2" charset="0"/>
-                <a:ea typeface="Roboto" panose="02000000000000000000" pitchFamily="2" charset="0"/>
-              </a:rPr>
-              <a:t>	</a:t>
-            </a:r>
-            <a:r>
-              <a:rPr lang="es-MX" sz="2000" dirty="0" err="1" smtClean="0">
+                <a:latin typeface="Gotham Rounded Bold" pitchFamily="50" charset="0"/>
+                <a:ea typeface="Roboto" panose="02000000000000000000" pitchFamily="2" charset="0"/>
+              </a:rPr>
+              <a:t>		</a:t>
+            </a:r>
+            <a:r>
+              <a:rPr lang="es-MX" sz="2200" dirty="0" err="1">
                 <a:solidFill>
                   <a:srgbClr val="4B6584"/>
                 </a:solidFill>
-                <a:latin typeface="Roboto" panose="02000000000000000000" pitchFamily="2" charset="0"/>
+                <a:latin typeface="Gotham Rounded Bold" pitchFamily="50" charset="0"/>
                 <a:ea typeface="Roboto" panose="02000000000000000000" pitchFamily="2" charset="0"/>
               </a:rPr>
               <a:t>git</a:t>
             </a:r>
             <a:r>
-              <a:rPr lang="es-MX" sz="2000" dirty="0" smtClean="0">
+              <a:rPr lang="es-MX" sz="2200" dirty="0">
                 <a:solidFill>
                   <a:srgbClr val="4B6584"/>
                 </a:solidFill>
-                <a:latin typeface="Roboto" panose="02000000000000000000" pitchFamily="2" charset="0"/>
+                <a:latin typeface="Gotham Rounded Bold" pitchFamily="50" charset="0"/>
                 <a:ea typeface="Roboto" panose="02000000000000000000" pitchFamily="2" charset="0"/>
               </a:rPr>
               <a:t> </a:t>
             </a:r>
             <a:r>
-              <a:rPr lang="es-MX" sz="2000" dirty="0" err="1" smtClean="0">
+              <a:rPr lang="es-MX" sz="2200" dirty="0" err="1">
                 <a:solidFill>
                   <a:srgbClr val="4B6584"/>
                 </a:solidFill>
-                <a:latin typeface="Roboto" panose="02000000000000000000" pitchFamily="2" charset="0"/>
+                <a:latin typeface="Gotham Rounded Bold" pitchFamily="50" charset="0"/>
                 <a:ea typeface="Roboto" panose="02000000000000000000" pitchFamily="2" charset="0"/>
               </a:rPr>
               <a:t>add</a:t>
             </a:r>
             <a:r>
-              <a:rPr lang="es-MX" sz="2000" dirty="0" smtClean="0">
+              <a:rPr lang="es-MX" sz="2200" dirty="0">
                 <a:solidFill>
                   <a:srgbClr val="4B6584"/>
                 </a:solidFill>
-                <a:latin typeface="Roboto" panose="02000000000000000000" pitchFamily="2" charset="0"/>
-                <a:ea typeface="Roboto" panose="02000000000000000000" pitchFamily="2" charset="0"/>
-              </a:rPr>
-              <a:t> [archivo] 	</a:t>
-            </a:r>
-            <a:r>
-              <a:rPr lang="es-MX" sz="2000" dirty="0" err="1" smtClean="0">
+                <a:latin typeface="Gotham Rounded Bold" pitchFamily="50" charset="0"/>
+                <a:ea typeface="Roboto" panose="02000000000000000000" pitchFamily="2" charset="0"/>
+              </a:rPr>
+              <a:t> [archivo] 		</a:t>
+            </a:r>
+            <a:r>
+              <a:rPr lang="es-MX" sz="2200" dirty="0" err="1">
                 <a:solidFill>
                   <a:srgbClr val="4B6584"/>
                 </a:solidFill>
-                <a:latin typeface="Roboto" panose="02000000000000000000" pitchFamily="2" charset="0"/>
+                <a:latin typeface="Gotham Rounded Bold" pitchFamily="50" charset="0"/>
                 <a:ea typeface="Roboto" panose="02000000000000000000" pitchFamily="2" charset="0"/>
               </a:rPr>
               <a:t>git</a:t>
             </a:r>
             <a:r>
-              <a:rPr lang="es-MX" sz="2000" dirty="0" smtClean="0">
+              <a:rPr lang="es-MX" sz="2200" dirty="0">
                 <a:solidFill>
                   <a:srgbClr val="4B6584"/>
                 </a:solidFill>
-                <a:latin typeface="Roboto" panose="02000000000000000000" pitchFamily="2" charset="0"/>
+                <a:latin typeface="Gotham Rounded Bold" pitchFamily="50" charset="0"/>
                 <a:ea typeface="Roboto" panose="02000000000000000000" pitchFamily="2" charset="0"/>
               </a:rPr>
               <a:t> </a:t>
             </a:r>
             <a:r>
-              <a:rPr lang="es-MX" sz="2000" dirty="0" err="1" smtClean="0">
+              <a:rPr lang="es-MX" sz="2200" dirty="0" err="1">
                 <a:solidFill>
                   <a:srgbClr val="4B6584"/>
                 </a:solidFill>
-                <a:latin typeface="Roboto" panose="02000000000000000000" pitchFamily="2" charset="0"/>
+                <a:latin typeface="Gotham Rounded Bold" pitchFamily="50" charset="0"/>
                 <a:ea typeface="Roboto" panose="02000000000000000000" pitchFamily="2" charset="0"/>
               </a:rPr>
               <a:t>add</a:t>
             </a:r>
             <a:r>
-              <a:rPr lang="es-MX" sz="2000" dirty="0" smtClean="0">
+              <a:rPr lang="es-MX" sz="2200" dirty="0">
                 <a:solidFill>
                   <a:srgbClr val="4B6584"/>
                 </a:solidFill>
-                <a:latin typeface="Roboto" panose="02000000000000000000" pitchFamily="2" charset="0"/>
+                <a:latin typeface="Gotham Rounded Bold" pitchFamily="50" charset="0"/>
                 <a:ea typeface="Roboto" panose="02000000000000000000" pitchFamily="2" charset="0"/>
               </a:rPr>
               <a:t> . </a:t>
@@ -4599,13 +4592,11 @@
               </a:lnSpc>
               <a:buNone/>
             </a:pPr>
-            <a:endParaRPr lang="es-MX" sz="2000" dirty="0" smtClean="0">
+            <a:endParaRPr lang="es-MX" sz="2200" dirty="0">
               <a:solidFill>
-                <a:schemeClr val="bg1">
-                  <a:lumMod val="50000"/>
-                </a:schemeClr>
+                <a:srgbClr val="4B6584"/>
               </a:solidFill>
-              <a:latin typeface="Roboto" panose="02000000000000000000" pitchFamily="2" charset="0"/>
+              <a:latin typeface="Gotham Rounded Bold" pitchFamily="50" charset="0"/>
               <a:ea typeface="Roboto" panose="02000000000000000000" pitchFamily="2" charset="0"/>
             </a:endParaRPr>
           </a:p>
@@ -4620,11 +4611,11 @@
               <a:rPr lang="es-MX" sz="2000" dirty="0">
                 <a:solidFill>
                   <a:schemeClr val="bg1">
-                    <a:lumMod val="50000"/>
-                  </a:schemeClr>
-                </a:solidFill>
-                <a:latin typeface="Roboto Light" panose="02000000000000000000" pitchFamily="2" charset="0"/>
-                <a:ea typeface="Roboto Light" panose="02000000000000000000" pitchFamily="2" charset="0"/>
+                    <a:lumMod val="75000"/>
+                  </a:schemeClr>
+                </a:solidFill>
+                <a:latin typeface="Gotham Rounded Medium" panose="02000000000000000000" pitchFamily="50" charset="0"/>
+                <a:ea typeface="Roboto" panose="02000000000000000000" pitchFamily="2" charset="0"/>
               </a:rPr>
               <a:t>Confirmar cambios realizados presentándolos con un mensaje</a:t>
             </a:r>
@@ -4637,170 +4628,44 @@
               <a:buNone/>
             </a:pPr>
             <a:r>
-              <a:rPr lang="es-MX" sz="2000" dirty="0" err="1">
+              <a:rPr lang="es-MX" sz="2200" dirty="0" err="1">
                 <a:solidFill>
                   <a:srgbClr val="4B6584"/>
                 </a:solidFill>
-                <a:latin typeface="Roboto" panose="02000000000000000000" pitchFamily="2" charset="0"/>
-                <a:ea typeface="Roboto" panose="02000000000000000000" pitchFamily="2" charset="0"/>
-              </a:rPr>
-              <a:t>g</a:t>
-            </a:r>
-            <a:r>
-              <a:rPr lang="es-MX" sz="2000" dirty="0" err="1" smtClean="0">
+                <a:latin typeface="Gotham Rounded Bold" pitchFamily="50" charset="0"/>
+                <a:ea typeface="Roboto" panose="02000000000000000000" pitchFamily="2" charset="0"/>
+              </a:rPr>
+              <a:t>git</a:t>
+            </a:r>
+            <a:r>
+              <a:rPr lang="es-MX" sz="2200" dirty="0">
                 <a:solidFill>
                   <a:srgbClr val="4B6584"/>
                 </a:solidFill>
-                <a:latin typeface="Roboto" panose="02000000000000000000" pitchFamily="2" charset="0"/>
-                <a:ea typeface="Roboto" panose="02000000000000000000" pitchFamily="2" charset="0"/>
-              </a:rPr>
-              <a:t>it</a:t>
-            </a:r>
-            <a:r>
-              <a:rPr lang="es-MX" sz="2000" dirty="0" smtClean="0">
+                <a:latin typeface="Gotham Rounded Bold" pitchFamily="50" charset="0"/>
+                <a:ea typeface="Roboto" panose="02000000000000000000" pitchFamily="2" charset="0"/>
+              </a:rPr>
+              <a:t> </a:t>
+            </a:r>
+            <a:r>
+              <a:rPr lang="es-MX" sz="2200" dirty="0" err="1">
                 <a:solidFill>
                   <a:srgbClr val="4B6584"/>
                 </a:solidFill>
-                <a:latin typeface="Roboto" panose="02000000000000000000" pitchFamily="2" charset="0"/>
-                <a:ea typeface="Roboto" panose="02000000000000000000" pitchFamily="2" charset="0"/>
-              </a:rPr>
-              <a:t> </a:t>
-            </a:r>
-            <a:r>
-              <a:rPr lang="es-MX" sz="2000" dirty="0" err="1" smtClean="0">
+                <a:latin typeface="Gotham Rounded Bold" pitchFamily="50" charset="0"/>
+                <a:ea typeface="Roboto" panose="02000000000000000000" pitchFamily="2" charset="0"/>
+              </a:rPr>
+              <a:t>commit</a:t>
+            </a:r>
+            <a:r>
+              <a:rPr lang="es-MX" sz="2200" dirty="0">
                 <a:solidFill>
                   <a:srgbClr val="4B6584"/>
                 </a:solidFill>
-                <a:latin typeface="Roboto" panose="02000000000000000000" pitchFamily="2" charset="0"/>
-                <a:ea typeface="Roboto" panose="02000000000000000000" pitchFamily="2" charset="0"/>
-              </a:rPr>
-              <a:t>commit</a:t>
-            </a:r>
-            <a:r>
-              <a:rPr lang="es-MX" sz="2000" dirty="0" smtClean="0">
-                <a:solidFill>
-                  <a:srgbClr val="4B6584"/>
-                </a:solidFill>
-                <a:latin typeface="Roboto" panose="02000000000000000000" pitchFamily="2" charset="0"/>
+                <a:latin typeface="Gotham Rounded Bold" pitchFamily="50" charset="0"/>
                 <a:ea typeface="Roboto" panose="02000000000000000000" pitchFamily="2" charset="0"/>
               </a:rPr>
               <a:t> –m “mensaje”</a:t>
-            </a:r>
-          </a:p>
-          <a:p>
-            <a:pPr marL="0" indent="0">
-              <a:lnSpc>
-                <a:spcPct val="100000"/>
-              </a:lnSpc>
-              <a:buNone/>
-            </a:pPr>
-            <a:endParaRPr lang="es-MX" sz="2000" dirty="0" smtClean="0">
-              <a:solidFill>
-                <a:schemeClr val="bg1">
-                  <a:lumMod val="50000"/>
-                </a:schemeClr>
-              </a:solidFill>
-              <a:latin typeface="Roboto" panose="02000000000000000000" pitchFamily="2" charset="0"/>
-              <a:ea typeface="Roboto" panose="02000000000000000000" pitchFamily="2" charset="0"/>
-            </a:endParaRPr>
-          </a:p>
-          <a:p>
-            <a:pPr marL="0" indent="0">
-              <a:lnSpc>
-                <a:spcPct val="100000"/>
-              </a:lnSpc>
-              <a:buNone/>
-            </a:pPr>
-            <a:r>
-              <a:rPr lang="es-MX" sz="2000" dirty="0">
-                <a:solidFill>
-                  <a:schemeClr val="bg1">
-                    <a:lumMod val="50000"/>
-                  </a:schemeClr>
-                </a:solidFill>
-                <a:latin typeface="Roboto Light" panose="02000000000000000000" pitchFamily="2" charset="0"/>
-                <a:ea typeface="Roboto Light" panose="02000000000000000000" pitchFamily="2" charset="0"/>
-              </a:rPr>
-              <a:t>Traer cambios </a:t>
-            </a:r>
-            <a:r>
-              <a:rPr lang="es-MX" sz="2000" dirty="0" smtClean="0">
-                <a:solidFill>
-                  <a:schemeClr val="bg1">
-                    <a:lumMod val="50000"/>
-                  </a:schemeClr>
-                </a:solidFill>
-                <a:latin typeface="Roboto Light" panose="02000000000000000000" pitchFamily="2" charset="0"/>
-                <a:ea typeface="Roboto Light" panose="02000000000000000000" pitchFamily="2" charset="0"/>
-              </a:rPr>
-              <a:t>que hay en rama remota</a:t>
-            </a:r>
-            <a:endParaRPr lang="es-MX" sz="2000" dirty="0">
-              <a:solidFill>
-                <a:schemeClr val="bg1">
-                  <a:lumMod val="50000"/>
-                </a:schemeClr>
-              </a:solidFill>
-              <a:latin typeface="Roboto Light" panose="02000000000000000000" pitchFamily="2" charset="0"/>
-              <a:ea typeface="Roboto Light" panose="02000000000000000000" pitchFamily="2" charset="0"/>
-            </a:endParaRPr>
-          </a:p>
-          <a:p>
-            <a:pPr marL="0" indent="0">
-              <a:lnSpc>
-                <a:spcPct val="100000"/>
-              </a:lnSpc>
-              <a:buNone/>
-            </a:pPr>
-            <a:r>
-              <a:rPr lang="es-MX" sz="2000" dirty="0" err="1">
-                <a:solidFill>
-                  <a:srgbClr val="4B6584"/>
-                </a:solidFill>
-                <a:latin typeface="Roboto" panose="02000000000000000000" pitchFamily="2" charset="0"/>
-                <a:ea typeface="Roboto" panose="02000000000000000000" pitchFamily="2" charset="0"/>
-              </a:rPr>
-              <a:t>g</a:t>
-            </a:r>
-            <a:r>
-              <a:rPr lang="es-MX" sz="2000" dirty="0" err="1" smtClean="0">
-                <a:solidFill>
-                  <a:srgbClr val="4B6584"/>
-                </a:solidFill>
-                <a:latin typeface="Roboto" panose="02000000000000000000" pitchFamily="2" charset="0"/>
-                <a:ea typeface="Roboto" panose="02000000000000000000" pitchFamily="2" charset="0"/>
-              </a:rPr>
-              <a:t>it</a:t>
-            </a:r>
-            <a:r>
-              <a:rPr lang="es-MX" sz="2000" dirty="0" smtClean="0">
-                <a:solidFill>
-                  <a:srgbClr val="4B6584"/>
-                </a:solidFill>
-                <a:latin typeface="Roboto" panose="02000000000000000000" pitchFamily="2" charset="0"/>
-                <a:ea typeface="Roboto" panose="02000000000000000000" pitchFamily="2" charset="0"/>
-              </a:rPr>
-              <a:t> </a:t>
-            </a:r>
-            <a:r>
-              <a:rPr lang="es-MX" sz="2000" dirty="0" err="1" smtClean="0">
-                <a:solidFill>
-                  <a:srgbClr val="4B6584"/>
-                </a:solidFill>
-                <a:latin typeface="Roboto" panose="02000000000000000000" pitchFamily="2" charset="0"/>
-                <a:ea typeface="Roboto" panose="02000000000000000000" pitchFamily="2" charset="0"/>
-              </a:rPr>
-              <a:t>pull</a:t>
-            </a:r>
-            <a:r>
-              <a:rPr lang="es-MX" sz="2000" dirty="0" smtClean="0">
-                <a:solidFill>
-                  <a:srgbClr val="4B6584"/>
-                </a:solidFill>
-                <a:latin typeface="Roboto" panose="02000000000000000000" pitchFamily="2" charset="0"/>
-                <a:ea typeface="Roboto" panose="02000000000000000000" pitchFamily="2" charset="0"/>
-              </a:rPr>
-              <a:t> [remoto] [rama]</a:t>
             </a:r>
           </a:p>
           <a:p>
@@ -4823,22 +4688,87 @@
           <a:p>
             <a:pPr marL="0" indent="0">
               <a:lnSpc>
-                <a:spcPct val="120000"/>
+                <a:spcPct val="100000"/>
               </a:lnSpc>
               <a:buNone/>
             </a:pPr>
             <a:r>
-              <a:rPr lang="es-MX" sz="2100" dirty="0">
-                <a:solidFill>
-                  <a:schemeClr val="bg1">
-                    <a:lumMod val="50000"/>
-                  </a:schemeClr>
-                </a:solidFill>
-                <a:latin typeface="Roboto Light" panose="02000000000000000000" pitchFamily="2" charset="0"/>
-                <a:ea typeface="Roboto Light" panose="02000000000000000000" pitchFamily="2" charset="0"/>
-              </a:rPr>
-              <a:t>Publicar cambios de local a rama remota</a:t>
-            </a:r>
+              <a:rPr lang="es-MX" sz="2000" dirty="0">
+                <a:solidFill>
+                  <a:schemeClr val="bg1">
+                    <a:lumMod val="75000"/>
+                  </a:schemeClr>
+                </a:solidFill>
+                <a:latin typeface="Gotham Rounded Medium" panose="02000000000000000000" pitchFamily="50" charset="0"/>
+                <a:ea typeface="Roboto" panose="02000000000000000000" pitchFamily="2" charset="0"/>
+              </a:rPr>
+              <a:t>Traer cambios que hay en rama remota</a:t>
+            </a:r>
+          </a:p>
+          <a:p>
+            <a:pPr marL="0" indent="0">
+              <a:lnSpc>
+                <a:spcPct val="100000"/>
+              </a:lnSpc>
+              <a:buNone/>
+            </a:pPr>
+            <a:r>
+              <a:rPr lang="es-MX" sz="2200" dirty="0" err="1">
+                <a:solidFill>
+                  <a:srgbClr val="4B6584"/>
+                </a:solidFill>
+                <a:latin typeface="Gotham Rounded Bold" pitchFamily="50" charset="0"/>
+                <a:ea typeface="Roboto" panose="02000000000000000000" pitchFamily="2" charset="0"/>
+              </a:rPr>
+              <a:t>git</a:t>
+            </a:r>
+            <a:r>
+              <a:rPr lang="es-MX" sz="2200" dirty="0">
+                <a:solidFill>
+                  <a:srgbClr val="4B6584"/>
+                </a:solidFill>
+                <a:latin typeface="Gotham Rounded Bold" pitchFamily="50" charset="0"/>
+                <a:ea typeface="Roboto" panose="02000000000000000000" pitchFamily="2" charset="0"/>
+              </a:rPr>
+              <a:t> </a:t>
+            </a:r>
+            <a:r>
+              <a:rPr lang="es-MX" sz="2200" dirty="0" err="1">
+                <a:solidFill>
+                  <a:srgbClr val="4B6584"/>
+                </a:solidFill>
+                <a:latin typeface="Gotham Rounded Bold" pitchFamily="50" charset="0"/>
+                <a:ea typeface="Roboto" panose="02000000000000000000" pitchFamily="2" charset="0"/>
+              </a:rPr>
+              <a:t>pull</a:t>
+            </a:r>
+            <a:r>
+              <a:rPr lang="es-MX" sz="2200" dirty="0">
+                <a:solidFill>
+                  <a:srgbClr val="4B6584"/>
+                </a:solidFill>
+                <a:latin typeface="Gotham Rounded Bold" pitchFamily="50" charset="0"/>
+                <a:ea typeface="Roboto" panose="02000000000000000000" pitchFamily="2" charset="0"/>
+              </a:rPr>
+              <a:t> [remoto] [rama]</a:t>
+            </a:r>
+          </a:p>
+          <a:p>
+            <a:pPr marL="0" indent="0">
+              <a:lnSpc>
+                <a:spcPct val="100000"/>
+              </a:lnSpc>
+              <a:buNone/>
+            </a:pPr>
+            <a:endParaRPr lang="es-MX" sz="2000" dirty="0">
+              <a:solidFill>
+                <a:schemeClr val="bg1">
+                  <a:lumMod val="50000"/>
+                </a:schemeClr>
+              </a:solidFill>
+              <a:latin typeface="Roboto" panose="02000000000000000000" pitchFamily="2" charset="0"/>
+              <a:ea typeface="Roboto" panose="02000000000000000000" pitchFamily="2" charset="0"/>
+            </a:endParaRPr>
           </a:p>
           <a:p>
             <a:pPr marL="0" indent="0">
@@ -4848,61 +4778,134 @@
               <a:buNone/>
             </a:pPr>
             <a:r>
-              <a:rPr lang="es-MX" sz="2000" dirty="0" err="1">
+              <a:rPr lang="es-MX" sz="2000" dirty="0">
+                <a:solidFill>
+                  <a:schemeClr val="bg1">
+                    <a:lumMod val="75000"/>
+                  </a:schemeClr>
+                </a:solidFill>
+                <a:latin typeface="Gotham Rounded Medium" panose="02000000000000000000" pitchFamily="50" charset="0"/>
+                <a:ea typeface="Roboto" panose="02000000000000000000" pitchFamily="2" charset="0"/>
+              </a:rPr>
+              <a:t>Publicar cambios de local a rama remota</a:t>
+            </a:r>
+          </a:p>
+          <a:p>
+            <a:pPr marL="0" indent="0">
+              <a:lnSpc>
+                <a:spcPct val="120000"/>
+              </a:lnSpc>
+              <a:buNone/>
+            </a:pPr>
+            <a:r>
+              <a:rPr lang="es-MX" sz="2200" dirty="0" err="1">
                 <a:solidFill>
                   <a:srgbClr val="4B6584"/>
                 </a:solidFill>
-                <a:latin typeface="Roboto" panose="02000000000000000000" pitchFamily="2" charset="0"/>
-                <a:ea typeface="Roboto" panose="02000000000000000000" pitchFamily="2" charset="0"/>
-              </a:rPr>
-              <a:t>g</a:t>
-            </a:r>
-            <a:r>
-              <a:rPr lang="es-MX" sz="2000" dirty="0" err="1" smtClean="0">
+                <a:latin typeface="Gotham Rounded Bold" pitchFamily="50" charset="0"/>
+                <a:ea typeface="Roboto" panose="02000000000000000000" pitchFamily="2" charset="0"/>
+              </a:rPr>
+              <a:t>git</a:t>
+            </a:r>
+            <a:r>
+              <a:rPr lang="es-MX" sz="2200" dirty="0">
                 <a:solidFill>
                   <a:srgbClr val="4B6584"/>
                 </a:solidFill>
-                <a:latin typeface="Roboto" panose="02000000000000000000" pitchFamily="2" charset="0"/>
-                <a:ea typeface="Roboto" panose="02000000000000000000" pitchFamily="2" charset="0"/>
-              </a:rPr>
-              <a:t>it</a:t>
-            </a:r>
-            <a:r>
-              <a:rPr lang="es-MX" sz="2000" dirty="0" smtClean="0">
+                <a:latin typeface="Gotham Rounded Bold" pitchFamily="50" charset="0"/>
+                <a:ea typeface="Roboto" panose="02000000000000000000" pitchFamily="2" charset="0"/>
+              </a:rPr>
+              <a:t> </a:t>
+            </a:r>
+            <a:r>
+              <a:rPr lang="es-MX" sz="2200" dirty="0" err="1">
                 <a:solidFill>
                   <a:srgbClr val="4B6584"/>
                 </a:solidFill>
-                <a:latin typeface="Roboto" panose="02000000000000000000" pitchFamily="2" charset="0"/>
-                <a:ea typeface="Roboto" panose="02000000000000000000" pitchFamily="2" charset="0"/>
-              </a:rPr>
-              <a:t> </a:t>
-            </a:r>
-            <a:r>
-              <a:rPr lang="es-MX" sz="2000" dirty="0" err="1" smtClean="0">
+                <a:latin typeface="Gotham Rounded Bold" pitchFamily="50" charset="0"/>
+                <a:ea typeface="Roboto" panose="02000000000000000000" pitchFamily="2" charset="0"/>
+              </a:rPr>
+              <a:t>push</a:t>
+            </a:r>
+            <a:r>
+              <a:rPr lang="es-MX" sz="2200" dirty="0">
                 <a:solidFill>
                   <a:srgbClr val="4B6584"/>
                 </a:solidFill>
-                <a:latin typeface="Roboto" panose="02000000000000000000" pitchFamily="2" charset="0"/>
-                <a:ea typeface="Roboto" panose="02000000000000000000" pitchFamily="2" charset="0"/>
-              </a:rPr>
-              <a:t>push</a:t>
-            </a:r>
-            <a:r>
-              <a:rPr lang="es-MX" sz="2000" dirty="0" smtClean="0">
-                <a:solidFill>
-                  <a:srgbClr val="4B6584"/>
-                </a:solidFill>
-                <a:latin typeface="Roboto" panose="02000000000000000000" pitchFamily="2" charset="0"/>
+                <a:latin typeface="Gotham Rounded Bold" pitchFamily="50" charset="0"/>
                 <a:ea typeface="Roboto" panose="02000000000000000000" pitchFamily="2" charset="0"/>
               </a:rPr>
               <a:t> [remoto] [rama]</a:t>
             </a:r>
-            <a:endParaRPr lang="es-MX" sz="2000" dirty="0">
+          </a:p>
+        </p:txBody>
+      </p:sp>
+      <p:sp>
+        <p:nvSpPr>
+          <p:cNvPr id="3" name="CuadroTexto 2">
+            <a:extLst>
+              <a:ext uri="{FF2B5EF4-FFF2-40B4-BE49-F238E27FC236}">
+                <a16:creationId xmlns:a16="http://schemas.microsoft.com/office/drawing/2014/main" id="{91725EF7-8B0F-4DB1-A746-2F001CD31F4B}"/>
+              </a:ext>
+            </a:extLst>
+          </p:cNvPr>
+          <p:cNvSpPr txBox="1"/>
+          <p:nvPr/>
+        </p:nvSpPr>
+        <p:spPr>
+          <a:xfrm>
+            <a:off x="10519955" y="6534835"/>
+            <a:ext cx="1672045" cy="323165"/>
+          </a:xfrm>
+          <a:prstGeom prst="rect">
+            <a:avLst/>
+          </a:prstGeom>
+          <a:noFill/>
+        </p:spPr>
+        <p:txBody>
+          <a:bodyPr wrap="square" rtlCol="0">
+            <a:spAutoFit/>
+          </a:bodyPr>
+          <a:lstStyle/>
+          <a:p>
+            <a:r>
+              <a:rPr lang="en-US" sz="1500" dirty="0">
+                <a:solidFill>
+                  <a:srgbClr val="FFC000"/>
+                </a:solidFill>
+                <a:latin typeface="Gotham Rounded Medium" panose="02000000000000000000" pitchFamily="50" charset="0"/>
+              </a:rPr>
+              <a:t>[ ] NO </a:t>
+            </a:r>
+            <a:r>
+              <a:rPr lang="en-US" sz="1200" dirty="0">
+                <a:solidFill>
+                  <a:schemeClr val="bg1">
+                    <a:lumMod val="75000"/>
+                  </a:schemeClr>
+                </a:solidFill>
+                <a:latin typeface="Gotham Rounded Medium" panose="02000000000000000000" pitchFamily="50" charset="0"/>
+              </a:rPr>
+              <a:t>se </a:t>
+            </a:r>
+            <a:r>
+              <a:rPr lang="en-US" sz="1200" dirty="0" err="1">
+                <a:solidFill>
+                  <a:schemeClr val="bg1">
+                    <a:lumMod val="75000"/>
+                  </a:schemeClr>
+                </a:solidFill>
+                <a:latin typeface="Gotham Rounded Medium" panose="02000000000000000000" pitchFamily="50" charset="0"/>
+              </a:rPr>
+              <a:t>teclean</a:t>
+            </a:r>
+            <a:endParaRPr lang="es-MX" sz="1200" dirty="0">
               <a:solidFill>
-                <a:srgbClr val="4B6584"/>
+                <a:schemeClr val="bg1">
+                  <a:lumMod val="75000"/>
+                </a:schemeClr>
               </a:solidFill>
-              <a:latin typeface="Roboto" panose="02000000000000000000" pitchFamily="2" charset="0"/>
-              <a:ea typeface="Roboto" panose="02000000000000000000" pitchFamily="2" charset="0"/>
+              <a:latin typeface="Gotham Rounded Medium" panose="02000000000000000000" pitchFamily="50" charset="0"/>
             </a:endParaRPr>
           </a:p>
         </p:txBody>
@@ -4917,13 +4920,6 @@
   <p:clrMapOvr>
     <a:masterClrMapping/>
   </p:clrMapOvr>
-  <p:timing>
-    <p:tnLst>
-      <p:par>
-        <p:cTn id="1" dur="indefinite" restart="never" nodeType="tmRoot"/>
-      </p:par>
-    </p:tnLst>
-  </p:timing>
 </p:sld>
 </file>
 
@@ -4995,13 +4991,6 @@
   <p:clrMapOvr>
     <a:masterClrMapping/>
   </p:clrMapOvr>
-  <p:timing>
-    <p:tnLst>
-      <p:par>
-        <p:cTn id="1" dur="indefinite" restart="never" nodeType="tmRoot"/>
-      </p:par>
-    </p:tnLst>
-  </p:timing>
 </p:sld>
 </file>
 
@@ -5039,7 +5028,7 @@
         <p:spPr>
           <a:xfrm>
             <a:off x="137124" y="1873419"/>
-            <a:ext cx="4475905" cy="1015663"/>
+            <a:ext cx="4970271" cy="1015663"/>
           </a:xfrm>
           <a:prstGeom prst="rect">
             <a:avLst/>
@@ -5053,11 +5042,11 @@
           <a:lstStyle/>
           <a:p>
             <a:r>
-              <a:rPr lang="es-MX" sz="6000" dirty="0" err="1" smtClean="0">
+              <a:rPr lang="es-MX" sz="6000" dirty="0" err="1">
                 <a:solidFill>
                   <a:schemeClr val="bg1"/>
                 </a:solidFill>
-                <a:latin typeface="Roboto Black" panose="02000000000000000000" pitchFamily="2" charset="0"/>
+                <a:latin typeface="Gotham Rounded Medium" panose="02000000000000000000" pitchFamily="50" charset="0"/>
                 <a:ea typeface="Roboto Black" panose="02000000000000000000" pitchFamily="2" charset="0"/>
               </a:rPr>
               <a:t>downstream</a:t>
@@ -5066,7 +5055,7 @@
               <a:solidFill>
                 <a:schemeClr val="bg1"/>
               </a:solidFill>
-              <a:latin typeface="Roboto Black" panose="02000000000000000000" pitchFamily="2" charset="0"/>
+              <a:latin typeface="Gotham Rounded Medium" panose="02000000000000000000" pitchFamily="50" charset="0"/>
               <a:ea typeface="Roboto Black" panose="02000000000000000000" pitchFamily="2" charset="0"/>
             </a:endParaRPr>
           </a:p>
@@ -5081,7 +5070,7 @@
         <p:spPr>
           <a:xfrm>
             <a:off x="137124" y="4029878"/>
-            <a:ext cx="3485249" cy="1015663"/>
+            <a:ext cx="3822778" cy="1015663"/>
           </a:xfrm>
           <a:prstGeom prst="rect">
             <a:avLst/>
@@ -5095,11 +5084,11 @@
           <a:lstStyle/>
           <a:p>
             <a:r>
-              <a:rPr lang="es-MX" sz="6000" dirty="0" err="1" smtClean="0">
+              <a:rPr lang="es-MX" sz="6000" dirty="0" err="1">
                 <a:solidFill>
                   <a:schemeClr val="bg1"/>
                 </a:solidFill>
-                <a:latin typeface="Roboto Black" panose="02000000000000000000" pitchFamily="2" charset="0"/>
+                <a:latin typeface="Gotham Rounded Medium" panose="02000000000000000000" pitchFamily="50" charset="0"/>
                 <a:ea typeface="Roboto Black" panose="02000000000000000000" pitchFamily="2" charset="0"/>
               </a:rPr>
               <a:t>upstream</a:t>
@@ -5108,7 +5097,7 @@
               <a:solidFill>
                 <a:schemeClr val="bg1"/>
               </a:solidFill>
-              <a:latin typeface="Roboto Black" panose="02000000000000000000" pitchFamily="2" charset="0"/>
+              <a:latin typeface="Gotham Rounded Medium" panose="02000000000000000000" pitchFamily="50" charset="0"/>
               <a:ea typeface="Roboto Black" panose="02000000000000000000" pitchFamily="2" charset="0"/>
             </a:endParaRPr>
           </a:p>
@@ -5123,9 +5112,9 @@
         <p:grpSpPr>
           <a:xfrm>
             <a:off x="8117628" y="2142723"/>
-            <a:ext cx="3565925" cy="477054"/>
+            <a:ext cx="3565925" cy="431721"/>
             <a:chOff x="7111788" y="2139353"/>
-            <a:chExt cx="3565925" cy="477054"/>
+            <a:chExt cx="3565925" cy="431721"/>
           </a:xfrm>
         </p:grpSpPr>
         <p:sp>
@@ -5137,7 +5126,7 @@
           <p:spPr>
             <a:xfrm>
               <a:off x="7815730" y="2139353"/>
-              <a:ext cx="2334766" cy="477054"/>
+              <a:ext cx="2334766" cy="400110"/>
             </a:xfrm>
             <a:prstGeom prst="rect">
               <a:avLst/>
@@ -5151,35 +5140,35 @@
             <a:lstStyle/>
             <a:p>
               <a:r>
-                <a:rPr lang="es-MX" sz="2500" b="1" dirty="0">
+                <a:rPr lang="es-MX" sz="2000" b="1" dirty="0">
                   <a:solidFill>
                     <a:schemeClr val="bg1">
                       <a:lumMod val="95000"/>
                     </a:schemeClr>
                   </a:solidFill>
-                  <a:latin typeface="Roboto Light" panose="02000000000000000000" pitchFamily="2" charset="0"/>
+                  <a:latin typeface="Gotham Rounded Book" pitchFamily="50" charset="0"/>
                   <a:ea typeface="Roboto Light" panose="02000000000000000000" pitchFamily="2" charset="0"/>
                 </a:rPr>
                 <a:t>local </a:t>
               </a:r>
               <a:r>
-                <a:rPr lang="es-MX" sz="2500" b="1" dirty="0">
+                <a:rPr lang="es-MX" sz="2000" b="1" dirty="0">
                   <a:solidFill>
                     <a:srgbClr val="FFC000"/>
                   </a:solidFill>
-                  <a:latin typeface="Roboto Black" panose="02000000000000000000" pitchFamily="2" charset="0"/>
+                  <a:latin typeface="Gotham Rounded Book" pitchFamily="50" charset="0"/>
                   <a:ea typeface="Roboto Black" panose="02000000000000000000" pitchFamily="2" charset="0"/>
                 </a:rPr>
                 <a:t>&lt;-</a:t>
               </a:r>
               <a:r>
-                <a:rPr lang="es-MX" sz="2500" b="1" dirty="0">
+                <a:rPr lang="es-MX" sz="2000" b="1" dirty="0">
                   <a:solidFill>
                     <a:schemeClr val="bg1">
                       <a:lumMod val="95000"/>
                     </a:schemeClr>
                   </a:solidFill>
-                  <a:latin typeface="Roboto Light" panose="02000000000000000000" pitchFamily="2" charset="0"/>
+                  <a:latin typeface="Gotham Rounded Book" pitchFamily="50" charset="0"/>
                   <a:ea typeface="Roboto Light" panose="02000000000000000000" pitchFamily="2" charset="0"/>
                 </a:rPr>
                 <a:t> remoto</a:t>
@@ -5257,9 +5246,9 @@
         <p:grpSpPr>
           <a:xfrm>
             <a:off x="8117628" y="4299182"/>
-            <a:ext cx="3565925" cy="477054"/>
+            <a:ext cx="3565925" cy="408861"/>
             <a:chOff x="8117628" y="4299183"/>
-            <a:chExt cx="3565925" cy="477054"/>
+            <a:chExt cx="3565925" cy="408861"/>
           </a:xfrm>
         </p:grpSpPr>
         <p:sp>
@@ -5271,7 +5260,7 @@
           <p:spPr>
             <a:xfrm>
               <a:off x="8847026" y="4299183"/>
-              <a:ext cx="2386829" cy="477054"/>
+              <a:ext cx="2386829" cy="400110"/>
             </a:xfrm>
             <a:prstGeom prst="rect">
               <a:avLst/>
@@ -5285,48 +5274,39 @@
             <a:lstStyle/>
             <a:p>
               <a:r>
-                <a:rPr lang="es-MX" sz="2500" b="1" dirty="0" smtClean="0">
+                <a:rPr lang="es-MX" sz="2000" b="1" dirty="0">
                   <a:solidFill>
                     <a:schemeClr val="bg1">
                       <a:lumMod val="95000"/>
                     </a:schemeClr>
                   </a:solidFill>
-                  <a:latin typeface="Roboto Light" panose="02000000000000000000" pitchFamily="2" charset="0"/>
+                  <a:latin typeface="Gotham Rounded Book" pitchFamily="50" charset="0"/>
                   <a:ea typeface="Roboto Light" panose="02000000000000000000" pitchFamily="2" charset="0"/>
                 </a:rPr>
                 <a:t>local </a:t>
               </a:r>
               <a:r>
-                <a:rPr lang="es-MX" sz="2500" b="1" dirty="0" smtClean="0">
+                <a:rPr lang="es-MX" sz="2000" b="1" dirty="0">
                   <a:solidFill>
                     <a:srgbClr val="FFC000"/>
                   </a:solidFill>
-                  <a:latin typeface="Roboto Black" panose="02000000000000000000" pitchFamily="2" charset="0"/>
+                  <a:latin typeface="Gotham Rounded Book" pitchFamily="50" charset="0"/>
                   <a:ea typeface="Roboto Black" panose="02000000000000000000" pitchFamily="2" charset="0"/>
                 </a:rPr>
                 <a:t>-&gt;</a:t>
               </a:r>
               <a:r>
-                <a:rPr lang="es-MX" sz="2500" b="1" dirty="0" smtClean="0">
+                <a:rPr lang="es-MX" sz="2000" b="1" dirty="0">
                   <a:solidFill>
                     <a:schemeClr val="bg1">
                       <a:lumMod val="95000"/>
                     </a:schemeClr>
                   </a:solidFill>
-                  <a:latin typeface="Roboto Light" panose="02000000000000000000" pitchFamily="2" charset="0"/>
+                  <a:latin typeface="Gotham Rounded Book" pitchFamily="50" charset="0"/>
                   <a:ea typeface="Roboto Light" panose="02000000000000000000" pitchFamily="2" charset="0"/>
                 </a:rPr>
                 <a:t> remoto</a:t>
               </a:r>
-              <a:endParaRPr lang="es-MX" sz="2500" b="1" dirty="0">
-                <a:solidFill>
-                  <a:schemeClr val="bg1">
-                    <a:lumMod val="95000"/>
-                  </a:schemeClr>
-                </a:solidFill>
-                <a:latin typeface="Roboto Light" panose="02000000000000000000" pitchFamily="2" charset="0"/>
-                <a:ea typeface="Roboto Light" panose="02000000000000000000" pitchFamily="2" charset="0"/>
-              </a:endParaRPr>
             </a:p>
           </p:txBody>
         </p:sp>
@@ -5401,13 +5381,6 @@
   <p:clrMapOvr>
     <a:masterClrMapping/>
   </p:clrMapOvr>
-  <p:timing>
-    <p:tnLst>
-      <p:par>
-        <p:cTn id="1" dur="indefinite" restart="never" nodeType="tmRoot"/>
-      </p:par>
-    </p:tnLst>
-  </p:timing>
 </p:sld>
 </file>
 
@@ -5470,27 +5443,27 @@
           </a:lstStyle>
           <a:p>
             <a:r>
-              <a:rPr lang="es-MX" sz="5000" dirty="0" err="1" smtClean="0">
-                <a:solidFill>
-                  <a:srgbClr val="B71540"/>
+              <a:rPr lang="es-MX" sz="5000" b="1" dirty="0" err="1">
+                <a:solidFill>
+                  <a:srgbClr val="D61E3C"/>
+                </a:solidFill>
+                <a:latin typeface="Gotham Rounded Book" pitchFamily="50" charset="0"/>
+                <a:ea typeface="Roboto Black" panose="02000000000000000000" pitchFamily="2" charset="0"/>
+              </a:rPr>
+              <a:t>Branches</a:t>
+            </a:r>
+            <a:r>
+              <a:rPr lang="es-MX" sz="5000" dirty="0">
+                <a:solidFill>
+                  <a:srgbClr val="D50F2E"/>
                 </a:solidFill>
                 <a:latin typeface="Roboto Black" panose="02000000000000000000" pitchFamily="2" charset="0"/>
                 <a:ea typeface="Roboto Black" panose="02000000000000000000" pitchFamily="2" charset="0"/>
               </a:rPr>
-              <a:t>Branches</a:t>
-            </a:r>
-            <a:r>
-              <a:rPr lang="es-MX" sz="5000" dirty="0" smtClean="0">
-                <a:solidFill>
-                  <a:srgbClr val="D50F2E"/>
-                </a:solidFill>
-                <a:latin typeface="Roboto Black" panose="02000000000000000000" pitchFamily="2" charset="0"/>
-                <a:ea typeface="Roboto Black" panose="02000000000000000000" pitchFamily="2" charset="0"/>
-              </a:rPr>
               <a:t> </a:t>
             </a:r>
             <a:r>
-              <a:rPr lang="es-MX" sz="2500" dirty="0" smtClean="0">
+              <a:rPr lang="es-MX" sz="2500" dirty="0">
                 <a:solidFill>
                   <a:schemeClr val="bg1">
                     <a:lumMod val="85000"/>
@@ -5502,7 +5475,7 @@
               <a:t>[</a:t>
             </a:r>
             <a:r>
-              <a:rPr lang="es-MX" sz="3000" dirty="0" smtClean="0">
+              <a:rPr lang="es-MX" sz="3000" dirty="0">
                 <a:solidFill>
                   <a:schemeClr val="bg1">
                     <a:lumMod val="85000"/>
@@ -5514,7 +5487,7 @@
               <a:t> </a:t>
             </a:r>
             <a:r>
-              <a:rPr lang="es-MX" sz="3000" dirty="0" err="1" smtClean="0">
+              <a:rPr lang="es-MX" sz="3000" dirty="0" err="1">
                 <a:solidFill>
                   <a:schemeClr val="bg1">
                     <a:lumMod val="85000"/>
@@ -5526,7 +5499,7 @@
               <a:t>git</a:t>
             </a:r>
             <a:r>
-              <a:rPr lang="es-MX" sz="3000" dirty="0" smtClean="0">
+              <a:rPr lang="es-MX" sz="3000" dirty="0">
                 <a:solidFill>
                   <a:schemeClr val="bg1">
                     <a:lumMod val="85000"/>
@@ -5538,7 +5511,7 @@
               <a:t> </a:t>
             </a:r>
             <a:r>
-              <a:rPr lang="es-MX" sz="2500" dirty="0" smtClean="0">
+              <a:rPr lang="es-MX" sz="2500" dirty="0">
                 <a:solidFill>
                   <a:schemeClr val="bg1">
                     <a:lumMod val="85000"/>
@@ -5550,7 +5523,7 @@
               <a:t>]</a:t>
             </a:r>
             <a:r>
-              <a:rPr lang="es-MX" sz="3000" dirty="0" smtClean="0">
+              <a:rPr lang="es-MX" sz="3000" dirty="0">
                 <a:solidFill>
                   <a:schemeClr val="bg1">
                     <a:lumMod val="85000"/>
@@ -5561,15 +5534,6 @@
               </a:rPr>
               <a:t> </a:t>
             </a:r>
-            <a:endParaRPr lang="es-MX" sz="3000" dirty="0">
-              <a:solidFill>
-                <a:schemeClr val="bg1">
-                  <a:lumMod val="85000"/>
-                </a:schemeClr>
-              </a:solidFill>
-              <a:latin typeface="Roboto" panose="02000000000000000000" pitchFamily="2" charset="0"/>
-              <a:ea typeface="Roboto" panose="02000000000000000000" pitchFamily="2" charset="0"/>
-            </a:endParaRPr>
           </a:p>
         </p:txBody>
       </p:sp>
@@ -5586,7 +5550,7 @@
         <p:spPr>
           <a:xfrm>
             <a:off x="838200" y="1825625"/>
-            <a:ext cx="4984630" cy="4351338"/>
+            <a:ext cx="5257800" cy="4351338"/>
           </a:xfrm>
         </p:spPr>
         <p:txBody>
@@ -5599,90 +5563,81 @@
               <a:buNone/>
             </a:pPr>
             <a:r>
-              <a:rPr lang="es-MX" sz="2200" dirty="0" smtClean="0">
+              <a:rPr lang="es-MX" sz="2000" dirty="0">
                 <a:solidFill>
                   <a:schemeClr val="bg1">
                     <a:lumMod val="75000"/>
                   </a:schemeClr>
                 </a:solidFill>
-                <a:latin typeface="Roboto" panose="02000000000000000000" pitchFamily="2" charset="0"/>
+                <a:latin typeface="Gotham Rounded Medium" panose="02000000000000000000" pitchFamily="50" charset="0"/>
                 <a:ea typeface="Roboto" panose="02000000000000000000" pitchFamily="2" charset="0"/>
               </a:rPr>
               <a:t>Listar </a:t>
             </a:r>
             <a:r>
-              <a:rPr lang="es-MX" sz="2200" dirty="0" err="1" smtClean="0">
+              <a:rPr lang="es-MX" sz="2000" dirty="0" err="1">
                 <a:solidFill>
                   <a:schemeClr val="bg1">
                     <a:lumMod val="75000"/>
                   </a:schemeClr>
                 </a:solidFill>
-                <a:latin typeface="Roboto" panose="02000000000000000000" pitchFamily="2" charset="0"/>
+                <a:latin typeface="Gotham Rounded Medium" panose="02000000000000000000" pitchFamily="50" charset="0"/>
                 <a:ea typeface="Roboto" panose="02000000000000000000" pitchFamily="2" charset="0"/>
               </a:rPr>
               <a:t>branches</a:t>
             </a:r>
             <a:r>
-              <a:rPr lang="es-MX" sz="2200" dirty="0" smtClean="0">
+              <a:rPr lang="es-MX" sz="2000" dirty="0">
                 <a:solidFill>
                   <a:schemeClr val="bg1">
                     <a:lumMod val="75000"/>
                   </a:schemeClr>
                 </a:solidFill>
-                <a:latin typeface="Roboto" panose="02000000000000000000" pitchFamily="2" charset="0"/>
+                <a:latin typeface="Gotham Rounded Medium" panose="02000000000000000000" pitchFamily="50" charset="0"/>
                 <a:ea typeface="Roboto" panose="02000000000000000000" pitchFamily="2" charset="0"/>
               </a:rPr>
               <a:t> disponibles en el repo</a:t>
             </a:r>
+          </a:p>
+          <a:p>
+            <a:pPr marL="0" indent="0">
+              <a:buNone/>
+            </a:pPr>
+            <a:r>
+              <a:rPr lang="es-MX" sz="2200" dirty="0" err="1">
+                <a:solidFill>
+                  <a:srgbClr val="4B6584"/>
+                </a:solidFill>
+                <a:latin typeface="Gotham Rounded Bold" pitchFamily="50" charset="0"/>
+                <a:ea typeface="Roboto" panose="02000000000000000000" pitchFamily="2" charset="0"/>
+              </a:rPr>
+              <a:t>git</a:t>
+            </a:r>
+            <a:r>
+              <a:rPr lang="es-MX" sz="2200" dirty="0">
+                <a:solidFill>
+                  <a:srgbClr val="4B6584"/>
+                </a:solidFill>
+                <a:latin typeface="Gotham Rounded Bold" pitchFamily="50" charset="0"/>
+                <a:ea typeface="Roboto" panose="02000000000000000000" pitchFamily="2" charset="0"/>
+              </a:rPr>
+              <a:t> </a:t>
+            </a:r>
+            <a:r>
+              <a:rPr lang="es-MX" sz="2200" dirty="0" err="1">
+                <a:solidFill>
+                  <a:srgbClr val="4B6584"/>
+                </a:solidFill>
+                <a:latin typeface="Gotham Rounded Bold" pitchFamily="50" charset="0"/>
+                <a:ea typeface="Roboto" panose="02000000000000000000" pitchFamily="2" charset="0"/>
+              </a:rPr>
+              <a:t>branch</a:t>
+            </a:r>
             <a:endParaRPr lang="es-MX" sz="2200" dirty="0">
-              <a:solidFill>
-                <a:schemeClr val="bg1">
-                  <a:lumMod val="75000"/>
-                </a:schemeClr>
-              </a:solidFill>
-              <a:latin typeface="Roboto" panose="02000000000000000000" pitchFamily="2" charset="0"/>
-              <a:ea typeface="Roboto" panose="02000000000000000000" pitchFamily="2" charset="0"/>
-            </a:endParaRPr>
-          </a:p>
-          <a:p>
-            <a:pPr marL="0" indent="0">
-              <a:buNone/>
-            </a:pPr>
-            <a:r>
-              <a:rPr lang="es-MX" sz="2400" dirty="0" err="1" smtClean="0">
-                <a:solidFill>
-                  <a:srgbClr val="4B6584"/>
-                </a:solidFill>
-                <a:latin typeface="Roboto" panose="02000000000000000000" pitchFamily="2" charset="0"/>
-                <a:ea typeface="Roboto" panose="02000000000000000000" pitchFamily="2" charset="0"/>
-              </a:rPr>
-              <a:t>git</a:t>
-            </a:r>
-            <a:r>
-              <a:rPr lang="es-MX" sz="2400" dirty="0" smtClean="0">
-                <a:solidFill>
-                  <a:srgbClr val="4B6584"/>
-                </a:solidFill>
-                <a:latin typeface="Roboto" panose="02000000000000000000" pitchFamily="2" charset="0"/>
-                <a:ea typeface="Roboto" panose="02000000000000000000" pitchFamily="2" charset="0"/>
-              </a:rPr>
-              <a:t> </a:t>
-            </a:r>
-            <a:r>
-              <a:rPr lang="es-MX" sz="2400" dirty="0" err="1" smtClean="0">
-                <a:solidFill>
-                  <a:srgbClr val="4B6584"/>
-                </a:solidFill>
-                <a:latin typeface="Roboto" panose="02000000000000000000" pitchFamily="2" charset="0"/>
-                <a:ea typeface="Roboto" panose="02000000000000000000" pitchFamily="2" charset="0"/>
-              </a:rPr>
-              <a:t>branch</a:t>
-            </a:r>
-            <a:endParaRPr lang="es-MX" sz="2400" dirty="0" smtClean="0">
               <a:solidFill>
                 <a:srgbClr val="4B6584"/>
               </a:solidFill>
-              <a:latin typeface="Roboto" panose="02000000000000000000" pitchFamily="2" charset="0"/>
+              <a:latin typeface="Gotham Rounded Bold" pitchFamily="50" charset="0"/>
               <a:ea typeface="Roboto" panose="02000000000000000000" pitchFamily="2" charset="0"/>
             </a:endParaRPr>
           </a:p>
@@ -5705,36 +5660,36 @@
               <a:buNone/>
             </a:pPr>
             <a:r>
-              <a:rPr lang="es-MX" sz="2200" dirty="0" smtClean="0">
+              <a:rPr lang="es-MX" sz="2000" dirty="0">
                 <a:solidFill>
                   <a:schemeClr val="bg1">
                     <a:lumMod val="75000"/>
                   </a:schemeClr>
                 </a:solidFill>
-                <a:latin typeface="Roboto" panose="02000000000000000000" pitchFamily="2" charset="0"/>
+                <a:latin typeface="Gotham Rounded Medium" panose="02000000000000000000" pitchFamily="50" charset="0"/>
                 <a:ea typeface="Roboto" panose="02000000000000000000" pitchFamily="2" charset="0"/>
               </a:rPr>
               <a:t>Crear nueva </a:t>
             </a:r>
             <a:r>
-              <a:rPr lang="es-MX" sz="2200" dirty="0" err="1" smtClean="0">
+              <a:rPr lang="es-MX" sz="2000" dirty="0" err="1">
                 <a:solidFill>
                   <a:schemeClr val="bg1">
                     <a:lumMod val="75000"/>
                   </a:schemeClr>
                 </a:solidFill>
-                <a:latin typeface="Roboto" panose="02000000000000000000" pitchFamily="2" charset="0"/>
+                <a:latin typeface="Gotham Rounded Medium" panose="02000000000000000000" pitchFamily="50" charset="0"/>
                 <a:ea typeface="Roboto" panose="02000000000000000000" pitchFamily="2" charset="0"/>
               </a:rPr>
               <a:t>branch</a:t>
             </a:r>
-            <a:endParaRPr lang="es-MX" sz="2200" dirty="0">
+            <a:endParaRPr lang="es-MX" sz="2000" dirty="0">
               <a:solidFill>
                 <a:schemeClr val="bg1">
                   <a:lumMod val="75000"/>
                 </a:schemeClr>
               </a:solidFill>
-              <a:latin typeface="Roboto" panose="02000000000000000000" pitchFamily="2" charset="0"/>
+              <a:latin typeface="Gotham Rounded Medium" panose="02000000000000000000" pitchFamily="50" charset="0"/>
               <a:ea typeface="Roboto" panose="02000000000000000000" pitchFamily="2" charset="0"/>
             </a:endParaRPr>
           </a:p>
@@ -5743,21 +5698,21 @@
               <a:buNone/>
             </a:pPr>
             <a:r>
-              <a:rPr lang="es-MX" sz="2400" dirty="0" err="1" smtClean="0">
+              <a:rPr lang="es-MX" sz="2200" dirty="0" err="1">
                 <a:solidFill>
                   <a:srgbClr val="4B6584"/>
                 </a:solidFill>
-                <a:latin typeface="Roboto" panose="02000000000000000000" pitchFamily="2" charset="0"/>
+                <a:latin typeface="Gotham Rounded Bold" pitchFamily="50" charset="0"/>
                 <a:ea typeface="Roboto" panose="02000000000000000000" pitchFamily="2" charset="0"/>
               </a:rPr>
               <a:t>git</a:t>
             </a:r>
             <a:r>
-              <a:rPr lang="es-MX" sz="2400" dirty="0" smtClean="0">
+              <a:rPr lang="es-MX" sz="2200" dirty="0">
                 <a:solidFill>
                   <a:srgbClr val="4B6584"/>
                 </a:solidFill>
-                <a:latin typeface="Roboto" panose="02000000000000000000" pitchFamily="2" charset="0"/>
+                <a:latin typeface="Gotham Rounded Bold" pitchFamily="50" charset="0"/>
                 <a:ea typeface="Roboto" panose="02000000000000000000" pitchFamily="2" charset="0"/>
               </a:rPr>
               <a:t> [nombre rama]</a:t>
@@ -5782,121 +5737,65 @@
               <a:buNone/>
             </a:pPr>
             <a:r>
-              <a:rPr lang="es-MX" sz="2200" dirty="0" smtClean="0">
+              <a:rPr lang="es-MX" sz="2000" dirty="0">
                 <a:solidFill>
                   <a:schemeClr val="bg1">
                     <a:lumMod val="75000"/>
                   </a:schemeClr>
                 </a:solidFill>
-                <a:latin typeface="Roboto" panose="02000000000000000000" pitchFamily="2" charset="0"/>
+                <a:latin typeface="Gotham Rounded Medium" panose="02000000000000000000" pitchFamily="50" charset="0"/>
                 <a:ea typeface="Roboto" panose="02000000000000000000" pitchFamily="2" charset="0"/>
               </a:rPr>
               <a:t>Cambiarse a otra rama</a:t>
             </a:r>
-            <a:endParaRPr lang="es-MX" sz="2200" dirty="0">
-              <a:solidFill>
-                <a:schemeClr val="bg1">
-                  <a:lumMod val="75000"/>
-                </a:schemeClr>
-              </a:solidFill>
-              <a:latin typeface="Roboto" panose="02000000000000000000" pitchFamily="2" charset="0"/>
-              <a:ea typeface="Roboto" panose="02000000000000000000" pitchFamily="2" charset="0"/>
-            </a:endParaRPr>
           </a:p>
           <a:p>
             <a:pPr marL="0" indent="0">
               <a:buNone/>
             </a:pPr>
             <a:r>
-              <a:rPr lang="es-MX" sz="2400" dirty="0" err="1">
+              <a:rPr lang="es-MX" sz="2200" dirty="0" err="1">
                 <a:solidFill>
                   <a:srgbClr val="4B6584"/>
                 </a:solidFill>
-                <a:latin typeface="Roboto" panose="02000000000000000000" pitchFamily="2" charset="0"/>
-                <a:ea typeface="Roboto" panose="02000000000000000000" pitchFamily="2" charset="0"/>
-              </a:rPr>
-              <a:t>g</a:t>
-            </a:r>
-            <a:r>
-              <a:rPr lang="es-MX" sz="2400" dirty="0" err="1" smtClean="0">
+                <a:latin typeface="Gotham Rounded Bold" pitchFamily="50" charset="0"/>
+                <a:ea typeface="Roboto" panose="02000000000000000000" pitchFamily="2" charset="0"/>
+              </a:rPr>
+              <a:t>git</a:t>
+            </a:r>
+            <a:r>
+              <a:rPr lang="es-MX" sz="2200" dirty="0">
                 <a:solidFill>
                   <a:srgbClr val="4B6584"/>
                 </a:solidFill>
-                <a:latin typeface="Roboto" panose="02000000000000000000" pitchFamily="2" charset="0"/>
-                <a:ea typeface="Roboto" panose="02000000000000000000" pitchFamily="2" charset="0"/>
-              </a:rPr>
-              <a:t>it</a:t>
-            </a:r>
-            <a:r>
-              <a:rPr lang="es-MX" sz="2400" dirty="0" smtClean="0">
+                <a:latin typeface="Gotham Rounded Bold" pitchFamily="50" charset="0"/>
+                <a:ea typeface="Roboto" panose="02000000000000000000" pitchFamily="2" charset="0"/>
+              </a:rPr>
+              <a:t> </a:t>
+            </a:r>
+            <a:r>
+              <a:rPr lang="es-MX" sz="2200" dirty="0" err="1">
                 <a:solidFill>
                   <a:srgbClr val="4B6584"/>
                 </a:solidFill>
-                <a:latin typeface="Roboto" panose="02000000000000000000" pitchFamily="2" charset="0"/>
-                <a:ea typeface="Roboto" panose="02000000000000000000" pitchFamily="2" charset="0"/>
-              </a:rPr>
-              <a:t> </a:t>
-            </a:r>
-            <a:r>
-              <a:rPr lang="es-MX" sz="2400" dirty="0" err="1" smtClean="0">
+                <a:latin typeface="Gotham Rounded Bold" pitchFamily="50" charset="0"/>
+                <a:ea typeface="Roboto" panose="02000000000000000000" pitchFamily="2" charset="0"/>
+              </a:rPr>
+              <a:t>checkout</a:t>
+            </a:r>
+            <a:r>
+              <a:rPr lang="es-MX" sz="2200" dirty="0">
                 <a:solidFill>
                   <a:srgbClr val="4B6584"/>
                 </a:solidFill>
-                <a:latin typeface="Roboto" panose="02000000000000000000" pitchFamily="2" charset="0"/>
-                <a:ea typeface="Roboto" panose="02000000000000000000" pitchFamily="2" charset="0"/>
-              </a:rPr>
-              <a:t>checkout</a:t>
-            </a:r>
-            <a:r>
-              <a:rPr lang="es-MX" sz="2400" dirty="0" smtClean="0">
-                <a:solidFill>
-                  <a:srgbClr val="4B6584"/>
-                </a:solidFill>
-                <a:latin typeface="Roboto" panose="02000000000000000000" pitchFamily="2" charset="0"/>
+                <a:latin typeface="Gotham Rounded Bold" pitchFamily="50" charset="0"/>
                 <a:ea typeface="Roboto" panose="02000000000000000000" pitchFamily="2" charset="0"/>
               </a:rPr>
               <a:t> [nombre rama]</a:t>
             </a:r>
-            <a:endParaRPr lang="es-MX" sz="2400" dirty="0">
-              <a:solidFill>
-                <a:srgbClr val="4B6584"/>
-              </a:solidFill>
-              <a:latin typeface="Roboto" panose="02000000000000000000" pitchFamily="2" charset="0"/>
-              <a:ea typeface="Roboto" panose="02000000000000000000" pitchFamily="2" charset="0"/>
-            </a:endParaRPr>
           </a:p>
         </p:txBody>
       </p:sp>
-      <p:pic>
-        <p:nvPicPr>
-          <p:cNvPr id="3" name="Imagen 2"/>
-          <p:cNvPicPr>
-            <a:picLocks noChangeAspect="1"/>
-          </p:cNvPicPr>
-          <p:nvPr/>
-        </p:nvPicPr>
-        <p:blipFill>
-          <a:blip r:embed="rId3" cstate="print">
-            <a:extLst>
-              <a:ext uri="{28A0092B-C50C-407E-A947-70E740481C1C}">
-                <a14:useLocalDpi xmlns:a14="http://schemas.microsoft.com/office/drawing/2010/main" val="0"/>
-              </a:ext>
-            </a:extLst>
-          </a:blip>
-          <a:stretch>
-            <a:fillRect/>
-          </a:stretch>
-        </p:blipFill>
-        <p:spPr>
-          <a:xfrm>
-            <a:off x="193575" y="767217"/>
-            <a:ext cx="376939" cy="531501"/>
-          </a:xfrm>
-          <a:prstGeom prst="rect">
-            <a:avLst/>
-          </a:prstGeom>
-        </p:spPr>
-      </p:pic>
       <p:grpSp>
         <p:nvGrpSpPr>
           <p:cNvPr id="9" name="Grupo 8"/>
@@ -5906,9 +5805,9 @@
         <p:grpSpPr>
           <a:xfrm>
             <a:off x="6228271" y="3198168"/>
-            <a:ext cx="5293190" cy="461665"/>
+            <a:ext cx="5293190" cy="430887"/>
             <a:chOff x="6228271" y="3405202"/>
-            <a:chExt cx="5293190" cy="461665"/>
+            <a:chExt cx="5293190" cy="430887"/>
           </a:xfrm>
         </p:grpSpPr>
         <p:sp>
@@ -5920,7 +5819,7 @@
           <p:spPr>
             <a:xfrm>
               <a:off x="6228271" y="3405202"/>
-              <a:ext cx="4459875" cy="461665"/>
+              <a:ext cx="4655762" cy="430887"/>
             </a:xfrm>
             <a:prstGeom prst="rect">
               <a:avLst/>
@@ -5934,51 +5833,41 @@
             <a:lstStyle/>
             <a:p>
               <a:r>
-                <a:rPr lang="es-MX" sz="2400" dirty="0" err="1">
+                <a:rPr lang="es-MX" sz="2200" dirty="0" err="1">
                   <a:solidFill>
                     <a:srgbClr val="4B6584"/>
                   </a:solidFill>
-                  <a:latin typeface="Roboto" panose="02000000000000000000" pitchFamily="2" charset="0"/>
+                  <a:latin typeface="Gotham Rounded Bold" pitchFamily="50" charset="0"/>
                   <a:ea typeface="Roboto" panose="02000000000000000000" pitchFamily="2" charset="0"/>
                 </a:rPr>
-                <a:t>g</a:t>
+                <a:t>git</a:t>
               </a:r>
               <a:r>
-                <a:rPr lang="es-MX" sz="2400" dirty="0" err="1" smtClean="0">
+                <a:rPr lang="es-MX" sz="2200" dirty="0">
                   <a:solidFill>
                     <a:srgbClr val="4B6584"/>
                   </a:solidFill>
-                  <a:latin typeface="Roboto" panose="02000000000000000000" pitchFamily="2" charset="0"/>
-                  <a:ea typeface="Roboto" panose="02000000000000000000" pitchFamily="2" charset="0"/>
-                </a:rPr>
-                <a:t>it</a:t>
-              </a:r>
-              <a:r>
-                <a:rPr lang="es-MX" sz="2400" dirty="0" smtClean="0">
-                  <a:solidFill>
-                    <a:srgbClr val="4B6584"/>
-                  </a:solidFill>
-                  <a:latin typeface="Roboto" panose="02000000000000000000" pitchFamily="2" charset="0"/>
+                  <a:latin typeface="Gotham Rounded Bold" pitchFamily="50" charset="0"/>
                   <a:ea typeface="Roboto" panose="02000000000000000000" pitchFamily="2" charset="0"/>
                 </a:rPr>
                 <a:t> </a:t>
               </a:r>
               <a:r>
-                <a:rPr lang="es-MX" sz="2400" dirty="0" err="1">
+                <a:rPr lang="es-MX" sz="2200" dirty="0" err="1">
                   <a:solidFill>
                     <a:srgbClr val="4B6584"/>
                   </a:solidFill>
-                  <a:latin typeface="Roboto" panose="02000000000000000000" pitchFamily="2" charset="0"/>
+                  <a:latin typeface="Gotham Rounded Bold" pitchFamily="50" charset="0"/>
                   <a:ea typeface="Roboto" panose="02000000000000000000" pitchFamily="2" charset="0"/>
                 </a:rPr>
                 <a:t>checkout</a:t>
               </a:r>
               <a:r>
-                <a:rPr lang="es-MX" sz="2400" dirty="0">
+                <a:rPr lang="es-MX" sz="2200" dirty="0">
                   <a:solidFill>
                     <a:srgbClr val="4B6584"/>
                   </a:solidFill>
-                  <a:latin typeface="Roboto" panose="02000000000000000000" pitchFamily="2" charset="0"/>
+                  <a:latin typeface="Gotham Rounded Bold" pitchFamily="50" charset="0"/>
                   <a:ea typeface="Roboto" panose="02000000000000000000" pitchFamily="2" charset="0"/>
                 </a:rPr>
                 <a:t> –b [nombre rama]</a:t>
@@ -5995,7 +5884,7 @@
             <p:nvPr/>
           </p:nvPicPr>
           <p:blipFill>
-            <a:blip r:embed="rId4" cstate="print">
+            <a:blip r:embed="rId3" cstate="print">
               <a:extLst>
                 <a:ext uri="{28A0092B-C50C-407E-A947-70E740481C1C}">
                   <a14:useLocalDpi xmlns:a14="http://schemas.microsoft.com/office/drawing/2010/main" val="0"/>
@@ -6017,6 +5906,76 @@
           </p:spPr>
         </p:pic>
       </p:grpSp>
+      <p:sp>
+        <p:nvSpPr>
+          <p:cNvPr id="8" name="CuadroTexto 7">
+            <a:extLst>
+              <a:ext uri="{FF2B5EF4-FFF2-40B4-BE49-F238E27FC236}">
+                <a16:creationId xmlns:a16="http://schemas.microsoft.com/office/drawing/2014/main" id="{CC8A151B-6A36-4CB8-8819-9F7034E9BFCD}"/>
+              </a:ext>
+            </a:extLst>
+          </p:cNvPr>
+          <p:cNvSpPr txBox="1"/>
+          <p:nvPr/>
+        </p:nvSpPr>
+        <p:spPr>
+          <a:xfrm>
+            <a:off x="10519955" y="6534835"/>
+            <a:ext cx="1672045" cy="323165"/>
+          </a:xfrm>
+          <a:prstGeom prst="rect">
+            <a:avLst/>
+          </a:prstGeom>
+          <a:noFill/>
+        </p:spPr>
+        <p:txBody>
+          <a:bodyPr wrap="square" rtlCol="0">
+            <a:spAutoFit/>
+          </a:bodyPr>
+          <a:lstStyle/>
+          <a:p>
+            <a:r>
+              <a:rPr lang="en-US" sz="1500" dirty="0">
+                <a:solidFill>
+                  <a:srgbClr val="FFC000"/>
+                </a:solidFill>
+                <a:latin typeface="Gotham Rounded Medium" panose="02000000000000000000" pitchFamily="50" charset="0"/>
+              </a:rPr>
+              <a:t>[ ] NO </a:t>
+            </a:r>
+            <a:r>
+              <a:rPr lang="en-US" sz="1200" dirty="0">
+                <a:solidFill>
+                  <a:schemeClr val="bg1">
+                    <a:lumMod val="75000"/>
+                  </a:schemeClr>
+                </a:solidFill>
+                <a:latin typeface="Gotham Rounded Medium" panose="02000000000000000000" pitchFamily="50" charset="0"/>
+              </a:rPr>
+              <a:t>se </a:t>
+            </a:r>
+            <a:r>
+              <a:rPr lang="en-US" sz="1200" dirty="0" err="1">
+                <a:solidFill>
+                  <a:schemeClr val="bg1">
+                    <a:lumMod val="75000"/>
+                  </a:schemeClr>
+                </a:solidFill>
+                <a:latin typeface="Gotham Rounded Medium" panose="02000000000000000000" pitchFamily="50" charset="0"/>
+              </a:rPr>
+              <a:t>teclean</a:t>
+            </a:r>
+            <a:endParaRPr lang="es-MX" sz="1200" dirty="0">
+              <a:solidFill>
+                <a:schemeClr val="bg1">
+                  <a:lumMod val="75000"/>
+                </a:schemeClr>
+              </a:solidFill>
+              <a:latin typeface="Gotham Rounded Medium" panose="02000000000000000000" pitchFamily="50" charset="0"/>
+            </a:endParaRPr>
+          </a:p>
+        </p:txBody>
+      </p:sp>
     </p:spTree>
     <p:extLst>
       <p:ext uri="{BB962C8B-B14F-4D97-AF65-F5344CB8AC3E}">
@@ -6138,8 +6097,8 @@
         </p:nvSpPr>
         <p:spPr>
           <a:xfrm>
-            <a:off x="3891435" y="2433906"/>
-            <a:ext cx="4566765" cy="1323439"/>
+            <a:off x="3491489" y="2767280"/>
+            <a:ext cx="5209022" cy="1323439"/>
           </a:xfrm>
           <a:prstGeom prst="rect">
             <a:avLst/>
@@ -6154,11 +6113,11 @@
           <a:p>
             <a:pPr algn="ctr"/>
             <a:r>
-              <a:rPr lang="es-MX" sz="6000" dirty="0" smtClean="0">
+              <a:rPr lang="es-MX" sz="6000" dirty="0">
                 <a:solidFill>
                   <a:schemeClr val="bg1"/>
                 </a:solidFill>
-                <a:latin typeface="Roboto Black" panose="02000000000000000000" pitchFamily="2" charset="0"/>
+                <a:latin typeface="Gotham Rounded Bold" pitchFamily="50" charset="0"/>
                 <a:ea typeface="Roboto Black" panose="02000000000000000000" pitchFamily="2" charset="0"/>
               </a:rPr>
               <a:t>MARKDOWN</a:t>
@@ -6173,7 +6132,7 @@
                     <a:lumMod val="85000"/>
                   </a:schemeClr>
                 </a:solidFill>
-                <a:latin typeface="Roboto" panose="02000000000000000000" pitchFamily="2" charset="0"/>
+                <a:latin typeface="Gotham Rounded Medium" panose="02000000000000000000" pitchFamily="50" charset="0"/>
                 <a:ea typeface="Roboto" panose="02000000000000000000" pitchFamily="2" charset="0"/>
               </a:rPr>
               <a:t>text</a:t>
@@ -6185,31 +6144,31 @@
                     <a:lumMod val="85000"/>
                   </a:schemeClr>
                 </a:solidFill>
-                <a:latin typeface="Roboto" panose="02000000000000000000" pitchFamily="2" charset="0"/>
+                <a:latin typeface="Gotham Rounded Medium" panose="02000000000000000000" pitchFamily="50" charset="0"/>
                 <a:ea typeface="Roboto" panose="02000000000000000000" pitchFamily="2" charset="0"/>
               </a:rPr>
               <a:t> </a:t>
             </a:r>
             <a:r>
-              <a:rPr lang="es-MX" sz="2000" dirty="0" err="1" smtClean="0">
+              <a:rPr lang="es-MX" sz="2000" dirty="0" err="1">
                 <a:solidFill>
                   <a:schemeClr val="bg1">
                     <a:lumMod val="85000"/>
                   </a:schemeClr>
                 </a:solidFill>
-                <a:latin typeface="Roboto" panose="02000000000000000000" pitchFamily="2" charset="0"/>
+                <a:latin typeface="Gotham Rounded Medium" panose="02000000000000000000" pitchFamily="50" charset="0"/>
                 <a:ea typeface="Roboto" panose="02000000000000000000" pitchFamily="2" charset="0"/>
               </a:rPr>
               <a:t>formatting</a:t>
             </a:r>
             <a:r>
-              <a:rPr lang="es-MX" sz="2000" dirty="0" smtClean="0">
+              <a:rPr lang="es-MX" sz="2000" dirty="0">
                 <a:solidFill>
                   <a:schemeClr val="bg1">
                     <a:lumMod val="85000"/>
                   </a:schemeClr>
                 </a:solidFill>
-                <a:latin typeface="Roboto" panose="02000000000000000000" pitchFamily="2" charset="0"/>
+                <a:latin typeface="Gotham Rounded Medium" panose="02000000000000000000" pitchFamily="50" charset="0"/>
                 <a:ea typeface="Roboto" panose="02000000000000000000" pitchFamily="2" charset="0"/>
               </a:rPr>
               <a:t> </a:t>
@@ -6221,7 +6180,7 @@
                     <a:lumMod val="85000"/>
                   </a:schemeClr>
                 </a:solidFill>
-                <a:latin typeface="Roboto" panose="02000000000000000000" pitchFamily="2" charset="0"/>
+                <a:latin typeface="Gotham Rounded Medium" panose="02000000000000000000" pitchFamily="50" charset="0"/>
                 <a:ea typeface="Roboto" panose="02000000000000000000" pitchFamily="2" charset="0"/>
               </a:rPr>
               <a:t>syntax</a:t>
@@ -6232,7 +6191,7 @@
                   <a:lumMod val="85000"/>
                 </a:schemeClr>
               </a:solidFill>
-              <a:latin typeface="Roboto" panose="02000000000000000000" pitchFamily="2" charset="0"/>
+              <a:latin typeface="Gotham Rounded Medium" panose="02000000000000000000" pitchFamily="50" charset="0"/>
               <a:ea typeface="Roboto" panose="02000000000000000000" pitchFamily="2" charset="0"/>
             </a:endParaRPr>
           </a:p>
@@ -6248,13 +6207,6 @@
   <p:clrMapOvr>
     <a:masterClrMapping/>
   </p:clrMapOvr>
-  <p:timing>
-    <p:tnLst>
-      <p:par>
-        <p:cTn id="1" dur="indefinite" restart="never" nodeType="tmRoot"/>
-      </p:par>
-    </p:tnLst>
-  </p:timing>
 </p:sld>
 </file>
 
@@ -6285,14 +6237,14 @@
       </p:grpSpPr>
       <p:sp>
         <p:nvSpPr>
-          <p:cNvPr id="2" name="CuadroTexto 1"/>
+          <p:cNvPr id="3" name="CuadroTexto 2"/>
           <p:cNvSpPr txBox="1"/>
           <p:nvPr/>
         </p:nvSpPr>
         <p:spPr>
-          <a:xfrm>
-            <a:off x="481485" y="538431"/>
-            <a:ext cx="5366865" cy="707886"/>
+          <a:xfrm flipH="1">
+            <a:off x="1064891" y="1502913"/>
+            <a:ext cx="7833092" cy="4801314"/>
           </a:xfrm>
           <a:prstGeom prst="rect">
             <a:avLst/>
@@ -6305,44 +6257,8 @@
           </a:bodyPr>
           <a:lstStyle/>
           <a:p>
-            <a:pPr algn="ctr"/>
-            <a:r>
-              <a:rPr lang="es-MX" sz="4000" dirty="0">
-                <a:solidFill>
-                  <a:schemeClr val="bg1"/>
-                </a:solidFill>
-                <a:latin typeface="Roboto Black" panose="02000000000000000000" pitchFamily="2" charset="0"/>
-                <a:ea typeface="Roboto Black" panose="02000000000000000000" pitchFamily="2" charset="0"/>
-              </a:rPr>
-              <a:t>Elementos principales</a:t>
-            </a:r>
-          </a:p>
-        </p:txBody>
-      </p:sp>
-      <p:sp>
-        <p:nvSpPr>
-          <p:cNvPr id="3" name="CuadroTexto 2"/>
-          <p:cNvSpPr txBox="1"/>
-          <p:nvPr/>
-        </p:nvSpPr>
-        <p:spPr>
-          <a:xfrm flipH="1">
-            <a:off x="1064891" y="1543050"/>
-            <a:ext cx="8898258" cy="4801314"/>
-          </a:xfrm>
-          <a:prstGeom prst="rect">
-            <a:avLst/>
-          </a:prstGeom>
-          <a:noFill/>
-        </p:spPr>
-        <p:txBody>
-          <a:bodyPr wrap="square" rtlCol="0">
-            <a:spAutoFit/>
-          </a:bodyPr>
-          <a:lstStyle/>
-          <a:p>
-            <a:r>
-              <a:rPr lang="es-MX" sz="3000" dirty="0" err="1" smtClean="0">
+            <a:r>
+              <a:rPr lang="es-MX" sz="3000" dirty="0" err="1">
                 <a:solidFill>
                   <a:schemeClr val="accent4">
                     <a:lumMod val="60000"/>
@@ -6355,7 +6271,7 @@
               <a:t>Headers</a:t>
             </a:r>
             <a:r>
-              <a:rPr lang="es-MX" sz="3000" dirty="0" smtClean="0">
+              <a:rPr lang="es-MX" sz="3000" dirty="0">
                 <a:solidFill>
                   <a:schemeClr val="accent4">
                     <a:lumMod val="60000"/>
@@ -6380,42 +6296,73 @@
                     <a:lumMod val="95000"/>
                   </a:schemeClr>
                 </a:solidFill>
+                <a:latin typeface="Gotham Rounded Medium" panose="02000000000000000000" pitchFamily="50" charset="0"/>
+                <a:ea typeface="Roboto" panose="02000000000000000000" pitchFamily="2" charset="0"/>
+              </a:rPr>
+              <a:t># </a:t>
+            </a:r>
+            <a:r>
+              <a:rPr lang="es-MX" sz="2400" dirty="0">
+                <a:solidFill>
+                  <a:schemeClr val="bg1">
+                    <a:lumMod val="95000"/>
+                  </a:schemeClr>
+                </a:solidFill>
                 <a:latin typeface="Roboto" panose="02000000000000000000" pitchFamily="2" charset="0"/>
                 <a:ea typeface="Roboto" panose="02000000000000000000" pitchFamily="2" charset="0"/>
               </a:rPr>
-              <a:t># </a:t>
-            </a:r>
-            <a:r>
-              <a:rPr lang="es-MX" sz="2400" dirty="0" smtClean="0">
+              <a:t>					</a:t>
+            </a:r>
+            <a:r>
+              <a:rPr lang="es-MX" sz="2400" dirty="0">
                 <a:solidFill>
                   <a:schemeClr val="bg1">
                     <a:lumMod val="95000"/>
                   </a:schemeClr>
                 </a:solidFill>
+                <a:latin typeface="Gotham Rounded Light" pitchFamily="50" charset="0"/>
+                <a:ea typeface="Roboto" panose="02000000000000000000" pitchFamily="2" charset="0"/>
+              </a:rPr>
+              <a:t>=	h1</a:t>
+            </a:r>
+          </a:p>
+          <a:p>
+            <a:r>
+              <a:rPr lang="es-MX" sz="2400" dirty="0">
+                <a:solidFill>
+                  <a:schemeClr val="bg1">
+                    <a:lumMod val="95000"/>
+                  </a:schemeClr>
+                </a:solidFill>
                 <a:latin typeface="Roboto" panose="02000000000000000000" pitchFamily="2" charset="0"/>
                 <a:ea typeface="Roboto" panose="02000000000000000000" pitchFamily="2" charset="0"/>
               </a:rPr>
-              <a:t>					</a:t>
-            </a:r>
-            <a:r>
-              <a:rPr lang="es-MX" sz="2200" b="1" dirty="0" smtClean="0">
-                <a:solidFill>
-                  <a:srgbClr val="F7B731"/>
+              <a:t>	</a:t>
+            </a:r>
+            <a:r>
+              <a:rPr lang="es-MX" sz="2400" dirty="0">
+                <a:solidFill>
+                  <a:schemeClr val="bg1">
+                    <a:lumMod val="95000"/>
+                  </a:schemeClr>
+                </a:solidFill>
+                <a:latin typeface="Gotham Rounded Medium" panose="02000000000000000000" pitchFamily="50" charset="0"/>
+                <a:ea typeface="Roboto" panose="02000000000000000000" pitchFamily="2" charset="0"/>
+              </a:rPr>
+              <a:t>##</a:t>
+            </a:r>
+            <a:r>
+              <a:rPr lang="es-MX" sz="2400" dirty="0">
+                <a:solidFill>
+                  <a:schemeClr val="bg1">
+                    <a:lumMod val="95000"/>
+                  </a:schemeClr>
                 </a:solidFill>
                 <a:latin typeface="Roboto" panose="02000000000000000000" pitchFamily="2" charset="0"/>
                 <a:ea typeface="Roboto" panose="02000000000000000000" pitchFamily="2" charset="0"/>
               </a:rPr>
-              <a:t>=	h1</a:t>
-            </a:r>
-            <a:endParaRPr lang="es-MX" sz="2200" b="1" dirty="0">
-              <a:solidFill>
-                <a:srgbClr val="F7B731"/>
-              </a:solidFill>
-              <a:latin typeface="Roboto" panose="02000000000000000000" pitchFamily="2" charset="0"/>
-              <a:ea typeface="Roboto" panose="02000000000000000000" pitchFamily="2" charset="0"/>
-            </a:endParaRPr>
-          </a:p>
-          <a:p>
+              <a:t> 					</a:t>
+            </a:r>
             <a:r>
               <a:rPr lang="es-MX" sz="2400" dirty="0">
                 <a:solidFill>
@@ -6423,35 +6370,75 @@
                     <a:lumMod val="95000"/>
                   </a:schemeClr>
                 </a:solidFill>
+                <a:latin typeface="Gotham Rounded Light" pitchFamily="50" charset="0"/>
+                <a:ea typeface="Roboto" panose="02000000000000000000" pitchFamily="2" charset="0"/>
+              </a:rPr>
+              <a:t>= 	h2</a:t>
+            </a:r>
+          </a:p>
+          <a:p>
+            <a:r>
+              <a:rPr lang="es-MX" sz="2400" dirty="0">
+                <a:solidFill>
+                  <a:schemeClr val="bg1">
+                    <a:lumMod val="95000"/>
+                  </a:schemeClr>
+                </a:solidFill>
                 <a:latin typeface="Roboto" panose="02000000000000000000" pitchFamily="2" charset="0"/>
                 <a:ea typeface="Roboto" panose="02000000000000000000" pitchFamily="2" charset="0"/>
               </a:rPr>
-              <a:t>	## </a:t>
-            </a:r>
-            <a:r>
-              <a:rPr lang="es-MX" sz="2400" dirty="0" smtClean="0">
+              <a:t>	</a:t>
+            </a:r>
+            <a:r>
+              <a:rPr lang="es-MX" sz="2400" dirty="0">
                 <a:solidFill>
                   <a:schemeClr val="bg1">
                     <a:lumMod val="95000"/>
                   </a:schemeClr>
                 </a:solidFill>
+                <a:latin typeface="Gotham Rounded Medium" panose="02000000000000000000" pitchFamily="50" charset="0"/>
+                <a:ea typeface="Roboto" panose="02000000000000000000" pitchFamily="2" charset="0"/>
+              </a:rPr>
+              <a:t>###</a:t>
+            </a:r>
+            <a:r>
+              <a:rPr lang="es-MX" sz="2400" dirty="0">
+                <a:solidFill>
+                  <a:schemeClr val="bg1">
+                    <a:lumMod val="95000"/>
+                  </a:schemeClr>
+                </a:solidFill>
                 <a:latin typeface="Roboto" panose="02000000000000000000" pitchFamily="2" charset="0"/>
                 <a:ea typeface="Roboto" panose="02000000000000000000" pitchFamily="2" charset="0"/>
               </a:rPr>
-              <a:t>					</a:t>
-            </a:r>
-            <a:r>
-              <a:rPr lang="es-MX" sz="2200" b="1" dirty="0">
-                <a:solidFill>
-                  <a:srgbClr val="F7B731"/>
+              <a:t> 					</a:t>
+            </a:r>
+            <a:r>
+              <a:rPr lang="es-MX" sz="2400" dirty="0">
+                <a:solidFill>
+                  <a:schemeClr val="bg1">
+                    <a:lumMod val="95000"/>
+                  </a:schemeClr>
+                </a:solidFill>
+                <a:latin typeface="Gotham Rounded Light" pitchFamily="50" charset="0"/>
+                <a:ea typeface="Roboto" panose="02000000000000000000" pitchFamily="2" charset="0"/>
+              </a:rPr>
+              <a:t>= 	h3</a:t>
+            </a:r>
+          </a:p>
+          <a:p>
+            <a:r>
+              <a:rPr lang="es-MX" sz="2400" dirty="0">
+                <a:solidFill>
+                  <a:schemeClr val="bg1">
+                    <a:lumMod val="95000"/>
+                  </a:schemeClr>
                 </a:solidFill>
                 <a:latin typeface="Roboto" panose="02000000000000000000" pitchFamily="2" charset="0"/>
                 <a:ea typeface="Roboto" panose="02000000000000000000" pitchFamily="2" charset="0"/>
               </a:rPr>
-              <a:t>= 	h2</a:t>
-            </a:r>
-          </a:p>
-          <a:p>
+              <a:t>	</a:t>
+            </a:r>
             <a:r>
               <a:rPr lang="es-MX" sz="2400" dirty="0">
                 <a:solidFill>
@@ -6459,35 +6446,73 @@
                     <a:lumMod val="95000"/>
                   </a:schemeClr>
                 </a:solidFill>
+                <a:latin typeface="Gotham Rounded Medium" panose="02000000000000000000" pitchFamily="50" charset="0"/>
+                <a:ea typeface="Roboto" panose="02000000000000000000" pitchFamily="2" charset="0"/>
+              </a:rPr>
+              <a:t>####</a:t>
+            </a:r>
+            <a:r>
+              <a:rPr lang="es-MX" sz="2400" dirty="0">
+                <a:solidFill>
+                  <a:schemeClr val="bg1">
+                    <a:lumMod val="95000"/>
+                  </a:schemeClr>
+                </a:solidFill>
                 <a:latin typeface="Roboto" panose="02000000000000000000" pitchFamily="2" charset="0"/>
                 <a:ea typeface="Roboto" panose="02000000000000000000" pitchFamily="2" charset="0"/>
               </a:rPr>
-              <a:t>	### </a:t>
-            </a:r>
-            <a:r>
-              <a:rPr lang="es-MX" sz="2400" dirty="0" smtClean="0">
+              <a:t> 				</a:t>
+            </a:r>
+            <a:r>
+              <a:rPr lang="es-MX" sz="2400" dirty="0">
                 <a:solidFill>
                   <a:schemeClr val="bg1">
                     <a:lumMod val="95000"/>
                   </a:schemeClr>
                 </a:solidFill>
+                <a:latin typeface="Gotham Rounded Light" pitchFamily="50" charset="0"/>
+                <a:ea typeface="Roboto" panose="02000000000000000000" pitchFamily="2" charset="0"/>
+              </a:rPr>
+              <a:t>= 	h4</a:t>
+            </a:r>
+          </a:p>
+          <a:p>
+            <a:r>
+              <a:rPr lang="es-MX" sz="2400" dirty="0">
+                <a:solidFill>
+                  <a:schemeClr val="bg1">
+                    <a:lumMod val="95000"/>
+                  </a:schemeClr>
+                </a:solidFill>
                 <a:latin typeface="Roboto" panose="02000000000000000000" pitchFamily="2" charset="0"/>
                 <a:ea typeface="Roboto" panose="02000000000000000000" pitchFamily="2" charset="0"/>
               </a:rPr>
-              <a:t>					</a:t>
-            </a:r>
-            <a:r>
-              <a:rPr lang="es-MX" sz="2200" b="1" dirty="0">
-                <a:solidFill>
-                  <a:srgbClr val="F7B731"/>
+              <a:t>	</a:t>
+            </a:r>
+            <a:r>
+              <a:rPr lang="es-MX" sz="2400" dirty="0">
+                <a:solidFill>
+                  <a:schemeClr val="bg1">
+                    <a:lumMod val="95000"/>
+                  </a:schemeClr>
+                </a:solidFill>
+                <a:latin typeface="Gotham Rounded Medium" panose="02000000000000000000" pitchFamily="50" charset="0"/>
+                <a:ea typeface="Roboto" panose="02000000000000000000" pitchFamily="2" charset="0"/>
+              </a:rPr>
+              <a:t>#####</a:t>
+            </a:r>
+            <a:r>
+              <a:rPr lang="es-MX" sz="2400" dirty="0">
+                <a:solidFill>
+                  <a:schemeClr val="bg1">
+                    <a:lumMod val="95000"/>
+                  </a:schemeClr>
                 </a:solidFill>
                 <a:latin typeface="Roboto" panose="02000000000000000000" pitchFamily="2" charset="0"/>
                 <a:ea typeface="Roboto" panose="02000000000000000000" pitchFamily="2" charset="0"/>
               </a:rPr>
-              <a:t>= 	h3</a:t>
-            </a:r>
-          </a:p>
-          <a:p>
+              <a:t> 				</a:t>
+            </a:r>
             <a:r>
               <a:rPr lang="es-MX" sz="2400" dirty="0">
                 <a:solidFill>
@@ -6495,35 +6520,49 @@
                     <a:lumMod val="95000"/>
                   </a:schemeClr>
                 </a:solidFill>
+                <a:latin typeface="Gotham Rounded Light" pitchFamily="50" charset="0"/>
+                <a:ea typeface="Roboto" panose="02000000000000000000" pitchFamily="2" charset="0"/>
+              </a:rPr>
+              <a:t>= 	h5</a:t>
+            </a:r>
+          </a:p>
+          <a:p>
+            <a:r>
+              <a:rPr lang="es-MX" sz="2400" dirty="0">
+                <a:solidFill>
+                  <a:schemeClr val="bg1">
+                    <a:lumMod val="95000"/>
+                  </a:schemeClr>
+                </a:solidFill>
                 <a:latin typeface="Roboto" panose="02000000000000000000" pitchFamily="2" charset="0"/>
                 <a:ea typeface="Roboto" panose="02000000000000000000" pitchFamily="2" charset="0"/>
               </a:rPr>
-              <a:t>	#### </a:t>
-            </a:r>
-            <a:r>
-              <a:rPr lang="es-MX" sz="2400" dirty="0" smtClean="0">
+              <a:t>	</a:t>
+            </a:r>
+            <a:r>
+              <a:rPr lang="es-MX" sz="2400" dirty="0">
                 <a:solidFill>
                   <a:schemeClr val="bg1">
                     <a:lumMod val="95000"/>
                   </a:schemeClr>
                 </a:solidFill>
+                <a:latin typeface="Gotham Rounded Medium" panose="02000000000000000000" pitchFamily="50" charset="0"/>
+                <a:ea typeface="Roboto" panose="02000000000000000000" pitchFamily="2" charset="0"/>
+              </a:rPr>
+              <a:t>######</a:t>
+            </a:r>
+            <a:r>
+              <a:rPr lang="es-MX" sz="2400" dirty="0">
+                <a:solidFill>
+                  <a:schemeClr val="bg1">
+                    <a:lumMod val="95000"/>
+                  </a:schemeClr>
+                </a:solidFill>
                 <a:latin typeface="Roboto" panose="02000000000000000000" pitchFamily="2" charset="0"/>
                 <a:ea typeface="Roboto" panose="02000000000000000000" pitchFamily="2" charset="0"/>
               </a:rPr>
-              <a:t>					</a:t>
-            </a:r>
-            <a:r>
-              <a:rPr lang="es-MX" sz="2200" b="1" dirty="0">
-                <a:solidFill>
-                  <a:srgbClr val="F7B731"/>
-                </a:solidFill>
-                <a:latin typeface="Roboto" panose="02000000000000000000" pitchFamily="2" charset="0"/>
-                <a:ea typeface="Roboto" panose="02000000000000000000" pitchFamily="2" charset="0"/>
-              </a:rPr>
-              <a:t>= 	h4</a:t>
-            </a:r>
-          </a:p>
-          <a:p>
+              <a:t> 				</a:t>
+            </a:r>
             <a:r>
               <a:rPr lang="es-MX" sz="2400" dirty="0">
                 <a:solidFill>
@@ -6531,65 +6570,7 @@
                     <a:lumMod val="95000"/>
                   </a:schemeClr>
                 </a:solidFill>
-                <a:latin typeface="Roboto" panose="02000000000000000000" pitchFamily="2" charset="0"/>
-                <a:ea typeface="Roboto" panose="02000000000000000000" pitchFamily="2" charset="0"/>
-              </a:rPr>
-              <a:t>	##### </a:t>
-            </a:r>
-            <a:r>
-              <a:rPr lang="es-MX" sz="2400" dirty="0" smtClean="0">
-                <a:solidFill>
-                  <a:schemeClr val="bg1">
-                    <a:lumMod val="95000"/>
-                  </a:schemeClr>
-                </a:solidFill>
-                <a:latin typeface="Roboto" panose="02000000000000000000" pitchFamily="2" charset="0"/>
-                <a:ea typeface="Roboto" panose="02000000000000000000" pitchFamily="2" charset="0"/>
-              </a:rPr>
-              <a:t>				</a:t>
-            </a:r>
-            <a:r>
-              <a:rPr lang="es-MX" sz="2200" b="1" dirty="0">
-                <a:solidFill>
-                  <a:srgbClr val="F7B731"/>
-                </a:solidFill>
-                <a:latin typeface="Roboto" panose="02000000000000000000" pitchFamily="2" charset="0"/>
-                <a:ea typeface="Roboto" panose="02000000000000000000" pitchFamily="2" charset="0"/>
-              </a:rPr>
-              <a:t>= 	h5</a:t>
-            </a:r>
-          </a:p>
-          <a:p>
-            <a:r>
-              <a:rPr lang="es-MX" sz="2400" dirty="0">
-                <a:solidFill>
-                  <a:schemeClr val="bg1">
-                    <a:lumMod val="95000"/>
-                  </a:schemeClr>
-                </a:solidFill>
-                <a:latin typeface="Roboto" panose="02000000000000000000" pitchFamily="2" charset="0"/>
-                <a:ea typeface="Roboto" panose="02000000000000000000" pitchFamily="2" charset="0"/>
-              </a:rPr>
-              <a:t>	###### </a:t>
-            </a:r>
-            <a:r>
-              <a:rPr lang="es-MX" sz="2400" dirty="0" smtClean="0">
-                <a:solidFill>
-                  <a:schemeClr val="bg1">
-                    <a:lumMod val="95000"/>
-                  </a:schemeClr>
-                </a:solidFill>
-                <a:latin typeface="Roboto" panose="02000000000000000000" pitchFamily="2" charset="0"/>
-                <a:ea typeface="Roboto" panose="02000000000000000000" pitchFamily="2" charset="0"/>
-              </a:rPr>
-              <a:t>				</a:t>
-            </a:r>
-            <a:r>
-              <a:rPr lang="es-MX" sz="2200" b="1" dirty="0">
-                <a:solidFill>
-                  <a:srgbClr val="F7B731"/>
-                </a:solidFill>
-                <a:latin typeface="Roboto" panose="02000000000000000000" pitchFamily="2" charset="0"/>
+                <a:latin typeface="Gotham Rounded Light" pitchFamily="50" charset="0"/>
                 <a:ea typeface="Roboto" panose="02000000000000000000" pitchFamily="2" charset="0"/>
               </a:rPr>
               <a:t>= 	h6</a:t>
@@ -6608,7 +6589,7 @@
           </a:p>
           <a:p>
             <a:r>
-              <a:rPr lang="es-MX" sz="3000" dirty="0" smtClean="0">
+              <a:rPr lang="es-MX" sz="3000" dirty="0">
                 <a:solidFill>
                   <a:schemeClr val="accent4">
                     <a:lumMod val="60000"/>
@@ -6636,32 +6617,48 @@
               <a:t>	</a:t>
             </a:r>
             <a:r>
-              <a:rPr lang="es-MX" sz="2400" dirty="0" smtClean="0">
+              <a:rPr lang="es-MX" sz="2400" dirty="0">
                 <a:solidFill>
                   <a:schemeClr val="bg1">
                     <a:lumMod val="95000"/>
                   </a:schemeClr>
                 </a:solidFill>
+                <a:latin typeface="Gotham Rounded Medium" panose="02000000000000000000" pitchFamily="50" charset="0"/>
+                <a:ea typeface="Roboto" panose="02000000000000000000" pitchFamily="2" charset="0"/>
+              </a:rPr>
+              <a:t>*texto* </a:t>
+            </a:r>
+            <a:r>
+              <a:rPr lang="es-MX" sz="2400" dirty="0">
+                <a:solidFill>
+                  <a:schemeClr val="bg1">
+                    <a:lumMod val="95000"/>
+                  </a:schemeClr>
+                </a:solidFill>
                 <a:latin typeface="Roboto" panose="02000000000000000000" pitchFamily="2" charset="0"/>
                 <a:ea typeface="Roboto" panose="02000000000000000000" pitchFamily="2" charset="0"/>
               </a:rPr>
-              <a:t>*texto* 				</a:t>
-            </a:r>
-            <a:r>
-              <a:rPr lang="es-MX" sz="2200" b="1" dirty="0" err="1">
-                <a:solidFill>
-                  <a:srgbClr val="F7B731"/>
-                </a:solidFill>
-                <a:latin typeface="Roboto" panose="02000000000000000000" pitchFamily="2" charset="0"/>
+              <a:t>				</a:t>
+            </a:r>
+            <a:r>
+              <a:rPr lang="es-MX" sz="2400" dirty="0" err="1">
+                <a:solidFill>
+                  <a:schemeClr val="bg1">
+                    <a:lumMod val="95000"/>
+                  </a:schemeClr>
+                </a:solidFill>
+                <a:latin typeface="Gotham Rounded Light" pitchFamily="50" charset="0"/>
                 <a:ea typeface="Roboto" panose="02000000000000000000" pitchFamily="2" charset="0"/>
               </a:rPr>
               <a:t>italic</a:t>
             </a:r>
-            <a:endParaRPr lang="es-MX" sz="2200" b="1" dirty="0">
+            <a:endParaRPr lang="es-MX" sz="2400" dirty="0">
               <a:solidFill>
-                <a:srgbClr val="F7B731"/>
+                <a:schemeClr val="bg1">
+                  <a:lumMod val="95000"/>
+                </a:schemeClr>
               </a:solidFill>
-              <a:latin typeface="Roboto" panose="02000000000000000000" pitchFamily="2" charset="0"/>
+              <a:latin typeface="Gotham Rounded Light" pitchFamily="50" charset="0"/>
               <a:ea typeface="Roboto" panose="02000000000000000000" pitchFamily="2" charset="0"/>
             </a:endParaRPr>
           </a:p>
@@ -6679,32 +6676,48 @@
               <a:t>	</a:t>
             </a:r>
             <a:r>
-              <a:rPr lang="es-MX" sz="2400" dirty="0" smtClean="0">
+              <a:rPr lang="es-MX" sz="2400" dirty="0">
                 <a:solidFill>
                   <a:schemeClr val="bg1">
                     <a:lumMod val="95000"/>
                   </a:schemeClr>
                 </a:solidFill>
+                <a:latin typeface="Gotham Rounded Medium" panose="02000000000000000000" pitchFamily="50" charset="0"/>
+                <a:ea typeface="Roboto" panose="02000000000000000000" pitchFamily="2" charset="0"/>
+              </a:rPr>
+              <a:t>**texto**</a:t>
+            </a:r>
+            <a:r>
+              <a:rPr lang="es-MX" sz="2400" dirty="0">
+                <a:solidFill>
+                  <a:schemeClr val="bg1">
+                    <a:lumMod val="95000"/>
+                  </a:schemeClr>
+                </a:solidFill>
                 <a:latin typeface="Roboto" panose="02000000000000000000" pitchFamily="2" charset="0"/>
                 <a:ea typeface="Roboto" panose="02000000000000000000" pitchFamily="2" charset="0"/>
               </a:rPr>
-              <a:t>**texto**				</a:t>
-            </a:r>
-            <a:r>
-              <a:rPr lang="es-MX" sz="2200" b="1" dirty="0" err="1">
-                <a:solidFill>
-                  <a:srgbClr val="F7B731"/>
-                </a:solidFill>
-                <a:latin typeface="Roboto" panose="02000000000000000000" pitchFamily="2" charset="0"/>
+              <a:t>				</a:t>
+            </a:r>
+            <a:r>
+              <a:rPr lang="es-MX" sz="2400" dirty="0" err="1">
+                <a:solidFill>
+                  <a:schemeClr val="bg1">
+                    <a:lumMod val="95000"/>
+                  </a:schemeClr>
+                </a:solidFill>
+                <a:latin typeface="Gotham Rounded Light" pitchFamily="50" charset="0"/>
                 <a:ea typeface="Roboto" panose="02000000000000000000" pitchFamily="2" charset="0"/>
               </a:rPr>
               <a:t>bold</a:t>
             </a:r>
-            <a:endParaRPr lang="es-MX" sz="2200" b="1" dirty="0">
+            <a:endParaRPr lang="es-MX" sz="2400" dirty="0">
               <a:solidFill>
-                <a:srgbClr val="F7B731"/>
+                <a:schemeClr val="bg1">
+                  <a:lumMod val="95000"/>
+                </a:schemeClr>
               </a:solidFill>
-              <a:latin typeface="Roboto" panose="02000000000000000000" pitchFamily="2" charset="0"/>
+              <a:latin typeface="Gotham Rounded Light" pitchFamily="50" charset="0"/>
               <a:ea typeface="Roboto" panose="02000000000000000000" pitchFamily="2" charset="0"/>
             </a:endParaRPr>
           </a:p>
@@ -6722,133 +6735,173 @@
               <a:t>	</a:t>
             </a:r>
             <a:r>
-              <a:rPr lang="es-MX" sz="2400" dirty="0" smtClean="0">
+              <a:rPr lang="es-MX" sz="2400" dirty="0">
                 <a:solidFill>
                   <a:schemeClr val="bg1">
                     <a:lumMod val="95000"/>
                   </a:schemeClr>
                 </a:solidFill>
+                <a:latin typeface="Gotham Rounded Medium" panose="02000000000000000000" pitchFamily="50" charset="0"/>
+                <a:ea typeface="Roboto" panose="02000000000000000000" pitchFamily="2" charset="0"/>
+              </a:rPr>
+              <a:t>~~texto~~</a:t>
+            </a:r>
+            <a:r>
+              <a:rPr lang="es-MX" sz="2400" dirty="0">
+                <a:solidFill>
+                  <a:schemeClr val="bg1">
+                    <a:lumMod val="95000"/>
+                  </a:schemeClr>
+                </a:solidFill>
                 <a:latin typeface="Roboto" panose="02000000000000000000" pitchFamily="2" charset="0"/>
                 <a:ea typeface="Roboto" panose="02000000000000000000" pitchFamily="2" charset="0"/>
               </a:rPr>
-              <a:t>~~texto~~			</a:t>
-            </a:r>
-            <a:r>
-              <a:rPr lang="es-MX" sz="2200" b="1" dirty="0" err="1">
-                <a:solidFill>
-                  <a:srgbClr val="F7B731"/>
-                </a:solidFill>
-                <a:latin typeface="Roboto" panose="02000000000000000000" pitchFamily="2" charset="0"/>
+              <a:t>				</a:t>
+            </a:r>
+            <a:r>
+              <a:rPr lang="es-MX" sz="2400" dirty="0" err="1">
+                <a:solidFill>
+                  <a:schemeClr val="bg1">
+                    <a:lumMod val="95000"/>
+                  </a:schemeClr>
+                </a:solidFill>
+                <a:latin typeface="Gotham Rounded Light" pitchFamily="50" charset="0"/>
                 <a:ea typeface="Roboto" panose="02000000000000000000" pitchFamily="2" charset="0"/>
               </a:rPr>
               <a:t>strikethrough</a:t>
             </a:r>
-            <a:endParaRPr lang="es-MX" sz="2200" b="1" dirty="0">
+            <a:endParaRPr lang="es-MX" sz="2400" dirty="0">
               <a:solidFill>
-                <a:srgbClr val="F7B731"/>
+                <a:schemeClr val="bg1">
+                  <a:lumMod val="95000"/>
+                </a:schemeClr>
               </a:solidFill>
-              <a:latin typeface="Roboto" panose="02000000000000000000" pitchFamily="2" charset="0"/>
+              <a:latin typeface="Gotham Rounded Light" pitchFamily="50" charset="0"/>
               <a:ea typeface="Roboto" panose="02000000000000000000" pitchFamily="2" charset="0"/>
             </a:endParaRPr>
           </a:p>
         </p:txBody>
       </p:sp>
-      <p:sp>
-        <p:nvSpPr>
-          <p:cNvPr id="7" name="CuadroTexto 6"/>
-          <p:cNvSpPr txBox="1"/>
+      <p:grpSp>
+        <p:nvGrpSpPr>
+          <p:cNvPr id="4" name="Grupo 3">
+            <a:extLst>
+              <a:ext uri="{FF2B5EF4-FFF2-40B4-BE49-F238E27FC236}">
+                <a16:creationId xmlns:a16="http://schemas.microsoft.com/office/drawing/2014/main" id="{B96928EB-DA4A-4DB2-8CCE-2BA72387A14A}"/>
+              </a:ext>
+            </a:extLst>
+          </p:cNvPr>
+          <p:cNvGrpSpPr/>
           <p:nvPr/>
-        </p:nvSpPr>
-        <p:spPr>
-          <a:xfrm flipH="1">
-            <a:off x="9832916" y="5902510"/>
-            <a:ext cx="2359084" cy="553998"/>
+        </p:nvGrpSpPr>
+        <p:grpSpPr>
+          <a:xfrm>
+            <a:off x="9464414" y="6115870"/>
+            <a:ext cx="2712346" cy="704509"/>
+            <a:chOff x="9372974" y="5932990"/>
+            <a:chExt cx="2712346" cy="704509"/>
           </a:xfrm>
-          <a:prstGeom prst="rect">
-            <a:avLst/>
-          </a:prstGeom>
-          <a:noFill/>
-        </p:spPr>
-        <p:txBody>
-          <a:bodyPr wrap="square" rtlCol="0">
-            <a:spAutoFit/>
-          </a:bodyPr>
-          <a:lstStyle/>
-          <a:p>
-            <a:r>
-              <a:rPr lang="es-MX" sz="2400" dirty="0">
-                <a:solidFill>
-                  <a:schemeClr val="bg1">
-                    <a:lumMod val="95000"/>
-                  </a:schemeClr>
-                </a:solidFill>
-                <a:latin typeface="Roboto" panose="02000000000000000000" pitchFamily="2" charset="0"/>
-                <a:ea typeface="Roboto" panose="02000000000000000000" pitchFamily="2" charset="0"/>
-              </a:rPr>
-              <a:t>Extensión</a:t>
-            </a:r>
-            <a:r>
-              <a:rPr lang="es-MX" sz="3000" dirty="0" smtClean="0">
-                <a:solidFill>
-                  <a:schemeClr val="accent4">
-                    <a:lumMod val="60000"/>
-                    <a:lumOff val="40000"/>
-                  </a:schemeClr>
-                </a:solidFill>
-                <a:latin typeface="Roboto Medium" panose="02000000000000000000" pitchFamily="2" charset="0"/>
-                <a:ea typeface="Roboto Medium" panose="02000000000000000000" pitchFamily="2" charset="0"/>
-              </a:rPr>
-              <a:t> .md</a:t>
-            </a:r>
-            <a:endParaRPr lang="es-MX" sz="3000" dirty="0">
-              <a:solidFill>
-                <a:schemeClr val="accent4">
-                  <a:lumMod val="60000"/>
-                  <a:lumOff val="40000"/>
-                </a:schemeClr>
-              </a:solidFill>
-              <a:latin typeface="Roboto Medium" panose="02000000000000000000" pitchFamily="2" charset="0"/>
-              <a:ea typeface="Roboto Medium" panose="02000000000000000000" pitchFamily="2" charset="0"/>
-            </a:endParaRPr>
-          </a:p>
-        </p:txBody>
-      </p:sp>
-      <p:sp>
-        <p:nvSpPr>
-          <p:cNvPr id="8" name="Rectángulo 7"/>
-          <p:cNvSpPr/>
-          <p:nvPr/>
-        </p:nvSpPr>
-        <p:spPr>
-          <a:xfrm>
-            <a:off x="9176657" y="6304227"/>
-            <a:ext cx="2951449" cy="369332"/>
-          </a:xfrm>
-          <a:prstGeom prst="rect">
-            <a:avLst/>
-          </a:prstGeom>
-        </p:spPr>
-        <p:txBody>
-          <a:bodyPr wrap="none">
-            <a:spAutoFit/>
-          </a:bodyPr>
-          <a:lstStyle/>
-          <a:p>
-            <a:r>
-              <a:rPr lang="es-MX" dirty="0">
-                <a:solidFill>
-                  <a:schemeClr val="bg1">
-                    <a:lumMod val="95000"/>
-                  </a:schemeClr>
-                </a:solidFill>
-                <a:latin typeface="Roboto" panose="02000000000000000000" pitchFamily="2" charset="0"/>
-                <a:ea typeface="Roboto" panose="02000000000000000000" pitchFamily="2" charset="0"/>
-              </a:rPr>
-              <a:t>markdownlivepreview.com</a:t>
-            </a:r>
-          </a:p>
-        </p:txBody>
-      </p:sp>
+        </p:grpSpPr>
+        <p:sp>
+          <p:nvSpPr>
+            <p:cNvPr id="7" name="CuadroTexto 6"/>
+            <p:cNvSpPr txBox="1"/>
+            <p:nvPr/>
+          </p:nvSpPr>
+          <p:spPr>
+            <a:xfrm flipH="1">
+              <a:off x="9612630" y="5932990"/>
+              <a:ext cx="2472690" cy="553998"/>
+            </a:xfrm>
+            <a:prstGeom prst="rect">
+              <a:avLst/>
+            </a:prstGeom>
+            <a:noFill/>
+          </p:spPr>
+          <p:txBody>
+            <a:bodyPr wrap="square" rtlCol="0">
+              <a:spAutoFit/>
+            </a:bodyPr>
+            <a:lstStyle/>
+            <a:p>
+              <a:r>
+                <a:rPr lang="es-MX" sz="2400" b="1" dirty="0">
+                  <a:solidFill>
+                    <a:schemeClr val="bg1">
+                      <a:lumMod val="95000"/>
+                    </a:schemeClr>
+                  </a:solidFill>
+                  <a:latin typeface="Gotham Rounded Book" pitchFamily="50" charset="0"/>
+                  <a:ea typeface="Roboto" panose="02000000000000000000" pitchFamily="2" charset="0"/>
+                </a:rPr>
+                <a:t>Extensión</a:t>
+              </a:r>
+              <a:r>
+                <a:rPr lang="es-MX" sz="3000" dirty="0">
+                  <a:solidFill>
+                    <a:schemeClr val="accent4">
+                      <a:lumMod val="60000"/>
+                      <a:lumOff val="40000"/>
+                    </a:schemeClr>
+                  </a:solidFill>
+                  <a:latin typeface="Roboto Medium" panose="02000000000000000000" pitchFamily="2" charset="0"/>
+                  <a:ea typeface="Roboto Medium" panose="02000000000000000000" pitchFamily="2" charset="0"/>
+                </a:rPr>
+                <a:t> </a:t>
+              </a:r>
+              <a:r>
+                <a:rPr lang="es-MX" sz="2500" b="1" dirty="0">
+                  <a:solidFill>
+                    <a:schemeClr val="accent4">
+                      <a:lumMod val="60000"/>
+                      <a:lumOff val="40000"/>
+                    </a:schemeClr>
+                  </a:solidFill>
+                  <a:latin typeface="Gotham Rounded Bold" pitchFamily="50" charset="0"/>
+                  <a:ea typeface="Roboto Medium" panose="02000000000000000000" pitchFamily="2" charset="0"/>
+                </a:rPr>
+                <a:t>.md</a:t>
+              </a:r>
+            </a:p>
+          </p:txBody>
+        </p:sp>
+        <p:sp>
+          <p:nvSpPr>
+            <p:cNvPr id="8" name="Rectángulo 7"/>
+            <p:cNvSpPr/>
+            <p:nvPr/>
+          </p:nvSpPr>
+          <p:spPr>
+            <a:xfrm>
+              <a:off x="9372974" y="6314334"/>
+              <a:ext cx="2712346" cy="323165"/>
+            </a:xfrm>
+            <a:prstGeom prst="rect">
+              <a:avLst/>
+            </a:prstGeom>
+          </p:spPr>
+          <p:txBody>
+            <a:bodyPr wrap="none">
+              <a:spAutoFit/>
+            </a:bodyPr>
+            <a:lstStyle/>
+            <a:p>
+              <a:r>
+                <a:rPr lang="es-MX" sz="1500" dirty="0">
+                  <a:solidFill>
+                    <a:schemeClr val="bg1">
+                      <a:lumMod val="85000"/>
+                    </a:schemeClr>
+                  </a:solidFill>
+                  <a:latin typeface="Gotham Rounded Book" pitchFamily="50" charset="0"/>
+                  <a:ea typeface="Roboto" panose="02000000000000000000" pitchFamily="2" charset="0"/>
+                </a:rPr>
+                <a:t>markdownlivepreview.com</a:t>
+              </a:r>
+            </a:p>
+          </p:txBody>
+        </p:sp>
+      </p:grpSp>
     </p:spTree>
     <p:extLst>
       <p:ext uri="{BB962C8B-B14F-4D97-AF65-F5344CB8AC3E}">
@@ -6859,13 +6912,6 @@
   <p:clrMapOvr>
     <a:masterClrMapping/>
   </p:clrMapOvr>
-  <p:timing>
-    <p:tnLst>
-      <p:par>
-        <p:cTn id="1" dur="indefinite" restart="never" nodeType="tmRoot"/>
-      </p:par>
-    </p:tnLst>
-  </p:timing>
 </p:sld>
 </file>
 
@@ -6896,50 +6942,14 @@
       </p:grpSpPr>
       <p:sp>
         <p:nvSpPr>
-          <p:cNvPr id="2" name="CuadroTexto 1"/>
-          <p:cNvSpPr txBox="1"/>
-          <p:nvPr/>
-        </p:nvSpPr>
-        <p:spPr>
-          <a:xfrm>
-            <a:off x="481485" y="538431"/>
-            <a:ext cx="5366865" cy="707886"/>
-          </a:xfrm>
-          <a:prstGeom prst="rect">
-            <a:avLst/>
-          </a:prstGeom>
-          <a:noFill/>
-        </p:spPr>
-        <p:txBody>
-          <a:bodyPr wrap="square" rtlCol="0">
-            <a:spAutoFit/>
-          </a:bodyPr>
-          <a:lstStyle/>
-          <a:p>
-            <a:pPr algn="ctr"/>
-            <a:r>
-              <a:rPr lang="es-MX" sz="4000" dirty="0">
-                <a:solidFill>
-                  <a:schemeClr val="bg1"/>
-                </a:solidFill>
-                <a:latin typeface="Roboto Black" panose="02000000000000000000" pitchFamily="2" charset="0"/>
-                <a:ea typeface="Roboto Black" panose="02000000000000000000" pitchFamily="2" charset="0"/>
-              </a:rPr>
-              <a:t>Elementos principales</a:t>
-            </a:r>
-          </a:p>
-        </p:txBody>
-      </p:sp>
-      <p:sp>
-        <p:nvSpPr>
           <p:cNvPr id="3" name="CuadroTexto 2"/>
           <p:cNvSpPr txBox="1"/>
           <p:nvPr/>
         </p:nvSpPr>
         <p:spPr>
           <a:xfrm flipH="1">
-            <a:off x="1064888" y="1543050"/>
-            <a:ext cx="8929343" cy="5038725"/>
+            <a:off x="1064887" y="1560467"/>
+            <a:ext cx="9019638" cy="5038725"/>
           </a:xfrm>
           <a:prstGeom prst="rect">
             <a:avLst/>
@@ -6960,7 +6970,7 @@
                     <a:lumOff val="40000"/>
                   </a:schemeClr>
                 </a:solidFill>
-                <a:latin typeface="Roboto Medium" panose="02000000000000000000" pitchFamily="2" charset="0"/>
+                <a:latin typeface="Gotham Rounded Medium" panose="02000000000000000000" pitchFamily="50" charset="0"/>
                 <a:ea typeface="Roboto Medium" panose="02000000000000000000" pitchFamily="2" charset="0"/>
               </a:rPr>
               <a:t>Lista ordenada</a:t>
@@ -6987,10 +6997,36 @@
                     <a:lumMod val="95000"/>
                   </a:schemeClr>
                 </a:solidFill>
+                <a:latin typeface="Gotham Rounded Medium" panose="02000000000000000000" pitchFamily="50" charset="0"/>
+                <a:ea typeface="Roboto" panose="02000000000000000000" pitchFamily="2" charset="0"/>
+              </a:rPr>
+              <a:t>[numero]. texto </a:t>
+            </a:r>
+          </a:p>
+          <a:p>
+            <a:r>
+              <a:rPr lang="es-MX" sz="3200" dirty="0">
+                <a:solidFill>
+                  <a:schemeClr val="bg1">
+                    <a:lumMod val="95000"/>
+                  </a:schemeClr>
+                </a:solidFill>
                 <a:latin typeface="Roboto" panose="02000000000000000000" pitchFamily="2" charset="0"/>
                 <a:ea typeface="Roboto" panose="02000000000000000000" pitchFamily="2" charset="0"/>
               </a:rPr>
-              <a:t>[numero]. texto</a:t>
+              <a:t>		</a:t>
+            </a:r>
+            <a:r>
+              <a:rPr lang="es-MX" sz="2400" dirty="0">
+                <a:solidFill>
+                  <a:schemeClr val="bg1">
+                    <a:lumMod val="95000"/>
+                  </a:schemeClr>
+                </a:solidFill>
+                <a:latin typeface="Gotham Rounded Medium" panose="02000000000000000000" pitchFamily="50" charset="0"/>
+                <a:ea typeface="Roboto" panose="02000000000000000000" pitchFamily="2" charset="0"/>
+              </a:rPr>
+              <a:t>1. texto </a:t>
             </a:r>
             <a:r>
               <a:rPr lang="es-MX" sz="3200" dirty="0">
@@ -7002,61 +7038,27 @@
                 <a:latin typeface="Roboto" panose="02000000000000000000" pitchFamily="2" charset="0"/>
                 <a:ea typeface="Roboto" panose="02000000000000000000" pitchFamily="2" charset="0"/>
               </a:rPr>
-              <a:t> </a:t>
-            </a:r>
-          </a:p>
-          <a:p>
-            <a:r>
-              <a:rPr lang="es-MX" sz="3200" dirty="0">
+              <a:t>		</a:t>
+            </a:r>
+            <a:r>
+              <a:rPr lang="es-MX" sz="2400" dirty="0" err="1">
                 <a:solidFill>
                   <a:schemeClr val="bg1">
                     <a:lumMod val="95000"/>
                   </a:schemeClr>
                 </a:solidFill>
-                <a:latin typeface="Roboto" panose="02000000000000000000" pitchFamily="2" charset="0"/>
-                <a:ea typeface="Roboto" panose="02000000000000000000" pitchFamily="2" charset="0"/>
-              </a:rPr>
-              <a:t>		</a:t>
-            </a:r>
-            <a:r>
-              <a:rPr lang="es-MX" sz="2400" dirty="0">
-                <a:solidFill>
-                  <a:schemeClr val="bg1">
-                    <a:lumMod val="95000"/>
-                  </a:schemeClr>
-                </a:solidFill>
-                <a:latin typeface="Roboto" panose="02000000000000000000" pitchFamily="2" charset="0"/>
-                <a:ea typeface="Roboto" panose="02000000000000000000" pitchFamily="2" charset="0"/>
-              </a:rPr>
-              <a:t>1. texto </a:t>
-            </a:r>
-            <a:r>
-              <a:rPr lang="es-MX" sz="3200" dirty="0">
-                <a:solidFill>
-                  <a:schemeClr val="bg1">
-                    <a:lumMod val="95000"/>
-                  </a:schemeClr>
-                </a:solidFill>
-                <a:latin typeface="Roboto" panose="02000000000000000000" pitchFamily="2" charset="0"/>
-                <a:ea typeface="Roboto" panose="02000000000000000000" pitchFamily="2" charset="0"/>
-              </a:rPr>
-              <a:t>			</a:t>
-            </a:r>
-            <a:r>
-              <a:rPr lang="es-MX" sz="2200" b="1" dirty="0" err="1">
-                <a:solidFill>
-                  <a:srgbClr val="F7B731"/>
-                </a:solidFill>
-                <a:latin typeface="Roboto" panose="02000000000000000000" pitchFamily="2" charset="0"/>
+                <a:latin typeface="Gotham Rounded Light" pitchFamily="50" charset="0"/>
                 <a:ea typeface="Roboto" panose="02000000000000000000" pitchFamily="2" charset="0"/>
               </a:rPr>
               <a:t>sublista</a:t>
             </a:r>
-            <a:endParaRPr lang="es-MX" sz="2200" b="1" dirty="0">
+            <a:endParaRPr lang="es-MX" sz="2400" dirty="0">
               <a:solidFill>
-                <a:srgbClr val="F7B731"/>
+                <a:schemeClr val="bg1">
+                  <a:lumMod val="95000"/>
+                </a:schemeClr>
               </a:solidFill>
-              <a:latin typeface="Roboto" panose="02000000000000000000" pitchFamily="2" charset="0"/>
+              <a:latin typeface="Gotham Rounded Light" pitchFamily="50" charset="0"/>
               <a:ea typeface="Roboto" panose="02000000000000000000" pitchFamily="2" charset="0"/>
             </a:endParaRPr>
           </a:p>
@@ -7080,36 +7082,38 @@
                     <a:lumMod val="95000"/>
                   </a:schemeClr>
                 </a:solidFill>
+                <a:latin typeface="Gotham Rounded Medium" panose="02000000000000000000" pitchFamily="50" charset="0"/>
+                <a:ea typeface="Roboto" panose="02000000000000000000" pitchFamily="2" charset="0"/>
+              </a:rPr>
+              <a:t>* texto</a:t>
+            </a:r>
+            <a:r>
+              <a:rPr lang="es-MX" sz="3200" dirty="0">
+                <a:solidFill>
+                  <a:schemeClr val="bg1">
+                    <a:lumMod val="95000"/>
+                  </a:schemeClr>
+                </a:solidFill>
                 <a:latin typeface="Roboto" panose="02000000000000000000" pitchFamily="2" charset="0"/>
                 <a:ea typeface="Roboto" panose="02000000000000000000" pitchFamily="2" charset="0"/>
               </a:rPr>
-              <a:t>* texto</a:t>
-            </a:r>
-            <a:r>
-              <a:rPr lang="es-MX" sz="3200" dirty="0">
+              <a:t>		</a:t>
+            </a:r>
+            <a:r>
+              <a:rPr lang="es-MX" sz="2400" dirty="0">
                 <a:solidFill>
                   <a:schemeClr val="bg1">
                     <a:lumMod val="95000"/>
                   </a:schemeClr>
                 </a:solidFill>
-                <a:latin typeface="Roboto" panose="02000000000000000000" pitchFamily="2" charset="0"/>
-                <a:ea typeface="Roboto" panose="02000000000000000000" pitchFamily="2" charset="0"/>
-              </a:rPr>
-              <a:t>				</a:t>
-            </a:r>
-            <a:r>
-              <a:rPr lang="es-MX" sz="2200" b="1" dirty="0">
-                <a:solidFill>
-                  <a:srgbClr val="F7B731"/>
-                </a:solidFill>
-                <a:latin typeface="Roboto" panose="02000000000000000000" pitchFamily="2" charset="0"/>
+                <a:latin typeface="Gotham Rounded Light" pitchFamily="50" charset="0"/>
                 <a:ea typeface="Roboto" panose="02000000000000000000" pitchFamily="2" charset="0"/>
               </a:rPr>
               <a:t>numero consecutivo</a:t>
             </a:r>
           </a:p>
           <a:p>
-            <a:endParaRPr lang="es-MX" sz="3000" dirty="0" smtClean="0">
+            <a:endParaRPr lang="es-MX" sz="3000" dirty="0">
               <a:solidFill>
                 <a:schemeClr val="accent4">
                   <a:lumMod val="60000"/>
@@ -7122,14 +7126,14 @@
           </a:p>
           <a:p>
             <a:r>
-              <a:rPr lang="es-MX" sz="3000" dirty="0" smtClean="0">
+              <a:rPr lang="es-MX" sz="3000" dirty="0">
                 <a:solidFill>
                   <a:schemeClr val="accent4">
                     <a:lumMod val="60000"/>
                     <a:lumOff val="40000"/>
                   </a:schemeClr>
                 </a:solidFill>
-                <a:latin typeface="Roboto Medium" panose="02000000000000000000" pitchFamily="2" charset="0"/>
+                <a:latin typeface="Gotham Rounded Medium" panose="02000000000000000000" pitchFamily="50" charset="0"/>
                 <a:ea typeface="Roboto Medium" panose="02000000000000000000" pitchFamily="2" charset="0"/>
               </a:rPr>
               <a:t>Lista no ordenada</a:t>
@@ -7156,49 +7160,75 @@
                     <a:lumMod val="95000"/>
                   </a:schemeClr>
                 </a:solidFill>
+                <a:latin typeface="Gotham Rounded Medium" panose="02000000000000000000" pitchFamily="50" charset="0"/>
+                <a:ea typeface="Roboto" panose="02000000000000000000" pitchFamily="2" charset="0"/>
+              </a:rPr>
+              <a:t>* texto	</a:t>
+            </a:r>
+            <a:r>
+              <a:rPr lang="es-MX" sz="2400" dirty="0">
+                <a:solidFill>
+                  <a:schemeClr val="bg1">
+                    <a:lumMod val="95000"/>
+                  </a:schemeClr>
+                </a:solidFill>
                 <a:latin typeface="Roboto" panose="02000000000000000000" pitchFamily="2" charset="0"/>
                 <a:ea typeface="Roboto" panose="02000000000000000000" pitchFamily="2" charset="0"/>
               </a:rPr>
-              <a:t>* </a:t>
-            </a:r>
-            <a:r>
-              <a:rPr lang="es-MX" sz="2400" dirty="0" smtClean="0">
+              <a:t>		</a:t>
+            </a:r>
+            <a:r>
+              <a:rPr lang="es-MX" sz="2400" dirty="0">
                 <a:solidFill>
                   <a:schemeClr val="bg1">
                     <a:lumMod val="95000"/>
                   </a:schemeClr>
                 </a:solidFill>
+                <a:latin typeface="Gotham Rounded Light" pitchFamily="50" charset="0"/>
+                <a:ea typeface="Roboto" panose="02000000000000000000" pitchFamily="2" charset="0"/>
+              </a:rPr>
+              <a:t>lista no ordenada</a:t>
+            </a:r>
+          </a:p>
+          <a:p>
+            <a:r>
+              <a:rPr lang="es-MX" sz="2400" dirty="0">
+                <a:solidFill>
+                  <a:schemeClr val="bg1">
+                    <a:lumMod val="95000"/>
+                  </a:schemeClr>
+                </a:solidFill>
                 <a:latin typeface="Roboto" panose="02000000000000000000" pitchFamily="2" charset="0"/>
                 <a:ea typeface="Roboto" panose="02000000000000000000" pitchFamily="2" charset="0"/>
               </a:rPr>
-              <a:t>texto					</a:t>
-            </a:r>
-            <a:r>
-              <a:rPr lang="es-MX" sz="2200" b="1" dirty="0">
-                <a:solidFill>
-                  <a:srgbClr val="F7B731"/>
+              <a:t>		</a:t>
+            </a:r>
+            <a:r>
+              <a:rPr lang="es-MX" sz="2400" dirty="0">
+                <a:solidFill>
+                  <a:schemeClr val="bg1">
+                    <a:lumMod val="95000"/>
+                  </a:schemeClr>
+                </a:solidFill>
+                <a:latin typeface="Gotham Rounded Medium" panose="02000000000000000000" pitchFamily="50" charset="0"/>
+                <a:ea typeface="Roboto" panose="02000000000000000000" pitchFamily="2" charset="0"/>
+              </a:rPr>
+              <a:t>* texto</a:t>
+            </a:r>
+            <a:r>
+              <a:rPr lang="es-MX" sz="2400" dirty="0">
+                <a:solidFill>
+                  <a:schemeClr val="bg1">
+                    <a:lumMod val="95000"/>
+                  </a:schemeClr>
                 </a:solidFill>
                 <a:latin typeface="Roboto" panose="02000000000000000000" pitchFamily="2" charset="0"/>
                 <a:ea typeface="Roboto" panose="02000000000000000000" pitchFamily="2" charset="0"/>
               </a:rPr>
-              <a:t>lista no ordenada</a:t>
-            </a:r>
-          </a:p>
-          <a:p>
-            <a:r>
-              <a:rPr lang="es-MX" sz="2400" dirty="0">
-                <a:solidFill>
-                  <a:schemeClr val="bg1">
-                    <a:lumMod val="95000"/>
-                  </a:schemeClr>
-                </a:solidFill>
-                <a:latin typeface="Roboto" panose="02000000000000000000" pitchFamily="2" charset="0"/>
-                <a:ea typeface="Roboto" panose="02000000000000000000" pitchFamily="2" charset="0"/>
-              </a:rPr>
-              <a:t>		* texto	</a:t>
-            </a:r>
-            <a:r>
-              <a:rPr lang="es-MX" sz="3000" dirty="0" smtClean="0">
+              <a:t>	</a:t>
+            </a:r>
+            <a:r>
+              <a:rPr lang="es-MX" sz="3000" dirty="0">
                 <a:solidFill>
                   <a:schemeClr val="accent4">
                     <a:lumMod val="60000"/>
@@ -7208,24 +7238,28 @@
                 <a:latin typeface="Roboto Medium" panose="02000000000000000000" pitchFamily="2" charset="0"/>
                 <a:ea typeface="Roboto Medium" panose="02000000000000000000" pitchFamily="2" charset="0"/>
               </a:rPr>
-              <a:t>			</a:t>
-            </a:r>
-            <a:r>
-              <a:rPr lang="es-MX" sz="2200" b="1" dirty="0" err="1">
-                <a:solidFill>
-                  <a:srgbClr val="F7B731"/>
-                </a:solidFill>
-                <a:latin typeface="Roboto" panose="02000000000000000000" pitchFamily="2" charset="0"/>
+              <a:t>	</a:t>
+            </a:r>
+            <a:r>
+              <a:rPr lang="es-MX" sz="2400" dirty="0" err="1">
+                <a:solidFill>
+                  <a:schemeClr val="bg1">
+                    <a:lumMod val="95000"/>
+                  </a:schemeClr>
+                </a:solidFill>
+                <a:latin typeface="Gotham Rounded Light" pitchFamily="50" charset="0"/>
                 <a:ea typeface="Roboto" panose="02000000000000000000" pitchFamily="2" charset="0"/>
               </a:rPr>
               <a:t>sublista</a:t>
             </a:r>
             <a:r>
-              <a:rPr lang="es-MX" sz="2200" b="1" dirty="0">
-                <a:solidFill>
-                  <a:srgbClr val="F7B731"/>
-                </a:solidFill>
-                <a:latin typeface="Roboto" panose="02000000000000000000" pitchFamily="2" charset="0"/>
+              <a:rPr lang="es-MX" sz="2400" dirty="0">
+                <a:solidFill>
+                  <a:schemeClr val="bg1">
+                    <a:lumMod val="95000"/>
+                  </a:schemeClr>
+                </a:solidFill>
+                <a:latin typeface="Gotham Rounded Light" pitchFamily="50" charset="0"/>
                 <a:ea typeface="Roboto" panose="02000000000000000000" pitchFamily="2" charset="0"/>
               </a:rPr>
               <a:t> no ordenada</a:t>
@@ -7243,10 +7277,22 @@
                 <a:latin typeface="Roboto" panose="02000000000000000000" pitchFamily="2" charset="0"/>
                 <a:ea typeface="Roboto" panose="02000000000000000000" pitchFamily="2" charset="0"/>
               </a:rPr>
-              <a:t>	</a:t>
-            </a:r>
-            <a:r>
-              <a:rPr lang="es-MX" sz="2200" dirty="0" smtClean="0">
+              <a:t>		</a:t>
+            </a:r>
+            <a:r>
+              <a:rPr lang="es-MX" sz="2400" dirty="0">
+                <a:solidFill>
+                  <a:schemeClr val="bg1">
+                    <a:lumMod val="95000"/>
+                  </a:schemeClr>
+                </a:solidFill>
+                <a:latin typeface="Gotham Rounded Medium" panose="02000000000000000000" pitchFamily="50" charset="0"/>
+                <a:ea typeface="Roboto" panose="02000000000000000000" pitchFamily="2" charset="0"/>
+              </a:rPr>
+              <a:t>+ texto </a:t>
+            </a:r>
+            <a:r>
+              <a:rPr lang="es-MX" sz="2200" dirty="0">
                 <a:solidFill>
                   <a:schemeClr val="accent6">
                     <a:lumMod val="40000"/>
@@ -7256,7 +7302,19 @@
                 <a:latin typeface="Roboto" panose="02000000000000000000" pitchFamily="2" charset="0"/>
                 <a:ea typeface="Roboto" panose="02000000000000000000" pitchFamily="2" charset="0"/>
               </a:rPr>
-              <a:t>	</a:t>
+              <a:t>		</a:t>
+            </a:r>
+            <a:r>
+              <a:rPr lang="es-MX" sz="2400" dirty="0" err="1">
+                <a:solidFill>
+                  <a:schemeClr val="bg1">
+                    <a:lumMod val="95000"/>
+                  </a:schemeClr>
+                </a:solidFill>
+                <a:latin typeface="Gotham Rounded Light" pitchFamily="50" charset="0"/>
+                <a:ea typeface="Roboto" panose="02000000000000000000" pitchFamily="2" charset="0"/>
+              </a:rPr>
+              <a:t>sublista</a:t>
             </a:r>
             <a:r>
               <a:rPr lang="es-MX" sz="2400" dirty="0">
@@ -7265,13 +7323,15 @@
                     <a:lumMod val="95000"/>
                   </a:schemeClr>
                 </a:solidFill>
-                <a:latin typeface="Roboto" panose="02000000000000000000" pitchFamily="2" charset="0"/>
-                <a:ea typeface="Roboto" panose="02000000000000000000" pitchFamily="2" charset="0"/>
-              </a:rPr>
-              <a:t>+ texto </a:t>
-            </a:r>
-            <a:r>
-              <a:rPr lang="es-MX" sz="2200" dirty="0" smtClean="0">
+                <a:latin typeface="Gotham Rounded Light" pitchFamily="50" charset="0"/>
+                <a:ea typeface="Roboto" panose="02000000000000000000" pitchFamily="2" charset="0"/>
+              </a:rPr>
+              <a:t> no ordenada</a:t>
+            </a:r>
+          </a:p>
+          <a:p>
+            <a:r>
+              <a:rPr lang="es-MX" sz="2200" dirty="0">
                 <a:solidFill>
                   <a:schemeClr val="accent6">
                     <a:lumMod val="40000"/>
@@ -7284,27 +7344,17 @@
               <a:t>			</a:t>
             </a:r>
             <a:r>
-              <a:rPr lang="es-MX" sz="2200" b="1" dirty="0" err="1">
-                <a:solidFill>
-                  <a:srgbClr val="F7B731"/>
-                </a:solidFill>
-                <a:latin typeface="Roboto" panose="02000000000000000000" pitchFamily="2" charset="0"/>
-                <a:ea typeface="Roboto" panose="02000000000000000000" pitchFamily="2" charset="0"/>
-              </a:rPr>
-              <a:t>sublista</a:t>
-            </a:r>
-            <a:r>
-              <a:rPr lang="es-MX" sz="2200" b="1" dirty="0">
-                <a:solidFill>
-                  <a:srgbClr val="F7B731"/>
-                </a:solidFill>
-                <a:latin typeface="Roboto" panose="02000000000000000000" pitchFamily="2" charset="0"/>
-                <a:ea typeface="Roboto" panose="02000000000000000000" pitchFamily="2" charset="0"/>
-              </a:rPr>
-              <a:t> no ordenada</a:t>
-            </a:r>
-          </a:p>
-          <a:p>
+              <a:rPr lang="es-MX" sz="2400" dirty="0">
+                <a:solidFill>
+                  <a:schemeClr val="bg1">
+                    <a:lumMod val="95000"/>
+                  </a:schemeClr>
+                </a:solidFill>
+                <a:latin typeface="Gotham Rounded Medium" panose="02000000000000000000" pitchFamily="50" charset="0"/>
+                <a:ea typeface="Roboto" panose="02000000000000000000" pitchFamily="2" charset="0"/>
+              </a:rPr>
+              <a:t>1. texto</a:t>
+            </a:r>
             <a:r>
               <a:rPr lang="es-MX" sz="2200" dirty="0">
                 <a:solidFill>
@@ -7319,69 +7369,37 @@
               <a:t>	</a:t>
             </a:r>
             <a:r>
-              <a:rPr lang="es-MX" sz="2200" dirty="0" smtClean="0">
-                <a:solidFill>
-                  <a:schemeClr val="accent6">
-                    <a:lumMod val="40000"/>
-                    <a:lumOff val="60000"/>
-                  </a:schemeClr>
-                </a:solidFill>
-                <a:latin typeface="Roboto" panose="02000000000000000000" pitchFamily="2" charset="0"/>
-                <a:ea typeface="Roboto" panose="02000000000000000000" pitchFamily="2" charset="0"/>
-              </a:rPr>
-              <a:t>		</a:t>
-            </a:r>
-            <a:r>
               <a:rPr lang="es-MX" sz="2400" dirty="0">
                 <a:solidFill>
                   <a:schemeClr val="bg1">
                     <a:lumMod val="95000"/>
                   </a:schemeClr>
                 </a:solidFill>
-                <a:latin typeface="Roboto" panose="02000000000000000000" pitchFamily="2" charset="0"/>
-                <a:ea typeface="Roboto" panose="02000000000000000000" pitchFamily="2" charset="0"/>
-              </a:rPr>
-              <a:t>1. texto</a:t>
-            </a:r>
-            <a:r>
-              <a:rPr lang="es-MX" sz="2200" dirty="0" smtClean="0">
-                <a:solidFill>
-                  <a:schemeClr val="accent6">
-                    <a:lumMod val="40000"/>
-                    <a:lumOff val="60000"/>
-                  </a:schemeClr>
-                </a:solidFill>
-                <a:latin typeface="Roboto" panose="02000000000000000000" pitchFamily="2" charset="0"/>
-                <a:ea typeface="Roboto" panose="02000000000000000000" pitchFamily="2" charset="0"/>
-              </a:rPr>
-              <a:t>		</a:t>
-            </a:r>
-            <a:r>
-              <a:rPr lang="es-MX" sz="2200" b="1" dirty="0">
-                <a:solidFill>
-                  <a:srgbClr val="F7B731"/>
-                </a:solidFill>
-                <a:latin typeface="Roboto" panose="02000000000000000000" pitchFamily="2" charset="0"/>
+                <a:latin typeface="Gotham Rounded Light" pitchFamily="50" charset="0"/>
                 <a:ea typeface="Roboto" panose="02000000000000000000" pitchFamily="2" charset="0"/>
               </a:rPr>
               <a:t>sub </a:t>
             </a:r>
             <a:r>
-              <a:rPr lang="es-MX" sz="2200" b="1" dirty="0" err="1">
-                <a:solidFill>
-                  <a:srgbClr val="F7B731"/>
-                </a:solidFill>
-                <a:latin typeface="Roboto" panose="02000000000000000000" pitchFamily="2" charset="0"/>
+              <a:rPr lang="es-MX" sz="2400" dirty="0" err="1">
+                <a:solidFill>
+                  <a:schemeClr val="bg1">
+                    <a:lumMod val="95000"/>
+                  </a:schemeClr>
+                </a:solidFill>
+                <a:latin typeface="Gotham Rounded Light" pitchFamily="50" charset="0"/>
                 <a:ea typeface="Roboto" panose="02000000000000000000" pitchFamily="2" charset="0"/>
               </a:rPr>
               <a:t>sublista</a:t>
             </a:r>
             <a:r>
-              <a:rPr lang="es-MX" sz="2200" b="1" dirty="0">
-                <a:solidFill>
-                  <a:srgbClr val="F7B731"/>
-                </a:solidFill>
-                <a:latin typeface="Roboto" panose="02000000000000000000" pitchFamily="2" charset="0"/>
+              <a:rPr lang="es-MX" sz="2400" dirty="0">
+                <a:solidFill>
+                  <a:schemeClr val="bg1">
+                    <a:lumMod val="95000"/>
+                  </a:schemeClr>
+                </a:solidFill>
+                <a:latin typeface="Gotham Rounded Light" pitchFamily="50" charset="0"/>
                 <a:ea typeface="Roboto" panose="02000000000000000000" pitchFamily="2" charset="0"/>
               </a:rPr>
               <a:t> ordenada</a:t>
@@ -7401,102 +7419,138 @@
           </a:p>
         </p:txBody>
       </p:sp>
-      <p:sp>
-        <p:nvSpPr>
-          <p:cNvPr id="4" name="CuadroTexto 3"/>
-          <p:cNvSpPr txBox="1"/>
+      <p:grpSp>
+        <p:nvGrpSpPr>
+          <p:cNvPr id="6" name="Grupo 5">
+            <a:extLst>
+              <a:ext uri="{FF2B5EF4-FFF2-40B4-BE49-F238E27FC236}">
+                <a16:creationId xmlns:a16="http://schemas.microsoft.com/office/drawing/2014/main" id="{D4B0C7EB-733A-47EC-B4BD-306EE530DC03}"/>
+              </a:ext>
+            </a:extLst>
+          </p:cNvPr>
+          <p:cNvGrpSpPr/>
           <p:nvPr/>
-        </p:nvSpPr>
-        <p:spPr>
-          <a:xfrm flipH="1">
-            <a:off x="9832916" y="5902510"/>
-            <a:ext cx="2359084" cy="553998"/>
+        </p:nvGrpSpPr>
+        <p:grpSpPr>
+          <a:xfrm>
+            <a:off x="9464414" y="6115870"/>
+            <a:ext cx="2712346" cy="704509"/>
+            <a:chOff x="9372974" y="5932990"/>
+            <a:chExt cx="2712346" cy="704509"/>
           </a:xfrm>
-          <a:prstGeom prst="rect">
-            <a:avLst/>
-          </a:prstGeom>
-          <a:noFill/>
-        </p:spPr>
-        <p:txBody>
-          <a:bodyPr wrap="square" rtlCol="0">
-            <a:spAutoFit/>
-          </a:bodyPr>
-          <a:lstStyle/>
-          <a:p>
-            <a:r>
-              <a:rPr lang="es-MX" sz="2400" dirty="0">
-                <a:solidFill>
-                  <a:schemeClr val="bg1">
-                    <a:lumMod val="95000"/>
-                  </a:schemeClr>
-                </a:solidFill>
-                <a:latin typeface="Roboto" panose="02000000000000000000" pitchFamily="2" charset="0"/>
-                <a:ea typeface="Roboto" panose="02000000000000000000" pitchFamily="2" charset="0"/>
-              </a:rPr>
-              <a:t>Extensión</a:t>
-            </a:r>
-            <a:r>
-              <a:rPr lang="es-MX" sz="3000" dirty="0" smtClean="0">
-                <a:solidFill>
-                  <a:schemeClr val="accent4">
-                    <a:lumMod val="60000"/>
-                    <a:lumOff val="40000"/>
-                  </a:schemeClr>
-                </a:solidFill>
-                <a:latin typeface="Roboto Medium" panose="02000000000000000000" pitchFamily="2" charset="0"/>
-                <a:ea typeface="Roboto Medium" panose="02000000000000000000" pitchFamily="2" charset="0"/>
-              </a:rPr>
-              <a:t> .md</a:t>
-            </a:r>
-            <a:endParaRPr lang="es-MX" sz="3000" dirty="0">
-              <a:solidFill>
-                <a:schemeClr val="accent4">
-                  <a:lumMod val="60000"/>
-                  <a:lumOff val="40000"/>
-                </a:schemeClr>
-              </a:solidFill>
-              <a:latin typeface="Roboto Medium" panose="02000000000000000000" pitchFamily="2" charset="0"/>
-              <a:ea typeface="Roboto Medium" panose="02000000000000000000" pitchFamily="2" charset="0"/>
-            </a:endParaRPr>
-          </a:p>
-        </p:txBody>
-      </p:sp>
-      <p:sp>
-        <p:nvSpPr>
-          <p:cNvPr id="5" name="Rectángulo 4"/>
-          <p:cNvSpPr/>
-          <p:nvPr/>
-        </p:nvSpPr>
-        <p:spPr>
-          <a:xfrm>
-            <a:off x="9176657" y="6304227"/>
-            <a:ext cx="2951449" cy="369332"/>
-          </a:xfrm>
-          <a:prstGeom prst="rect">
-            <a:avLst/>
-          </a:prstGeom>
-        </p:spPr>
-        <p:txBody>
-          <a:bodyPr wrap="none">
-            <a:spAutoFit/>
-          </a:bodyPr>
-          <a:lstStyle/>
-          <a:p>
-            <a:r>
-              <a:rPr lang="es-MX" dirty="0">
-                <a:solidFill>
-                  <a:schemeClr val="bg1">
-                    <a:lumMod val="95000"/>
-                  </a:schemeClr>
-                </a:solidFill>
-                <a:latin typeface="Roboto" panose="02000000000000000000" pitchFamily="2" charset="0"/>
-                <a:ea typeface="Roboto" panose="02000000000000000000" pitchFamily="2" charset="0"/>
-              </a:rPr>
-              <a:t>markdownlivepreview.com</a:t>
-            </a:r>
-          </a:p>
-        </p:txBody>
-      </p:sp>
+        </p:grpSpPr>
+        <p:sp>
+          <p:nvSpPr>
+            <p:cNvPr id="7" name="CuadroTexto 6">
+              <a:extLst>
+                <a:ext uri="{FF2B5EF4-FFF2-40B4-BE49-F238E27FC236}">
+                  <a16:creationId xmlns:a16="http://schemas.microsoft.com/office/drawing/2014/main" id="{6DB9C59C-7897-4BFB-B1FF-707BD66D9891}"/>
+                </a:ext>
+              </a:extLst>
+            </p:cNvPr>
+            <p:cNvSpPr txBox="1"/>
+            <p:nvPr/>
+          </p:nvSpPr>
+          <p:spPr>
+            <a:xfrm flipH="1">
+              <a:off x="9612630" y="5932990"/>
+              <a:ext cx="2472690" cy="553998"/>
+            </a:xfrm>
+            <a:prstGeom prst="rect">
+              <a:avLst/>
+            </a:prstGeom>
+            <a:noFill/>
+          </p:spPr>
+          <p:txBody>
+            <a:bodyPr wrap="square" rtlCol="0">
+              <a:spAutoFit/>
+            </a:bodyPr>
+            <a:lstStyle/>
+            <a:p>
+              <a:r>
+                <a:rPr lang="es-MX" sz="2400" b="1" dirty="0">
+                  <a:solidFill>
+                    <a:schemeClr val="bg1">
+                      <a:lumMod val="95000"/>
+                    </a:schemeClr>
+                  </a:solidFill>
+                  <a:latin typeface="Gotham Rounded Book" pitchFamily="50" charset="0"/>
+                  <a:ea typeface="Roboto" panose="02000000000000000000" pitchFamily="2" charset="0"/>
+                </a:rPr>
+                <a:t>Extensión</a:t>
+              </a:r>
+              <a:r>
+                <a:rPr lang="es-MX" sz="3000" dirty="0">
+                  <a:solidFill>
+                    <a:schemeClr val="accent4">
+                      <a:lumMod val="60000"/>
+                      <a:lumOff val="40000"/>
+                    </a:schemeClr>
+                  </a:solidFill>
+                  <a:latin typeface="Roboto Medium" panose="02000000000000000000" pitchFamily="2" charset="0"/>
+                  <a:ea typeface="Roboto Medium" panose="02000000000000000000" pitchFamily="2" charset="0"/>
+                </a:rPr>
+                <a:t> </a:t>
+              </a:r>
+              <a:r>
+                <a:rPr lang="es-MX" sz="2500" b="1" dirty="0">
+                  <a:solidFill>
+                    <a:schemeClr val="accent4">
+                      <a:lumMod val="60000"/>
+                      <a:lumOff val="40000"/>
+                    </a:schemeClr>
+                  </a:solidFill>
+                  <a:latin typeface="Gotham Rounded Bold" pitchFamily="50" charset="0"/>
+                  <a:ea typeface="Roboto Medium" panose="02000000000000000000" pitchFamily="2" charset="0"/>
+                </a:rPr>
+                <a:t>.md</a:t>
+              </a:r>
+            </a:p>
+          </p:txBody>
+        </p:sp>
+        <p:sp>
+          <p:nvSpPr>
+            <p:cNvPr id="8" name="Rectángulo 7">
+              <a:extLst>
+                <a:ext uri="{FF2B5EF4-FFF2-40B4-BE49-F238E27FC236}">
+                  <a16:creationId xmlns:a16="http://schemas.microsoft.com/office/drawing/2014/main" id="{3B9DBB19-9263-44D5-B9EB-8581811629B5}"/>
+                </a:ext>
+              </a:extLst>
+            </p:cNvPr>
+            <p:cNvSpPr/>
+            <p:nvPr/>
+          </p:nvSpPr>
+          <p:spPr>
+            <a:xfrm>
+              <a:off x="9372974" y="6314334"/>
+              <a:ext cx="2712346" cy="323165"/>
+            </a:xfrm>
+            <a:prstGeom prst="rect">
+              <a:avLst/>
+            </a:prstGeom>
+          </p:spPr>
+          <p:txBody>
+            <a:bodyPr wrap="none">
+              <a:spAutoFit/>
+            </a:bodyPr>
+            <a:lstStyle/>
+            <a:p>
+              <a:r>
+                <a:rPr lang="es-MX" sz="1500" dirty="0">
+                  <a:solidFill>
+                    <a:schemeClr val="bg1">
+                      <a:lumMod val="85000"/>
+                    </a:schemeClr>
+                  </a:solidFill>
+                  <a:latin typeface="Gotham Rounded Book" pitchFamily="50" charset="0"/>
+                  <a:ea typeface="Roboto" panose="02000000000000000000" pitchFamily="2" charset="0"/>
+                </a:rPr>
+                <a:t>markdownlivepreview.com</a:t>
+              </a:r>
+            </a:p>
+          </p:txBody>
+        </p:sp>
+      </p:grpSp>
     </p:spTree>
     <p:extLst>
       <p:ext uri="{BB962C8B-B14F-4D97-AF65-F5344CB8AC3E}">
@@ -7507,13 +7561,6 @@
   <p:clrMapOvr>
     <a:masterClrMapping/>
   </p:clrMapOvr>
-  <p:timing>
-    <p:tnLst>
-      <p:par>
-        <p:cTn id="1" dur="indefinite" restart="never" nodeType="tmRoot"/>
-      </p:par>
-    </p:tnLst>
-  </p:timing>
 </p:sld>
 </file>
 
@@ -7544,50 +7591,14 @@
       </p:grpSpPr>
       <p:sp>
         <p:nvSpPr>
-          <p:cNvPr id="2" name="CuadroTexto 1"/>
-          <p:cNvSpPr txBox="1"/>
-          <p:nvPr/>
-        </p:nvSpPr>
-        <p:spPr>
-          <a:xfrm>
-            <a:off x="481485" y="538431"/>
-            <a:ext cx="5366865" cy="707886"/>
-          </a:xfrm>
-          <a:prstGeom prst="rect">
-            <a:avLst/>
-          </a:prstGeom>
-          <a:noFill/>
-        </p:spPr>
-        <p:txBody>
-          <a:bodyPr wrap="square" rtlCol="0">
-            <a:spAutoFit/>
-          </a:bodyPr>
-          <a:lstStyle/>
-          <a:p>
-            <a:pPr algn="ctr"/>
-            <a:r>
-              <a:rPr lang="es-MX" sz="4000" dirty="0">
-                <a:solidFill>
-                  <a:schemeClr val="bg1"/>
-                </a:solidFill>
-                <a:latin typeface="Roboto Black" panose="02000000000000000000" pitchFamily="2" charset="0"/>
-                <a:ea typeface="Roboto Black" panose="02000000000000000000" pitchFamily="2" charset="0"/>
-              </a:rPr>
-              <a:t>Elementos principales</a:t>
-            </a:r>
-          </a:p>
-        </p:txBody>
-      </p:sp>
-      <p:sp>
-        <p:nvSpPr>
           <p:cNvPr id="3" name="CuadroTexto 2"/>
           <p:cNvSpPr txBox="1"/>
           <p:nvPr/>
         </p:nvSpPr>
         <p:spPr>
           <a:xfrm flipH="1">
-            <a:off x="1064886" y="1543050"/>
-            <a:ext cx="11063219" cy="5038725"/>
+            <a:off x="1064885" y="1543051"/>
+            <a:ext cx="11063219" cy="4359460"/>
           </a:xfrm>
           <a:prstGeom prst="rect">
             <a:avLst/>
@@ -7601,28 +7612,18 @@
           <a:lstStyle/>
           <a:p>
             <a:r>
-              <a:rPr lang="es-MX" sz="3000" dirty="0" smtClean="0">
+              <a:rPr lang="es-MX" sz="3000" dirty="0">
                 <a:solidFill>
                   <a:schemeClr val="accent4">
                     <a:lumMod val="60000"/>
                     <a:lumOff val="40000"/>
                   </a:schemeClr>
                 </a:solidFill>
-                <a:latin typeface="Roboto Medium" panose="02000000000000000000" pitchFamily="2" charset="0"/>
+                <a:latin typeface="Gotham Rounded Medium" panose="02000000000000000000" pitchFamily="50" charset="0"/>
                 <a:ea typeface="Roboto Medium" panose="02000000000000000000" pitchFamily="2" charset="0"/>
               </a:rPr>
               <a:t>Links</a:t>
             </a:r>
-            <a:endParaRPr lang="es-MX" sz="3000" dirty="0">
-              <a:solidFill>
-                <a:schemeClr val="accent4">
-                  <a:lumMod val="60000"/>
-                  <a:lumOff val="40000"/>
-                </a:schemeClr>
-              </a:solidFill>
-              <a:latin typeface="Roboto Medium" panose="02000000000000000000" pitchFamily="2" charset="0"/>
-              <a:ea typeface="Roboto Medium" panose="02000000000000000000" pitchFamily="2" charset="0"/>
-            </a:endParaRPr>
           </a:p>
           <a:p>
             <a:r>
@@ -7645,120 +7646,136 @@
                     <a:lumMod val="95000"/>
                   </a:schemeClr>
                 </a:solidFill>
+                <a:latin typeface="Gotham Rounded Medium" panose="02000000000000000000" pitchFamily="50" charset="0"/>
+                <a:ea typeface="Roboto" panose="02000000000000000000" pitchFamily="2" charset="0"/>
+              </a:rPr>
+              <a:t>[texto](</a:t>
+            </a:r>
+            <a:r>
+              <a:rPr lang="es-MX" sz="2400" dirty="0" err="1">
+                <a:solidFill>
+                  <a:schemeClr val="bg1">
+                    <a:lumMod val="95000"/>
+                  </a:schemeClr>
+                </a:solidFill>
+                <a:latin typeface="Gotham Rounded Medium" panose="02000000000000000000" pitchFamily="50" charset="0"/>
+                <a:ea typeface="Roboto" panose="02000000000000000000" pitchFamily="2" charset="0"/>
+              </a:rPr>
+              <a:t>url</a:t>
+            </a:r>
+            <a:r>
+              <a:rPr lang="es-MX" sz="2400" dirty="0">
+                <a:solidFill>
+                  <a:schemeClr val="bg1">
+                    <a:lumMod val="95000"/>
+                  </a:schemeClr>
+                </a:solidFill>
+                <a:latin typeface="Gotham Rounded Medium" panose="02000000000000000000" pitchFamily="50" charset="0"/>
+                <a:ea typeface="Roboto" panose="02000000000000000000" pitchFamily="2" charset="0"/>
+              </a:rPr>
+              <a:t>)</a:t>
+            </a:r>
+            <a:r>
+              <a:rPr lang="es-MX" sz="2400" dirty="0">
+                <a:solidFill>
+                  <a:schemeClr val="bg1">
+                    <a:lumMod val="95000"/>
+                  </a:schemeClr>
+                </a:solidFill>
                 <a:latin typeface="Roboto" panose="02000000000000000000" pitchFamily="2" charset="0"/>
                 <a:ea typeface="Roboto" panose="02000000000000000000" pitchFamily="2" charset="0"/>
               </a:rPr>
-              <a:t>[</a:t>
-            </a:r>
-            <a:r>
-              <a:rPr lang="es-MX" sz="2400" dirty="0" smtClean="0">
+              <a:t>					</a:t>
+            </a:r>
+            <a:r>
+              <a:rPr lang="es-MX" sz="2400" dirty="0">
                 <a:solidFill>
                   <a:schemeClr val="bg1">
                     <a:lumMod val="95000"/>
                   </a:schemeClr>
                 </a:solidFill>
+                <a:latin typeface="Gotham Rounded Light" pitchFamily="50" charset="0"/>
+                <a:ea typeface="Roboto" panose="02000000000000000000" pitchFamily="2" charset="0"/>
+              </a:rPr>
+              <a:t>link sencillo</a:t>
+            </a:r>
+          </a:p>
+          <a:p>
+            <a:r>
+              <a:rPr lang="es-MX" sz="2400" dirty="0">
+                <a:solidFill>
+                  <a:schemeClr val="bg1">
+                    <a:lumMod val="95000"/>
+                  </a:schemeClr>
+                </a:solidFill>
                 <a:latin typeface="Roboto" panose="02000000000000000000" pitchFamily="2" charset="0"/>
                 <a:ea typeface="Roboto" panose="02000000000000000000" pitchFamily="2" charset="0"/>
               </a:rPr>
-              <a:t>texto](</a:t>
-            </a:r>
-            <a:r>
-              <a:rPr lang="es-MX" sz="2400" dirty="0" err="1" smtClean="0">
+              <a:t>	</a:t>
+            </a:r>
+            <a:r>
+              <a:rPr lang="es-MX" sz="2400" dirty="0">
                 <a:solidFill>
                   <a:schemeClr val="bg1">
                     <a:lumMod val="95000"/>
                   </a:schemeClr>
                 </a:solidFill>
+                <a:latin typeface="Gotham Rounded Medium" panose="02000000000000000000" pitchFamily="50" charset="0"/>
+                <a:ea typeface="Roboto" panose="02000000000000000000" pitchFamily="2" charset="0"/>
+              </a:rPr>
+              <a:t>[texto] (</a:t>
+            </a:r>
+            <a:r>
+              <a:rPr lang="es-MX" sz="2400" dirty="0" err="1">
+                <a:solidFill>
+                  <a:schemeClr val="bg1">
+                    <a:lumMod val="95000"/>
+                  </a:schemeClr>
+                </a:solidFill>
+                <a:latin typeface="Gotham Rounded Medium" panose="02000000000000000000" pitchFamily="50" charset="0"/>
+                <a:ea typeface="Roboto" panose="02000000000000000000" pitchFamily="2" charset="0"/>
+              </a:rPr>
+              <a:t>url</a:t>
+            </a:r>
+            <a:r>
+              <a:rPr lang="es-MX" sz="2400" dirty="0">
+                <a:solidFill>
+                  <a:schemeClr val="bg1">
+                    <a:lumMod val="95000"/>
+                  </a:schemeClr>
+                </a:solidFill>
+                <a:latin typeface="Gotham Rounded Medium" panose="02000000000000000000" pitchFamily="50" charset="0"/>
+                <a:ea typeface="Roboto" panose="02000000000000000000" pitchFamily="2" charset="0"/>
+              </a:rPr>
+              <a:t> “Texto a mostrar”)</a:t>
+            </a:r>
+            <a:r>
+              <a:rPr lang="es-MX" sz="2400" dirty="0">
+                <a:solidFill>
+                  <a:schemeClr val="bg1">
+                    <a:lumMod val="95000"/>
+                  </a:schemeClr>
+                </a:solidFill>
                 <a:latin typeface="Roboto" panose="02000000000000000000" pitchFamily="2" charset="0"/>
                 <a:ea typeface="Roboto" panose="02000000000000000000" pitchFamily="2" charset="0"/>
               </a:rPr>
-              <a:t>url</a:t>
-            </a:r>
-            <a:r>
-              <a:rPr lang="es-MX" sz="2400" dirty="0" smtClean="0">
+              <a:t>	</a:t>
+            </a:r>
+            <a:r>
+              <a:rPr lang="es-MX" sz="2400" dirty="0">
                 <a:solidFill>
                   <a:schemeClr val="bg1">
                     <a:lumMod val="95000"/>
                   </a:schemeClr>
                 </a:solidFill>
-                <a:latin typeface="Roboto" panose="02000000000000000000" pitchFamily="2" charset="0"/>
-                <a:ea typeface="Roboto" panose="02000000000000000000" pitchFamily="2" charset="0"/>
-              </a:rPr>
-              <a:t>)						</a:t>
-            </a:r>
-            <a:r>
-              <a:rPr lang="es-MX" sz="2400" b="1" dirty="0" smtClean="0">
-                <a:solidFill>
-                  <a:srgbClr val="F7B731"/>
-                </a:solidFill>
-                <a:latin typeface="Roboto" panose="02000000000000000000" pitchFamily="2" charset="0"/>
-                <a:ea typeface="Roboto" panose="02000000000000000000" pitchFamily="2" charset="0"/>
-              </a:rPr>
-              <a:t>link sencillo</a:t>
-            </a:r>
-          </a:p>
-          <a:p>
-            <a:r>
-              <a:rPr lang="es-MX" sz="2400" dirty="0">
-                <a:solidFill>
-                  <a:schemeClr val="bg1">
-                    <a:lumMod val="95000"/>
-                  </a:schemeClr>
-                </a:solidFill>
-                <a:latin typeface="Roboto" panose="02000000000000000000" pitchFamily="2" charset="0"/>
-                <a:ea typeface="Roboto" panose="02000000000000000000" pitchFamily="2" charset="0"/>
-              </a:rPr>
-              <a:t>	[</a:t>
-            </a:r>
-            <a:r>
-              <a:rPr lang="es-MX" sz="2400" dirty="0" smtClean="0">
-                <a:solidFill>
-                  <a:schemeClr val="bg1">
-                    <a:lumMod val="95000"/>
-                  </a:schemeClr>
-                </a:solidFill>
-                <a:latin typeface="Roboto" panose="02000000000000000000" pitchFamily="2" charset="0"/>
-                <a:ea typeface="Roboto" panose="02000000000000000000" pitchFamily="2" charset="0"/>
-              </a:rPr>
-              <a:t>texto] (</a:t>
-            </a:r>
-            <a:r>
-              <a:rPr lang="es-MX" sz="2400" dirty="0" err="1" smtClean="0">
-                <a:solidFill>
-                  <a:schemeClr val="bg1">
-                    <a:lumMod val="95000"/>
-                  </a:schemeClr>
-                </a:solidFill>
-                <a:latin typeface="Roboto" panose="02000000000000000000" pitchFamily="2" charset="0"/>
-                <a:ea typeface="Roboto" panose="02000000000000000000" pitchFamily="2" charset="0"/>
-              </a:rPr>
-              <a:t>url</a:t>
-            </a:r>
-            <a:r>
-              <a:rPr lang="es-MX" sz="2400" dirty="0" smtClean="0">
-                <a:solidFill>
-                  <a:schemeClr val="bg1">
-                    <a:lumMod val="95000"/>
-                  </a:schemeClr>
-                </a:solidFill>
-                <a:latin typeface="Roboto" panose="02000000000000000000" pitchFamily="2" charset="0"/>
-                <a:ea typeface="Roboto" panose="02000000000000000000" pitchFamily="2" charset="0"/>
-              </a:rPr>
-              <a:t> “Texto a mostrar”)			</a:t>
-            </a:r>
-            <a:r>
-              <a:rPr lang="es-MX" sz="2400" b="1" dirty="0">
-                <a:solidFill>
-                  <a:srgbClr val="F7B731"/>
-                </a:solidFill>
-                <a:latin typeface="Roboto" panose="02000000000000000000" pitchFamily="2" charset="0"/>
+                <a:latin typeface="Gotham Rounded Light" pitchFamily="50" charset="0"/>
                 <a:ea typeface="Roboto" panose="02000000000000000000" pitchFamily="2" charset="0"/>
               </a:rPr>
               <a:t>link con título</a:t>
             </a:r>
           </a:p>
           <a:p>
-            <a:endParaRPr lang="es-MX" sz="2400" dirty="0" smtClean="0">
+            <a:endParaRPr lang="es-MX" sz="2400" dirty="0">
               <a:solidFill>
                 <a:schemeClr val="bg1">
                   <a:lumMod val="95000"/>
@@ -7770,14 +7787,14 @@
           </a:p>
           <a:p>
             <a:r>
-              <a:rPr lang="es-MX" sz="3000" dirty="0" smtClean="0">
+              <a:rPr lang="es-MX" sz="3000" dirty="0">
                 <a:solidFill>
                   <a:schemeClr val="accent4">
                     <a:lumMod val="60000"/>
                     <a:lumOff val="40000"/>
                   </a:schemeClr>
                 </a:solidFill>
-                <a:latin typeface="Roboto Medium" panose="02000000000000000000" pitchFamily="2" charset="0"/>
+                <a:latin typeface="Gotham Rounded Medium" panose="02000000000000000000" pitchFamily="50" charset="0"/>
                 <a:ea typeface="Roboto Medium" panose="02000000000000000000" pitchFamily="2" charset="0"/>
               </a:rPr>
               <a:t>Imágenes</a:t>
@@ -7798,143 +7815,157 @@
               <a:t>	</a:t>
             </a:r>
             <a:r>
-              <a:rPr lang="es-MX" sz="2400" dirty="0" smtClean="0">
+              <a:rPr lang="es-MX" sz="2400" dirty="0">
                 <a:solidFill>
                   <a:schemeClr val="bg1">
                     <a:lumMod val="95000"/>
                   </a:schemeClr>
                 </a:solidFill>
+                <a:latin typeface="Gotham Rounded Medium" panose="02000000000000000000" pitchFamily="50" charset="0"/>
+                <a:ea typeface="Roboto" panose="02000000000000000000" pitchFamily="2" charset="0"/>
+              </a:rPr>
+              <a:t>![</a:t>
+            </a:r>
+            <a:r>
+              <a:rPr lang="es-MX" sz="2400" dirty="0" err="1">
+                <a:solidFill>
+                  <a:schemeClr val="bg1">
+                    <a:lumMod val="95000"/>
+                  </a:schemeClr>
+                </a:solidFill>
+                <a:latin typeface="Gotham Rounded Medium" panose="02000000000000000000" pitchFamily="50" charset="0"/>
+                <a:ea typeface="Roboto" panose="02000000000000000000" pitchFamily="2" charset="0"/>
+              </a:rPr>
+              <a:t>alt</a:t>
+            </a:r>
+            <a:r>
+              <a:rPr lang="es-MX" sz="2400" dirty="0">
+                <a:solidFill>
+                  <a:schemeClr val="bg1">
+                    <a:lumMod val="95000"/>
+                  </a:schemeClr>
+                </a:solidFill>
+                <a:latin typeface="Gotham Rounded Medium" panose="02000000000000000000" pitchFamily="50" charset="0"/>
+                <a:ea typeface="Roboto" panose="02000000000000000000" pitchFamily="2" charset="0"/>
+              </a:rPr>
+              <a:t> </a:t>
+            </a:r>
+            <a:r>
+              <a:rPr lang="es-MX" sz="2400" dirty="0" err="1">
+                <a:solidFill>
+                  <a:schemeClr val="bg1">
+                    <a:lumMod val="95000"/>
+                  </a:schemeClr>
+                </a:solidFill>
+                <a:latin typeface="Gotham Rounded Medium" panose="02000000000000000000" pitchFamily="50" charset="0"/>
+                <a:ea typeface="Roboto" panose="02000000000000000000" pitchFamily="2" charset="0"/>
+              </a:rPr>
+              <a:t>text</a:t>
+            </a:r>
+            <a:r>
+              <a:rPr lang="es-MX" sz="2400" dirty="0">
+                <a:solidFill>
+                  <a:schemeClr val="bg1">
+                    <a:lumMod val="95000"/>
+                  </a:schemeClr>
+                </a:solidFill>
+                <a:latin typeface="Gotham Rounded Medium" panose="02000000000000000000" pitchFamily="50" charset="0"/>
+                <a:ea typeface="Roboto" panose="02000000000000000000" pitchFamily="2" charset="0"/>
+              </a:rPr>
+              <a:t>](</a:t>
+            </a:r>
+            <a:r>
+              <a:rPr lang="es-MX" sz="2400" dirty="0" err="1">
+                <a:solidFill>
+                  <a:schemeClr val="bg1">
+                    <a:lumMod val="95000"/>
+                  </a:schemeClr>
+                </a:solidFill>
+                <a:latin typeface="Gotham Rounded Medium" panose="02000000000000000000" pitchFamily="50" charset="0"/>
+                <a:ea typeface="Roboto" panose="02000000000000000000" pitchFamily="2" charset="0"/>
+              </a:rPr>
+              <a:t>url</a:t>
+            </a:r>
+            <a:r>
+              <a:rPr lang="es-MX" sz="2400" dirty="0">
+                <a:solidFill>
+                  <a:schemeClr val="bg1">
+                    <a:lumMod val="95000"/>
+                  </a:schemeClr>
+                </a:solidFill>
+                <a:latin typeface="Gotham Rounded Medium" panose="02000000000000000000" pitchFamily="50" charset="0"/>
+                <a:ea typeface="Roboto" panose="02000000000000000000" pitchFamily="2" charset="0"/>
+              </a:rPr>
+              <a:t> imagen “</a:t>
+            </a:r>
+            <a:r>
+              <a:rPr lang="es-MX" sz="2400" dirty="0" err="1">
+                <a:solidFill>
+                  <a:schemeClr val="bg1">
+                    <a:lumMod val="95000"/>
+                  </a:schemeClr>
+                </a:solidFill>
+                <a:latin typeface="Gotham Rounded Medium" panose="02000000000000000000" pitchFamily="50" charset="0"/>
+                <a:ea typeface="Roboto" panose="02000000000000000000" pitchFamily="2" charset="0"/>
+              </a:rPr>
+              <a:t>alt</a:t>
+            </a:r>
+            <a:r>
+              <a:rPr lang="es-MX" sz="2400" dirty="0">
+                <a:solidFill>
+                  <a:schemeClr val="bg1">
+                    <a:lumMod val="95000"/>
+                  </a:schemeClr>
+                </a:solidFill>
+                <a:latin typeface="Gotham Rounded Medium" panose="02000000000000000000" pitchFamily="50" charset="0"/>
+                <a:ea typeface="Roboto" panose="02000000000000000000" pitchFamily="2" charset="0"/>
+              </a:rPr>
+              <a:t> </a:t>
+            </a:r>
+            <a:r>
+              <a:rPr lang="es-MX" sz="2400" dirty="0" err="1">
+                <a:solidFill>
+                  <a:schemeClr val="bg1">
+                    <a:lumMod val="95000"/>
+                  </a:schemeClr>
+                </a:solidFill>
+                <a:latin typeface="Gotham Rounded Medium" panose="02000000000000000000" pitchFamily="50" charset="0"/>
+                <a:ea typeface="Roboto" panose="02000000000000000000" pitchFamily="2" charset="0"/>
+              </a:rPr>
+              <a:t>text</a:t>
+            </a:r>
+            <a:r>
+              <a:rPr lang="es-MX" sz="2400" dirty="0">
+                <a:solidFill>
+                  <a:schemeClr val="bg1">
+                    <a:lumMod val="95000"/>
+                  </a:schemeClr>
+                </a:solidFill>
+                <a:latin typeface="Gotham Rounded Medium" panose="02000000000000000000" pitchFamily="50" charset="0"/>
+                <a:ea typeface="Roboto" panose="02000000000000000000" pitchFamily="2" charset="0"/>
+              </a:rPr>
+              <a:t>”)</a:t>
+            </a:r>
+            <a:r>
+              <a:rPr lang="es-MX" sz="2400" dirty="0">
+                <a:solidFill>
+                  <a:schemeClr val="bg1">
+                    <a:lumMod val="95000"/>
+                  </a:schemeClr>
+                </a:solidFill>
                 <a:latin typeface="Roboto" panose="02000000000000000000" pitchFamily="2" charset="0"/>
                 <a:ea typeface="Roboto" panose="02000000000000000000" pitchFamily="2" charset="0"/>
               </a:rPr>
-              <a:t>![</a:t>
-            </a:r>
-            <a:r>
-              <a:rPr lang="es-MX" sz="2400" dirty="0" err="1" smtClean="0">
+              <a:t>	</a:t>
+            </a:r>
+            <a:r>
+              <a:rPr lang="es-MX" sz="2400" dirty="0">
                 <a:solidFill>
                   <a:schemeClr val="bg1">
                     <a:lumMod val="95000"/>
                   </a:schemeClr>
                 </a:solidFill>
-                <a:latin typeface="Roboto" panose="02000000000000000000" pitchFamily="2" charset="0"/>
-                <a:ea typeface="Roboto" panose="02000000000000000000" pitchFamily="2" charset="0"/>
-              </a:rPr>
-              <a:t>alt</a:t>
-            </a:r>
-            <a:r>
-              <a:rPr lang="es-MX" sz="2400" dirty="0" smtClean="0">
-                <a:solidFill>
-                  <a:schemeClr val="bg1">
-                    <a:lumMod val="95000"/>
-                  </a:schemeClr>
-                </a:solidFill>
-                <a:latin typeface="Roboto" panose="02000000000000000000" pitchFamily="2" charset="0"/>
-                <a:ea typeface="Roboto" panose="02000000000000000000" pitchFamily="2" charset="0"/>
-              </a:rPr>
-              <a:t> </a:t>
-            </a:r>
-            <a:r>
-              <a:rPr lang="es-MX" sz="2400" dirty="0" err="1" smtClean="0">
-                <a:solidFill>
-                  <a:schemeClr val="bg1">
-                    <a:lumMod val="95000"/>
-                  </a:schemeClr>
-                </a:solidFill>
-                <a:latin typeface="Roboto" panose="02000000000000000000" pitchFamily="2" charset="0"/>
-                <a:ea typeface="Roboto" panose="02000000000000000000" pitchFamily="2" charset="0"/>
-              </a:rPr>
-              <a:t>text</a:t>
-            </a:r>
-            <a:r>
-              <a:rPr lang="es-MX" sz="2400" dirty="0" smtClean="0">
-                <a:solidFill>
-                  <a:schemeClr val="bg1">
-                    <a:lumMod val="95000"/>
-                  </a:schemeClr>
-                </a:solidFill>
-                <a:latin typeface="Roboto" panose="02000000000000000000" pitchFamily="2" charset="0"/>
-                <a:ea typeface="Roboto" panose="02000000000000000000" pitchFamily="2" charset="0"/>
-              </a:rPr>
-              <a:t>](</a:t>
-            </a:r>
-            <a:r>
-              <a:rPr lang="es-MX" sz="2400" dirty="0" err="1" smtClean="0">
-                <a:solidFill>
-                  <a:schemeClr val="bg1">
-                    <a:lumMod val="95000"/>
-                  </a:schemeClr>
-                </a:solidFill>
-                <a:latin typeface="Roboto" panose="02000000000000000000" pitchFamily="2" charset="0"/>
-                <a:ea typeface="Roboto" panose="02000000000000000000" pitchFamily="2" charset="0"/>
-              </a:rPr>
-              <a:t>url</a:t>
-            </a:r>
-            <a:r>
-              <a:rPr lang="es-MX" sz="2400" dirty="0" smtClean="0">
-                <a:solidFill>
-                  <a:schemeClr val="bg1">
-                    <a:lumMod val="95000"/>
-                  </a:schemeClr>
-                </a:solidFill>
-                <a:latin typeface="Roboto" panose="02000000000000000000" pitchFamily="2" charset="0"/>
-                <a:ea typeface="Roboto" panose="02000000000000000000" pitchFamily="2" charset="0"/>
-              </a:rPr>
-              <a:t> imagen “</a:t>
-            </a:r>
-            <a:r>
-              <a:rPr lang="es-MX" sz="2400" dirty="0" err="1" smtClean="0">
-                <a:solidFill>
-                  <a:schemeClr val="bg1">
-                    <a:lumMod val="95000"/>
-                  </a:schemeClr>
-                </a:solidFill>
-                <a:latin typeface="Roboto" panose="02000000000000000000" pitchFamily="2" charset="0"/>
-                <a:ea typeface="Roboto" panose="02000000000000000000" pitchFamily="2" charset="0"/>
-              </a:rPr>
-              <a:t>alt</a:t>
-            </a:r>
-            <a:r>
-              <a:rPr lang="es-MX" sz="2400" dirty="0" smtClean="0">
-                <a:solidFill>
-                  <a:schemeClr val="bg1">
-                    <a:lumMod val="95000"/>
-                  </a:schemeClr>
-                </a:solidFill>
-                <a:latin typeface="Roboto" panose="02000000000000000000" pitchFamily="2" charset="0"/>
-                <a:ea typeface="Roboto" panose="02000000000000000000" pitchFamily="2" charset="0"/>
-              </a:rPr>
-              <a:t> </a:t>
-            </a:r>
-            <a:r>
-              <a:rPr lang="es-MX" sz="2400" dirty="0" err="1" smtClean="0">
-                <a:solidFill>
-                  <a:schemeClr val="bg1">
-                    <a:lumMod val="95000"/>
-                  </a:schemeClr>
-                </a:solidFill>
-                <a:latin typeface="Roboto" panose="02000000000000000000" pitchFamily="2" charset="0"/>
-                <a:ea typeface="Roboto" panose="02000000000000000000" pitchFamily="2" charset="0"/>
-              </a:rPr>
-              <a:t>text</a:t>
-            </a:r>
-            <a:r>
-              <a:rPr lang="es-MX" sz="2400" dirty="0" smtClean="0">
-                <a:solidFill>
-                  <a:schemeClr val="bg1">
-                    <a:lumMod val="95000"/>
-                  </a:schemeClr>
-                </a:solidFill>
-                <a:latin typeface="Roboto" panose="02000000000000000000" pitchFamily="2" charset="0"/>
-                <a:ea typeface="Roboto" panose="02000000000000000000" pitchFamily="2" charset="0"/>
-              </a:rPr>
-              <a:t>”)			</a:t>
-            </a:r>
-            <a:r>
-              <a:rPr lang="es-MX" sz="2400" b="1" dirty="0">
-                <a:solidFill>
-                  <a:srgbClr val="F7B731"/>
-                </a:solidFill>
-                <a:latin typeface="Roboto" panose="02000000000000000000" pitchFamily="2" charset="0"/>
+                <a:latin typeface="Gotham Rounded Light" pitchFamily="50" charset="0"/>
                 <a:ea typeface="Roboto" panose="02000000000000000000" pitchFamily="2" charset="0"/>
               </a:rPr>
               <a:t>imagen</a:t>
@@ -7942,7 +7973,7 @@
           </a:p>
           <a:p>
             <a:r>
-              <a:rPr lang="es-MX" sz="2200" dirty="0" smtClean="0">
+              <a:rPr lang="es-MX" sz="2200" dirty="0">
                 <a:solidFill>
                   <a:schemeClr val="accent6">
                     <a:lumMod val="40000"/>
@@ -7970,13 +8001,13 @@
               <a:t>	</a:t>
             </a:r>
             <a:r>
-              <a:rPr lang="es-MX" sz="2400" dirty="0" smtClean="0">
+              <a:rPr lang="es-MX" sz="2400" dirty="0">
                 <a:solidFill>
                   <a:schemeClr val="bg1">
                     <a:lumMod val="95000"/>
                   </a:schemeClr>
                 </a:solidFill>
-                <a:latin typeface="Roboto" panose="02000000000000000000" pitchFamily="2" charset="0"/>
+                <a:latin typeface="Gotham Rounded Medium" panose="02000000000000000000" pitchFamily="50" charset="0"/>
                 <a:ea typeface="Roboto" panose="02000000000000000000" pitchFamily="2" charset="0"/>
               </a:rPr>
               <a:t>![</a:t>
@@ -7988,7 +8019,7 @@
                     <a:lumMod val="95000"/>
                   </a:schemeClr>
                 </a:solidFill>
-                <a:latin typeface="Roboto" panose="02000000000000000000" pitchFamily="2" charset="0"/>
+                <a:latin typeface="Gotham Rounded Medium" panose="02000000000000000000" pitchFamily="50" charset="0"/>
                 <a:ea typeface="Roboto" panose="02000000000000000000" pitchFamily="2" charset="0"/>
               </a:rPr>
               <a:t>alt</a:t>
@@ -8000,7 +8031,7 @@
                     <a:lumMod val="95000"/>
                   </a:schemeClr>
                 </a:solidFill>
-                <a:latin typeface="Roboto" panose="02000000000000000000" pitchFamily="2" charset="0"/>
+                <a:latin typeface="Gotham Rounded Medium" panose="02000000000000000000" pitchFamily="50" charset="0"/>
                 <a:ea typeface="Roboto" panose="02000000000000000000" pitchFamily="2" charset="0"/>
               </a:rPr>
               <a:t> </a:t>
@@ -8012,7 +8043,7 @@
                     <a:lumMod val="95000"/>
                   </a:schemeClr>
                 </a:solidFill>
-                <a:latin typeface="Roboto" panose="02000000000000000000" pitchFamily="2" charset="0"/>
+                <a:latin typeface="Gotham Rounded Medium" panose="02000000000000000000" pitchFamily="50" charset="0"/>
                 <a:ea typeface="Roboto" panose="02000000000000000000" pitchFamily="2" charset="0"/>
               </a:rPr>
               <a:t>text</a:t>
@@ -8024,26 +8055,14 @@
                     <a:lumMod val="95000"/>
                   </a:schemeClr>
                 </a:solidFill>
-                <a:latin typeface="Roboto" panose="02000000000000000000" pitchFamily="2" charset="0"/>
-                <a:ea typeface="Roboto" panose="02000000000000000000" pitchFamily="2" charset="0"/>
-              </a:rPr>
-              <a:t>][logo</a:t>
-            </a:r>
-            <a:r>
-              <a:rPr lang="es-MX" sz="2400" dirty="0" smtClean="0">
-                <a:solidFill>
-                  <a:schemeClr val="bg1">
-                    <a:lumMod val="95000"/>
-                  </a:schemeClr>
-                </a:solidFill>
-                <a:latin typeface="Roboto" panose="02000000000000000000" pitchFamily="2" charset="0"/>
-                <a:ea typeface="Roboto" panose="02000000000000000000" pitchFamily="2" charset="0"/>
-              </a:rPr>
-              <a:t>]</a:t>
-            </a:r>
-          </a:p>
-          <a:p>
-            <a:endParaRPr lang="es-MX" sz="2400" dirty="0" smtClean="0">
+                <a:latin typeface="Gotham Rounded Medium" panose="02000000000000000000" pitchFamily="50" charset="0"/>
+                <a:ea typeface="Roboto" panose="02000000000000000000" pitchFamily="2" charset="0"/>
+              </a:rPr>
+              <a:t>][logo]</a:t>
+            </a:r>
+          </a:p>
+          <a:p>
+            <a:endParaRPr lang="es-MX" sz="2400" dirty="0">
               <a:solidFill>
                 <a:schemeClr val="bg1">
                   <a:lumMod val="95000"/>
@@ -8067,198 +8086,258 @@
               <a:t>	</a:t>
             </a:r>
             <a:r>
-              <a:rPr lang="es-MX" sz="2400" dirty="0" smtClean="0">
+              <a:rPr lang="es-MX" sz="2400" dirty="0">
                 <a:solidFill>
                   <a:schemeClr val="bg1">
                     <a:lumMod val="95000"/>
                   </a:schemeClr>
                 </a:solidFill>
+                <a:latin typeface="Gotham Rounded Medium" panose="02000000000000000000" pitchFamily="50" charset="0"/>
+                <a:ea typeface="Roboto" panose="02000000000000000000" pitchFamily="2" charset="0"/>
+              </a:rPr>
+              <a:t>[logo]:  </a:t>
+            </a:r>
+            <a:r>
+              <a:rPr lang="es-MX" sz="2400" dirty="0" err="1">
+                <a:solidFill>
+                  <a:schemeClr val="bg1">
+                    <a:lumMod val="95000"/>
+                  </a:schemeClr>
+                </a:solidFill>
+                <a:latin typeface="Gotham Rounded Medium" panose="02000000000000000000" pitchFamily="50" charset="0"/>
+                <a:ea typeface="Roboto" panose="02000000000000000000" pitchFamily="2" charset="0"/>
+              </a:rPr>
+              <a:t>url</a:t>
+            </a:r>
+            <a:r>
+              <a:rPr lang="es-MX" sz="2400" dirty="0">
+                <a:solidFill>
+                  <a:schemeClr val="bg1">
+                    <a:lumMod val="95000"/>
+                  </a:schemeClr>
+                </a:solidFill>
+                <a:latin typeface="Gotham Rounded Medium" panose="02000000000000000000" pitchFamily="50" charset="0"/>
+                <a:ea typeface="Roboto" panose="02000000000000000000" pitchFamily="2" charset="0"/>
+              </a:rPr>
+              <a:t> “</a:t>
+            </a:r>
+            <a:r>
+              <a:rPr lang="es-MX" sz="2400" dirty="0" err="1">
+                <a:solidFill>
+                  <a:schemeClr val="bg1">
+                    <a:lumMod val="95000"/>
+                  </a:schemeClr>
+                </a:solidFill>
+                <a:latin typeface="Gotham Rounded Medium" panose="02000000000000000000" pitchFamily="50" charset="0"/>
+                <a:ea typeface="Roboto" panose="02000000000000000000" pitchFamily="2" charset="0"/>
+              </a:rPr>
+              <a:t>alt</a:t>
+            </a:r>
+            <a:r>
+              <a:rPr lang="es-MX" sz="2400" dirty="0">
+                <a:solidFill>
+                  <a:schemeClr val="bg1">
+                    <a:lumMod val="95000"/>
+                  </a:schemeClr>
+                </a:solidFill>
+                <a:latin typeface="Gotham Rounded Medium" panose="02000000000000000000" pitchFamily="50" charset="0"/>
+                <a:ea typeface="Roboto" panose="02000000000000000000" pitchFamily="2" charset="0"/>
+              </a:rPr>
+              <a:t> </a:t>
+            </a:r>
+            <a:r>
+              <a:rPr lang="es-MX" sz="2400" dirty="0" err="1">
+                <a:solidFill>
+                  <a:schemeClr val="bg1">
+                    <a:lumMod val="95000"/>
+                  </a:schemeClr>
+                </a:solidFill>
+                <a:latin typeface="Gotham Rounded Medium" panose="02000000000000000000" pitchFamily="50" charset="0"/>
+                <a:ea typeface="Roboto" panose="02000000000000000000" pitchFamily="2" charset="0"/>
+              </a:rPr>
+              <a:t>text</a:t>
+            </a:r>
+            <a:r>
+              <a:rPr lang="es-MX" sz="2400" dirty="0">
+                <a:solidFill>
+                  <a:schemeClr val="bg1">
+                    <a:lumMod val="95000"/>
+                  </a:schemeClr>
+                </a:solidFill>
+                <a:latin typeface="Gotham Rounded Medium" panose="02000000000000000000" pitchFamily="50" charset="0"/>
+                <a:ea typeface="Roboto" panose="02000000000000000000" pitchFamily="2" charset="0"/>
+              </a:rPr>
+              <a:t>”</a:t>
+            </a:r>
+            <a:r>
+              <a:rPr lang="es-MX" sz="2400" dirty="0">
+                <a:solidFill>
+                  <a:schemeClr val="bg1">
+                    <a:lumMod val="95000"/>
+                  </a:schemeClr>
+                </a:solidFill>
                 <a:latin typeface="Roboto" panose="02000000000000000000" pitchFamily="2" charset="0"/>
                 <a:ea typeface="Roboto" panose="02000000000000000000" pitchFamily="2" charset="0"/>
               </a:rPr>
-              <a:t>[logo]:  </a:t>
-            </a:r>
-            <a:r>
-              <a:rPr lang="es-MX" sz="2400" dirty="0" err="1" smtClean="0">
+              <a:t>			</a:t>
+            </a:r>
+            <a:r>
+              <a:rPr lang="es-MX" sz="2400" dirty="0">
                 <a:solidFill>
                   <a:schemeClr val="bg1">
                     <a:lumMod val="95000"/>
                   </a:schemeClr>
                 </a:solidFill>
+                <a:latin typeface="Gotham Rounded Light" pitchFamily="50" charset="0"/>
+                <a:ea typeface="Roboto" panose="02000000000000000000" pitchFamily="2" charset="0"/>
+              </a:rPr>
+              <a:t>imagen por </a:t>
+            </a:r>
+            <a:r>
+              <a:rPr lang="es-MX" sz="2400" b="1" dirty="0">
+                <a:solidFill>
+                  <a:srgbClr val="F7B731"/>
+                </a:solidFill>
                 <a:latin typeface="Roboto" panose="02000000000000000000" pitchFamily="2" charset="0"/>
                 <a:ea typeface="Roboto" panose="02000000000000000000" pitchFamily="2" charset="0"/>
               </a:rPr>
-              <a:t>url</a:t>
-            </a:r>
-            <a:r>
-              <a:rPr lang="es-MX" sz="2400" dirty="0" smtClean="0">
-                <a:solidFill>
-                  <a:schemeClr val="bg1">
-                    <a:lumMod val="95000"/>
-                  </a:schemeClr>
-                </a:solidFill>
-                <a:latin typeface="Roboto" panose="02000000000000000000" pitchFamily="2" charset="0"/>
-                <a:ea typeface="Roboto" panose="02000000000000000000" pitchFamily="2" charset="0"/>
-              </a:rPr>
-              <a:t> “</a:t>
-            </a:r>
-            <a:r>
-              <a:rPr lang="es-MX" sz="2400" dirty="0" err="1" smtClean="0">
-                <a:solidFill>
-                  <a:schemeClr val="bg1">
-                    <a:lumMod val="95000"/>
-                  </a:schemeClr>
-                </a:solidFill>
-                <a:latin typeface="Roboto" panose="02000000000000000000" pitchFamily="2" charset="0"/>
-                <a:ea typeface="Roboto" panose="02000000000000000000" pitchFamily="2" charset="0"/>
-              </a:rPr>
-              <a:t>alt</a:t>
-            </a:r>
-            <a:r>
-              <a:rPr lang="es-MX" sz="2400" dirty="0" smtClean="0">
-                <a:solidFill>
-                  <a:schemeClr val="bg1">
-                    <a:lumMod val="95000"/>
-                  </a:schemeClr>
-                </a:solidFill>
-                <a:latin typeface="Roboto" panose="02000000000000000000" pitchFamily="2" charset="0"/>
-                <a:ea typeface="Roboto" panose="02000000000000000000" pitchFamily="2" charset="0"/>
-              </a:rPr>
-              <a:t> </a:t>
-            </a:r>
-            <a:r>
-              <a:rPr lang="es-MX" sz="2400" dirty="0" err="1" smtClean="0">
-                <a:solidFill>
-                  <a:schemeClr val="bg1">
-                    <a:lumMod val="95000"/>
-                  </a:schemeClr>
-                </a:solidFill>
-                <a:latin typeface="Roboto" panose="02000000000000000000" pitchFamily="2" charset="0"/>
-                <a:ea typeface="Roboto" panose="02000000000000000000" pitchFamily="2" charset="0"/>
-              </a:rPr>
-              <a:t>text</a:t>
-            </a:r>
-            <a:r>
-              <a:rPr lang="es-MX" sz="2400" dirty="0" smtClean="0">
-                <a:solidFill>
-                  <a:schemeClr val="bg1">
-                    <a:lumMod val="95000"/>
-                  </a:schemeClr>
-                </a:solidFill>
-                <a:latin typeface="Roboto" panose="02000000000000000000" pitchFamily="2" charset="0"/>
-                <a:ea typeface="Roboto" panose="02000000000000000000" pitchFamily="2" charset="0"/>
-              </a:rPr>
-              <a:t>”					</a:t>
-            </a:r>
-            <a:r>
-              <a:rPr lang="es-MX" sz="2400" b="1" dirty="0">
-                <a:solidFill>
-                  <a:srgbClr val="F7B731"/>
-                </a:solidFill>
-                <a:latin typeface="Roboto" panose="02000000000000000000" pitchFamily="2" charset="0"/>
-                <a:ea typeface="Roboto" panose="02000000000000000000" pitchFamily="2" charset="0"/>
-              </a:rPr>
-              <a:t>imagen por referencia</a:t>
+              <a:t>referencia</a:t>
             </a:r>
           </a:p>
         </p:txBody>
       </p:sp>
-      <p:sp>
-        <p:nvSpPr>
-          <p:cNvPr id="4" name="CuadroTexto 3"/>
-          <p:cNvSpPr txBox="1"/>
+      <p:grpSp>
+        <p:nvGrpSpPr>
+          <p:cNvPr id="6" name="Grupo 5">
+            <a:extLst>
+              <a:ext uri="{FF2B5EF4-FFF2-40B4-BE49-F238E27FC236}">
+                <a16:creationId xmlns:a16="http://schemas.microsoft.com/office/drawing/2014/main" id="{DCEF3137-B5BE-4F9F-9B4C-7FF7C01B1CE9}"/>
+              </a:ext>
+            </a:extLst>
+          </p:cNvPr>
+          <p:cNvGrpSpPr/>
           <p:nvPr/>
-        </p:nvSpPr>
-        <p:spPr>
-          <a:xfrm flipH="1">
-            <a:off x="9832916" y="5902510"/>
-            <a:ext cx="2359084" cy="553998"/>
+        </p:nvGrpSpPr>
+        <p:grpSpPr>
+          <a:xfrm>
+            <a:off x="9464414" y="6115870"/>
+            <a:ext cx="2712346" cy="704509"/>
+            <a:chOff x="9372974" y="5932990"/>
+            <a:chExt cx="2712346" cy="704509"/>
           </a:xfrm>
-          <a:prstGeom prst="rect">
-            <a:avLst/>
-          </a:prstGeom>
-          <a:noFill/>
-        </p:spPr>
-        <p:txBody>
-          <a:bodyPr wrap="square" rtlCol="0">
-            <a:spAutoFit/>
-          </a:bodyPr>
-          <a:lstStyle/>
-          <a:p>
-            <a:r>
-              <a:rPr lang="es-MX" sz="2400" dirty="0">
-                <a:solidFill>
-                  <a:schemeClr val="bg1">
-                    <a:lumMod val="95000"/>
-                  </a:schemeClr>
-                </a:solidFill>
-                <a:latin typeface="Roboto" panose="02000000000000000000" pitchFamily="2" charset="0"/>
-                <a:ea typeface="Roboto" panose="02000000000000000000" pitchFamily="2" charset="0"/>
-              </a:rPr>
-              <a:t>Extensión</a:t>
-            </a:r>
-            <a:r>
-              <a:rPr lang="es-MX" sz="3000" dirty="0" smtClean="0">
-                <a:solidFill>
-                  <a:schemeClr val="accent4">
-                    <a:lumMod val="60000"/>
-                    <a:lumOff val="40000"/>
-                  </a:schemeClr>
-                </a:solidFill>
-                <a:latin typeface="Roboto Medium" panose="02000000000000000000" pitchFamily="2" charset="0"/>
-                <a:ea typeface="Roboto Medium" panose="02000000000000000000" pitchFamily="2" charset="0"/>
-              </a:rPr>
-              <a:t> .md</a:t>
-            </a:r>
-            <a:endParaRPr lang="es-MX" sz="3000" dirty="0">
-              <a:solidFill>
-                <a:schemeClr val="accent4">
-                  <a:lumMod val="60000"/>
-                  <a:lumOff val="40000"/>
-                </a:schemeClr>
-              </a:solidFill>
-              <a:latin typeface="Roboto Medium" panose="02000000000000000000" pitchFamily="2" charset="0"/>
-              <a:ea typeface="Roboto Medium" panose="02000000000000000000" pitchFamily="2" charset="0"/>
-            </a:endParaRPr>
-          </a:p>
-        </p:txBody>
-      </p:sp>
-      <p:sp>
-        <p:nvSpPr>
-          <p:cNvPr id="5" name="Rectángulo 4"/>
-          <p:cNvSpPr/>
-          <p:nvPr/>
-        </p:nvSpPr>
-        <p:spPr>
-          <a:xfrm>
-            <a:off x="9176657" y="6304227"/>
-            <a:ext cx="2951449" cy="369332"/>
-          </a:xfrm>
-          <a:prstGeom prst="rect">
-            <a:avLst/>
-          </a:prstGeom>
-        </p:spPr>
-        <p:txBody>
-          <a:bodyPr wrap="none">
-            <a:spAutoFit/>
-          </a:bodyPr>
-          <a:lstStyle/>
-          <a:p>
-            <a:r>
-              <a:rPr lang="es-MX" dirty="0">
-                <a:solidFill>
-                  <a:schemeClr val="bg1">
-                    <a:lumMod val="95000"/>
-                  </a:schemeClr>
-                </a:solidFill>
-                <a:latin typeface="Roboto" panose="02000000000000000000" pitchFamily="2" charset="0"/>
-                <a:ea typeface="Roboto" panose="02000000000000000000" pitchFamily="2" charset="0"/>
-              </a:rPr>
-              <a:t>markdownlivepreview.com</a:t>
-            </a:r>
-          </a:p>
-        </p:txBody>
-      </p:sp>
+        </p:grpSpPr>
+        <p:sp>
+          <p:nvSpPr>
+            <p:cNvPr id="7" name="CuadroTexto 6">
+              <a:extLst>
+                <a:ext uri="{FF2B5EF4-FFF2-40B4-BE49-F238E27FC236}">
+                  <a16:creationId xmlns:a16="http://schemas.microsoft.com/office/drawing/2014/main" id="{E36EC116-E601-4571-AB75-3EDAB3BCBB82}"/>
+                </a:ext>
+              </a:extLst>
+            </p:cNvPr>
+            <p:cNvSpPr txBox="1"/>
+            <p:nvPr/>
+          </p:nvSpPr>
+          <p:spPr>
+            <a:xfrm flipH="1">
+              <a:off x="9612630" y="5932990"/>
+              <a:ext cx="2472690" cy="553998"/>
+            </a:xfrm>
+            <a:prstGeom prst="rect">
+              <a:avLst/>
+            </a:prstGeom>
+            <a:noFill/>
+          </p:spPr>
+          <p:txBody>
+            <a:bodyPr wrap="square" rtlCol="0">
+              <a:spAutoFit/>
+            </a:bodyPr>
+            <a:lstStyle/>
+            <a:p>
+              <a:r>
+                <a:rPr lang="es-MX" sz="2400" b="1" dirty="0">
+                  <a:solidFill>
+                    <a:schemeClr val="bg1">
+                      <a:lumMod val="95000"/>
+                    </a:schemeClr>
+                  </a:solidFill>
+                  <a:latin typeface="Gotham Rounded Book" pitchFamily="50" charset="0"/>
+                  <a:ea typeface="Roboto" panose="02000000000000000000" pitchFamily="2" charset="0"/>
+                </a:rPr>
+                <a:t>Extensión</a:t>
+              </a:r>
+              <a:r>
+                <a:rPr lang="es-MX" sz="3000" dirty="0">
+                  <a:solidFill>
+                    <a:schemeClr val="accent4">
+                      <a:lumMod val="60000"/>
+                      <a:lumOff val="40000"/>
+                    </a:schemeClr>
+                  </a:solidFill>
+                  <a:latin typeface="Roboto Medium" panose="02000000000000000000" pitchFamily="2" charset="0"/>
+                  <a:ea typeface="Roboto Medium" panose="02000000000000000000" pitchFamily="2" charset="0"/>
+                </a:rPr>
+                <a:t> </a:t>
+              </a:r>
+              <a:r>
+                <a:rPr lang="es-MX" sz="2500" b="1" dirty="0">
+                  <a:solidFill>
+                    <a:schemeClr val="accent4">
+                      <a:lumMod val="60000"/>
+                      <a:lumOff val="40000"/>
+                    </a:schemeClr>
+                  </a:solidFill>
+                  <a:latin typeface="Gotham Rounded Bold" pitchFamily="50" charset="0"/>
+                  <a:ea typeface="Roboto Medium" panose="02000000000000000000" pitchFamily="2" charset="0"/>
+                </a:rPr>
+                <a:t>.md</a:t>
+              </a:r>
+            </a:p>
+          </p:txBody>
+        </p:sp>
+        <p:sp>
+          <p:nvSpPr>
+            <p:cNvPr id="8" name="Rectángulo 7">
+              <a:extLst>
+                <a:ext uri="{FF2B5EF4-FFF2-40B4-BE49-F238E27FC236}">
+                  <a16:creationId xmlns:a16="http://schemas.microsoft.com/office/drawing/2014/main" id="{13AB5FBA-A0FA-43C1-93CE-5E331267DE4C}"/>
+                </a:ext>
+              </a:extLst>
+            </p:cNvPr>
+            <p:cNvSpPr/>
+            <p:nvPr/>
+          </p:nvSpPr>
+          <p:spPr>
+            <a:xfrm>
+              <a:off x="9372974" y="6314334"/>
+              <a:ext cx="2712346" cy="323165"/>
+            </a:xfrm>
+            <a:prstGeom prst="rect">
+              <a:avLst/>
+            </a:prstGeom>
+          </p:spPr>
+          <p:txBody>
+            <a:bodyPr wrap="none">
+              <a:spAutoFit/>
+            </a:bodyPr>
+            <a:lstStyle/>
+            <a:p>
+              <a:r>
+                <a:rPr lang="es-MX" sz="1500" dirty="0">
+                  <a:solidFill>
+                    <a:schemeClr val="bg1">
+                      <a:lumMod val="85000"/>
+                    </a:schemeClr>
+                  </a:solidFill>
+                  <a:latin typeface="Gotham Rounded Book" pitchFamily="50" charset="0"/>
+                  <a:ea typeface="Roboto" panose="02000000000000000000" pitchFamily="2" charset="0"/>
+                </a:rPr>
+                <a:t>markdownlivepreview.com</a:t>
+              </a:r>
+            </a:p>
+          </p:txBody>
+        </p:sp>
+      </p:grpSp>
     </p:spTree>
     <p:extLst>
       <p:ext uri="{BB962C8B-B14F-4D97-AF65-F5344CB8AC3E}">
@@ -8269,13 +8348,6 @@
   <p:clrMapOvr>
     <a:masterClrMapping/>
   </p:clrMapOvr>
-  <p:timing>
-    <p:tnLst>
-      <p:par>
-        <p:cTn id="1" dur="indefinite" restart="never" nodeType="tmRoot"/>
-      </p:par>
-    </p:tnLst>
-  </p:timing>
 </p:sld>
 </file>
 
@@ -8306,42 +8378,6 @@
       </p:grpSpPr>
       <p:sp>
         <p:nvSpPr>
-          <p:cNvPr id="2" name="CuadroTexto 1"/>
-          <p:cNvSpPr txBox="1"/>
-          <p:nvPr/>
-        </p:nvSpPr>
-        <p:spPr>
-          <a:xfrm>
-            <a:off x="481485" y="538431"/>
-            <a:ext cx="5366865" cy="707886"/>
-          </a:xfrm>
-          <a:prstGeom prst="rect">
-            <a:avLst/>
-          </a:prstGeom>
-          <a:noFill/>
-        </p:spPr>
-        <p:txBody>
-          <a:bodyPr wrap="square" rtlCol="0">
-            <a:spAutoFit/>
-          </a:bodyPr>
-          <a:lstStyle/>
-          <a:p>
-            <a:pPr algn="ctr"/>
-            <a:r>
-              <a:rPr lang="es-MX" sz="4000" dirty="0">
-                <a:solidFill>
-                  <a:schemeClr val="bg1"/>
-                </a:solidFill>
-                <a:latin typeface="Roboto Black" panose="02000000000000000000" pitchFamily="2" charset="0"/>
-                <a:ea typeface="Roboto Black" panose="02000000000000000000" pitchFamily="2" charset="0"/>
-              </a:rPr>
-              <a:t>Elementos principales</a:t>
-            </a:r>
-          </a:p>
-        </p:txBody>
-      </p:sp>
-      <p:sp>
-        <p:nvSpPr>
           <p:cNvPr id="3" name="CuadroTexto 2"/>
           <p:cNvSpPr txBox="1"/>
           <p:nvPr/>
@@ -8349,7 +8385,7 @@
         <p:spPr>
           <a:xfrm flipH="1">
             <a:off x="1064887" y="1543050"/>
-            <a:ext cx="9662252" cy="5038725"/>
+            <a:ext cx="8193413" cy="4142409"/>
           </a:xfrm>
           <a:prstGeom prst="rect">
             <a:avLst/>
@@ -8363,14 +8399,14 @@
           <a:lstStyle/>
           <a:p>
             <a:r>
-              <a:rPr lang="es-MX" sz="3000" dirty="0" err="1" smtClean="0">
+              <a:rPr lang="es-MX" sz="3000" dirty="0" err="1">
                 <a:solidFill>
                   <a:schemeClr val="accent4">
                     <a:lumMod val="60000"/>
                     <a:lumOff val="40000"/>
                   </a:schemeClr>
                 </a:solidFill>
-                <a:latin typeface="Roboto Medium" panose="02000000000000000000" pitchFamily="2" charset="0"/>
+                <a:latin typeface="Gotham Rounded Medium" panose="02000000000000000000" pitchFamily="50" charset="0"/>
                 <a:ea typeface="Roboto Medium" panose="02000000000000000000" pitchFamily="2" charset="0"/>
               </a:rPr>
               <a:t>Blockquotes</a:t>
@@ -8382,7 +8418,7 @@
                   <a:lumOff val="40000"/>
                 </a:schemeClr>
               </a:solidFill>
-              <a:latin typeface="Roboto Medium" panose="02000000000000000000" pitchFamily="2" charset="0"/>
+              <a:latin typeface="Gotham Rounded Medium" panose="02000000000000000000" pitchFamily="50" charset="0"/>
               <a:ea typeface="Roboto Medium" panose="02000000000000000000" pitchFamily="2" charset="0"/>
             </a:endParaRPr>
           </a:p>
@@ -8400,13 +8436,13 @@
               <a:t>	</a:t>
             </a:r>
             <a:r>
-              <a:rPr lang="es-MX" sz="2400" dirty="0" smtClean="0">
+              <a:rPr lang="es-MX" sz="2400" dirty="0">
                 <a:solidFill>
                   <a:schemeClr val="bg1">
                     <a:lumMod val="95000"/>
                   </a:schemeClr>
                 </a:solidFill>
-                <a:latin typeface="Roboto" panose="02000000000000000000" pitchFamily="2" charset="0"/>
+                <a:latin typeface="Gotham Rounded Medium" panose="02000000000000000000" pitchFamily="50" charset="0"/>
                 <a:ea typeface="Roboto" panose="02000000000000000000" pitchFamily="2" charset="0"/>
               </a:rPr>
               <a:t>&gt; Texto</a:t>
@@ -8432,13 +8468,15 @@
                     <a:lumOff val="40000"/>
                   </a:schemeClr>
                 </a:solidFill>
-                <a:latin typeface="Roboto Medium" panose="02000000000000000000" pitchFamily="2" charset="0"/>
+                <a:latin typeface="Gotham Rounded Medium" panose="02000000000000000000" pitchFamily="50" charset="0"/>
                 <a:ea typeface="Roboto Medium" panose="02000000000000000000" pitchFamily="2" charset="0"/>
               </a:rPr>
-              <a:t>Línea de </a:t>
-            </a:r>
-            <a:r>
-              <a:rPr lang="es-MX" sz="3000" dirty="0" smtClean="0">
+              <a:t>Línea de división</a:t>
+            </a:r>
+          </a:p>
+          <a:p>
+            <a:r>
+              <a:rPr lang="es-MX" sz="3000" dirty="0">
                 <a:solidFill>
                   <a:schemeClr val="accent4">
                     <a:lumMod val="60000"/>
@@ -8448,8 +8486,55 @@
                 <a:latin typeface="Roboto Medium" panose="02000000000000000000" pitchFamily="2" charset="0"/>
                 <a:ea typeface="Roboto Medium" panose="02000000000000000000" pitchFamily="2" charset="0"/>
               </a:rPr>
-              <a:t>división</a:t>
-            </a:r>
+              <a:t>	</a:t>
+            </a:r>
+            <a:r>
+              <a:rPr lang="es-MX" sz="2400" dirty="0">
+                <a:solidFill>
+                  <a:schemeClr val="bg1">
+                    <a:lumMod val="95000"/>
+                  </a:schemeClr>
+                </a:solidFill>
+                <a:latin typeface="Gotham Rounded Medium" panose="02000000000000000000" pitchFamily="50" charset="0"/>
+                <a:ea typeface="Roboto" panose="02000000000000000000" pitchFamily="2" charset="0"/>
+              </a:rPr>
+              <a:t>---	ó    ***    ó ___</a:t>
+            </a:r>
+            <a:r>
+              <a:rPr lang="es-MX" sz="2400" dirty="0">
+                <a:solidFill>
+                  <a:schemeClr val="bg1">
+                    <a:lumMod val="95000"/>
+                  </a:schemeClr>
+                </a:solidFill>
+                <a:latin typeface="Roboto" panose="02000000000000000000" pitchFamily="2" charset="0"/>
+                <a:ea typeface="Roboto" panose="02000000000000000000" pitchFamily="2" charset="0"/>
+              </a:rPr>
+              <a:t>			</a:t>
+            </a:r>
+            <a:r>
+              <a:rPr lang="es-MX" sz="2400" dirty="0">
+                <a:solidFill>
+                  <a:schemeClr val="bg1">
+                    <a:lumMod val="95000"/>
+                  </a:schemeClr>
+                </a:solidFill>
+                <a:latin typeface="Gotham Rounded Light" pitchFamily="50" charset="0"/>
+                <a:ea typeface="Roboto" panose="02000000000000000000" pitchFamily="2" charset="0"/>
+              </a:rPr>
+              <a:t>tres o más</a:t>
+            </a:r>
+          </a:p>
+          <a:p>
+            <a:endParaRPr lang="es-MX" sz="2400" dirty="0">
+              <a:solidFill>
+                <a:schemeClr val="bg1">
+                  <a:lumMod val="95000"/>
+                </a:schemeClr>
+              </a:solidFill>
+              <a:latin typeface="Gotham Rounded Light" pitchFamily="50" charset="0"/>
+              <a:ea typeface="Roboto" panose="02000000000000000000" pitchFamily="2" charset="0"/>
+            </a:endParaRPr>
           </a:p>
           <a:p>
             <a:r>
@@ -8460,88 +8545,7 @@
                     <a:lumOff val="40000"/>
                   </a:schemeClr>
                 </a:solidFill>
-                <a:latin typeface="Roboto Medium" panose="02000000000000000000" pitchFamily="2" charset="0"/>
-                <a:ea typeface="Roboto Medium" panose="02000000000000000000" pitchFamily="2" charset="0"/>
-              </a:rPr>
-              <a:t>	</a:t>
-            </a:r>
-            <a:r>
-              <a:rPr lang="es-MX" sz="2400" dirty="0">
-                <a:solidFill>
-                  <a:schemeClr val="bg1">
-                    <a:lumMod val="95000"/>
-                  </a:schemeClr>
-                </a:solidFill>
-                <a:latin typeface="Roboto" panose="02000000000000000000" pitchFamily="2" charset="0"/>
-                <a:ea typeface="Roboto" panose="02000000000000000000" pitchFamily="2" charset="0"/>
-              </a:rPr>
-              <a:t>---	ó *** ó </a:t>
-            </a:r>
-            <a:r>
-              <a:rPr lang="es-MX" sz="2400" dirty="0" smtClean="0">
-                <a:solidFill>
-                  <a:schemeClr val="bg1">
-                    <a:lumMod val="95000"/>
-                  </a:schemeClr>
-                </a:solidFill>
-                <a:latin typeface="Roboto" panose="02000000000000000000" pitchFamily="2" charset="0"/>
-                <a:ea typeface="Roboto" panose="02000000000000000000" pitchFamily="2" charset="0"/>
-              </a:rPr>
-              <a:t>___					</a:t>
-            </a:r>
-            <a:r>
-              <a:rPr lang="es-MX" sz="2400" b="1" dirty="0" smtClean="0">
-                <a:solidFill>
-                  <a:srgbClr val="F7B731"/>
-                </a:solidFill>
-                <a:latin typeface="Roboto" panose="02000000000000000000" pitchFamily="2" charset="0"/>
-                <a:ea typeface="Roboto" panose="02000000000000000000" pitchFamily="2" charset="0"/>
-              </a:rPr>
-              <a:t>tres </a:t>
-            </a:r>
-            <a:r>
-              <a:rPr lang="es-MX" sz="2400" b="1" dirty="0">
-                <a:solidFill>
-                  <a:srgbClr val="F7B731"/>
-                </a:solidFill>
-                <a:latin typeface="Roboto" panose="02000000000000000000" pitchFamily="2" charset="0"/>
-                <a:ea typeface="Roboto" panose="02000000000000000000" pitchFamily="2" charset="0"/>
-              </a:rPr>
-              <a:t>o </a:t>
-            </a:r>
-            <a:r>
-              <a:rPr lang="es-MX" sz="2400" b="1" dirty="0" smtClean="0">
-                <a:solidFill>
-                  <a:srgbClr val="F7B731"/>
-                </a:solidFill>
-                <a:latin typeface="Roboto" panose="02000000000000000000" pitchFamily="2" charset="0"/>
-                <a:ea typeface="Roboto" panose="02000000000000000000" pitchFamily="2" charset="0"/>
-              </a:rPr>
-              <a:t>más</a:t>
-            </a:r>
-          </a:p>
-          <a:p>
-            <a:endParaRPr lang="es-MX" sz="2400" dirty="0">
-              <a:solidFill>
-                <a:schemeClr val="accent6">
-                  <a:lumMod val="40000"/>
-                  <a:lumOff val="60000"/>
-                </a:schemeClr>
-              </a:solidFill>
-              <a:latin typeface="Roboto" panose="02000000000000000000" pitchFamily="2" charset="0"/>
-              <a:ea typeface="Roboto" panose="02000000000000000000" pitchFamily="2" charset="0"/>
-            </a:endParaRPr>
-          </a:p>
-          <a:p>
-            <a:r>
-              <a:rPr lang="es-MX" sz="2400" dirty="0" smtClean="0">
-                <a:solidFill>
-                  <a:schemeClr val="accent4">
-                    <a:lumMod val="60000"/>
-                    <a:lumOff val="40000"/>
-                  </a:schemeClr>
-                </a:solidFill>
-                <a:latin typeface="Roboto Medium" panose="02000000000000000000" pitchFamily="2" charset="0"/>
+                <a:latin typeface="Gotham Rounded Medium" panose="02000000000000000000" pitchFamily="50" charset="0"/>
                 <a:ea typeface="Roboto Medium" panose="02000000000000000000" pitchFamily="2" charset="0"/>
               </a:rPr>
               <a:t>Tabla</a:t>
@@ -8568,7 +8572,7 @@
                     <a:lumMod val="95000"/>
                   </a:schemeClr>
                 </a:solidFill>
-                <a:latin typeface="Roboto" panose="02000000000000000000" pitchFamily="2" charset="0"/>
+                <a:latin typeface="Gotham Rounded Medium" panose="02000000000000000000" pitchFamily="50" charset="0"/>
                 <a:ea typeface="Roboto" panose="02000000000000000000" pitchFamily="2" charset="0"/>
               </a:rPr>
               <a:t>Primer columna | Segunda columna</a:t>
@@ -8582,7 +8586,7 @@
                     <a:lumMod val="95000"/>
                   </a:schemeClr>
                 </a:solidFill>
-                <a:latin typeface="Roboto" panose="02000000000000000000" pitchFamily="2" charset="0"/>
+                <a:latin typeface="Gotham Rounded Medium" panose="02000000000000000000" pitchFamily="50" charset="0"/>
                 <a:ea typeface="Roboto" panose="02000000000000000000" pitchFamily="2" charset="0"/>
               </a:rPr>
               <a:t>	--- | ---</a:t>
@@ -8596,7 +8600,7 @@
                     <a:lumMod val="95000"/>
                   </a:schemeClr>
                 </a:solidFill>
-                <a:latin typeface="Roboto" panose="02000000000000000000" pitchFamily="2" charset="0"/>
+                <a:latin typeface="Gotham Rounded Medium" panose="02000000000000000000" pitchFamily="50" charset="0"/>
                 <a:ea typeface="Roboto" panose="02000000000000000000" pitchFamily="2" charset="0"/>
               </a:rPr>
               <a:t>	fila1 | fila</a:t>
@@ -8604,102 +8608,138 @@
           </a:p>
         </p:txBody>
       </p:sp>
-      <p:sp>
-        <p:nvSpPr>
-          <p:cNvPr id="5" name="CuadroTexto 4"/>
-          <p:cNvSpPr txBox="1"/>
+      <p:grpSp>
+        <p:nvGrpSpPr>
+          <p:cNvPr id="7" name="Grupo 6">
+            <a:extLst>
+              <a:ext uri="{FF2B5EF4-FFF2-40B4-BE49-F238E27FC236}">
+                <a16:creationId xmlns:a16="http://schemas.microsoft.com/office/drawing/2014/main" id="{794A455F-3B90-4227-9556-DA23DBC1803A}"/>
+              </a:ext>
+            </a:extLst>
+          </p:cNvPr>
+          <p:cNvGrpSpPr/>
           <p:nvPr/>
-        </p:nvSpPr>
-        <p:spPr>
-          <a:xfrm flipH="1">
-            <a:off x="9832916" y="5902510"/>
-            <a:ext cx="2359084" cy="553998"/>
+        </p:nvGrpSpPr>
+        <p:grpSpPr>
+          <a:xfrm>
+            <a:off x="9464414" y="6115870"/>
+            <a:ext cx="2712346" cy="704509"/>
+            <a:chOff x="9372974" y="5932990"/>
+            <a:chExt cx="2712346" cy="704509"/>
           </a:xfrm>
-          <a:prstGeom prst="rect">
-            <a:avLst/>
-          </a:prstGeom>
-          <a:noFill/>
-        </p:spPr>
-        <p:txBody>
-          <a:bodyPr wrap="square" rtlCol="0">
-            <a:spAutoFit/>
-          </a:bodyPr>
-          <a:lstStyle/>
-          <a:p>
-            <a:r>
-              <a:rPr lang="es-MX" sz="2400" dirty="0">
-                <a:solidFill>
-                  <a:schemeClr val="bg1">
-                    <a:lumMod val="95000"/>
-                  </a:schemeClr>
-                </a:solidFill>
-                <a:latin typeface="Roboto" panose="02000000000000000000" pitchFamily="2" charset="0"/>
-                <a:ea typeface="Roboto" panose="02000000000000000000" pitchFamily="2" charset="0"/>
-              </a:rPr>
-              <a:t>Extensión</a:t>
-            </a:r>
-            <a:r>
-              <a:rPr lang="es-MX" sz="3000" dirty="0" smtClean="0">
-                <a:solidFill>
-                  <a:schemeClr val="accent4">
-                    <a:lumMod val="60000"/>
-                    <a:lumOff val="40000"/>
-                  </a:schemeClr>
-                </a:solidFill>
-                <a:latin typeface="Roboto Medium" panose="02000000000000000000" pitchFamily="2" charset="0"/>
-                <a:ea typeface="Roboto Medium" panose="02000000000000000000" pitchFamily="2" charset="0"/>
-              </a:rPr>
-              <a:t> .md</a:t>
-            </a:r>
-            <a:endParaRPr lang="es-MX" sz="3000" dirty="0">
-              <a:solidFill>
-                <a:schemeClr val="accent4">
-                  <a:lumMod val="60000"/>
-                  <a:lumOff val="40000"/>
-                </a:schemeClr>
-              </a:solidFill>
-              <a:latin typeface="Roboto Medium" panose="02000000000000000000" pitchFamily="2" charset="0"/>
-              <a:ea typeface="Roboto Medium" panose="02000000000000000000" pitchFamily="2" charset="0"/>
-            </a:endParaRPr>
-          </a:p>
-        </p:txBody>
-      </p:sp>
-      <p:sp>
-        <p:nvSpPr>
-          <p:cNvPr id="6" name="Rectángulo 5"/>
-          <p:cNvSpPr/>
-          <p:nvPr/>
-        </p:nvSpPr>
-        <p:spPr>
-          <a:xfrm>
-            <a:off x="9176657" y="6304227"/>
-            <a:ext cx="2951449" cy="369332"/>
-          </a:xfrm>
-          <a:prstGeom prst="rect">
-            <a:avLst/>
-          </a:prstGeom>
-        </p:spPr>
-        <p:txBody>
-          <a:bodyPr wrap="none">
-            <a:spAutoFit/>
-          </a:bodyPr>
-          <a:lstStyle/>
-          <a:p>
-            <a:r>
-              <a:rPr lang="es-MX" dirty="0">
-                <a:solidFill>
-                  <a:schemeClr val="bg1">
-                    <a:lumMod val="95000"/>
-                  </a:schemeClr>
-                </a:solidFill>
-                <a:latin typeface="Roboto" panose="02000000000000000000" pitchFamily="2" charset="0"/>
-                <a:ea typeface="Roboto" panose="02000000000000000000" pitchFamily="2" charset="0"/>
-              </a:rPr>
-              <a:t>markdownlivepreview.com</a:t>
-            </a:r>
-          </a:p>
-        </p:txBody>
-      </p:sp>
+        </p:grpSpPr>
+        <p:sp>
+          <p:nvSpPr>
+            <p:cNvPr id="8" name="CuadroTexto 7">
+              <a:extLst>
+                <a:ext uri="{FF2B5EF4-FFF2-40B4-BE49-F238E27FC236}">
+                  <a16:creationId xmlns:a16="http://schemas.microsoft.com/office/drawing/2014/main" id="{BB3EFCE7-1685-49A4-B69D-0EFA2B3412BC}"/>
+                </a:ext>
+              </a:extLst>
+            </p:cNvPr>
+            <p:cNvSpPr txBox="1"/>
+            <p:nvPr/>
+          </p:nvSpPr>
+          <p:spPr>
+            <a:xfrm flipH="1">
+              <a:off x="9612630" y="5932990"/>
+              <a:ext cx="2472690" cy="553998"/>
+            </a:xfrm>
+            <a:prstGeom prst="rect">
+              <a:avLst/>
+            </a:prstGeom>
+            <a:noFill/>
+          </p:spPr>
+          <p:txBody>
+            <a:bodyPr wrap="square" rtlCol="0">
+              <a:spAutoFit/>
+            </a:bodyPr>
+            <a:lstStyle/>
+            <a:p>
+              <a:r>
+                <a:rPr lang="es-MX" sz="2400" b="1" dirty="0">
+                  <a:solidFill>
+                    <a:schemeClr val="bg1">
+                      <a:lumMod val="95000"/>
+                    </a:schemeClr>
+                  </a:solidFill>
+                  <a:latin typeface="Gotham Rounded Book" pitchFamily="50" charset="0"/>
+                  <a:ea typeface="Roboto" panose="02000000000000000000" pitchFamily="2" charset="0"/>
+                </a:rPr>
+                <a:t>Extensión</a:t>
+              </a:r>
+              <a:r>
+                <a:rPr lang="es-MX" sz="3000" dirty="0">
+                  <a:solidFill>
+                    <a:schemeClr val="accent4">
+                      <a:lumMod val="60000"/>
+                      <a:lumOff val="40000"/>
+                    </a:schemeClr>
+                  </a:solidFill>
+                  <a:latin typeface="Roboto Medium" panose="02000000000000000000" pitchFamily="2" charset="0"/>
+                  <a:ea typeface="Roboto Medium" panose="02000000000000000000" pitchFamily="2" charset="0"/>
+                </a:rPr>
+                <a:t> </a:t>
+              </a:r>
+              <a:r>
+                <a:rPr lang="es-MX" sz="2500" b="1" dirty="0">
+                  <a:solidFill>
+                    <a:schemeClr val="accent4">
+                      <a:lumMod val="60000"/>
+                      <a:lumOff val="40000"/>
+                    </a:schemeClr>
+                  </a:solidFill>
+                  <a:latin typeface="Gotham Rounded Bold" pitchFamily="50" charset="0"/>
+                  <a:ea typeface="Roboto Medium" panose="02000000000000000000" pitchFamily="2" charset="0"/>
+                </a:rPr>
+                <a:t>.md</a:t>
+              </a:r>
+            </a:p>
+          </p:txBody>
+        </p:sp>
+        <p:sp>
+          <p:nvSpPr>
+            <p:cNvPr id="9" name="Rectángulo 8">
+              <a:extLst>
+                <a:ext uri="{FF2B5EF4-FFF2-40B4-BE49-F238E27FC236}">
+                  <a16:creationId xmlns:a16="http://schemas.microsoft.com/office/drawing/2014/main" id="{7788689E-13E1-4A10-8B20-79C9FDCEC10F}"/>
+                </a:ext>
+              </a:extLst>
+            </p:cNvPr>
+            <p:cNvSpPr/>
+            <p:nvPr/>
+          </p:nvSpPr>
+          <p:spPr>
+            <a:xfrm>
+              <a:off x="9372974" y="6314334"/>
+              <a:ext cx="2712346" cy="323165"/>
+            </a:xfrm>
+            <a:prstGeom prst="rect">
+              <a:avLst/>
+            </a:prstGeom>
+          </p:spPr>
+          <p:txBody>
+            <a:bodyPr wrap="none">
+              <a:spAutoFit/>
+            </a:bodyPr>
+            <a:lstStyle/>
+            <a:p>
+              <a:r>
+                <a:rPr lang="es-MX" sz="1500" dirty="0">
+                  <a:solidFill>
+                    <a:schemeClr val="bg1">
+                      <a:lumMod val="85000"/>
+                    </a:schemeClr>
+                  </a:solidFill>
+                  <a:latin typeface="Gotham Rounded Book" pitchFamily="50" charset="0"/>
+                  <a:ea typeface="Roboto" panose="02000000000000000000" pitchFamily="2" charset="0"/>
+                </a:rPr>
+                <a:t>markdownlivepreview.com</a:t>
+              </a:r>
+            </a:p>
+          </p:txBody>
+        </p:sp>
+      </p:grpSp>
     </p:spTree>
     <p:extLst>
       <p:ext uri="{BB962C8B-B14F-4D97-AF65-F5344CB8AC3E}">
@@ -8710,13 +8750,6 @@
   <p:clrMapOvr>
     <a:masterClrMapping/>
   </p:clrMapOvr>
-  <p:timing>
-    <p:tnLst>
-      <p:par>
-        <p:cTn id="1" dur="indefinite" restart="never" nodeType="tmRoot"/>
-      </p:par>
-    </p:tnLst>
-  </p:timing>
 </p:sld>
 </file>
 
@@ -8761,7 +8794,17 @@
           <a:p>
             <a:pPr algn="ctr"/>
             <a:r>
-              <a:rPr lang="es-MX" sz="8000" b="1" dirty="0" err="1" smtClean="0">
+              <a:rPr lang="es-MX" sz="8000" dirty="0">
+                <a:solidFill>
+                  <a:srgbClr val="D61E3C"/>
+                </a:solidFill>
+                <a:latin typeface="Gotham Rounded Medium" panose="02000000000000000000" pitchFamily="50" charset="0"/>
+                <a:ea typeface="Roboto" panose="02000000000000000000" pitchFamily="2" charset="0"/>
+              </a:rPr>
+              <a:t>Git &amp; GitHub</a:t>
+            </a:r>
+            <a:br>
+              <a:rPr lang="es-MX" sz="8000" dirty="0">
                 <a:solidFill>
                   <a:srgbClr val="B71540"/>
                 </a:solidFill>
@@ -8769,56 +8812,27 @@
                 <a:ea typeface="Open Sans" panose="020B0606030504020204" pitchFamily="34" charset="0"/>
                 <a:cs typeface="Open Sans" panose="020B0606030504020204" pitchFamily="34" charset="0"/>
               </a:rPr>
-              <a:t>Git</a:t>
-            </a:r>
-            <a:r>
-              <a:rPr lang="es-MX" sz="8000" b="1" dirty="0" smtClean="0">
-                <a:solidFill>
-                  <a:srgbClr val="B71540"/>
-                </a:solidFill>
-                <a:latin typeface="Open Sans" panose="020B0606030504020204" pitchFamily="34" charset="0"/>
+            </a:br>
+            <a:r>
+              <a:rPr lang="es-MX" sz="2500" b="1" dirty="0" err="1">
+                <a:solidFill>
+                  <a:schemeClr val="bg1">
+                    <a:lumMod val="65000"/>
+                  </a:schemeClr>
+                </a:solidFill>
+                <a:latin typeface="Gotham Rounded Book" pitchFamily="50" charset="0"/>
                 <a:ea typeface="Open Sans" panose="020B0606030504020204" pitchFamily="34" charset="0"/>
                 <a:cs typeface="Open Sans" panose="020B0606030504020204" pitchFamily="34" charset="0"/>
               </a:rPr>
-              <a:t> &amp; GitHub</a:t>
-            </a:r>
-            <a:r>
-              <a:rPr lang="es-MX" sz="8000" dirty="0">
-                <a:solidFill>
-                  <a:srgbClr val="B71540"/>
-                </a:solidFill>
-                <a:latin typeface="Open Sans" panose="020B0606030504020204" pitchFamily="34" charset="0"/>
-                <a:ea typeface="Open Sans" panose="020B0606030504020204" pitchFamily="34" charset="0"/>
-                <a:cs typeface="Open Sans" panose="020B0606030504020204" pitchFamily="34" charset="0"/>
-              </a:rPr>
-              <a:t/>
-            </a:r>
-            <a:br>
-              <a:rPr lang="es-MX" sz="8000" dirty="0">
-                <a:solidFill>
-                  <a:srgbClr val="B71540"/>
-                </a:solidFill>
-                <a:latin typeface="Open Sans" panose="020B0606030504020204" pitchFamily="34" charset="0"/>
-                <a:ea typeface="Open Sans" panose="020B0606030504020204" pitchFamily="34" charset="0"/>
-                <a:cs typeface="Open Sans" panose="020B0606030504020204" pitchFamily="34" charset="0"/>
-              </a:rPr>
-            </a:br>
-            <a:r>
-              <a:rPr lang="es-MX" sz="2500" b="1" dirty="0" smtClean="0">
-                <a:solidFill>
-                  <a:srgbClr val="B71540"/>
-                </a:solidFill>
-                <a:latin typeface="Open Sans" panose="020B0606030504020204" pitchFamily="34" charset="0"/>
-                <a:ea typeface="Open Sans" panose="020B0606030504020204" pitchFamily="34" charset="0"/>
-                <a:cs typeface="Open Sans" panose="020B0606030504020204" pitchFamily="34" charset="0"/>
-              </a:rPr>
-              <a:t>Fundamentals</a:t>
+              <a:t>fundamentals</a:t>
             </a:r>
             <a:endParaRPr lang="es-MX" sz="2500" b="1" dirty="0">
               <a:solidFill>
-                <a:srgbClr val="B71540"/>
+                <a:schemeClr val="bg1">
+                  <a:lumMod val="65000"/>
+                </a:schemeClr>
               </a:solidFill>
-              <a:latin typeface="Open Sans" panose="020B0606030504020204" pitchFamily="34" charset="0"/>
+              <a:latin typeface="Gotham Rounded Book" pitchFamily="50" charset="0"/>
               <a:ea typeface="Open Sans" panose="020B0606030504020204" pitchFamily="34" charset="0"/>
               <a:cs typeface="Open Sans" panose="020B0606030504020204" pitchFamily="34" charset="0"/>
             </a:endParaRPr>
@@ -8904,13 +8918,6 @@
   <p:clrMapOvr>
     <a:masterClrMapping/>
   </p:clrMapOvr>
-  <p:timing>
-    <p:tnLst>
-      <p:par>
-        <p:cTn id="1" dur="indefinite" restart="never" nodeType="tmRoot"/>
-      </p:par>
-    </p:tnLst>
-  </p:timing>
 </p:sld>
 </file>
 
@@ -8931,99 +8938,103 @@
           <a:chExt cx="0" cy="0"/>
         </a:xfrm>
       </p:grpSpPr>
-      <p:pic>
-        <p:nvPicPr>
-          <p:cNvPr id="3074" name="Picture 2" descr="Resultado de imagen para github student pack"/>
-          <p:cNvPicPr>
-            <a:picLocks noChangeAspect="1" noChangeArrowheads="1"/>
-          </p:cNvPicPr>
-          <p:nvPr/>
-        </p:nvPicPr>
-        <p:blipFill>
-          <a:blip r:embed="rId2">
+      <p:grpSp>
+        <p:nvGrpSpPr>
+          <p:cNvPr id="3" name="Grupo 2">
             <a:extLst>
-              <a:ext uri="{28A0092B-C50C-407E-A947-70E740481C1C}">
-                <a14:useLocalDpi xmlns:a14="http://schemas.microsoft.com/office/drawing/2010/main" val="0"/>
+              <a:ext uri="{FF2B5EF4-FFF2-40B4-BE49-F238E27FC236}">
+                <a16:creationId xmlns:a16="http://schemas.microsoft.com/office/drawing/2014/main" id="{E104568C-00B5-4C34-B77B-7BD8EDE96A23}"/>
               </a:ext>
             </a:extLst>
-          </a:blip>
-          <a:srcRect/>
-          <a:stretch>
-            <a:fillRect/>
-          </a:stretch>
-        </p:blipFill>
-        <p:spPr bwMode="auto">
+          </p:cNvPr>
+          <p:cNvGrpSpPr/>
+          <p:nvPr/>
+        </p:nvGrpSpPr>
+        <p:grpSpPr>
           <a:xfrm>
-            <a:off x="4607768" y="1714229"/>
-            <a:ext cx="2976465" cy="3429543"/>
+            <a:off x="4167908" y="1932139"/>
+            <a:ext cx="3856184" cy="2993722"/>
+            <a:chOff x="4167907" y="2132194"/>
+            <a:chExt cx="3856184" cy="2993722"/>
           </a:xfrm>
-          <a:prstGeom prst="rect">
-            <a:avLst/>
-          </a:prstGeom>
-          <a:noFill/>
-          <a:extLst>
-            <a:ext uri="{909E8E84-426E-40DD-AFC4-6F175D3DCCD1}">
-              <a14:hiddenFill xmlns:a14="http://schemas.microsoft.com/office/drawing/2010/main">
-                <a:solidFill>
-                  <a:srgbClr val="FFFFFF"/>
-                </a:solidFill>
-              </a14:hiddenFill>
-            </a:ext>
-          </a:extLst>
-        </p:spPr>
-      </p:pic>
-      <p:sp>
-        <p:nvSpPr>
-          <p:cNvPr id="2" name="CuadroTexto 1"/>
-          <p:cNvSpPr txBox="1"/>
-          <p:nvPr/>
-        </p:nvSpPr>
-        <p:spPr>
-          <a:xfrm>
-            <a:off x="4408679" y="5143772"/>
-            <a:ext cx="3374642" cy="400110"/>
-          </a:xfrm>
-          <a:prstGeom prst="rect">
-            <a:avLst/>
-          </a:prstGeom>
-          <a:noFill/>
-        </p:spPr>
-        <p:txBody>
-          <a:bodyPr wrap="none" rtlCol="0">
-            <a:spAutoFit/>
-          </a:bodyPr>
-          <a:lstStyle/>
-          <a:p>
-            <a:r>
-              <a:rPr lang="es-MX" sz="2000" dirty="0">
-                <a:solidFill>
-                  <a:srgbClr val="FDB02F"/>
-                </a:solidFill>
-                <a:latin typeface="Roboto" panose="02000000000000000000" pitchFamily="2" charset="0"/>
-                <a:ea typeface="Roboto" panose="02000000000000000000" pitchFamily="2" charset="0"/>
-              </a:rPr>
-              <a:t>e</a:t>
-            </a:r>
-            <a:r>
-              <a:rPr lang="es-MX" sz="2000" dirty="0" smtClean="0">
-                <a:solidFill>
-                  <a:srgbClr val="FDB02F"/>
-                </a:solidFill>
-                <a:latin typeface="Roboto" panose="02000000000000000000" pitchFamily="2" charset="0"/>
-                <a:ea typeface="Roboto" panose="02000000000000000000" pitchFamily="2" charset="0"/>
-              </a:rPr>
-              <a:t>ducation.github.com/pack</a:t>
-            </a:r>
-            <a:endParaRPr lang="es-MX" sz="2000" dirty="0">
-              <a:solidFill>
-                <a:srgbClr val="FDB02F"/>
-              </a:solidFill>
-              <a:latin typeface="Roboto" panose="02000000000000000000" pitchFamily="2" charset="0"/>
-              <a:ea typeface="Roboto" panose="02000000000000000000" pitchFamily="2" charset="0"/>
-            </a:endParaRPr>
-          </a:p>
-        </p:txBody>
-      </p:sp>
+        </p:grpSpPr>
+        <p:pic>
+          <p:nvPicPr>
+            <p:cNvPr id="3074" name="Picture 2" descr="Resultado de imagen para github student pack"/>
+            <p:cNvPicPr>
+              <a:picLocks noChangeAspect="1" noChangeArrowheads="1"/>
+            </p:cNvPicPr>
+            <p:nvPr/>
+          </p:nvPicPr>
+          <p:blipFill>
+            <a:blip r:embed="rId2">
+              <a:extLst>
+                <a:ext uri="{28A0092B-C50C-407E-A947-70E740481C1C}">
+                  <a14:useLocalDpi xmlns:a14="http://schemas.microsoft.com/office/drawing/2010/main" val="0"/>
+                </a:ext>
+              </a:extLst>
+            </a:blip>
+            <a:srcRect/>
+            <a:stretch>
+              <a:fillRect/>
+            </a:stretch>
+          </p:blipFill>
+          <p:spPr bwMode="auto">
+            <a:xfrm>
+              <a:off x="4970514" y="2132194"/>
+              <a:ext cx="2250969" cy="2593612"/>
+            </a:xfrm>
+            <a:prstGeom prst="rect">
+              <a:avLst/>
+            </a:prstGeom>
+            <a:noFill/>
+            <a:extLst>
+              <a:ext uri="{909E8E84-426E-40DD-AFC4-6F175D3DCCD1}">
+                <a14:hiddenFill xmlns:a14="http://schemas.microsoft.com/office/drawing/2010/main">
+                  <a:solidFill>
+                    <a:srgbClr val="FFFFFF"/>
+                  </a:solidFill>
+                </a14:hiddenFill>
+              </a:ext>
+            </a:extLst>
+          </p:spPr>
+        </p:pic>
+        <p:sp>
+          <p:nvSpPr>
+            <p:cNvPr id="2" name="CuadroTexto 1"/>
+            <p:cNvSpPr txBox="1"/>
+            <p:nvPr/>
+          </p:nvSpPr>
+          <p:spPr>
+            <a:xfrm>
+              <a:off x="4167907" y="4725806"/>
+              <a:ext cx="3856184" cy="400110"/>
+            </a:xfrm>
+            <a:prstGeom prst="rect">
+              <a:avLst/>
+            </a:prstGeom>
+            <a:noFill/>
+          </p:spPr>
+          <p:txBody>
+            <a:bodyPr wrap="none" rtlCol="0">
+              <a:spAutoFit/>
+            </a:bodyPr>
+            <a:lstStyle/>
+            <a:p>
+              <a:r>
+                <a:rPr lang="es-MX" sz="2000" b="1" dirty="0">
+                  <a:solidFill>
+                    <a:srgbClr val="FDB02F"/>
+                  </a:solidFill>
+                  <a:latin typeface="Gotham Rounded Book" pitchFamily="50" charset="0"/>
+                  <a:ea typeface="Roboto" panose="02000000000000000000" pitchFamily="2" charset="0"/>
+                </a:rPr>
+                <a:t>education.github.com/pack</a:t>
+              </a:r>
+            </a:p>
+          </p:txBody>
+        </p:sp>
+      </p:grpSp>
     </p:spTree>
     <p:extLst>
       <p:ext uri="{BB962C8B-B14F-4D97-AF65-F5344CB8AC3E}">
@@ -9034,17 +9045,143 @@
   <p:clrMapOvr>
     <a:masterClrMapping/>
   </p:clrMapOvr>
-  <p:timing>
-    <p:tnLst>
-      <p:par>
-        <p:cTn id="1" dur="indefinite" restart="never" nodeType="tmRoot"/>
-      </p:par>
-    </p:tnLst>
-  </p:timing>
 </p:sld>
 </file>
 
 <file path=ppt/slides/slide21.xml><?xml version="1.0" encoding="utf-8"?>
+<p:sld xmlns:a="http://schemas.openxmlformats.org/drawingml/2006/main" xmlns:r="http://schemas.openxmlformats.org/officeDocument/2006/relationships" xmlns:p="http://schemas.openxmlformats.org/presentationml/2006/main">
+  <p:cSld>
+    <p:spTree>
+      <p:nvGrpSpPr>
+        <p:cNvPr id="1" name=""/>
+        <p:cNvGrpSpPr/>
+        <p:nvPr/>
+      </p:nvGrpSpPr>
+      <p:grpSpPr>
+        <a:xfrm>
+          <a:off x="0" y="0"/>
+          <a:ext cx="0" cy="0"/>
+          <a:chOff x="0" y="0"/>
+          <a:chExt cx="0" cy="0"/>
+        </a:xfrm>
+      </p:grpSpPr>
+      <p:grpSp>
+        <p:nvGrpSpPr>
+          <p:cNvPr id="3" name="Grupo 2">
+            <a:extLst>
+              <a:ext uri="{FF2B5EF4-FFF2-40B4-BE49-F238E27FC236}">
+                <a16:creationId xmlns:a16="http://schemas.microsoft.com/office/drawing/2014/main" id="{1AA85F6F-FF03-4DBC-99FD-A02B1C5FC805}"/>
+              </a:ext>
+            </a:extLst>
+          </p:cNvPr>
+          <p:cNvGrpSpPr/>
+          <p:nvPr/>
+        </p:nvGrpSpPr>
+        <p:grpSpPr>
+          <a:xfrm>
+            <a:off x="3356917" y="1932139"/>
+            <a:ext cx="5478166" cy="2993721"/>
+            <a:chOff x="3356917" y="2132194"/>
+            <a:chExt cx="5478166" cy="2993721"/>
+          </a:xfrm>
+        </p:grpSpPr>
+        <p:sp>
+          <p:nvSpPr>
+            <p:cNvPr id="2" name="CuadroTexto 1"/>
+            <p:cNvSpPr txBox="1"/>
+            <p:nvPr/>
+          </p:nvSpPr>
+          <p:spPr>
+            <a:xfrm>
+              <a:off x="3356917" y="4725805"/>
+              <a:ext cx="5478166" cy="400110"/>
+            </a:xfrm>
+            <a:prstGeom prst="rect">
+              <a:avLst/>
+            </a:prstGeom>
+            <a:noFill/>
+          </p:spPr>
+          <p:txBody>
+            <a:bodyPr wrap="none" rtlCol="0">
+              <a:spAutoFit/>
+            </a:bodyPr>
+            <a:lstStyle/>
+            <a:p>
+              <a:r>
+                <a:rPr lang="es-MX" sz="2000" b="1" dirty="0">
+                  <a:solidFill>
+                    <a:srgbClr val="FF0000"/>
+                  </a:solidFill>
+                  <a:latin typeface="Gotham Rounded Book" pitchFamily="50" charset="0"/>
+                  <a:ea typeface="Roboto" panose="02000000000000000000" pitchFamily="2" charset="0"/>
+                </a:rPr>
+                <a:t>education.github.com/students/experts</a:t>
+              </a:r>
+            </a:p>
+          </p:txBody>
+        </p:sp>
+        <p:pic>
+          <p:nvPicPr>
+            <p:cNvPr id="1026" name="Picture 2" descr="Resultado de imagen para campus experts github">
+              <a:extLst>
+                <a:ext uri="{FF2B5EF4-FFF2-40B4-BE49-F238E27FC236}">
+                  <a16:creationId xmlns:a16="http://schemas.microsoft.com/office/drawing/2014/main" id="{0A67B612-EA15-46A3-8CA6-8DE462EC5606}"/>
+                </a:ext>
+              </a:extLst>
+            </p:cNvPr>
+            <p:cNvPicPr>
+              <a:picLocks noChangeAspect="1" noChangeArrowheads="1"/>
+            </p:cNvPicPr>
+            <p:nvPr/>
+          </p:nvPicPr>
+          <p:blipFill>
+            <a:blip r:embed="rId2">
+              <a:extLst>
+                <a:ext uri="{28A0092B-C50C-407E-A947-70E740481C1C}">
+                  <a14:useLocalDpi xmlns:a14="http://schemas.microsoft.com/office/drawing/2010/main" val="0"/>
+                </a:ext>
+              </a:extLst>
+            </a:blip>
+            <a:srcRect/>
+            <a:stretch>
+              <a:fillRect/>
+            </a:stretch>
+          </p:blipFill>
+          <p:spPr bwMode="auto">
+            <a:xfrm>
+              <a:off x="4782779" y="2132194"/>
+              <a:ext cx="2626442" cy="2593611"/>
+            </a:xfrm>
+            <a:prstGeom prst="rect">
+              <a:avLst/>
+            </a:prstGeom>
+            <a:noFill/>
+            <a:extLst>
+              <a:ext uri="{909E8E84-426E-40DD-AFC4-6F175D3DCCD1}">
+                <a14:hiddenFill xmlns:a14="http://schemas.microsoft.com/office/drawing/2010/main">
+                  <a:solidFill>
+                    <a:srgbClr val="FFFFFF"/>
+                  </a:solidFill>
+                </a14:hiddenFill>
+              </a:ext>
+            </a:extLst>
+          </p:spPr>
+        </p:pic>
+      </p:grpSp>
+    </p:spTree>
+    <p:extLst>
+      <p:ext uri="{BB962C8B-B14F-4D97-AF65-F5344CB8AC3E}">
+        <p14:creationId xmlns:p14="http://schemas.microsoft.com/office/powerpoint/2010/main" val="1606206474"/>
+      </p:ext>
+    </p:extLst>
+  </p:cSld>
+  <p:clrMapOvr>
+    <a:masterClrMapping/>
+  </p:clrMapOvr>
+</p:sld>
+</file>
+
+<file path=ppt/slides/slide22.xml><?xml version="1.0" encoding="utf-8"?>
 <p:sld xmlns:a="http://schemas.openxmlformats.org/drawingml/2006/main" xmlns:r="http://schemas.openxmlformats.org/officeDocument/2006/relationships" xmlns:p="http://schemas.openxmlformats.org/presentationml/2006/main">
   <p:cSld>
     <p:spTree>
@@ -9153,10 +9290,10 @@
         </p:nvGrpSpPr>
         <p:grpSpPr>
           <a:xfrm>
-            <a:off x="1250323" y="1605596"/>
-            <a:ext cx="9691355" cy="3723752"/>
-            <a:chOff x="1090391" y="1751618"/>
-            <a:chExt cx="9691355" cy="3723752"/>
+            <a:off x="769290" y="1786306"/>
+            <a:ext cx="10653420" cy="3285388"/>
+            <a:chOff x="1039014" y="2189982"/>
+            <a:chExt cx="10653420" cy="3285388"/>
           </a:xfrm>
         </p:grpSpPr>
         <p:grpSp>
@@ -9167,10 +9304,10 @@
           </p:nvGrpSpPr>
           <p:grpSpPr>
             <a:xfrm>
-              <a:off x="1090391" y="1751618"/>
-              <a:ext cx="9691355" cy="3322761"/>
-              <a:chOff x="644589" y="1751618"/>
-              <a:chExt cx="9691355" cy="3322761"/>
+              <a:off x="1039014" y="2189982"/>
+              <a:ext cx="10653420" cy="2884397"/>
+              <a:chOff x="593212" y="2189982"/>
+              <a:chExt cx="10653420" cy="2884397"/>
             </a:xfrm>
           </p:grpSpPr>
           <p:grpSp>
@@ -9181,10 +9318,10 @@
             </p:nvGrpSpPr>
             <p:grpSpPr>
               <a:xfrm>
-                <a:off x="644589" y="2552131"/>
-                <a:ext cx="1979729" cy="2247525"/>
-                <a:chOff x="314112" y="3700247"/>
-                <a:chExt cx="2248324" cy="2552453"/>
+                <a:off x="593212" y="2826852"/>
+                <a:ext cx="1979729" cy="2247527"/>
+                <a:chOff x="255765" y="4012242"/>
+                <a:chExt cx="2248323" cy="2552456"/>
               </a:xfrm>
             </p:grpSpPr>
             <p:pic>
@@ -9209,7 +9346,7 @@
               </p:blipFill>
               <p:spPr>
                 <a:xfrm>
-                  <a:off x="1722879" y="5297397"/>
+                  <a:off x="1664531" y="5609395"/>
                   <a:ext cx="839557" cy="955303"/>
                 </a:xfrm>
                 <a:prstGeom prst="rect">
@@ -9239,7 +9376,7 @@
               </p:blipFill>
               <p:spPr>
                 <a:xfrm>
-                  <a:off x="314112" y="4490882"/>
+                  <a:off x="255765" y="4802878"/>
                   <a:ext cx="839560" cy="955303"/>
                 </a:xfrm>
                 <a:prstGeom prst="rect">
@@ -9269,7 +9406,7 @@
               </p:blipFill>
               <p:spPr>
                 <a:xfrm>
-                  <a:off x="786164" y="3700247"/>
+                  <a:off x="727817" y="4012242"/>
                   <a:ext cx="839560" cy="955304"/>
                 </a:xfrm>
                 <a:prstGeom prst="rect">
@@ -9299,7 +9436,7 @@
               </p:blipFill>
               <p:spPr>
                 <a:xfrm>
-                  <a:off x="1250826" y="4508728"/>
+                  <a:off x="1192479" y="4820724"/>
                   <a:ext cx="839557" cy="955303"/>
                 </a:xfrm>
                 <a:prstGeom prst="rect">
@@ -9329,7 +9466,7 @@
               </p:blipFill>
               <p:spPr>
                 <a:xfrm>
-                  <a:off x="1722879" y="3700247"/>
+                  <a:off x="1664531" y="4012242"/>
                   <a:ext cx="839557" cy="955303"/>
                 </a:xfrm>
                 <a:prstGeom prst="rect">
@@ -9359,7 +9496,7 @@
               </p:blipFill>
               <p:spPr>
                 <a:xfrm>
-                  <a:off x="786168" y="5297397"/>
+                  <a:off x="727821" y="5609393"/>
                   <a:ext cx="839557" cy="955303"/>
                 </a:xfrm>
                 <a:prstGeom prst="rect">
@@ -9376,10 +9513,10 @@
             </p:nvGrpSpPr>
             <p:grpSpPr>
               <a:xfrm>
-                <a:off x="3103040" y="1751618"/>
-                <a:ext cx="7232904" cy="3322761"/>
-                <a:chOff x="4346624" y="1966929"/>
-                <a:chExt cx="7232904" cy="3322761"/>
+                <a:off x="3103040" y="2189982"/>
+                <a:ext cx="8143592" cy="2884397"/>
+                <a:chOff x="4346624" y="2405293"/>
+                <a:chExt cx="8143592" cy="2884397"/>
               </a:xfrm>
             </p:grpSpPr>
             <p:sp>
@@ -9390,8 +9527,8 @@
               </p:nvSpPr>
               <p:spPr>
                 <a:xfrm>
-                  <a:off x="4346624" y="1966929"/>
-                  <a:ext cx="7232904" cy="2877711"/>
+                  <a:off x="4346624" y="2405293"/>
+                  <a:ext cx="8143592" cy="2215991"/>
                 </a:xfrm>
                 <a:prstGeom prst="rect">
                   <a:avLst/>
@@ -9404,11 +9541,22 @@
                 </a:bodyPr>
                 <a:lstStyle/>
                 <a:p>
+                  <a:pPr>
+                    <a:lnSpc>
+                      <a:spcPct val="90000"/>
+                    </a:lnSpc>
+                    <a:spcBef>
+                      <a:spcPct val="0"/>
+                    </a:spcBef>
+                  </a:pPr>
                   <a:r>
-                    <a:rPr lang="es-MX" sz="5500" dirty="0" smtClean="0">
+                    <a:rPr lang="es-MX" sz="5000" dirty="0">
                       <a:solidFill>
-                        <a:srgbClr val="B71540"/>
+                        <a:srgbClr val="D61E3C"/>
                       </a:solidFill>
+                      <a:latin typeface="Gotham Rounded Bold" pitchFamily="50" charset="0"/>
+                      <a:ea typeface="Roboto Black" panose="02000000000000000000" pitchFamily="2" charset="0"/>
+                      <a:cs typeface="+mj-cs"/>
                     </a:rPr>
                     <a:t>Luis E. Jiménez Robles</a:t>
                   </a:r>
@@ -9417,104 +9565,85 @@
                   <a:endParaRPr lang="es-MX" dirty="0"/>
                 </a:p>
                 <a:p>
-                  <a:endParaRPr lang="es-MX" dirty="0" smtClean="0"/>
-                </a:p>
-                <a:p>
                   <a:r>
-                    <a:rPr lang="es-MX" sz="2000" dirty="0" smtClean="0">
+                    <a:rPr lang="es-MX" sz="1600" b="1" dirty="0">
                       <a:solidFill>
                         <a:schemeClr val="bg1">
                           <a:lumMod val="75000"/>
                         </a:schemeClr>
                       </a:solidFill>
+                      <a:latin typeface="Gotham Rounded Book" pitchFamily="50" charset="0"/>
                     </a:rPr>
                     <a:t>Egresado de </a:t>
                   </a:r>
                   <a:r>
-                    <a:rPr lang="es-MX" sz="3000" b="1" dirty="0" smtClean="0">
+                    <a:rPr lang="es-MX" sz="2500" dirty="0">
                       <a:solidFill>
-                        <a:srgbClr val="B71540"/>
+                        <a:srgbClr val="D61E3C"/>
                       </a:solidFill>
+                      <a:latin typeface="Gotham Rounded Book" pitchFamily="50" charset="0"/>
                     </a:rPr>
-                    <a:t>Ing</a:t>
-                  </a:r>
-                  <a:r>
-                    <a:rPr lang="es-MX" sz="3000" b="1" dirty="0">
-                      <a:solidFill>
-                        <a:srgbClr val="B71540"/>
-                      </a:solidFill>
-                    </a:rPr>
-                    <a:t>. en </a:t>
-                  </a:r>
-                  <a:r>
-                    <a:rPr lang="es-MX" sz="3000" b="1" dirty="0" smtClean="0">
-                      <a:solidFill>
-                        <a:srgbClr val="B71540"/>
-                      </a:solidFill>
-                    </a:rPr>
-                    <a:t>Computación</a:t>
+                    <a:t>Ing. en Computación</a:t>
                   </a:r>
                 </a:p>
                 <a:p>
                   <a:r>
-                    <a:rPr lang="es-MX" sz="3000" b="1" dirty="0">
+                    <a:rPr lang="es-MX" sz="2500" dirty="0">
                       <a:solidFill>
-                        <a:srgbClr val="B71540"/>
+                        <a:srgbClr val="D61E3C"/>
                       </a:solidFill>
+                      <a:latin typeface="Gotham Rounded Book" pitchFamily="50" charset="0"/>
                     </a:rPr>
                     <a:t>GitHub Campus </a:t>
                   </a:r>
                   <a:r>
-                    <a:rPr lang="es-MX" sz="3000" b="1" dirty="0" err="1">
+                    <a:rPr lang="es-MX" sz="2500" dirty="0" err="1">
                       <a:solidFill>
-                        <a:srgbClr val="B71540"/>
+                        <a:srgbClr val="D61E3C"/>
                       </a:solidFill>
+                      <a:latin typeface="Gotham Rounded Book" pitchFamily="50" charset="0"/>
                     </a:rPr>
                     <a:t>Expert</a:t>
                   </a:r>
                   <a:r>
-                    <a:rPr lang="es-MX" sz="3000" b="1" dirty="0">
+                    <a:rPr lang="es-MX" sz="2500" dirty="0">
                       <a:solidFill>
-                        <a:srgbClr val="B71540"/>
+                        <a:srgbClr val="D61E3C"/>
                       </a:solidFill>
+                      <a:latin typeface="Gotham Rounded Book" pitchFamily="50" charset="0"/>
                     </a:rPr>
                     <a:t> </a:t>
                   </a:r>
                   <a:r>
-                    <a:rPr lang="es-MX" sz="2000" dirty="0">
+                    <a:rPr lang="es-MX" sz="1600" b="1" dirty="0">
                       <a:solidFill>
                         <a:schemeClr val="bg1">
                           <a:lumMod val="75000"/>
                         </a:schemeClr>
                       </a:solidFill>
+                      <a:latin typeface="Gotham Rounded Book" pitchFamily="50" charset="0"/>
                     </a:rPr>
                     <a:t>@TIJ / CDMX</a:t>
                   </a:r>
                 </a:p>
                 <a:p>
                   <a:r>
-                    <a:rPr lang="es-MX" sz="3000" b="1" dirty="0">
+                    <a:rPr lang="es-MX" sz="2500" dirty="0">
                       <a:solidFill>
-                        <a:srgbClr val="B71540"/>
+                        <a:srgbClr val="D61E3C"/>
                       </a:solidFill>
+                      <a:latin typeface="Gotham Rounded Book" pitchFamily="50" charset="0"/>
                     </a:rPr>
-                    <a:t>Project Manager</a:t>
+                    <a:t>Project Manager </a:t>
                   </a:r>
                   <a:r>
-                    <a:rPr lang="es-MX" sz="3000" b="1" dirty="0">
-                      <a:solidFill>
-                        <a:srgbClr val="F79F1F"/>
-                      </a:solidFill>
-                    </a:rPr>
-                    <a:t> </a:t>
-                  </a:r>
-                  <a:r>
-                    <a:rPr lang="es-MX" sz="2000" dirty="0">
+                    <a:rPr lang="es-MX" sz="1600" b="1" dirty="0">
                       <a:solidFill>
                         <a:schemeClr val="bg1">
                           <a:lumMod val="75000"/>
                         </a:schemeClr>
                       </a:solidFill>
+                      <a:latin typeface="Gotham Rounded Book" pitchFamily="50" charset="0"/>
                     </a:rPr>
                     <a:t>@GPOMCT</a:t>
                   </a:r>
@@ -9529,10 +9658,10 @@
               </p:nvGrpSpPr>
               <p:grpSpPr>
                 <a:xfrm>
-                  <a:off x="4346624" y="4789776"/>
-                  <a:ext cx="3479202" cy="499914"/>
-                  <a:chOff x="3909236" y="3344055"/>
-                  <a:chExt cx="3479202" cy="499914"/>
+                  <a:off x="4346624" y="4812636"/>
+                  <a:ext cx="3739063" cy="477054"/>
+                  <a:chOff x="3909236" y="3366915"/>
+                  <a:chExt cx="3739063" cy="477054"/>
                 </a:xfrm>
               </p:grpSpPr>
               <p:sp>
@@ -9565,7 +9694,7 @@
                         </a:solidFill>
                         <a:latin typeface="Font Awesome 5 Brands Regular" panose="02000503000000000000" pitchFamily="50" charset="0"/>
                       </a:rPr>
-                      <a:t>   </a:t>
+                      <a:t>   </a:t>
                     </a:r>
                     <a:endParaRPr lang="es-MX" sz="2500" dirty="0">
                       <a:solidFill>
@@ -9585,8 +9714,8 @@
                 </p:nvSpPr>
                 <p:spPr>
                   <a:xfrm>
-                    <a:off x="5542163" y="3344055"/>
-                    <a:ext cx="1846275" cy="477054"/>
+                    <a:off x="5521435" y="3366915"/>
+                    <a:ext cx="2126864" cy="477054"/>
                   </a:xfrm>
                   <a:prstGeom prst="rect">
                     <a:avLst/>
@@ -9599,25 +9728,28 @@
                   <a:lstStyle/>
                   <a:p>
                     <a:r>
-                      <a:rPr lang="es-MX" sz="2500" b="1" dirty="0" smtClean="0">
+                      <a:rPr lang="es-MX" sz="2500" dirty="0">
                         <a:solidFill>
-                          <a:srgbClr val="B71540"/>
+                          <a:srgbClr val="D61E3C"/>
                         </a:solidFill>
+                        <a:latin typeface="Gotham Rounded Book" pitchFamily="50" charset="0"/>
                       </a:rPr>
                       <a:t>/</a:t>
                     </a:r>
                     <a:r>
-                      <a:rPr lang="es-MX" sz="2500" b="1" dirty="0" err="1" smtClean="0">
+                      <a:rPr lang="es-MX" sz="2500" dirty="0" err="1">
                         <a:solidFill>
-                          <a:srgbClr val="B71540"/>
+                          <a:srgbClr val="D61E3C"/>
                         </a:solidFill>
+                        <a:latin typeface="Gotham Rounded Book" pitchFamily="50" charset="0"/>
                       </a:rPr>
                       <a:t>luisejrobles</a:t>
                     </a:r>
-                    <a:endParaRPr lang="es-MX" sz="2500" b="1" dirty="0">
+                    <a:endParaRPr lang="es-MX" sz="2500" dirty="0">
                       <a:solidFill>
-                        <a:srgbClr val="B71540"/>
+                        <a:srgbClr val="D61E3C"/>
                       </a:solidFill>
+                      <a:latin typeface="Gotham Rounded Book" pitchFamily="50" charset="0"/>
                     </a:endParaRPr>
                   </a:p>
                 </p:txBody>
@@ -9669,7 +9801,7 @@
           <p:spPr>
             <a:xfrm>
               <a:off x="3912170" y="4998316"/>
-              <a:ext cx="4337469" cy="477054"/>
+              <a:ext cx="5213287" cy="477054"/>
             </a:xfrm>
             <a:prstGeom prst="rect">
               <a:avLst/>
@@ -9682,10 +9814,11 @@
             <a:lstStyle/>
             <a:p>
               <a:r>
-                <a:rPr lang="es-MX" sz="2500" b="1" dirty="0">
+                <a:rPr lang="es-MX" sz="2500" dirty="0">
                   <a:solidFill>
-                    <a:srgbClr val="B71540"/>
+                    <a:srgbClr val="D61E3C"/>
                   </a:solidFill>
+                  <a:latin typeface="Gotham Rounded Book" pitchFamily="50" charset="0"/>
                 </a:rPr>
                 <a:t>luisejimenezrobles@gmail.com</a:t>
               </a:r>
@@ -9703,13 +9836,6 @@
   <p:clrMapOvr>
     <a:masterClrMapping/>
   </p:clrMapOvr>
-  <p:timing>
-    <p:tnLst>
-      <p:par>
-        <p:cTn id="1" dur="indefinite" restart="never" nodeType="tmRoot"/>
-      </p:par>
-    </p:tnLst>
-  </p:timing>
 </p:sld>
 </file>
 
@@ -9754,43 +9880,47 @@
           <a:p>
             <a:pPr algn="ctr"/>
             <a:r>
-              <a:rPr lang="es-MX" sz="8000" dirty="0" smtClean="0">
-                <a:solidFill>
-                  <a:srgbClr val="C00000"/>
+              <a:rPr lang="es-MX" sz="8000" dirty="0">
+                <a:solidFill>
+                  <a:srgbClr val="D61E3C"/>
+                </a:solidFill>
+                <a:latin typeface="Gotham Rounded Medium" panose="02000000000000000000" pitchFamily="50" charset="0"/>
+                <a:ea typeface="Roboto" panose="02000000000000000000" pitchFamily="2" charset="0"/>
+              </a:rPr>
+              <a:t>Instalación</a:t>
+            </a:r>
+            <a:r>
+              <a:rPr lang="es-MX" sz="8000" dirty="0">
+                <a:solidFill>
+                  <a:srgbClr val="D61E3C"/>
                 </a:solidFill>
                 <a:latin typeface="Roboto" panose="02000000000000000000" pitchFamily="2" charset="0"/>
                 <a:ea typeface="Roboto" panose="02000000000000000000" pitchFamily="2" charset="0"/>
               </a:rPr>
-              <a:t>Instalación </a:t>
+              <a:t> </a:t>
             </a:r>
             <a:br>
-              <a:rPr lang="es-MX" sz="8000" dirty="0" smtClean="0">
-                <a:solidFill>
-                  <a:srgbClr val="C00000"/>
+              <a:rPr lang="es-MX" sz="8000" dirty="0">
+                <a:solidFill>
+                  <a:srgbClr val="D61E3C"/>
                 </a:solidFill>
                 <a:latin typeface="Roboto" panose="02000000000000000000" pitchFamily="2" charset="0"/>
                 <a:ea typeface="Roboto" panose="02000000000000000000" pitchFamily="2" charset="0"/>
               </a:rPr>
             </a:br>
             <a:r>
-              <a:rPr lang="es-MX" sz="4000" dirty="0" smtClean="0">
-                <a:solidFill>
-                  <a:schemeClr val="bg1">
-                    <a:lumMod val="50000"/>
-                  </a:schemeClr>
-                </a:solidFill>
-                <a:latin typeface="Roboto" panose="02000000000000000000" pitchFamily="2" charset="0"/>
-                <a:ea typeface="Roboto" panose="02000000000000000000" pitchFamily="2" charset="0"/>
+              <a:rPr lang="es-MX" sz="2500" b="1" dirty="0">
+                <a:solidFill>
+                  <a:schemeClr val="bg1">
+                    <a:lumMod val="65000"/>
+                  </a:schemeClr>
+                </a:solidFill>
+                <a:latin typeface="Gotham Rounded Book" pitchFamily="50" charset="0"/>
+                <a:ea typeface="Open Sans" panose="020B0606030504020204" pitchFamily="34" charset="0"/>
+                <a:cs typeface="Open Sans" panose="020B0606030504020204" pitchFamily="34" charset="0"/>
               </a:rPr>
               <a:t>git-scm.com</a:t>
             </a:r>
-            <a:endParaRPr lang="es-MX" sz="4000" dirty="0">
-              <a:solidFill>
-                <a:schemeClr val="bg1">
-                  <a:lumMod val="50000"/>
-                </a:schemeClr>
-              </a:solidFill>
-            </a:endParaRPr>
           </a:p>
         </p:txBody>
       </p:sp>
@@ -9804,13 +9934,6 @@
   <p:clrMapOvr>
     <a:masterClrMapping/>
   </p:clrMapOvr>
-  <p:timing>
-    <p:tnLst>
-      <p:par>
-        <p:cTn id="1" dur="indefinite" restart="never" nodeType="tmRoot"/>
-      </p:par>
-    </p:tnLst>
-  </p:timing>
 </p:sld>
 </file>
 
@@ -9847,22 +9970,20 @@
           <a:lstStyle/>
           <a:p>
             <a:r>
-              <a:rPr lang="es-MX" sz="5000" dirty="0" err="1" smtClean="0">
-                <a:solidFill>
-                  <a:srgbClr val="C00000"/>
-                </a:solidFill>
-                <a:latin typeface="Roboto Black" panose="02000000000000000000" pitchFamily="2" charset="0"/>
+              <a:rPr lang="es-MX" sz="5000" b="1" dirty="0" err="1">
+                <a:solidFill>
+                  <a:srgbClr val="D61E3C"/>
+                </a:solidFill>
+                <a:latin typeface="Gotham Rounded Book" pitchFamily="50" charset="0"/>
                 <a:ea typeface="Roboto Black" panose="02000000000000000000" pitchFamily="2" charset="0"/>
               </a:rPr>
               <a:t>Config</a:t>
             </a:r>
-            <a:endParaRPr lang="es-MX" sz="2000" dirty="0">
+            <a:endParaRPr lang="es-MX" sz="2000" b="1" dirty="0">
               <a:solidFill>
-                <a:schemeClr val="bg1">
-                  <a:lumMod val="50000"/>
-                </a:schemeClr>
+                <a:srgbClr val="D61E3C"/>
               </a:solidFill>
-              <a:latin typeface="Roboto" panose="02000000000000000000" pitchFamily="2" charset="0"/>
+              <a:latin typeface="Gotham Rounded Book" pitchFamily="50" charset="0"/>
               <a:ea typeface="Roboto" panose="02000000000000000000" pitchFamily="2" charset="0"/>
             </a:endParaRPr>
           </a:p>
@@ -9894,13 +10015,13 @@
               <a:buNone/>
             </a:pPr>
             <a:r>
-              <a:rPr lang="es-MX" sz="2200" dirty="0" smtClean="0">
+              <a:rPr lang="es-MX" sz="2000" dirty="0">
                 <a:solidFill>
                   <a:schemeClr val="bg1">
                     <a:lumMod val="75000"/>
                   </a:schemeClr>
                 </a:solidFill>
-                <a:latin typeface="Roboto" panose="02000000000000000000" pitchFamily="2" charset="0"/>
+                <a:latin typeface="Gotham Rounded Medium" panose="02000000000000000000" pitchFamily="50" charset="0"/>
                 <a:ea typeface="Roboto" panose="02000000000000000000" pitchFamily="2" charset="0"/>
               </a:rPr>
               <a:t>Configuración de nombre</a:t>
@@ -9911,122 +10032,50 @@
               <a:buNone/>
             </a:pPr>
             <a:r>
-              <a:rPr lang="es-MX" sz="2400" dirty="0" err="1" smtClean="0">
+              <a:rPr lang="es-MX" sz="2200" dirty="0" err="1">
                 <a:solidFill>
                   <a:srgbClr val="4B6584"/>
                 </a:solidFill>
-                <a:latin typeface="Roboto" panose="02000000000000000000" pitchFamily="2" charset="0"/>
+                <a:latin typeface="Gotham Rounded Bold" pitchFamily="50" charset="0"/>
                 <a:ea typeface="Roboto" panose="02000000000000000000" pitchFamily="2" charset="0"/>
               </a:rPr>
               <a:t>git</a:t>
             </a:r>
             <a:r>
-              <a:rPr lang="es-MX" sz="2400" dirty="0" smtClean="0">
+              <a:rPr lang="es-MX" sz="2200" dirty="0">
                 <a:solidFill>
                   <a:srgbClr val="4B6584"/>
                 </a:solidFill>
-                <a:latin typeface="Roboto" panose="02000000000000000000" pitchFamily="2" charset="0"/>
+                <a:latin typeface="Gotham Rounded Bold" pitchFamily="50" charset="0"/>
                 <a:ea typeface="Roboto" panose="02000000000000000000" pitchFamily="2" charset="0"/>
               </a:rPr>
               <a:t> </a:t>
             </a:r>
             <a:r>
-              <a:rPr lang="es-MX" sz="2400" dirty="0" err="1">
+              <a:rPr lang="es-MX" sz="2200" dirty="0" err="1">
                 <a:solidFill>
                   <a:srgbClr val="4B6584"/>
                 </a:solidFill>
-                <a:latin typeface="Roboto" panose="02000000000000000000" pitchFamily="2" charset="0"/>
+                <a:latin typeface="Gotham Rounded Bold" pitchFamily="50" charset="0"/>
                 <a:ea typeface="Roboto" panose="02000000000000000000" pitchFamily="2" charset="0"/>
               </a:rPr>
               <a:t>config</a:t>
             </a:r>
             <a:r>
-              <a:rPr lang="es-MX" sz="2400" dirty="0">
+              <a:rPr lang="es-MX" sz="2200" dirty="0">
                 <a:solidFill>
                   <a:srgbClr val="4B6584"/>
                 </a:solidFill>
-                <a:latin typeface="Roboto" panose="02000000000000000000" pitchFamily="2" charset="0"/>
-                <a:ea typeface="Roboto" panose="02000000000000000000" pitchFamily="2" charset="0"/>
-              </a:rPr>
-              <a:t> </a:t>
-            </a:r>
-            <a:r>
-              <a:rPr lang="es-MX" sz="2400" dirty="0" smtClean="0">
-                <a:solidFill>
-                  <a:srgbClr val="4B6584"/>
-                </a:solidFill>
-                <a:latin typeface="Roboto" panose="02000000000000000000" pitchFamily="2" charset="0"/>
-                <a:ea typeface="Roboto" panose="02000000000000000000" pitchFamily="2" charset="0"/>
-              </a:rPr>
-              <a:t>--global </a:t>
-            </a:r>
-            <a:r>
-              <a:rPr lang="es-MX" sz="2400" dirty="0">
-                <a:solidFill>
-                  <a:srgbClr val="4B6584"/>
-                </a:solidFill>
-                <a:latin typeface="Roboto" panose="02000000000000000000" pitchFamily="2" charset="0"/>
-                <a:ea typeface="Roboto" panose="02000000000000000000" pitchFamily="2" charset="0"/>
-              </a:rPr>
-              <a:t>user.name “</a:t>
-            </a:r>
-            <a:r>
-              <a:rPr lang="es-MX" sz="2000" dirty="0">
-                <a:solidFill>
-                  <a:srgbClr val="4B6584"/>
-                </a:solidFill>
-                <a:latin typeface="Roboto" panose="02000000000000000000" pitchFamily="2" charset="0"/>
-                <a:ea typeface="Roboto" panose="02000000000000000000" pitchFamily="2" charset="0"/>
-              </a:rPr>
-              <a:t>[</a:t>
-            </a:r>
-            <a:r>
-              <a:rPr lang="es-MX" sz="2400" dirty="0">
-                <a:solidFill>
-                  <a:srgbClr val="4B6584"/>
-                </a:solidFill>
-                <a:latin typeface="Roboto" panose="02000000000000000000" pitchFamily="2" charset="0"/>
-                <a:ea typeface="Roboto" panose="02000000000000000000" pitchFamily="2" charset="0"/>
-              </a:rPr>
-              <a:t>nombre</a:t>
-            </a:r>
-            <a:r>
-              <a:rPr lang="es-MX" sz="2000" dirty="0" smtClean="0">
-                <a:solidFill>
-                  <a:srgbClr val="4B6584"/>
-                </a:solidFill>
-                <a:latin typeface="Roboto" panose="02000000000000000000" pitchFamily="2" charset="0"/>
-                <a:ea typeface="Roboto" panose="02000000000000000000" pitchFamily="2" charset="0"/>
-              </a:rPr>
-              <a:t>]</a:t>
-            </a:r>
-            <a:r>
-              <a:rPr lang="es-MX" sz="2400" dirty="0" smtClean="0">
-                <a:solidFill>
-                  <a:srgbClr val="4B6584"/>
-                </a:solidFill>
-                <a:latin typeface="Roboto" panose="02000000000000000000" pitchFamily="2" charset="0"/>
-                <a:ea typeface="Roboto" panose="02000000000000000000" pitchFamily="2" charset="0"/>
-              </a:rPr>
-              <a:t>”</a:t>
+                <a:latin typeface="Gotham Rounded Bold" pitchFamily="50" charset="0"/>
+                <a:ea typeface="Roboto" panose="02000000000000000000" pitchFamily="2" charset="0"/>
+              </a:rPr>
+              <a:t> --global user.name “nombre”</a:t>
             </a:r>
           </a:p>
           <a:p>
             <a:pPr marL="0" indent="0">
               <a:buNone/>
             </a:pPr>
-            <a:r>
-              <a:rPr lang="es-MX" dirty="0">
-                <a:solidFill>
-                  <a:schemeClr val="bg1">
-                    <a:lumMod val="50000"/>
-                  </a:schemeClr>
-                </a:solidFill>
-                <a:latin typeface="Roboto" panose="02000000000000000000" pitchFamily="2" charset="0"/>
-                <a:ea typeface="Roboto" panose="02000000000000000000" pitchFamily="2" charset="0"/>
-              </a:rPr>
-              <a:t/>
-            </a:r>
             <a:br>
               <a:rPr lang="es-MX" dirty="0">
                 <a:solidFill>
@@ -10034,136 +10083,86 @@
                     <a:lumMod val="50000"/>
                   </a:schemeClr>
                 </a:solidFill>
-                <a:latin typeface="Roboto" panose="02000000000000000000" pitchFamily="2" charset="0"/>
+                <a:latin typeface="Gotham Rounded Medium" panose="02000000000000000000" pitchFamily="50" charset="0"/>
                 <a:ea typeface="Roboto" panose="02000000000000000000" pitchFamily="2" charset="0"/>
               </a:rPr>
             </a:br>
             <a:r>
+              <a:rPr lang="es-MX" sz="2000" dirty="0">
+                <a:solidFill>
+                  <a:schemeClr val="bg1">
+                    <a:lumMod val="75000"/>
+                  </a:schemeClr>
+                </a:solidFill>
+                <a:latin typeface="Gotham Rounded Medium" panose="02000000000000000000" pitchFamily="50" charset="0"/>
+                <a:ea typeface="Roboto" panose="02000000000000000000" pitchFamily="2" charset="0"/>
+              </a:rPr>
+              <a:t>Configuración de correo</a:t>
+            </a:r>
+          </a:p>
+          <a:p>
+            <a:pPr marL="0" indent="0">
+              <a:buNone/>
+            </a:pPr>
+            <a:r>
+              <a:rPr lang="es-MX" sz="2200" dirty="0" err="1">
+                <a:solidFill>
+                  <a:srgbClr val="4B6584"/>
+                </a:solidFill>
+                <a:latin typeface="Gotham Rounded Bold" pitchFamily="50" charset="0"/>
+                <a:ea typeface="Roboto" panose="02000000000000000000" pitchFamily="2" charset="0"/>
+              </a:rPr>
+              <a:t>git</a:t>
+            </a:r>
+            <a:r>
               <a:rPr lang="es-MX" sz="2200" dirty="0">
                 <a:solidFill>
-                  <a:schemeClr val="bg1">
-                    <a:lumMod val="75000"/>
-                  </a:schemeClr>
-                </a:solidFill>
-                <a:latin typeface="Roboto" panose="02000000000000000000" pitchFamily="2" charset="0"/>
-                <a:ea typeface="Roboto" panose="02000000000000000000" pitchFamily="2" charset="0"/>
-              </a:rPr>
-              <a:t>Configuración de correo</a:t>
-            </a:r>
-          </a:p>
-          <a:p>
-            <a:pPr marL="0" indent="0">
-              <a:buNone/>
-            </a:pPr>
-            <a:r>
-              <a:rPr lang="es-MX" sz="2400" dirty="0" err="1">
-                <a:solidFill>
                   <a:srgbClr val="4B6584"/>
                 </a:solidFill>
-                <a:latin typeface="Roboto" panose="02000000000000000000" pitchFamily="2" charset="0"/>
-                <a:ea typeface="Roboto" panose="02000000000000000000" pitchFamily="2" charset="0"/>
-              </a:rPr>
-              <a:t>git</a:t>
-            </a:r>
-            <a:r>
-              <a:rPr lang="es-MX" sz="2400" dirty="0">
+                <a:latin typeface="Gotham Rounded Bold" pitchFamily="50" charset="0"/>
+                <a:ea typeface="Roboto" panose="02000000000000000000" pitchFamily="2" charset="0"/>
+              </a:rPr>
+              <a:t> </a:t>
+            </a:r>
+            <a:r>
+              <a:rPr lang="es-MX" sz="2200" dirty="0" err="1">
                 <a:solidFill>
                   <a:srgbClr val="4B6584"/>
                 </a:solidFill>
-                <a:latin typeface="Roboto" panose="02000000000000000000" pitchFamily="2" charset="0"/>
-                <a:ea typeface="Roboto" panose="02000000000000000000" pitchFamily="2" charset="0"/>
-              </a:rPr>
-              <a:t> </a:t>
-            </a:r>
-            <a:r>
-              <a:rPr lang="es-MX" sz="2400" dirty="0" err="1">
+                <a:latin typeface="Gotham Rounded Bold" pitchFamily="50" charset="0"/>
+                <a:ea typeface="Roboto" panose="02000000000000000000" pitchFamily="2" charset="0"/>
+              </a:rPr>
+              <a:t>config</a:t>
+            </a:r>
+            <a:r>
+              <a:rPr lang="es-MX" sz="2200" dirty="0">
                 <a:solidFill>
                   <a:srgbClr val="4B6584"/>
                 </a:solidFill>
-                <a:latin typeface="Roboto" panose="02000000000000000000" pitchFamily="2" charset="0"/>
-                <a:ea typeface="Roboto" panose="02000000000000000000" pitchFamily="2" charset="0"/>
-              </a:rPr>
-              <a:t>config</a:t>
-            </a:r>
-            <a:r>
-              <a:rPr lang="es-MX" sz="2400" dirty="0">
+                <a:latin typeface="Gotham Rounded Bold" pitchFamily="50" charset="0"/>
+                <a:ea typeface="Roboto" panose="02000000000000000000" pitchFamily="2" charset="0"/>
+              </a:rPr>
+              <a:t> --global </a:t>
+            </a:r>
+            <a:r>
+              <a:rPr lang="es-MX" sz="2200" dirty="0" err="1">
                 <a:solidFill>
                   <a:srgbClr val="4B6584"/>
                 </a:solidFill>
-                <a:latin typeface="Roboto" panose="02000000000000000000" pitchFamily="2" charset="0"/>
-                <a:ea typeface="Roboto" panose="02000000000000000000" pitchFamily="2" charset="0"/>
-              </a:rPr>
-              <a:t> </a:t>
-            </a:r>
-            <a:r>
-              <a:rPr lang="es-MX" sz="2400" dirty="0" smtClean="0">
+                <a:latin typeface="Gotham Rounded Bold" pitchFamily="50" charset="0"/>
+                <a:ea typeface="Roboto" panose="02000000000000000000" pitchFamily="2" charset="0"/>
+              </a:rPr>
+              <a:t>user.email</a:t>
+            </a:r>
+            <a:r>
+              <a:rPr lang="es-MX" sz="2200" dirty="0">
                 <a:solidFill>
                   <a:srgbClr val="4B6584"/>
                 </a:solidFill>
-                <a:latin typeface="Roboto" panose="02000000000000000000" pitchFamily="2" charset="0"/>
-                <a:ea typeface="Roboto" panose="02000000000000000000" pitchFamily="2" charset="0"/>
-              </a:rPr>
-              <a:t>--global </a:t>
-            </a:r>
-            <a:r>
-              <a:rPr lang="es-MX" sz="2400" dirty="0" err="1">
-                <a:solidFill>
-                  <a:srgbClr val="4B6584"/>
-                </a:solidFill>
-                <a:latin typeface="Roboto" panose="02000000000000000000" pitchFamily="2" charset="0"/>
-                <a:ea typeface="Roboto" panose="02000000000000000000" pitchFamily="2" charset="0"/>
-              </a:rPr>
-              <a:t>user.email</a:t>
-            </a:r>
-            <a:r>
-              <a:rPr lang="es-MX" sz="2400" dirty="0">
-                <a:solidFill>
-                  <a:srgbClr val="4B6584"/>
-                </a:solidFill>
-                <a:latin typeface="Roboto" panose="02000000000000000000" pitchFamily="2" charset="0"/>
-                <a:ea typeface="Roboto" panose="02000000000000000000" pitchFamily="2" charset="0"/>
-              </a:rPr>
-              <a:t> “</a:t>
-            </a:r>
-            <a:r>
-              <a:rPr lang="es-MX" sz="2000" dirty="0">
-                <a:solidFill>
-                  <a:srgbClr val="4B6584"/>
-                </a:solidFill>
-                <a:latin typeface="Roboto" panose="02000000000000000000" pitchFamily="2" charset="0"/>
-                <a:ea typeface="Roboto" panose="02000000000000000000" pitchFamily="2" charset="0"/>
-              </a:rPr>
-              <a:t>[</a:t>
-            </a:r>
-            <a:r>
-              <a:rPr lang="es-MX" sz="2400" dirty="0">
-                <a:solidFill>
-                  <a:srgbClr val="4B6584"/>
-                </a:solidFill>
-                <a:latin typeface="Roboto" panose="02000000000000000000" pitchFamily="2" charset="0"/>
-                <a:ea typeface="Roboto" panose="02000000000000000000" pitchFamily="2" charset="0"/>
-              </a:rPr>
-              <a:t>email</a:t>
-            </a:r>
-            <a:r>
-              <a:rPr lang="es-MX" sz="2000" dirty="0">
-                <a:solidFill>
-                  <a:srgbClr val="4B6584"/>
-                </a:solidFill>
-                <a:latin typeface="Roboto" panose="02000000000000000000" pitchFamily="2" charset="0"/>
-                <a:ea typeface="Roboto" panose="02000000000000000000" pitchFamily="2" charset="0"/>
-              </a:rPr>
-              <a:t>]</a:t>
-            </a:r>
-            <a:r>
-              <a:rPr lang="es-MX" sz="2400" dirty="0">
-                <a:solidFill>
-                  <a:srgbClr val="4B6584"/>
-                </a:solidFill>
-                <a:latin typeface="Roboto" panose="02000000000000000000" pitchFamily="2" charset="0"/>
-                <a:ea typeface="Roboto" panose="02000000000000000000" pitchFamily="2" charset="0"/>
-              </a:rPr>
-              <a:t>”</a:t>
+                <a:latin typeface="Gotham Rounded Bold" pitchFamily="50" charset="0"/>
+                <a:ea typeface="Roboto" panose="02000000000000000000" pitchFamily="2" charset="0"/>
+              </a:rPr>
+              <a:t> “email”</a:t>
             </a:r>
           </a:p>
         </p:txBody>
@@ -10178,13 +10177,6 @@
   <p:clrMapOvr>
     <a:masterClrMapping/>
   </p:clrMapOvr>
-  <p:timing>
-    <p:tnLst>
-      <p:par>
-        <p:cTn id="1" dur="indefinite" restart="never" nodeType="tmRoot"/>
-      </p:par>
-    </p:tnLst>
-  </p:timing>
 </p:sld>
 </file>
 
@@ -10221,24 +10213,15 @@
           <a:lstStyle/>
           <a:p>
             <a:r>
-              <a:rPr lang="es-MX" sz="5000" dirty="0" smtClean="0">
-                <a:solidFill>
-                  <a:srgbClr val="B71540"/>
-                </a:solidFill>
-                <a:latin typeface="Roboto Black" panose="02000000000000000000" pitchFamily="2" charset="0"/>
+              <a:rPr lang="es-MX" sz="5000" b="1" dirty="0">
+                <a:solidFill>
+                  <a:srgbClr val="D61E3C"/>
+                </a:solidFill>
+                <a:latin typeface="Gotham Rounded Book" pitchFamily="50" charset="0"/>
                 <a:ea typeface="Roboto Black" panose="02000000000000000000" pitchFamily="2" charset="0"/>
               </a:rPr>
               <a:t>SSH</a:t>
             </a:r>
-            <a:endParaRPr lang="es-MX" sz="2000" dirty="0">
-              <a:solidFill>
-                <a:schemeClr val="bg1">
-                  <a:lumMod val="50000"/>
-                </a:schemeClr>
-              </a:solidFill>
-              <a:latin typeface="Roboto" panose="02000000000000000000" pitchFamily="2" charset="0"/>
-              <a:ea typeface="Roboto" panose="02000000000000000000" pitchFamily="2" charset="0"/>
-            </a:endParaRPr>
           </a:p>
         </p:txBody>
       </p:sp>
@@ -10268,13 +10251,13 @@
               <a:buNone/>
             </a:pPr>
             <a:r>
-              <a:rPr lang="es-MX" sz="2200" dirty="0" smtClean="0">
+              <a:rPr lang="es-MX" sz="2000" dirty="0">
                 <a:solidFill>
                   <a:schemeClr val="bg1">
                     <a:lumMod val="75000"/>
                   </a:schemeClr>
                 </a:solidFill>
-                <a:latin typeface="Roboto" panose="02000000000000000000" pitchFamily="2" charset="0"/>
+                <a:latin typeface="Gotham Rounded Medium" panose="02000000000000000000" pitchFamily="50" charset="0"/>
                 <a:ea typeface="Roboto" panose="02000000000000000000" pitchFamily="2" charset="0"/>
               </a:rPr>
               <a:t>Comando para generar clave SSH</a:t>
@@ -10285,41 +10268,41 @@
               <a:buNone/>
             </a:pPr>
             <a:r>
-              <a:rPr lang="es-MX" sz="2400" dirty="0" err="1" smtClean="0">
+              <a:rPr lang="es-MX" sz="2200" dirty="0" err="1">
                 <a:solidFill>
                   <a:srgbClr val="4B6584"/>
                 </a:solidFill>
-                <a:latin typeface="Roboto" panose="02000000000000000000" pitchFamily="2" charset="0"/>
+                <a:latin typeface="Gotham Rounded Bold" pitchFamily="50" charset="0"/>
                 <a:ea typeface="Roboto" panose="02000000000000000000" pitchFamily="2" charset="0"/>
               </a:rPr>
               <a:t>ssh-keygen</a:t>
             </a:r>
             <a:r>
-              <a:rPr lang="es-MX" sz="2400" dirty="0" smtClean="0">
+              <a:rPr lang="es-MX" sz="2200" dirty="0">
                 <a:solidFill>
                   <a:srgbClr val="4B6584"/>
                 </a:solidFill>
-                <a:latin typeface="Roboto" panose="02000000000000000000" pitchFamily="2" charset="0"/>
+                <a:latin typeface="Gotham Rounded Bold" pitchFamily="50" charset="0"/>
                 <a:ea typeface="Roboto" panose="02000000000000000000" pitchFamily="2" charset="0"/>
               </a:rPr>
               <a:t> –t </a:t>
             </a:r>
             <a:r>
-              <a:rPr lang="es-MX" sz="2400" dirty="0" err="1" smtClean="0">
+              <a:rPr lang="es-MX" sz="2200" dirty="0" err="1">
                 <a:solidFill>
                   <a:srgbClr val="4B6584"/>
                 </a:solidFill>
-                <a:latin typeface="Roboto" panose="02000000000000000000" pitchFamily="2" charset="0"/>
+                <a:latin typeface="Gotham Rounded Bold" pitchFamily="50" charset="0"/>
                 <a:ea typeface="Roboto" panose="02000000000000000000" pitchFamily="2" charset="0"/>
               </a:rPr>
               <a:t>rsa</a:t>
             </a:r>
             <a:r>
-              <a:rPr lang="es-MX" sz="2400" dirty="0" smtClean="0">
+              <a:rPr lang="es-MX" sz="2200" dirty="0">
                 <a:solidFill>
                   <a:srgbClr val="4B6584"/>
                 </a:solidFill>
-                <a:latin typeface="Roboto" panose="02000000000000000000" pitchFamily="2" charset="0"/>
+                <a:latin typeface="Gotham Rounded Bold" pitchFamily="50" charset="0"/>
                 <a:ea typeface="Roboto" panose="02000000000000000000" pitchFamily="2" charset="0"/>
               </a:rPr>
               <a:t> –b 4096 –C “GitHub email”</a:t>
@@ -10344,52 +10327,40 @@
               <a:buNone/>
             </a:pPr>
             <a:r>
-              <a:rPr lang="es-MX" sz="2200" dirty="0">
+              <a:rPr lang="es-MX" sz="2000" dirty="0">
                 <a:solidFill>
                   <a:schemeClr val="bg1">
                     <a:lumMod val="75000"/>
                   </a:schemeClr>
                 </a:solidFill>
-                <a:latin typeface="Roboto" panose="02000000000000000000" pitchFamily="2" charset="0"/>
+                <a:latin typeface="Gotham Rounded Medium" panose="02000000000000000000" pitchFamily="50" charset="0"/>
                 <a:ea typeface="Roboto" panose="02000000000000000000" pitchFamily="2" charset="0"/>
               </a:rPr>
               <a:t>[</a:t>
             </a:r>
             <a:r>
-              <a:rPr lang="es-MX" sz="2200" dirty="0" err="1">
+              <a:rPr lang="es-MX" sz="2000" dirty="0" err="1">
                 <a:solidFill>
                   <a:schemeClr val="bg1">
                     <a:lumMod val="75000"/>
                   </a:schemeClr>
                 </a:solidFill>
-                <a:latin typeface="Roboto" panose="02000000000000000000" pitchFamily="2" charset="0"/>
+                <a:latin typeface="Gotham Rounded Medium" panose="02000000000000000000" pitchFamily="50" charset="0"/>
                 <a:ea typeface="Roboto" panose="02000000000000000000" pitchFamily="2" charset="0"/>
               </a:rPr>
               <a:t>enter</a:t>
             </a:r>
             <a:r>
-              <a:rPr lang="es-MX" sz="2200" dirty="0">
+              <a:rPr lang="es-MX" sz="2000" dirty="0">
                 <a:solidFill>
                   <a:schemeClr val="bg1">
                     <a:lumMod val="75000"/>
                   </a:schemeClr>
                 </a:solidFill>
-                <a:latin typeface="Roboto" panose="02000000000000000000" pitchFamily="2" charset="0"/>
-                <a:ea typeface="Roboto" panose="02000000000000000000" pitchFamily="2" charset="0"/>
-              </a:rPr>
-              <a:t>] para generar clave con valores predeterminados</a:t>
-            </a:r>
-            <a:r>
-              <a:rPr lang="es-MX" sz="2200" dirty="0" smtClean="0">
-                <a:solidFill>
-                  <a:schemeClr val="bg1">
-                    <a:lumMod val="75000"/>
-                  </a:schemeClr>
-                </a:solidFill>
-                <a:latin typeface="Roboto" panose="02000000000000000000" pitchFamily="2" charset="0"/>
-                <a:ea typeface="Roboto" panose="02000000000000000000" pitchFamily="2" charset="0"/>
-              </a:rPr>
-              <a:t>.</a:t>
+                <a:latin typeface="Gotham Rounded Medium" panose="02000000000000000000" pitchFamily="50" charset="0"/>
+                <a:ea typeface="Roboto" panose="02000000000000000000" pitchFamily="2" charset="0"/>
+              </a:rPr>
+              <a:t>] para generar clave con valores predeterminados.</a:t>
             </a:r>
           </a:p>
           <a:p>
@@ -10411,13 +10382,13 @@
               <a:buNone/>
             </a:pPr>
             <a:r>
-              <a:rPr lang="es-MX" sz="2200" dirty="0" smtClean="0">
+              <a:rPr lang="es-MX" sz="2000" dirty="0">
                 <a:solidFill>
                   <a:schemeClr val="bg1">
                     <a:lumMod val="75000"/>
                   </a:schemeClr>
                 </a:solidFill>
-                <a:latin typeface="Roboto" panose="02000000000000000000" pitchFamily="2" charset="0"/>
+                <a:latin typeface="Gotham Rounded Medium" panose="02000000000000000000" pitchFamily="50" charset="0"/>
                 <a:ea typeface="Roboto" panose="02000000000000000000" pitchFamily="2" charset="0"/>
               </a:rPr>
               <a:t>Iniciar agente SSH</a:t>
@@ -10428,41 +10399,41 @@
               <a:buNone/>
             </a:pPr>
             <a:r>
-              <a:rPr lang="es-MX" sz="2400" dirty="0" err="1">
+              <a:rPr lang="es-MX" sz="2200" dirty="0" err="1">
                 <a:solidFill>
                   <a:srgbClr val="4B6584"/>
                 </a:solidFill>
-                <a:latin typeface="Roboto" panose="02000000000000000000" pitchFamily="2" charset="0"/>
+                <a:latin typeface="Gotham Rounded Bold" pitchFamily="50" charset="0"/>
                 <a:ea typeface="Roboto" panose="02000000000000000000" pitchFamily="2" charset="0"/>
               </a:rPr>
               <a:t>eval</a:t>
             </a:r>
             <a:r>
-              <a:rPr lang="es-MX" sz="2400" dirty="0">
+              <a:rPr lang="es-MX" sz="2200" dirty="0">
                 <a:solidFill>
                   <a:srgbClr val="4B6584"/>
                 </a:solidFill>
-                <a:latin typeface="Roboto" panose="02000000000000000000" pitchFamily="2" charset="0"/>
+                <a:latin typeface="Gotham Rounded Bold" pitchFamily="50" charset="0"/>
                 <a:ea typeface="Roboto" panose="02000000000000000000" pitchFamily="2" charset="0"/>
               </a:rPr>
               <a:t> $(</a:t>
             </a:r>
             <a:r>
-              <a:rPr lang="es-MX" sz="2400" dirty="0" err="1">
+              <a:rPr lang="es-MX" sz="2200" dirty="0" err="1">
                 <a:solidFill>
                   <a:srgbClr val="4B6584"/>
                 </a:solidFill>
-                <a:latin typeface="Roboto" panose="02000000000000000000" pitchFamily="2" charset="0"/>
+                <a:latin typeface="Gotham Rounded Bold" pitchFamily="50" charset="0"/>
                 <a:ea typeface="Roboto" panose="02000000000000000000" pitchFamily="2" charset="0"/>
               </a:rPr>
               <a:t>ssh-agent</a:t>
             </a:r>
             <a:r>
-              <a:rPr lang="es-MX" sz="2400" dirty="0">
+              <a:rPr lang="es-MX" sz="2200" dirty="0">
                 <a:solidFill>
                   <a:srgbClr val="4B6584"/>
                 </a:solidFill>
-                <a:latin typeface="Roboto" panose="02000000000000000000" pitchFamily="2" charset="0"/>
+                <a:latin typeface="Gotham Rounded Bold" pitchFamily="50" charset="0"/>
                 <a:ea typeface="Roboto" panose="02000000000000000000" pitchFamily="2" charset="0"/>
               </a:rPr>
               <a:t> –s)</a:t>
@@ -10487,78 +10458,78 @@
               <a:buNone/>
             </a:pPr>
             <a:r>
+              <a:rPr lang="es-MX" sz="2000" dirty="0">
+                <a:solidFill>
+                  <a:schemeClr val="bg1">
+                    <a:lumMod val="75000"/>
+                  </a:schemeClr>
+                </a:solidFill>
+                <a:latin typeface="Gotham Rounded Medium" panose="02000000000000000000" pitchFamily="50" charset="0"/>
+                <a:ea typeface="Roboto" panose="02000000000000000000" pitchFamily="2" charset="0"/>
+              </a:rPr>
+              <a:t>Agregar clave SSH a agente</a:t>
+            </a:r>
+          </a:p>
+          <a:p>
+            <a:pPr marL="0" indent="0">
+              <a:buNone/>
+            </a:pPr>
+            <a:r>
+              <a:rPr lang="es-MX" sz="2200" dirty="0" err="1">
+                <a:solidFill>
+                  <a:srgbClr val="4B6584"/>
+                </a:solidFill>
+                <a:latin typeface="Gotham Rounded Bold" pitchFamily="50" charset="0"/>
+                <a:ea typeface="Roboto" panose="02000000000000000000" pitchFamily="2" charset="0"/>
+              </a:rPr>
+              <a:t>ssh-add</a:t>
+            </a:r>
+            <a:r>
               <a:rPr lang="es-MX" sz="2200" dirty="0">
                 <a:solidFill>
-                  <a:schemeClr val="bg1">
-                    <a:lumMod val="75000"/>
-                  </a:schemeClr>
-                </a:solidFill>
-                <a:latin typeface="Roboto" panose="02000000000000000000" pitchFamily="2" charset="0"/>
-                <a:ea typeface="Roboto" panose="02000000000000000000" pitchFamily="2" charset="0"/>
-              </a:rPr>
-              <a:t>Agregar clave SSH a agente</a:t>
-            </a:r>
-          </a:p>
-          <a:p>
-            <a:pPr marL="0" indent="0">
-              <a:buNone/>
-            </a:pPr>
-            <a:r>
-              <a:rPr lang="es-MX" sz="2400" dirty="0" err="1">
-                <a:solidFill>
                   <a:srgbClr val="4B6584"/>
                 </a:solidFill>
-                <a:latin typeface="Roboto" panose="02000000000000000000" pitchFamily="2" charset="0"/>
-                <a:ea typeface="Roboto" panose="02000000000000000000" pitchFamily="2" charset="0"/>
-              </a:rPr>
-              <a:t>ssh-add</a:t>
-            </a:r>
-            <a:r>
-              <a:rPr lang="es-MX" sz="2400" dirty="0">
+                <a:latin typeface="Gotham Rounded Bold" pitchFamily="50" charset="0"/>
+                <a:ea typeface="Roboto" panose="02000000000000000000" pitchFamily="2" charset="0"/>
+              </a:rPr>
+              <a:t> ~/.</a:t>
+            </a:r>
+            <a:r>
+              <a:rPr lang="es-MX" sz="2200" dirty="0" err="1">
                 <a:solidFill>
                   <a:srgbClr val="4B6584"/>
                 </a:solidFill>
-                <a:latin typeface="Roboto" panose="02000000000000000000" pitchFamily="2" charset="0"/>
-                <a:ea typeface="Roboto" panose="02000000000000000000" pitchFamily="2" charset="0"/>
-              </a:rPr>
-              <a:t> ~/.</a:t>
-            </a:r>
-            <a:r>
-              <a:rPr lang="es-MX" sz="2400" dirty="0" err="1">
+                <a:latin typeface="Gotham Rounded Bold" pitchFamily="50" charset="0"/>
+                <a:ea typeface="Roboto" panose="02000000000000000000" pitchFamily="2" charset="0"/>
+              </a:rPr>
+              <a:t>ssh</a:t>
+            </a:r>
+            <a:r>
+              <a:rPr lang="es-MX" sz="2200" dirty="0">
                 <a:solidFill>
                   <a:srgbClr val="4B6584"/>
                 </a:solidFill>
-                <a:latin typeface="Roboto" panose="02000000000000000000" pitchFamily="2" charset="0"/>
+                <a:latin typeface="Gotham Rounded Bold" pitchFamily="50" charset="0"/>
+                <a:ea typeface="Roboto" panose="02000000000000000000" pitchFamily="2" charset="0"/>
+              </a:rPr>
+              <a:t>/&lt;clave </a:t>
+            </a:r>
+            <a:r>
+              <a:rPr lang="es-MX" sz="2200" dirty="0" err="1">
+                <a:solidFill>
+                  <a:srgbClr val="4B6584"/>
+                </a:solidFill>
+                <a:latin typeface="Gotham Rounded Bold" pitchFamily="50" charset="0"/>
                 <a:ea typeface="Roboto" panose="02000000000000000000" pitchFamily="2" charset="0"/>
               </a:rPr>
               <a:t>ssh</a:t>
             </a:r>
             <a:r>
-              <a:rPr lang="es-MX" sz="2400" dirty="0">
+              <a:rPr lang="es-MX" sz="2200" dirty="0">
                 <a:solidFill>
                   <a:srgbClr val="4B6584"/>
                 </a:solidFill>
-                <a:latin typeface="Roboto" panose="02000000000000000000" pitchFamily="2" charset="0"/>
-                <a:ea typeface="Roboto" panose="02000000000000000000" pitchFamily="2" charset="0"/>
-              </a:rPr>
-              <a:t>/&lt;clave </a:t>
-            </a:r>
-            <a:r>
-              <a:rPr lang="es-MX" sz="2400" dirty="0" err="1">
-                <a:solidFill>
-                  <a:srgbClr val="4B6584"/>
-                </a:solidFill>
-                <a:latin typeface="Roboto" panose="02000000000000000000" pitchFamily="2" charset="0"/>
-                <a:ea typeface="Roboto" panose="02000000000000000000" pitchFamily="2" charset="0"/>
-              </a:rPr>
-              <a:t>ssh</a:t>
-            </a:r>
-            <a:r>
-              <a:rPr lang="es-MX" sz="2400" dirty="0">
-                <a:solidFill>
-                  <a:srgbClr val="4B6584"/>
-                </a:solidFill>
-                <a:latin typeface="Roboto" panose="02000000000000000000" pitchFamily="2" charset="0"/>
+                <a:latin typeface="Gotham Rounded Bold" pitchFamily="50" charset="0"/>
                 <a:ea typeface="Roboto" panose="02000000000000000000" pitchFamily="2" charset="0"/>
               </a:rPr>
               <a:t>&gt;</a:t>
@@ -10604,13 +10575,6 @@
   <p:clrMapOvr>
     <a:masterClrMapping/>
   </p:clrMapOvr>
-  <p:timing>
-    <p:tnLst>
-      <p:par>
-        <p:cTn id="1" dur="indefinite" restart="never" nodeType="tmRoot"/>
-      </p:par>
-    </p:tnLst>
-  </p:timing>
 </p:sld>
 </file>
 
@@ -10647,24 +10611,15 @@
           <a:lstStyle/>
           <a:p>
             <a:r>
-              <a:rPr lang="es-MX" sz="5000" dirty="0" smtClean="0">
-                <a:solidFill>
-                  <a:srgbClr val="B71540"/>
-                </a:solidFill>
-                <a:latin typeface="Roboto Black" panose="02000000000000000000" pitchFamily="2" charset="0"/>
+              <a:rPr lang="es-MX" sz="5000" b="1" dirty="0">
+                <a:solidFill>
+                  <a:srgbClr val="D61E3C"/>
+                </a:solidFill>
+                <a:latin typeface="Gotham Rounded Book" pitchFamily="50" charset="0"/>
                 <a:ea typeface="Roboto Black" panose="02000000000000000000" pitchFamily="2" charset="0"/>
               </a:rPr>
               <a:t>SSH to GitHub</a:t>
             </a:r>
-            <a:endParaRPr lang="es-MX" sz="2000" dirty="0">
-              <a:solidFill>
-                <a:schemeClr val="bg1">
-                  <a:lumMod val="50000"/>
-                </a:schemeClr>
-              </a:solidFill>
-              <a:latin typeface="Roboto" panose="02000000000000000000" pitchFamily="2" charset="0"/>
-              <a:ea typeface="Roboto" panose="02000000000000000000" pitchFamily="2" charset="0"/>
-            </a:endParaRPr>
           </a:p>
         </p:txBody>
       </p:sp>
@@ -10694,13 +10649,13 @@
               <a:buNone/>
             </a:pPr>
             <a:r>
-              <a:rPr lang="es-MX" sz="2200" dirty="0" smtClean="0">
+              <a:rPr lang="es-MX" sz="2000" dirty="0">
                 <a:solidFill>
                   <a:schemeClr val="bg1">
                     <a:lumMod val="75000"/>
                   </a:schemeClr>
                 </a:solidFill>
-                <a:latin typeface="Roboto" panose="02000000000000000000" pitchFamily="2" charset="0"/>
+                <a:latin typeface="Gotham Rounded Medium" panose="02000000000000000000" pitchFamily="50" charset="0"/>
                 <a:ea typeface="Roboto" panose="02000000000000000000" pitchFamily="2" charset="0"/>
               </a:rPr>
               <a:t>Copiar llave</a:t>
@@ -10711,51 +10666,31 @@
               <a:buNone/>
             </a:pPr>
             <a:r>
-              <a:rPr lang="es-MX" sz="2400" u="sng" dirty="0">
+              <a:rPr lang="es-MX" sz="2200" dirty="0">
                 <a:solidFill>
                   <a:srgbClr val="4B6584"/>
                 </a:solidFill>
-                <a:latin typeface="Roboto" panose="02000000000000000000" pitchFamily="2" charset="0"/>
-                <a:ea typeface="Roboto" panose="02000000000000000000" pitchFamily="2" charset="0"/>
-              </a:rPr>
-              <a:t>c</a:t>
-            </a:r>
-            <a:r>
-              <a:rPr lang="es-MX" sz="2400" u="sng" dirty="0" smtClean="0">
+                <a:latin typeface="Gotham Rounded Bold" pitchFamily="50" charset="0"/>
+                <a:ea typeface="Roboto" panose="02000000000000000000" pitchFamily="2" charset="0"/>
+              </a:rPr>
+              <a:t>clip &lt; ~/.</a:t>
+            </a:r>
+            <a:r>
+              <a:rPr lang="es-MX" sz="2200" dirty="0" err="1">
                 <a:solidFill>
                   <a:srgbClr val="4B6584"/>
                 </a:solidFill>
-                <a:latin typeface="Roboto" panose="02000000000000000000" pitchFamily="2" charset="0"/>
-                <a:ea typeface="Roboto" panose="02000000000000000000" pitchFamily="2" charset="0"/>
-              </a:rPr>
-              <a:t>lip</a:t>
-            </a:r>
-            <a:r>
-              <a:rPr lang="es-MX" sz="2400" dirty="0" smtClean="0">
+                <a:latin typeface="Gotham Rounded Bold" pitchFamily="50" charset="0"/>
+                <a:ea typeface="Roboto" panose="02000000000000000000" pitchFamily="2" charset="0"/>
+              </a:rPr>
+              <a:t>ssh</a:t>
+            </a:r>
+            <a:r>
+              <a:rPr lang="es-MX" sz="2200" dirty="0">
                 <a:solidFill>
                   <a:srgbClr val="4B6584"/>
                 </a:solidFill>
-                <a:latin typeface="Roboto" panose="02000000000000000000" pitchFamily="2" charset="0"/>
-                <a:ea typeface="Roboto" panose="02000000000000000000" pitchFamily="2" charset="0"/>
-              </a:rPr>
-              <a:t> &lt; ~/.</a:t>
-            </a:r>
-            <a:r>
-              <a:rPr lang="es-MX" sz="2400" dirty="0" err="1" smtClean="0">
-                <a:solidFill>
-                  <a:srgbClr val="4B6584"/>
-                </a:solidFill>
-                <a:latin typeface="Roboto" panose="02000000000000000000" pitchFamily="2" charset="0"/>
-                <a:ea typeface="Roboto" panose="02000000000000000000" pitchFamily="2" charset="0"/>
-              </a:rPr>
-              <a:t>ssh</a:t>
-            </a:r>
-            <a:r>
-              <a:rPr lang="es-MX" sz="2400" dirty="0" smtClean="0">
-                <a:solidFill>
-                  <a:srgbClr val="4B6584"/>
-                </a:solidFill>
-                <a:latin typeface="Roboto" panose="02000000000000000000" pitchFamily="2" charset="0"/>
+                <a:latin typeface="Gotham Rounded Bold" pitchFamily="50" charset="0"/>
                 <a:ea typeface="Roboto" panose="02000000000000000000" pitchFamily="2" charset="0"/>
               </a:rPr>
               <a:t>/&lt;nombreLlave.pub&gt;</a:t>
@@ -10825,13 +10760,6 @@
   <p:clrMapOvr>
     <a:masterClrMapping/>
   </p:clrMapOvr>
-  <p:timing>
-    <p:tnLst>
-      <p:par>
-        <p:cTn id="1" dur="indefinite" restart="never" nodeType="tmRoot"/>
-      </p:par>
-    </p:tnLst>
-  </p:timing>
 </p:sld>
 </file>
 
@@ -10868,23 +10796,21 @@
           <a:lstStyle/>
           <a:p>
             <a:r>
-              <a:rPr lang="es-MX" sz="5000" dirty="0" err="1" smtClean="0">
-                <a:solidFill>
-                  <a:srgbClr val="B71540"/>
-                </a:solidFill>
-                <a:latin typeface="Roboto Black" panose="02000000000000000000" pitchFamily="2" charset="0"/>
+              <a:rPr lang="es-MX" sz="5000" b="1" dirty="0" err="1">
+                <a:solidFill>
+                  <a:srgbClr val="D61E3C"/>
+                </a:solidFill>
+                <a:latin typeface="Gotham Rounded Book" pitchFamily="50" charset="0"/>
                 <a:ea typeface="Roboto Black" panose="02000000000000000000" pitchFamily="2" charset="0"/>
               </a:rPr>
               <a:t>Testing</a:t>
             </a:r>
-            <a:endParaRPr lang="es-MX" sz="2000" dirty="0">
+            <a:endParaRPr lang="es-MX" sz="5000" b="1" dirty="0">
               <a:solidFill>
-                <a:schemeClr val="bg1">
-                  <a:lumMod val="50000"/>
-                </a:schemeClr>
+                <a:srgbClr val="D61E3C"/>
               </a:solidFill>
-              <a:latin typeface="Roboto" panose="02000000000000000000" pitchFamily="2" charset="0"/>
-              <a:ea typeface="Roboto" panose="02000000000000000000" pitchFamily="2" charset="0"/>
+              <a:latin typeface="Gotham Rounded Book" pitchFamily="50" charset="0"/>
+              <a:ea typeface="Roboto Black" panose="02000000000000000000" pitchFamily="2" charset="0"/>
             </a:endParaRPr>
           </a:p>
         </p:txBody>
@@ -10915,13 +10841,13 @@
               <a:buNone/>
             </a:pPr>
             <a:r>
-              <a:rPr lang="es-MX" sz="2200" dirty="0" smtClean="0">
+              <a:rPr lang="es-MX" sz="2000" dirty="0">
                 <a:solidFill>
                   <a:schemeClr val="bg1">
                     <a:lumMod val="75000"/>
                   </a:schemeClr>
                 </a:solidFill>
-                <a:latin typeface="Roboto" panose="02000000000000000000" pitchFamily="2" charset="0"/>
+                <a:latin typeface="Gotham Rounded Medium" panose="02000000000000000000" pitchFamily="50" charset="0"/>
                 <a:ea typeface="Roboto" panose="02000000000000000000" pitchFamily="2" charset="0"/>
               </a:rPr>
               <a:t>Probando conexión</a:t>
@@ -10932,48 +10858,31 @@
               <a:buNone/>
             </a:pPr>
             <a:r>
-              <a:rPr lang="es-MX" sz="2400" u="sng" dirty="0" err="1">
+              <a:rPr lang="es-MX" sz="2200" dirty="0" err="1">
                 <a:solidFill>
                   <a:srgbClr val="4B6584"/>
                 </a:solidFill>
-                <a:latin typeface="Roboto" panose="02000000000000000000" pitchFamily="2" charset="0"/>
-                <a:ea typeface="Roboto" panose="02000000000000000000" pitchFamily="2" charset="0"/>
-              </a:rPr>
-              <a:t>s</a:t>
-            </a:r>
-            <a:r>
-              <a:rPr lang="es-MX" sz="2400" u="sng" dirty="0" err="1" smtClean="0">
+                <a:latin typeface="Gotham Rounded Bold" pitchFamily="50" charset="0"/>
+                <a:ea typeface="Roboto" panose="02000000000000000000" pitchFamily="2" charset="0"/>
+              </a:rPr>
+              <a:t>ssh</a:t>
+            </a:r>
+            <a:r>
+              <a:rPr lang="es-MX" sz="2200" dirty="0">
                 <a:solidFill>
                   <a:srgbClr val="4B6584"/>
                 </a:solidFill>
-                <a:latin typeface="Roboto" panose="02000000000000000000" pitchFamily="2" charset="0"/>
-                <a:ea typeface="Roboto" panose="02000000000000000000" pitchFamily="2" charset="0"/>
-              </a:rPr>
-              <a:t>sh</a:t>
-            </a:r>
-            <a:r>
-              <a:rPr lang="es-MX" sz="2400" u="sng" dirty="0" smtClean="0">
-                <a:solidFill>
-                  <a:srgbClr val="4B6584"/>
-                </a:solidFill>
-                <a:latin typeface="Roboto" panose="02000000000000000000" pitchFamily="2" charset="0"/>
+                <a:latin typeface="Gotham Rounded Bold" pitchFamily="50" charset="0"/>
                 <a:ea typeface="Roboto" panose="02000000000000000000" pitchFamily="2" charset="0"/>
               </a:rPr>
               <a:t> –T git@github.com</a:t>
             </a:r>
-            <a:endParaRPr lang="es-MX" sz="2400" dirty="0" smtClean="0">
-              <a:solidFill>
-                <a:srgbClr val="4B6584"/>
-              </a:solidFill>
-              <a:latin typeface="Roboto" panose="02000000000000000000" pitchFamily="2" charset="0"/>
-              <a:ea typeface="Roboto" panose="02000000000000000000" pitchFamily="2" charset="0"/>
-            </a:endParaRPr>
           </a:p>
           <a:p>
             <a:pPr marL="0" indent="0">
               <a:buNone/>
             </a:pPr>
-            <a:endParaRPr lang="es-MX" sz="2400" dirty="0" smtClean="0">
+            <a:endParaRPr lang="es-MX" sz="2400" dirty="0">
               <a:solidFill>
                 <a:schemeClr val="bg1">
                   <a:lumMod val="50000"/>
@@ -11039,13 +10948,6 @@
   <p:clrMapOvr>
     <a:masterClrMapping/>
   </p:clrMapOvr>
-  <p:timing>
-    <p:tnLst>
-      <p:par>
-        <p:cTn id="1" dur="indefinite" restart="never" nodeType="tmRoot"/>
-      </p:par>
-    </p:tnLst>
-  </p:timing>
 </p:sld>
 </file>
 
@@ -11092,81 +10994,81 @@
               <a:buNone/>
             </a:pPr>
             <a:r>
+              <a:rPr lang="es-MX" sz="2000" dirty="0">
+                <a:solidFill>
+                  <a:schemeClr val="bg1">
+                    <a:lumMod val="75000"/>
+                  </a:schemeClr>
+                </a:solidFill>
+                <a:latin typeface="Gotham Rounded Medium" panose="02000000000000000000" pitchFamily="50" charset="0"/>
+                <a:ea typeface="Roboto" panose="02000000000000000000" pitchFamily="2" charset="0"/>
+              </a:rPr>
+              <a:t>Iniciar </a:t>
+            </a:r>
+            <a:r>
+              <a:rPr lang="es-MX" sz="2000" dirty="0" err="1">
+                <a:solidFill>
+                  <a:schemeClr val="bg1">
+                    <a:lumMod val="75000"/>
+                  </a:schemeClr>
+                </a:solidFill>
+                <a:latin typeface="Gotham Rounded Medium" panose="02000000000000000000" pitchFamily="50" charset="0"/>
+                <a:ea typeface="Roboto" panose="02000000000000000000" pitchFamily="2" charset="0"/>
+              </a:rPr>
+              <a:t>git</a:t>
+            </a:r>
+            <a:r>
+              <a:rPr lang="es-MX" sz="2000" dirty="0">
+                <a:solidFill>
+                  <a:schemeClr val="bg1">
+                    <a:lumMod val="75000"/>
+                  </a:schemeClr>
+                </a:solidFill>
+                <a:latin typeface="Gotham Rounded Medium" panose="02000000000000000000" pitchFamily="50" charset="0"/>
+                <a:ea typeface="Roboto" panose="02000000000000000000" pitchFamily="2" charset="0"/>
+              </a:rPr>
+              <a:t> en folder</a:t>
+            </a:r>
+          </a:p>
+          <a:p>
+            <a:pPr marL="0" indent="0">
+              <a:buNone/>
+            </a:pPr>
+            <a:r>
+              <a:rPr lang="es-MX" sz="2200" dirty="0" err="1">
+                <a:solidFill>
+                  <a:srgbClr val="4B6584"/>
+                </a:solidFill>
+                <a:latin typeface="Gotham Rounded Bold" pitchFamily="50" charset="0"/>
+                <a:ea typeface="Roboto" panose="02000000000000000000" pitchFamily="2" charset="0"/>
+              </a:rPr>
+              <a:t>git</a:t>
+            </a:r>
+            <a:r>
               <a:rPr lang="es-MX" sz="2200" dirty="0">
                 <a:solidFill>
-                  <a:schemeClr val="bg1">
-                    <a:lumMod val="75000"/>
-                  </a:schemeClr>
-                </a:solidFill>
-                <a:latin typeface="Roboto" panose="02000000000000000000" pitchFamily="2" charset="0"/>
-                <a:ea typeface="Roboto" panose="02000000000000000000" pitchFamily="2" charset="0"/>
-              </a:rPr>
-              <a:t>Iniciar </a:t>
+                  <a:srgbClr val="4B6584"/>
+                </a:solidFill>
+                <a:latin typeface="Gotham Rounded Bold" pitchFamily="50" charset="0"/>
+                <a:ea typeface="Roboto" panose="02000000000000000000" pitchFamily="2" charset="0"/>
+              </a:rPr>
+              <a:t> </a:t>
             </a:r>
             <a:r>
               <a:rPr lang="es-MX" sz="2200" dirty="0" err="1">
                 <a:solidFill>
-                  <a:schemeClr val="bg1">
-                    <a:lumMod val="75000"/>
-                  </a:schemeClr>
-                </a:solidFill>
-                <a:latin typeface="Roboto" panose="02000000000000000000" pitchFamily="2" charset="0"/>
-                <a:ea typeface="Roboto" panose="02000000000000000000" pitchFamily="2" charset="0"/>
-              </a:rPr>
-              <a:t>git</a:t>
-            </a:r>
-            <a:r>
-              <a:rPr lang="es-MX" sz="2200" dirty="0">
-                <a:solidFill>
-                  <a:schemeClr val="bg1">
-                    <a:lumMod val="75000"/>
-                  </a:schemeClr>
-                </a:solidFill>
-                <a:latin typeface="Roboto" panose="02000000000000000000" pitchFamily="2" charset="0"/>
-                <a:ea typeface="Roboto" panose="02000000000000000000" pitchFamily="2" charset="0"/>
-              </a:rPr>
-              <a:t> en folder</a:t>
-            </a:r>
-          </a:p>
-          <a:p>
-            <a:pPr marL="0" indent="0">
-              <a:buNone/>
-            </a:pPr>
-            <a:r>
-              <a:rPr lang="es-MX" sz="2400" dirty="0" err="1">
-                <a:solidFill>
                   <a:srgbClr val="4B6584"/>
                 </a:solidFill>
-                <a:latin typeface="Roboto" panose="02000000000000000000" pitchFamily="2" charset="0"/>
-                <a:ea typeface="Roboto" panose="02000000000000000000" pitchFamily="2" charset="0"/>
-              </a:rPr>
-              <a:t>git</a:t>
-            </a:r>
-            <a:r>
-              <a:rPr lang="es-MX" sz="2400" dirty="0">
-                <a:solidFill>
-                  <a:srgbClr val="4B6584"/>
-                </a:solidFill>
-                <a:latin typeface="Roboto" panose="02000000000000000000" pitchFamily="2" charset="0"/>
-                <a:ea typeface="Roboto" panose="02000000000000000000" pitchFamily="2" charset="0"/>
-              </a:rPr>
-              <a:t> </a:t>
-            </a:r>
-            <a:r>
-              <a:rPr lang="es-MX" sz="2400" dirty="0" err="1" smtClean="0">
-                <a:solidFill>
-                  <a:srgbClr val="4B6584"/>
-                </a:solidFill>
-                <a:latin typeface="Roboto" panose="02000000000000000000" pitchFamily="2" charset="0"/>
+                <a:latin typeface="Gotham Rounded Bold" pitchFamily="50" charset="0"/>
                 <a:ea typeface="Roboto" panose="02000000000000000000" pitchFamily="2" charset="0"/>
               </a:rPr>
               <a:t>init</a:t>
             </a:r>
-            <a:endParaRPr lang="es-MX" sz="2000" dirty="0">
+            <a:endParaRPr lang="es-MX" sz="2200" dirty="0">
               <a:solidFill>
                 <a:srgbClr val="4B6584"/>
               </a:solidFill>
-              <a:latin typeface="Roboto" panose="02000000000000000000" pitchFamily="2" charset="0"/>
+              <a:latin typeface="Gotham Rounded Bold" pitchFamily="50" charset="0"/>
               <a:ea typeface="Roboto" panose="02000000000000000000" pitchFamily="2" charset="0"/>
             </a:endParaRPr>
           </a:p>
@@ -11175,177 +11077,123 @@
               <a:buNone/>
             </a:pPr>
             <a:r>
+              <a:rPr lang="es-MX" sz="2000" dirty="0">
+                <a:solidFill>
+                  <a:schemeClr val="bg1">
+                    <a:lumMod val="75000"/>
+                  </a:schemeClr>
+                </a:solidFill>
+                <a:latin typeface="Gotham Rounded Medium" panose="02000000000000000000" pitchFamily="50" charset="0"/>
+                <a:ea typeface="Roboto" panose="02000000000000000000" pitchFamily="2" charset="0"/>
+              </a:rPr>
+              <a:t>Agregar los archivos existentes</a:t>
+            </a:r>
+          </a:p>
+          <a:p>
+            <a:pPr marL="0" indent="0">
+              <a:buNone/>
+            </a:pPr>
+            <a:r>
+              <a:rPr lang="es-MX" sz="2200" dirty="0" err="1">
+                <a:solidFill>
+                  <a:srgbClr val="4B6584"/>
+                </a:solidFill>
+                <a:latin typeface="Gotham Rounded Bold" pitchFamily="50" charset="0"/>
+                <a:ea typeface="Roboto" panose="02000000000000000000" pitchFamily="2" charset="0"/>
+              </a:rPr>
+              <a:t>git</a:t>
+            </a:r>
+            <a:r>
               <a:rPr lang="es-MX" sz="2200" dirty="0">
                 <a:solidFill>
-                  <a:schemeClr val="bg1">
-                    <a:lumMod val="75000"/>
+                  <a:srgbClr val="4B6584"/>
+                </a:solidFill>
+                <a:latin typeface="Gotham Rounded Bold" pitchFamily="50" charset="0"/>
+                <a:ea typeface="Roboto" panose="02000000000000000000" pitchFamily="2" charset="0"/>
+              </a:rPr>
+              <a:t> </a:t>
+            </a:r>
+            <a:r>
+              <a:rPr lang="es-MX" sz="2200" dirty="0" err="1">
+                <a:solidFill>
+                  <a:srgbClr val="4B6584"/>
+                </a:solidFill>
+                <a:latin typeface="Gotham Rounded Bold" pitchFamily="50" charset="0"/>
+                <a:ea typeface="Roboto" panose="02000000000000000000" pitchFamily="2" charset="0"/>
+              </a:rPr>
+              <a:t>add</a:t>
+            </a:r>
+            <a:r>
+              <a:rPr lang="es-MX" sz="2200" dirty="0">
+                <a:solidFill>
+                  <a:srgbClr val="4B6584"/>
+                </a:solidFill>
+                <a:latin typeface="Gotham Rounded Bold" pitchFamily="50" charset="0"/>
+                <a:ea typeface="Roboto" panose="02000000000000000000" pitchFamily="2" charset="0"/>
+              </a:rPr>
+              <a:t> . 		</a:t>
+            </a:r>
+            <a:r>
+              <a:rPr lang="es-MX" sz="2200" dirty="0" err="1">
+                <a:solidFill>
+                  <a:srgbClr val="4B6584"/>
+                </a:solidFill>
+                <a:latin typeface="Gotham Rounded Bold" pitchFamily="50" charset="0"/>
+                <a:ea typeface="Roboto" panose="02000000000000000000" pitchFamily="2" charset="0"/>
+              </a:rPr>
+              <a:t>git</a:t>
+            </a:r>
+            <a:r>
+              <a:rPr lang="es-MX" sz="2200" dirty="0">
+                <a:solidFill>
+                  <a:srgbClr val="4B6584"/>
+                </a:solidFill>
+                <a:latin typeface="Gotham Rounded Bold" pitchFamily="50" charset="0"/>
+                <a:ea typeface="Roboto" panose="02000000000000000000" pitchFamily="2" charset="0"/>
+              </a:rPr>
+              <a:t> </a:t>
+            </a:r>
+            <a:r>
+              <a:rPr lang="es-MX" sz="2200" dirty="0" err="1">
+                <a:solidFill>
+                  <a:srgbClr val="4B6584"/>
+                </a:solidFill>
+                <a:latin typeface="Gotham Rounded Bold" pitchFamily="50" charset="0"/>
+                <a:ea typeface="Roboto" panose="02000000000000000000" pitchFamily="2" charset="0"/>
+              </a:rPr>
+              <a:t>add</a:t>
+            </a:r>
+            <a:r>
+              <a:rPr lang="es-MX" sz="2200" dirty="0">
+                <a:solidFill>
+                  <a:srgbClr val="4B6584"/>
+                </a:solidFill>
+                <a:latin typeface="Gotham Rounded Bold" pitchFamily="50" charset="0"/>
+                <a:ea typeface="Roboto" panose="02000000000000000000" pitchFamily="2" charset="0"/>
+              </a:rPr>
+              <a:t> –</a:t>
+            </a:r>
+            <a:r>
+              <a:rPr lang="es-MX" sz="2200" dirty="0" err="1">
+                <a:solidFill>
+                  <a:srgbClr val="4B6584"/>
+                </a:solidFill>
+                <a:latin typeface="Gotham Rounded Bold" pitchFamily="50" charset="0"/>
+                <a:ea typeface="Roboto" panose="02000000000000000000" pitchFamily="2" charset="0"/>
+              </a:rPr>
+              <a:t>all</a:t>
+            </a:r>
+            <a:r>
+              <a:rPr lang="es-MX" sz="2400" dirty="0">
+                <a:solidFill>
+                  <a:schemeClr val="bg1">
+                    <a:lumMod val="50000"/>
                   </a:schemeClr>
                 </a:solidFill>
                 <a:latin typeface="Roboto" panose="02000000000000000000" pitchFamily="2" charset="0"/>
                 <a:ea typeface="Roboto" panose="02000000000000000000" pitchFamily="2" charset="0"/>
               </a:rPr>
-              <a:t>Agregar los archivos existentes</a:t>
-            </a:r>
-          </a:p>
-          <a:p>
-            <a:pPr marL="0" indent="0">
-              <a:buNone/>
-            </a:pPr>
-            <a:r>
-              <a:rPr lang="es-MX" sz="2400" dirty="0" err="1" smtClean="0">
-                <a:solidFill>
-                  <a:srgbClr val="4B6584"/>
-                </a:solidFill>
-                <a:latin typeface="Roboto" panose="02000000000000000000" pitchFamily="2" charset="0"/>
-                <a:ea typeface="Roboto" panose="02000000000000000000" pitchFamily="2" charset="0"/>
-              </a:rPr>
-              <a:t>git</a:t>
-            </a:r>
-            <a:r>
-              <a:rPr lang="es-MX" sz="2400" dirty="0" smtClean="0">
-                <a:solidFill>
-                  <a:srgbClr val="4B6584"/>
-                </a:solidFill>
-                <a:latin typeface="Roboto" panose="02000000000000000000" pitchFamily="2" charset="0"/>
-                <a:ea typeface="Roboto" panose="02000000000000000000" pitchFamily="2" charset="0"/>
-              </a:rPr>
-              <a:t> </a:t>
-            </a:r>
-            <a:r>
-              <a:rPr lang="es-MX" sz="2400" dirty="0" err="1">
-                <a:solidFill>
-                  <a:srgbClr val="4B6584"/>
-                </a:solidFill>
-                <a:latin typeface="Roboto" panose="02000000000000000000" pitchFamily="2" charset="0"/>
-                <a:ea typeface="Roboto" panose="02000000000000000000" pitchFamily="2" charset="0"/>
-              </a:rPr>
-              <a:t>add</a:t>
-            </a:r>
-            <a:r>
-              <a:rPr lang="es-MX" sz="2400" dirty="0">
-                <a:solidFill>
-                  <a:srgbClr val="4B6584"/>
-                </a:solidFill>
-                <a:latin typeface="Roboto" panose="02000000000000000000" pitchFamily="2" charset="0"/>
-                <a:ea typeface="Roboto" panose="02000000000000000000" pitchFamily="2" charset="0"/>
-              </a:rPr>
-              <a:t> </a:t>
-            </a:r>
-            <a:r>
-              <a:rPr lang="es-MX" sz="2400" dirty="0" smtClean="0">
-                <a:solidFill>
-                  <a:srgbClr val="4B6584"/>
-                </a:solidFill>
-                <a:latin typeface="Roboto" panose="02000000000000000000" pitchFamily="2" charset="0"/>
-                <a:ea typeface="Roboto" panose="02000000000000000000" pitchFamily="2" charset="0"/>
-              </a:rPr>
-              <a:t>. </a:t>
-            </a:r>
-            <a:r>
-              <a:rPr lang="es-MX" sz="2400" dirty="0">
-                <a:solidFill>
-                  <a:srgbClr val="4B6584"/>
-                </a:solidFill>
-                <a:latin typeface="Roboto" panose="02000000000000000000" pitchFamily="2" charset="0"/>
-                <a:ea typeface="Roboto" panose="02000000000000000000" pitchFamily="2" charset="0"/>
-              </a:rPr>
-              <a:t>	</a:t>
-            </a:r>
-            <a:r>
-              <a:rPr lang="es-MX" sz="2400" dirty="0" smtClean="0">
-                <a:solidFill>
-                  <a:srgbClr val="4B6584"/>
-                </a:solidFill>
-                <a:latin typeface="Roboto" panose="02000000000000000000" pitchFamily="2" charset="0"/>
-                <a:ea typeface="Roboto" panose="02000000000000000000" pitchFamily="2" charset="0"/>
-              </a:rPr>
-              <a:t>	</a:t>
-            </a:r>
-            <a:r>
-              <a:rPr lang="es-MX" sz="2400" dirty="0" err="1" smtClean="0">
-                <a:solidFill>
-                  <a:srgbClr val="4B6584"/>
-                </a:solidFill>
-                <a:latin typeface="Roboto" panose="02000000000000000000" pitchFamily="2" charset="0"/>
-                <a:ea typeface="Roboto" panose="02000000000000000000" pitchFamily="2" charset="0"/>
-              </a:rPr>
-              <a:t>git</a:t>
-            </a:r>
-            <a:r>
-              <a:rPr lang="es-MX" sz="2400" dirty="0" smtClean="0">
-                <a:solidFill>
-                  <a:srgbClr val="4B6584"/>
-                </a:solidFill>
-                <a:latin typeface="Roboto" panose="02000000000000000000" pitchFamily="2" charset="0"/>
-                <a:ea typeface="Roboto" panose="02000000000000000000" pitchFamily="2" charset="0"/>
-              </a:rPr>
-              <a:t> </a:t>
-            </a:r>
-            <a:r>
-              <a:rPr lang="es-MX" sz="2400" dirty="0" err="1" smtClean="0">
-                <a:solidFill>
-                  <a:srgbClr val="4B6584"/>
-                </a:solidFill>
-                <a:latin typeface="Roboto" panose="02000000000000000000" pitchFamily="2" charset="0"/>
-                <a:ea typeface="Roboto" panose="02000000000000000000" pitchFamily="2" charset="0"/>
-              </a:rPr>
-              <a:t>add</a:t>
-            </a:r>
-            <a:r>
-              <a:rPr lang="es-MX" sz="2400" dirty="0" smtClean="0">
-                <a:solidFill>
-                  <a:srgbClr val="4B6584"/>
-                </a:solidFill>
-                <a:latin typeface="Roboto" panose="02000000000000000000" pitchFamily="2" charset="0"/>
-                <a:ea typeface="Roboto" panose="02000000000000000000" pitchFamily="2" charset="0"/>
-              </a:rPr>
-              <a:t> –</a:t>
-            </a:r>
-            <a:r>
-              <a:rPr lang="es-MX" sz="2400" dirty="0" err="1" smtClean="0">
-                <a:solidFill>
-                  <a:srgbClr val="4B6584"/>
-                </a:solidFill>
-                <a:latin typeface="Roboto" panose="02000000000000000000" pitchFamily="2" charset="0"/>
-                <a:ea typeface="Roboto" panose="02000000000000000000" pitchFamily="2" charset="0"/>
-              </a:rPr>
-              <a:t>all</a:t>
-            </a:r>
-            <a:r>
-              <a:rPr lang="es-MX" sz="2400" dirty="0" smtClean="0">
-                <a:solidFill>
-                  <a:schemeClr val="bg1">
-                    <a:lumMod val="50000"/>
-                  </a:schemeClr>
-                </a:solidFill>
-                <a:latin typeface="Roboto" panose="02000000000000000000" pitchFamily="2" charset="0"/>
-                <a:ea typeface="Roboto" panose="02000000000000000000" pitchFamily="2" charset="0"/>
-              </a:rPr>
-              <a:t>	</a:t>
-            </a:r>
-            <a:r>
-              <a:rPr lang="es-MX" sz="2400" dirty="0">
-                <a:solidFill>
-                  <a:schemeClr val="bg1">
-                    <a:lumMod val="50000"/>
-                  </a:schemeClr>
-                </a:solidFill>
-                <a:latin typeface="Roboto" panose="02000000000000000000" pitchFamily="2" charset="0"/>
-                <a:ea typeface="Roboto" panose="02000000000000000000" pitchFamily="2" charset="0"/>
-              </a:rPr>
-              <a:t>	</a:t>
-            </a:r>
-            <a:r>
-              <a:rPr lang="es-MX" sz="2400" dirty="0" smtClean="0">
-                <a:solidFill>
-                  <a:schemeClr val="bg1">
-                    <a:lumMod val="50000"/>
-                  </a:schemeClr>
-                </a:solidFill>
-                <a:latin typeface="Roboto" panose="02000000000000000000" pitchFamily="2" charset="0"/>
-                <a:ea typeface="Roboto" panose="02000000000000000000" pitchFamily="2" charset="0"/>
-              </a:rPr>
-              <a:t>	</a:t>
+              <a:t>			</a:t>
             </a:r>
           </a:p>
           <a:p>
@@ -11426,33 +11274,84 @@
           </a:lstStyle>
           <a:p>
             <a:r>
-              <a:rPr lang="es-MX" sz="5000" dirty="0">
-                <a:solidFill>
-                  <a:srgbClr val="B71540"/>
-                </a:solidFill>
-                <a:latin typeface="Roboto Black" panose="02000000000000000000" pitchFamily="2" charset="0"/>
+              <a:rPr lang="es-MX" sz="5000" b="1" dirty="0">
+                <a:solidFill>
+                  <a:srgbClr val="D61E3C"/>
+                </a:solidFill>
+                <a:latin typeface="Gotham Rounded Book" pitchFamily="50" charset="0"/>
                 <a:ea typeface="Roboto Black" panose="02000000000000000000" pitchFamily="2" charset="0"/>
               </a:rPr>
-              <a:t>Crear </a:t>
-            </a:r>
-            <a:r>
-              <a:rPr lang="es-MX" sz="5000" dirty="0" smtClean="0">
-                <a:solidFill>
-                  <a:srgbClr val="B71540"/>
-                </a:solidFill>
-                <a:latin typeface="Roboto Black" panose="02000000000000000000" pitchFamily="2" charset="0"/>
-                <a:ea typeface="Roboto Black" panose="02000000000000000000" pitchFamily="2" charset="0"/>
-              </a:rPr>
-              <a:t>repositorio</a:t>
-            </a:r>
-            <a:endParaRPr lang="es-MX" sz="2000" dirty="0">
+              <a:t>Crear repositorio</a:t>
+            </a:r>
+          </a:p>
+        </p:txBody>
+      </p:sp>
+      <p:sp>
+        <p:nvSpPr>
+          <p:cNvPr id="5" name="CuadroTexto 4">
+            <a:extLst>
+              <a:ext uri="{FF2B5EF4-FFF2-40B4-BE49-F238E27FC236}">
+                <a16:creationId xmlns:a16="http://schemas.microsoft.com/office/drawing/2014/main" id="{5547BD0A-11F5-4211-9824-D78BE52DC6B1}"/>
+              </a:ext>
+            </a:extLst>
+          </p:cNvPr>
+          <p:cNvSpPr txBox="1"/>
+          <p:nvPr/>
+        </p:nvSpPr>
+        <p:spPr>
+          <a:xfrm>
+            <a:off x="10519955" y="6534835"/>
+            <a:ext cx="1672045" cy="323165"/>
+          </a:xfrm>
+          <a:prstGeom prst="rect">
+            <a:avLst/>
+          </a:prstGeom>
+          <a:noFill/>
+        </p:spPr>
+        <p:txBody>
+          <a:bodyPr wrap="square" rtlCol="0">
+            <a:spAutoFit/>
+          </a:bodyPr>
+          <a:lstStyle/>
+          <a:p>
+            <a:r>
+              <a:rPr lang="en-US" sz="1500" dirty="0">
+                <a:solidFill>
+                  <a:srgbClr val="FFC000"/>
+                </a:solidFill>
+                <a:latin typeface="Gotham Rounded Medium" panose="02000000000000000000" pitchFamily="50" charset="0"/>
+              </a:rPr>
+              <a:t>[ ] NO </a:t>
+            </a:r>
+            <a:r>
+              <a:rPr lang="en-US" sz="1200" dirty="0">
+                <a:solidFill>
+                  <a:schemeClr val="bg1">
+                    <a:lumMod val="75000"/>
+                  </a:schemeClr>
+                </a:solidFill>
+                <a:latin typeface="Gotham Rounded Medium" panose="02000000000000000000" pitchFamily="50" charset="0"/>
+              </a:rPr>
+              <a:t>se </a:t>
+            </a:r>
+            <a:r>
+              <a:rPr lang="en-US" sz="1200" dirty="0" err="1">
+                <a:solidFill>
+                  <a:schemeClr val="bg1">
+                    <a:lumMod val="75000"/>
+                  </a:schemeClr>
+                </a:solidFill>
+                <a:latin typeface="Gotham Rounded Medium" panose="02000000000000000000" pitchFamily="50" charset="0"/>
+              </a:rPr>
+              <a:t>teclean</a:t>
+            </a:r>
+            <a:endParaRPr lang="es-MX" sz="1200" dirty="0">
               <a:solidFill>
                 <a:schemeClr val="bg1">
-                  <a:lumMod val="50000"/>
+                  <a:lumMod val="75000"/>
                 </a:schemeClr>
               </a:solidFill>
-              <a:latin typeface="Roboto" panose="02000000000000000000" pitchFamily="2" charset="0"/>
-              <a:ea typeface="Roboto" panose="02000000000000000000" pitchFamily="2" charset="0"/>
+              <a:latin typeface="Gotham Rounded Medium" panose="02000000000000000000" pitchFamily="50" charset="0"/>
             </a:endParaRPr>
           </a:p>
         </p:txBody>
@@ -11467,13 +11366,6 @@
   <p:clrMapOvr>
     <a:masterClrMapping/>
   </p:clrMapOvr>
-  <p:timing>
-    <p:tnLst>
-      <p:par>
-        <p:cTn id="1" dur="indefinite" restart="never" nodeType="tmRoot"/>
-      </p:par>
-    </p:tnLst>
-  </p:timing>
 </p:sld>
 </file>
 
@@ -11536,34 +11428,15 @@
           </a:lstStyle>
           <a:p>
             <a:r>
-              <a:rPr lang="es-MX" sz="5000" dirty="0">
-                <a:solidFill>
-                  <a:srgbClr val="C00000"/>
-                </a:solidFill>
-                <a:latin typeface="Roboto Black" panose="02000000000000000000" pitchFamily="2" charset="0"/>
+              <a:rPr lang="es-MX" sz="5000" b="1" dirty="0">
+                <a:solidFill>
+                  <a:srgbClr val="D61E3C"/>
+                </a:solidFill>
+                <a:latin typeface="Gotham Rounded Book" pitchFamily="50" charset="0"/>
                 <a:ea typeface="Roboto Black" panose="02000000000000000000" pitchFamily="2" charset="0"/>
               </a:rPr>
-              <a:t>Hacer </a:t>
-            </a:r>
-            <a:r>
-              <a:rPr lang="es-MX" sz="5000" dirty="0" smtClean="0">
-                <a:solidFill>
-                  <a:srgbClr val="C00000"/>
-                </a:solidFill>
-                <a:latin typeface="Roboto Black" panose="02000000000000000000" pitchFamily="2" charset="0"/>
-                <a:ea typeface="Roboto Black" panose="02000000000000000000" pitchFamily="2" charset="0"/>
-              </a:rPr>
-              <a:t>cambios</a:t>
-            </a:r>
-            <a:endParaRPr lang="es-MX" sz="2000" dirty="0">
-              <a:solidFill>
-                <a:schemeClr val="bg1">
-                  <a:lumMod val="50000"/>
-                </a:schemeClr>
-              </a:solidFill>
-              <a:latin typeface="Roboto" panose="02000000000000000000" pitchFamily="2" charset="0"/>
-              <a:ea typeface="Roboto" panose="02000000000000000000" pitchFamily="2" charset="0"/>
-            </a:endParaRPr>
+              <a:t>Hacer cambios</a:t>
+            </a:r>
           </a:p>
         </p:txBody>
       </p:sp>
@@ -11593,163 +11466,101 @@
               <a:buNone/>
             </a:pPr>
             <a:r>
-              <a:rPr lang="es-MX" sz="2200" dirty="0" smtClean="0">
-                <a:solidFill>
-                  <a:schemeClr val="bg1">
-                    <a:lumMod val="65000"/>
-                  </a:schemeClr>
-                </a:solidFill>
-                <a:latin typeface="Roboto" panose="02000000000000000000" pitchFamily="2" charset="0"/>
-                <a:ea typeface="Roboto" panose="02000000000000000000" pitchFamily="2" charset="0"/>
-              </a:rPr>
-              <a:t>Registrar </a:t>
+              <a:rPr lang="es-MX" sz="2000" dirty="0">
+                <a:solidFill>
+                  <a:schemeClr val="bg1">
+                    <a:lumMod val="75000"/>
+                  </a:schemeClr>
+                </a:solidFill>
+                <a:latin typeface="Gotham Rounded Medium" panose="02000000000000000000" pitchFamily="50" charset="0"/>
+                <a:ea typeface="Roboto" panose="02000000000000000000" pitchFamily="2" charset="0"/>
+              </a:rPr>
+              <a:t>Registrar cambios</a:t>
+            </a:r>
+          </a:p>
+          <a:p>
+            <a:pPr marL="0" indent="0">
+              <a:buNone/>
+            </a:pPr>
+            <a:r>
+              <a:rPr lang="es-MX" sz="2200" dirty="0" err="1">
+                <a:solidFill>
+                  <a:srgbClr val="4B6584"/>
+                </a:solidFill>
+                <a:latin typeface="Gotham Rounded Bold" pitchFamily="50" charset="0"/>
+                <a:ea typeface="Roboto" panose="02000000000000000000" pitchFamily="2" charset="0"/>
+              </a:rPr>
+              <a:t>git</a:t>
             </a:r>
             <a:r>
               <a:rPr lang="es-MX" sz="2200" dirty="0">
                 <a:solidFill>
-                  <a:schemeClr val="bg1">
-                    <a:lumMod val="65000"/>
-                  </a:schemeClr>
-                </a:solidFill>
-                <a:latin typeface="Roboto" panose="02000000000000000000" pitchFamily="2" charset="0"/>
-                <a:ea typeface="Roboto" panose="02000000000000000000" pitchFamily="2" charset="0"/>
-              </a:rPr>
-              <a:t>cambios</a:t>
-            </a:r>
-          </a:p>
-          <a:p>
-            <a:pPr marL="0" indent="0">
-              <a:buNone/>
-            </a:pPr>
-            <a:r>
-              <a:rPr lang="es-MX" sz="2400" dirty="0" err="1" smtClean="0">
-                <a:solidFill>
                   <a:srgbClr val="4B6584"/>
                 </a:solidFill>
-                <a:latin typeface="Roboto" panose="02000000000000000000" pitchFamily="2" charset="0"/>
+                <a:latin typeface="Gotham Rounded Bold" pitchFamily="50" charset="0"/>
+                <a:ea typeface="Roboto" panose="02000000000000000000" pitchFamily="2" charset="0"/>
+              </a:rPr>
+              <a:t> </a:t>
+            </a:r>
+            <a:r>
+              <a:rPr lang="es-MX" sz="2200" dirty="0" err="1">
+                <a:solidFill>
+                  <a:srgbClr val="4B6584"/>
+                </a:solidFill>
+                <a:latin typeface="Gotham Rounded Bold" pitchFamily="50" charset="0"/>
+                <a:ea typeface="Roboto" panose="02000000000000000000" pitchFamily="2" charset="0"/>
+              </a:rPr>
+              <a:t>commit</a:t>
+            </a:r>
+            <a:r>
+              <a:rPr lang="es-MX" sz="2200" dirty="0">
+                <a:solidFill>
+                  <a:srgbClr val="4B6584"/>
+                </a:solidFill>
+                <a:latin typeface="Gotham Rounded Bold" pitchFamily="50" charset="0"/>
+                <a:ea typeface="Roboto" panose="02000000000000000000" pitchFamily="2" charset="0"/>
+              </a:rPr>
+              <a:t>			</a:t>
+            </a:r>
+            <a:r>
+              <a:rPr lang="es-MX" sz="2200" dirty="0" err="1">
+                <a:solidFill>
+                  <a:srgbClr val="4B6584"/>
+                </a:solidFill>
+                <a:latin typeface="Gotham Rounded Bold" pitchFamily="50" charset="0"/>
                 <a:ea typeface="Roboto" panose="02000000000000000000" pitchFamily="2" charset="0"/>
               </a:rPr>
               <a:t>git</a:t>
             </a:r>
             <a:r>
-              <a:rPr lang="es-MX" sz="2400" dirty="0" smtClean="0">
+              <a:rPr lang="es-MX" sz="2200" dirty="0">
                 <a:solidFill>
                   <a:srgbClr val="4B6584"/>
                 </a:solidFill>
-                <a:latin typeface="Roboto" panose="02000000000000000000" pitchFamily="2" charset="0"/>
+                <a:latin typeface="Gotham Rounded Bold" pitchFamily="50" charset="0"/>
                 <a:ea typeface="Roboto" panose="02000000000000000000" pitchFamily="2" charset="0"/>
               </a:rPr>
               <a:t> </a:t>
             </a:r>
             <a:r>
-              <a:rPr lang="es-MX" sz="2400" dirty="0" err="1" smtClean="0">
+              <a:rPr lang="es-MX" sz="2200" dirty="0" err="1">
                 <a:solidFill>
                   <a:srgbClr val="4B6584"/>
                 </a:solidFill>
-                <a:latin typeface="Roboto" panose="02000000000000000000" pitchFamily="2" charset="0"/>
+                <a:latin typeface="Gotham Rounded Bold" pitchFamily="50" charset="0"/>
                 <a:ea typeface="Roboto" panose="02000000000000000000" pitchFamily="2" charset="0"/>
               </a:rPr>
               <a:t>commit</a:t>
             </a:r>
             <a:r>
-              <a:rPr lang="es-MX" sz="2400" dirty="0">
+              <a:rPr lang="es-MX" sz="2200" dirty="0">
                 <a:solidFill>
                   <a:srgbClr val="4B6584"/>
                 </a:solidFill>
-                <a:latin typeface="Roboto" panose="02000000000000000000" pitchFamily="2" charset="0"/>
-                <a:ea typeface="Roboto" panose="02000000000000000000" pitchFamily="2" charset="0"/>
-              </a:rPr>
-              <a:t>	</a:t>
-            </a:r>
-            <a:r>
-              <a:rPr lang="es-MX" sz="2400" dirty="0" smtClean="0">
-                <a:solidFill>
-                  <a:srgbClr val="4B6584"/>
-                </a:solidFill>
-                <a:latin typeface="Roboto" panose="02000000000000000000" pitchFamily="2" charset="0"/>
-                <a:ea typeface="Roboto" panose="02000000000000000000" pitchFamily="2" charset="0"/>
-              </a:rPr>
-              <a:t>		</a:t>
-            </a:r>
-            <a:r>
-              <a:rPr lang="es-MX" sz="2400" dirty="0" err="1" smtClean="0">
-                <a:solidFill>
-                  <a:srgbClr val="4B6584"/>
-                </a:solidFill>
-                <a:latin typeface="Roboto" panose="02000000000000000000" pitchFamily="2" charset="0"/>
-                <a:ea typeface="Roboto" panose="02000000000000000000" pitchFamily="2" charset="0"/>
-              </a:rPr>
-              <a:t>git</a:t>
-            </a:r>
-            <a:r>
-              <a:rPr lang="es-MX" sz="2400" dirty="0" smtClean="0">
-                <a:solidFill>
-                  <a:srgbClr val="4B6584"/>
-                </a:solidFill>
-                <a:latin typeface="Roboto" panose="02000000000000000000" pitchFamily="2" charset="0"/>
-                <a:ea typeface="Roboto" panose="02000000000000000000" pitchFamily="2" charset="0"/>
-              </a:rPr>
-              <a:t> </a:t>
-            </a:r>
-            <a:r>
-              <a:rPr lang="es-MX" sz="2400" dirty="0" err="1" smtClean="0">
-                <a:solidFill>
-                  <a:srgbClr val="4B6584"/>
-                </a:solidFill>
-                <a:latin typeface="Roboto" panose="02000000000000000000" pitchFamily="2" charset="0"/>
-                <a:ea typeface="Roboto" panose="02000000000000000000" pitchFamily="2" charset="0"/>
-              </a:rPr>
-              <a:t>commit</a:t>
-            </a:r>
-            <a:r>
-              <a:rPr lang="es-MX" sz="2400" dirty="0" smtClean="0">
-                <a:solidFill>
-                  <a:srgbClr val="4B6584"/>
-                </a:solidFill>
-                <a:latin typeface="Roboto" panose="02000000000000000000" pitchFamily="2" charset="0"/>
-                <a:ea typeface="Roboto" panose="02000000000000000000" pitchFamily="2" charset="0"/>
-              </a:rPr>
-              <a:t> -m “</a:t>
-            </a:r>
-            <a:r>
-              <a:rPr lang="es-MX" sz="2000" dirty="0" smtClean="0">
-                <a:solidFill>
-                  <a:srgbClr val="4B6584"/>
-                </a:solidFill>
-                <a:latin typeface="Roboto" panose="02000000000000000000" pitchFamily="2" charset="0"/>
-                <a:ea typeface="Roboto" panose="02000000000000000000" pitchFamily="2" charset="0"/>
-              </a:rPr>
-              <a:t>[</a:t>
-            </a:r>
-            <a:r>
-              <a:rPr lang="es-MX" sz="2400" dirty="0" smtClean="0">
-                <a:solidFill>
-                  <a:srgbClr val="4B6584"/>
-                </a:solidFill>
-                <a:latin typeface="Roboto" panose="02000000000000000000" pitchFamily="2" charset="0"/>
-                <a:ea typeface="Roboto" panose="02000000000000000000" pitchFamily="2" charset="0"/>
-              </a:rPr>
-              <a:t>descripción</a:t>
-            </a:r>
-            <a:r>
-              <a:rPr lang="es-MX" sz="2000" dirty="0" smtClean="0">
-                <a:solidFill>
-                  <a:srgbClr val="4B6584"/>
-                </a:solidFill>
-                <a:latin typeface="Roboto" panose="02000000000000000000" pitchFamily="2" charset="0"/>
-                <a:ea typeface="Roboto" panose="02000000000000000000" pitchFamily="2" charset="0"/>
-              </a:rPr>
-              <a:t>]</a:t>
-            </a:r>
-            <a:r>
-              <a:rPr lang="es-MX" sz="2400" dirty="0" smtClean="0">
-                <a:solidFill>
-                  <a:srgbClr val="4B6584"/>
-                </a:solidFill>
-                <a:latin typeface="Roboto" panose="02000000000000000000" pitchFamily="2" charset="0"/>
-                <a:ea typeface="Roboto" panose="02000000000000000000" pitchFamily="2" charset="0"/>
-              </a:rPr>
-              <a:t>”</a:t>
+                <a:latin typeface="Gotham Rounded Bold" pitchFamily="50" charset="0"/>
+                <a:ea typeface="Roboto" panose="02000000000000000000" pitchFamily="2" charset="0"/>
+              </a:rPr>
+              <a:t> -m “[descripción]”</a:t>
             </a:r>
           </a:p>
           <a:p>
@@ -11770,7 +11581,7 @@
             <a:pPr marL="0" indent="0">
               <a:buNone/>
             </a:pPr>
-            <a:endParaRPr lang="es-MX" sz="2400" dirty="0" smtClean="0">
+            <a:endParaRPr lang="es-MX" sz="2400" dirty="0">
               <a:solidFill>
                 <a:schemeClr val="bg1">
                   <a:lumMod val="50000"/>
@@ -11798,21 +11609,7 @@
             <a:pPr marL="0" indent="0">
               <a:buNone/>
             </a:pPr>
-            <a:endParaRPr lang="es-MX" sz="2400" b="1" dirty="0" smtClean="0">
-              <a:solidFill>
-                <a:schemeClr val="bg1">
-                  <a:lumMod val="50000"/>
-                </a:schemeClr>
-              </a:solidFill>
-              <a:latin typeface="Roboto" panose="02000000000000000000" pitchFamily="2" charset="0"/>
-              <a:ea typeface="Roboto" panose="02000000000000000000" pitchFamily="2" charset="0"/>
-            </a:endParaRPr>
-          </a:p>
-          <a:p>
-            <a:pPr marL="0" indent="0">
-              <a:buNone/>
-            </a:pPr>
-            <a:endParaRPr lang="es-MX" sz="2400" dirty="0" smtClean="0">
+            <a:endParaRPr lang="es-MX" sz="2400" b="1" dirty="0">
               <a:solidFill>
                 <a:schemeClr val="bg1">
                   <a:lumMod val="50000"/>
@@ -11840,6 +11637,20 @@
             <a:pPr marL="0" indent="0">
               <a:buNone/>
             </a:pPr>
+            <a:endParaRPr lang="es-MX" sz="2400" dirty="0">
+              <a:solidFill>
+                <a:schemeClr val="bg1">
+                  <a:lumMod val="50000"/>
+                </a:schemeClr>
+              </a:solidFill>
+              <a:latin typeface="Roboto" panose="02000000000000000000" pitchFamily="2" charset="0"/>
+              <a:ea typeface="Roboto" panose="02000000000000000000" pitchFamily="2" charset="0"/>
+            </a:endParaRPr>
+          </a:p>
+          <a:p>
+            <a:pPr marL="0" indent="0">
+              <a:buNone/>
+            </a:pPr>
             <a:endParaRPr lang="es-MX" dirty="0">
               <a:solidFill>
                 <a:schemeClr val="bg1">
@@ -11855,6 +11666,76 @@
               <a:buNone/>
             </a:pPr>
             <a:endParaRPr lang="es-MX" dirty="0"/>
+          </a:p>
+        </p:txBody>
+      </p:sp>
+      <p:sp>
+        <p:nvSpPr>
+          <p:cNvPr id="6" name="CuadroTexto 5">
+            <a:extLst>
+              <a:ext uri="{FF2B5EF4-FFF2-40B4-BE49-F238E27FC236}">
+                <a16:creationId xmlns:a16="http://schemas.microsoft.com/office/drawing/2014/main" id="{39F399A8-E29E-4F11-A424-9B6C102D25D7}"/>
+              </a:ext>
+            </a:extLst>
+          </p:cNvPr>
+          <p:cNvSpPr txBox="1"/>
+          <p:nvPr/>
+        </p:nvSpPr>
+        <p:spPr>
+          <a:xfrm>
+            <a:off x="10519955" y="6534835"/>
+            <a:ext cx="1672045" cy="323165"/>
+          </a:xfrm>
+          <a:prstGeom prst="rect">
+            <a:avLst/>
+          </a:prstGeom>
+          <a:noFill/>
+        </p:spPr>
+        <p:txBody>
+          <a:bodyPr wrap="square" rtlCol="0">
+            <a:spAutoFit/>
+          </a:bodyPr>
+          <a:lstStyle/>
+          <a:p>
+            <a:r>
+              <a:rPr lang="en-US" sz="1500" dirty="0">
+                <a:solidFill>
+                  <a:srgbClr val="FFC000"/>
+                </a:solidFill>
+                <a:latin typeface="Gotham Rounded Medium" panose="02000000000000000000" pitchFamily="50" charset="0"/>
+              </a:rPr>
+              <a:t>[ ] NO </a:t>
+            </a:r>
+            <a:r>
+              <a:rPr lang="en-US" sz="1200" dirty="0">
+                <a:solidFill>
+                  <a:schemeClr val="bg1">
+                    <a:lumMod val="75000"/>
+                  </a:schemeClr>
+                </a:solidFill>
+                <a:latin typeface="Gotham Rounded Medium" panose="02000000000000000000" pitchFamily="50" charset="0"/>
+              </a:rPr>
+              <a:t>se </a:t>
+            </a:r>
+            <a:r>
+              <a:rPr lang="en-US" sz="1200" dirty="0" err="1">
+                <a:solidFill>
+                  <a:schemeClr val="bg1">
+                    <a:lumMod val="75000"/>
+                  </a:schemeClr>
+                </a:solidFill>
+                <a:latin typeface="Gotham Rounded Medium" panose="02000000000000000000" pitchFamily="50" charset="0"/>
+              </a:rPr>
+              <a:t>teclean</a:t>
+            </a:r>
+            <a:endParaRPr lang="es-MX" sz="1200" dirty="0">
+              <a:solidFill>
+                <a:schemeClr val="bg1">
+                  <a:lumMod val="75000"/>
+                </a:schemeClr>
+              </a:solidFill>
+              <a:latin typeface="Gotham Rounded Medium" panose="02000000000000000000" pitchFamily="50" charset="0"/>
+            </a:endParaRPr>
           </a:p>
         </p:txBody>
       </p:sp>
@@ -11868,13 +11749,6 @@
   <p:clrMapOvr>
     <a:masterClrMapping/>
   </p:clrMapOvr>
-  <p:timing>
-    <p:tnLst>
-      <p:par>
-        <p:cTn id="1" dur="indefinite" restart="never" nodeType="tmRoot"/>
-      </p:par>
-    </p:tnLst>
-  </p:timing>
 </p:sld>
 </file>
 
